--- a/DynamoUserGroup/20221118_부산 세미나 준비/documentum/DynDict활용_발표자료.pptx
+++ b/DynamoUserGroup/20221118_부산 세미나 준비/documentum/DynDict활용_발표자료.pptx
@@ -21,15 +21,16 @@
     <p:sldId id="257" r:id="rId15"/>
     <p:sldId id="259" r:id="rId16"/>
     <p:sldId id="272" r:id="rId17"/>
-    <p:sldId id="271" r:id="rId18"/>
-    <p:sldId id="283" r:id="rId19"/>
-    <p:sldId id="273" r:id="rId20"/>
-    <p:sldId id="260" r:id="rId21"/>
-    <p:sldId id="262" r:id="rId22"/>
-    <p:sldId id="263" r:id="rId23"/>
-    <p:sldId id="284" r:id="rId24"/>
-    <p:sldId id="265" r:id="rId25"/>
-    <p:sldId id="264" r:id="rId26"/>
+    <p:sldId id="285" r:id="rId18"/>
+    <p:sldId id="271" r:id="rId19"/>
+    <p:sldId id="283" r:id="rId20"/>
+    <p:sldId id="273" r:id="rId21"/>
+    <p:sldId id="260" r:id="rId22"/>
+    <p:sldId id="262" r:id="rId23"/>
+    <p:sldId id="263" r:id="rId24"/>
+    <p:sldId id="284" r:id="rId25"/>
+    <p:sldId id="265" r:id="rId26"/>
+    <p:sldId id="264" r:id="rId27"/>
   </p:sldIdLst>
   <p:sldSz cx="12192000" cy="6858000"/>
   <p:notesSz cx="6858000" cy="9144000"/>
@@ -3204,16 +3205,6 @@
               </a:rPr>
               <a:t>{</a:t>
             </a:r>
-            <a:endParaRPr lang="en-US" altLang="ko-KR" sz="2800" dirty="0" smtClean="0">
-              <a:solidFill>
-                <a:schemeClr val="tx1">
-                  <a:lumMod val="50000"/>
-                  <a:lumOff val="50000"/>
-                </a:schemeClr>
-              </a:solidFill>
-              <a:latin typeface="리디바탕" panose="020B0600000101010101" pitchFamily="34" charset="-127"/>
-              <a:ea typeface="리디바탕" panose="020B0600000101010101" pitchFamily="34" charset="-127"/>
-            </a:endParaRPr>
           </a:p>
         </p:txBody>
       </p:sp>
@@ -3253,16 +3244,6 @@
               </a:rPr>
               <a:t>Dictionary?</a:t>
             </a:r>
-            <a:endParaRPr lang="en-US" altLang="ko-KR" sz="2800" dirty="0" smtClean="0">
-              <a:solidFill>
-                <a:schemeClr val="tx1">
-                  <a:lumMod val="50000"/>
-                  <a:lumOff val="50000"/>
-                </a:schemeClr>
-              </a:solidFill>
-              <a:latin typeface="리디바탕" panose="020B0600000101010101" pitchFamily="34" charset="-127"/>
-              <a:ea typeface="리디바탕" panose="020B0600000101010101" pitchFamily="34" charset="-127"/>
-            </a:endParaRPr>
           </a:p>
         </p:txBody>
       </p:sp>
@@ -3306,16 +3287,6 @@
               </a:rPr>
               <a:t>}</a:t>
             </a:r>
-            <a:endParaRPr lang="en-US" altLang="ko-KR" sz="2800" dirty="0" smtClean="0">
-              <a:solidFill>
-                <a:schemeClr val="tx1">
-                  <a:lumMod val="50000"/>
-                  <a:lumOff val="50000"/>
-                </a:schemeClr>
-              </a:solidFill>
-              <a:latin typeface="리디바탕" panose="020B0600000101010101" pitchFamily="34" charset="-127"/>
-              <a:ea typeface="리디바탕" panose="020B0600000101010101" pitchFamily="34" charset="-127"/>
-            </a:endParaRPr>
           </a:p>
         </p:txBody>
       </p:sp>
@@ -3837,16 +3808,6 @@
               </a:rPr>
               <a:t>{</a:t>
             </a:r>
-            <a:endParaRPr lang="en-US" altLang="ko-KR" sz="2800" dirty="0" smtClean="0">
-              <a:solidFill>
-                <a:schemeClr val="tx1">
-                  <a:lumMod val="50000"/>
-                  <a:lumOff val="50000"/>
-                </a:schemeClr>
-              </a:solidFill>
-              <a:latin typeface="리디바탕" panose="020B0600000101010101" pitchFamily="34" charset="-127"/>
-              <a:ea typeface="리디바탕" panose="020B0600000101010101" pitchFamily="34" charset="-127"/>
-            </a:endParaRPr>
           </a:p>
         </p:txBody>
       </p:sp>
@@ -3886,16 +3847,6 @@
               </a:rPr>
               <a:t>Dictionary?</a:t>
             </a:r>
-            <a:endParaRPr lang="en-US" altLang="ko-KR" sz="2800" dirty="0" smtClean="0">
-              <a:solidFill>
-                <a:schemeClr val="tx1">
-                  <a:lumMod val="50000"/>
-                  <a:lumOff val="50000"/>
-                </a:schemeClr>
-              </a:solidFill>
-              <a:latin typeface="리디바탕" panose="020B0600000101010101" pitchFamily="34" charset="-127"/>
-              <a:ea typeface="리디바탕" panose="020B0600000101010101" pitchFamily="34" charset="-127"/>
-            </a:endParaRPr>
           </a:p>
         </p:txBody>
       </p:sp>
@@ -3939,16 +3890,6 @@
               </a:rPr>
               <a:t>}</a:t>
             </a:r>
-            <a:endParaRPr lang="en-US" altLang="ko-KR" sz="2800" dirty="0" smtClean="0">
-              <a:solidFill>
-                <a:schemeClr val="tx1">
-                  <a:lumMod val="50000"/>
-                  <a:lumOff val="50000"/>
-                </a:schemeClr>
-              </a:solidFill>
-              <a:latin typeface="리디바탕" panose="020B0600000101010101" pitchFamily="34" charset="-127"/>
-              <a:ea typeface="리디바탕" panose="020B0600000101010101" pitchFamily="34" charset="-127"/>
-            </a:endParaRPr>
           </a:p>
         </p:txBody>
       </p:sp>
@@ -4811,16 +4752,6 @@
               </a:rPr>
               <a:t>{</a:t>
             </a:r>
-            <a:endParaRPr lang="en-US" altLang="ko-KR" sz="2800" dirty="0" smtClean="0">
-              <a:solidFill>
-                <a:schemeClr val="tx1">
-                  <a:lumMod val="50000"/>
-                  <a:lumOff val="50000"/>
-                </a:schemeClr>
-              </a:solidFill>
-              <a:latin typeface="리디바탕" panose="020B0600000101010101" pitchFamily="34" charset="-127"/>
-              <a:ea typeface="리디바탕" panose="020B0600000101010101" pitchFamily="34" charset="-127"/>
-            </a:endParaRPr>
           </a:p>
         </p:txBody>
       </p:sp>
@@ -4860,16 +4791,6 @@
               </a:rPr>
               <a:t>Dictionary?</a:t>
             </a:r>
-            <a:endParaRPr lang="en-US" altLang="ko-KR" sz="2800" dirty="0" smtClean="0">
-              <a:solidFill>
-                <a:schemeClr val="tx1">
-                  <a:lumMod val="50000"/>
-                  <a:lumOff val="50000"/>
-                </a:schemeClr>
-              </a:solidFill>
-              <a:latin typeface="리디바탕" panose="020B0600000101010101" pitchFamily="34" charset="-127"/>
-              <a:ea typeface="리디바탕" panose="020B0600000101010101" pitchFamily="34" charset="-127"/>
-            </a:endParaRPr>
           </a:p>
         </p:txBody>
       </p:sp>
@@ -4913,16 +4834,6 @@
               </a:rPr>
               <a:t>}</a:t>
             </a:r>
-            <a:endParaRPr lang="en-US" altLang="ko-KR" sz="2800" dirty="0" smtClean="0">
-              <a:solidFill>
-                <a:schemeClr val="tx1">
-                  <a:lumMod val="50000"/>
-                  <a:lumOff val="50000"/>
-                </a:schemeClr>
-              </a:solidFill>
-              <a:latin typeface="리디바탕" panose="020B0600000101010101" pitchFamily="34" charset="-127"/>
-              <a:ea typeface="리디바탕" panose="020B0600000101010101" pitchFamily="34" charset="-127"/>
-            </a:endParaRPr>
           </a:p>
         </p:txBody>
       </p:sp>
@@ -5789,16 +5700,6 @@
               </a:rPr>
               <a:t>{</a:t>
             </a:r>
-            <a:endParaRPr lang="en-US" altLang="ko-KR" sz="2800" dirty="0" smtClean="0">
-              <a:solidFill>
-                <a:schemeClr val="tx1">
-                  <a:lumMod val="50000"/>
-                  <a:lumOff val="50000"/>
-                </a:schemeClr>
-              </a:solidFill>
-              <a:latin typeface="리디바탕" panose="020B0600000101010101" pitchFamily="34" charset="-127"/>
-              <a:ea typeface="리디바탕" panose="020B0600000101010101" pitchFamily="34" charset="-127"/>
-            </a:endParaRPr>
           </a:p>
         </p:txBody>
       </p:sp>
@@ -5842,16 +5743,6 @@
               </a:rPr>
               <a:t>}</a:t>
             </a:r>
-            <a:endParaRPr lang="en-US" altLang="ko-KR" sz="2800" dirty="0" smtClean="0">
-              <a:solidFill>
-                <a:schemeClr val="tx1">
-                  <a:lumMod val="50000"/>
-                  <a:lumOff val="50000"/>
-                </a:schemeClr>
-              </a:solidFill>
-              <a:latin typeface="리디바탕" panose="020B0600000101010101" pitchFamily="34" charset="-127"/>
-              <a:ea typeface="리디바탕" panose="020B0600000101010101" pitchFamily="34" charset="-127"/>
-            </a:endParaRPr>
           </a:p>
         </p:txBody>
       </p:sp>
@@ -6426,16 +6317,6 @@
               </a:rPr>
               <a:t>{</a:t>
             </a:r>
-            <a:endParaRPr lang="en-US" altLang="ko-KR" sz="2800" dirty="0" smtClean="0">
-              <a:solidFill>
-                <a:schemeClr val="tx1">
-                  <a:lumMod val="50000"/>
-                  <a:lumOff val="50000"/>
-                </a:schemeClr>
-              </a:solidFill>
-              <a:latin typeface="리디바탕" panose="020B0600000101010101" pitchFamily="34" charset="-127"/>
-              <a:ea typeface="리디바탕" panose="020B0600000101010101" pitchFamily="34" charset="-127"/>
-            </a:endParaRPr>
           </a:p>
         </p:txBody>
       </p:sp>
@@ -6479,16 +6360,6 @@
               </a:rPr>
               <a:t>}</a:t>
             </a:r>
-            <a:endParaRPr lang="en-US" altLang="ko-KR" sz="2800" dirty="0" smtClean="0">
-              <a:solidFill>
-                <a:schemeClr val="tx1">
-                  <a:lumMod val="50000"/>
-                  <a:lumOff val="50000"/>
-                </a:schemeClr>
-              </a:solidFill>
-              <a:latin typeface="리디바탕" panose="020B0600000101010101" pitchFamily="34" charset="-127"/>
-              <a:ea typeface="리디바탕" panose="020B0600000101010101" pitchFamily="34" charset="-127"/>
-            </a:endParaRPr>
           </a:p>
         </p:txBody>
       </p:sp>
@@ -7076,16 +6947,6 @@
               </a:rPr>
               <a:t>A</a:t>
             </a:r>
-            <a:endParaRPr lang="en-US" altLang="ko-KR" dirty="0" smtClean="0">
-              <a:solidFill>
-                <a:schemeClr val="tx1">
-                  <a:lumMod val="50000"/>
-                  <a:lumOff val="50000"/>
-                </a:schemeClr>
-              </a:solidFill>
-              <a:latin typeface="리디바탕" panose="020B0600000101010101" pitchFamily="34" charset="-127"/>
-              <a:ea typeface="리디바탕" panose="020B0600000101010101" pitchFamily="34" charset="-127"/>
-            </a:endParaRPr>
           </a:p>
         </p:txBody>
       </p:sp>
@@ -7142,16 +7003,6 @@
               </a:rPr>
               <a:t>B</a:t>
             </a:r>
-            <a:endParaRPr lang="en-US" altLang="ko-KR" dirty="0" smtClean="0">
-              <a:solidFill>
-                <a:schemeClr val="tx1">
-                  <a:lumMod val="50000"/>
-                  <a:lumOff val="50000"/>
-                </a:schemeClr>
-              </a:solidFill>
-              <a:latin typeface="리디바탕" panose="020B0600000101010101" pitchFamily="34" charset="-127"/>
-              <a:ea typeface="리디바탕" panose="020B0600000101010101" pitchFamily="34" charset="-127"/>
-            </a:endParaRPr>
           </a:p>
         </p:txBody>
       </p:sp>
@@ -7208,16 +7059,6 @@
               </a:rPr>
               <a:t>C</a:t>
             </a:r>
-            <a:endParaRPr lang="en-US" altLang="ko-KR" dirty="0" smtClean="0">
-              <a:solidFill>
-                <a:schemeClr val="tx1">
-                  <a:lumMod val="50000"/>
-                  <a:lumOff val="50000"/>
-                </a:schemeClr>
-              </a:solidFill>
-              <a:latin typeface="리디바탕" panose="020B0600000101010101" pitchFamily="34" charset="-127"/>
-              <a:ea typeface="리디바탕" panose="020B0600000101010101" pitchFamily="34" charset="-127"/>
-            </a:endParaRPr>
           </a:p>
         </p:txBody>
       </p:sp>
@@ -7713,7 +7554,27 @@
                 <a:latin typeface="리디바탕" panose="020B0600000101010101" pitchFamily="34" charset="-127"/>
                 <a:ea typeface="리디바탕" panose="020B0600000101010101" pitchFamily="34" charset="-127"/>
               </a:rPr>
-              <a:t>기 앞쪽에서 만들어 두었던 데이터를 참조할 필요가 있을 때</a:t>
+              <a:t>기 앞쪽에서 만들어 두었던 데이터를 참조할 필요가 </a:t>
+            </a:r>
+            <a:r>
+              <a:rPr lang="ko-KR" altLang="en-US" dirty="0" smtClean="0">
+                <a:solidFill>
+                  <a:srgbClr val="FF0000"/>
+                </a:solidFill>
+                <a:latin typeface="리디바탕" panose="020B0600000101010101" pitchFamily="34" charset="-127"/>
+                <a:ea typeface="리디바탕" panose="020B0600000101010101" pitchFamily="34" charset="-127"/>
+              </a:rPr>
+              <a:t>생길 </a:t>
+            </a:r>
+            <a:r>
+              <a:rPr lang="ko-KR" altLang="en-US" dirty="0" smtClean="0">
+                <a:solidFill>
+                  <a:srgbClr val="FF0000"/>
+                </a:solidFill>
+                <a:latin typeface="리디바탕" panose="020B0600000101010101" pitchFamily="34" charset="-127"/>
+                <a:ea typeface="리디바탕" panose="020B0600000101010101" pitchFamily="34" charset="-127"/>
+              </a:rPr>
+              <a:t>때</a:t>
             </a:r>
             <a:r>
               <a:rPr lang="en-US" altLang="ko-KR" dirty="0" smtClean="0">
@@ -7821,7 +7682,17 @@
                 <a:latin typeface="리디바탕" panose="020B0600000101010101" pitchFamily="34" charset="-127"/>
                 <a:ea typeface="리디바탕" panose="020B0600000101010101" pitchFamily="34" charset="-127"/>
               </a:rPr>
-              <a:t> 태생적 한계점</a:t>
+              <a:t> 태생적 </a:t>
+            </a:r>
+            <a:r>
+              <a:rPr lang="ko-KR" altLang="en-US" dirty="0" smtClean="0">
+                <a:solidFill>
+                  <a:srgbClr val="FF0000"/>
+                </a:solidFill>
+                <a:latin typeface="리디바탕" panose="020B0600000101010101" pitchFamily="34" charset="-127"/>
+                <a:ea typeface="리디바탕" panose="020B0600000101010101" pitchFamily="34" charset="-127"/>
+              </a:rPr>
+              <a:t>한계</a:t>
             </a:r>
             <a:r>
               <a:rPr lang="en-US" altLang="ko-KR" dirty="0" smtClean="0">
@@ -8013,14 +7884,14 @@
       </p:grpSpPr>
       <p:sp>
         <p:nvSpPr>
-          <p:cNvPr id="2" name="TextBox 1"/>
+          <p:cNvPr id="3" name="TextBox 2"/>
           <p:cNvSpPr txBox="1"/>
           <p:nvPr/>
         </p:nvSpPr>
         <p:spPr>
           <a:xfrm>
-            <a:off x="0" y="822851"/>
-            <a:ext cx="12192000" cy="1384995"/>
+            <a:off x="6210300" y="2086533"/>
+            <a:ext cx="5596851" cy="1671227"/>
           </a:xfrm>
           <a:prstGeom prst="rect">
             <a:avLst/>
@@ -8033,442 +7904,72 @@
           </a:bodyPr>
           <a:lstStyle/>
           <a:p>
-            <a:pPr algn="ctr">
+            <a:pPr>
               <a:lnSpc>
-                <a:spcPct val="150000"/>
+                <a:spcPct val="200000"/>
               </a:lnSpc>
             </a:pPr>
             <a:r>
-              <a:rPr lang="en-US" altLang="ko-KR" sz="2800" dirty="0" smtClean="0">
-                <a:latin typeface="리디바탕" panose="020B0600000101010101" pitchFamily="34" charset="-127"/>
-                <a:ea typeface="리디바탕" panose="020B0600000101010101" pitchFamily="34" charset="-127"/>
-              </a:rPr>
-              <a:t>Dictionary </a:t>
-            </a:r>
-            <a:r>
-              <a:rPr lang="ko-KR" altLang="en-US" sz="2800" dirty="0" smtClean="0">
-                <a:latin typeface="리디바탕" panose="020B0600000101010101" pitchFamily="34" charset="-127"/>
-                <a:ea typeface="리디바탕" panose="020B0600000101010101" pitchFamily="34" charset="-127"/>
-              </a:rPr>
-              <a:t>가 </a:t>
-            </a:r>
-            <a:r>
-              <a:rPr lang="ko-KR" altLang="en-US" sz="2800" dirty="0" smtClean="0">
-                <a:latin typeface="리디바탕" panose="020B0600000101010101" pitchFamily="34" charset="-127"/>
-                <a:ea typeface="리디바탕" panose="020B0600000101010101" pitchFamily="34" charset="-127"/>
-              </a:rPr>
-              <a:t>코드의 복잡도를 낮출 수 있는 이유는</a:t>
-            </a:r>
-            <a:r>
-              <a:rPr lang="en-US" altLang="ko-KR" sz="2800" dirty="0" smtClean="0">
-                <a:latin typeface="리디바탕" panose="020B0600000101010101" pitchFamily="34" charset="-127"/>
-                <a:ea typeface="리디바탕" panose="020B0600000101010101" pitchFamily="34" charset="-127"/>
-              </a:rPr>
-              <a:t>?</a:t>
-            </a:r>
-          </a:p>
-          <a:p>
-            <a:pPr algn="ctr">
-              <a:lnSpc>
-                <a:spcPct val="150000"/>
-              </a:lnSpc>
-            </a:pPr>
-            <a:r>
-              <a:rPr lang="en-US" altLang="ko-KR" sz="2800" dirty="0" smtClean="0">
-                <a:latin typeface="리디바탕" panose="020B0600000101010101" pitchFamily="34" charset="-127"/>
-                <a:ea typeface="리디바탕" panose="020B0600000101010101" pitchFamily="34" charset="-127"/>
-              </a:rPr>
-              <a:t>&gt; </a:t>
-            </a:r>
-            <a:r>
-              <a:rPr lang="ko-KR" altLang="en-US" sz="2800" dirty="0" smtClean="0">
-                <a:solidFill>
-                  <a:srgbClr val="FF00FF"/>
-                </a:solidFill>
-                <a:latin typeface="리디바탕" panose="020B0600000101010101" pitchFamily="34" charset="-127"/>
-                <a:ea typeface="리디바탕" panose="020B0600000101010101" pitchFamily="34" charset="-127"/>
-              </a:rPr>
-              <a:t>명시적</a:t>
-            </a:r>
-            <a:r>
-              <a:rPr lang="ko-KR" altLang="en-US" sz="2800" dirty="0" smtClean="0">
-                <a:latin typeface="리디바탕" panose="020B0600000101010101" pitchFamily="34" charset="-127"/>
-                <a:ea typeface="리디바탕" panose="020B0600000101010101" pitchFamily="34" charset="-127"/>
-              </a:rPr>
-              <a:t> 키를 사용하기 때문</a:t>
-            </a:r>
-            <a:endParaRPr lang="en-US" altLang="ko-KR" sz="2800" dirty="0" smtClean="0">
+              <a:rPr lang="ko-KR" altLang="en-US" dirty="0" smtClean="0">
+                <a:latin typeface="리디바탕" panose="020B0600000101010101" pitchFamily="34" charset="-127"/>
+                <a:ea typeface="리디바탕" panose="020B0600000101010101" pitchFamily="34" charset="-127"/>
+              </a:rPr>
+              <a:t>이런 스파게티를 방지하기 위한 도구로</a:t>
+            </a:r>
+            <a:endParaRPr lang="en-US" altLang="ko-KR" dirty="0" smtClean="0">
               <a:latin typeface="리디바탕" panose="020B0600000101010101" pitchFamily="34" charset="-127"/>
               <a:ea typeface="리디바탕" panose="020B0600000101010101" pitchFamily="34" charset="-127"/>
             </a:endParaRPr>
           </a:p>
-        </p:txBody>
-      </p:sp>
-      <p:sp>
-        <p:nvSpPr>
-          <p:cNvPr id="3" name="TextBox 2"/>
-          <p:cNvSpPr txBox="1"/>
-          <p:nvPr/>
-        </p:nvSpPr>
-        <p:spPr>
-          <a:xfrm>
-            <a:off x="4013734" y="2516897"/>
-            <a:ext cx="3493971" cy="1384995"/>
-          </a:xfrm>
-          <a:prstGeom prst="rect">
-            <a:avLst/>
-          </a:prstGeom>
-          <a:noFill/>
-        </p:spPr>
-        <p:txBody>
-          <a:bodyPr wrap="square" rtlCol="0">
-            <a:spAutoFit/>
-          </a:bodyPr>
-          <a:lstStyle/>
           <a:p>
             <a:pPr>
               <a:lnSpc>
-                <a:spcPct val="150000"/>
+                <a:spcPct val="200000"/>
               </a:lnSpc>
             </a:pPr>
-            <a:r>
-              <a:rPr lang="en-US" altLang="ko-KR" sz="2800" dirty="0" smtClean="0">
-                <a:latin typeface="리디바탕" panose="020B0600000101010101" pitchFamily="34" charset="-127"/>
-                <a:ea typeface="리디바탕" panose="020B0600000101010101" pitchFamily="34" charset="-127"/>
-              </a:rPr>
-              <a:t>Ex.) list</a:t>
-            </a:r>
-          </a:p>
-          <a:p>
-            <a:pPr>
-              <a:lnSpc>
-                <a:spcPct val="150000"/>
-              </a:lnSpc>
-            </a:pPr>
-            <a:r>
-              <a:rPr lang="en-US" altLang="ko-KR" sz="2800" dirty="0" smtClean="0">
-                <a:latin typeface="리디바탕" panose="020B0600000101010101" pitchFamily="34" charset="-127"/>
-                <a:ea typeface="리디바탕" panose="020B0600000101010101" pitchFamily="34" charset="-127"/>
-              </a:rPr>
-              <a:t>[ </a:t>
-            </a:r>
-            <a:r>
-              <a:rPr lang="en-US" altLang="ko-KR" sz="2800" dirty="0">
-                <a:latin typeface="리디바탕" panose="020B0600000101010101" pitchFamily="34" charset="-127"/>
-                <a:ea typeface="리디바탕" panose="020B0600000101010101" pitchFamily="34" charset="-127"/>
-              </a:rPr>
-              <a:t>A</a:t>
-            </a:r>
-            <a:r>
-              <a:rPr lang="en-US" altLang="ko-KR" sz="2800" dirty="0" smtClean="0">
-                <a:latin typeface="리디바탕" panose="020B0600000101010101" pitchFamily="34" charset="-127"/>
-                <a:ea typeface="리디바탕" panose="020B0600000101010101" pitchFamily="34" charset="-127"/>
-              </a:rPr>
-              <a:t>, B, C, D, E ]</a:t>
-            </a:r>
-            <a:endParaRPr lang="en-US" altLang="ko-KR" sz="2800" dirty="0" smtClean="0">
+            <a:endParaRPr lang="en-US" altLang="ko-KR" dirty="0">
               <a:latin typeface="리디바탕" panose="020B0600000101010101" pitchFamily="34" charset="-127"/>
               <a:ea typeface="리디바탕" panose="020B0600000101010101" pitchFamily="34" charset="-127"/>
             </a:endParaRPr>
           </a:p>
-        </p:txBody>
-      </p:sp>
-      <p:sp>
-        <p:nvSpPr>
-          <p:cNvPr id="4" name="TextBox 3"/>
-          <p:cNvSpPr txBox="1"/>
-          <p:nvPr/>
-        </p:nvSpPr>
-        <p:spPr>
-          <a:xfrm>
-            <a:off x="4013734" y="4286349"/>
-            <a:ext cx="6939815" cy="1309589"/>
-          </a:xfrm>
-          <a:prstGeom prst="rect">
-            <a:avLst/>
-          </a:prstGeom>
-          <a:noFill/>
-        </p:spPr>
-        <p:txBody>
-          <a:bodyPr wrap="square" rtlCol="0">
-            <a:spAutoFit/>
-          </a:bodyPr>
-          <a:lstStyle/>
           <a:p>
             <a:pPr>
               <a:lnSpc>
-                <a:spcPct val="150000"/>
+                <a:spcPct val="200000"/>
               </a:lnSpc>
             </a:pPr>
             <a:r>
-              <a:rPr lang="en-US" altLang="ko-KR" sz="2800" dirty="0" smtClean="0">
-                <a:latin typeface="리디바탕" panose="020B0600000101010101" pitchFamily="34" charset="-127"/>
-                <a:ea typeface="리디바탕" panose="020B0600000101010101" pitchFamily="34" charset="-127"/>
-              </a:rPr>
-              <a:t>[ </a:t>
-            </a:r>
-            <a:r>
-              <a:rPr lang="en-US" altLang="ko-KR" sz="2800" dirty="0" smtClean="0">
-                <a:solidFill>
-                  <a:schemeClr val="bg1">
-                    <a:lumMod val="65000"/>
-                  </a:schemeClr>
-                </a:solidFill>
-                <a:latin typeface="리디바탕" panose="020B0600000101010101" pitchFamily="34" charset="-127"/>
-                <a:ea typeface="리디바탕" panose="020B0600000101010101" pitchFamily="34" charset="-127"/>
-              </a:rPr>
-              <a:t>0: </a:t>
-            </a:r>
-            <a:r>
-              <a:rPr lang="en-US" altLang="ko-KR" sz="2800" dirty="0" smtClean="0">
-                <a:latin typeface="리디바탕" panose="020B0600000101010101" pitchFamily="34" charset="-127"/>
-                <a:ea typeface="리디바탕" panose="020B0600000101010101" pitchFamily="34" charset="-127"/>
-              </a:rPr>
-              <a:t>A, </a:t>
-            </a:r>
-            <a:r>
-              <a:rPr lang="en-US" altLang="ko-KR" sz="2800" dirty="0" smtClean="0">
-                <a:solidFill>
-                  <a:schemeClr val="bg1">
-                    <a:lumMod val="65000"/>
-                  </a:schemeClr>
-                </a:solidFill>
-                <a:latin typeface="리디바탕" panose="020B0600000101010101" pitchFamily="34" charset="-127"/>
-                <a:ea typeface="리디바탕" panose="020B0600000101010101" pitchFamily="34" charset="-127"/>
-              </a:rPr>
-              <a:t>1: </a:t>
-            </a:r>
-            <a:r>
-              <a:rPr lang="en-US" altLang="ko-KR" sz="2800" dirty="0" smtClean="0">
-                <a:latin typeface="리디바탕" panose="020B0600000101010101" pitchFamily="34" charset="-127"/>
-                <a:ea typeface="리디바탕" panose="020B0600000101010101" pitchFamily="34" charset="-127"/>
-              </a:rPr>
-              <a:t>B, </a:t>
-            </a:r>
-            <a:r>
-              <a:rPr lang="en-US" altLang="ko-KR" sz="2800" dirty="0" smtClean="0">
-                <a:solidFill>
-                  <a:schemeClr val="bg1">
-                    <a:lumMod val="65000"/>
-                  </a:schemeClr>
-                </a:solidFill>
-                <a:latin typeface="리디바탕" panose="020B0600000101010101" pitchFamily="34" charset="-127"/>
-                <a:ea typeface="리디바탕" panose="020B0600000101010101" pitchFamily="34" charset="-127"/>
-              </a:rPr>
-              <a:t>2: </a:t>
-            </a:r>
-            <a:r>
-              <a:rPr lang="en-US" altLang="ko-KR" sz="2800" dirty="0" smtClean="0">
-                <a:latin typeface="리디바탕" panose="020B0600000101010101" pitchFamily="34" charset="-127"/>
-                <a:ea typeface="리디바탕" panose="020B0600000101010101" pitchFamily="34" charset="-127"/>
-              </a:rPr>
-              <a:t>C, </a:t>
-            </a:r>
-            <a:r>
-              <a:rPr lang="en-US" altLang="ko-KR" sz="2800" dirty="0" smtClean="0">
-                <a:solidFill>
-                  <a:schemeClr val="bg1">
-                    <a:lumMod val="65000"/>
-                  </a:schemeClr>
-                </a:solidFill>
-                <a:latin typeface="리디바탕" panose="020B0600000101010101" pitchFamily="34" charset="-127"/>
-                <a:ea typeface="리디바탕" panose="020B0600000101010101" pitchFamily="34" charset="-127"/>
-              </a:rPr>
-              <a:t>3: </a:t>
-            </a:r>
-            <a:r>
-              <a:rPr lang="en-US" altLang="ko-KR" sz="2800" dirty="0" smtClean="0">
-                <a:latin typeface="리디바탕" panose="020B0600000101010101" pitchFamily="34" charset="-127"/>
-                <a:ea typeface="리디바탕" panose="020B0600000101010101" pitchFamily="34" charset="-127"/>
-              </a:rPr>
-              <a:t>D, </a:t>
-            </a:r>
-            <a:r>
-              <a:rPr lang="en-US" altLang="ko-KR" sz="2800" dirty="0" smtClean="0">
-                <a:solidFill>
-                  <a:schemeClr val="bg1">
-                    <a:lumMod val="65000"/>
-                  </a:schemeClr>
-                </a:solidFill>
-                <a:latin typeface="리디바탕" panose="020B0600000101010101" pitchFamily="34" charset="-127"/>
-                <a:ea typeface="리디바탕" panose="020B0600000101010101" pitchFamily="34" charset="-127"/>
-              </a:rPr>
-              <a:t>4: </a:t>
-            </a:r>
-            <a:r>
-              <a:rPr lang="en-US" altLang="ko-KR" sz="2800" dirty="0" smtClean="0">
-                <a:latin typeface="리디바탕" panose="020B0600000101010101" pitchFamily="34" charset="-127"/>
-                <a:ea typeface="리디바탕" panose="020B0600000101010101" pitchFamily="34" charset="-127"/>
-              </a:rPr>
-              <a:t>E ]</a:t>
-            </a:r>
-          </a:p>
-          <a:p>
-            <a:pPr>
-              <a:lnSpc>
-                <a:spcPct val="150000"/>
-              </a:lnSpc>
-            </a:pPr>
-            <a:r>
-              <a:rPr lang="ko-KR" altLang="en-US" sz="2400" dirty="0" smtClean="0">
-                <a:latin typeface="리디바탕" panose="020B0600000101010101" pitchFamily="34" charset="-127"/>
-                <a:ea typeface="리디바탕" panose="020B0600000101010101" pitchFamily="34" charset="-127"/>
-              </a:rPr>
-              <a:t>리스트는 </a:t>
-            </a:r>
-            <a:r>
-              <a:rPr lang="ko-KR" altLang="en-US" sz="2400" dirty="0" smtClean="0">
-                <a:solidFill>
-                  <a:schemeClr val="bg1">
-                    <a:lumMod val="50000"/>
-                  </a:schemeClr>
-                </a:solidFill>
-                <a:latin typeface="리디바탕" panose="020B0600000101010101" pitchFamily="34" charset="-127"/>
-                <a:ea typeface="리디바탕" panose="020B0600000101010101" pitchFamily="34" charset="-127"/>
-              </a:rPr>
-              <a:t>암시적 </a:t>
-            </a:r>
-            <a:r>
-              <a:rPr lang="ko-KR" altLang="en-US" sz="2400" dirty="0">
-                <a:solidFill>
-                  <a:schemeClr val="bg1">
-                    <a:lumMod val="50000"/>
-                  </a:schemeClr>
-                </a:solidFill>
-                <a:latin typeface="리디바탕" panose="020B0600000101010101" pitchFamily="34" charset="-127"/>
-                <a:ea typeface="리디바탕" panose="020B0600000101010101" pitchFamily="34" charset="-127"/>
-              </a:rPr>
-              <a:t>키 값</a:t>
-            </a:r>
-            <a:r>
-              <a:rPr lang="en-US" altLang="ko-KR" sz="2400" dirty="0">
-                <a:latin typeface="리디바탕" panose="020B0600000101010101" pitchFamily="34" charset="-127"/>
-                <a:ea typeface="리디바탕" panose="020B0600000101010101" pitchFamily="34" charset="-127"/>
-              </a:rPr>
-              <a:t>(</a:t>
-            </a:r>
-            <a:r>
-              <a:rPr lang="ko-KR" altLang="en-US" sz="2400" dirty="0">
-                <a:latin typeface="리디바탕" panose="020B0600000101010101" pitchFamily="34" charset="-127"/>
-                <a:ea typeface="리디바탕" panose="020B0600000101010101" pitchFamily="34" charset="-127"/>
-              </a:rPr>
-              <a:t>인덱스 넘버</a:t>
-            </a:r>
-            <a:r>
-              <a:rPr lang="en-US" altLang="ko-KR" sz="2400" dirty="0">
-                <a:latin typeface="리디바탕" panose="020B0600000101010101" pitchFamily="34" charset="-127"/>
-                <a:ea typeface="리디바탕" panose="020B0600000101010101" pitchFamily="34" charset="-127"/>
-              </a:rPr>
-              <a:t>)</a:t>
-            </a:r>
-            <a:r>
-              <a:rPr lang="ko-KR" altLang="en-US" sz="2400" dirty="0">
-                <a:latin typeface="리디바탕" panose="020B0600000101010101" pitchFamily="34" charset="-127"/>
-                <a:ea typeface="리디바탕" panose="020B0600000101010101" pitchFamily="34" charset="-127"/>
-              </a:rPr>
-              <a:t> 사용하는 </a:t>
-            </a:r>
-            <a:r>
-              <a:rPr lang="ko-KR" altLang="en-US" sz="2400" dirty="0" smtClean="0">
-                <a:latin typeface="리디바탕" panose="020B0600000101010101" pitchFamily="34" charset="-127"/>
-                <a:ea typeface="리디바탕" panose="020B0600000101010101" pitchFamily="34" charset="-127"/>
-              </a:rPr>
-              <a:t>컬렉션</a:t>
-            </a:r>
-            <a:endParaRPr lang="en-US" altLang="ko-KR" sz="2400" dirty="0" smtClean="0">
+              <a:rPr lang="ko-KR" altLang="en-US" dirty="0" err="1" smtClean="0">
+                <a:latin typeface="리디바탕" panose="020B0600000101010101" pitchFamily="34" charset="-127"/>
+                <a:ea typeface="리디바탕" panose="020B0600000101010101" pitchFamily="34" charset="-127"/>
+              </a:rPr>
+              <a:t>딕셔너리는</a:t>
+            </a:r>
+            <a:r>
+              <a:rPr lang="ko-KR" altLang="en-US" dirty="0" smtClean="0">
+                <a:latin typeface="리디바탕" panose="020B0600000101010101" pitchFamily="34" charset="-127"/>
+                <a:ea typeface="리디바탕" panose="020B0600000101010101" pitchFamily="34" charset="-127"/>
+              </a:rPr>
+              <a:t> 유용하다</a:t>
+            </a:r>
+            <a:r>
+              <a:rPr lang="en-US" altLang="ko-KR" dirty="0" smtClean="0">
+                <a:latin typeface="리디바탕" panose="020B0600000101010101" pitchFamily="34" charset="-127"/>
+                <a:ea typeface="리디바탕" panose="020B0600000101010101" pitchFamily="34" charset="-127"/>
+              </a:rPr>
+              <a:t>.</a:t>
+            </a:r>
+            <a:endParaRPr lang="ko-KR" altLang="en-US" dirty="0">
               <a:latin typeface="리디바탕" panose="020B0600000101010101" pitchFamily="34" charset="-127"/>
               <a:ea typeface="리디바탕" panose="020B0600000101010101" pitchFamily="34" charset="-127"/>
             </a:endParaRPr>
           </a:p>
         </p:txBody>
       </p:sp>
-      <p:cxnSp>
-        <p:nvCxnSpPr>
-          <p:cNvPr id="6" name="직선 화살표 연결선 5"/>
-          <p:cNvCxnSpPr/>
-          <p:nvPr/>
-        </p:nvCxnSpPr>
-        <p:spPr>
-          <a:xfrm>
-            <a:off x="5159141" y="3830855"/>
-            <a:ext cx="0" cy="539014"/>
-          </a:xfrm>
-          <a:prstGeom prst="straightConnector1">
-            <a:avLst/>
-          </a:prstGeom>
-          <a:ln w="12700">
-            <a:solidFill>
-              <a:schemeClr val="tx1"/>
-            </a:solidFill>
-            <a:tailEnd type="triangle"/>
-          </a:ln>
-        </p:spPr>
-        <p:style>
-          <a:lnRef idx="1">
-            <a:schemeClr val="accent1"/>
-          </a:lnRef>
-          <a:fillRef idx="0">
-            <a:schemeClr val="accent1"/>
-          </a:fillRef>
-          <a:effectRef idx="0">
-            <a:schemeClr val="accent1"/>
-          </a:effectRef>
-          <a:fontRef idx="minor">
-            <a:schemeClr val="tx1"/>
-          </a:fontRef>
-        </p:style>
-      </p:cxnSp>
-      <p:sp>
-        <p:nvSpPr>
-          <p:cNvPr id="7" name="직사각형 6"/>
-          <p:cNvSpPr/>
-          <p:nvPr/>
-        </p:nvSpPr>
-        <p:spPr>
-          <a:xfrm>
-            <a:off x="5159141" y="3875321"/>
-            <a:ext cx="679994" cy="337015"/>
-          </a:xfrm>
-          <a:prstGeom prst="rect">
-            <a:avLst/>
-          </a:prstGeom>
-        </p:spPr>
-        <p:txBody>
-          <a:bodyPr wrap="none">
-            <a:spAutoFit/>
-          </a:bodyPr>
-          <a:lstStyle/>
-          <a:p>
-            <a:pPr>
-              <a:lnSpc>
-                <a:spcPct val="150000"/>
-              </a:lnSpc>
-            </a:pPr>
-            <a:r>
-              <a:rPr lang="ko-KR" altLang="en-US" sz="1200" dirty="0" smtClean="0">
-                <a:latin typeface="리디바탕" panose="020B0600000101010101" pitchFamily="34" charset="-127"/>
-                <a:ea typeface="리디바탕" panose="020B0600000101010101" pitchFamily="34" charset="-127"/>
-              </a:rPr>
-              <a:t>사실은</a:t>
-            </a:r>
-            <a:r>
-              <a:rPr lang="en-US" altLang="ko-KR" sz="1200" dirty="0" smtClean="0">
-                <a:latin typeface="리디바탕" panose="020B0600000101010101" pitchFamily="34" charset="-127"/>
-                <a:ea typeface="리디바탕" panose="020B0600000101010101" pitchFamily="34" charset="-127"/>
-              </a:rPr>
-              <a:t>..</a:t>
-            </a:r>
-            <a:endParaRPr lang="en-US" altLang="ko-KR" sz="1200" dirty="0">
-              <a:latin typeface="리디바탕" panose="020B0600000101010101" pitchFamily="34" charset="-127"/>
-              <a:ea typeface="리디바탕" panose="020B0600000101010101" pitchFamily="34" charset="-127"/>
-            </a:endParaRPr>
-          </a:p>
-        </p:txBody>
-      </p:sp>
     </p:spTree>
     <p:extLst>
       <p:ext uri="{BB962C8B-B14F-4D97-AF65-F5344CB8AC3E}">
-        <p14:creationId xmlns:p14="http://schemas.microsoft.com/office/powerpoint/2010/main" val="19520839"/>
+        <p14:creationId xmlns:p14="http://schemas.microsoft.com/office/powerpoint/2010/main" val="507125064"/>
       </p:ext>
     </p:extLst>
   </p:cSld>
@@ -8511,7 +8012,7 @@
         <p:spPr>
           <a:xfrm>
             <a:off x="0" y="822851"/>
-            <a:ext cx="12192000" cy="663258"/>
+            <a:ext cx="12192000" cy="1384995"/>
           </a:xfrm>
           <a:prstGeom prst="rect">
             <a:avLst/>
@@ -8541,35 +8042,63 @@
                 <a:latin typeface="리디바탕" panose="020B0600000101010101" pitchFamily="34" charset="-127"/>
                 <a:ea typeface="리디바탕" panose="020B0600000101010101" pitchFamily="34" charset="-127"/>
               </a:rPr>
-              <a:t>가 </a:t>
+              <a:t>가 코드의 복잡도를 낮출 수 있는 이유는</a:t>
+            </a:r>
+            <a:r>
+              <a:rPr lang="en-US" altLang="ko-KR" sz="2800" dirty="0" smtClean="0">
+                <a:latin typeface="리디바탕" panose="020B0600000101010101" pitchFamily="34" charset="-127"/>
+                <a:ea typeface="리디바탕" panose="020B0600000101010101" pitchFamily="34" charset="-127"/>
+              </a:rPr>
+              <a:t>?</a:t>
+            </a:r>
+          </a:p>
+          <a:p>
+            <a:pPr algn="ctr">
+              <a:lnSpc>
+                <a:spcPct val="150000"/>
+              </a:lnSpc>
+            </a:pPr>
+            <a:r>
+              <a:rPr lang="en-US" altLang="ko-KR" sz="2800" dirty="0" smtClean="0">
+                <a:latin typeface="리디바탕" panose="020B0600000101010101" pitchFamily="34" charset="-127"/>
+                <a:ea typeface="리디바탕" panose="020B0600000101010101" pitchFamily="34" charset="-127"/>
+              </a:rPr>
+              <a:t>&gt; </a:t>
             </a:r>
             <a:r>
               <a:rPr lang="ko-KR" altLang="en-US" sz="2800" dirty="0" smtClean="0">
-                <a:latin typeface="리디바탕" panose="020B0600000101010101" pitchFamily="34" charset="-127"/>
-                <a:ea typeface="리디바탕" panose="020B0600000101010101" pitchFamily="34" charset="-127"/>
-              </a:rPr>
-              <a:t>코드의 복잡도를 낮출 수 있는 이유는</a:t>
-            </a:r>
-            <a:r>
-              <a:rPr lang="en-US" altLang="ko-KR" sz="2800" dirty="0" smtClean="0">
-                <a:latin typeface="리디바탕" panose="020B0600000101010101" pitchFamily="34" charset="-127"/>
-                <a:ea typeface="리디바탕" panose="020B0600000101010101" pitchFamily="34" charset="-127"/>
-              </a:rPr>
-              <a:t>?</a:t>
-            </a:r>
-          </a:p>
-        </p:txBody>
-      </p:sp>
-      <p:sp>
-        <p:nvSpPr>
-          <p:cNvPr id="4" name="TextBox 3"/>
+                <a:solidFill>
+                  <a:srgbClr val="FF00FF"/>
+                </a:solidFill>
+                <a:latin typeface="리디바탕" panose="020B0600000101010101" pitchFamily="34" charset="-127"/>
+                <a:ea typeface="리디바탕" panose="020B0600000101010101" pitchFamily="34" charset="-127"/>
+              </a:rPr>
+              <a:t>명시적</a:t>
+            </a:r>
+            <a:r>
+              <a:rPr lang="ko-KR" altLang="en-US" sz="2800" dirty="0" smtClean="0">
+                <a:latin typeface="리디바탕" panose="020B0600000101010101" pitchFamily="34" charset="-127"/>
+                <a:ea typeface="리디바탕" panose="020B0600000101010101" pitchFamily="34" charset="-127"/>
+              </a:rPr>
+              <a:t> 키를 사용하기 때문</a:t>
+            </a:r>
+            <a:endParaRPr lang="en-US" altLang="ko-KR" sz="2800" dirty="0" smtClean="0">
+              <a:latin typeface="리디바탕" panose="020B0600000101010101" pitchFamily="34" charset="-127"/>
+              <a:ea typeface="리디바탕" panose="020B0600000101010101" pitchFamily="34" charset="-127"/>
+            </a:endParaRPr>
+          </a:p>
+        </p:txBody>
+      </p:sp>
+      <p:sp>
+        <p:nvSpPr>
+          <p:cNvPr id="3" name="TextBox 2"/>
           <p:cNvSpPr txBox="1"/>
           <p:nvPr/>
         </p:nvSpPr>
         <p:spPr>
           <a:xfrm>
-            <a:off x="4013734" y="1745279"/>
-            <a:ext cx="6939815" cy="3416320"/>
+            <a:off x="4013734" y="2516897"/>
+            <a:ext cx="3493971" cy="1384995"/>
           </a:xfrm>
           <a:prstGeom prst="rect">
             <a:avLst/>
@@ -8592,102 +8121,7 @@
                 <a:latin typeface="리디바탕" panose="020B0600000101010101" pitchFamily="34" charset="-127"/>
                 <a:ea typeface="리디바탕" panose="020B0600000101010101" pitchFamily="34" charset="-127"/>
               </a:rPr>
-              <a:t>[ </a:t>
-            </a:r>
-            <a:r>
-              <a:rPr lang="en-US" altLang="ko-KR" sz="2800" dirty="0" smtClean="0">
-                <a:solidFill>
-                  <a:schemeClr val="bg1">
-                    <a:lumMod val="65000"/>
-                  </a:schemeClr>
-                </a:solidFill>
-                <a:latin typeface="리디바탕" panose="020B0600000101010101" pitchFamily="34" charset="-127"/>
-                <a:ea typeface="리디바탕" panose="020B0600000101010101" pitchFamily="34" charset="-127"/>
-              </a:rPr>
-              <a:t>0: </a:t>
-            </a:r>
-            <a:r>
-              <a:rPr lang="en-US" altLang="ko-KR" sz="2800" dirty="0" smtClean="0">
-                <a:latin typeface="리디바탕" panose="020B0600000101010101" pitchFamily="34" charset="-127"/>
-                <a:ea typeface="리디바탕" panose="020B0600000101010101" pitchFamily="34" charset="-127"/>
-              </a:rPr>
-              <a:t>A, </a:t>
-            </a:r>
-            <a:r>
-              <a:rPr lang="en-US" altLang="ko-KR" sz="2800" dirty="0" smtClean="0">
-                <a:solidFill>
-                  <a:schemeClr val="bg1">
-                    <a:lumMod val="65000"/>
-                  </a:schemeClr>
-                </a:solidFill>
-                <a:latin typeface="리디바탕" panose="020B0600000101010101" pitchFamily="34" charset="-127"/>
-                <a:ea typeface="리디바탕" panose="020B0600000101010101" pitchFamily="34" charset="-127"/>
-              </a:rPr>
-              <a:t>1: </a:t>
-            </a:r>
-            <a:r>
-              <a:rPr lang="en-US" altLang="ko-KR" sz="2800" dirty="0" smtClean="0">
-                <a:latin typeface="리디바탕" panose="020B0600000101010101" pitchFamily="34" charset="-127"/>
-                <a:ea typeface="리디바탕" panose="020B0600000101010101" pitchFamily="34" charset="-127"/>
-              </a:rPr>
-              <a:t>B, </a:t>
-            </a:r>
-            <a:r>
-              <a:rPr lang="en-US" altLang="ko-KR" sz="2800" dirty="0" smtClean="0">
-                <a:solidFill>
-                  <a:schemeClr val="bg1">
-                    <a:lumMod val="65000"/>
-                  </a:schemeClr>
-                </a:solidFill>
-                <a:latin typeface="리디바탕" panose="020B0600000101010101" pitchFamily="34" charset="-127"/>
-                <a:ea typeface="리디바탕" panose="020B0600000101010101" pitchFamily="34" charset="-127"/>
-              </a:rPr>
-              <a:t>2: </a:t>
-            </a:r>
-            <a:r>
-              <a:rPr lang="en-US" altLang="ko-KR" sz="2800" dirty="0" smtClean="0">
-                <a:latin typeface="리디바탕" panose="020B0600000101010101" pitchFamily="34" charset="-127"/>
-                <a:ea typeface="리디바탕" panose="020B0600000101010101" pitchFamily="34" charset="-127"/>
-              </a:rPr>
-              <a:t>C, </a:t>
-            </a:r>
-            <a:r>
-              <a:rPr lang="en-US" altLang="ko-KR" sz="2800" dirty="0" smtClean="0">
-                <a:solidFill>
-                  <a:schemeClr val="bg1">
-                    <a:lumMod val="65000"/>
-                  </a:schemeClr>
-                </a:solidFill>
-                <a:latin typeface="리디바탕" panose="020B0600000101010101" pitchFamily="34" charset="-127"/>
-                <a:ea typeface="리디바탕" panose="020B0600000101010101" pitchFamily="34" charset="-127"/>
-              </a:rPr>
-              <a:t>3: </a:t>
-            </a:r>
-            <a:r>
-              <a:rPr lang="en-US" altLang="ko-KR" sz="2800" dirty="0" smtClean="0">
-                <a:latin typeface="리디바탕" panose="020B0600000101010101" pitchFamily="34" charset="-127"/>
-                <a:ea typeface="리디바탕" panose="020B0600000101010101" pitchFamily="34" charset="-127"/>
-              </a:rPr>
-              <a:t>D, </a:t>
-            </a:r>
-            <a:r>
-              <a:rPr lang="en-US" altLang="ko-KR" sz="2800" dirty="0" smtClean="0">
-                <a:solidFill>
-                  <a:schemeClr val="bg1">
-                    <a:lumMod val="65000"/>
-                  </a:schemeClr>
-                </a:solidFill>
-                <a:latin typeface="리디바탕" panose="020B0600000101010101" pitchFamily="34" charset="-127"/>
-                <a:ea typeface="리디바탕" panose="020B0600000101010101" pitchFamily="34" charset="-127"/>
-              </a:rPr>
-              <a:t>4: </a:t>
-            </a:r>
-            <a:r>
-              <a:rPr lang="en-US" altLang="ko-KR" sz="2800" dirty="0" smtClean="0">
-                <a:latin typeface="리디바탕" panose="020B0600000101010101" pitchFamily="34" charset="-127"/>
-                <a:ea typeface="리디바탕" panose="020B0600000101010101" pitchFamily="34" charset="-127"/>
-              </a:rPr>
-              <a:t>E ]</a:t>
+              <a:t>Ex.) list</a:t>
             </a:r>
           </a:p>
           <a:p>
@@ -8697,17 +8131,50 @@
               </a:lnSpc>
             </a:pPr>
             <a:r>
-              <a:rPr lang="ko-KR" altLang="en-US" sz="2400" dirty="0" smtClean="0">
-                <a:latin typeface="리디바탕" panose="020B0600000101010101" pitchFamily="34" charset="-127"/>
-                <a:ea typeface="리디바탕" panose="020B0600000101010101" pitchFamily="34" charset="-127"/>
-              </a:rPr>
-              <a:t>이러한 리스트에서</a:t>
-            </a:r>
-            <a:endParaRPr lang="en-US" altLang="ko-KR" sz="2400" dirty="0" smtClean="0">
-              <a:latin typeface="리디바탕" panose="020B0600000101010101" pitchFamily="34" charset="-127"/>
-              <a:ea typeface="리디바탕" panose="020B0600000101010101" pitchFamily="34" charset="-127"/>
-            </a:endParaRPr>
-          </a:p>
+              <a:rPr lang="en-US" altLang="ko-KR" sz="2800" dirty="0" smtClean="0">
+                <a:latin typeface="리디바탕" panose="020B0600000101010101" pitchFamily="34" charset="-127"/>
+                <a:ea typeface="리디바탕" panose="020B0600000101010101" pitchFamily="34" charset="-127"/>
+              </a:rPr>
+              <a:t>[ </a:t>
+            </a:r>
+            <a:r>
+              <a:rPr lang="en-US" altLang="ko-KR" sz="2800" dirty="0">
+                <a:latin typeface="리디바탕" panose="020B0600000101010101" pitchFamily="34" charset="-127"/>
+                <a:ea typeface="리디바탕" panose="020B0600000101010101" pitchFamily="34" charset="-127"/>
+              </a:rPr>
+              <a:t>A</a:t>
+            </a:r>
+            <a:r>
+              <a:rPr lang="en-US" altLang="ko-KR" sz="2800" dirty="0" smtClean="0">
+                <a:latin typeface="리디바탕" panose="020B0600000101010101" pitchFamily="34" charset="-127"/>
+                <a:ea typeface="리디바탕" panose="020B0600000101010101" pitchFamily="34" charset="-127"/>
+              </a:rPr>
+              <a:t>, B, C, D, E ]</a:t>
+            </a:r>
+          </a:p>
+        </p:txBody>
+      </p:sp>
+      <p:sp>
+        <p:nvSpPr>
+          <p:cNvPr id="4" name="TextBox 3"/>
+          <p:cNvSpPr txBox="1"/>
+          <p:nvPr/>
+        </p:nvSpPr>
+        <p:spPr>
+          <a:xfrm>
+            <a:off x="4013734" y="4286349"/>
+            <a:ext cx="6939815" cy="1309589"/>
+          </a:xfrm>
+          <a:prstGeom prst="rect">
+            <a:avLst/>
+          </a:prstGeom>
+          <a:noFill/>
+        </p:spPr>
+        <p:txBody>
+          <a:bodyPr wrap="square" rtlCol="0">
+            <a:spAutoFit/>
+          </a:bodyPr>
+          <a:lstStyle/>
           <a:p>
             <a:pPr>
               <a:lnSpc>
@@ -8715,61 +8182,107 @@
               </a:lnSpc>
             </a:pPr>
             <a:r>
-              <a:rPr lang="ko-KR" altLang="en-US" sz="2400" dirty="0" smtClean="0">
+              <a:rPr lang="en-US" altLang="ko-KR" sz="2800" dirty="0" smtClean="0">
+                <a:latin typeface="리디바탕" panose="020B0600000101010101" pitchFamily="34" charset="-127"/>
+                <a:ea typeface="리디바탕" panose="020B0600000101010101" pitchFamily="34" charset="-127"/>
+              </a:rPr>
+              <a:t>[ </a:t>
+            </a:r>
+            <a:r>
+              <a:rPr lang="en-US" altLang="ko-KR" sz="2800" dirty="0" smtClean="0">
                 <a:solidFill>
                   <a:schemeClr val="bg1">
-                    <a:lumMod val="50000"/>
+                    <a:lumMod val="65000"/>
                   </a:schemeClr>
                 </a:solidFill>
                 <a:latin typeface="리디바탕" panose="020B0600000101010101" pitchFamily="34" charset="-127"/>
                 <a:ea typeface="리디바탕" panose="020B0600000101010101" pitchFamily="34" charset="-127"/>
               </a:rPr>
-              <a:t>암시적 </a:t>
-            </a:r>
-            <a:r>
-              <a:rPr lang="ko-KR" altLang="en-US" sz="2400" dirty="0">
+              <a:t>0: </a:t>
+            </a:r>
+            <a:r>
+              <a:rPr lang="en-US" altLang="ko-KR" sz="2800" dirty="0" smtClean="0">
+                <a:latin typeface="리디바탕" panose="020B0600000101010101" pitchFamily="34" charset="-127"/>
+                <a:ea typeface="리디바탕" panose="020B0600000101010101" pitchFamily="34" charset="-127"/>
+              </a:rPr>
+              <a:t>A, </a:t>
+            </a:r>
+            <a:r>
+              <a:rPr lang="en-US" altLang="ko-KR" sz="2800" dirty="0" smtClean="0">
                 <a:solidFill>
                   <a:schemeClr val="bg1">
-                    <a:lumMod val="50000"/>
+                    <a:lumMod val="65000"/>
                   </a:schemeClr>
                 </a:solidFill>
                 <a:latin typeface="리디바탕" panose="020B0600000101010101" pitchFamily="34" charset="-127"/>
                 <a:ea typeface="리디바탕" panose="020B0600000101010101" pitchFamily="34" charset="-127"/>
               </a:rPr>
-              <a:t>키 값</a:t>
-            </a:r>
-            <a:r>
-              <a:rPr lang="en-US" altLang="ko-KR" sz="2400" dirty="0">
-                <a:latin typeface="리디바탕" panose="020B0600000101010101" pitchFamily="34" charset="-127"/>
-                <a:ea typeface="리디바탕" panose="020B0600000101010101" pitchFamily="34" charset="-127"/>
-              </a:rPr>
-              <a:t>(</a:t>
-            </a:r>
-            <a:r>
-              <a:rPr lang="ko-KR" altLang="en-US" sz="2400" dirty="0">
-                <a:latin typeface="리디바탕" panose="020B0600000101010101" pitchFamily="34" charset="-127"/>
-                <a:ea typeface="리디바탕" panose="020B0600000101010101" pitchFamily="34" charset="-127"/>
-              </a:rPr>
-              <a:t>인덱스 넘버</a:t>
-            </a:r>
-            <a:r>
-              <a:rPr lang="en-US" altLang="ko-KR" sz="2400" dirty="0" smtClean="0">
-                <a:latin typeface="리디바탕" panose="020B0600000101010101" pitchFamily="34" charset="-127"/>
-                <a:ea typeface="리디바탕" panose="020B0600000101010101" pitchFamily="34" charset="-127"/>
-              </a:rPr>
-              <a:t>)</a:t>
-            </a:r>
-            <a:r>
-              <a:rPr lang="ko-KR" altLang="en-US" sz="2400" dirty="0" smtClean="0">
-                <a:latin typeface="리디바탕" panose="020B0600000101010101" pitchFamily="34" charset="-127"/>
-                <a:ea typeface="리디바탕" panose="020B0600000101010101" pitchFamily="34" charset="-127"/>
-              </a:rPr>
-              <a:t>는</a:t>
-            </a:r>
-            <a:endParaRPr lang="en-US" altLang="ko-KR" sz="2400" dirty="0" smtClean="0">
-              <a:latin typeface="리디바탕" panose="020B0600000101010101" pitchFamily="34" charset="-127"/>
-              <a:ea typeface="리디바탕" panose="020B0600000101010101" pitchFamily="34" charset="-127"/>
-            </a:endParaRPr>
+              <a:t>1: </a:t>
+            </a:r>
+            <a:r>
+              <a:rPr lang="en-US" altLang="ko-KR" sz="2800" dirty="0" smtClean="0">
+                <a:latin typeface="리디바탕" panose="020B0600000101010101" pitchFamily="34" charset="-127"/>
+                <a:ea typeface="리디바탕" panose="020B0600000101010101" pitchFamily="34" charset="-127"/>
+              </a:rPr>
+              <a:t>B, </a:t>
+            </a:r>
+            <a:r>
+              <a:rPr lang="en-US" altLang="ko-KR" sz="2800" dirty="0" smtClean="0">
+                <a:solidFill>
+                  <a:schemeClr val="bg1">
+                    <a:lumMod val="65000"/>
+                  </a:schemeClr>
+                </a:solidFill>
+                <a:latin typeface="리디바탕" panose="020B0600000101010101" pitchFamily="34" charset="-127"/>
+                <a:ea typeface="리디바탕" panose="020B0600000101010101" pitchFamily="34" charset="-127"/>
+              </a:rPr>
+              <a:t>2: </a:t>
+            </a:r>
+            <a:r>
+              <a:rPr lang="en-US" altLang="ko-KR" sz="2800" dirty="0" smtClean="0">
+                <a:latin typeface="리디바탕" panose="020B0600000101010101" pitchFamily="34" charset="-127"/>
+                <a:ea typeface="리디바탕" panose="020B0600000101010101" pitchFamily="34" charset="-127"/>
+              </a:rPr>
+              <a:t>C, </a:t>
+            </a:r>
+            <a:r>
+              <a:rPr lang="en-US" altLang="ko-KR" sz="2800" dirty="0" smtClean="0">
+                <a:solidFill>
+                  <a:schemeClr val="bg1">
+                    <a:lumMod val="65000"/>
+                  </a:schemeClr>
+                </a:solidFill>
+                <a:latin typeface="리디바탕" panose="020B0600000101010101" pitchFamily="34" charset="-127"/>
+                <a:ea typeface="리디바탕" panose="020B0600000101010101" pitchFamily="34" charset="-127"/>
+              </a:rPr>
+              <a:t>3: </a:t>
+            </a:r>
+            <a:r>
+              <a:rPr lang="en-US" altLang="ko-KR" sz="2800" dirty="0" smtClean="0">
+                <a:latin typeface="리디바탕" panose="020B0600000101010101" pitchFamily="34" charset="-127"/>
+                <a:ea typeface="리디바탕" panose="020B0600000101010101" pitchFamily="34" charset="-127"/>
+              </a:rPr>
+              <a:t>D, </a:t>
+            </a:r>
+            <a:r>
+              <a:rPr lang="en-US" altLang="ko-KR" sz="2800" dirty="0" smtClean="0">
+                <a:solidFill>
+                  <a:schemeClr val="bg1">
+                    <a:lumMod val="65000"/>
+                  </a:schemeClr>
+                </a:solidFill>
+                <a:latin typeface="리디바탕" panose="020B0600000101010101" pitchFamily="34" charset="-127"/>
+                <a:ea typeface="리디바탕" panose="020B0600000101010101" pitchFamily="34" charset="-127"/>
+              </a:rPr>
+              <a:t>4: </a:t>
+            </a:r>
+            <a:r>
+              <a:rPr lang="en-US" altLang="ko-KR" sz="2800" dirty="0" smtClean="0">
+                <a:latin typeface="리디바탕" panose="020B0600000101010101" pitchFamily="34" charset="-127"/>
+                <a:ea typeface="리디바탕" panose="020B0600000101010101" pitchFamily="34" charset="-127"/>
+              </a:rPr>
+              <a:t>E ]</a:t>
+            </a:r>
           </a:p>
           <a:p>
             <a:pPr>
@@ -8777,11 +8290,135 @@
                 <a:spcPct val="150000"/>
               </a:lnSpc>
             </a:pPr>
+            <a:r>
+              <a:rPr lang="ko-KR" altLang="en-US" sz="2400" dirty="0" smtClean="0">
+                <a:latin typeface="리디바탕" panose="020B0600000101010101" pitchFamily="34" charset="-127"/>
+                <a:ea typeface="리디바탕" panose="020B0600000101010101" pitchFamily="34" charset="-127"/>
+              </a:rPr>
+              <a:t>리스트는 </a:t>
+            </a:r>
+            <a:r>
+              <a:rPr lang="ko-KR" altLang="en-US" sz="2400" dirty="0" smtClean="0">
+                <a:solidFill>
+                  <a:schemeClr val="bg1">
+                    <a:lumMod val="50000"/>
+                  </a:schemeClr>
+                </a:solidFill>
+                <a:latin typeface="리디바탕" panose="020B0600000101010101" pitchFamily="34" charset="-127"/>
+                <a:ea typeface="리디바탕" panose="020B0600000101010101" pitchFamily="34" charset="-127"/>
+              </a:rPr>
+              <a:t>암시적 </a:t>
+            </a:r>
+            <a:r>
+              <a:rPr lang="ko-KR" altLang="en-US" sz="2400" dirty="0">
+                <a:solidFill>
+                  <a:schemeClr val="bg1">
+                    <a:lumMod val="50000"/>
+                  </a:schemeClr>
+                </a:solidFill>
+                <a:latin typeface="리디바탕" panose="020B0600000101010101" pitchFamily="34" charset="-127"/>
+                <a:ea typeface="리디바탕" panose="020B0600000101010101" pitchFamily="34" charset="-127"/>
+              </a:rPr>
+              <a:t>키 값</a:t>
+            </a:r>
+            <a:r>
+              <a:rPr lang="en-US" altLang="ko-KR" sz="2400" dirty="0">
+                <a:latin typeface="리디바탕" panose="020B0600000101010101" pitchFamily="34" charset="-127"/>
+                <a:ea typeface="리디바탕" panose="020B0600000101010101" pitchFamily="34" charset="-127"/>
+              </a:rPr>
+              <a:t>(</a:t>
+            </a:r>
+            <a:r>
+              <a:rPr lang="ko-KR" altLang="en-US" sz="2400" dirty="0">
+                <a:latin typeface="리디바탕" panose="020B0600000101010101" pitchFamily="34" charset="-127"/>
+                <a:ea typeface="리디바탕" panose="020B0600000101010101" pitchFamily="34" charset="-127"/>
+              </a:rPr>
+              <a:t>인덱스 넘버</a:t>
+            </a:r>
+            <a:r>
+              <a:rPr lang="en-US" altLang="ko-KR" sz="2400" dirty="0">
+                <a:latin typeface="리디바탕" panose="020B0600000101010101" pitchFamily="34" charset="-127"/>
+                <a:ea typeface="리디바탕" panose="020B0600000101010101" pitchFamily="34" charset="-127"/>
+              </a:rPr>
+              <a:t>)</a:t>
+            </a:r>
+            <a:r>
+              <a:rPr lang="ko-KR" altLang="en-US" sz="2400" dirty="0">
+                <a:latin typeface="리디바탕" panose="020B0600000101010101" pitchFamily="34" charset="-127"/>
+                <a:ea typeface="리디바탕" panose="020B0600000101010101" pitchFamily="34" charset="-127"/>
+              </a:rPr>
+              <a:t> 사용하는 </a:t>
+            </a:r>
+            <a:r>
+              <a:rPr lang="ko-KR" altLang="en-US" sz="2400" dirty="0" smtClean="0">
+                <a:latin typeface="리디바탕" panose="020B0600000101010101" pitchFamily="34" charset="-127"/>
+                <a:ea typeface="리디바탕" panose="020B0600000101010101" pitchFamily="34" charset="-127"/>
+              </a:rPr>
+              <a:t>컬렉션</a:t>
+            </a:r>
             <a:endParaRPr lang="en-US" altLang="ko-KR" sz="2400" dirty="0" smtClean="0">
               <a:latin typeface="리디바탕" panose="020B0600000101010101" pitchFamily="34" charset="-127"/>
               <a:ea typeface="리디바탕" panose="020B0600000101010101" pitchFamily="34" charset="-127"/>
             </a:endParaRPr>
           </a:p>
+        </p:txBody>
+      </p:sp>
+      <p:cxnSp>
+        <p:nvCxnSpPr>
+          <p:cNvPr id="6" name="직선 화살표 연결선 5"/>
+          <p:cNvCxnSpPr/>
+          <p:nvPr/>
+        </p:nvCxnSpPr>
+        <p:spPr>
+          <a:xfrm>
+            <a:off x="5159141" y="3830855"/>
+            <a:ext cx="0" cy="539014"/>
+          </a:xfrm>
+          <a:prstGeom prst="straightConnector1">
+            <a:avLst/>
+          </a:prstGeom>
+          <a:ln w="12700">
+            <a:solidFill>
+              <a:schemeClr val="tx1"/>
+            </a:solidFill>
+            <a:tailEnd type="triangle"/>
+          </a:ln>
+        </p:spPr>
+        <p:style>
+          <a:lnRef idx="1">
+            <a:schemeClr val="accent1"/>
+          </a:lnRef>
+          <a:fillRef idx="0">
+            <a:schemeClr val="accent1"/>
+          </a:fillRef>
+          <a:effectRef idx="0">
+            <a:schemeClr val="accent1"/>
+          </a:effectRef>
+          <a:fontRef idx="minor">
+            <a:schemeClr val="tx1"/>
+          </a:fontRef>
+        </p:style>
+      </p:cxnSp>
+      <p:sp>
+        <p:nvSpPr>
+          <p:cNvPr id="7" name="직사각형 6"/>
+          <p:cNvSpPr/>
+          <p:nvPr/>
+        </p:nvSpPr>
+        <p:spPr>
+          <a:xfrm>
+            <a:off x="5159141" y="3875321"/>
+            <a:ext cx="679994" cy="337015"/>
+          </a:xfrm>
+          <a:prstGeom prst="rect">
+            <a:avLst/>
+          </a:prstGeom>
+        </p:spPr>
+        <p:txBody>
+          <a:bodyPr wrap="none">
+            <a:spAutoFit/>
+          </a:bodyPr>
+          <a:lstStyle/>
           <a:p>
             <a:pPr>
               <a:lnSpc>
@@ -8789,62 +8426,30 @@
               </a:lnSpc>
             </a:pPr>
             <a:r>
-              <a:rPr lang="ko-KR" altLang="en-US" sz="2000" dirty="0" smtClean="0">
-                <a:latin typeface="리디바탕" panose="020B0600000101010101" pitchFamily="34" charset="-127"/>
-                <a:ea typeface="리디바탕" panose="020B0600000101010101" pitchFamily="34" charset="-127"/>
-              </a:rPr>
-              <a:t>자신에게 대응되는 </a:t>
-            </a:r>
-            <a:r>
-              <a:rPr lang="en-US" altLang="ko-KR" sz="2000" dirty="0" smtClean="0">
-                <a:latin typeface="리디바탕" panose="020B0600000101010101" pitchFamily="34" charset="-127"/>
-                <a:ea typeface="리디바탕" panose="020B0600000101010101" pitchFamily="34" charset="-127"/>
-              </a:rPr>
-              <a:t>value </a:t>
-            </a:r>
-            <a:r>
-              <a:rPr lang="ko-KR" altLang="en-US" sz="2000" dirty="0" smtClean="0">
-                <a:latin typeface="리디바탕" panose="020B0600000101010101" pitchFamily="34" charset="-127"/>
-                <a:ea typeface="리디바탕" panose="020B0600000101010101" pitchFamily="34" charset="-127"/>
-              </a:rPr>
-              <a:t>들에 대한</a:t>
-            </a:r>
-            <a:endParaRPr lang="en-US" altLang="ko-KR" sz="2000" dirty="0" smtClean="0">
+              <a:rPr lang="ko-KR" altLang="en-US" sz="1200" dirty="0" smtClean="0">
+                <a:latin typeface="리디바탕" panose="020B0600000101010101" pitchFamily="34" charset="-127"/>
+                <a:ea typeface="리디바탕" panose="020B0600000101010101" pitchFamily="34" charset="-127"/>
+              </a:rPr>
+              <a:t>사실은</a:t>
+            </a:r>
+            <a:r>
+              <a:rPr lang="en-US" altLang="ko-KR" sz="1200" dirty="0" smtClean="0">
+                <a:latin typeface="리디바탕" panose="020B0600000101010101" pitchFamily="34" charset="-127"/>
+                <a:ea typeface="리디바탕" panose="020B0600000101010101" pitchFamily="34" charset="-127"/>
+              </a:rPr>
+              <a:t>..</a:t>
+            </a:r>
+            <a:endParaRPr lang="en-US" altLang="ko-KR" sz="1200" dirty="0">
               <a:latin typeface="리디바탕" panose="020B0600000101010101" pitchFamily="34" charset="-127"/>
               <a:ea typeface="리디바탕" panose="020B0600000101010101" pitchFamily="34" charset="-127"/>
             </a:endParaRPr>
           </a:p>
-          <a:p>
-            <a:pPr>
-              <a:lnSpc>
-                <a:spcPct val="150000"/>
-              </a:lnSpc>
-            </a:pPr>
-            <a:r>
-              <a:rPr lang="ko-KR" altLang="en-US" sz="2000" dirty="0" smtClean="0">
-                <a:latin typeface="리디바탕" panose="020B0600000101010101" pitchFamily="34" charset="-127"/>
-                <a:ea typeface="리디바탕" panose="020B0600000101010101" pitchFamily="34" charset="-127"/>
-              </a:rPr>
-              <a:t>어떤 정보도 사용자에게 제공하지 못한다</a:t>
-            </a:r>
-            <a:r>
-              <a:rPr lang="en-US" altLang="ko-KR" sz="2000" dirty="0" smtClean="0">
-                <a:latin typeface="리디바탕" panose="020B0600000101010101" pitchFamily="34" charset="-127"/>
-                <a:ea typeface="리디바탕" panose="020B0600000101010101" pitchFamily="34" charset="-127"/>
-              </a:rPr>
-              <a:t>.</a:t>
-            </a:r>
-            <a:endParaRPr lang="en-US" altLang="ko-KR" sz="2000" dirty="0" smtClean="0">
-              <a:latin typeface="리디바탕" panose="020B0600000101010101" pitchFamily="34" charset="-127"/>
-              <a:ea typeface="리디바탕" panose="020B0600000101010101" pitchFamily="34" charset="-127"/>
-            </a:endParaRPr>
-          </a:p>
         </p:txBody>
       </p:sp>
     </p:spTree>
     <p:extLst>
       <p:ext uri="{BB962C8B-B14F-4D97-AF65-F5344CB8AC3E}">
-        <p14:creationId xmlns:p14="http://schemas.microsoft.com/office/powerpoint/2010/main" val="2794669032"/>
+        <p14:creationId xmlns:p14="http://schemas.microsoft.com/office/powerpoint/2010/main" val="19520839"/>
       </p:ext>
     </p:extLst>
   </p:cSld>
@@ -8886,8 +8491,59 @@
         </p:nvSpPr>
         <p:spPr>
           <a:xfrm>
-            <a:off x="986972" y="4022717"/>
-            <a:ext cx="10746224" cy="738664"/>
+            <a:off x="0" y="822851"/>
+            <a:ext cx="12192000" cy="663258"/>
+          </a:xfrm>
+          <a:prstGeom prst="rect">
+            <a:avLst/>
+          </a:prstGeom>
+          <a:noFill/>
+        </p:spPr>
+        <p:txBody>
+          <a:bodyPr wrap="square" rtlCol="0">
+            <a:spAutoFit/>
+          </a:bodyPr>
+          <a:lstStyle/>
+          <a:p>
+            <a:pPr algn="ctr">
+              <a:lnSpc>
+                <a:spcPct val="150000"/>
+              </a:lnSpc>
+            </a:pPr>
+            <a:r>
+              <a:rPr lang="en-US" altLang="ko-KR" sz="2800" dirty="0" smtClean="0">
+                <a:latin typeface="리디바탕" panose="020B0600000101010101" pitchFamily="34" charset="-127"/>
+                <a:ea typeface="리디바탕" panose="020B0600000101010101" pitchFamily="34" charset="-127"/>
+              </a:rPr>
+              <a:t>Dictionary </a:t>
+            </a:r>
+            <a:r>
+              <a:rPr lang="ko-KR" altLang="en-US" sz="2800" dirty="0" smtClean="0">
+                <a:latin typeface="리디바탕" panose="020B0600000101010101" pitchFamily="34" charset="-127"/>
+                <a:ea typeface="리디바탕" panose="020B0600000101010101" pitchFamily="34" charset="-127"/>
+              </a:rPr>
+              <a:t>가 코드의 복잡도를 낮출 수 있는 이유는</a:t>
+            </a:r>
+            <a:r>
+              <a:rPr lang="en-US" altLang="ko-KR" sz="2800" dirty="0" smtClean="0">
+                <a:latin typeface="리디바탕" panose="020B0600000101010101" pitchFamily="34" charset="-127"/>
+                <a:ea typeface="리디바탕" panose="020B0600000101010101" pitchFamily="34" charset="-127"/>
+              </a:rPr>
+              <a:t>?</a:t>
+            </a:r>
+          </a:p>
+        </p:txBody>
+      </p:sp>
+      <p:sp>
+        <p:nvSpPr>
+          <p:cNvPr id="4" name="TextBox 3"/>
+          <p:cNvSpPr txBox="1"/>
+          <p:nvPr/>
+        </p:nvSpPr>
+        <p:spPr>
+          <a:xfrm>
+            <a:off x="4013734" y="1745279"/>
+            <a:ext cx="6939815" cy="3416320"/>
           </a:xfrm>
           <a:prstGeom prst="rect">
             <a:avLst/>
@@ -8907,635 +8563,258 @@
             </a:pPr>
             <a:r>
               <a:rPr lang="en-US" altLang="ko-KR" sz="2800" dirty="0" smtClean="0">
-                <a:solidFill>
-                  <a:schemeClr val="tx1">
-                    <a:lumMod val="50000"/>
-                    <a:lumOff val="50000"/>
+                <a:latin typeface="리디바탕" panose="020B0600000101010101" pitchFamily="34" charset="-127"/>
+                <a:ea typeface="리디바탕" panose="020B0600000101010101" pitchFamily="34" charset="-127"/>
+              </a:rPr>
+              <a:t>[ </a:t>
+            </a:r>
+            <a:r>
+              <a:rPr lang="en-US" altLang="ko-KR" sz="2800" dirty="0" smtClean="0">
+                <a:solidFill>
+                  <a:schemeClr val="bg1">
+                    <a:lumMod val="65000"/>
                   </a:schemeClr>
                 </a:solidFill>
                 <a:latin typeface="리디바탕" panose="020B0600000101010101" pitchFamily="34" charset="-127"/>
                 <a:ea typeface="리디바탕" panose="020B0600000101010101" pitchFamily="34" charset="-127"/>
               </a:rPr>
-              <a:t>{ </a:t>
-            </a:r>
-            <a:r>
-              <a:rPr lang="ko-KR" altLang="en-US" sz="2800" dirty="0" smtClean="0">
-                <a:solidFill>
-                  <a:srgbClr val="FF00FF"/>
-                </a:solidFill>
-                <a:latin typeface="리디바탕" panose="020B0600000101010101" pitchFamily="34" charset="-127"/>
-                <a:ea typeface="리디바탕" panose="020B0600000101010101" pitchFamily="34" charset="-127"/>
-              </a:rPr>
-              <a:t>이름</a:t>
+              <a:t>0: </a:t>
             </a:r>
             <a:r>
               <a:rPr lang="en-US" altLang="ko-KR" sz="2800" dirty="0" smtClean="0">
-                <a:solidFill>
-                  <a:schemeClr val="tx1">
-                    <a:lumMod val="50000"/>
-                    <a:lumOff val="50000"/>
+                <a:latin typeface="리디바탕" panose="020B0600000101010101" pitchFamily="34" charset="-127"/>
+                <a:ea typeface="리디바탕" panose="020B0600000101010101" pitchFamily="34" charset="-127"/>
+              </a:rPr>
+              <a:t>A, </a:t>
+            </a:r>
+            <a:r>
+              <a:rPr lang="en-US" altLang="ko-KR" sz="2800" dirty="0" smtClean="0">
+                <a:solidFill>
+                  <a:schemeClr val="bg1">
+                    <a:lumMod val="65000"/>
                   </a:schemeClr>
                 </a:solidFill>
                 <a:latin typeface="리디바탕" panose="020B0600000101010101" pitchFamily="34" charset="-127"/>
                 <a:ea typeface="리디바탕" panose="020B0600000101010101" pitchFamily="34" charset="-127"/>
               </a:rPr>
-              <a:t>: </a:t>
-            </a:r>
-            <a:r>
-              <a:rPr lang="ko-KR" altLang="en-US" sz="2800" dirty="0" smtClean="0">
-                <a:solidFill>
-                  <a:schemeClr val="tx1">
-                    <a:lumMod val="50000"/>
-                    <a:lumOff val="50000"/>
+              <a:t>1: </a:t>
+            </a:r>
+            <a:r>
+              <a:rPr lang="en-US" altLang="ko-KR" sz="2800" dirty="0" smtClean="0">
+                <a:latin typeface="리디바탕" panose="020B0600000101010101" pitchFamily="34" charset="-127"/>
+                <a:ea typeface="리디바탕" panose="020B0600000101010101" pitchFamily="34" charset="-127"/>
+              </a:rPr>
+              <a:t>B, </a:t>
+            </a:r>
+            <a:r>
+              <a:rPr lang="en-US" altLang="ko-KR" sz="2800" dirty="0" smtClean="0">
+                <a:solidFill>
+                  <a:schemeClr val="bg1">
+                    <a:lumMod val="65000"/>
                   </a:schemeClr>
                 </a:solidFill>
                 <a:latin typeface="리디바탕" panose="020B0600000101010101" pitchFamily="34" charset="-127"/>
                 <a:ea typeface="리디바탕" panose="020B0600000101010101" pitchFamily="34" charset="-127"/>
               </a:rPr>
-              <a:t>장만규</a:t>
+              <a:t>2: </a:t>
             </a:r>
             <a:r>
               <a:rPr lang="en-US" altLang="ko-KR" sz="2800" dirty="0" smtClean="0">
-                <a:solidFill>
-                  <a:schemeClr val="tx1">
-                    <a:lumMod val="50000"/>
-                    <a:lumOff val="50000"/>
+                <a:latin typeface="리디바탕" panose="020B0600000101010101" pitchFamily="34" charset="-127"/>
+                <a:ea typeface="리디바탕" panose="020B0600000101010101" pitchFamily="34" charset="-127"/>
+              </a:rPr>
+              <a:t>C, </a:t>
+            </a:r>
+            <a:r>
+              <a:rPr lang="en-US" altLang="ko-KR" sz="2800" dirty="0" smtClean="0">
+                <a:solidFill>
+                  <a:schemeClr val="bg1">
+                    <a:lumMod val="65000"/>
                   </a:schemeClr>
                 </a:solidFill>
                 <a:latin typeface="리디바탕" panose="020B0600000101010101" pitchFamily="34" charset="-127"/>
                 <a:ea typeface="리디바탕" panose="020B0600000101010101" pitchFamily="34" charset="-127"/>
               </a:rPr>
-              <a:t>, </a:t>
-            </a:r>
-            <a:r>
-              <a:rPr lang="ko-KR" altLang="en-US" sz="2800" dirty="0" smtClean="0">
-                <a:solidFill>
-                  <a:srgbClr val="FF00FF"/>
-                </a:solidFill>
-                <a:latin typeface="리디바탕" panose="020B0600000101010101" pitchFamily="34" charset="-127"/>
-                <a:ea typeface="리디바탕" panose="020B0600000101010101" pitchFamily="34" charset="-127"/>
-              </a:rPr>
-              <a:t>나이</a:t>
+              <a:t>3: </a:t>
             </a:r>
             <a:r>
               <a:rPr lang="en-US" altLang="ko-KR" sz="2800" dirty="0" smtClean="0">
-                <a:solidFill>
-                  <a:schemeClr val="tx1">
-                    <a:lumMod val="50000"/>
-                    <a:lumOff val="50000"/>
+                <a:latin typeface="리디바탕" panose="020B0600000101010101" pitchFamily="34" charset="-127"/>
+                <a:ea typeface="리디바탕" panose="020B0600000101010101" pitchFamily="34" charset="-127"/>
+              </a:rPr>
+              <a:t>D, </a:t>
+            </a:r>
+            <a:r>
+              <a:rPr lang="en-US" altLang="ko-KR" sz="2800" dirty="0" smtClean="0">
+                <a:solidFill>
+                  <a:schemeClr val="bg1">
+                    <a:lumMod val="65000"/>
                   </a:schemeClr>
                 </a:solidFill>
                 <a:latin typeface="리디바탕" panose="020B0600000101010101" pitchFamily="34" charset="-127"/>
                 <a:ea typeface="리디바탕" panose="020B0600000101010101" pitchFamily="34" charset="-127"/>
               </a:rPr>
-              <a:t>:</a:t>
-            </a:r>
-            <a:r>
-              <a:rPr lang="ko-KR" altLang="en-US" sz="2800" dirty="0" smtClean="0">
-                <a:solidFill>
-                  <a:schemeClr val="tx1">
-                    <a:lumMod val="50000"/>
-                    <a:lumOff val="50000"/>
-                  </a:schemeClr>
-                </a:solidFill>
-                <a:latin typeface="리디바탕" panose="020B0600000101010101" pitchFamily="34" charset="-127"/>
-                <a:ea typeface="리디바탕" panose="020B0600000101010101" pitchFamily="34" charset="-127"/>
-              </a:rPr>
-              <a:t> </a:t>
+              <a:t>4: </a:t>
             </a:r>
             <a:r>
               <a:rPr lang="en-US" altLang="ko-KR" sz="2800" dirty="0" smtClean="0">
-                <a:solidFill>
-                  <a:schemeClr val="tx1">
-                    <a:lumMod val="50000"/>
-                    <a:lumOff val="50000"/>
-                  </a:schemeClr>
-                </a:solidFill>
-                <a:latin typeface="리디바탕" panose="020B0600000101010101" pitchFamily="34" charset="-127"/>
-                <a:ea typeface="리디바탕" panose="020B0600000101010101" pitchFamily="34" charset="-127"/>
-              </a:rPr>
-              <a:t>35</a:t>
-            </a:r>
-            <a:r>
-              <a:rPr lang="ko-KR" altLang="en-US" sz="2800" dirty="0" smtClean="0">
-                <a:solidFill>
-                  <a:schemeClr val="tx1">
-                    <a:lumMod val="50000"/>
-                    <a:lumOff val="50000"/>
-                  </a:schemeClr>
-                </a:solidFill>
-                <a:latin typeface="리디바탕" panose="020B0600000101010101" pitchFamily="34" charset="-127"/>
-                <a:ea typeface="리디바탕" panose="020B0600000101010101" pitchFamily="34" charset="-127"/>
-              </a:rPr>
-              <a:t>세</a:t>
-            </a:r>
-            <a:r>
-              <a:rPr lang="en-US" altLang="ko-KR" sz="2800" dirty="0" smtClean="0">
-                <a:solidFill>
-                  <a:schemeClr val="tx1">
-                    <a:lumMod val="50000"/>
-                    <a:lumOff val="50000"/>
-                  </a:schemeClr>
-                </a:solidFill>
-                <a:latin typeface="리디바탕" panose="020B0600000101010101" pitchFamily="34" charset="-127"/>
-                <a:ea typeface="리디바탕" panose="020B0600000101010101" pitchFamily="34" charset="-127"/>
-              </a:rPr>
-              <a:t>, </a:t>
-            </a:r>
-            <a:r>
-              <a:rPr lang="ko-KR" altLang="en-US" sz="2800" dirty="0" smtClean="0">
-                <a:solidFill>
-                  <a:srgbClr val="FF00FF"/>
-                </a:solidFill>
-                <a:latin typeface="리디바탕" panose="020B0600000101010101" pitchFamily="34" charset="-127"/>
-                <a:ea typeface="리디바탕" panose="020B0600000101010101" pitchFamily="34" charset="-127"/>
-              </a:rPr>
-              <a:t>취미</a:t>
-            </a:r>
-            <a:r>
-              <a:rPr lang="en-US" altLang="ko-KR" sz="2800" dirty="0" smtClean="0">
-                <a:solidFill>
-                  <a:schemeClr val="tx1">
-                    <a:lumMod val="50000"/>
-                    <a:lumOff val="50000"/>
-                  </a:schemeClr>
-                </a:solidFill>
-                <a:latin typeface="리디바탕" panose="020B0600000101010101" pitchFamily="34" charset="-127"/>
-                <a:ea typeface="리디바탕" panose="020B0600000101010101" pitchFamily="34" charset="-127"/>
-              </a:rPr>
-              <a:t>: </a:t>
-            </a:r>
-            <a:r>
-              <a:rPr lang="ko-KR" altLang="en-US" sz="2800" dirty="0" err="1" smtClean="0">
-                <a:solidFill>
-                  <a:schemeClr val="tx1">
-                    <a:lumMod val="50000"/>
-                    <a:lumOff val="50000"/>
-                  </a:schemeClr>
-                </a:solidFill>
-                <a:latin typeface="리디바탕" panose="020B0600000101010101" pitchFamily="34" charset="-127"/>
-                <a:ea typeface="리디바탕" panose="020B0600000101010101" pitchFamily="34" charset="-127"/>
-              </a:rPr>
-              <a:t>다이나모</a:t>
-            </a:r>
-            <a:r>
-              <a:rPr lang="en-US" altLang="ko-KR" sz="2800" dirty="0" smtClean="0">
-                <a:solidFill>
-                  <a:schemeClr val="tx1">
-                    <a:lumMod val="50000"/>
-                    <a:lumOff val="50000"/>
-                  </a:schemeClr>
-                </a:solidFill>
-                <a:latin typeface="리디바탕" panose="020B0600000101010101" pitchFamily="34" charset="-127"/>
-                <a:ea typeface="리디바탕" panose="020B0600000101010101" pitchFamily="34" charset="-127"/>
-              </a:rPr>
-              <a:t>, </a:t>
-            </a:r>
-            <a:r>
-              <a:rPr lang="ko-KR" altLang="en-US" sz="2800" dirty="0" err="1" smtClean="0">
-                <a:solidFill>
-                  <a:srgbClr val="FF00FF"/>
-                </a:solidFill>
-                <a:latin typeface="리디바탕" panose="020B0600000101010101" pitchFamily="34" charset="-127"/>
-                <a:ea typeface="리디바탕" panose="020B0600000101010101" pitchFamily="34" charset="-127"/>
-              </a:rPr>
-              <a:t>사는곳</a:t>
-            </a:r>
-            <a:r>
-              <a:rPr lang="en-US" altLang="ko-KR" sz="2800" dirty="0" smtClean="0">
-                <a:solidFill>
-                  <a:schemeClr val="tx1">
-                    <a:lumMod val="50000"/>
-                    <a:lumOff val="50000"/>
-                  </a:schemeClr>
-                </a:solidFill>
-                <a:latin typeface="리디바탕" panose="020B0600000101010101" pitchFamily="34" charset="-127"/>
-                <a:ea typeface="리디바탕" panose="020B0600000101010101" pitchFamily="34" charset="-127"/>
-              </a:rPr>
-              <a:t>: </a:t>
-            </a:r>
-            <a:r>
-              <a:rPr lang="ko-KR" altLang="en-US" sz="2800" dirty="0" smtClean="0">
-                <a:solidFill>
-                  <a:schemeClr val="tx1">
-                    <a:lumMod val="50000"/>
-                    <a:lumOff val="50000"/>
-                  </a:schemeClr>
-                </a:solidFill>
-                <a:latin typeface="리디바탕" panose="020B0600000101010101" pitchFamily="34" charset="-127"/>
-                <a:ea typeface="리디바탕" panose="020B0600000101010101" pitchFamily="34" charset="-127"/>
-              </a:rPr>
-              <a:t>서울</a:t>
-            </a:r>
-            <a:r>
-              <a:rPr lang="en-US" altLang="ko-KR" sz="2800" dirty="0" smtClean="0">
-                <a:solidFill>
-                  <a:schemeClr val="tx1">
-                    <a:lumMod val="50000"/>
-                    <a:lumOff val="50000"/>
-                  </a:schemeClr>
-                </a:solidFill>
-                <a:latin typeface="리디바탕" panose="020B0600000101010101" pitchFamily="34" charset="-127"/>
-                <a:ea typeface="리디바탕" panose="020B0600000101010101" pitchFamily="34" charset="-127"/>
-              </a:rPr>
-              <a:t>, </a:t>
-            </a:r>
-            <a:r>
-              <a:rPr lang="ko-KR" altLang="en-US" sz="2800" dirty="0" smtClean="0">
-                <a:solidFill>
-                  <a:srgbClr val="FF00FF"/>
-                </a:solidFill>
-                <a:latin typeface="리디바탕" panose="020B0600000101010101" pitchFamily="34" charset="-127"/>
-                <a:ea typeface="리디바탕" panose="020B0600000101010101" pitchFamily="34" charset="-127"/>
-              </a:rPr>
-              <a:t>꿈</a:t>
-            </a:r>
-            <a:r>
-              <a:rPr lang="en-US" altLang="ko-KR" sz="2800" dirty="0" smtClean="0">
-                <a:solidFill>
-                  <a:schemeClr val="tx1">
-                    <a:lumMod val="50000"/>
-                    <a:lumOff val="50000"/>
-                  </a:schemeClr>
-                </a:solidFill>
-                <a:latin typeface="리디바탕" panose="020B0600000101010101" pitchFamily="34" charset="-127"/>
-                <a:ea typeface="리디바탕" panose="020B0600000101010101" pitchFamily="34" charset="-127"/>
-              </a:rPr>
-              <a:t>: </a:t>
-            </a:r>
-            <a:r>
-              <a:rPr lang="ko-KR" altLang="en-US" sz="2800" dirty="0" smtClean="0">
-                <a:solidFill>
-                  <a:schemeClr val="tx1">
-                    <a:lumMod val="50000"/>
-                    <a:lumOff val="50000"/>
-                  </a:schemeClr>
-                </a:solidFill>
-                <a:latin typeface="리디바탕" panose="020B0600000101010101" pitchFamily="34" charset="-127"/>
-                <a:ea typeface="리디바탕" panose="020B0600000101010101" pitchFamily="34" charset="-127"/>
-              </a:rPr>
-              <a:t>일확천금</a:t>
-            </a:r>
-            <a:r>
-              <a:rPr lang="en-US" altLang="ko-KR" sz="2800" dirty="0" smtClean="0">
-                <a:solidFill>
-                  <a:schemeClr val="tx1">
-                    <a:lumMod val="50000"/>
-                    <a:lumOff val="50000"/>
-                  </a:schemeClr>
-                </a:solidFill>
-                <a:latin typeface="리디바탕" panose="020B0600000101010101" pitchFamily="34" charset="-127"/>
-                <a:ea typeface="리디바탕" panose="020B0600000101010101" pitchFamily="34" charset="-127"/>
-              </a:rPr>
-              <a:t> }</a:t>
-            </a:r>
-            <a:endParaRPr lang="en-US" altLang="ko-KR" sz="2800" dirty="0" smtClean="0">
-              <a:solidFill>
-                <a:schemeClr val="tx1">
-                  <a:lumMod val="50000"/>
-                  <a:lumOff val="50000"/>
-                </a:schemeClr>
-              </a:solidFill>
-              <a:latin typeface="리디바탕" panose="020B0600000101010101" pitchFamily="34" charset="-127"/>
-              <a:ea typeface="리디바탕" panose="020B0600000101010101" pitchFamily="34" charset="-127"/>
-            </a:endParaRPr>
-          </a:p>
-        </p:txBody>
-      </p:sp>
-      <p:sp>
-        <p:nvSpPr>
-          <p:cNvPr id="4" name="TextBox 3"/>
-          <p:cNvSpPr txBox="1"/>
-          <p:nvPr/>
-        </p:nvSpPr>
-        <p:spPr>
-          <a:xfrm>
-            <a:off x="1345747" y="3747402"/>
-            <a:ext cx="551241" cy="369332"/>
-          </a:xfrm>
-          <a:prstGeom prst="rect">
-            <a:avLst/>
-          </a:prstGeom>
-          <a:noFill/>
-        </p:spPr>
-        <p:txBody>
-          <a:bodyPr wrap="none" rtlCol="0">
-            <a:spAutoFit/>
-          </a:bodyPr>
-          <a:lstStyle/>
-          <a:p>
-            <a:r>
-              <a:rPr lang="en-US" altLang="ko-KR" dirty="0" smtClean="0">
-                <a:solidFill>
-                  <a:srgbClr val="FF00FF"/>
-                </a:solidFill>
-                <a:latin typeface="리디바탕" panose="020B0600000101010101" pitchFamily="34" charset="-127"/>
-                <a:ea typeface="리디바탕" panose="020B0600000101010101" pitchFamily="34" charset="-127"/>
-              </a:rPr>
-              <a:t>key</a:t>
-            </a:r>
-            <a:endParaRPr lang="ko-KR" altLang="en-US" dirty="0">
-              <a:solidFill>
-                <a:srgbClr val="FF00FF"/>
-              </a:solidFill>
-              <a:latin typeface="리디바탕" panose="020B0600000101010101" pitchFamily="34" charset="-127"/>
-              <a:ea typeface="리디바탕" panose="020B0600000101010101" pitchFamily="34" charset="-127"/>
-            </a:endParaRPr>
-          </a:p>
-        </p:txBody>
-      </p:sp>
-      <p:sp>
-        <p:nvSpPr>
-          <p:cNvPr id="6" name="TextBox 5"/>
-          <p:cNvSpPr txBox="1"/>
-          <p:nvPr/>
-        </p:nvSpPr>
-        <p:spPr>
-          <a:xfrm>
-            <a:off x="2302597" y="3747402"/>
-            <a:ext cx="728917" cy="369332"/>
-          </a:xfrm>
-          <a:prstGeom prst="rect">
-            <a:avLst/>
-          </a:prstGeom>
-          <a:noFill/>
-        </p:spPr>
-        <p:txBody>
-          <a:bodyPr wrap="none" rtlCol="0">
-            <a:spAutoFit/>
-          </a:bodyPr>
-          <a:lstStyle/>
-          <a:p>
-            <a:r>
-              <a:rPr lang="en-US" altLang="ko-KR" dirty="0" smtClean="0">
-                <a:solidFill>
-                  <a:srgbClr val="0000FF"/>
-                </a:solidFill>
-                <a:latin typeface="리디바탕" panose="020B0600000101010101" pitchFamily="34" charset="-127"/>
-                <a:ea typeface="리디바탕" panose="020B0600000101010101" pitchFamily="34" charset="-127"/>
-              </a:rPr>
-              <a:t>value</a:t>
-            </a:r>
-            <a:endParaRPr lang="ko-KR" altLang="en-US" dirty="0">
-              <a:solidFill>
-                <a:srgbClr val="0000FF"/>
-              </a:solidFill>
-              <a:latin typeface="리디바탕" panose="020B0600000101010101" pitchFamily="34" charset="-127"/>
-              <a:ea typeface="리디바탕" panose="020B0600000101010101" pitchFamily="34" charset="-127"/>
-            </a:endParaRPr>
-          </a:p>
-        </p:txBody>
-      </p:sp>
-      <p:sp>
-        <p:nvSpPr>
-          <p:cNvPr id="15" name="TextBox 14"/>
-          <p:cNvSpPr txBox="1"/>
-          <p:nvPr/>
-        </p:nvSpPr>
-        <p:spPr>
-          <a:xfrm>
-            <a:off x="1891109" y="3747402"/>
-            <a:ext cx="234360" cy="369332"/>
-          </a:xfrm>
-          <a:prstGeom prst="rect">
-            <a:avLst/>
-          </a:prstGeom>
-          <a:noFill/>
-        </p:spPr>
-        <p:txBody>
-          <a:bodyPr wrap="none" rtlCol="0">
-            <a:spAutoFit/>
-          </a:bodyPr>
-          <a:lstStyle/>
-          <a:p>
-            <a:r>
-              <a:rPr lang="en-US" altLang="ko-KR" dirty="0" smtClean="0">
-                <a:latin typeface="리디바탕" panose="020B0600000101010101" pitchFamily="34" charset="-127"/>
-                <a:ea typeface="리디바탕" panose="020B0600000101010101" pitchFamily="34" charset="-127"/>
-              </a:rPr>
-              <a:t>:</a:t>
-            </a:r>
-            <a:endParaRPr lang="ko-KR" altLang="en-US" dirty="0">
-              <a:latin typeface="리디바탕" panose="020B0600000101010101" pitchFamily="34" charset="-127"/>
-              <a:ea typeface="리디바탕" panose="020B0600000101010101" pitchFamily="34" charset="-127"/>
-            </a:endParaRPr>
-          </a:p>
-        </p:txBody>
-      </p:sp>
-      <p:sp>
-        <p:nvSpPr>
-          <p:cNvPr id="16" name="TextBox 15"/>
-          <p:cNvSpPr txBox="1"/>
-          <p:nvPr/>
-        </p:nvSpPr>
-        <p:spPr>
-          <a:xfrm>
-            <a:off x="0" y="822851"/>
-            <a:ext cx="12192000" cy="663258"/>
-          </a:xfrm>
-          <a:prstGeom prst="rect">
-            <a:avLst/>
-          </a:prstGeom>
-          <a:noFill/>
-        </p:spPr>
-        <p:txBody>
-          <a:bodyPr wrap="square" rtlCol="0">
-            <a:spAutoFit/>
-          </a:bodyPr>
-          <a:lstStyle/>
-          <a:p>
-            <a:pPr algn="ctr">
+                <a:latin typeface="리디바탕" panose="020B0600000101010101" pitchFamily="34" charset="-127"/>
+                <a:ea typeface="리디바탕" panose="020B0600000101010101" pitchFamily="34" charset="-127"/>
+              </a:rPr>
+              <a:t>E ]</a:t>
+            </a:r>
+          </a:p>
+          <a:p>
+            <a:pPr>
               <a:lnSpc>
                 <a:spcPct val="150000"/>
               </a:lnSpc>
             </a:pPr>
             <a:r>
-              <a:rPr lang="en-US" altLang="ko-KR" sz="2800" dirty="0" smtClean="0">
-                <a:latin typeface="리디바탕" panose="020B0600000101010101" pitchFamily="34" charset="-127"/>
-                <a:ea typeface="리디바탕" panose="020B0600000101010101" pitchFamily="34" charset="-127"/>
-              </a:rPr>
-              <a:t>Dictionary </a:t>
-            </a:r>
-            <a:r>
-              <a:rPr lang="ko-KR" altLang="en-US" sz="2800" dirty="0" smtClean="0">
-                <a:latin typeface="리디바탕" panose="020B0600000101010101" pitchFamily="34" charset="-127"/>
-                <a:ea typeface="리디바탕" panose="020B0600000101010101" pitchFamily="34" charset="-127"/>
-              </a:rPr>
-              <a:t>가 </a:t>
-            </a:r>
-            <a:r>
-              <a:rPr lang="ko-KR" altLang="en-US" sz="2800" dirty="0" smtClean="0">
-                <a:latin typeface="리디바탕" panose="020B0600000101010101" pitchFamily="34" charset="-127"/>
-                <a:ea typeface="리디바탕" panose="020B0600000101010101" pitchFamily="34" charset="-127"/>
-              </a:rPr>
-              <a:t>코드의 복잡도를 낮출 수 있는 이유는</a:t>
-            </a:r>
-            <a:r>
-              <a:rPr lang="en-US" altLang="ko-KR" sz="2800" dirty="0" smtClean="0">
-                <a:latin typeface="리디바탕" panose="020B0600000101010101" pitchFamily="34" charset="-127"/>
-                <a:ea typeface="리디바탕" panose="020B0600000101010101" pitchFamily="34" charset="-127"/>
-              </a:rPr>
-              <a:t>?</a:t>
-            </a:r>
-          </a:p>
-        </p:txBody>
-      </p:sp>
-      <p:sp>
-        <p:nvSpPr>
-          <p:cNvPr id="17" name="직사각형 16"/>
-          <p:cNvSpPr/>
-          <p:nvPr/>
-        </p:nvSpPr>
-        <p:spPr>
-          <a:xfrm>
-            <a:off x="2075921" y="1719826"/>
-            <a:ext cx="7518597" cy="1200329"/>
-          </a:xfrm>
-          <a:prstGeom prst="rect">
-            <a:avLst/>
-          </a:prstGeom>
-        </p:spPr>
-        <p:txBody>
-          <a:bodyPr wrap="none">
-            <a:spAutoFit/>
-          </a:bodyPr>
-          <a:lstStyle/>
-          <a:p>
-            <a:r>
-              <a:rPr lang="ko-KR" altLang="en-US" dirty="0">
-                <a:solidFill>
-                  <a:srgbClr val="FF00FF"/>
-                </a:solidFill>
-                <a:latin typeface="리디바탕" panose="020B0600000101010101" pitchFamily="34" charset="-127"/>
-                <a:ea typeface="리디바탕" panose="020B0600000101010101" pitchFamily="34" charset="-127"/>
-              </a:rPr>
-              <a:t>명시적</a:t>
-            </a:r>
-            <a:r>
-              <a:rPr lang="ko-KR" altLang="en-US" dirty="0">
-                <a:latin typeface="리디바탕" panose="020B0600000101010101" pitchFamily="34" charset="-127"/>
-                <a:ea typeface="리디바탕" panose="020B0600000101010101" pitchFamily="34" charset="-127"/>
-              </a:rPr>
-              <a:t> 키를 </a:t>
-            </a:r>
-            <a:r>
-              <a:rPr lang="ko-KR" altLang="en-US" dirty="0" smtClean="0">
-                <a:latin typeface="리디바탕" panose="020B0600000101010101" pitchFamily="34" charset="-127"/>
-                <a:ea typeface="리디바탕" panose="020B0600000101010101" pitchFamily="34" charset="-127"/>
-              </a:rPr>
-              <a:t>사용하는</a:t>
-            </a:r>
-            <a:r>
-              <a:rPr lang="en-US" altLang="ko-KR" dirty="0" smtClean="0">
-                <a:latin typeface="리디바탕" panose="020B0600000101010101" pitchFamily="34" charset="-127"/>
-                <a:ea typeface="리디바탕" panose="020B0600000101010101" pitchFamily="34" charset="-127"/>
-              </a:rPr>
-              <a:t> Dictionary</a:t>
-            </a:r>
-            <a:r>
-              <a:rPr lang="ko-KR" altLang="en-US" dirty="0" smtClean="0">
-                <a:latin typeface="리디바탕" panose="020B0600000101010101" pitchFamily="34" charset="-127"/>
-                <a:ea typeface="리디바탕" panose="020B0600000101010101" pitchFamily="34" charset="-127"/>
-              </a:rPr>
-              <a:t>는 사용자가 직접 데이터를 서술할 수 있는</a:t>
-            </a:r>
-            <a:endParaRPr lang="en-US" altLang="ko-KR" dirty="0" smtClean="0">
+              <a:rPr lang="ko-KR" altLang="en-US" sz="2400" dirty="0" smtClean="0">
+                <a:latin typeface="리디바탕" panose="020B0600000101010101" pitchFamily="34" charset="-127"/>
+                <a:ea typeface="리디바탕" panose="020B0600000101010101" pitchFamily="34" charset="-127"/>
+              </a:rPr>
+              <a:t>이러한 리스트에서</a:t>
+            </a:r>
+            <a:endParaRPr lang="en-US" altLang="ko-KR" sz="2400" dirty="0" smtClean="0">
               <a:latin typeface="리디바탕" panose="020B0600000101010101" pitchFamily="34" charset="-127"/>
               <a:ea typeface="리디바탕" panose="020B0600000101010101" pitchFamily="34" charset="-127"/>
             </a:endParaRPr>
           </a:p>
           <a:p>
-            <a:r>
-              <a:rPr lang="en-US" altLang="ko-KR" dirty="0" smtClean="0">
-                <a:latin typeface="리디바탕" panose="020B0600000101010101" pitchFamily="34" charset="-127"/>
-                <a:ea typeface="리디바탕" panose="020B0600000101010101" pitchFamily="34" charset="-127"/>
-              </a:rPr>
-              <a:t>key</a:t>
-            </a:r>
-            <a:r>
-              <a:rPr lang="ko-KR" altLang="en-US" dirty="0" smtClean="0">
-                <a:latin typeface="리디바탕" panose="020B0600000101010101" pitchFamily="34" charset="-127"/>
-                <a:ea typeface="리디바탕" panose="020B0600000101010101" pitchFamily="34" charset="-127"/>
-              </a:rPr>
-              <a:t> 이름을 사용해 데이터를 형성할 수 있음</a:t>
-            </a:r>
-            <a:r>
-              <a:rPr lang="en-US" altLang="ko-KR" dirty="0" smtClean="0">
-                <a:latin typeface="리디바탕" panose="020B0600000101010101" pitchFamily="34" charset="-127"/>
-                <a:ea typeface="리디바탕" panose="020B0600000101010101" pitchFamily="34" charset="-127"/>
-              </a:rPr>
-              <a:t>.</a:t>
-            </a:r>
-          </a:p>
-          <a:p>
-            <a:endParaRPr lang="en-US" altLang="ko-KR" dirty="0" smtClean="0">
+            <a:pPr>
+              <a:lnSpc>
+                <a:spcPct val="150000"/>
+              </a:lnSpc>
+            </a:pPr>
+            <a:r>
+              <a:rPr lang="ko-KR" altLang="en-US" sz="2400" dirty="0" smtClean="0">
+                <a:solidFill>
+                  <a:schemeClr val="bg1">
+                    <a:lumMod val="50000"/>
+                  </a:schemeClr>
+                </a:solidFill>
+                <a:latin typeface="리디바탕" panose="020B0600000101010101" pitchFamily="34" charset="-127"/>
+                <a:ea typeface="리디바탕" panose="020B0600000101010101" pitchFamily="34" charset="-127"/>
+              </a:rPr>
+              <a:t>암시적 </a:t>
+            </a:r>
+            <a:r>
+              <a:rPr lang="ko-KR" altLang="en-US" sz="2400" dirty="0">
+                <a:solidFill>
+                  <a:schemeClr val="bg1">
+                    <a:lumMod val="50000"/>
+                  </a:schemeClr>
+                </a:solidFill>
+                <a:latin typeface="리디바탕" panose="020B0600000101010101" pitchFamily="34" charset="-127"/>
+                <a:ea typeface="리디바탕" panose="020B0600000101010101" pitchFamily="34" charset="-127"/>
+              </a:rPr>
+              <a:t>키 값</a:t>
+            </a:r>
+            <a:r>
+              <a:rPr lang="en-US" altLang="ko-KR" sz="2400" dirty="0">
+                <a:latin typeface="리디바탕" panose="020B0600000101010101" pitchFamily="34" charset="-127"/>
+                <a:ea typeface="리디바탕" panose="020B0600000101010101" pitchFamily="34" charset="-127"/>
+              </a:rPr>
+              <a:t>(</a:t>
+            </a:r>
+            <a:r>
+              <a:rPr lang="ko-KR" altLang="en-US" sz="2400" dirty="0">
+                <a:latin typeface="리디바탕" panose="020B0600000101010101" pitchFamily="34" charset="-127"/>
+                <a:ea typeface="리디바탕" panose="020B0600000101010101" pitchFamily="34" charset="-127"/>
+              </a:rPr>
+              <a:t>인덱스 넘버</a:t>
+            </a:r>
+            <a:r>
+              <a:rPr lang="en-US" altLang="ko-KR" sz="2400" dirty="0" smtClean="0">
+                <a:latin typeface="리디바탕" panose="020B0600000101010101" pitchFamily="34" charset="-127"/>
+                <a:ea typeface="리디바탕" panose="020B0600000101010101" pitchFamily="34" charset="-127"/>
+              </a:rPr>
+              <a:t>)</a:t>
+            </a:r>
+            <a:r>
+              <a:rPr lang="ko-KR" altLang="en-US" sz="2400" dirty="0" smtClean="0">
+                <a:latin typeface="리디바탕" panose="020B0600000101010101" pitchFamily="34" charset="-127"/>
+                <a:ea typeface="리디바탕" panose="020B0600000101010101" pitchFamily="34" charset="-127"/>
+              </a:rPr>
+              <a:t>는</a:t>
+            </a:r>
+            <a:endParaRPr lang="en-US" altLang="ko-KR" sz="2400" dirty="0" smtClean="0">
               <a:latin typeface="리디바탕" panose="020B0600000101010101" pitchFamily="34" charset="-127"/>
               <a:ea typeface="리디바탕" panose="020B0600000101010101" pitchFamily="34" charset="-127"/>
             </a:endParaRPr>
           </a:p>
           <a:p>
-            <a:r>
-              <a:rPr lang="ko-KR" altLang="en-US" dirty="0" smtClean="0">
-                <a:latin typeface="리디바탕" panose="020B0600000101010101" pitchFamily="34" charset="-127"/>
-                <a:ea typeface="리디바탕" panose="020B0600000101010101" pitchFamily="34" charset="-127"/>
-              </a:rPr>
-              <a:t>따라서 상대적으로 </a:t>
-            </a:r>
-            <a:r>
-              <a:rPr lang="en-US" altLang="ko-KR" dirty="0" smtClean="0">
-                <a:solidFill>
-                  <a:srgbClr val="FF00FF"/>
-                </a:solidFill>
-                <a:latin typeface="리디바탕" panose="020B0600000101010101" pitchFamily="34" charset="-127"/>
-                <a:ea typeface="리디바탕" panose="020B0600000101010101" pitchFamily="34" charset="-127"/>
-              </a:rPr>
-              <a:t>Self-descriptiveness(</a:t>
-            </a:r>
-            <a:r>
-              <a:rPr lang="ko-KR" altLang="en-US" dirty="0" err="1" smtClean="0">
-                <a:solidFill>
-                  <a:srgbClr val="FF00FF"/>
-                </a:solidFill>
-                <a:latin typeface="리디바탕" panose="020B0600000101010101" pitchFamily="34" charset="-127"/>
-                <a:ea typeface="리디바탕" panose="020B0600000101010101" pitchFamily="34" charset="-127"/>
-              </a:rPr>
-              <a:t>자기서술적</a:t>
-            </a:r>
-            <a:r>
-              <a:rPr lang="en-US" altLang="ko-KR" dirty="0" smtClean="0">
-                <a:solidFill>
-                  <a:srgbClr val="FF00FF"/>
-                </a:solidFill>
-                <a:latin typeface="리디바탕" panose="020B0600000101010101" pitchFamily="34" charset="-127"/>
-                <a:ea typeface="리디바탕" panose="020B0600000101010101" pitchFamily="34" charset="-127"/>
-              </a:rPr>
-              <a:t>)</a:t>
-            </a:r>
-            <a:r>
-              <a:rPr lang="en-US" altLang="ko-KR" dirty="0" smtClean="0">
-                <a:solidFill>
-                  <a:srgbClr val="0000FF"/>
-                </a:solidFill>
-                <a:latin typeface="리디바탕" panose="020B0600000101010101" pitchFamily="34" charset="-127"/>
-                <a:ea typeface="리디바탕" panose="020B0600000101010101" pitchFamily="34" charset="-127"/>
-              </a:rPr>
-              <a:t> </a:t>
-            </a:r>
-            <a:r>
-              <a:rPr lang="ko-KR" altLang="en-US" dirty="0" smtClean="0">
-                <a:latin typeface="리디바탕" panose="020B0600000101010101" pitchFamily="34" charset="-127"/>
-                <a:ea typeface="리디바탕" panose="020B0600000101010101" pitchFamily="34" charset="-127"/>
-              </a:rPr>
-              <a:t>한 데이터 컬렉션 임</a:t>
-            </a:r>
-            <a:endParaRPr lang="ko-KR" altLang="en-US" dirty="0"/>
+            <a:pPr>
+              <a:lnSpc>
+                <a:spcPct val="150000"/>
+              </a:lnSpc>
+            </a:pPr>
+            <a:endParaRPr lang="en-US" altLang="ko-KR" sz="2400" dirty="0" smtClean="0">
+              <a:latin typeface="리디바탕" panose="020B0600000101010101" pitchFamily="34" charset="-127"/>
+              <a:ea typeface="리디바탕" panose="020B0600000101010101" pitchFamily="34" charset="-127"/>
+            </a:endParaRPr>
+          </a:p>
+          <a:p>
+            <a:pPr>
+              <a:lnSpc>
+                <a:spcPct val="150000"/>
+              </a:lnSpc>
+            </a:pPr>
+            <a:r>
+              <a:rPr lang="ko-KR" altLang="en-US" sz="2000" dirty="0" smtClean="0">
+                <a:latin typeface="리디바탕" panose="020B0600000101010101" pitchFamily="34" charset="-127"/>
+                <a:ea typeface="리디바탕" panose="020B0600000101010101" pitchFamily="34" charset="-127"/>
+              </a:rPr>
+              <a:t>자신에게 대응되는 </a:t>
+            </a:r>
+            <a:r>
+              <a:rPr lang="en-US" altLang="ko-KR" sz="2000" dirty="0" smtClean="0">
+                <a:latin typeface="리디바탕" panose="020B0600000101010101" pitchFamily="34" charset="-127"/>
+                <a:ea typeface="리디바탕" panose="020B0600000101010101" pitchFamily="34" charset="-127"/>
+              </a:rPr>
+              <a:t>value </a:t>
+            </a:r>
+            <a:r>
+              <a:rPr lang="ko-KR" altLang="en-US" sz="2000" dirty="0" smtClean="0">
+                <a:latin typeface="리디바탕" panose="020B0600000101010101" pitchFamily="34" charset="-127"/>
+                <a:ea typeface="리디바탕" panose="020B0600000101010101" pitchFamily="34" charset="-127"/>
+              </a:rPr>
+              <a:t>들에 대한</a:t>
+            </a:r>
+            <a:endParaRPr lang="en-US" altLang="ko-KR" sz="2000" dirty="0" smtClean="0">
+              <a:latin typeface="리디바탕" panose="020B0600000101010101" pitchFamily="34" charset="-127"/>
+              <a:ea typeface="리디바탕" panose="020B0600000101010101" pitchFamily="34" charset="-127"/>
+            </a:endParaRPr>
+          </a:p>
+          <a:p>
+            <a:pPr>
+              <a:lnSpc>
+                <a:spcPct val="150000"/>
+              </a:lnSpc>
+            </a:pPr>
+            <a:r>
+              <a:rPr lang="ko-KR" altLang="en-US" sz="2000" dirty="0" smtClean="0">
+                <a:latin typeface="리디바탕" panose="020B0600000101010101" pitchFamily="34" charset="-127"/>
+                <a:ea typeface="리디바탕" panose="020B0600000101010101" pitchFamily="34" charset="-127"/>
+              </a:rPr>
+              <a:t>어떤 정보도 사용자에게 제공하지 못한다</a:t>
+            </a:r>
+            <a:r>
+              <a:rPr lang="en-US" altLang="ko-KR" sz="2000" dirty="0" smtClean="0">
+                <a:latin typeface="리디바탕" panose="020B0600000101010101" pitchFamily="34" charset="-127"/>
+                <a:ea typeface="리디바탕" panose="020B0600000101010101" pitchFamily="34" charset="-127"/>
+              </a:rPr>
+              <a:t>.</a:t>
+            </a:r>
           </a:p>
         </p:txBody>
       </p:sp>
     </p:spTree>
     <p:extLst>
       <p:ext uri="{BB962C8B-B14F-4D97-AF65-F5344CB8AC3E}">
-        <p14:creationId xmlns:p14="http://schemas.microsoft.com/office/powerpoint/2010/main" val="2872961344"/>
+        <p14:creationId xmlns:p14="http://schemas.microsoft.com/office/powerpoint/2010/main" val="2794669032"/>
       </p:ext>
     </p:extLst>
   </p:cSld>
@@ -9599,10 +8878,6 @@
               </a:rPr>
               <a:t>Dictionary?</a:t>
             </a:r>
-            <a:endParaRPr lang="en-US" altLang="ko-KR" sz="2800" dirty="0" smtClean="0">
-              <a:latin typeface="리디바탕" panose="020B0600000101010101" pitchFamily="34" charset="-127"/>
-              <a:ea typeface="리디바탕" panose="020B0600000101010101" pitchFamily="34" charset="-127"/>
-            </a:endParaRPr>
           </a:p>
         </p:txBody>
       </p:sp>
@@ -9671,7 +8946,7 @@
               <a:t>(</a:t>
             </a:r>
             <a:r>
-              <a:rPr lang="ko-KR" altLang="en-US" sz="2800" dirty="0" err="1" smtClean="0">
+              <a:rPr lang="ko-KR" altLang="en-US" sz="2800" dirty="0" smtClean="0">
                 <a:solidFill>
                   <a:schemeClr val="bg1">
                     <a:lumMod val="65000"/>
@@ -9680,7 +8955,7 @@
                 <a:latin typeface="리디바탕" panose="020B0600000101010101" pitchFamily="34" charset="-127"/>
                 <a:ea typeface="리디바탕" panose="020B0600000101010101" pitchFamily="34" charset="-127"/>
               </a:rPr>
-              <a:t>조건제어</a:t>
+              <a:t>조건 제어</a:t>
             </a:r>
             <a:r>
               <a:rPr lang="en-US" altLang="ko-KR" sz="2800" dirty="0" smtClean="0">
@@ -9846,6 +9121,440 @@
         </p:nvSpPr>
         <p:spPr>
           <a:xfrm>
+            <a:off x="986972" y="4022717"/>
+            <a:ext cx="10746224" cy="738664"/>
+          </a:xfrm>
+          <a:prstGeom prst="rect">
+            <a:avLst/>
+          </a:prstGeom>
+          <a:noFill/>
+        </p:spPr>
+        <p:txBody>
+          <a:bodyPr wrap="square" rtlCol="0">
+            <a:spAutoFit/>
+          </a:bodyPr>
+          <a:lstStyle/>
+          <a:p>
+            <a:pPr>
+              <a:lnSpc>
+                <a:spcPct val="150000"/>
+              </a:lnSpc>
+            </a:pPr>
+            <a:r>
+              <a:rPr lang="en-US" altLang="ko-KR" sz="2800" dirty="0" smtClean="0">
+                <a:solidFill>
+                  <a:schemeClr val="tx1">
+                    <a:lumMod val="50000"/>
+                    <a:lumOff val="50000"/>
+                  </a:schemeClr>
+                </a:solidFill>
+                <a:latin typeface="리디바탕" panose="020B0600000101010101" pitchFamily="34" charset="-127"/>
+                <a:ea typeface="리디바탕" panose="020B0600000101010101" pitchFamily="34" charset="-127"/>
+              </a:rPr>
+              <a:t>{ </a:t>
+            </a:r>
+            <a:r>
+              <a:rPr lang="ko-KR" altLang="en-US" sz="2800" dirty="0" smtClean="0">
+                <a:solidFill>
+                  <a:srgbClr val="FF00FF"/>
+                </a:solidFill>
+                <a:latin typeface="리디바탕" panose="020B0600000101010101" pitchFamily="34" charset="-127"/>
+                <a:ea typeface="리디바탕" panose="020B0600000101010101" pitchFamily="34" charset="-127"/>
+              </a:rPr>
+              <a:t>이름</a:t>
+            </a:r>
+            <a:r>
+              <a:rPr lang="en-US" altLang="ko-KR" sz="2800" dirty="0" smtClean="0">
+                <a:solidFill>
+                  <a:schemeClr val="tx1">
+                    <a:lumMod val="50000"/>
+                    <a:lumOff val="50000"/>
+                  </a:schemeClr>
+                </a:solidFill>
+                <a:latin typeface="리디바탕" panose="020B0600000101010101" pitchFamily="34" charset="-127"/>
+                <a:ea typeface="리디바탕" panose="020B0600000101010101" pitchFamily="34" charset="-127"/>
+              </a:rPr>
+              <a:t>: </a:t>
+            </a:r>
+            <a:r>
+              <a:rPr lang="ko-KR" altLang="en-US" sz="2800" dirty="0" smtClean="0">
+                <a:solidFill>
+                  <a:schemeClr val="tx1">
+                    <a:lumMod val="50000"/>
+                    <a:lumOff val="50000"/>
+                  </a:schemeClr>
+                </a:solidFill>
+                <a:latin typeface="리디바탕" panose="020B0600000101010101" pitchFamily="34" charset="-127"/>
+                <a:ea typeface="리디바탕" panose="020B0600000101010101" pitchFamily="34" charset="-127"/>
+              </a:rPr>
+              <a:t>장만규</a:t>
+            </a:r>
+            <a:r>
+              <a:rPr lang="en-US" altLang="ko-KR" sz="2800" dirty="0" smtClean="0">
+                <a:solidFill>
+                  <a:schemeClr val="tx1">
+                    <a:lumMod val="50000"/>
+                    <a:lumOff val="50000"/>
+                  </a:schemeClr>
+                </a:solidFill>
+                <a:latin typeface="리디바탕" panose="020B0600000101010101" pitchFamily="34" charset="-127"/>
+                <a:ea typeface="리디바탕" panose="020B0600000101010101" pitchFamily="34" charset="-127"/>
+              </a:rPr>
+              <a:t>, </a:t>
+            </a:r>
+            <a:r>
+              <a:rPr lang="ko-KR" altLang="en-US" sz="2800" dirty="0" smtClean="0">
+                <a:solidFill>
+                  <a:srgbClr val="FF00FF"/>
+                </a:solidFill>
+                <a:latin typeface="리디바탕" panose="020B0600000101010101" pitchFamily="34" charset="-127"/>
+                <a:ea typeface="리디바탕" panose="020B0600000101010101" pitchFamily="34" charset="-127"/>
+              </a:rPr>
+              <a:t>나이</a:t>
+            </a:r>
+            <a:r>
+              <a:rPr lang="en-US" altLang="ko-KR" sz="2800" dirty="0" smtClean="0">
+                <a:solidFill>
+                  <a:schemeClr val="tx1">
+                    <a:lumMod val="50000"/>
+                    <a:lumOff val="50000"/>
+                  </a:schemeClr>
+                </a:solidFill>
+                <a:latin typeface="리디바탕" panose="020B0600000101010101" pitchFamily="34" charset="-127"/>
+                <a:ea typeface="리디바탕" panose="020B0600000101010101" pitchFamily="34" charset="-127"/>
+              </a:rPr>
+              <a:t>:</a:t>
+            </a:r>
+            <a:r>
+              <a:rPr lang="ko-KR" altLang="en-US" sz="2800" dirty="0" smtClean="0">
+                <a:solidFill>
+                  <a:schemeClr val="tx1">
+                    <a:lumMod val="50000"/>
+                    <a:lumOff val="50000"/>
+                  </a:schemeClr>
+                </a:solidFill>
+                <a:latin typeface="리디바탕" panose="020B0600000101010101" pitchFamily="34" charset="-127"/>
+                <a:ea typeface="리디바탕" panose="020B0600000101010101" pitchFamily="34" charset="-127"/>
+              </a:rPr>
+              <a:t> </a:t>
+            </a:r>
+            <a:r>
+              <a:rPr lang="en-US" altLang="ko-KR" sz="2800" dirty="0" smtClean="0">
+                <a:solidFill>
+                  <a:schemeClr val="tx1">
+                    <a:lumMod val="50000"/>
+                    <a:lumOff val="50000"/>
+                  </a:schemeClr>
+                </a:solidFill>
+                <a:latin typeface="리디바탕" panose="020B0600000101010101" pitchFamily="34" charset="-127"/>
+                <a:ea typeface="리디바탕" panose="020B0600000101010101" pitchFamily="34" charset="-127"/>
+              </a:rPr>
+              <a:t>35</a:t>
+            </a:r>
+            <a:r>
+              <a:rPr lang="ko-KR" altLang="en-US" sz="2800" dirty="0" smtClean="0">
+                <a:solidFill>
+                  <a:schemeClr val="tx1">
+                    <a:lumMod val="50000"/>
+                    <a:lumOff val="50000"/>
+                  </a:schemeClr>
+                </a:solidFill>
+                <a:latin typeface="리디바탕" panose="020B0600000101010101" pitchFamily="34" charset="-127"/>
+                <a:ea typeface="리디바탕" panose="020B0600000101010101" pitchFamily="34" charset="-127"/>
+              </a:rPr>
+              <a:t>세</a:t>
+            </a:r>
+            <a:r>
+              <a:rPr lang="en-US" altLang="ko-KR" sz="2800" dirty="0" smtClean="0">
+                <a:solidFill>
+                  <a:schemeClr val="tx1">
+                    <a:lumMod val="50000"/>
+                    <a:lumOff val="50000"/>
+                  </a:schemeClr>
+                </a:solidFill>
+                <a:latin typeface="리디바탕" panose="020B0600000101010101" pitchFamily="34" charset="-127"/>
+                <a:ea typeface="리디바탕" panose="020B0600000101010101" pitchFamily="34" charset="-127"/>
+              </a:rPr>
+              <a:t>, </a:t>
+            </a:r>
+            <a:r>
+              <a:rPr lang="ko-KR" altLang="en-US" sz="2800" dirty="0" smtClean="0">
+                <a:solidFill>
+                  <a:srgbClr val="FF00FF"/>
+                </a:solidFill>
+                <a:latin typeface="리디바탕" panose="020B0600000101010101" pitchFamily="34" charset="-127"/>
+                <a:ea typeface="리디바탕" panose="020B0600000101010101" pitchFamily="34" charset="-127"/>
+              </a:rPr>
+              <a:t>취미</a:t>
+            </a:r>
+            <a:r>
+              <a:rPr lang="en-US" altLang="ko-KR" sz="2800" dirty="0" smtClean="0">
+                <a:solidFill>
+                  <a:schemeClr val="tx1">
+                    <a:lumMod val="50000"/>
+                    <a:lumOff val="50000"/>
+                  </a:schemeClr>
+                </a:solidFill>
+                <a:latin typeface="리디바탕" panose="020B0600000101010101" pitchFamily="34" charset="-127"/>
+                <a:ea typeface="리디바탕" panose="020B0600000101010101" pitchFamily="34" charset="-127"/>
+              </a:rPr>
+              <a:t>: </a:t>
+            </a:r>
+            <a:r>
+              <a:rPr lang="ko-KR" altLang="en-US" sz="2800" dirty="0" err="1" smtClean="0">
+                <a:solidFill>
+                  <a:schemeClr val="tx1">
+                    <a:lumMod val="50000"/>
+                    <a:lumOff val="50000"/>
+                  </a:schemeClr>
+                </a:solidFill>
+                <a:latin typeface="리디바탕" panose="020B0600000101010101" pitchFamily="34" charset="-127"/>
+                <a:ea typeface="리디바탕" panose="020B0600000101010101" pitchFamily="34" charset="-127"/>
+              </a:rPr>
+              <a:t>다이나모</a:t>
+            </a:r>
+            <a:r>
+              <a:rPr lang="en-US" altLang="ko-KR" sz="2800" dirty="0" smtClean="0">
+                <a:solidFill>
+                  <a:schemeClr val="tx1">
+                    <a:lumMod val="50000"/>
+                    <a:lumOff val="50000"/>
+                  </a:schemeClr>
+                </a:solidFill>
+                <a:latin typeface="리디바탕" panose="020B0600000101010101" pitchFamily="34" charset="-127"/>
+                <a:ea typeface="리디바탕" panose="020B0600000101010101" pitchFamily="34" charset="-127"/>
+              </a:rPr>
+              <a:t>, </a:t>
+            </a:r>
+            <a:r>
+              <a:rPr lang="ko-KR" altLang="en-US" sz="2800" dirty="0" err="1" smtClean="0">
+                <a:solidFill>
+                  <a:srgbClr val="FF00FF"/>
+                </a:solidFill>
+                <a:latin typeface="리디바탕" panose="020B0600000101010101" pitchFamily="34" charset="-127"/>
+                <a:ea typeface="리디바탕" panose="020B0600000101010101" pitchFamily="34" charset="-127"/>
+              </a:rPr>
+              <a:t>사는곳</a:t>
+            </a:r>
+            <a:r>
+              <a:rPr lang="en-US" altLang="ko-KR" sz="2800" dirty="0" smtClean="0">
+                <a:solidFill>
+                  <a:schemeClr val="tx1">
+                    <a:lumMod val="50000"/>
+                    <a:lumOff val="50000"/>
+                  </a:schemeClr>
+                </a:solidFill>
+                <a:latin typeface="리디바탕" panose="020B0600000101010101" pitchFamily="34" charset="-127"/>
+                <a:ea typeface="리디바탕" panose="020B0600000101010101" pitchFamily="34" charset="-127"/>
+              </a:rPr>
+              <a:t>: </a:t>
+            </a:r>
+            <a:r>
+              <a:rPr lang="ko-KR" altLang="en-US" sz="2800" dirty="0" smtClean="0">
+                <a:solidFill>
+                  <a:schemeClr val="tx1">
+                    <a:lumMod val="50000"/>
+                    <a:lumOff val="50000"/>
+                  </a:schemeClr>
+                </a:solidFill>
+                <a:latin typeface="리디바탕" panose="020B0600000101010101" pitchFamily="34" charset="-127"/>
+                <a:ea typeface="리디바탕" panose="020B0600000101010101" pitchFamily="34" charset="-127"/>
+              </a:rPr>
+              <a:t>서울</a:t>
+            </a:r>
+            <a:r>
+              <a:rPr lang="en-US" altLang="ko-KR" sz="2800" dirty="0" smtClean="0">
+                <a:solidFill>
+                  <a:schemeClr val="tx1">
+                    <a:lumMod val="50000"/>
+                    <a:lumOff val="50000"/>
+                  </a:schemeClr>
+                </a:solidFill>
+                <a:latin typeface="리디바탕" panose="020B0600000101010101" pitchFamily="34" charset="-127"/>
+                <a:ea typeface="리디바탕" panose="020B0600000101010101" pitchFamily="34" charset="-127"/>
+              </a:rPr>
+              <a:t>, </a:t>
+            </a:r>
+            <a:r>
+              <a:rPr lang="ko-KR" altLang="en-US" sz="2800" dirty="0" smtClean="0">
+                <a:solidFill>
+                  <a:srgbClr val="FF00FF"/>
+                </a:solidFill>
+                <a:latin typeface="리디바탕" panose="020B0600000101010101" pitchFamily="34" charset="-127"/>
+                <a:ea typeface="리디바탕" panose="020B0600000101010101" pitchFamily="34" charset="-127"/>
+              </a:rPr>
+              <a:t>꿈</a:t>
+            </a:r>
+            <a:r>
+              <a:rPr lang="en-US" altLang="ko-KR" sz="2800" dirty="0" smtClean="0">
+                <a:solidFill>
+                  <a:schemeClr val="tx1">
+                    <a:lumMod val="50000"/>
+                    <a:lumOff val="50000"/>
+                  </a:schemeClr>
+                </a:solidFill>
+                <a:latin typeface="리디바탕" panose="020B0600000101010101" pitchFamily="34" charset="-127"/>
+                <a:ea typeface="리디바탕" panose="020B0600000101010101" pitchFamily="34" charset="-127"/>
+              </a:rPr>
+              <a:t>: </a:t>
+            </a:r>
+            <a:r>
+              <a:rPr lang="ko-KR" altLang="en-US" sz="2800" dirty="0" smtClean="0">
+                <a:solidFill>
+                  <a:schemeClr val="tx1">
+                    <a:lumMod val="50000"/>
+                    <a:lumOff val="50000"/>
+                  </a:schemeClr>
+                </a:solidFill>
+                <a:latin typeface="리디바탕" panose="020B0600000101010101" pitchFamily="34" charset="-127"/>
+                <a:ea typeface="리디바탕" panose="020B0600000101010101" pitchFamily="34" charset="-127"/>
+              </a:rPr>
+              <a:t>일확천금</a:t>
+            </a:r>
+            <a:r>
+              <a:rPr lang="en-US" altLang="ko-KR" sz="2800" dirty="0" smtClean="0">
+                <a:solidFill>
+                  <a:schemeClr val="tx1">
+                    <a:lumMod val="50000"/>
+                    <a:lumOff val="50000"/>
+                  </a:schemeClr>
+                </a:solidFill>
+                <a:latin typeface="리디바탕" panose="020B0600000101010101" pitchFamily="34" charset="-127"/>
+                <a:ea typeface="리디바탕" panose="020B0600000101010101" pitchFamily="34" charset="-127"/>
+              </a:rPr>
+              <a:t> }</a:t>
+            </a:r>
+          </a:p>
+        </p:txBody>
+      </p:sp>
+      <p:sp>
+        <p:nvSpPr>
+          <p:cNvPr id="4" name="TextBox 3"/>
+          <p:cNvSpPr txBox="1"/>
+          <p:nvPr/>
+        </p:nvSpPr>
+        <p:spPr>
+          <a:xfrm>
+            <a:off x="1345747" y="3747402"/>
+            <a:ext cx="551241" cy="369332"/>
+          </a:xfrm>
+          <a:prstGeom prst="rect">
+            <a:avLst/>
+          </a:prstGeom>
+          <a:noFill/>
+        </p:spPr>
+        <p:txBody>
+          <a:bodyPr wrap="none" rtlCol="0">
+            <a:spAutoFit/>
+          </a:bodyPr>
+          <a:lstStyle/>
+          <a:p>
+            <a:r>
+              <a:rPr lang="en-US" altLang="ko-KR" dirty="0" smtClean="0">
+                <a:solidFill>
+                  <a:srgbClr val="FF00FF"/>
+                </a:solidFill>
+                <a:latin typeface="리디바탕" panose="020B0600000101010101" pitchFamily="34" charset="-127"/>
+                <a:ea typeface="리디바탕" panose="020B0600000101010101" pitchFamily="34" charset="-127"/>
+              </a:rPr>
+              <a:t>key</a:t>
+            </a:r>
+            <a:endParaRPr lang="ko-KR" altLang="en-US" dirty="0">
+              <a:solidFill>
+                <a:srgbClr val="FF00FF"/>
+              </a:solidFill>
+              <a:latin typeface="리디바탕" panose="020B0600000101010101" pitchFamily="34" charset="-127"/>
+              <a:ea typeface="리디바탕" panose="020B0600000101010101" pitchFamily="34" charset="-127"/>
+            </a:endParaRPr>
+          </a:p>
+        </p:txBody>
+      </p:sp>
+      <p:sp>
+        <p:nvSpPr>
+          <p:cNvPr id="6" name="TextBox 5"/>
+          <p:cNvSpPr txBox="1"/>
+          <p:nvPr/>
+        </p:nvSpPr>
+        <p:spPr>
+          <a:xfrm>
+            <a:off x="2302597" y="3747402"/>
+            <a:ext cx="728917" cy="369332"/>
+          </a:xfrm>
+          <a:prstGeom prst="rect">
+            <a:avLst/>
+          </a:prstGeom>
+          <a:noFill/>
+        </p:spPr>
+        <p:txBody>
+          <a:bodyPr wrap="none" rtlCol="0">
+            <a:spAutoFit/>
+          </a:bodyPr>
+          <a:lstStyle/>
+          <a:p>
+            <a:r>
+              <a:rPr lang="en-US" altLang="ko-KR" dirty="0" smtClean="0">
+                <a:solidFill>
+                  <a:srgbClr val="0000FF"/>
+                </a:solidFill>
+                <a:latin typeface="리디바탕" panose="020B0600000101010101" pitchFamily="34" charset="-127"/>
+                <a:ea typeface="리디바탕" panose="020B0600000101010101" pitchFamily="34" charset="-127"/>
+              </a:rPr>
+              <a:t>value</a:t>
+            </a:r>
+            <a:endParaRPr lang="ko-KR" altLang="en-US" dirty="0">
+              <a:solidFill>
+                <a:srgbClr val="0000FF"/>
+              </a:solidFill>
+              <a:latin typeface="리디바탕" panose="020B0600000101010101" pitchFamily="34" charset="-127"/>
+              <a:ea typeface="리디바탕" panose="020B0600000101010101" pitchFamily="34" charset="-127"/>
+            </a:endParaRPr>
+          </a:p>
+        </p:txBody>
+      </p:sp>
+      <p:sp>
+        <p:nvSpPr>
+          <p:cNvPr id="15" name="TextBox 14"/>
+          <p:cNvSpPr txBox="1"/>
+          <p:nvPr/>
+        </p:nvSpPr>
+        <p:spPr>
+          <a:xfrm>
+            <a:off x="1891109" y="3747402"/>
+            <a:ext cx="234360" cy="369332"/>
+          </a:xfrm>
+          <a:prstGeom prst="rect">
+            <a:avLst/>
+          </a:prstGeom>
+          <a:noFill/>
+        </p:spPr>
+        <p:txBody>
+          <a:bodyPr wrap="none" rtlCol="0">
+            <a:spAutoFit/>
+          </a:bodyPr>
+          <a:lstStyle/>
+          <a:p>
+            <a:r>
+              <a:rPr lang="en-US" altLang="ko-KR" dirty="0" smtClean="0">
+                <a:latin typeface="리디바탕" panose="020B0600000101010101" pitchFamily="34" charset="-127"/>
+                <a:ea typeface="리디바탕" panose="020B0600000101010101" pitchFamily="34" charset="-127"/>
+              </a:rPr>
+              <a:t>:</a:t>
+            </a:r>
+            <a:endParaRPr lang="ko-KR" altLang="en-US" dirty="0">
+              <a:latin typeface="리디바탕" panose="020B0600000101010101" pitchFamily="34" charset="-127"/>
+              <a:ea typeface="리디바탕" panose="020B0600000101010101" pitchFamily="34" charset="-127"/>
+            </a:endParaRPr>
+          </a:p>
+        </p:txBody>
+      </p:sp>
+      <p:sp>
+        <p:nvSpPr>
+          <p:cNvPr id="16" name="TextBox 15"/>
+          <p:cNvSpPr txBox="1"/>
+          <p:nvPr/>
+        </p:nvSpPr>
+        <p:spPr>
+          <a:xfrm>
             <a:off x="0" y="822851"/>
             <a:ext cx="12192000" cy="663258"/>
           </a:xfrm>
@@ -9866,47 +9575,185 @@
               </a:lnSpc>
             </a:pPr>
             <a:r>
+              <a:rPr lang="en-US" altLang="ko-KR" sz="2800" dirty="0" smtClean="0">
+                <a:latin typeface="리디바탕" panose="020B0600000101010101" pitchFamily="34" charset="-127"/>
+                <a:ea typeface="리디바탕" panose="020B0600000101010101" pitchFamily="34" charset="-127"/>
+              </a:rPr>
+              <a:t>Dictionary </a:t>
+            </a:r>
+            <a:r>
               <a:rPr lang="ko-KR" altLang="en-US" sz="2800" dirty="0" smtClean="0">
                 <a:latin typeface="리디바탕" panose="020B0600000101010101" pitchFamily="34" charset="-127"/>
                 <a:ea typeface="리디바탕" panose="020B0600000101010101" pitchFamily="34" charset="-127"/>
               </a:rPr>
-              <a:t>시연 시간</a:t>
-            </a:r>
-            <a:endParaRPr lang="en-US" altLang="ko-KR" sz="2800" dirty="0" smtClean="0">
+              <a:t>가 코드의 복잡도를 낮출 수 있는 이유는</a:t>
+            </a:r>
+            <a:r>
+              <a:rPr lang="en-US" altLang="ko-KR" sz="2800" dirty="0" smtClean="0">
+                <a:latin typeface="리디바탕" panose="020B0600000101010101" pitchFamily="34" charset="-127"/>
+                <a:ea typeface="리디바탕" panose="020B0600000101010101" pitchFamily="34" charset="-127"/>
+              </a:rPr>
+              <a:t>?</a:t>
+            </a:r>
+          </a:p>
+        </p:txBody>
+      </p:sp>
+      <p:sp>
+        <p:nvSpPr>
+          <p:cNvPr id="17" name="직사각형 16"/>
+          <p:cNvSpPr/>
+          <p:nvPr/>
+        </p:nvSpPr>
+        <p:spPr>
+          <a:xfrm>
+            <a:off x="2075921" y="1719826"/>
+            <a:ext cx="7518597" cy="1200329"/>
+          </a:xfrm>
+          <a:prstGeom prst="rect">
+            <a:avLst/>
+          </a:prstGeom>
+        </p:spPr>
+        <p:txBody>
+          <a:bodyPr wrap="none">
+            <a:spAutoFit/>
+          </a:bodyPr>
+          <a:lstStyle/>
+          <a:p>
+            <a:r>
+              <a:rPr lang="ko-KR" altLang="en-US" dirty="0">
+                <a:solidFill>
+                  <a:srgbClr val="FF00FF"/>
+                </a:solidFill>
+                <a:latin typeface="리디바탕" panose="020B0600000101010101" pitchFamily="34" charset="-127"/>
+                <a:ea typeface="리디바탕" panose="020B0600000101010101" pitchFamily="34" charset="-127"/>
+              </a:rPr>
+              <a:t>명시적</a:t>
+            </a:r>
+            <a:r>
+              <a:rPr lang="ko-KR" altLang="en-US" dirty="0">
+                <a:latin typeface="리디바탕" panose="020B0600000101010101" pitchFamily="34" charset="-127"/>
+                <a:ea typeface="리디바탕" panose="020B0600000101010101" pitchFamily="34" charset="-127"/>
+              </a:rPr>
+              <a:t> 키를 </a:t>
+            </a:r>
+            <a:r>
+              <a:rPr lang="ko-KR" altLang="en-US" dirty="0" smtClean="0">
+                <a:latin typeface="리디바탕" panose="020B0600000101010101" pitchFamily="34" charset="-127"/>
+                <a:ea typeface="리디바탕" panose="020B0600000101010101" pitchFamily="34" charset="-127"/>
+              </a:rPr>
+              <a:t>사용하는</a:t>
+            </a:r>
+            <a:r>
+              <a:rPr lang="en-US" altLang="ko-KR" dirty="0" smtClean="0">
+                <a:latin typeface="리디바탕" panose="020B0600000101010101" pitchFamily="34" charset="-127"/>
+                <a:ea typeface="리디바탕" panose="020B0600000101010101" pitchFamily="34" charset="-127"/>
+              </a:rPr>
+              <a:t> Dictionary</a:t>
+            </a:r>
+            <a:r>
+              <a:rPr lang="ko-KR" altLang="en-US" dirty="0" smtClean="0">
+                <a:latin typeface="리디바탕" panose="020B0600000101010101" pitchFamily="34" charset="-127"/>
+                <a:ea typeface="리디바탕" panose="020B0600000101010101" pitchFamily="34" charset="-127"/>
+              </a:rPr>
+              <a:t>는 사용자가 직접 데이터를 서술할 수 있는</a:t>
+            </a:r>
+            <a:endParaRPr lang="en-US" altLang="ko-KR" dirty="0" smtClean="0">
               <a:latin typeface="리디바탕" panose="020B0600000101010101" pitchFamily="34" charset="-127"/>
               <a:ea typeface="리디바탕" panose="020B0600000101010101" pitchFamily="34" charset="-127"/>
             </a:endParaRPr>
           </a:p>
-        </p:txBody>
-      </p:sp>
-      <p:pic>
-        <p:nvPicPr>
-          <p:cNvPr id="3" name="그림 2"/>
-          <p:cNvPicPr>
-            <a:picLocks noChangeAspect="1"/>
-          </p:cNvPicPr>
-          <p:nvPr/>
-        </p:nvPicPr>
-        <p:blipFill>
-          <a:blip r:embed="rId2"/>
-          <a:stretch>
-            <a:fillRect/>
-          </a:stretch>
-        </p:blipFill>
-        <p:spPr>
-          <a:xfrm>
-            <a:off x="2133600" y="1637984"/>
-            <a:ext cx="7924800" cy="4521832"/>
-          </a:xfrm>
-          <a:prstGeom prst="rect">
-            <a:avLst/>
-          </a:prstGeom>
-        </p:spPr>
-      </p:pic>
+          <a:p>
+            <a:r>
+              <a:rPr lang="en-US" altLang="ko-KR" dirty="0" smtClean="0">
+                <a:latin typeface="리디바탕" panose="020B0600000101010101" pitchFamily="34" charset="-127"/>
+                <a:ea typeface="리디바탕" panose="020B0600000101010101" pitchFamily="34" charset="-127"/>
+              </a:rPr>
+              <a:t>key</a:t>
+            </a:r>
+            <a:r>
+              <a:rPr lang="ko-KR" altLang="en-US" dirty="0" smtClean="0">
+                <a:latin typeface="리디바탕" panose="020B0600000101010101" pitchFamily="34" charset="-127"/>
+                <a:ea typeface="리디바탕" panose="020B0600000101010101" pitchFamily="34" charset="-127"/>
+              </a:rPr>
+              <a:t> 이름을 사용해 데이터를 형성할 수 있음</a:t>
+            </a:r>
+            <a:r>
+              <a:rPr lang="en-US" altLang="ko-KR" dirty="0" smtClean="0">
+                <a:latin typeface="리디바탕" panose="020B0600000101010101" pitchFamily="34" charset="-127"/>
+                <a:ea typeface="리디바탕" panose="020B0600000101010101" pitchFamily="34" charset="-127"/>
+              </a:rPr>
+              <a:t>.</a:t>
+            </a:r>
+          </a:p>
+          <a:p>
+            <a:endParaRPr lang="en-US" altLang="ko-KR" dirty="0" smtClean="0">
+              <a:latin typeface="리디바탕" panose="020B0600000101010101" pitchFamily="34" charset="-127"/>
+              <a:ea typeface="리디바탕" panose="020B0600000101010101" pitchFamily="34" charset="-127"/>
+            </a:endParaRPr>
+          </a:p>
+          <a:p>
+            <a:r>
+              <a:rPr lang="ko-KR" altLang="en-US" dirty="0" smtClean="0">
+                <a:latin typeface="리디바탕" panose="020B0600000101010101" pitchFamily="34" charset="-127"/>
+                <a:ea typeface="리디바탕" panose="020B0600000101010101" pitchFamily="34" charset="-127"/>
+              </a:rPr>
+              <a:t>따라서 상대적으로 </a:t>
+            </a:r>
+            <a:r>
+              <a:rPr lang="en-US" altLang="ko-KR" dirty="0" smtClean="0">
+                <a:solidFill>
+                  <a:srgbClr val="FF00FF"/>
+                </a:solidFill>
+                <a:latin typeface="리디바탕" panose="020B0600000101010101" pitchFamily="34" charset="-127"/>
+                <a:ea typeface="리디바탕" panose="020B0600000101010101" pitchFamily="34" charset="-127"/>
+              </a:rPr>
+              <a:t>Self-descriptiveness(</a:t>
+            </a:r>
+            <a:r>
+              <a:rPr lang="ko-KR" altLang="en-US" dirty="0" err="1" smtClean="0">
+                <a:solidFill>
+                  <a:srgbClr val="FF00FF"/>
+                </a:solidFill>
+                <a:latin typeface="리디바탕" panose="020B0600000101010101" pitchFamily="34" charset="-127"/>
+                <a:ea typeface="리디바탕" panose="020B0600000101010101" pitchFamily="34" charset="-127"/>
+              </a:rPr>
+              <a:t>자기서술적</a:t>
+            </a:r>
+            <a:r>
+              <a:rPr lang="en-US" altLang="ko-KR" dirty="0" smtClean="0">
+                <a:solidFill>
+                  <a:srgbClr val="FF00FF"/>
+                </a:solidFill>
+                <a:latin typeface="리디바탕" panose="020B0600000101010101" pitchFamily="34" charset="-127"/>
+                <a:ea typeface="리디바탕" panose="020B0600000101010101" pitchFamily="34" charset="-127"/>
+              </a:rPr>
+              <a:t>)</a:t>
+            </a:r>
+            <a:r>
+              <a:rPr lang="en-US" altLang="ko-KR" dirty="0" smtClean="0">
+                <a:solidFill>
+                  <a:srgbClr val="0000FF"/>
+                </a:solidFill>
+                <a:latin typeface="리디바탕" panose="020B0600000101010101" pitchFamily="34" charset="-127"/>
+                <a:ea typeface="리디바탕" panose="020B0600000101010101" pitchFamily="34" charset="-127"/>
+              </a:rPr>
+              <a:t> </a:t>
+            </a:r>
+            <a:r>
+              <a:rPr lang="ko-KR" altLang="en-US" dirty="0" smtClean="0">
+                <a:latin typeface="리디바탕" panose="020B0600000101010101" pitchFamily="34" charset="-127"/>
+                <a:ea typeface="리디바탕" panose="020B0600000101010101" pitchFamily="34" charset="-127"/>
+              </a:rPr>
+              <a:t>한 데이터 컬렉션 임</a:t>
+            </a:r>
+            <a:endParaRPr lang="ko-KR" altLang="en-US" dirty="0"/>
+          </a:p>
+        </p:txBody>
+      </p:sp>
     </p:spTree>
     <p:extLst>
       <p:ext uri="{BB962C8B-B14F-4D97-AF65-F5344CB8AC3E}">
-        <p14:creationId xmlns:p14="http://schemas.microsoft.com/office/powerpoint/2010/main" val="2425497020"/>
+        <p14:creationId xmlns:p14="http://schemas.microsoft.com/office/powerpoint/2010/main" val="2872961344"/>
       </p:ext>
     </p:extLst>
   </p:cSld>
@@ -9972,6 +9819,108 @@
                 <a:latin typeface="리디바탕" panose="020B0600000101010101" pitchFamily="34" charset="-127"/>
                 <a:ea typeface="리디바탕" panose="020B0600000101010101" pitchFamily="34" charset="-127"/>
               </a:rPr>
+              <a:t>시연 시간</a:t>
+            </a:r>
+            <a:endParaRPr lang="en-US" altLang="ko-KR" sz="2800" dirty="0" smtClean="0">
+              <a:latin typeface="리디바탕" panose="020B0600000101010101" pitchFamily="34" charset="-127"/>
+              <a:ea typeface="리디바탕" panose="020B0600000101010101" pitchFamily="34" charset="-127"/>
+            </a:endParaRPr>
+          </a:p>
+        </p:txBody>
+      </p:sp>
+      <p:pic>
+        <p:nvPicPr>
+          <p:cNvPr id="3" name="그림 2"/>
+          <p:cNvPicPr>
+            <a:picLocks noChangeAspect="1"/>
+          </p:cNvPicPr>
+          <p:nvPr/>
+        </p:nvPicPr>
+        <p:blipFill>
+          <a:blip r:embed="rId2"/>
+          <a:stretch>
+            <a:fillRect/>
+          </a:stretch>
+        </p:blipFill>
+        <p:spPr>
+          <a:xfrm>
+            <a:off x="2133600" y="1637984"/>
+            <a:ext cx="7924800" cy="4521832"/>
+          </a:xfrm>
+          <a:prstGeom prst="rect">
+            <a:avLst/>
+          </a:prstGeom>
+        </p:spPr>
+      </p:pic>
+    </p:spTree>
+    <p:extLst>
+      <p:ext uri="{BB962C8B-B14F-4D97-AF65-F5344CB8AC3E}">
+        <p14:creationId xmlns:p14="http://schemas.microsoft.com/office/powerpoint/2010/main" val="2425497020"/>
+      </p:ext>
+    </p:extLst>
+  </p:cSld>
+  <p:clrMapOvr>
+    <a:masterClrMapping/>
+  </p:clrMapOvr>
+  <p:timing>
+    <p:tnLst>
+      <p:par>
+        <p:cTn id="1" dur="indefinite" restart="never" nodeType="tmRoot"/>
+      </p:par>
+    </p:tnLst>
+  </p:timing>
+</p:sld>
+</file>
+
+<file path=ppt/slides/slide22.xml><?xml version="1.0" encoding="utf-8"?>
+<p:sld xmlns:a="http://schemas.openxmlformats.org/drawingml/2006/main" xmlns:r="http://schemas.openxmlformats.org/officeDocument/2006/relationships" xmlns:p="http://schemas.openxmlformats.org/presentationml/2006/main">
+  <p:cSld>
+    <p:spTree>
+      <p:nvGrpSpPr>
+        <p:cNvPr id="1" name=""/>
+        <p:cNvGrpSpPr/>
+        <p:nvPr/>
+      </p:nvGrpSpPr>
+      <p:grpSpPr>
+        <a:xfrm>
+          <a:off x="0" y="0"/>
+          <a:ext cx="0" cy="0"/>
+          <a:chOff x="0" y="0"/>
+          <a:chExt cx="0" cy="0"/>
+        </a:xfrm>
+      </p:grpSpPr>
+      <p:sp>
+        <p:nvSpPr>
+          <p:cNvPr id="2" name="TextBox 1"/>
+          <p:cNvSpPr txBox="1"/>
+          <p:nvPr/>
+        </p:nvSpPr>
+        <p:spPr>
+          <a:xfrm>
+            <a:off x="0" y="822851"/>
+            <a:ext cx="12192000" cy="663258"/>
+          </a:xfrm>
+          <a:prstGeom prst="rect">
+            <a:avLst/>
+          </a:prstGeom>
+          <a:noFill/>
+        </p:spPr>
+        <p:txBody>
+          <a:bodyPr wrap="square" rtlCol="0">
+            <a:spAutoFit/>
+          </a:bodyPr>
+          <a:lstStyle/>
+          <a:p>
+            <a:pPr algn="ctr">
+              <a:lnSpc>
+                <a:spcPct val="150000"/>
+              </a:lnSpc>
+            </a:pPr>
+            <a:r>
+              <a:rPr lang="ko-KR" altLang="en-US" sz="2800" dirty="0" smtClean="0">
+                <a:latin typeface="리디바탕" panose="020B0600000101010101" pitchFamily="34" charset="-127"/>
+                <a:ea typeface="리디바탕" panose="020B0600000101010101" pitchFamily="34" charset="-127"/>
+              </a:rPr>
               <a:t>정리</a:t>
             </a:r>
             <a:endParaRPr lang="en-US" altLang="ko-KR" sz="2800" dirty="0" smtClean="0">
@@ -10001,7 +9950,7 @@
 </p:sld>
 </file>
 
-<file path=ppt/slides/slide22.xml><?xml version="1.0" encoding="utf-8"?>
+<file path=ppt/slides/slide23.xml><?xml version="1.0" encoding="utf-8"?>
 <p:sld xmlns:a="http://schemas.openxmlformats.org/drawingml/2006/main" xmlns:r="http://schemas.openxmlformats.org/officeDocument/2006/relationships" xmlns:p="http://schemas.openxmlformats.org/presentationml/2006/main">
   <p:cSld>
     <p:spTree>
@@ -10533,7 +10482,7 @@
 </p:sld>
 </file>
 
-<file path=ppt/slides/slide23.xml><?xml version="1.0" encoding="utf-8"?>
+<file path=ppt/slides/slide24.xml><?xml version="1.0" encoding="utf-8"?>
 <p:sld xmlns:a="http://schemas.openxmlformats.org/drawingml/2006/main" xmlns:r="http://schemas.openxmlformats.org/officeDocument/2006/relationships" xmlns:p="http://schemas.openxmlformats.org/presentationml/2006/main">
   <p:cSld>
     <p:spTree>
@@ -10613,20 +10562,20 @@
       </p:sp>
       <p:sp>
         <p:nvSpPr>
-          <p:cNvPr id="13" name="타원 12"/>
+          <p:cNvPr id="3" name="모서리가 둥근 직사각형 2"/>
           <p:cNvSpPr/>
           <p:nvPr/>
         </p:nvSpPr>
         <p:spPr>
           <a:xfrm>
-            <a:off x="2723949" y="1585570"/>
-            <a:ext cx="8344795" cy="4680476"/>
-          </a:xfrm>
-          <a:prstGeom prst="ellipse">
+            <a:off x="2570205" y="2125362"/>
+            <a:ext cx="8410833" cy="3723503"/>
+          </a:xfrm>
+          <a:prstGeom prst="roundRect">
             <a:avLst/>
           </a:prstGeom>
           <a:noFill/>
-          <a:ln>
+          <a:ln w="15875">
             <a:solidFill>
               <a:srgbClr val="FF0000"/>
             </a:solidFill>
@@ -10662,73 +10611,6 @@
     <p:extLst>
       <p:ext uri="{BB962C8B-B14F-4D97-AF65-F5344CB8AC3E}">
         <p14:creationId xmlns:p14="http://schemas.microsoft.com/office/powerpoint/2010/main" val="1881086659"/>
-      </p:ext>
-    </p:extLst>
-  </p:cSld>
-  <p:clrMapOvr>
-    <a:masterClrMapping/>
-  </p:clrMapOvr>
-  <p:timing>
-    <p:tnLst>
-      <p:par>
-        <p:cTn id="1" dur="indefinite" restart="never" nodeType="tmRoot"/>
-      </p:par>
-    </p:tnLst>
-  </p:timing>
-</p:sld>
-</file>
-
-<file path=ppt/slides/slide24.xml><?xml version="1.0" encoding="utf-8"?>
-<p:sld xmlns:a="http://schemas.openxmlformats.org/drawingml/2006/main" xmlns:r="http://schemas.openxmlformats.org/officeDocument/2006/relationships" xmlns:p="http://schemas.openxmlformats.org/presentationml/2006/main">
-  <p:cSld>
-    <p:spTree>
-      <p:nvGrpSpPr>
-        <p:cNvPr id="1" name=""/>
-        <p:cNvGrpSpPr/>
-        <p:nvPr/>
-      </p:nvGrpSpPr>
-      <p:grpSpPr>
-        <a:xfrm>
-          <a:off x="0" y="0"/>
-          <a:ext cx="0" cy="0"/>
-          <a:chOff x="0" y="0"/>
-          <a:chExt cx="0" cy="0"/>
-        </a:xfrm>
-      </p:grpSpPr>
-      <p:pic>
-        <p:nvPicPr>
-          <p:cNvPr id="3" name="그림 2"/>
-          <p:cNvPicPr>
-            <a:picLocks noChangeAspect="1"/>
-          </p:cNvPicPr>
-          <p:nvPr/>
-        </p:nvPicPr>
-        <p:blipFill>
-          <a:blip r:embed="rId2" cstate="print">
-            <a:extLst>
-              <a:ext uri="{28A0092B-C50C-407E-A947-70E740481C1C}">
-                <a14:useLocalDpi xmlns:a14="http://schemas.microsoft.com/office/drawing/2010/main" val="0"/>
-              </a:ext>
-            </a:extLst>
-          </a:blip>
-          <a:stretch>
-            <a:fillRect/>
-          </a:stretch>
-        </p:blipFill>
-        <p:spPr>
-          <a:xfrm>
-            <a:off x="-1" y="563816"/>
-            <a:ext cx="12175653" cy="5722684"/>
-          </a:xfrm>
-          <a:prstGeom prst="rect">
-            <a:avLst/>
-          </a:prstGeom>
-        </p:spPr>
-      </p:pic>
-    </p:spTree>
-    <p:extLst>
-      <p:ext uri="{BB962C8B-B14F-4D97-AF65-F5344CB8AC3E}">
-        <p14:creationId xmlns:p14="http://schemas.microsoft.com/office/powerpoint/2010/main" val="3422076347"/>
       </p:ext>
     </p:extLst>
   </p:cSld>
@@ -10762,6 +10644,412 @@
           <a:chExt cx="0" cy="0"/>
         </a:xfrm>
       </p:grpSpPr>
+      <p:pic>
+        <p:nvPicPr>
+          <p:cNvPr id="3" name="그림 2"/>
+          <p:cNvPicPr>
+            <a:picLocks noChangeAspect="1"/>
+          </p:cNvPicPr>
+          <p:nvPr/>
+        </p:nvPicPr>
+        <p:blipFill>
+          <a:blip r:embed="rId2" cstate="print">
+            <a:extLst>
+              <a:ext uri="{28A0092B-C50C-407E-A947-70E740481C1C}">
+                <a14:useLocalDpi xmlns:a14="http://schemas.microsoft.com/office/drawing/2010/main" val="0"/>
+              </a:ext>
+            </a:extLst>
+          </a:blip>
+          <a:stretch>
+            <a:fillRect/>
+          </a:stretch>
+        </p:blipFill>
+        <p:spPr>
+          <a:xfrm>
+            <a:off x="-1" y="563816"/>
+            <a:ext cx="12175653" cy="5722684"/>
+          </a:xfrm>
+          <a:prstGeom prst="rect">
+            <a:avLst/>
+          </a:prstGeom>
+        </p:spPr>
+      </p:pic>
+      <p:sp>
+        <p:nvSpPr>
+          <p:cNvPr id="4" name="모서리가 둥근 직사각형 3"/>
+          <p:cNvSpPr/>
+          <p:nvPr/>
+        </p:nvSpPr>
+        <p:spPr>
+          <a:xfrm>
+            <a:off x="3751305" y="1176338"/>
+            <a:ext cx="1079499" cy="481012"/>
+          </a:xfrm>
+          <a:prstGeom prst="roundRect">
+            <a:avLst/>
+          </a:prstGeom>
+          <a:noFill/>
+          <a:ln w="12700">
+            <a:solidFill>
+              <a:srgbClr val="FF0000"/>
+            </a:solidFill>
+            <a:prstDash val="lgDashDot"/>
+          </a:ln>
+        </p:spPr>
+        <p:style>
+          <a:lnRef idx="2">
+            <a:schemeClr val="accent1">
+              <a:shade val="50000"/>
+            </a:schemeClr>
+          </a:lnRef>
+          <a:fillRef idx="1">
+            <a:schemeClr val="accent1"/>
+          </a:fillRef>
+          <a:effectRef idx="0">
+            <a:schemeClr val="accent1"/>
+          </a:effectRef>
+          <a:fontRef idx="minor">
+            <a:schemeClr val="lt1"/>
+          </a:fontRef>
+        </p:style>
+        <p:txBody>
+          <a:bodyPr rtlCol="0" anchor="ctr"/>
+          <a:lstStyle/>
+          <a:p>
+            <a:pPr algn="ctr"/>
+            <a:endParaRPr lang="ko-KR" altLang="en-US"/>
+          </a:p>
+        </p:txBody>
+      </p:sp>
+      <p:sp>
+        <p:nvSpPr>
+          <p:cNvPr id="5" name="모서리가 둥근 직사각형 4"/>
+          <p:cNvSpPr/>
+          <p:nvPr/>
+        </p:nvSpPr>
+        <p:spPr>
+          <a:xfrm>
+            <a:off x="4830805" y="1176337"/>
+            <a:ext cx="1617619" cy="719137"/>
+          </a:xfrm>
+          <a:prstGeom prst="roundRect">
+            <a:avLst/>
+          </a:prstGeom>
+          <a:noFill/>
+          <a:ln w="12700">
+            <a:solidFill>
+              <a:srgbClr val="FF0000"/>
+            </a:solidFill>
+            <a:prstDash val="lgDashDot"/>
+          </a:ln>
+        </p:spPr>
+        <p:style>
+          <a:lnRef idx="2">
+            <a:schemeClr val="accent1">
+              <a:shade val="50000"/>
+            </a:schemeClr>
+          </a:lnRef>
+          <a:fillRef idx="1">
+            <a:schemeClr val="accent1"/>
+          </a:fillRef>
+          <a:effectRef idx="0">
+            <a:schemeClr val="accent1"/>
+          </a:effectRef>
+          <a:fontRef idx="minor">
+            <a:schemeClr val="lt1"/>
+          </a:fontRef>
+        </p:style>
+        <p:txBody>
+          <a:bodyPr rtlCol="0" anchor="ctr"/>
+          <a:lstStyle/>
+          <a:p>
+            <a:pPr algn="ctr"/>
+            <a:endParaRPr lang="ko-KR" altLang="en-US"/>
+          </a:p>
+        </p:txBody>
+      </p:sp>
+      <p:sp>
+        <p:nvSpPr>
+          <p:cNvPr id="6" name="모서리가 둥근 직사각형 5"/>
+          <p:cNvSpPr/>
+          <p:nvPr/>
+        </p:nvSpPr>
+        <p:spPr>
+          <a:xfrm>
+            <a:off x="6448424" y="1176337"/>
+            <a:ext cx="1466851" cy="719137"/>
+          </a:xfrm>
+          <a:prstGeom prst="roundRect">
+            <a:avLst/>
+          </a:prstGeom>
+          <a:noFill/>
+          <a:ln w="12700">
+            <a:solidFill>
+              <a:srgbClr val="FF0000"/>
+            </a:solidFill>
+            <a:prstDash val="lgDashDot"/>
+          </a:ln>
+        </p:spPr>
+        <p:style>
+          <a:lnRef idx="2">
+            <a:schemeClr val="accent1">
+              <a:shade val="50000"/>
+            </a:schemeClr>
+          </a:lnRef>
+          <a:fillRef idx="1">
+            <a:schemeClr val="accent1"/>
+          </a:fillRef>
+          <a:effectRef idx="0">
+            <a:schemeClr val="accent1"/>
+          </a:effectRef>
+          <a:fontRef idx="minor">
+            <a:schemeClr val="lt1"/>
+          </a:fontRef>
+        </p:style>
+        <p:txBody>
+          <a:bodyPr rtlCol="0" anchor="ctr"/>
+          <a:lstStyle/>
+          <a:p>
+            <a:pPr algn="ctr"/>
+            <a:endParaRPr lang="ko-KR" altLang="en-US"/>
+          </a:p>
+        </p:txBody>
+      </p:sp>
+      <p:sp>
+        <p:nvSpPr>
+          <p:cNvPr id="7" name="모서리가 둥근 직사각형 6"/>
+          <p:cNvSpPr/>
+          <p:nvPr/>
+        </p:nvSpPr>
+        <p:spPr>
+          <a:xfrm>
+            <a:off x="3603624" y="2418967"/>
+            <a:ext cx="2124076" cy="1035305"/>
+          </a:xfrm>
+          <a:prstGeom prst="roundRect">
+            <a:avLst/>
+          </a:prstGeom>
+          <a:noFill/>
+          <a:ln w="12700">
+            <a:solidFill>
+              <a:srgbClr val="FF0000"/>
+            </a:solidFill>
+            <a:prstDash val="lgDashDot"/>
+          </a:ln>
+        </p:spPr>
+        <p:style>
+          <a:lnRef idx="2">
+            <a:schemeClr val="accent1">
+              <a:shade val="50000"/>
+            </a:schemeClr>
+          </a:lnRef>
+          <a:fillRef idx="1">
+            <a:schemeClr val="accent1"/>
+          </a:fillRef>
+          <a:effectRef idx="0">
+            <a:schemeClr val="accent1"/>
+          </a:effectRef>
+          <a:fontRef idx="minor">
+            <a:schemeClr val="lt1"/>
+          </a:fontRef>
+        </p:style>
+        <p:txBody>
+          <a:bodyPr rtlCol="0" anchor="ctr"/>
+          <a:lstStyle/>
+          <a:p>
+            <a:pPr algn="ctr"/>
+            <a:endParaRPr lang="ko-KR" altLang="en-US"/>
+          </a:p>
+        </p:txBody>
+      </p:sp>
+      <p:sp>
+        <p:nvSpPr>
+          <p:cNvPr id="8" name="모서리가 둥근 직사각형 7"/>
+          <p:cNvSpPr/>
+          <p:nvPr/>
+        </p:nvSpPr>
+        <p:spPr>
+          <a:xfrm>
+            <a:off x="5727700" y="2418967"/>
+            <a:ext cx="1612900" cy="927483"/>
+          </a:xfrm>
+          <a:prstGeom prst="roundRect">
+            <a:avLst/>
+          </a:prstGeom>
+          <a:noFill/>
+          <a:ln w="12700">
+            <a:solidFill>
+              <a:srgbClr val="FF0000"/>
+            </a:solidFill>
+            <a:prstDash val="lgDashDot"/>
+          </a:ln>
+        </p:spPr>
+        <p:style>
+          <a:lnRef idx="2">
+            <a:schemeClr val="accent1">
+              <a:shade val="50000"/>
+            </a:schemeClr>
+          </a:lnRef>
+          <a:fillRef idx="1">
+            <a:schemeClr val="accent1"/>
+          </a:fillRef>
+          <a:effectRef idx="0">
+            <a:schemeClr val="accent1"/>
+          </a:effectRef>
+          <a:fontRef idx="minor">
+            <a:schemeClr val="lt1"/>
+          </a:fontRef>
+        </p:style>
+        <p:txBody>
+          <a:bodyPr rtlCol="0" anchor="ctr"/>
+          <a:lstStyle/>
+          <a:p>
+            <a:pPr algn="ctr"/>
+            <a:endParaRPr lang="ko-KR" altLang="en-US"/>
+          </a:p>
+        </p:txBody>
+      </p:sp>
+      <p:sp>
+        <p:nvSpPr>
+          <p:cNvPr id="9" name="모서리가 둥근 직사각형 8"/>
+          <p:cNvSpPr/>
+          <p:nvPr/>
+        </p:nvSpPr>
+        <p:spPr>
+          <a:xfrm>
+            <a:off x="7338776" y="2418967"/>
+            <a:ext cx="2173524" cy="927483"/>
+          </a:xfrm>
+          <a:prstGeom prst="roundRect">
+            <a:avLst/>
+          </a:prstGeom>
+          <a:noFill/>
+          <a:ln w="12700">
+            <a:solidFill>
+              <a:srgbClr val="FF0000"/>
+            </a:solidFill>
+            <a:prstDash val="lgDashDot"/>
+          </a:ln>
+        </p:spPr>
+        <p:style>
+          <a:lnRef idx="2">
+            <a:schemeClr val="accent1">
+              <a:shade val="50000"/>
+            </a:schemeClr>
+          </a:lnRef>
+          <a:fillRef idx="1">
+            <a:schemeClr val="accent1"/>
+          </a:fillRef>
+          <a:effectRef idx="0">
+            <a:schemeClr val="accent1"/>
+          </a:effectRef>
+          <a:fontRef idx="minor">
+            <a:schemeClr val="lt1"/>
+          </a:fontRef>
+        </p:style>
+        <p:txBody>
+          <a:bodyPr rtlCol="0" anchor="ctr"/>
+          <a:lstStyle/>
+          <a:p>
+            <a:pPr algn="ctr"/>
+            <a:endParaRPr lang="ko-KR" altLang="en-US"/>
+          </a:p>
+        </p:txBody>
+      </p:sp>
+      <p:sp>
+        <p:nvSpPr>
+          <p:cNvPr id="10" name="모서리가 둥근 직사각형 9"/>
+          <p:cNvSpPr/>
+          <p:nvPr/>
+        </p:nvSpPr>
+        <p:spPr>
+          <a:xfrm>
+            <a:off x="3744042" y="3942902"/>
+            <a:ext cx="4447458" cy="1000573"/>
+          </a:xfrm>
+          <a:prstGeom prst="roundRect">
+            <a:avLst/>
+          </a:prstGeom>
+          <a:noFill/>
+          <a:ln w="12700">
+            <a:solidFill>
+              <a:srgbClr val="FF0000"/>
+            </a:solidFill>
+            <a:prstDash val="lgDashDot"/>
+          </a:ln>
+        </p:spPr>
+        <p:style>
+          <a:lnRef idx="2">
+            <a:schemeClr val="accent1">
+              <a:shade val="50000"/>
+            </a:schemeClr>
+          </a:lnRef>
+          <a:fillRef idx="1">
+            <a:schemeClr val="accent1"/>
+          </a:fillRef>
+          <a:effectRef idx="0">
+            <a:schemeClr val="accent1"/>
+          </a:effectRef>
+          <a:fontRef idx="minor">
+            <a:schemeClr val="lt1"/>
+          </a:fontRef>
+        </p:style>
+        <p:txBody>
+          <a:bodyPr rtlCol="0" anchor="ctr"/>
+          <a:lstStyle/>
+          <a:p>
+            <a:pPr algn="ctr"/>
+            <a:endParaRPr lang="ko-KR" altLang="en-US"/>
+          </a:p>
+        </p:txBody>
+      </p:sp>
+      <p:sp>
+        <p:nvSpPr>
+          <p:cNvPr id="11" name="모서리가 둥근 직사각형 10"/>
+          <p:cNvSpPr/>
+          <p:nvPr/>
+        </p:nvSpPr>
+        <p:spPr>
+          <a:xfrm>
+            <a:off x="3744042" y="5285927"/>
+            <a:ext cx="4771308" cy="1000573"/>
+          </a:xfrm>
+          <a:prstGeom prst="roundRect">
+            <a:avLst/>
+          </a:prstGeom>
+          <a:noFill/>
+          <a:ln w="12700">
+            <a:solidFill>
+              <a:srgbClr val="FF0000"/>
+            </a:solidFill>
+            <a:prstDash val="lgDashDot"/>
+          </a:ln>
+        </p:spPr>
+        <p:style>
+          <a:lnRef idx="2">
+            <a:schemeClr val="accent1">
+              <a:shade val="50000"/>
+            </a:schemeClr>
+          </a:lnRef>
+          <a:fillRef idx="1">
+            <a:schemeClr val="accent1"/>
+          </a:fillRef>
+          <a:effectRef idx="0">
+            <a:schemeClr val="accent1"/>
+          </a:effectRef>
+          <a:fontRef idx="minor">
+            <a:schemeClr val="lt1"/>
+          </a:fontRef>
+        </p:style>
+        <p:txBody>
+          <a:bodyPr rtlCol="0" anchor="ctr"/>
+          <a:lstStyle/>
+          <a:p>
+            <a:pPr algn="ctr"/>
+            <a:endParaRPr lang="ko-KR" altLang="en-US"/>
+          </a:p>
+        </p:txBody>
+      </p:sp>
       <p:sp>
         <p:nvSpPr>
           <p:cNvPr id="2" name="TextBox 1"/>
@@ -10770,8 +11058,8 @@
         </p:nvSpPr>
         <p:spPr>
           <a:xfrm>
-            <a:off x="0" y="2280176"/>
-            <a:ext cx="12192000" cy="663258"/>
+            <a:off x="8927828" y="5822979"/>
+            <a:ext cx="3098220" cy="459357"/>
           </a:xfrm>
           <a:prstGeom prst="rect">
             <a:avLst/>
@@ -10779,7 +11067,7 @@
           <a:noFill/>
         </p:spPr>
         <p:txBody>
-          <a:bodyPr wrap="square" rtlCol="0">
+          <a:bodyPr wrap="none" rtlCol="0">
             <a:spAutoFit/>
           </a:bodyPr>
           <a:lstStyle/>
@@ -10790,37 +11078,167 @@
               </a:lnSpc>
             </a:pPr>
             <a:r>
-              <a:rPr lang="ko-KR" altLang="en-US" sz="2800" dirty="0" smtClean="0">
-                <a:latin typeface="리디바탕" panose="020B0600000101010101" pitchFamily="34" charset="-127"/>
-                <a:ea typeface="리디바탕" panose="020B0600000101010101" pitchFamily="34" charset="-127"/>
-              </a:rPr>
-              <a:t>끝</a:t>
-            </a:r>
-            <a:r>
-              <a:rPr lang="en-US" altLang="ko-KR" sz="2800" dirty="0" smtClean="0">
-                <a:latin typeface="리디바탕" panose="020B0600000101010101" pitchFamily="34" charset="-127"/>
-                <a:ea typeface="리디바탕" panose="020B0600000101010101" pitchFamily="34" charset="-127"/>
-              </a:rPr>
-              <a:t>. </a:t>
-            </a:r>
-            <a:r>
-              <a:rPr lang="ko-KR" altLang="en-US" sz="2800" dirty="0" smtClean="0">
-                <a:latin typeface="리디바탕" panose="020B0600000101010101" pitchFamily="34" charset="-127"/>
-                <a:ea typeface="리디바탕" panose="020B0600000101010101" pitchFamily="34" charset="-127"/>
-              </a:rPr>
-              <a:t>감사합니다</a:t>
-            </a:r>
-            <a:r>
-              <a:rPr lang="en-US" altLang="ko-KR" sz="2800" dirty="0" smtClean="0">
-                <a:latin typeface="리디바탕" panose="020B0600000101010101" pitchFamily="34" charset="-127"/>
-                <a:ea typeface="리디바탕" panose="020B0600000101010101" pitchFamily="34" charset="-127"/>
-              </a:rPr>
-              <a:t>.</a:t>
-            </a:r>
-            <a:endParaRPr lang="en-US" altLang="ko-KR" sz="2800" dirty="0" smtClean="0">
+              <a:rPr lang="ko-KR" altLang="en-US" dirty="0" smtClean="0">
+                <a:solidFill>
+                  <a:srgbClr val="FF0000"/>
+                </a:solidFill>
+                <a:latin typeface="리디바탕" panose="020B0600000101010101" pitchFamily="34" charset="-127"/>
+                <a:ea typeface="리디바탕" panose="020B0600000101010101" pitchFamily="34" charset="-127"/>
+              </a:rPr>
+              <a:t>총 </a:t>
+            </a:r>
+            <a:r>
+              <a:rPr lang="en-US" altLang="ko-KR" dirty="0" smtClean="0">
+                <a:solidFill>
+                  <a:srgbClr val="FF0000"/>
+                </a:solidFill>
+                <a:latin typeface="리디바탕" panose="020B0600000101010101" pitchFamily="34" charset="-127"/>
+                <a:ea typeface="리디바탕" panose="020B0600000101010101" pitchFamily="34" charset="-127"/>
+              </a:rPr>
+              <a:t>8</a:t>
+            </a:r>
+            <a:r>
+              <a:rPr lang="ko-KR" altLang="en-US" dirty="0" smtClean="0">
+                <a:solidFill>
+                  <a:srgbClr val="FF0000"/>
+                </a:solidFill>
+                <a:latin typeface="리디바탕" panose="020B0600000101010101" pitchFamily="34" charset="-127"/>
+                <a:ea typeface="리디바탕" panose="020B0600000101010101" pitchFamily="34" charset="-127"/>
+              </a:rPr>
+              <a:t>개의 </a:t>
+            </a:r>
+            <a:r>
+              <a:rPr lang="en-US" altLang="ko-KR" dirty="0">
+                <a:solidFill>
+                  <a:srgbClr val="FF0000"/>
+                </a:solidFill>
+                <a:latin typeface="리디바탕" panose="020B0600000101010101" pitchFamily="34" charset="-127"/>
+                <a:ea typeface="리디바탕" panose="020B0600000101010101" pitchFamily="34" charset="-127"/>
+              </a:rPr>
+              <a:t>Code </a:t>
+            </a:r>
+            <a:r>
+              <a:rPr lang="en-US" altLang="ko-KR" dirty="0" smtClean="0">
+                <a:solidFill>
+                  <a:srgbClr val="FF0000"/>
+                </a:solidFill>
+                <a:latin typeface="리디바탕" panose="020B0600000101010101" pitchFamily="34" charset="-127"/>
+                <a:ea typeface="리디바탕" panose="020B0600000101010101" pitchFamily="34" charset="-127"/>
+              </a:rPr>
+              <a:t>Unit</a:t>
+            </a:r>
+            <a:r>
+              <a:rPr lang="ko-KR" altLang="en-US" dirty="0" smtClean="0">
+                <a:solidFill>
+                  <a:srgbClr val="FF0000"/>
+                </a:solidFill>
+                <a:latin typeface="리디바탕" panose="020B0600000101010101" pitchFamily="34" charset="-127"/>
+                <a:ea typeface="리디바탕" panose="020B0600000101010101" pitchFamily="34" charset="-127"/>
+              </a:rPr>
+              <a:t>으로 구성</a:t>
+            </a:r>
+            <a:endParaRPr lang="en-US" altLang="ko-KR" dirty="0">
+              <a:solidFill>
+                <a:srgbClr val="FF0000"/>
+              </a:solidFill>
               <a:latin typeface="리디바탕" panose="020B0600000101010101" pitchFamily="34" charset="-127"/>
               <a:ea typeface="리디바탕" panose="020B0600000101010101" pitchFamily="34" charset="-127"/>
             </a:endParaRPr>
+          </a:p>
+        </p:txBody>
+      </p:sp>
+    </p:spTree>
+    <p:extLst>
+      <p:ext uri="{BB962C8B-B14F-4D97-AF65-F5344CB8AC3E}">
+        <p14:creationId xmlns:p14="http://schemas.microsoft.com/office/powerpoint/2010/main" val="3422076347"/>
+      </p:ext>
+    </p:extLst>
+  </p:cSld>
+  <p:clrMapOvr>
+    <a:masterClrMapping/>
+  </p:clrMapOvr>
+  <p:timing>
+    <p:tnLst>
+      <p:par>
+        <p:cTn id="1" dur="indefinite" restart="never" nodeType="tmRoot"/>
+      </p:par>
+    </p:tnLst>
+  </p:timing>
+</p:sld>
+</file>
+
+<file path=ppt/slides/slide26.xml><?xml version="1.0" encoding="utf-8"?>
+<p:sld xmlns:a="http://schemas.openxmlformats.org/drawingml/2006/main" xmlns:r="http://schemas.openxmlformats.org/officeDocument/2006/relationships" xmlns:p="http://schemas.openxmlformats.org/presentationml/2006/main">
+  <p:cSld>
+    <p:spTree>
+      <p:nvGrpSpPr>
+        <p:cNvPr id="1" name=""/>
+        <p:cNvGrpSpPr/>
+        <p:nvPr/>
+      </p:nvGrpSpPr>
+      <p:grpSpPr>
+        <a:xfrm>
+          <a:off x="0" y="0"/>
+          <a:ext cx="0" cy="0"/>
+          <a:chOff x="0" y="0"/>
+          <a:chExt cx="0" cy="0"/>
+        </a:xfrm>
+      </p:grpSpPr>
+      <p:sp>
+        <p:nvSpPr>
+          <p:cNvPr id="2" name="TextBox 1"/>
+          <p:cNvSpPr txBox="1"/>
+          <p:nvPr/>
+        </p:nvSpPr>
+        <p:spPr>
+          <a:xfrm>
+            <a:off x="0" y="2280176"/>
+            <a:ext cx="12192000" cy="663258"/>
+          </a:xfrm>
+          <a:prstGeom prst="rect">
+            <a:avLst/>
+          </a:prstGeom>
+          <a:noFill/>
+        </p:spPr>
+        <p:txBody>
+          <a:bodyPr wrap="square" rtlCol="0">
+            <a:spAutoFit/>
+          </a:bodyPr>
+          <a:lstStyle/>
+          <a:p>
+            <a:pPr algn="ctr">
+              <a:lnSpc>
+                <a:spcPct val="150000"/>
+              </a:lnSpc>
+            </a:pPr>
+            <a:r>
+              <a:rPr lang="ko-KR" altLang="en-US" sz="2800" dirty="0" smtClean="0">
+                <a:latin typeface="리디바탕" panose="020B0600000101010101" pitchFamily="34" charset="-127"/>
+                <a:ea typeface="리디바탕" panose="020B0600000101010101" pitchFamily="34" charset="-127"/>
+              </a:rPr>
+              <a:t>끝</a:t>
+            </a:r>
+            <a:r>
+              <a:rPr lang="en-US" altLang="ko-KR" sz="2800" dirty="0" smtClean="0">
+                <a:latin typeface="리디바탕" panose="020B0600000101010101" pitchFamily="34" charset="-127"/>
+                <a:ea typeface="리디바탕" panose="020B0600000101010101" pitchFamily="34" charset="-127"/>
+              </a:rPr>
+              <a:t>. </a:t>
+            </a:r>
+            <a:r>
+              <a:rPr lang="ko-KR" altLang="en-US" sz="2800" dirty="0" smtClean="0">
+                <a:latin typeface="리디바탕" panose="020B0600000101010101" pitchFamily="34" charset="-127"/>
+                <a:ea typeface="리디바탕" panose="020B0600000101010101" pitchFamily="34" charset="-127"/>
+              </a:rPr>
+              <a:t>감사합니다</a:t>
+            </a:r>
+            <a:r>
+              <a:rPr lang="en-US" altLang="ko-KR" sz="2800" dirty="0" smtClean="0">
+                <a:latin typeface="리디바탕" panose="020B0600000101010101" pitchFamily="34" charset="-127"/>
+                <a:ea typeface="리디바탕" panose="020B0600000101010101" pitchFamily="34" charset="-127"/>
+              </a:rPr>
+              <a:t>.</a:t>
+            </a:r>
           </a:p>
         </p:txBody>
       </p:sp>
@@ -10891,10 +11309,6 @@
               </a:rPr>
               <a:t>Dictionary?</a:t>
             </a:r>
-            <a:endParaRPr lang="en-US" altLang="ko-KR" sz="2800" dirty="0" smtClean="0">
-              <a:latin typeface="리디바탕" panose="020B0600000101010101" pitchFamily="34" charset="-127"/>
-              <a:ea typeface="리디바탕" panose="020B0600000101010101" pitchFamily="34" charset="-127"/>
-            </a:endParaRPr>
           </a:p>
         </p:txBody>
       </p:sp>
@@ -11015,16 +11429,6 @@
               </a:rPr>
               <a:t>Dictionary?</a:t>
             </a:r>
-            <a:endParaRPr lang="en-US" altLang="ko-KR" sz="2800" dirty="0" smtClean="0">
-              <a:solidFill>
-                <a:schemeClr val="tx1">
-                  <a:lumMod val="50000"/>
-                  <a:lumOff val="50000"/>
-                </a:schemeClr>
-              </a:solidFill>
-              <a:latin typeface="리디바탕" panose="020B0600000101010101" pitchFamily="34" charset="-127"/>
-              <a:ea typeface="리디바탕" panose="020B0600000101010101" pitchFamily="34" charset="-127"/>
-            </a:endParaRPr>
           </a:p>
         </p:txBody>
       </p:sp>
@@ -11167,10 +11571,6 @@
               </a:rPr>
               <a:t>}</a:t>
             </a:r>
-            <a:endParaRPr lang="en-US" altLang="ko-KR" sz="2800" dirty="0" smtClean="0">
-              <a:latin typeface="리디바탕" panose="020B0600000101010101" pitchFamily="34" charset="-127"/>
-              <a:ea typeface="리디바탕" panose="020B0600000101010101" pitchFamily="34" charset="-127"/>
-            </a:endParaRPr>
           </a:p>
         </p:txBody>
       </p:sp>
@@ -11210,16 +11610,6 @@
               </a:rPr>
               <a:t>Dictionary?</a:t>
             </a:r>
-            <a:endParaRPr lang="en-US" altLang="ko-KR" sz="2800" dirty="0" smtClean="0">
-              <a:solidFill>
-                <a:schemeClr val="tx1">
-                  <a:lumMod val="50000"/>
-                  <a:lumOff val="50000"/>
-                </a:schemeClr>
-              </a:solidFill>
-              <a:latin typeface="리디바탕" panose="020B0600000101010101" pitchFamily="34" charset="-127"/>
-              <a:ea typeface="리디바탕" panose="020B0600000101010101" pitchFamily="34" charset="-127"/>
-            </a:endParaRPr>
           </a:p>
         </p:txBody>
       </p:sp>
@@ -11469,10 +11859,6 @@
               </a:rPr>
               <a:t>,</a:t>
             </a:r>
-            <a:endParaRPr lang="en-US" altLang="ko-KR" sz="2800" dirty="0" smtClean="0">
-              <a:latin typeface="리디바탕" panose="020B0600000101010101" pitchFamily="34" charset="-127"/>
-              <a:ea typeface="리디바탕" panose="020B0600000101010101" pitchFamily="34" charset="-127"/>
-            </a:endParaRPr>
           </a:p>
         </p:txBody>
       </p:sp>
@@ -11512,16 +11898,6 @@
               </a:rPr>
               <a:t>Dictionary?</a:t>
             </a:r>
-            <a:endParaRPr lang="en-US" altLang="ko-KR" sz="2800" dirty="0" smtClean="0">
-              <a:solidFill>
-                <a:schemeClr val="tx1">
-                  <a:lumMod val="50000"/>
-                  <a:lumOff val="50000"/>
-                </a:schemeClr>
-              </a:solidFill>
-              <a:latin typeface="리디바탕" panose="020B0600000101010101" pitchFamily="34" charset="-127"/>
-              <a:ea typeface="리디바탕" panose="020B0600000101010101" pitchFamily="34" charset="-127"/>
-            </a:endParaRPr>
           </a:p>
         </p:txBody>
       </p:sp>
@@ -11778,10 +12154,6 @@
               </a:rPr>
               <a:t> }</a:t>
             </a:r>
-            <a:endParaRPr lang="en-US" altLang="ko-KR" sz="2800" dirty="0" smtClean="0">
-              <a:latin typeface="리디바탕" panose="020B0600000101010101" pitchFamily="34" charset="-127"/>
-              <a:ea typeface="리디바탕" panose="020B0600000101010101" pitchFamily="34" charset="-127"/>
-            </a:endParaRPr>
           </a:p>
         </p:txBody>
       </p:sp>
@@ -11821,16 +12193,6 @@
               </a:rPr>
               <a:t>Dictionary?</a:t>
             </a:r>
-            <a:endParaRPr lang="en-US" altLang="ko-KR" sz="2800" dirty="0" smtClean="0">
-              <a:solidFill>
-                <a:schemeClr val="tx1">
-                  <a:lumMod val="50000"/>
-                  <a:lumOff val="50000"/>
-                </a:schemeClr>
-              </a:solidFill>
-              <a:latin typeface="리디바탕" panose="020B0600000101010101" pitchFamily="34" charset="-127"/>
-              <a:ea typeface="리디바탕" panose="020B0600000101010101" pitchFamily="34" charset="-127"/>
-            </a:endParaRPr>
           </a:p>
         </p:txBody>
       </p:sp>
@@ -12143,10 +12505,6 @@
               </a:rPr>
               <a:t> }</a:t>
             </a:r>
-            <a:endParaRPr lang="en-US" altLang="ko-KR" sz="2800" dirty="0" smtClean="0">
-              <a:latin typeface="리디바탕" panose="020B0600000101010101" pitchFamily="34" charset="-127"/>
-              <a:ea typeface="리디바탕" panose="020B0600000101010101" pitchFamily="34" charset="-127"/>
-            </a:endParaRPr>
           </a:p>
         </p:txBody>
       </p:sp>
@@ -12186,16 +12544,6 @@
               </a:rPr>
               <a:t>Dictionary?</a:t>
             </a:r>
-            <a:endParaRPr lang="en-US" altLang="ko-KR" sz="2800" dirty="0" smtClean="0">
-              <a:solidFill>
-                <a:schemeClr val="tx1">
-                  <a:lumMod val="50000"/>
-                  <a:lumOff val="50000"/>
-                </a:schemeClr>
-              </a:solidFill>
-              <a:latin typeface="리디바탕" panose="020B0600000101010101" pitchFamily="34" charset="-127"/>
-              <a:ea typeface="리디바탕" panose="020B0600000101010101" pitchFamily="34" charset="-127"/>
-            </a:endParaRPr>
           </a:p>
         </p:txBody>
       </p:sp>
@@ -12562,16 +12910,6 @@
               </a:rPr>
               <a:t> }</a:t>
             </a:r>
-            <a:endParaRPr lang="en-US" altLang="ko-KR" sz="2800" dirty="0" smtClean="0">
-              <a:solidFill>
-                <a:schemeClr val="tx1">
-                  <a:lumMod val="50000"/>
-                  <a:lumOff val="50000"/>
-                </a:schemeClr>
-              </a:solidFill>
-              <a:latin typeface="리디바탕" panose="020B0600000101010101" pitchFamily="34" charset="-127"/>
-              <a:ea typeface="리디바탕" panose="020B0600000101010101" pitchFamily="34" charset="-127"/>
-            </a:endParaRPr>
           </a:p>
         </p:txBody>
       </p:sp>
@@ -12611,16 +12949,6 @@
               </a:rPr>
               <a:t>Dictionary?</a:t>
             </a:r>
-            <a:endParaRPr lang="en-US" altLang="ko-KR" sz="2800" dirty="0" smtClean="0">
-              <a:solidFill>
-                <a:schemeClr val="tx1">
-                  <a:lumMod val="50000"/>
-                  <a:lumOff val="50000"/>
-                </a:schemeClr>
-              </a:solidFill>
-              <a:latin typeface="리디바탕" panose="020B0600000101010101" pitchFamily="34" charset="-127"/>
-              <a:ea typeface="리디바탕" panose="020B0600000101010101" pitchFamily="34" charset="-127"/>
-            </a:endParaRPr>
           </a:p>
         </p:txBody>
       </p:sp>

--- a/DynamoUserGroup/20221118_부산 세미나 준비/documentum/DynDict활용_발표자료.pptx
+++ b/DynamoUserGroup/20221118_부산 세미나 준비/documentum/DynDict활용_발표자료.pptx
@@ -25,12 +25,15 @@
     <p:sldId id="271" r:id="rId19"/>
     <p:sldId id="283" r:id="rId20"/>
     <p:sldId id="273" r:id="rId21"/>
-    <p:sldId id="260" r:id="rId22"/>
-    <p:sldId id="262" r:id="rId23"/>
-    <p:sldId id="263" r:id="rId24"/>
-    <p:sldId id="284" r:id="rId25"/>
-    <p:sldId id="265" r:id="rId26"/>
-    <p:sldId id="264" r:id="rId27"/>
+    <p:sldId id="288" r:id="rId22"/>
+    <p:sldId id="286" r:id="rId23"/>
+    <p:sldId id="260" r:id="rId24"/>
+    <p:sldId id="287" r:id="rId25"/>
+    <p:sldId id="263" r:id="rId26"/>
+    <p:sldId id="284" r:id="rId27"/>
+    <p:sldId id="265" r:id="rId28"/>
+    <p:sldId id="262" r:id="rId29"/>
+    <p:sldId id="264" r:id="rId30"/>
   </p:sldIdLst>
   <p:sldSz cx="12192000" cy="6858000"/>
   <p:notesSz cx="6858000" cy="9144000"/>
@@ -179,10 +182,9 @@
           </a:lstStyle>
           <a:p>
             <a:r>
-              <a:rPr lang="ko-KR" altLang="en-US" smtClean="0"/>
+              <a:rPr lang="ko-KR" altLang="en-US"/>
               <a:t>마스터 제목 스타일 편집</a:t>
             </a:r>
-            <a:endParaRPr lang="ko-KR" altLang="en-US"/>
           </a:p>
         </p:txBody>
       </p:sp>
@@ -244,10 +246,9 @@
           </a:lstStyle>
           <a:p>
             <a:r>
-              <a:rPr lang="ko-KR" altLang="en-US" smtClean="0"/>
+              <a:rPr lang="ko-KR" altLang="en-US"/>
               <a:t>클릭하여 마스터 부제목 스타일 편집</a:t>
             </a:r>
-            <a:endParaRPr lang="ko-KR" altLang="en-US"/>
           </a:p>
         </p:txBody>
       </p:sp>
@@ -362,10 +363,9 @@
           <a:lstStyle/>
           <a:p>
             <a:r>
-              <a:rPr lang="ko-KR" altLang="en-US" smtClean="0"/>
+              <a:rPr lang="ko-KR" altLang="en-US"/>
               <a:t>마스터 제목 스타일 편집</a:t>
             </a:r>
-            <a:endParaRPr lang="ko-KR" altLang="en-US"/>
           </a:p>
         </p:txBody>
       </p:sp>
@@ -386,38 +386,37 @@
           <a:p>
             <a:pPr lvl="0"/>
             <a:r>
-              <a:rPr lang="ko-KR" altLang="en-US" smtClean="0"/>
+              <a:rPr lang="ko-KR" altLang="en-US"/>
               <a:t>마스터 텍스트 스타일 편집</a:t>
             </a:r>
           </a:p>
           <a:p>
             <a:pPr lvl="1"/>
             <a:r>
-              <a:rPr lang="ko-KR" altLang="en-US" smtClean="0"/>
+              <a:rPr lang="ko-KR" altLang="en-US"/>
               <a:t>둘째 수준</a:t>
             </a:r>
           </a:p>
           <a:p>
             <a:pPr lvl="2"/>
             <a:r>
-              <a:rPr lang="ko-KR" altLang="en-US" smtClean="0"/>
+              <a:rPr lang="ko-KR" altLang="en-US"/>
               <a:t>셋째 수준</a:t>
             </a:r>
           </a:p>
           <a:p>
             <a:pPr lvl="3"/>
             <a:r>
-              <a:rPr lang="ko-KR" altLang="en-US" smtClean="0"/>
+              <a:rPr lang="ko-KR" altLang="en-US"/>
               <a:t>넷째 수준</a:t>
             </a:r>
           </a:p>
           <a:p>
             <a:pPr lvl="4"/>
             <a:r>
-              <a:rPr lang="ko-KR" altLang="en-US" smtClean="0"/>
+              <a:rPr lang="ko-KR" altLang="en-US"/>
               <a:t>다섯째 수준</a:t>
             </a:r>
-            <a:endParaRPr lang="ko-KR" altLang="en-US"/>
           </a:p>
         </p:txBody>
       </p:sp>
@@ -537,10 +536,9 @@
           <a:lstStyle/>
           <a:p>
             <a:r>
-              <a:rPr lang="ko-KR" altLang="en-US" smtClean="0"/>
+              <a:rPr lang="ko-KR" altLang="en-US"/>
               <a:t>마스터 제목 스타일 편집</a:t>
             </a:r>
-            <a:endParaRPr lang="ko-KR" altLang="en-US"/>
           </a:p>
         </p:txBody>
       </p:sp>
@@ -566,38 +564,37 @@
           <a:p>
             <a:pPr lvl="0"/>
             <a:r>
-              <a:rPr lang="ko-KR" altLang="en-US" smtClean="0"/>
+              <a:rPr lang="ko-KR" altLang="en-US"/>
               <a:t>마스터 텍스트 스타일 편집</a:t>
             </a:r>
           </a:p>
           <a:p>
             <a:pPr lvl="1"/>
             <a:r>
-              <a:rPr lang="ko-KR" altLang="en-US" smtClean="0"/>
+              <a:rPr lang="ko-KR" altLang="en-US"/>
               <a:t>둘째 수준</a:t>
             </a:r>
           </a:p>
           <a:p>
             <a:pPr lvl="2"/>
             <a:r>
-              <a:rPr lang="ko-KR" altLang="en-US" smtClean="0"/>
+              <a:rPr lang="ko-KR" altLang="en-US"/>
               <a:t>셋째 수준</a:t>
             </a:r>
           </a:p>
           <a:p>
             <a:pPr lvl="3"/>
             <a:r>
-              <a:rPr lang="ko-KR" altLang="en-US" smtClean="0"/>
+              <a:rPr lang="ko-KR" altLang="en-US"/>
               <a:t>넷째 수준</a:t>
             </a:r>
           </a:p>
           <a:p>
             <a:pPr lvl="4"/>
             <a:r>
-              <a:rPr lang="ko-KR" altLang="en-US" smtClean="0"/>
+              <a:rPr lang="ko-KR" altLang="en-US"/>
               <a:t>다섯째 수준</a:t>
             </a:r>
-            <a:endParaRPr lang="ko-KR" altLang="en-US"/>
           </a:p>
         </p:txBody>
       </p:sp>
@@ -712,10 +709,9 @@
           <a:lstStyle/>
           <a:p>
             <a:r>
-              <a:rPr lang="ko-KR" altLang="en-US" smtClean="0"/>
+              <a:rPr lang="ko-KR" altLang="en-US"/>
               <a:t>마스터 제목 스타일 편집</a:t>
             </a:r>
-            <a:endParaRPr lang="ko-KR" altLang="en-US"/>
           </a:p>
         </p:txBody>
       </p:sp>
@@ -736,38 +732,37 @@
           <a:p>
             <a:pPr lvl="0"/>
             <a:r>
-              <a:rPr lang="ko-KR" altLang="en-US" smtClean="0"/>
+              <a:rPr lang="ko-KR" altLang="en-US"/>
               <a:t>마스터 텍스트 스타일 편집</a:t>
             </a:r>
           </a:p>
           <a:p>
             <a:pPr lvl="1"/>
             <a:r>
-              <a:rPr lang="ko-KR" altLang="en-US" smtClean="0"/>
+              <a:rPr lang="ko-KR" altLang="en-US"/>
               <a:t>둘째 수준</a:t>
             </a:r>
           </a:p>
           <a:p>
             <a:pPr lvl="2"/>
             <a:r>
-              <a:rPr lang="ko-KR" altLang="en-US" smtClean="0"/>
+              <a:rPr lang="ko-KR" altLang="en-US"/>
               <a:t>셋째 수준</a:t>
             </a:r>
           </a:p>
           <a:p>
             <a:pPr lvl="3"/>
             <a:r>
-              <a:rPr lang="ko-KR" altLang="en-US" smtClean="0"/>
+              <a:rPr lang="ko-KR" altLang="en-US"/>
               <a:t>넷째 수준</a:t>
             </a:r>
           </a:p>
           <a:p>
             <a:pPr lvl="4"/>
             <a:r>
-              <a:rPr lang="ko-KR" altLang="en-US" smtClean="0"/>
+              <a:rPr lang="ko-KR" altLang="en-US"/>
               <a:t>다섯째 수준</a:t>
             </a:r>
-            <a:endParaRPr lang="ko-KR" altLang="en-US"/>
           </a:p>
         </p:txBody>
       </p:sp>
@@ -891,10 +886,9 @@
           </a:lstStyle>
           <a:p>
             <a:r>
-              <a:rPr lang="ko-KR" altLang="en-US" smtClean="0"/>
+              <a:rPr lang="ko-KR" altLang="en-US"/>
               <a:t>마스터 제목 스타일 편집</a:t>
             </a:r>
-            <a:endParaRPr lang="ko-KR" altLang="en-US"/>
           </a:p>
         </p:txBody>
       </p:sp>
@@ -1011,7 +1005,7 @@
           <a:p>
             <a:pPr lvl="0"/>
             <a:r>
-              <a:rPr lang="ko-KR" altLang="en-US" smtClean="0"/>
+              <a:rPr lang="ko-KR" altLang="en-US"/>
               <a:t>마스터 텍스트 스타일 편집</a:t>
             </a:r>
           </a:p>
@@ -1128,10 +1122,9 @@
           <a:lstStyle/>
           <a:p>
             <a:r>
-              <a:rPr lang="ko-KR" altLang="en-US" smtClean="0"/>
+              <a:rPr lang="ko-KR" altLang="en-US"/>
               <a:t>마스터 제목 스타일 편집</a:t>
             </a:r>
-            <a:endParaRPr lang="ko-KR" altLang="en-US"/>
           </a:p>
         </p:txBody>
       </p:sp>
@@ -1157,38 +1150,37 @@
           <a:p>
             <a:pPr lvl="0"/>
             <a:r>
-              <a:rPr lang="ko-KR" altLang="en-US" smtClean="0"/>
+              <a:rPr lang="ko-KR" altLang="en-US"/>
               <a:t>마스터 텍스트 스타일 편집</a:t>
             </a:r>
           </a:p>
           <a:p>
             <a:pPr lvl="1"/>
             <a:r>
-              <a:rPr lang="ko-KR" altLang="en-US" smtClean="0"/>
+              <a:rPr lang="ko-KR" altLang="en-US"/>
               <a:t>둘째 수준</a:t>
             </a:r>
           </a:p>
           <a:p>
             <a:pPr lvl="2"/>
             <a:r>
-              <a:rPr lang="ko-KR" altLang="en-US" smtClean="0"/>
+              <a:rPr lang="ko-KR" altLang="en-US"/>
               <a:t>셋째 수준</a:t>
             </a:r>
           </a:p>
           <a:p>
             <a:pPr lvl="3"/>
             <a:r>
-              <a:rPr lang="ko-KR" altLang="en-US" smtClean="0"/>
+              <a:rPr lang="ko-KR" altLang="en-US"/>
               <a:t>넷째 수준</a:t>
             </a:r>
           </a:p>
           <a:p>
             <a:pPr lvl="4"/>
             <a:r>
-              <a:rPr lang="ko-KR" altLang="en-US" smtClean="0"/>
+              <a:rPr lang="ko-KR" altLang="en-US"/>
               <a:t>다섯째 수준</a:t>
             </a:r>
-            <a:endParaRPr lang="ko-KR" altLang="en-US"/>
           </a:p>
         </p:txBody>
       </p:sp>
@@ -1214,38 +1206,37 @@
           <a:p>
             <a:pPr lvl="0"/>
             <a:r>
-              <a:rPr lang="ko-KR" altLang="en-US" smtClean="0"/>
+              <a:rPr lang="ko-KR" altLang="en-US"/>
               <a:t>마스터 텍스트 스타일 편집</a:t>
             </a:r>
           </a:p>
           <a:p>
             <a:pPr lvl="1"/>
             <a:r>
-              <a:rPr lang="ko-KR" altLang="en-US" smtClean="0"/>
+              <a:rPr lang="ko-KR" altLang="en-US"/>
               <a:t>둘째 수준</a:t>
             </a:r>
           </a:p>
           <a:p>
             <a:pPr lvl="2"/>
             <a:r>
-              <a:rPr lang="ko-KR" altLang="en-US" smtClean="0"/>
+              <a:rPr lang="ko-KR" altLang="en-US"/>
               <a:t>셋째 수준</a:t>
             </a:r>
           </a:p>
           <a:p>
             <a:pPr lvl="3"/>
             <a:r>
-              <a:rPr lang="ko-KR" altLang="en-US" smtClean="0"/>
+              <a:rPr lang="ko-KR" altLang="en-US"/>
               <a:t>넷째 수준</a:t>
             </a:r>
           </a:p>
           <a:p>
             <a:pPr lvl="4"/>
             <a:r>
-              <a:rPr lang="ko-KR" altLang="en-US" smtClean="0"/>
+              <a:rPr lang="ko-KR" altLang="en-US"/>
               <a:t>다섯째 수준</a:t>
             </a:r>
-            <a:endParaRPr lang="ko-KR" altLang="en-US"/>
           </a:p>
         </p:txBody>
       </p:sp>
@@ -1365,10 +1356,9 @@
           <a:lstStyle/>
           <a:p>
             <a:r>
-              <a:rPr lang="ko-KR" altLang="en-US" smtClean="0"/>
+              <a:rPr lang="ko-KR" altLang="en-US"/>
               <a:t>마스터 제목 스타일 편집</a:t>
             </a:r>
-            <a:endParaRPr lang="ko-KR" altLang="en-US"/>
           </a:p>
         </p:txBody>
       </p:sp>
@@ -1431,7 +1421,7 @@
           <a:p>
             <a:pPr lvl="0"/>
             <a:r>
-              <a:rPr lang="ko-KR" altLang="en-US" smtClean="0"/>
+              <a:rPr lang="ko-KR" altLang="en-US"/>
               <a:t>마스터 텍스트 스타일 편집</a:t>
             </a:r>
           </a:p>
@@ -1459,38 +1449,37 @@
           <a:p>
             <a:pPr lvl="0"/>
             <a:r>
-              <a:rPr lang="ko-KR" altLang="en-US" smtClean="0"/>
+              <a:rPr lang="ko-KR" altLang="en-US"/>
               <a:t>마스터 텍스트 스타일 편집</a:t>
             </a:r>
           </a:p>
           <a:p>
             <a:pPr lvl="1"/>
             <a:r>
-              <a:rPr lang="ko-KR" altLang="en-US" smtClean="0"/>
+              <a:rPr lang="ko-KR" altLang="en-US"/>
               <a:t>둘째 수준</a:t>
             </a:r>
           </a:p>
           <a:p>
             <a:pPr lvl="2"/>
             <a:r>
-              <a:rPr lang="ko-KR" altLang="en-US" smtClean="0"/>
+              <a:rPr lang="ko-KR" altLang="en-US"/>
               <a:t>셋째 수준</a:t>
             </a:r>
           </a:p>
           <a:p>
             <a:pPr lvl="3"/>
             <a:r>
-              <a:rPr lang="ko-KR" altLang="en-US" smtClean="0"/>
+              <a:rPr lang="ko-KR" altLang="en-US"/>
               <a:t>넷째 수준</a:t>
             </a:r>
           </a:p>
           <a:p>
             <a:pPr lvl="4"/>
             <a:r>
-              <a:rPr lang="ko-KR" altLang="en-US" smtClean="0"/>
+              <a:rPr lang="ko-KR" altLang="en-US"/>
               <a:t>다섯째 수준</a:t>
             </a:r>
-            <a:endParaRPr lang="ko-KR" altLang="en-US"/>
           </a:p>
         </p:txBody>
       </p:sp>
@@ -1553,7 +1542,7 @@
           <a:p>
             <a:pPr lvl="0"/>
             <a:r>
-              <a:rPr lang="ko-KR" altLang="en-US" smtClean="0"/>
+              <a:rPr lang="ko-KR" altLang="en-US"/>
               <a:t>마스터 텍스트 스타일 편집</a:t>
             </a:r>
           </a:p>
@@ -1581,38 +1570,37 @@
           <a:p>
             <a:pPr lvl="0"/>
             <a:r>
-              <a:rPr lang="ko-KR" altLang="en-US" smtClean="0"/>
+              <a:rPr lang="ko-KR" altLang="en-US"/>
               <a:t>마스터 텍스트 스타일 편집</a:t>
             </a:r>
           </a:p>
           <a:p>
             <a:pPr lvl="1"/>
             <a:r>
-              <a:rPr lang="ko-KR" altLang="en-US" smtClean="0"/>
+              <a:rPr lang="ko-KR" altLang="en-US"/>
               <a:t>둘째 수준</a:t>
             </a:r>
           </a:p>
           <a:p>
             <a:pPr lvl="2"/>
             <a:r>
-              <a:rPr lang="ko-KR" altLang="en-US" smtClean="0"/>
+              <a:rPr lang="ko-KR" altLang="en-US"/>
               <a:t>셋째 수준</a:t>
             </a:r>
           </a:p>
           <a:p>
             <a:pPr lvl="3"/>
             <a:r>
-              <a:rPr lang="ko-KR" altLang="en-US" smtClean="0"/>
+              <a:rPr lang="ko-KR" altLang="en-US"/>
               <a:t>넷째 수준</a:t>
             </a:r>
           </a:p>
           <a:p>
             <a:pPr lvl="4"/>
             <a:r>
-              <a:rPr lang="ko-KR" altLang="en-US" smtClean="0"/>
+              <a:rPr lang="ko-KR" altLang="en-US"/>
               <a:t>다섯째 수준</a:t>
             </a:r>
-            <a:endParaRPr lang="ko-KR" altLang="en-US"/>
           </a:p>
         </p:txBody>
       </p:sp>
@@ -1727,10 +1715,9 @@
           <a:lstStyle/>
           <a:p>
             <a:r>
-              <a:rPr lang="ko-KR" altLang="en-US" smtClean="0"/>
+              <a:rPr lang="ko-KR" altLang="en-US"/>
               <a:t>마스터 제목 스타일 편집</a:t>
             </a:r>
-            <a:endParaRPr lang="ko-KR" altLang="en-US"/>
           </a:p>
         </p:txBody>
       </p:sp>
@@ -1949,10 +1936,9 @@
           </a:lstStyle>
           <a:p>
             <a:r>
-              <a:rPr lang="ko-KR" altLang="en-US" smtClean="0"/>
+              <a:rPr lang="ko-KR" altLang="en-US"/>
               <a:t>마스터 제목 스타일 편집</a:t>
             </a:r>
-            <a:endParaRPr lang="ko-KR" altLang="en-US"/>
           </a:p>
         </p:txBody>
       </p:sp>
@@ -2006,38 +1992,37 @@
           <a:p>
             <a:pPr lvl="0"/>
             <a:r>
-              <a:rPr lang="ko-KR" altLang="en-US" smtClean="0"/>
+              <a:rPr lang="ko-KR" altLang="en-US"/>
               <a:t>마스터 텍스트 스타일 편집</a:t>
             </a:r>
           </a:p>
           <a:p>
             <a:pPr lvl="1"/>
             <a:r>
-              <a:rPr lang="ko-KR" altLang="en-US" smtClean="0"/>
+              <a:rPr lang="ko-KR" altLang="en-US"/>
               <a:t>둘째 수준</a:t>
             </a:r>
           </a:p>
           <a:p>
             <a:pPr lvl="2"/>
             <a:r>
-              <a:rPr lang="ko-KR" altLang="en-US" smtClean="0"/>
+              <a:rPr lang="ko-KR" altLang="en-US"/>
               <a:t>셋째 수준</a:t>
             </a:r>
           </a:p>
           <a:p>
             <a:pPr lvl="3"/>
             <a:r>
-              <a:rPr lang="ko-KR" altLang="en-US" smtClean="0"/>
+              <a:rPr lang="ko-KR" altLang="en-US"/>
               <a:t>넷째 수준</a:t>
             </a:r>
           </a:p>
           <a:p>
             <a:pPr lvl="4"/>
             <a:r>
-              <a:rPr lang="ko-KR" altLang="en-US" smtClean="0"/>
+              <a:rPr lang="ko-KR" altLang="en-US"/>
               <a:t>다섯째 수준</a:t>
             </a:r>
-            <a:endParaRPr lang="ko-KR" altLang="en-US"/>
           </a:p>
         </p:txBody>
       </p:sp>
@@ -2100,7 +2085,7 @@
           <a:p>
             <a:pPr lvl="0"/>
             <a:r>
-              <a:rPr lang="ko-KR" altLang="en-US" smtClean="0"/>
+              <a:rPr lang="ko-KR" altLang="en-US"/>
               <a:t>마스터 텍스트 스타일 편집</a:t>
             </a:r>
           </a:p>
@@ -2226,10 +2211,9 @@
           </a:lstStyle>
           <a:p>
             <a:r>
-              <a:rPr lang="ko-KR" altLang="en-US" smtClean="0"/>
+              <a:rPr lang="ko-KR" altLang="en-US"/>
               <a:t>마스터 제목 스타일 편집</a:t>
             </a:r>
-            <a:endParaRPr lang="ko-KR" altLang="en-US"/>
           </a:p>
         </p:txBody>
       </p:sp>
@@ -2353,7 +2337,7 @@
           <a:p>
             <a:pPr lvl="0"/>
             <a:r>
-              <a:rPr lang="ko-KR" altLang="en-US" smtClean="0"/>
+              <a:rPr lang="ko-KR" altLang="en-US"/>
               <a:t>마스터 텍스트 스타일 편집</a:t>
             </a:r>
           </a:p>
@@ -2485,10 +2469,9 @@
           <a:lstStyle/>
           <a:p>
             <a:r>
-              <a:rPr lang="ko-KR" altLang="en-US" smtClean="0"/>
+              <a:rPr lang="ko-KR" altLang="en-US"/>
               <a:t>마스터 제목 스타일 편집</a:t>
             </a:r>
-            <a:endParaRPr lang="ko-KR" altLang="en-US"/>
           </a:p>
         </p:txBody>
       </p:sp>
@@ -2519,38 +2502,37 @@
           <a:p>
             <a:pPr lvl="0"/>
             <a:r>
-              <a:rPr lang="ko-KR" altLang="en-US" smtClean="0"/>
+              <a:rPr lang="ko-KR" altLang="en-US"/>
               <a:t>마스터 텍스트 스타일 편집</a:t>
             </a:r>
           </a:p>
           <a:p>
             <a:pPr lvl="1"/>
             <a:r>
-              <a:rPr lang="ko-KR" altLang="en-US" smtClean="0"/>
+              <a:rPr lang="ko-KR" altLang="en-US"/>
               <a:t>둘째 수준</a:t>
             </a:r>
           </a:p>
           <a:p>
             <a:pPr lvl="2"/>
             <a:r>
-              <a:rPr lang="ko-KR" altLang="en-US" smtClean="0"/>
+              <a:rPr lang="ko-KR" altLang="en-US"/>
               <a:t>셋째 수준</a:t>
             </a:r>
           </a:p>
           <a:p>
             <a:pPr lvl="3"/>
             <a:r>
-              <a:rPr lang="ko-KR" altLang="en-US" smtClean="0"/>
+              <a:rPr lang="ko-KR" altLang="en-US"/>
               <a:t>넷째 수준</a:t>
             </a:r>
           </a:p>
           <a:p>
             <a:pPr lvl="4"/>
             <a:r>
-              <a:rPr lang="ko-KR" altLang="en-US" smtClean="0"/>
+              <a:rPr lang="ko-KR" altLang="en-US"/>
               <a:t>다섯째 수준</a:t>
             </a:r>
-            <a:endParaRPr lang="ko-KR" altLang="en-US"/>
           </a:p>
         </p:txBody>
       </p:sp>
@@ -3018,41 +3000,27 @@
           <a:p>
             <a:pPr algn="ctr"/>
             <a:r>
-              <a:rPr lang="en-US" altLang="ko-KR" sz="4400" dirty="0" smtClean="0">
-                <a:latin typeface="리디바탕" panose="020B0600000101010101" pitchFamily="34" charset="-127"/>
-                <a:ea typeface="리디바탕" panose="020B0600000101010101" pitchFamily="34" charset="-127"/>
-              </a:rPr>
-              <a:t>Dynamo</a:t>
-            </a:r>
-            <a:r>
               <a:rPr lang="en-US" altLang="ko-KR" sz="4400" dirty="0">
                 <a:latin typeface="리디바탕" panose="020B0600000101010101" pitchFamily="34" charset="-127"/>
                 <a:ea typeface="리디바탕" panose="020B0600000101010101" pitchFamily="34" charset="-127"/>
               </a:rPr>
-              <a:t>-</a:t>
-            </a:r>
-            <a:r>
-              <a:rPr lang="en-US" altLang="ko-KR" sz="4400" dirty="0" smtClean="0">
-                <a:latin typeface="리디바탕" panose="020B0600000101010101" pitchFamily="34" charset="-127"/>
-                <a:ea typeface="리디바탕" panose="020B0600000101010101" pitchFamily="34" charset="-127"/>
-              </a:rPr>
-              <a:t>Dictionary</a:t>
-            </a:r>
-            <a:r>
-              <a:rPr lang="ko-KR" altLang="en-US" sz="4400" dirty="0" smtClean="0">
+              <a:t>Dynamo-Dictionary</a:t>
+            </a:r>
+            <a:r>
+              <a:rPr lang="ko-KR" altLang="en-US" sz="4400" dirty="0">
                 <a:latin typeface="리디바탕" panose="020B0600000101010101" pitchFamily="34" charset="-127"/>
                 <a:ea typeface="리디바탕" panose="020B0600000101010101" pitchFamily="34" charset="-127"/>
               </a:rPr>
               <a:t>의 활용</a:t>
             </a:r>
-            <a:endParaRPr lang="en-US" altLang="ko-KR" sz="4400" dirty="0" smtClean="0">
+            <a:endParaRPr lang="en-US" altLang="ko-KR" sz="4400" dirty="0">
               <a:latin typeface="리디바탕" panose="020B0600000101010101" pitchFamily="34" charset="-127"/>
               <a:ea typeface="리디바탕" panose="020B0600000101010101" pitchFamily="34" charset="-127"/>
             </a:endParaRPr>
           </a:p>
           <a:p>
             <a:pPr algn="ctr"/>
-            <a:endParaRPr lang="en-US" altLang="ko-KR" sz="2400" dirty="0" smtClean="0">
+            <a:endParaRPr lang="en-US" altLang="ko-KR" sz="2400" dirty="0">
               <a:latin typeface="리디바탕" panose="020B0600000101010101" pitchFamily="34" charset="-127"/>
               <a:ea typeface="리디바탕" panose="020B0600000101010101" pitchFamily="34" charset="-127"/>
             </a:endParaRPr>
@@ -3060,27 +3028,27 @@
           <a:p>
             <a:pPr algn="ctr"/>
             <a:r>
-              <a:rPr lang="ko-KR" altLang="en-US" dirty="0" smtClean="0">
+              <a:rPr lang="ko-KR" altLang="en-US" dirty="0">
                 <a:latin typeface="리디바탕" panose="020B0600000101010101" pitchFamily="34" charset="-127"/>
                 <a:ea typeface="리디바탕" panose="020B0600000101010101" pitchFamily="34" charset="-127"/>
               </a:rPr>
               <a:t>부제</a:t>
             </a:r>
             <a:r>
-              <a:rPr lang="en-US" altLang="ko-KR" dirty="0" smtClean="0">
+              <a:rPr lang="en-US" altLang="ko-KR" dirty="0">
                 <a:latin typeface="리디바탕" panose="020B0600000101010101" pitchFamily="34" charset="-127"/>
                 <a:ea typeface="리디바탕" panose="020B0600000101010101" pitchFamily="34" charset="-127"/>
               </a:rPr>
               <a:t>: </a:t>
             </a:r>
             <a:r>
-              <a:rPr lang="ko-KR" altLang="en-US" dirty="0" smtClean="0">
+              <a:rPr lang="ko-KR" altLang="en-US" dirty="0">
                 <a:latin typeface="리디바탕" panose="020B0600000101010101" pitchFamily="34" charset="-127"/>
                 <a:ea typeface="리디바탕" panose="020B0600000101010101" pitchFamily="34" charset="-127"/>
               </a:rPr>
               <a:t>복잡한 흐름 속에서 길 잃지 않기</a:t>
             </a:r>
-            <a:endParaRPr lang="en-US" altLang="ko-KR" dirty="0" smtClean="0">
+            <a:endParaRPr lang="en-US" altLang="ko-KR" dirty="0">
               <a:latin typeface="리디바탕" panose="020B0600000101010101" pitchFamily="34" charset="-127"/>
               <a:ea typeface="리디바탕" panose="020B0600000101010101" pitchFamily="34" charset="-127"/>
             </a:endParaRPr>
@@ -3138,13 +3106,6 @@
   <p:clrMapOvr>
     <a:masterClrMapping/>
   </p:clrMapOvr>
-  <p:timing>
-    <p:tnLst>
-      <p:par>
-        <p:cTn id="1" dur="indefinite" restart="never" nodeType="tmRoot"/>
-      </p:par>
-    </p:tnLst>
-  </p:timing>
 </p:sld>
 </file>
 
@@ -3193,7 +3154,7 @@
               </a:lnSpc>
             </a:pPr>
             <a:r>
-              <a:rPr lang="en-US" altLang="ko-KR" sz="2800" dirty="0" smtClean="0">
+              <a:rPr lang="en-US" altLang="ko-KR" sz="2800" dirty="0">
                 <a:solidFill>
                   <a:schemeClr val="tx1">
                     <a:lumMod val="50000"/>
@@ -3232,7 +3193,7 @@
           <a:p>
             <a:pPr algn="ctr"/>
             <a:r>
-              <a:rPr lang="en-US" altLang="ko-KR" sz="2800" dirty="0" smtClean="0">
+              <a:rPr lang="en-US" altLang="ko-KR" sz="2800" dirty="0">
                 <a:solidFill>
                   <a:schemeClr val="tx1">
                     <a:lumMod val="50000"/>
@@ -3275,7 +3236,7 @@
               </a:lnSpc>
             </a:pPr>
             <a:r>
-              <a:rPr lang="en-US" altLang="ko-KR" sz="2800" dirty="0" smtClean="0">
+              <a:rPr lang="en-US" altLang="ko-KR" sz="2800" dirty="0">
                 <a:solidFill>
                   <a:schemeClr val="tx1">
                     <a:lumMod val="50000"/>
@@ -3320,37 +3281,27 @@
                 <a:latin typeface="리디바탕" panose="020B0600000101010101" pitchFamily="34" charset="-127"/>
                 <a:ea typeface="리디바탕" panose="020B0600000101010101" pitchFamily="34" charset="-127"/>
               </a:rPr>
-              <a:t>k</a:t>
-            </a:r>
-            <a:r>
-              <a:rPr lang="en-US" altLang="ko-KR" dirty="0" smtClean="0">
+              <a:t>key1 </a:t>
+            </a:r>
+            <a:r>
+              <a:rPr lang="en-US" altLang="ko-KR" dirty="0">
+                <a:latin typeface="리디바탕" panose="020B0600000101010101" pitchFamily="34" charset="-127"/>
+                <a:ea typeface="리디바탕" panose="020B0600000101010101" pitchFamily="34" charset="-127"/>
+              </a:rPr>
+              <a:t>:</a:t>
+            </a:r>
+            <a:r>
+              <a:rPr lang="en-US" altLang="ko-KR" dirty="0">
                 <a:solidFill>
                   <a:srgbClr val="FF0000"/>
                 </a:solidFill>
                 <a:latin typeface="리디바탕" panose="020B0600000101010101" pitchFamily="34" charset="-127"/>
                 <a:ea typeface="리디바탕" panose="020B0600000101010101" pitchFamily="34" charset="-127"/>
               </a:rPr>
-              <a:t>ey1 </a:t>
-            </a:r>
-            <a:r>
-              <a:rPr lang="en-US" altLang="ko-KR" dirty="0" smtClean="0">
-                <a:latin typeface="리디바탕" panose="020B0600000101010101" pitchFamily="34" charset="-127"/>
-                <a:ea typeface="리디바탕" panose="020B0600000101010101" pitchFamily="34" charset="-127"/>
-              </a:rPr>
-              <a:t>:</a:t>
-            </a:r>
-            <a:r>
-              <a:rPr lang="en-US" altLang="ko-KR" dirty="0" smtClean="0">
-                <a:solidFill>
-                  <a:srgbClr val="FF0000"/>
-                </a:solidFill>
-                <a:latin typeface="리디바탕" panose="020B0600000101010101" pitchFamily="34" charset="-127"/>
-                <a:ea typeface="리디바탕" panose="020B0600000101010101" pitchFamily="34" charset="-127"/>
-              </a:rPr>
               <a:t> </a:t>
             </a:r>
             <a:r>
-              <a:rPr lang="en-US" altLang="ko-KR" dirty="0" smtClean="0">
+              <a:rPr lang="en-US" altLang="ko-KR" dirty="0">
                 <a:solidFill>
                   <a:srgbClr val="0000FF"/>
                 </a:solidFill>
@@ -3360,7 +3311,7 @@
               <a:t>value1 </a:t>
             </a:r>
             <a:r>
-              <a:rPr lang="en-US" altLang="ko-KR" dirty="0" smtClean="0">
+              <a:rPr lang="en-US" altLang="ko-KR" dirty="0">
                 <a:latin typeface="리디바탕" panose="020B0600000101010101" pitchFamily="34" charset="-127"/>
                 <a:ea typeface="리디바탕" panose="020B0600000101010101" pitchFamily="34" charset="-127"/>
               </a:rPr>
@@ -3396,7 +3347,7 @@
           <a:lstStyle/>
           <a:p>
             <a:r>
-              <a:rPr lang="en-US" altLang="ko-KR" dirty="0" smtClean="0">
+              <a:rPr lang="en-US" altLang="ko-KR" dirty="0">
                 <a:solidFill>
                   <a:srgbClr val="FF0000"/>
                 </a:solidFill>
@@ -3406,14 +3357,14 @@
               <a:t>key2 </a:t>
             </a:r>
             <a:r>
-              <a:rPr lang="en-US" altLang="ko-KR" dirty="0" smtClean="0">
+              <a:rPr lang="en-US" altLang="ko-KR" dirty="0">
                 <a:latin typeface="리디바탕" panose="020B0600000101010101" pitchFamily="34" charset="-127"/>
                 <a:ea typeface="리디바탕" panose="020B0600000101010101" pitchFamily="34" charset="-127"/>
               </a:rPr>
               <a:t>:</a:t>
             </a:r>
             <a:r>
-              <a:rPr lang="en-US" altLang="ko-KR" dirty="0" smtClean="0">
+              <a:rPr lang="en-US" altLang="ko-KR" dirty="0">
                 <a:solidFill>
                   <a:srgbClr val="FF0000"/>
                 </a:solidFill>
@@ -3423,7 +3374,7 @@
               <a:t> </a:t>
             </a:r>
             <a:r>
-              <a:rPr lang="en-US" altLang="ko-KR" dirty="0" smtClean="0">
+              <a:rPr lang="en-US" altLang="ko-KR" dirty="0">
                 <a:solidFill>
                   <a:srgbClr val="0000FF"/>
                 </a:solidFill>
@@ -3433,7 +3384,7 @@
               <a:t>value2 </a:t>
             </a:r>
             <a:r>
-              <a:rPr lang="en-US" altLang="ko-KR" dirty="0" smtClean="0">
+              <a:rPr lang="en-US" altLang="ko-KR" dirty="0">
                 <a:latin typeface="리디바탕" panose="020B0600000101010101" pitchFamily="34" charset="-127"/>
                 <a:ea typeface="리디바탕" panose="020B0600000101010101" pitchFamily="34" charset="-127"/>
               </a:rPr>
@@ -3469,7 +3420,7 @@
           <a:lstStyle/>
           <a:p>
             <a:r>
-              <a:rPr lang="en-US" altLang="ko-KR" dirty="0" smtClean="0">
+              <a:rPr lang="en-US" altLang="ko-KR" dirty="0">
                 <a:solidFill>
                   <a:srgbClr val="FF0000"/>
                 </a:solidFill>
@@ -3479,14 +3430,14 @@
               <a:t>key3 </a:t>
             </a:r>
             <a:r>
-              <a:rPr lang="en-US" altLang="ko-KR" dirty="0" smtClean="0">
+              <a:rPr lang="en-US" altLang="ko-KR" dirty="0">
                 <a:latin typeface="리디바탕" panose="020B0600000101010101" pitchFamily="34" charset="-127"/>
                 <a:ea typeface="리디바탕" panose="020B0600000101010101" pitchFamily="34" charset="-127"/>
               </a:rPr>
               <a:t>:</a:t>
             </a:r>
             <a:r>
-              <a:rPr lang="en-US" altLang="ko-KR" dirty="0" smtClean="0">
+              <a:rPr lang="en-US" altLang="ko-KR" dirty="0">
                 <a:solidFill>
                   <a:srgbClr val="FF0000"/>
                 </a:solidFill>
@@ -3496,7 +3447,7 @@
               <a:t> </a:t>
             </a:r>
             <a:r>
-              <a:rPr lang="en-US" altLang="ko-KR" dirty="0" smtClean="0">
+              <a:rPr lang="en-US" altLang="ko-KR" dirty="0">
                 <a:solidFill>
                   <a:srgbClr val="0000FF"/>
                 </a:solidFill>
@@ -3506,7 +3457,7 @@
               <a:t>value3 </a:t>
             </a:r>
             <a:r>
-              <a:rPr lang="en-US" altLang="ko-KR" dirty="0" smtClean="0">
+              <a:rPr lang="en-US" altLang="ko-KR" dirty="0">
                 <a:latin typeface="리디바탕" panose="020B0600000101010101" pitchFamily="34" charset="-127"/>
                 <a:ea typeface="리디바탕" panose="020B0600000101010101" pitchFamily="34" charset="-127"/>
               </a:rPr>
@@ -3542,7 +3493,7 @@
           <a:lstStyle/>
           <a:p>
             <a:r>
-              <a:rPr lang="en-US" altLang="ko-KR" dirty="0" smtClean="0">
+              <a:rPr lang="en-US" altLang="ko-KR" dirty="0">
                 <a:solidFill>
                   <a:srgbClr val="FF0000"/>
                 </a:solidFill>
@@ -3552,14 +3503,14 @@
               <a:t>key4 </a:t>
             </a:r>
             <a:r>
-              <a:rPr lang="en-US" altLang="ko-KR" dirty="0" smtClean="0">
+              <a:rPr lang="en-US" altLang="ko-KR" dirty="0">
                 <a:latin typeface="리디바탕" panose="020B0600000101010101" pitchFamily="34" charset="-127"/>
                 <a:ea typeface="리디바탕" panose="020B0600000101010101" pitchFamily="34" charset="-127"/>
               </a:rPr>
               <a:t>:</a:t>
             </a:r>
             <a:r>
-              <a:rPr lang="en-US" altLang="ko-KR" dirty="0" smtClean="0">
+              <a:rPr lang="en-US" altLang="ko-KR" dirty="0">
                 <a:solidFill>
                   <a:srgbClr val="FF0000"/>
                 </a:solidFill>
@@ -3569,7 +3520,7 @@
               <a:t> </a:t>
             </a:r>
             <a:r>
-              <a:rPr lang="en-US" altLang="ko-KR" dirty="0" smtClean="0">
+              <a:rPr lang="en-US" altLang="ko-KR" dirty="0">
                 <a:solidFill>
                   <a:srgbClr val="0000FF"/>
                 </a:solidFill>
@@ -3579,7 +3530,7 @@
               <a:t>value4 </a:t>
             </a:r>
             <a:r>
-              <a:rPr lang="en-US" altLang="ko-KR" dirty="0" smtClean="0">
+              <a:rPr lang="en-US" altLang="ko-KR" dirty="0">
                 <a:latin typeface="리디바탕" panose="020B0600000101010101" pitchFamily="34" charset="-127"/>
                 <a:ea typeface="리디바탕" panose="020B0600000101010101" pitchFamily="34" charset="-127"/>
               </a:rPr>
@@ -3615,7 +3566,7 @@
           <a:lstStyle/>
           <a:p>
             <a:r>
-              <a:rPr lang="en-US" altLang="ko-KR" dirty="0" smtClean="0">
+              <a:rPr lang="en-US" altLang="ko-KR" dirty="0">
                 <a:solidFill>
                   <a:srgbClr val="FF0000"/>
                 </a:solidFill>
@@ -3625,14 +3576,14 @@
               <a:t>key5 </a:t>
             </a:r>
             <a:r>
-              <a:rPr lang="en-US" altLang="ko-KR" dirty="0" smtClean="0">
+              <a:rPr lang="en-US" altLang="ko-KR" dirty="0">
                 <a:latin typeface="리디바탕" panose="020B0600000101010101" pitchFamily="34" charset="-127"/>
                 <a:ea typeface="리디바탕" panose="020B0600000101010101" pitchFamily="34" charset="-127"/>
               </a:rPr>
               <a:t>:</a:t>
             </a:r>
             <a:r>
-              <a:rPr lang="en-US" altLang="ko-KR" dirty="0" smtClean="0">
+              <a:rPr lang="en-US" altLang="ko-KR" dirty="0">
                 <a:solidFill>
                   <a:srgbClr val="FF0000"/>
                 </a:solidFill>
@@ -3642,7 +3593,7 @@
               <a:t> </a:t>
             </a:r>
             <a:r>
-              <a:rPr lang="en-US" altLang="ko-KR" dirty="0" smtClean="0">
+              <a:rPr lang="en-US" altLang="ko-KR" dirty="0">
                 <a:solidFill>
                   <a:srgbClr val="0000FF"/>
                 </a:solidFill>
@@ -3652,7 +3603,7 @@
               <a:t>value6 </a:t>
             </a:r>
             <a:r>
-              <a:rPr lang="en-US" altLang="ko-KR" dirty="0" smtClean="0">
+              <a:rPr lang="en-US" altLang="ko-KR" dirty="0">
                 <a:latin typeface="리디바탕" panose="020B0600000101010101" pitchFamily="34" charset="-127"/>
                 <a:ea typeface="리디바탕" panose="020B0600000101010101" pitchFamily="34" charset="-127"/>
               </a:rPr>
@@ -3688,7 +3639,7 @@
           <a:lstStyle/>
           <a:p>
             <a:r>
-              <a:rPr lang="en-US" altLang="ko-KR" dirty="0" smtClean="0">
+              <a:rPr lang="en-US" altLang="ko-KR" dirty="0">
                 <a:solidFill>
                   <a:srgbClr val="FF0000"/>
                 </a:solidFill>
@@ -3698,14 +3649,14 @@
               <a:t>key7 </a:t>
             </a:r>
             <a:r>
-              <a:rPr lang="en-US" altLang="ko-KR" dirty="0" smtClean="0">
+              <a:rPr lang="en-US" altLang="ko-KR" dirty="0">
                 <a:latin typeface="리디바탕" panose="020B0600000101010101" pitchFamily="34" charset="-127"/>
                 <a:ea typeface="리디바탕" panose="020B0600000101010101" pitchFamily="34" charset="-127"/>
               </a:rPr>
               <a:t>:</a:t>
             </a:r>
             <a:r>
-              <a:rPr lang="en-US" altLang="ko-KR" dirty="0" smtClean="0">
+              <a:rPr lang="en-US" altLang="ko-KR" dirty="0">
                 <a:solidFill>
                   <a:srgbClr val="FF0000"/>
                 </a:solidFill>
@@ -3715,7 +3666,7 @@
               <a:t> </a:t>
             </a:r>
             <a:r>
-              <a:rPr lang="en-US" altLang="ko-KR" dirty="0" smtClean="0">
+              <a:rPr lang="en-US" altLang="ko-KR" dirty="0">
                 <a:solidFill>
                   <a:srgbClr val="0000FF"/>
                 </a:solidFill>
@@ -3741,13 +3692,6 @@
   <p:clrMapOvr>
     <a:masterClrMapping/>
   </p:clrMapOvr>
-  <p:timing>
-    <p:tnLst>
-      <p:par>
-        <p:cTn id="1" dur="indefinite" restart="never" nodeType="tmRoot"/>
-      </p:par>
-    </p:tnLst>
-  </p:timing>
 </p:sld>
 </file>
 
@@ -3796,7 +3740,7 @@
               </a:lnSpc>
             </a:pPr>
             <a:r>
-              <a:rPr lang="en-US" altLang="ko-KR" sz="2800" dirty="0" smtClean="0">
+              <a:rPr lang="en-US" altLang="ko-KR" sz="2800" dirty="0">
                 <a:solidFill>
                   <a:schemeClr val="tx1">
                     <a:lumMod val="50000"/>
@@ -3835,7 +3779,7 @@
           <a:p>
             <a:pPr algn="ctr"/>
             <a:r>
-              <a:rPr lang="en-US" altLang="ko-KR" sz="2800" dirty="0" smtClean="0">
+              <a:rPr lang="en-US" altLang="ko-KR" sz="2800" dirty="0">
                 <a:solidFill>
                   <a:schemeClr val="tx1">
                     <a:lumMod val="50000"/>
@@ -3878,7 +3822,7 @@
               </a:lnSpc>
             </a:pPr>
             <a:r>
-              <a:rPr lang="en-US" altLang="ko-KR" sz="2800" dirty="0" smtClean="0">
+              <a:rPr lang="en-US" altLang="ko-KR" sz="2800" dirty="0">
                 <a:solidFill>
                   <a:schemeClr val="tx1">
                     <a:lumMod val="50000"/>
@@ -3923,37 +3867,27 @@
                 <a:latin typeface="리디바탕" panose="020B0600000101010101" pitchFamily="34" charset="-127"/>
                 <a:ea typeface="리디바탕" panose="020B0600000101010101" pitchFamily="34" charset="-127"/>
               </a:rPr>
-              <a:t>k</a:t>
-            </a:r>
-            <a:r>
-              <a:rPr lang="en-US" altLang="ko-KR" dirty="0" smtClean="0">
+              <a:t>key1 </a:t>
+            </a:r>
+            <a:r>
+              <a:rPr lang="en-US" altLang="ko-KR" dirty="0">
+                <a:latin typeface="리디바탕" panose="020B0600000101010101" pitchFamily="34" charset="-127"/>
+                <a:ea typeface="리디바탕" panose="020B0600000101010101" pitchFamily="34" charset="-127"/>
+              </a:rPr>
+              <a:t>:</a:t>
+            </a:r>
+            <a:r>
+              <a:rPr lang="en-US" altLang="ko-KR" dirty="0">
                 <a:solidFill>
                   <a:srgbClr val="FF0000"/>
                 </a:solidFill>
                 <a:latin typeface="리디바탕" panose="020B0600000101010101" pitchFamily="34" charset="-127"/>
                 <a:ea typeface="리디바탕" panose="020B0600000101010101" pitchFamily="34" charset="-127"/>
               </a:rPr>
-              <a:t>ey1 </a:t>
-            </a:r>
-            <a:r>
-              <a:rPr lang="en-US" altLang="ko-KR" dirty="0" smtClean="0">
-                <a:latin typeface="리디바탕" panose="020B0600000101010101" pitchFamily="34" charset="-127"/>
-                <a:ea typeface="리디바탕" panose="020B0600000101010101" pitchFamily="34" charset="-127"/>
-              </a:rPr>
-              <a:t>:</a:t>
-            </a:r>
-            <a:r>
-              <a:rPr lang="en-US" altLang="ko-KR" dirty="0" smtClean="0">
-                <a:solidFill>
-                  <a:srgbClr val="FF0000"/>
-                </a:solidFill>
-                <a:latin typeface="리디바탕" panose="020B0600000101010101" pitchFamily="34" charset="-127"/>
-                <a:ea typeface="리디바탕" panose="020B0600000101010101" pitchFamily="34" charset="-127"/>
-              </a:rPr>
               <a:t> </a:t>
             </a:r>
             <a:r>
-              <a:rPr lang="en-US" altLang="ko-KR" dirty="0" smtClean="0">
+              <a:rPr lang="en-US" altLang="ko-KR" dirty="0">
                 <a:solidFill>
                   <a:srgbClr val="0000FF"/>
                 </a:solidFill>
@@ -3963,7 +3897,7 @@
               <a:t>value1 </a:t>
             </a:r>
             <a:r>
-              <a:rPr lang="en-US" altLang="ko-KR" dirty="0" smtClean="0">
+              <a:rPr lang="en-US" altLang="ko-KR" dirty="0">
                 <a:latin typeface="리디바탕" panose="020B0600000101010101" pitchFamily="34" charset="-127"/>
                 <a:ea typeface="리디바탕" panose="020B0600000101010101" pitchFamily="34" charset="-127"/>
               </a:rPr>
@@ -3999,7 +3933,7 @@
           <a:lstStyle/>
           <a:p>
             <a:r>
-              <a:rPr lang="en-US" altLang="ko-KR" dirty="0" smtClean="0">
+              <a:rPr lang="en-US" altLang="ko-KR" dirty="0">
                 <a:solidFill>
                   <a:srgbClr val="FF0000"/>
                 </a:solidFill>
@@ -4009,14 +3943,14 @@
               <a:t>key2 </a:t>
             </a:r>
             <a:r>
-              <a:rPr lang="en-US" altLang="ko-KR" dirty="0" smtClean="0">
+              <a:rPr lang="en-US" altLang="ko-KR" dirty="0">
                 <a:latin typeface="리디바탕" panose="020B0600000101010101" pitchFamily="34" charset="-127"/>
                 <a:ea typeface="리디바탕" panose="020B0600000101010101" pitchFamily="34" charset="-127"/>
               </a:rPr>
               <a:t>:</a:t>
             </a:r>
             <a:r>
-              <a:rPr lang="en-US" altLang="ko-KR" dirty="0" smtClean="0">
+              <a:rPr lang="en-US" altLang="ko-KR" dirty="0">
                 <a:solidFill>
                   <a:srgbClr val="FF0000"/>
                 </a:solidFill>
@@ -4026,7 +3960,7 @@
               <a:t> </a:t>
             </a:r>
             <a:r>
-              <a:rPr lang="en-US" altLang="ko-KR" dirty="0" smtClean="0">
+              <a:rPr lang="en-US" altLang="ko-KR" dirty="0">
                 <a:solidFill>
                   <a:srgbClr val="0000FF"/>
                 </a:solidFill>
@@ -4036,7 +3970,7 @@
               <a:t>value2 </a:t>
             </a:r>
             <a:r>
-              <a:rPr lang="en-US" altLang="ko-KR" dirty="0" smtClean="0">
+              <a:rPr lang="en-US" altLang="ko-KR" dirty="0">
                 <a:latin typeface="리디바탕" panose="020B0600000101010101" pitchFamily="34" charset="-127"/>
                 <a:ea typeface="리디바탕" panose="020B0600000101010101" pitchFamily="34" charset="-127"/>
               </a:rPr>
@@ -4072,7 +4006,7 @@
           <a:lstStyle/>
           <a:p>
             <a:r>
-              <a:rPr lang="en-US" altLang="ko-KR" dirty="0" smtClean="0">
+              <a:rPr lang="en-US" altLang="ko-KR" dirty="0">
                 <a:solidFill>
                   <a:srgbClr val="FF0000"/>
                 </a:solidFill>
@@ -4082,14 +4016,14 @@
               <a:t>key3 </a:t>
             </a:r>
             <a:r>
-              <a:rPr lang="en-US" altLang="ko-KR" dirty="0" smtClean="0">
+              <a:rPr lang="en-US" altLang="ko-KR" dirty="0">
                 <a:latin typeface="리디바탕" panose="020B0600000101010101" pitchFamily="34" charset="-127"/>
                 <a:ea typeface="리디바탕" panose="020B0600000101010101" pitchFamily="34" charset="-127"/>
               </a:rPr>
               <a:t>:</a:t>
             </a:r>
             <a:r>
-              <a:rPr lang="en-US" altLang="ko-KR" dirty="0" smtClean="0">
+              <a:rPr lang="en-US" altLang="ko-KR" dirty="0">
                 <a:solidFill>
                   <a:srgbClr val="FF0000"/>
                 </a:solidFill>
@@ -4099,7 +4033,7 @@
               <a:t> </a:t>
             </a:r>
             <a:r>
-              <a:rPr lang="en-US" altLang="ko-KR" dirty="0" smtClean="0">
+              <a:rPr lang="en-US" altLang="ko-KR" dirty="0">
                 <a:solidFill>
                   <a:srgbClr val="0000FF"/>
                 </a:solidFill>
@@ -4109,7 +4043,7 @@
               <a:t>value3 </a:t>
             </a:r>
             <a:r>
-              <a:rPr lang="en-US" altLang="ko-KR" dirty="0" smtClean="0">
+              <a:rPr lang="en-US" altLang="ko-KR" dirty="0">
                 <a:latin typeface="리디바탕" panose="020B0600000101010101" pitchFamily="34" charset="-127"/>
                 <a:ea typeface="리디바탕" panose="020B0600000101010101" pitchFamily="34" charset="-127"/>
               </a:rPr>
@@ -4145,7 +4079,7 @@
           <a:lstStyle/>
           <a:p>
             <a:r>
-              <a:rPr lang="en-US" altLang="ko-KR" dirty="0" smtClean="0">
+              <a:rPr lang="en-US" altLang="ko-KR" dirty="0">
                 <a:solidFill>
                   <a:srgbClr val="FF0000"/>
                 </a:solidFill>
@@ -4155,14 +4089,14 @@
               <a:t>key4 </a:t>
             </a:r>
             <a:r>
-              <a:rPr lang="en-US" altLang="ko-KR" dirty="0" smtClean="0">
+              <a:rPr lang="en-US" altLang="ko-KR" dirty="0">
                 <a:latin typeface="리디바탕" panose="020B0600000101010101" pitchFamily="34" charset="-127"/>
                 <a:ea typeface="리디바탕" panose="020B0600000101010101" pitchFamily="34" charset="-127"/>
               </a:rPr>
               <a:t>:</a:t>
             </a:r>
             <a:r>
-              <a:rPr lang="en-US" altLang="ko-KR" dirty="0" smtClean="0">
+              <a:rPr lang="en-US" altLang="ko-KR" dirty="0">
                 <a:solidFill>
                   <a:srgbClr val="FF0000"/>
                 </a:solidFill>
@@ -4172,7 +4106,7 @@
               <a:t> </a:t>
             </a:r>
             <a:r>
-              <a:rPr lang="en-US" altLang="ko-KR" dirty="0" smtClean="0">
+              <a:rPr lang="en-US" altLang="ko-KR" dirty="0">
                 <a:solidFill>
                   <a:srgbClr val="0000FF"/>
                 </a:solidFill>
@@ -4182,7 +4116,7 @@
               <a:t>value4 </a:t>
             </a:r>
             <a:r>
-              <a:rPr lang="en-US" altLang="ko-KR" dirty="0" smtClean="0">
+              <a:rPr lang="en-US" altLang="ko-KR" dirty="0">
                 <a:latin typeface="리디바탕" panose="020B0600000101010101" pitchFamily="34" charset="-127"/>
                 <a:ea typeface="리디바탕" panose="020B0600000101010101" pitchFamily="34" charset="-127"/>
               </a:rPr>
@@ -4218,7 +4152,7 @@
           <a:lstStyle/>
           <a:p>
             <a:r>
-              <a:rPr lang="en-US" altLang="ko-KR" dirty="0" smtClean="0">
+              <a:rPr lang="en-US" altLang="ko-KR" dirty="0">
                 <a:solidFill>
                   <a:srgbClr val="FF0000"/>
                 </a:solidFill>
@@ -4228,14 +4162,14 @@
               <a:t>key5 </a:t>
             </a:r>
             <a:r>
-              <a:rPr lang="en-US" altLang="ko-KR" dirty="0" smtClean="0">
+              <a:rPr lang="en-US" altLang="ko-KR" dirty="0">
                 <a:latin typeface="리디바탕" panose="020B0600000101010101" pitchFamily="34" charset="-127"/>
                 <a:ea typeface="리디바탕" panose="020B0600000101010101" pitchFamily="34" charset="-127"/>
               </a:rPr>
               <a:t>:</a:t>
             </a:r>
             <a:r>
-              <a:rPr lang="en-US" altLang="ko-KR" dirty="0" smtClean="0">
+              <a:rPr lang="en-US" altLang="ko-KR" dirty="0">
                 <a:solidFill>
                   <a:srgbClr val="FF0000"/>
                 </a:solidFill>
@@ -4245,7 +4179,7 @@
               <a:t> </a:t>
             </a:r>
             <a:r>
-              <a:rPr lang="en-US" altLang="ko-KR" dirty="0" smtClean="0">
+              <a:rPr lang="en-US" altLang="ko-KR" dirty="0">
                 <a:solidFill>
                   <a:srgbClr val="0000FF"/>
                 </a:solidFill>
@@ -4255,7 +4189,7 @@
               <a:t>value6 </a:t>
             </a:r>
             <a:r>
-              <a:rPr lang="en-US" altLang="ko-KR" dirty="0" smtClean="0">
+              <a:rPr lang="en-US" altLang="ko-KR" dirty="0">
                 <a:latin typeface="리디바탕" panose="020B0600000101010101" pitchFamily="34" charset="-127"/>
                 <a:ea typeface="리디바탕" panose="020B0600000101010101" pitchFamily="34" charset="-127"/>
               </a:rPr>
@@ -4291,7 +4225,7 @@
           <a:lstStyle/>
           <a:p>
             <a:r>
-              <a:rPr lang="en-US" altLang="ko-KR" dirty="0" smtClean="0">
+              <a:rPr lang="en-US" altLang="ko-KR" dirty="0">
                 <a:solidFill>
                   <a:srgbClr val="FF0000"/>
                 </a:solidFill>
@@ -4301,14 +4235,14 @@
               <a:t>key7 </a:t>
             </a:r>
             <a:r>
-              <a:rPr lang="en-US" altLang="ko-KR" dirty="0" smtClean="0">
+              <a:rPr lang="en-US" altLang="ko-KR" dirty="0">
                 <a:latin typeface="리디바탕" panose="020B0600000101010101" pitchFamily="34" charset="-127"/>
                 <a:ea typeface="리디바탕" panose="020B0600000101010101" pitchFamily="34" charset="-127"/>
               </a:rPr>
               <a:t>:</a:t>
             </a:r>
             <a:r>
-              <a:rPr lang="en-US" altLang="ko-KR" dirty="0" smtClean="0">
+              <a:rPr lang="en-US" altLang="ko-KR" dirty="0">
                 <a:solidFill>
                   <a:srgbClr val="FF0000"/>
                 </a:solidFill>
@@ -4318,7 +4252,7 @@
               <a:t> </a:t>
             </a:r>
             <a:r>
-              <a:rPr lang="en-US" altLang="ko-KR" dirty="0" smtClean="0">
+              <a:rPr lang="en-US" altLang="ko-KR" dirty="0">
                 <a:solidFill>
                   <a:srgbClr val="0000FF"/>
                 </a:solidFill>
@@ -4395,47 +4329,17 @@
                 <a:latin typeface="리디바탕" panose="020B0600000101010101" pitchFamily="34" charset="-127"/>
                 <a:ea typeface="리디바탕" panose="020B0600000101010101" pitchFamily="34" charset="-127"/>
               </a:rPr>
-              <a:t>, </a:t>
-            </a:r>
-            <a:r>
-              <a:rPr lang="en-US" altLang="ko-KR" dirty="0" smtClean="0">
+              <a:t>, key3 </a:t>
+            </a:r>
+            <a:r>
+              <a:rPr lang="ko-KR" altLang="en-US" dirty="0">
                 <a:solidFill>
                   <a:schemeClr val="tx1"/>
                 </a:solidFill>
                 <a:latin typeface="리디바탕" panose="020B0600000101010101" pitchFamily="34" charset="-127"/>
                 <a:ea typeface="리디바탕" panose="020B0600000101010101" pitchFamily="34" charset="-127"/>
               </a:rPr>
-              <a:t>key3 </a:t>
-            </a:r>
-            <a:r>
-              <a:rPr lang="ko-KR" altLang="en-US" dirty="0" smtClean="0">
-                <a:solidFill>
-                  <a:schemeClr val="tx1"/>
-                </a:solidFill>
-                <a:latin typeface="리디바탕" panose="020B0600000101010101" pitchFamily="34" charset="-127"/>
-                <a:ea typeface="리디바탕" panose="020B0600000101010101" pitchFamily="34" charset="-127"/>
-              </a:rPr>
-              <a:t>에 </a:t>
-            </a:r>
-            <a:r>
-              <a:rPr lang="ko-KR" altLang="en-US" dirty="0">
-                <a:solidFill>
-                  <a:schemeClr val="tx1"/>
-                </a:solidFill>
-                <a:latin typeface="리디바탕" panose="020B0600000101010101" pitchFamily="34" charset="-127"/>
-                <a:ea typeface="리디바탕" panose="020B0600000101010101" pitchFamily="34" charset="-127"/>
-              </a:rPr>
-              <a:t>해당하는 값을 찾아서 </a:t>
-            </a:r>
-            <a:r>
-              <a:rPr lang="ko-KR" altLang="en-US" dirty="0" smtClean="0">
-                <a:solidFill>
-                  <a:schemeClr val="tx1"/>
-                </a:solidFill>
-                <a:latin typeface="리디바탕" panose="020B0600000101010101" pitchFamily="34" charset="-127"/>
-                <a:ea typeface="리디바탕" panose="020B0600000101010101" pitchFamily="34" charset="-127"/>
-              </a:rPr>
-              <a:t>돌려 줄래</a:t>
+              <a:t>에 해당하는 값을 찾아서 돌려 줄래</a:t>
             </a:r>
             <a:r>
               <a:rPr lang="en-US" altLang="ko-KR" dirty="0">
@@ -4497,7 +4401,7 @@
           <a:p>
             <a:pPr algn="ctr"/>
             <a:r>
-              <a:rPr lang="en-US" altLang="ko-KR" dirty="0" smtClean="0">
+              <a:rPr lang="en-US" altLang="ko-KR" dirty="0">
                 <a:solidFill>
                   <a:schemeClr val="tx1"/>
                 </a:solidFill>
@@ -4507,7 +4411,7 @@
               <a:t>value3 </a:t>
             </a:r>
             <a:r>
-              <a:rPr lang="ko-KR" altLang="en-US" dirty="0" smtClean="0">
+              <a:rPr lang="ko-KR" altLang="en-US" dirty="0">
                 <a:solidFill>
                   <a:schemeClr val="tx1"/>
                 </a:solidFill>
@@ -4517,7 +4421,7 @@
               <a:t>입니다</a:t>
             </a:r>
             <a:r>
-              <a:rPr lang="en-US" altLang="ko-KR" dirty="0" smtClean="0">
+              <a:rPr lang="en-US" altLang="ko-KR" dirty="0">
                 <a:solidFill>
                   <a:schemeClr val="tx1"/>
                 </a:solidFill>
@@ -4526,13 +4430,6 @@
               </a:rPr>
               <a:t>.</a:t>
             </a:r>
-            <a:endParaRPr lang="en-US" altLang="ko-KR" dirty="0">
-              <a:solidFill>
-                <a:schemeClr val="tx1"/>
-              </a:solidFill>
-              <a:latin typeface="리디바탕" panose="020B0600000101010101" pitchFamily="34" charset="-127"/>
-              <a:ea typeface="리디바탕" panose="020B0600000101010101" pitchFamily="34" charset="-127"/>
-            </a:endParaRPr>
           </a:p>
         </p:txBody>
       </p:sp>
@@ -4626,16 +4523,12 @@
           <a:lstStyle/>
           <a:p>
             <a:r>
-              <a:rPr lang="ko-KR" altLang="en-US" sz="1600" dirty="0" smtClean="0">
+              <a:rPr lang="ko-KR" altLang="en-US" sz="1600" dirty="0">
                 <a:latin typeface="리디바탕" panose="020B0600000101010101" pitchFamily="34" charset="-127"/>
                 <a:ea typeface="리디바탕" panose="020B0600000101010101" pitchFamily="34" charset="-127"/>
               </a:rPr>
               <a:t>질의</a:t>
             </a:r>
-            <a:endParaRPr lang="ko-KR" altLang="en-US" sz="1600" dirty="0">
-              <a:latin typeface="리디바탕" panose="020B0600000101010101" pitchFamily="34" charset="-127"/>
-              <a:ea typeface="리디바탕" panose="020B0600000101010101" pitchFamily="34" charset="-127"/>
-            </a:endParaRPr>
           </a:p>
         </p:txBody>
       </p:sp>
@@ -4662,16 +4555,12 @@
           <a:lstStyle/>
           <a:p>
             <a:r>
-              <a:rPr lang="ko-KR" altLang="en-US" sz="1600" dirty="0" smtClean="0">
+              <a:rPr lang="ko-KR" altLang="en-US" sz="1600" dirty="0">
                 <a:latin typeface="리디바탕" panose="020B0600000101010101" pitchFamily="34" charset="-127"/>
                 <a:ea typeface="리디바탕" panose="020B0600000101010101" pitchFamily="34" charset="-127"/>
               </a:rPr>
               <a:t>답변</a:t>
             </a:r>
-            <a:endParaRPr lang="ko-KR" altLang="en-US" sz="1600" dirty="0">
-              <a:latin typeface="리디바탕" panose="020B0600000101010101" pitchFamily="34" charset="-127"/>
-              <a:ea typeface="리디바탕" panose="020B0600000101010101" pitchFamily="34" charset="-127"/>
-            </a:endParaRPr>
           </a:p>
         </p:txBody>
       </p:sp>
@@ -4685,13 +4574,6 @@
   <p:clrMapOvr>
     <a:masterClrMapping/>
   </p:clrMapOvr>
-  <p:timing>
-    <p:tnLst>
-      <p:par>
-        <p:cTn id="1" dur="indefinite" restart="never" nodeType="tmRoot"/>
-      </p:par>
-    </p:tnLst>
-  </p:timing>
 </p:sld>
 </file>
 
@@ -4740,7 +4622,7 @@
               </a:lnSpc>
             </a:pPr>
             <a:r>
-              <a:rPr lang="en-US" altLang="ko-KR" sz="2800" dirty="0" smtClean="0">
+              <a:rPr lang="en-US" altLang="ko-KR" sz="2800" dirty="0">
                 <a:solidFill>
                   <a:schemeClr val="tx1">
                     <a:lumMod val="50000"/>
@@ -4779,7 +4661,7 @@
           <a:p>
             <a:pPr algn="ctr"/>
             <a:r>
-              <a:rPr lang="en-US" altLang="ko-KR" sz="2800" dirty="0" smtClean="0">
+              <a:rPr lang="en-US" altLang="ko-KR" sz="2800" dirty="0">
                 <a:solidFill>
                   <a:schemeClr val="tx1">
                     <a:lumMod val="50000"/>
@@ -4822,7 +4704,7 @@
               </a:lnSpc>
             </a:pPr>
             <a:r>
-              <a:rPr lang="en-US" altLang="ko-KR" sz="2800" dirty="0" smtClean="0">
+              <a:rPr lang="en-US" altLang="ko-KR" sz="2800" dirty="0">
                 <a:solidFill>
                   <a:schemeClr val="tx1">
                     <a:lumMod val="50000"/>
@@ -4832,7 +4714,7 @@
                 <a:latin typeface="리디바탕" panose="020B0600000101010101" pitchFamily="34" charset="-127"/>
                 <a:ea typeface="리디바탕" panose="020B0600000101010101" pitchFamily="34" charset="-127"/>
               </a:rPr>
-              <a:t>}</a:t>
+              <a:t>}]</a:t>
             </a:r>
           </a:p>
         </p:txBody>
@@ -4867,37 +4749,27 @@
                 <a:latin typeface="리디바탕" panose="020B0600000101010101" pitchFamily="34" charset="-127"/>
                 <a:ea typeface="리디바탕" panose="020B0600000101010101" pitchFamily="34" charset="-127"/>
               </a:rPr>
-              <a:t>k</a:t>
-            </a:r>
-            <a:r>
-              <a:rPr lang="en-US" altLang="ko-KR" sz="1600" dirty="0" smtClean="0">
+              <a:t>key1 </a:t>
+            </a:r>
+            <a:r>
+              <a:rPr lang="en-US" altLang="ko-KR" sz="1600" dirty="0">
+                <a:latin typeface="리디바탕" panose="020B0600000101010101" pitchFamily="34" charset="-127"/>
+                <a:ea typeface="리디바탕" panose="020B0600000101010101" pitchFamily="34" charset="-127"/>
+              </a:rPr>
+              <a:t>:</a:t>
+            </a:r>
+            <a:r>
+              <a:rPr lang="en-US" altLang="ko-KR" sz="1600" dirty="0">
                 <a:solidFill>
                   <a:srgbClr val="FF0000"/>
                 </a:solidFill>
                 <a:latin typeface="리디바탕" panose="020B0600000101010101" pitchFamily="34" charset="-127"/>
                 <a:ea typeface="리디바탕" panose="020B0600000101010101" pitchFamily="34" charset="-127"/>
               </a:rPr>
-              <a:t>ey1 </a:t>
-            </a:r>
-            <a:r>
-              <a:rPr lang="en-US" altLang="ko-KR" sz="1600" dirty="0" smtClean="0">
-                <a:latin typeface="리디바탕" panose="020B0600000101010101" pitchFamily="34" charset="-127"/>
-                <a:ea typeface="리디바탕" panose="020B0600000101010101" pitchFamily="34" charset="-127"/>
-              </a:rPr>
-              <a:t>:</a:t>
-            </a:r>
-            <a:r>
-              <a:rPr lang="en-US" altLang="ko-KR" sz="1600" dirty="0" smtClean="0">
-                <a:solidFill>
-                  <a:srgbClr val="FF0000"/>
-                </a:solidFill>
-                <a:latin typeface="리디바탕" panose="020B0600000101010101" pitchFamily="34" charset="-127"/>
-                <a:ea typeface="리디바탕" panose="020B0600000101010101" pitchFamily="34" charset="-127"/>
-              </a:rPr>
               <a:t> </a:t>
             </a:r>
             <a:r>
-              <a:rPr lang="en-US" altLang="ko-KR" sz="1600" dirty="0" smtClean="0">
+              <a:rPr lang="en-US" altLang="ko-KR" sz="1600" dirty="0">
                 <a:solidFill>
                   <a:srgbClr val="0000FF"/>
                 </a:solidFill>
@@ -4907,7 +4779,7 @@
               <a:t>value1-c </a:t>
             </a:r>
             <a:r>
-              <a:rPr lang="en-US" altLang="ko-KR" sz="1600" dirty="0" smtClean="0">
+              <a:rPr lang="en-US" altLang="ko-KR" sz="1600" dirty="0">
                 <a:latin typeface="리디바탕" panose="020B0600000101010101" pitchFamily="34" charset="-127"/>
                 <a:ea typeface="리디바탕" panose="020B0600000101010101" pitchFamily="34" charset="-127"/>
               </a:rPr>
@@ -4943,7 +4815,7 @@
           <a:lstStyle/>
           <a:p>
             <a:r>
-              <a:rPr lang="en-US" altLang="ko-KR" sz="1600" dirty="0" smtClean="0">
+              <a:rPr lang="en-US" altLang="ko-KR" sz="1600" dirty="0">
                 <a:solidFill>
                   <a:srgbClr val="FF0000"/>
                 </a:solidFill>
@@ -4953,14 +4825,14 @@
               <a:t>key2 </a:t>
             </a:r>
             <a:r>
-              <a:rPr lang="en-US" altLang="ko-KR" sz="1600" dirty="0" smtClean="0">
+              <a:rPr lang="en-US" altLang="ko-KR" sz="1600" dirty="0">
                 <a:latin typeface="리디바탕" panose="020B0600000101010101" pitchFamily="34" charset="-127"/>
                 <a:ea typeface="리디바탕" panose="020B0600000101010101" pitchFamily="34" charset="-127"/>
               </a:rPr>
               <a:t>:</a:t>
             </a:r>
             <a:r>
-              <a:rPr lang="en-US" altLang="ko-KR" sz="1600" dirty="0" smtClean="0">
+              <a:rPr lang="en-US" altLang="ko-KR" sz="1600" dirty="0">
                 <a:solidFill>
                   <a:srgbClr val="FF0000"/>
                 </a:solidFill>
@@ -4970,37 +4842,17 @@
               <a:t> </a:t>
             </a:r>
             <a:r>
-              <a:rPr lang="en-US" altLang="ko-KR" sz="1600" dirty="0" smtClean="0">
+              <a:rPr lang="en-US" altLang="ko-KR" sz="1600" dirty="0">
                 <a:solidFill>
                   <a:srgbClr val="0000FF"/>
                 </a:solidFill>
                 <a:latin typeface="리디바탕" panose="020B0600000101010101" pitchFamily="34" charset="-127"/>
                 <a:ea typeface="리디바탕" panose="020B0600000101010101" pitchFamily="34" charset="-127"/>
               </a:rPr>
-              <a:t>value2</a:t>
+              <a:t>value2-c </a:t>
             </a:r>
             <a:r>
               <a:rPr lang="en-US" altLang="ko-KR" sz="1600" dirty="0">
-                <a:solidFill>
-                  <a:srgbClr val="0000FF"/>
-                </a:solidFill>
-                <a:latin typeface="리디바탕" panose="020B0600000101010101" pitchFamily="34" charset="-127"/>
-                <a:ea typeface="리디바탕" panose="020B0600000101010101" pitchFamily="34" charset="-127"/>
-              </a:rPr>
-              <a:t>-c</a:t>
-            </a:r>
-            <a:r>
-              <a:rPr lang="en-US" altLang="ko-KR" sz="1600" dirty="0" smtClean="0">
-                <a:solidFill>
-                  <a:srgbClr val="0000FF"/>
-                </a:solidFill>
-                <a:latin typeface="리디바탕" panose="020B0600000101010101" pitchFamily="34" charset="-127"/>
-                <a:ea typeface="리디바탕" panose="020B0600000101010101" pitchFamily="34" charset="-127"/>
-              </a:rPr>
-              <a:t> </a:t>
-            </a:r>
-            <a:r>
-              <a:rPr lang="en-US" altLang="ko-KR" sz="1600" dirty="0" smtClean="0">
                 <a:latin typeface="리디바탕" panose="020B0600000101010101" pitchFamily="34" charset="-127"/>
                 <a:ea typeface="리디바탕" panose="020B0600000101010101" pitchFamily="34" charset="-127"/>
               </a:rPr>
@@ -5036,7 +4888,7 @@
           <a:lstStyle/>
           <a:p>
             <a:r>
-              <a:rPr lang="en-US" altLang="ko-KR" sz="1600" dirty="0" smtClean="0">
+              <a:rPr lang="en-US" altLang="ko-KR" sz="1600" dirty="0">
                 <a:solidFill>
                   <a:srgbClr val="FF0000"/>
                 </a:solidFill>
@@ -5046,14 +4898,14 @@
               <a:t>key3 </a:t>
             </a:r>
             <a:r>
-              <a:rPr lang="en-US" altLang="ko-KR" sz="1600" dirty="0" smtClean="0">
+              <a:rPr lang="en-US" altLang="ko-KR" sz="1600" dirty="0">
                 <a:latin typeface="리디바탕" panose="020B0600000101010101" pitchFamily="34" charset="-127"/>
                 <a:ea typeface="리디바탕" panose="020B0600000101010101" pitchFamily="34" charset="-127"/>
               </a:rPr>
               <a:t>:</a:t>
             </a:r>
             <a:r>
-              <a:rPr lang="en-US" altLang="ko-KR" sz="1600" dirty="0" smtClean="0">
+              <a:rPr lang="en-US" altLang="ko-KR" sz="1600" dirty="0">
                 <a:solidFill>
                   <a:srgbClr val="FF0000"/>
                 </a:solidFill>
@@ -5063,37 +4915,17 @@
               <a:t> </a:t>
             </a:r>
             <a:r>
-              <a:rPr lang="en-US" altLang="ko-KR" sz="1600" dirty="0" smtClean="0">
+              <a:rPr lang="en-US" altLang="ko-KR" sz="1600" dirty="0">
                 <a:solidFill>
                   <a:srgbClr val="0000FF"/>
                 </a:solidFill>
                 <a:latin typeface="리디바탕" panose="020B0600000101010101" pitchFamily="34" charset="-127"/>
                 <a:ea typeface="리디바탕" panose="020B0600000101010101" pitchFamily="34" charset="-127"/>
               </a:rPr>
-              <a:t>value3</a:t>
+              <a:t>value3-c </a:t>
             </a:r>
             <a:r>
               <a:rPr lang="en-US" altLang="ko-KR" sz="1600" dirty="0">
-                <a:solidFill>
-                  <a:srgbClr val="0000FF"/>
-                </a:solidFill>
-                <a:latin typeface="리디바탕" panose="020B0600000101010101" pitchFamily="34" charset="-127"/>
-                <a:ea typeface="리디바탕" panose="020B0600000101010101" pitchFamily="34" charset="-127"/>
-              </a:rPr>
-              <a:t>-c</a:t>
-            </a:r>
-            <a:r>
-              <a:rPr lang="en-US" altLang="ko-KR" sz="1600" dirty="0" smtClean="0">
-                <a:solidFill>
-                  <a:srgbClr val="0000FF"/>
-                </a:solidFill>
-                <a:latin typeface="리디바탕" panose="020B0600000101010101" pitchFamily="34" charset="-127"/>
-                <a:ea typeface="리디바탕" panose="020B0600000101010101" pitchFamily="34" charset="-127"/>
-              </a:rPr>
-              <a:t> </a:t>
-            </a:r>
-            <a:r>
-              <a:rPr lang="en-US" altLang="ko-KR" sz="1600" dirty="0" smtClean="0">
                 <a:latin typeface="리디바탕" panose="020B0600000101010101" pitchFamily="34" charset="-127"/>
                 <a:ea typeface="리디바탕" panose="020B0600000101010101" pitchFamily="34" charset="-127"/>
               </a:rPr>
@@ -5129,7 +4961,7 @@
           <a:lstStyle/>
           <a:p>
             <a:r>
-              <a:rPr lang="en-US" altLang="ko-KR" sz="1600" dirty="0" smtClean="0">
+              <a:rPr lang="en-US" altLang="ko-KR" sz="1600" dirty="0">
                 <a:solidFill>
                   <a:srgbClr val="FF0000"/>
                 </a:solidFill>
@@ -5139,14 +4971,14 @@
               <a:t>key4 </a:t>
             </a:r>
             <a:r>
-              <a:rPr lang="en-US" altLang="ko-KR" sz="1600" dirty="0" smtClean="0">
+              <a:rPr lang="en-US" altLang="ko-KR" sz="1600" dirty="0">
                 <a:latin typeface="리디바탕" panose="020B0600000101010101" pitchFamily="34" charset="-127"/>
                 <a:ea typeface="리디바탕" panose="020B0600000101010101" pitchFamily="34" charset="-127"/>
               </a:rPr>
               <a:t>:</a:t>
             </a:r>
             <a:r>
-              <a:rPr lang="en-US" altLang="ko-KR" sz="1600" dirty="0" smtClean="0">
+              <a:rPr lang="en-US" altLang="ko-KR" sz="1600" dirty="0">
                 <a:solidFill>
                   <a:srgbClr val="FF0000"/>
                 </a:solidFill>
@@ -5156,37 +4988,17 @@
               <a:t> </a:t>
             </a:r>
             <a:r>
-              <a:rPr lang="en-US" altLang="ko-KR" sz="1600" dirty="0" smtClean="0">
+              <a:rPr lang="en-US" altLang="ko-KR" sz="1600" dirty="0">
                 <a:solidFill>
                   <a:srgbClr val="0000FF"/>
                 </a:solidFill>
                 <a:latin typeface="리디바탕" panose="020B0600000101010101" pitchFamily="34" charset="-127"/>
                 <a:ea typeface="리디바탕" panose="020B0600000101010101" pitchFamily="34" charset="-127"/>
               </a:rPr>
-              <a:t>value4</a:t>
+              <a:t>value4-c </a:t>
             </a:r>
             <a:r>
               <a:rPr lang="en-US" altLang="ko-KR" sz="1600" dirty="0">
-                <a:solidFill>
-                  <a:srgbClr val="0000FF"/>
-                </a:solidFill>
-                <a:latin typeface="리디바탕" panose="020B0600000101010101" pitchFamily="34" charset="-127"/>
-                <a:ea typeface="리디바탕" panose="020B0600000101010101" pitchFamily="34" charset="-127"/>
-              </a:rPr>
-              <a:t>-c</a:t>
-            </a:r>
-            <a:r>
-              <a:rPr lang="en-US" altLang="ko-KR" sz="1600" dirty="0" smtClean="0">
-                <a:solidFill>
-                  <a:srgbClr val="0000FF"/>
-                </a:solidFill>
-                <a:latin typeface="리디바탕" panose="020B0600000101010101" pitchFamily="34" charset="-127"/>
-                <a:ea typeface="리디바탕" panose="020B0600000101010101" pitchFamily="34" charset="-127"/>
-              </a:rPr>
-              <a:t> </a:t>
-            </a:r>
-            <a:r>
-              <a:rPr lang="en-US" altLang="ko-KR" sz="1600" dirty="0" smtClean="0">
                 <a:latin typeface="리디바탕" panose="020B0600000101010101" pitchFamily="34" charset="-127"/>
                 <a:ea typeface="리디바탕" panose="020B0600000101010101" pitchFamily="34" charset="-127"/>
               </a:rPr>
@@ -5222,7 +5034,7 @@
           <a:lstStyle/>
           <a:p>
             <a:r>
-              <a:rPr lang="en-US" altLang="ko-KR" sz="1600" dirty="0" smtClean="0">
+              <a:rPr lang="en-US" altLang="ko-KR" sz="1600" dirty="0">
                 <a:solidFill>
                   <a:srgbClr val="FF0000"/>
                 </a:solidFill>
@@ -5232,14 +5044,14 @@
               <a:t>key5 </a:t>
             </a:r>
             <a:r>
-              <a:rPr lang="en-US" altLang="ko-KR" sz="1600" dirty="0" smtClean="0">
+              <a:rPr lang="en-US" altLang="ko-KR" sz="1600" dirty="0">
                 <a:latin typeface="리디바탕" panose="020B0600000101010101" pitchFamily="34" charset="-127"/>
                 <a:ea typeface="리디바탕" panose="020B0600000101010101" pitchFamily="34" charset="-127"/>
               </a:rPr>
               <a:t>:</a:t>
             </a:r>
             <a:r>
-              <a:rPr lang="en-US" altLang="ko-KR" sz="1600" dirty="0" smtClean="0">
+              <a:rPr lang="en-US" altLang="ko-KR" sz="1600" dirty="0">
                 <a:solidFill>
                   <a:srgbClr val="FF0000"/>
                 </a:solidFill>
@@ -5249,37 +5061,17 @@
               <a:t> </a:t>
             </a:r>
             <a:r>
-              <a:rPr lang="en-US" altLang="ko-KR" sz="1600" dirty="0" smtClean="0">
+              <a:rPr lang="en-US" altLang="ko-KR" sz="1600" dirty="0">
                 <a:solidFill>
                   <a:srgbClr val="0000FF"/>
                 </a:solidFill>
                 <a:latin typeface="리디바탕" panose="020B0600000101010101" pitchFamily="34" charset="-127"/>
                 <a:ea typeface="리디바탕" panose="020B0600000101010101" pitchFamily="34" charset="-127"/>
               </a:rPr>
-              <a:t>value6</a:t>
+              <a:t>value6-c </a:t>
             </a:r>
             <a:r>
               <a:rPr lang="en-US" altLang="ko-KR" sz="1600" dirty="0">
-                <a:solidFill>
-                  <a:srgbClr val="0000FF"/>
-                </a:solidFill>
-                <a:latin typeface="리디바탕" panose="020B0600000101010101" pitchFamily="34" charset="-127"/>
-                <a:ea typeface="리디바탕" panose="020B0600000101010101" pitchFamily="34" charset="-127"/>
-              </a:rPr>
-              <a:t>-c</a:t>
-            </a:r>
-            <a:r>
-              <a:rPr lang="en-US" altLang="ko-KR" sz="1600" dirty="0" smtClean="0">
-                <a:solidFill>
-                  <a:srgbClr val="0000FF"/>
-                </a:solidFill>
-                <a:latin typeface="리디바탕" panose="020B0600000101010101" pitchFamily="34" charset="-127"/>
-                <a:ea typeface="리디바탕" panose="020B0600000101010101" pitchFamily="34" charset="-127"/>
-              </a:rPr>
-              <a:t> </a:t>
-            </a:r>
-            <a:r>
-              <a:rPr lang="en-US" altLang="ko-KR" sz="1600" dirty="0" smtClean="0">
                 <a:latin typeface="리디바탕" panose="020B0600000101010101" pitchFamily="34" charset="-127"/>
                 <a:ea typeface="리디바탕" panose="020B0600000101010101" pitchFamily="34" charset="-127"/>
               </a:rPr>
@@ -5315,7 +5107,7 @@
           <a:lstStyle/>
           <a:p>
             <a:r>
-              <a:rPr lang="en-US" altLang="ko-KR" sz="1600" dirty="0" smtClean="0">
+              <a:rPr lang="en-US" altLang="ko-KR" sz="1600" dirty="0">
                 <a:solidFill>
                   <a:srgbClr val="FF0000"/>
                 </a:solidFill>
@@ -5325,14 +5117,14 @@
               <a:t>key7 </a:t>
             </a:r>
             <a:r>
-              <a:rPr lang="en-US" altLang="ko-KR" sz="1600" dirty="0" smtClean="0">
+              <a:rPr lang="en-US" altLang="ko-KR" sz="1600" dirty="0">
                 <a:latin typeface="리디바탕" panose="020B0600000101010101" pitchFamily="34" charset="-127"/>
                 <a:ea typeface="리디바탕" panose="020B0600000101010101" pitchFamily="34" charset="-127"/>
               </a:rPr>
               <a:t>:</a:t>
             </a:r>
             <a:r>
-              <a:rPr lang="en-US" altLang="ko-KR" sz="1600" dirty="0" smtClean="0">
+              <a:rPr lang="en-US" altLang="ko-KR" sz="1600" dirty="0">
                 <a:solidFill>
                   <a:srgbClr val="FF0000"/>
                 </a:solidFill>
@@ -5342,24 +5134,14 @@
               <a:t> </a:t>
             </a:r>
             <a:r>
-              <a:rPr lang="en-US" altLang="ko-KR" sz="1600" dirty="0" smtClean="0">
+              <a:rPr lang="en-US" altLang="ko-KR" sz="1600" dirty="0">
                 <a:solidFill>
                   <a:srgbClr val="0000FF"/>
                 </a:solidFill>
                 <a:latin typeface="리디바탕" panose="020B0600000101010101" pitchFamily="34" charset="-127"/>
                 <a:ea typeface="리디바탕" panose="020B0600000101010101" pitchFamily="34" charset="-127"/>
               </a:rPr>
-              <a:t>value7</a:t>
-            </a:r>
-            <a:r>
-              <a:rPr lang="en-US" altLang="ko-KR" sz="1600" dirty="0">
-                <a:solidFill>
-                  <a:srgbClr val="0000FF"/>
-                </a:solidFill>
-                <a:latin typeface="리디바탕" panose="020B0600000101010101" pitchFamily="34" charset="-127"/>
-                <a:ea typeface="리디바탕" panose="020B0600000101010101" pitchFamily="34" charset="-127"/>
-              </a:rPr>
-              <a:t>-c</a:t>
+              <a:t>value7-c</a:t>
             </a:r>
             <a:endParaRPr lang="ko-KR" altLang="en-US" sz="1600" dirty="0">
               <a:latin typeface="리디바탕" panose="020B0600000101010101" pitchFamily="34" charset="-127"/>
@@ -5419,17 +5201,17 @@
                 <a:latin typeface="리디바탕" panose="020B0600000101010101" pitchFamily="34" charset="-127"/>
                 <a:ea typeface="리디바탕" panose="020B0600000101010101" pitchFamily="34" charset="-127"/>
               </a:rPr>
-              <a:t>위의 </a:t>
-            </a:r>
-            <a:r>
-              <a:rPr lang="ko-KR" altLang="en-US" dirty="0" smtClean="0">
+              <a:t>위의 사전 ‘들</a:t>
+            </a:r>
+            <a:r>
+              <a:rPr lang="en-US" altLang="ko-KR" dirty="0">
                 <a:solidFill>
                   <a:schemeClr val="tx1"/>
                 </a:solidFill>
                 <a:latin typeface="리디바탕" panose="020B0600000101010101" pitchFamily="34" charset="-127"/>
                 <a:ea typeface="리디바탕" panose="020B0600000101010101" pitchFamily="34" charset="-127"/>
               </a:rPr>
-              <a:t>사전 ‘</a:t>
+              <a:t>’ </a:t>
             </a:r>
             <a:r>
               <a:rPr lang="ko-KR" altLang="en-US" dirty="0">
@@ -5439,127 +5221,47 @@
                 <a:latin typeface="리디바탕" panose="020B0600000101010101" pitchFamily="34" charset="-127"/>
                 <a:ea typeface="리디바탕" panose="020B0600000101010101" pitchFamily="34" charset="-127"/>
               </a:rPr>
-              <a:t>들</a:t>
-            </a:r>
-            <a:r>
-              <a:rPr lang="en-US" altLang="ko-KR" dirty="0" smtClean="0">
+              <a:t>에서</a:t>
+            </a:r>
+            <a:r>
+              <a:rPr lang="en-US" altLang="ko-KR" dirty="0">
                 <a:solidFill>
                   <a:schemeClr val="tx1"/>
                 </a:solidFill>
                 <a:latin typeface="리디바탕" panose="020B0600000101010101" pitchFamily="34" charset="-127"/>
                 <a:ea typeface="리디바탕" panose="020B0600000101010101" pitchFamily="34" charset="-127"/>
               </a:rPr>
+              <a:t>, key3 </a:t>
+            </a:r>
+            <a:r>
+              <a:rPr lang="ko-KR" altLang="en-US" dirty="0">
+                <a:solidFill>
+                  <a:schemeClr val="tx1"/>
+                </a:solidFill>
+                <a:latin typeface="리디바탕" panose="020B0600000101010101" pitchFamily="34" charset="-127"/>
+                <a:ea typeface="리디바탕" panose="020B0600000101010101" pitchFamily="34" charset="-127"/>
+              </a:rPr>
+              <a:t>에 해당하는 값 ‘들</a:t>
+            </a:r>
+            <a:r>
+              <a:rPr lang="en-US" altLang="ko-KR" dirty="0">
+                <a:solidFill>
+                  <a:schemeClr val="tx1"/>
+                </a:solidFill>
+                <a:latin typeface="리디바탕" panose="020B0600000101010101" pitchFamily="34" charset="-127"/>
+                <a:ea typeface="리디바탕" panose="020B0600000101010101" pitchFamily="34" charset="-127"/>
+              </a:rPr>
               <a:t>’ </a:t>
             </a:r>
             <a:r>
-              <a:rPr lang="ko-KR" altLang="en-US" dirty="0" smtClean="0">
+              <a:rPr lang="ko-KR" altLang="en-US" dirty="0">
                 <a:solidFill>
                   <a:schemeClr val="tx1"/>
                 </a:solidFill>
                 <a:latin typeface="리디바탕" panose="020B0600000101010101" pitchFamily="34" charset="-127"/>
                 <a:ea typeface="리디바탕" panose="020B0600000101010101" pitchFamily="34" charset="-127"/>
               </a:rPr>
-              <a:t>에서</a:t>
-            </a:r>
-            <a:r>
-              <a:rPr lang="en-US" altLang="ko-KR" dirty="0">
-                <a:solidFill>
-                  <a:schemeClr val="tx1"/>
-                </a:solidFill>
-                <a:latin typeface="리디바탕" panose="020B0600000101010101" pitchFamily="34" charset="-127"/>
-                <a:ea typeface="리디바탕" panose="020B0600000101010101" pitchFamily="34" charset="-127"/>
-              </a:rPr>
-              <a:t>, </a:t>
-            </a:r>
-            <a:r>
-              <a:rPr lang="en-US" altLang="ko-KR" dirty="0" smtClean="0">
-                <a:solidFill>
-                  <a:schemeClr val="tx1"/>
-                </a:solidFill>
-                <a:latin typeface="리디바탕" panose="020B0600000101010101" pitchFamily="34" charset="-127"/>
-                <a:ea typeface="리디바탕" panose="020B0600000101010101" pitchFamily="34" charset="-127"/>
-              </a:rPr>
-              <a:t>key3 </a:t>
-            </a:r>
-            <a:r>
-              <a:rPr lang="ko-KR" altLang="en-US" dirty="0" smtClean="0">
-                <a:solidFill>
-                  <a:schemeClr val="tx1"/>
-                </a:solidFill>
-                <a:latin typeface="리디바탕" panose="020B0600000101010101" pitchFamily="34" charset="-127"/>
-                <a:ea typeface="리디바탕" panose="020B0600000101010101" pitchFamily="34" charset="-127"/>
-              </a:rPr>
-              <a:t>에 </a:t>
-            </a:r>
-            <a:r>
-              <a:rPr lang="ko-KR" altLang="en-US" dirty="0">
-                <a:solidFill>
-                  <a:schemeClr val="tx1"/>
-                </a:solidFill>
-                <a:latin typeface="리디바탕" panose="020B0600000101010101" pitchFamily="34" charset="-127"/>
-                <a:ea typeface="리디바탕" panose="020B0600000101010101" pitchFamily="34" charset="-127"/>
-              </a:rPr>
-              <a:t>해당하는 </a:t>
-            </a:r>
-            <a:r>
-              <a:rPr lang="ko-KR" altLang="en-US" dirty="0" smtClean="0">
-                <a:solidFill>
-                  <a:schemeClr val="tx1"/>
-                </a:solidFill>
-                <a:latin typeface="리디바탕" panose="020B0600000101010101" pitchFamily="34" charset="-127"/>
-                <a:ea typeface="리디바탕" panose="020B0600000101010101" pitchFamily="34" charset="-127"/>
-              </a:rPr>
-              <a:t>값</a:t>
-            </a:r>
-            <a:r>
-              <a:rPr lang="ko-KR" altLang="en-US" dirty="0">
-                <a:solidFill>
-                  <a:schemeClr val="tx1"/>
-                </a:solidFill>
-                <a:latin typeface="리디바탕" panose="020B0600000101010101" pitchFamily="34" charset="-127"/>
-                <a:ea typeface="리디바탕" panose="020B0600000101010101" pitchFamily="34" charset="-127"/>
-              </a:rPr>
-              <a:t> ‘들</a:t>
-            </a:r>
-            <a:r>
-              <a:rPr lang="en-US" altLang="ko-KR" dirty="0">
-                <a:solidFill>
-                  <a:schemeClr val="tx1"/>
-                </a:solidFill>
-                <a:latin typeface="리디바탕" panose="020B0600000101010101" pitchFamily="34" charset="-127"/>
-                <a:ea typeface="리디바탕" panose="020B0600000101010101" pitchFamily="34" charset="-127"/>
-              </a:rPr>
-              <a:t>’ </a:t>
-            </a:r>
-            <a:r>
-              <a:rPr lang="ko-KR" altLang="en-US" dirty="0" smtClean="0">
-                <a:solidFill>
-                  <a:schemeClr val="tx1"/>
-                </a:solidFill>
-                <a:latin typeface="리디바탕" panose="020B0600000101010101" pitchFamily="34" charset="-127"/>
-                <a:ea typeface="리디바탕" panose="020B0600000101010101" pitchFamily="34" charset="-127"/>
-              </a:rPr>
-              <a:t>을 </a:t>
-            </a:r>
-            <a:r>
-              <a:rPr lang="ko-KR" altLang="en-US" dirty="0">
-                <a:solidFill>
-                  <a:schemeClr val="tx1"/>
-                </a:solidFill>
-                <a:latin typeface="리디바탕" panose="020B0600000101010101" pitchFamily="34" charset="-127"/>
-                <a:ea typeface="리디바탕" panose="020B0600000101010101" pitchFamily="34" charset="-127"/>
-              </a:rPr>
-              <a:t>찾아서 </a:t>
-            </a:r>
-            <a:r>
-              <a:rPr lang="ko-KR" altLang="en-US" dirty="0" smtClean="0">
-                <a:solidFill>
-                  <a:schemeClr val="tx1"/>
-                </a:solidFill>
-                <a:latin typeface="리디바탕" panose="020B0600000101010101" pitchFamily="34" charset="-127"/>
-                <a:ea typeface="리디바탕" panose="020B0600000101010101" pitchFamily="34" charset="-127"/>
-              </a:rPr>
-              <a:t>돌려 줄래</a:t>
+              <a:t>을 찾아서 돌려 줄래</a:t>
             </a:r>
             <a:r>
               <a:rPr lang="en-US" altLang="ko-KR" dirty="0">
@@ -5621,7 +5323,7 @@
           <a:p>
             <a:pPr algn="ctr"/>
             <a:r>
-              <a:rPr lang="en-US" altLang="ko-KR" dirty="0" smtClean="0">
+              <a:rPr lang="en-US" altLang="ko-KR" dirty="0">
                 <a:solidFill>
                   <a:schemeClr val="tx1"/>
                 </a:solidFill>
@@ -5631,7 +5333,7 @@
               <a:t>value3-a, value3-b, value3-c </a:t>
             </a:r>
             <a:r>
-              <a:rPr lang="ko-KR" altLang="en-US" dirty="0" smtClean="0">
+              <a:rPr lang="ko-KR" altLang="en-US" dirty="0">
                 <a:solidFill>
                   <a:schemeClr val="tx1"/>
                 </a:solidFill>
@@ -5641,7 +5343,7 @@
               <a:t>입니다</a:t>
             </a:r>
             <a:r>
-              <a:rPr lang="en-US" altLang="ko-KR" dirty="0" smtClean="0">
+              <a:rPr lang="en-US" altLang="ko-KR" dirty="0">
                 <a:solidFill>
                   <a:schemeClr val="tx1"/>
                 </a:solidFill>
@@ -5650,13 +5352,6 @@
               </a:rPr>
               <a:t>.</a:t>
             </a:r>
-            <a:endParaRPr lang="en-US" altLang="ko-KR" dirty="0">
-              <a:solidFill>
-                <a:schemeClr val="tx1"/>
-              </a:solidFill>
-              <a:latin typeface="리디바탕" panose="020B0600000101010101" pitchFamily="34" charset="-127"/>
-              <a:ea typeface="리디바탕" panose="020B0600000101010101" pitchFamily="34" charset="-127"/>
-            </a:endParaRPr>
           </a:p>
         </p:txBody>
       </p:sp>
@@ -5688,7 +5383,7 @@
               </a:lnSpc>
             </a:pPr>
             <a:r>
-              <a:rPr lang="en-US" altLang="ko-KR" sz="2800" dirty="0" smtClean="0">
+              <a:rPr lang="en-US" altLang="ko-KR" sz="2800" dirty="0">
                 <a:solidFill>
                   <a:schemeClr val="tx1">
                     <a:lumMod val="50000"/>
@@ -5731,7 +5426,7 @@
               </a:lnSpc>
             </a:pPr>
             <a:r>
-              <a:rPr lang="en-US" altLang="ko-KR" sz="2800" dirty="0" smtClean="0">
+              <a:rPr lang="en-US" altLang="ko-KR" sz="2800" dirty="0">
                 <a:solidFill>
                   <a:schemeClr val="tx1">
                     <a:lumMod val="50000"/>
@@ -5741,7 +5436,7 @@
                 <a:latin typeface="리디바탕" panose="020B0600000101010101" pitchFamily="34" charset="-127"/>
                 <a:ea typeface="리디바탕" panose="020B0600000101010101" pitchFamily="34" charset="-127"/>
               </a:rPr>
-              <a:t>}</a:t>
+              <a:t>},</a:t>
             </a:r>
           </a:p>
         </p:txBody>
@@ -5776,37 +5471,27 @@
                 <a:latin typeface="리디바탕" panose="020B0600000101010101" pitchFamily="34" charset="-127"/>
                 <a:ea typeface="리디바탕" panose="020B0600000101010101" pitchFamily="34" charset="-127"/>
               </a:rPr>
-              <a:t>k</a:t>
-            </a:r>
-            <a:r>
-              <a:rPr lang="en-US" altLang="ko-KR" sz="1600" dirty="0" smtClean="0">
+              <a:t>key1 </a:t>
+            </a:r>
+            <a:r>
+              <a:rPr lang="en-US" altLang="ko-KR" sz="1600" dirty="0">
+                <a:latin typeface="리디바탕" panose="020B0600000101010101" pitchFamily="34" charset="-127"/>
+                <a:ea typeface="리디바탕" panose="020B0600000101010101" pitchFamily="34" charset="-127"/>
+              </a:rPr>
+              <a:t>:</a:t>
+            </a:r>
+            <a:r>
+              <a:rPr lang="en-US" altLang="ko-KR" sz="1600" dirty="0">
                 <a:solidFill>
                   <a:srgbClr val="FF0000"/>
                 </a:solidFill>
                 <a:latin typeface="리디바탕" panose="020B0600000101010101" pitchFamily="34" charset="-127"/>
                 <a:ea typeface="리디바탕" panose="020B0600000101010101" pitchFamily="34" charset="-127"/>
               </a:rPr>
-              <a:t>ey1 </a:t>
-            </a:r>
-            <a:r>
-              <a:rPr lang="en-US" altLang="ko-KR" sz="1600" dirty="0" smtClean="0">
-                <a:latin typeface="리디바탕" panose="020B0600000101010101" pitchFamily="34" charset="-127"/>
-                <a:ea typeface="리디바탕" panose="020B0600000101010101" pitchFamily="34" charset="-127"/>
-              </a:rPr>
-              <a:t>:</a:t>
-            </a:r>
-            <a:r>
-              <a:rPr lang="en-US" altLang="ko-KR" sz="1600" dirty="0" smtClean="0">
-                <a:solidFill>
-                  <a:srgbClr val="FF0000"/>
-                </a:solidFill>
-                <a:latin typeface="리디바탕" panose="020B0600000101010101" pitchFamily="34" charset="-127"/>
-                <a:ea typeface="리디바탕" panose="020B0600000101010101" pitchFamily="34" charset="-127"/>
-              </a:rPr>
               <a:t> </a:t>
             </a:r>
             <a:r>
-              <a:rPr lang="en-US" altLang="ko-KR" sz="1600" dirty="0" smtClean="0">
+              <a:rPr lang="en-US" altLang="ko-KR" sz="1600" dirty="0">
                 <a:solidFill>
                   <a:srgbClr val="0000FF"/>
                 </a:solidFill>
@@ -5816,7 +5501,7 @@
               <a:t>value1-b </a:t>
             </a:r>
             <a:r>
-              <a:rPr lang="en-US" altLang="ko-KR" sz="1600" dirty="0" smtClean="0">
+              <a:rPr lang="en-US" altLang="ko-KR" sz="1600" dirty="0">
                 <a:latin typeface="리디바탕" panose="020B0600000101010101" pitchFamily="34" charset="-127"/>
                 <a:ea typeface="리디바탕" panose="020B0600000101010101" pitchFamily="34" charset="-127"/>
               </a:rPr>
@@ -5852,7 +5537,7 @@
           <a:lstStyle/>
           <a:p>
             <a:r>
-              <a:rPr lang="en-US" altLang="ko-KR" sz="1600" dirty="0" smtClean="0">
+              <a:rPr lang="en-US" altLang="ko-KR" sz="1600" dirty="0">
                 <a:solidFill>
                   <a:srgbClr val="FF0000"/>
                 </a:solidFill>
@@ -5862,14 +5547,14 @@
               <a:t>key2 </a:t>
             </a:r>
             <a:r>
-              <a:rPr lang="en-US" altLang="ko-KR" sz="1600" dirty="0" smtClean="0">
+              <a:rPr lang="en-US" altLang="ko-KR" sz="1600" dirty="0">
                 <a:latin typeface="리디바탕" panose="020B0600000101010101" pitchFamily="34" charset="-127"/>
                 <a:ea typeface="리디바탕" panose="020B0600000101010101" pitchFamily="34" charset="-127"/>
               </a:rPr>
               <a:t>:</a:t>
             </a:r>
             <a:r>
-              <a:rPr lang="en-US" altLang="ko-KR" sz="1600" dirty="0" smtClean="0">
+              <a:rPr lang="en-US" altLang="ko-KR" sz="1600" dirty="0">
                 <a:solidFill>
                   <a:srgbClr val="FF0000"/>
                 </a:solidFill>
@@ -5879,37 +5564,17 @@
               <a:t> </a:t>
             </a:r>
             <a:r>
-              <a:rPr lang="en-US" altLang="ko-KR" sz="1600" dirty="0" smtClean="0">
+              <a:rPr lang="en-US" altLang="ko-KR" sz="1600" dirty="0">
                 <a:solidFill>
                   <a:srgbClr val="0000FF"/>
                 </a:solidFill>
                 <a:latin typeface="리디바탕" panose="020B0600000101010101" pitchFamily="34" charset="-127"/>
                 <a:ea typeface="리디바탕" panose="020B0600000101010101" pitchFamily="34" charset="-127"/>
               </a:rPr>
-              <a:t>value2</a:t>
+              <a:t>value2-b </a:t>
             </a:r>
             <a:r>
               <a:rPr lang="en-US" altLang="ko-KR" sz="1600" dirty="0">
-                <a:solidFill>
-                  <a:srgbClr val="0000FF"/>
-                </a:solidFill>
-                <a:latin typeface="리디바탕" panose="020B0600000101010101" pitchFamily="34" charset="-127"/>
-                <a:ea typeface="리디바탕" panose="020B0600000101010101" pitchFamily="34" charset="-127"/>
-              </a:rPr>
-              <a:t>-b</a:t>
-            </a:r>
-            <a:r>
-              <a:rPr lang="en-US" altLang="ko-KR" sz="1600" dirty="0" smtClean="0">
-                <a:solidFill>
-                  <a:srgbClr val="0000FF"/>
-                </a:solidFill>
-                <a:latin typeface="리디바탕" panose="020B0600000101010101" pitchFamily="34" charset="-127"/>
-                <a:ea typeface="리디바탕" panose="020B0600000101010101" pitchFamily="34" charset="-127"/>
-              </a:rPr>
-              <a:t> </a:t>
-            </a:r>
-            <a:r>
-              <a:rPr lang="en-US" altLang="ko-KR" sz="1600" dirty="0" smtClean="0">
                 <a:latin typeface="리디바탕" panose="020B0600000101010101" pitchFamily="34" charset="-127"/>
                 <a:ea typeface="리디바탕" panose="020B0600000101010101" pitchFamily="34" charset="-127"/>
               </a:rPr>
@@ -5945,7 +5610,7 @@
           <a:lstStyle/>
           <a:p>
             <a:r>
-              <a:rPr lang="en-US" altLang="ko-KR" sz="1600" dirty="0" smtClean="0">
+              <a:rPr lang="en-US" altLang="ko-KR" sz="1600" dirty="0">
                 <a:solidFill>
                   <a:srgbClr val="FF0000"/>
                 </a:solidFill>
@@ -5955,14 +5620,14 @@
               <a:t>key3 </a:t>
             </a:r>
             <a:r>
-              <a:rPr lang="en-US" altLang="ko-KR" sz="1600" dirty="0" smtClean="0">
+              <a:rPr lang="en-US" altLang="ko-KR" sz="1600" dirty="0">
                 <a:latin typeface="리디바탕" panose="020B0600000101010101" pitchFamily="34" charset="-127"/>
                 <a:ea typeface="리디바탕" panose="020B0600000101010101" pitchFamily="34" charset="-127"/>
               </a:rPr>
               <a:t>:</a:t>
             </a:r>
             <a:r>
-              <a:rPr lang="en-US" altLang="ko-KR" sz="1600" dirty="0" smtClean="0">
+              <a:rPr lang="en-US" altLang="ko-KR" sz="1600" dirty="0">
                 <a:solidFill>
                   <a:srgbClr val="FF0000"/>
                 </a:solidFill>
@@ -5972,37 +5637,17 @@
               <a:t> </a:t>
             </a:r>
             <a:r>
-              <a:rPr lang="en-US" altLang="ko-KR" sz="1600" dirty="0" smtClean="0">
+              <a:rPr lang="en-US" altLang="ko-KR" sz="1600" dirty="0">
                 <a:solidFill>
                   <a:srgbClr val="0000FF"/>
                 </a:solidFill>
                 <a:latin typeface="리디바탕" panose="020B0600000101010101" pitchFamily="34" charset="-127"/>
                 <a:ea typeface="리디바탕" panose="020B0600000101010101" pitchFamily="34" charset="-127"/>
               </a:rPr>
-              <a:t>value3</a:t>
+              <a:t>value3-b </a:t>
             </a:r>
             <a:r>
               <a:rPr lang="en-US" altLang="ko-KR" sz="1600" dirty="0">
-                <a:solidFill>
-                  <a:srgbClr val="0000FF"/>
-                </a:solidFill>
-                <a:latin typeface="리디바탕" panose="020B0600000101010101" pitchFamily="34" charset="-127"/>
-                <a:ea typeface="리디바탕" panose="020B0600000101010101" pitchFamily="34" charset="-127"/>
-              </a:rPr>
-              <a:t>-b</a:t>
-            </a:r>
-            <a:r>
-              <a:rPr lang="en-US" altLang="ko-KR" sz="1600" dirty="0" smtClean="0">
-                <a:solidFill>
-                  <a:srgbClr val="0000FF"/>
-                </a:solidFill>
-                <a:latin typeface="리디바탕" panose="020B0600000101010101" pitchFamily="34" charset="-127"/>
-                <a:ea typeface="리디바탕" panose="020B0600000101010101" pitchFamily="34" charset="-127"/>
-              </a:rPr>
-              <a:t> </a:t>
-            </a:r>
-            <a:r>
-              <a:rPr lang="en-US" altLang="ko-KR" sz="1600" dirty="0" smtClean="0">
                 <a:latin typeface="리디바탕" panose="020B0600000101010101" pitchFamily="34" charset="-127"/>
                 <a:ea typeface="리디바탕" panose="020B0600000101010101" pitchFamily="34" charset="-127"/>
               </a:rPr>
@@ -6038,7 +5683,7 @@
           <a:lstStyle/>
           <a:p>
             <a:r>
-              <a:rPr lang="en-US" altLang="ko-KR" sz="1600" dirty="0" smtClean="0">
+              <a:rPr lang="en-US" altLang="ko-KR" sz="1600" dirty="0">
                 <a:solidFill>
                   <a:srgbClr val="FF0000"/>
                 </a:solidFill>
@@ -6048,14 +5693,14 @@
               <a:t>key4 </a:t>
             </a:r>
             <a:r>
-              <a:rPr lang="en-US" altLang="ko-KR" sz="1600" dirty="0" smtClean="0">
+              <a:rPr lang="en-US" altLang="ko-KR" sz="1600" dirty="0">
                 <a:latin typeface="리디바탕" panose="020B0600000101010101" pitchFamily="34" charset="-127"/>
                 <a:ea typeface="리디바탕" panose="020B0600000101010101" pitchFamily="34" charset="-127"/>
               </a:rPr>
               <a:t>:</a:t>
             </a:r>
             <a:r>
-              <a:rPr lang="en-US" altLang="ko-KR" sz="1600" dirty="0" smtClean="0">
+              <a:rPr lang="en-US" altLang="ko-KR" sz="1600" dirty="0">
                 <a:solidFill>
                   <a:srgbClr val="FF0000"/>
                 </a:solidFill>
@@ -6065,37 +5710,17 @@
               <a:t> </a:t>
             </a:r>
             <a:r>
-              <a:rPr lang="en-US" altLang="ko-KR" sz="1600" dirty="0" smtClean="0">
+              <a:rPr lang="en-US" altLang="ko-KR" sz="1600" dirty="0">
                 <a:solidFill>
                   <a:srgbClr val="0000FF"/>
                 </a:solidFill>
                 <a:latin typeface="리디바탕" panose="020B0600000101010101" pitchFamily="34" charset="-127"/>
                 <a:ea typeface="리디바탕" panose="020B0600000101010101" pitchFamily="34" charset="-127"/>
               </a:rPr>
-              <a:t>value4</a:t>
+              <a:t>value4-b </a:t>
             </a:r>
             <a:r>
               <a:rPr lang="en-US" altLang="ko-KR" sz="1600" dirty="0">
-                <a:solidFill>
-                  <a:srgbClr val="0000FF"/>
-                </a:solidFill>
-                <a:latin typeface="리디바탕" panose="020B0600000101010101" pitchFamily="34" charset="-127"/>
-                <a:ea typeface="리디바탕" panose="020B0600000101010101" pitchFamily="34" charset="-127"/>
-              </a:rPr>
-              <a:t>-b</a:t>
-            </a:r>
-            <a:r>
-              <a:rPr lang="en-US" altLang="ko-KR" sz="1600" dirty="0" smtClean="0">
-                <a:solidFill>
-                  <a:srgbClr val="0000FF"/>
-                </a:solidFill>
-                <a:latin typeface="리디바탕" panose="020B0600000101010101" pitchFamily="34" charset="-127"/>
-                <a:ea typeface="리디바탕" panose="020B0600000101010101" pitchFamily="34" charset="-127"/>
-              </a:rPr>
-              <a:t> </a:t>
-            </a:r>
-            <a:r>
-              <a:rPr lang="en-US" altLang="ko-KR" sz="1600" dirty="0" smtClean="0">
                 <a:latin typeface="리디바탕" panose="020B0600000101010101" pitchFamily="34" charset="-127"/>
                 <a:ea typeface="리디바탕" panose="020B0600000101010101" pitchFamily="34" charset="-127"/>
               </a:rPr>
@@ -6131,7 +5756,7 @@
           <a:lstStyle/>
           <a:p>
             <a:r>
-              <a:rPr lang="en-US" altLang="ko-KR" sz="1600" dirty="0" smtClean="0">
+              <a:rPr lang="en-US" altLang="ko-KR" sz="1600" dirty="0">
                 <a:solidFill>
                   <a:srgbClr val="FF0000"/>
                 </a:solidFill>
@@ -6141,14 +5766,14 @@
               <a:t>key5 </a:t>
             </a:r>
             <a:r>
-              <a:rPr lang="en-US" altLang="ko-KR" sz="1600" dirty="0" smtClean="0">
+              <a:rPr lang="en-US" altLang="ko-KR" sz="1600" dirty="0">
                 <a:latin typeface="리디바탕" panose="020B0600000101010101" pitchFamily="34" charset="-127"/>
                 <a:ea typeface="리디바탕" panose="020B0600000101010101" pitchFamily="34" charset="-127"/>
               </a:rPr>
               <a:t>:</a:t>
             </a:r>
             <a:r>
-              <a:rPr lang="en-US" altLang="ko-KR" sz="1600" dirty="0" smtClean="0">
+              <a:rPr lang="en-US" altLang="ko-KR" sz="1600" dirty="0">
                 <a:solidFill>
                   <a:srgbClr val="FF0000"/>
                 </a:solidFill>
@@ -6158,37 +5783,17 @@
               <a:t> </a:t>
             </a:r>
             <a:r>
-              <a:rPr lang="en-US" altLang="ko-KR" sz="1600" dirty="0" smtClean="0">
+              <a:rPr lang="en-US" altLang="ko-KR" sz="1600" dirty="0">
                 <a:solidFill>
                   <a:srgbClr val="0000FF"/>
                 </a:solidFill>
                 <a:latin typeface="리디바탕" panose="020B0600000101010101" pitchFamily="34" charset="-127"/>
                 <a:ea typeface="리디바탕" panose="020B0600000101010101" pitchFamily="34" charset="-127"/>
               </a:rPr>
-              <a:t>value6</a:t>
+              <a:t>value6-b </a:t>
             </a:r>
             <a:r>
               <a:rPr lang="en-US" altLang="ko-KR" sz="1600" dirty="0">
-                <a:solidFill>
-                  <a:srgbClr val="0000FF"/>
-                </a:solidFill>
-                <a:latin typeface="리디바탕" panose="020B0600000101010101" pitchFamily="34" charset="-127"/>
-                <a:ea typeface="리디바탕" panose="020B0600000101010101" pitchFamily="34" charset="-127"/>
-              </a:rPr>
-              <a:t>-b</a:t>
-            </a:r>
-            <a:r>
-              <a:rPr lang="en-US" altLang="ko-KR" sz="1600" dirty="0" smtClean="0">
-                <a:solidFill>
-                  <a:srgbClr val="0000FF"/>
-                </a:solidFill>
-                <a:latin typeface="리디바탕" panose="020B0600000101010101" pitchFamily="34" charset="-127"/>
-                <a:ea typeface="리디바탕" panose="020B0600000101010101" pitchFamily="34" charset="-127"/>
-              </a:rPr>
-              <a:t> </a:t>
-            </a:r>
-            <a:r>
-              <a:rPr lang="en-US" altLang="ko-KR" sz="1600" dirty="0" smtClean="0">
                 <a:latin typeface="리디바탕" panose="020B0600000101010101" pitchFamily="34" charset="-127"/>
                 <a:ea typeface="리디바탕" panose="020B0600000101010101" pitchFamily="34" charset="-127"/>
               </a:rPr>
@@ -6224,7 +5829,7 @@
           <a:lstStyle/>
           <a:p>
             <a:r>
-              <a:rPr lang="en-US" altLang="ko-KR" sz="1600" dirty="0" smtClean="0">
+              <a:rPr lang="en-US" altLang="ko-KR" sz="1600" dirty="0">
                 <a:solidFill>
                   <a:srgbClr val="FF0000"/>
                 </a:solidFill>
@@ -6234,14 +5839,14 @@
               <a:t>key7 </a:t>
             </a:r>
             <a:r>
-              <a:rPr lang="en-US" altLang="ko-KR" sz="1600" dirty="0" smtClean="0">
+              <a:rPr lang="en-US" altLang="ko-KR" sz="1600" dirty="0">
                 <a:latin typeface="리디바탕" panose="020B0600000101010101" pitchFamily="34" charset="-127"/>
                 <a:ea typeface="리디바탕" panose="020B0600000101010101" pitchFamily="34" charset="-127"/>
               </a:rPr>
               <a:t>:</a:t>
             </a:r>
             <a:r>
-              <a:rPr lang="en-US" altLang="ko-KR" sz="1600" dirty="0" smtClean="0">
+              <a:rPr lang="en-US" altLang="ko-KR" sz="1600" dirty="0">
                 <a:solidFill>
                   <a:srgbClr val="FF0000"/>
                 </a:solidFill>
@@ -6251,24 +5856,14 @@
               <a:t> </a:t>
             </a:r>
             <a:r>
-              <a:rPr lang="en-US" altLang="ko-KR" sz="1600" dirty="0" smtClean="0">
+              <a:rPr lang="en-US" altLang="ko-KR" sz="1600" dirty="0">
                 <a:solidFill>
                   <a:srgbClr val="0000FF"/>
                 </a:solidFill>
                 <a:latin typeface="리디바탕" panose="020B0600000101010101" pitchFamily="34" charset="-127"/>
                 <a:ea typeface="리디바탕" panose="020B0600000101010101" pitchFamily="34" charset="-127"/>
               </a:rPr>
-              <a:t>value7</a:t>
-            </a:r>
-            <a:r>
-              <a:rPr lang="en-US" altLang="ko-KR" sz="1600" dirty="0">
-                <a:solidFill>
-                  <a:srgbClr val="0000FF"/>
-                </a:solidFill>
-                <a:latin typeface="리디바탕" panose="020B0600000101010101" pitchFamily="34" charset="-127"/>
-                <a:ea typeface="리디바탕" panose="020B0600000101010101" pitchFamily="34" charset="-127"/>
-              </a:rPr>
-              <a:t>-b</a:t>
+              <a:t>value7-b</a:t>
             </a:r>
             <a:endParaRPr lang="ko-KR" altLang="en-US" sz="1600" dirty="0">
               <a:latin typeface="리디바탕" panose="020B0600000101010101" pitchFamily="34" charset="-127"/>
@@ -6285,8 +5880,8 @@
         </p:nvSpPr>
         <p:spPr>
           <a:xfrm>
-            <a:off x="986972" y="1736304"/>
-            <a:ext cx="476068" cy="738664"/>
+            <a:off x="891275" y="1736304"/>
+            <a:ext cx="476068" cy="663258"/>
           </a:xfrm>
           <a:prstGeom prst="rect">
             <a:avLst/>
@@ -6305,7 +5900,7 @@
               </a:lnSpc>
             </a:pPr>
             <a:r>
-              <a:rPr lang="en-US" altLang="ko-KR" sz="2800" dirty="0" smtClean="0">
+              <a:rPr lang="en-US" altLang="ko-KR" sz="2800" dirty="0">
                 <a:solidFill>
                   <a:schemeClr val="tx1">
                     <a:lumMod val="50000"/>
@@ -6315,7 +5910,7 @@
                 <a:latin typeface="리디바탕" panose="020B0600000101010101" pitchFamily="34" charset="-127"/>
                 <a:ea typeface="리디바탕" panose="020B0600000101010101" pitchFamily="34" charset="-127"/>
               </a:rPr>
-              <a:t>{</a:t>
+              <a:t>[{</a:t>
             </a:r>
           </a:p>
         </p:txBody>
@@ -6348,7 +5943,7 @@
               </a:lnSpc>
             </a:pPr>
             <a:r>
-              <a:rPr lang="en-US" altLang="ko-KR" sz="2800" dirty="0" smtClean="0">
+              <a:rPr lang="en-US" altLang="ko-KR" sz="2800" dirty="0">
                 <a:solidFill>
                   <a:schemeClr val="tx1">
                     <a:lumMod val="50000"/>
@@ -6358,7 +5953,7 @@
                 <a:latin typeface="리디바탕" panose="020B0600000101010101" pitchFamily="34" charset="-127"/>
                 <a:ea typeface="리디바탕" panose="020B0600000101010101" pitchFamily="34" charset="-127"/>
               </a:rPr>
-              <a:t>}</a:t>
+              <a:t>},</a:t>
             </a:r>
           </a:p>
         </p:txBody>
@@ -6393,37 +5988,27 @@
                 <a:latin typeface="리디바탕" panose="020B0600000101010101" pitchFamily="34" charset="-127"/>
                 <a:ea typeface="리디바탕" panose="020B0600000101010101" pitchFamily="34" charset="-127"/>
               </a:rPr>
-              <a:t>k</a:t>
-            </a:r>
-            <a:r>
-              <a:rPr lang="en-US" altLang="ko-KR" sz="1600" dirty="0" smtClean="0">
+              <a:t>key1 </a:t>
+            </a:r>
+            <a:r>
+              <a:rPr lang="en-US" altLang="ko-KR" sz="1600" dirty="0">
+                <a:latin typeface="리디바탕" panose="020B0600000101010101" pitchFamily="34" charset="-127"/>
+                <a:ea typeface="리디바탕" panose="020B0600000101010101" pitchFamily="34" charset="-127"/>
+              </a:rPr>
+              <a:t>:</a:t>
+            </a:r>
+            <a:r>
+              <a:rPr lang="en-US" altLang="ko-KR" sz="1600" dirty="0">
                 <a:solidFill>
                   <a:srgbClr val="FF0000"/>
                 </a:solidFill>
                 <a:latin typeface="리디바탕" panose="020B0600000101010101" pitchFamily="34" charset="-127"/>
                 <a:ea typeface="리디바탕" panose="020B0600000101010101" pitchFamily="34" charset="-127"/>
               </a:rPr>
-              <a:t>ey1 </a:t>
-            </a:r>
-            <a:r>
-              <a:rPr lang="en-US" altLang="ko-KR" sz="1600" dirty="0" smtClean="0">
-                <a:latin typeface="리디바탕" panose="020B0600000101010101" pitchFamily="34" charset="-127"/>
-                <a:ea typeface="리디바탕" panose="020B0600000101010101" pitchFamily="34" charset="-127"/>
-              </a:rPr>
-              <a:t>:</a:t>
-            </a:r>
-            <a:r>
-              <a:rPr lang="en-US" altLang="ko-KR" sz="1600" dirty="0" smtClean="0">
-                <a:solidFill>
-                  <a:srgbClr val="FF0000"/>
-                </a:solidFill>
-                <a:latin typeface="리디바탕" panose="020B0600000101010101" pitchFamily="34" charset="-127"/>
-                <a:ea typeface="리디바탕" panose="020B0600000101010101" pitchFamily="34" charset="-127"/>
-              </a:rPr>
               <a:t> </a:t>
             </a:r>
             <a:r>
-              <a:rPr lang="en-US" altLang="ko-KR" sz="1600" dirty="0" smtClean="0">
+              <a:rPr lang="en-US" altLang="ko-KR" sz="1600" dirty="0">
                 <a:solidFill>
                   <a:srgbClr val="0000FF"/>
                 </a:solidFill>
@@ -6433,7 +6018,7 @@
               <a:t>value1-a </a:t>
             </a:r>
             <a:r>
-              <a:rPr lang="en-US" altLang="ko-KR" sz="1600" dirty="0" smtClean="0">
+              <a:rPr lang="en-US" altLang="ko-KR" sz="1600" dirty="0">
                 <a:latin typeface="리디바탕" panose="020B0600000101010101" pitchFamily="34" charset="-127"/>
                 <a:ea typeface="리디바탕" panose="020B0600000101010101" pitchFamily="34" charset="-127"/>
               </a:rPr>
@@ -6469,7 +6054,7 @@
           <a:lstStyle/>
           <a:p>
             <a:r>
-              <a:rPr lang="en-US" altLang="ko-KR" sz="1600" dirty="0" smtClean="0">
+              <a:rPr lang="en-US" altLang="ko-KR" sz="1600" dirty="0">
                 <a:solidFill>
                   <a:srgbClr val="FF0000"/>
                 </a:solidFill>
@@ -6479,14 +6064,14 @@
               <a:t>key2 </a:t>
             </a:r>
             <a:r>
-              <a:rPr lang="en-US" altLang="ko-KR" sz="1600" dirty="0" smtClean="0">
+              <a:rPr lang="en-US" altLang="ko-KR" sz="1600" dirty="0">
                 <a:latin typeface="리디바탕" panose="020B0600000101010101" pitchFamily="34" charset="-127"/>
                 <a:ea typeface="리디바탕" panose="020B0600000101010101" pitchFamily="34" charset="-127"/>
               </a:rPr>
               <a:t>:</a:t>
             </a:r>
             <a:r>
-              <a:rPr lang="en-US" altLang="ko-KR" sz="1600" dirty="0" smtClean="0">
+              <a:rPr lang="en-US" altLang="ko-KR" sz="1600" dirty="0">
                 <a:solidFill>
                   <a:srgbClr val="FF0000"/>
                 </a:solidFill>
@@ -6496,37 +6081,17 @@
               <a:t> </a:t>
             </a:r>
             <a:r>
-              <a:rPr lang="en-US" altLang="ko-KR" sz="1600" dirty="0" smtClean="0">
+              <a:rPr lang="en-US" altLang="ko-KR" sz="1600" dirty="0">
                 <a:solidFill>
                   <a:srgbClr val="0000FF"/>
                 </a:solidFill>
                 <a:latin typeface="리디바탕" panose="020B0600000101010101" pitchFamily="34" charset="-127"/>
                 <a:ea typeface="리디바탕" panose="020B0600000101010101" pitchFamily="34" charset="-127"/>
               </a:rPr>
-              <a:t>value2</a:t>
+              <a:t>value2-a </a:t>
             </a:r>
             <a:r>
               <a:rPr lang="en-US" altLang="ko-KR" sz="1600" dirty="0">
-                <a:solidFill>
-                  <a:srgbClr val="0000FF"/>
-                </a:solidFill>
-                <a:latin typeface="리디바탕" panose="020B0600000101010101" pitchFamily="34" charset="-127"/>
-                <a:ea typeface="리디바탕" panose="020B0600000101010101" pitchFamily="34" charset="-127"/>
-              </a:rPr>
-              <a:t>-a</a:t>
-            </a:r>
-            <a:r>
-              <a:rPr lang="en-US" altLang="ko-KR" sz="1600" dirty="0" smtClean="0">
-                <a:solidFill>
-                  <a:srgbClr val="0000FF"/>
-                </a:solidFill>
-                <a:latin typeface="리디바탕" panose="020B0600000101010101" pitchFamily="34" charset="-127"/>
-                <a:ea typeface="리디바탕" panose="020B0600000101010101" pitchFamily="34" charset="-127"/>
-              </a:rPr>
-              <a:t> </a:t>
-            </a:r>
-            <a:r>
-              <a:rPr lang="en-US" altLang="ko-KR" sz="1600" dirty="0" smtClean="0">
                 <a:latin typeface="리디바탕" panose="020B0600000101010101" pitchFamily="34" charset="-127"/>
                 <a:ea typeface="리디바탕" panose="020B0600000101010101" pitchFamily="34" charset="-127"/>
               </a:rPr>
@@ -6562,7 +6127,7 @@
           <a:lstStyle/>
           <a:p>
             <a:r>
-              <a:rPr lang="en-US" altLang="ko-KR" sz="1600" dirty="0" smtClean="0">
+              <a:rPr lang="en-US" altLang="ko-KR" sz="1600" dirty="0">
                 <a:solidFill>
                   <a:srgbClr val="FF0000"/>
                 </a:solidFill>
@@ -6572,14 +6137,14 @@
               <a:t>key3 </a:t>
             </a:r>
             <a:r>
-              <a:rPr lang="en-US" altLang="ko-KR" sz="1600" dirty="0" smtClean="0">
+              <a:rPr lang="en-US" altLang="ko-KR" sz="1600" dirty="0">
                 <a:latin typeface="리디바탕" panose="020B0600000101010101" pitchFamily="34" charset="-127"/>
                 <a:ea typeface="리디바탕" panose="020B0600000101010101" pitchFamily="34" charset="-127"/>
               </a:rPr>
               <a:t>:</a:t>
             </a:r>
             <a:r>
-              <a:rPr lang="en-US" altLang="ko-KR" sz="1600" dirty="0" smtClean="0">
+              <a:rPr lang="en-US" altLang="ko-KR" sz="1600" dirty="0">
                 <a:solidFill>
                   <a:srgbClr val="FF0000"/>
                 </a:solidFill>
@@ -6589,37 +6154,17 @@
               <a:t> </a:t>
             </a:r>
             <a:r>
-              <a:rPr lang="en-US" altLang="ko-KR" sz="1600" dirty="0" smtClean="0">
+              <a:rPr lang="en-US" altLang="ko-KR" sz="1600" dirty="0">
                 <a:solidFill>
                   <a:srgbClr val="0000FF"/>
                 </a:solidFill>
                 <a:latin typeface="리디바탕" panose="020B0600000101010101" pitchFamily="34" charset="-127"/>
                 <a:ea typeface="리디바탕" panose="020B0600000101010101" pitchFamily="34" charset="-127"/>
               </a:rPr>
-              <a:t>value3</a:t>
+              <a:t>value3-a </a:t>
             </a:r>
             <a:r>
               <a:rPr lang="en-US" altLang="ko-KR" sz="1600" dirty="0">
-                <a:solidFill>
-                  <a:srgbClr val="0000FF"/>
-                </a:solidFill>
-                <a:latin typeface="리디바탕" panose="020B0600000101010101" pitchFamily="34" charset="-127"/>
-                <a:ea typeface="리디바탕" panose="020B0600000101010101" pitchFamily="34" charset="-127"/>
-              </a:rPr>
-              <a:t>-a</a:t>
-            </a:r>
-            <a:r>
-              <a:rPr lang="en-US" altLang="ko-KR" sz="1600" dirty="0" smtClean="0">
-                <a:solidFill>
-                  <a:srgbClr val="0000FF"/>
-                </a:solidFill>
-                <a:latin typeface="리디바탕" panose="020B0600000101010101" pitchFamily="34" charset="-127"/>
-                <a:ea typeface="리디바탕" panose="020B0600000101010101" pitchFamily="34" charset="-127"/>
-              </a:rPr>
-              <a:t> </a:t>
-            </a:r>
-            <a:r>
-              <a:rPr lang="en-US" altLang="ko-KR" sz="1600" dirty="0" smtClean="0">
                 <a:latin typeface="리디바탕" panose="020B0600000101010101" pitchFamily="34" charset="-127"/>
                 <a:ea typeface="리디바탕" panose="020B0600000101010101" pitchFamily="34" charset="-127"/>
               </a:rPr>
@@ -6655,7 +6200,7 @@
           <a:lstStyle/>
           <a:p>
             <a:r>
-              <a:rPr lang="en-US" altLang="ko-KR" sz="1600" dirty="0" smtClean="0">
+              <a:rPr lang="en-US" altLang="ko-KR" sz="1600" dirty="0">
                 <a:solidFill>
                   <a:srgbClr val="FF0000"/>
                 </a:solidFill>
@@ -6665,14 +6210,14 @@
               <a:t>key4 </a:t>
             </a:r>
             <a:r>
-              <a:rPr lang="en-US" altLang="ko-KR" sz="1600" dirty="0" smtClean="0">
+              <a:rPr lang="en-US" altLang="ko-KR" sz="1600" dirty="0">
                 <a:latin typeface="리디바탕" panose="020B0600000101010101" pitchFamily="34" charset="-127"/>
                 <a:ea typeface="리디바탕" panose="020B0600000101010101" pitchFamily="34" charset="-127"/>
               </a:rPr>
               <a:t>:</a:t>
             </a:r>
             <a:r>
-              <a:rPr lang="en-US" altLang="ko-KR" sz="1600" dirty="0" smtClean="0">
+              <a:rPr lang="en-US" altLang="ko-KR" sz="1600" dirty="0">
                 <a:solidFill>
                   <a:srgbClr val="FF0000"/>
                 </a:solidFill>
@@ -6682,37 +6227,17 @@
               <a:t> </a:t>
             </a:r>
             <a:r>
-              <a:rPr lang="en-US" altLang="ko-KR" sz="1600" dirty="0" smtClean="0">
+              <a:rPr lang="en-US" altLang="ko-KR" sz="1600" dirty="0">
                 <a:solidFill>
                   <a:srgbClr val="0000FF"/>
                 </a:solidFill>
                 <a:latin typeface="리디바탕" panose="020B0600000101010101" pitchFamily="34" charset="-127"/>
                 <a:ea typeface="리디바탕" panose="020B0600000101010101" pitchFamily="34" charset="-127"/>
               </a:rPr>
-              <a:t>value4</a:t>
+              <a:t>value4-a </a:t>
             </a:r>
             <a:r>
               <a:rPr lang="en-US" altLang="ko-KR" sz="1600" dirty="0">
-                <a:solidFill>
-                  <a:srgbClr val="0000FF"/>
-                </a:solidFill>
-                <a:latin typeface="리디바탕" panose="020B0600000101010101" pitchFamily="34" charset="-127"/>
-                <a:ea typeface="리디바탕" panose="020B0600000101010101" pitchFamily="34" charset="-127"/>
-              </a:rPr>
-              <a:t>-a</a:t>
-            </a:r>
-            <a:r>
-              <a:rPr lang="en-US" altLang="ko-KR" sz="1600" dirty="0" smtClean="0">
-                <a:solidFill>
-                  <a:srgbClr val="0000FF"/>
-                </a:solidFill>
-                <a:latin typeface="리디바탕" panose="020B0600000101010101" pitchFamily="34" charset="-127"/>
-                <a:ea typeface="리디바탕" panose="020B0600000101010101" pitchFamily="34" charset="-127"/>
-              </a:rPr>
-              <a:t> </a:t>
-            </a:r>
-            <a:r>
-              <a:rPr lang="en-US" altLang="ko-KR" sz="1600" dirty="0" smtClean="0">
                 <a:latin typeface="리디바탕" panose="020B0600000101010101" pitchFamily="34" charset="-127"/>
                 <a:ea typeface="리디바탕" panose="020B0600000101010101" pitchFamily="34" charset="-127"/>
               </a:rPr>
@@ -6748,7 +6273,7 @@
           <a:lstStyle/>
           <a:p>
             <a:r>
-              <a:rPr lang="en-US" altLang="ko-KR" sz="1600" dirty="0" smtClean="0">
+              <a:rPr lang="en-US" altLang="ko-KR" sz="1600" dirty="0">
                 <a:solidFill>
                   <a:srgbClr val="FF0000"/>
                 </a:solidFill>
@@ -6758,14 +6283,14 @@
               <a:t>key5 </a:t>
             </a:r>
             <a:r>
-              <a:rPr lang="en-US" altLang="ko-KR" sz="1600" dirty="0" smtClean="0">
+              <a:rPr lang="en-US" altLang="ko-KR" sz="1600" dirty="0">
                 <a:latin typeface="리디바탕" panose="020B0600000101010101" pitchFamily="34" charset="-127"/>
                 <a:ea typeface="리디바탕" panose="020B0600000101010101" pitchFamily="34" charset="-127"/>
               </a:rPr>
               <a:t>:</a:t>
             </a:r>
             <a:r>
-              <a:rPr lang="en-US" altLang="ko-KR" sz="1600" dirty="0" smtClean="0">
+              <a:rPr lang="en-US" altLang="ko-KR" sz="1600" dirty="0">
                 <a:solidFill>
                   <a:srgbClr val="FF0000"/>
                 </a:solidFill>
@@ -6775,37 +6300,17 @@
               <a:t> </a:t>
             </a:r>
             <a:r>
-              <a:rPr lang="en-US" altLang="ko-KR" sz="1600" dirty="0" smtClean="0">
+              <a:rPr lang="en-US" altLang="ko-KR" sz="1600" dirty="0">
                 <a:solidFill>
                   <a:srgbClr val="0000FF"/>
                 </a:solidFill>
                 <a:latin typeface="리디바탕" panose="020B0600000101010101" pitchFamily="34" charset="-127"/>
                 <a:ea typeface="리디바탕" panose="020B0600000101010101" pitchFamily="34" charset="-127"/>
               </a:rPr>
-              <a:t>value6</a:t>
+              <a:t>value6-a </a:t>
             </a:r>
             <a:r>
               <a:rPr lang="en-US" altLang="ko-KR" sz="1600" dirty="0">
-                <a:solidFill>
-                  <a:srgbClr val="0000FF"/>
-                </a:solidFill>
-                <a:latin typeface="리디바탕" panose="020B0600000101010101" pitchFamily="34" charset="-127"/>
-                <a:ea typeface="리디바탕" panose="020B0600000101010101" pitchFamily="34" charset="-127"/>
-              </a:rPr>
-              <a:t>-a</a:t>
-            </a:r>
-            <a:r>
-              <a:rPr lang="en-US" altLang="ko-KR" sz="1600" dirty="0" smtClean="0">
-                <a:solidFill>
-                  <a:srgbClr val="0000FF"/>
-                </a:solidFill>
-                <a:latin typeface="리디바탕" panose="020B0600000101010101" pitchFamily="34" charset="-127"/>
-                <a:ea typeface="리디바탕" panose="020B0600000101010101" pitchFamily="34" charset="-127"/>
-              </a:rPr>
-              <a:t> </a:t>
-            </a:r>
-            <a:r>
-              <a:rPr lang="en-US" altLang="ko-KR" sz="1600" dirty="0" smtClean="0">
                 <a:latin typeface="리디바탕" panose="020B0600000101010101" pitchFamily="34" charset="-127"/>
                 <a:ea typeface="리디바탕" panose="020B0600000101010101" pitchFamily="34" charset="-127"/>
               </a:rPr>
@@ -6841,7 +6346,7 @@
           <a:lstStyle/>
           <a:p>
             <a:r>
-              <a:rPr lang="en-US" altLang="ko-KR" sz="1600" dirty="0" smtClean="0">
+              <a:rPr lang="en-US" altLang="ko-KR" sz="1600" dirty="0">
                 <a:solidFill>
                   <a:srgbClr val="FF0000"/>
                 </a:solidFill>
@@ -6851,14 +6356,14 @@
               <a:t>key7 </a:t>
             </a:r>
             <a:r>
-              <a:rPr lang="en-US" altLang="ko-KR" sz="1600" dirty="0" smtClean="0">
+              <a:rPr lang="en-US" altLang="ko-KR" sz="1600" dirty="0">
                 <a:latin typeface="리디바탕" panose="020B0600000101010101" pitchFamily="34" charset="-127"/>
                 <a:ea typeface="리디바탕" panose="020B0600000101010101" pitchFamily="34" charset="-127"/>
               </a:rPr>
               <a:t>:</a:t>
             </a:r>
             <a:r>
-              <a:rPr lang="en-US" altLang="ko-KR" sz="1600" dirty="0" smtClean="0">
+              <a:rPr lang="en-US" altLang="ko-KR" sz="1600" dirty="0">
                 <a:solidFill>
                   <a:srgbClr val="FF0000"/>
                 </a:solidFill>
@@ -6868,24 +6373,14 @@
               <a:t> </a:t>
             </a:r>
             <a:r>
-              <a:rPr lang="en-US" altLang="ko-KR" sz="1600" dirty="0" smtClean="0">
+              <a:rPr lang="en-US" altLang="ko-KR" sz="1600" dirty="0">
                 <a:solidFill>
                   <a:srgbClr val="0000FF"/>
                 </a:solidFill>
                 <a:latin typeface="리디바탕" panose="020B0600000101010101" pitchFamily="34" charset="-127"/>
                 <a:ea typeface="리디바탕" panose="020B0600000101010101" pitchFamily="34" charset="-127"/>
               </a:rPr>
-              <a:t>value7</a:t>
-            </a:r>
-            <a:r>
-              <a:rPr lang="en-US" altLang="ko-KR" sz="1600" dirty="0">
-                <a:solidFill>
-                  <a:srgbClr val="0000FF"/>
-                </a:solidFill>
-                <a:latin typeface="리디바탕" panose="020B0600000101010101" pitchFamily="34" charset="-127"/>
-                <a:ea typeface="리디바탕" panose="020B0600000101010101" pitchFamily="34" charset="-127"/>
-              </a:rPr>
-              <a:t>-a</a:t>
+              <a:t>value7-a</a:t>
             </a:r>
             <a:endParaRPr lang="ko-KR" altLang="en-US" sz="1600" dirty="0">
               <a:latin typeface="리디바탕" panose="020B0600000101010101" pitchFamily="34" charset="-127"/>
@@ -6922,7 +6417,7 @@
               </a:lnSpc>
             </a:pPr>
             <a:r>
-              <a:rPr lang="ko-KR" altLang="en-US" dirty="0" smtClean="0">
+              <a:rPr lang="ko-KR" altLang="en-US" dirty="0">
                 <a:solidFill>
                   <a:schemeClr val="tx1">
                     <a:lumMod val="50000"/>
@@ -6935,7 +6430,7 @@
               <a:t>사전</a:t>
             </a:r>
             <a:r>
-              <a:rPr lang="en-US" altLang="ko-KR" dirty="0" smtClean="0">
+              <a:rPr lang="en-US" altLang="ko-KR" dirty="0">
                 <a:solidFill>
                   <a:schemeClr val="tx1">
                     <a:lumMod val="50000"/>
@@ -6978,7 +6473,7 @@
               </a:lnSpc>
             </a:pPr>
             <a:r>
-              <a:rPr lang="ko-KR" altLang="en-US" dirty="0" smtClean="0">
+              <a:rPr lang="ko-KR" altLang="en-US" dirty="0">
                 <a:solidFill>
                   <a:schemeClr val="tx1">
                     <a:lumMod val="50000"/>
@@ -6991,7 +6486,7 @@
               <a:t>사전</a:t>
             </a:r>
             <a:r>
-              <a:rPr lang="en-US" altLang="ko-KR" dirty="0" smtClean="0">
+              <a:rPr lang="en-US" altLang="ko-KR" dirty="0">
                 <a:solidFill>
                   <a:schemeClr val="tx1">
                     <a:lumMod val="50000"/>
@@ -7034,7 +6529,7 @@
               </a:lnSpc>
             </a:pPr>
             <a:r>
-              <a:rPr lang="ko-KR" altLang="en-US" dirty="0" smtClean="0">
+              <a:rPr lang="ko-KR" altLang="en-US" dirty="0">
                 <a:solidFill>
                   <a:schemeClr val="tx1">
                     <a:lumMod val="50000"/>
@@ -7047,7 +6542,7 @@
               <a:t>사전</a:t>
             </a:r>
             <a:r>
-              <a:rPr lang="en-US" altLang="ko-KR" dirty="0" smtClean="0">
+              <a:rPr lang="en-US" altLang="ko-KR" dirty="0">
                 <a:solidFill>
                   <a:schemeClr val="tx1">
                     <a:lumMod val="50000"/>
@@ -7152,16 +6647,12 @@
           <a:lstStyle/>
           <a:p>
             <a:r>
-              <a:rPr lang="ko-KR" altLang="en-US" sz="1600" dirty="0" smtClean="0">
+              <a:rPr lang="ko-KR" altLang="en-US" sz="1600" dirty="0">
                 <a:latin typeface="리디바탕" panose="020B0600000101010101" pitchFamily="34" charset="-127"/>
                 <a:ea typeface="리디바탕" panose="020B0600000101010101" pitchFamily="34" charset="-127"/>
               </a:rPr>
               <a:t>질의</a:t>
             </a:r>
-            <a:endParaRPr lang="ko-KR" altLang="en-US" sz="1600" dirty="0">
-              <a:latin typeface="리디바탕" panose="020B0600000101010101" pitchFamily="34" charset="-127"/>
-              <a:ea typeface="리디바탕" panose="020B0600000101010101" pitchFamily="34" charset="-127"/>
-            </a:endParaRPr>
           </a:p>
         </p:txBody>
       </p:sp>
@@ -7188,16 +6679,12 @@
           <a:lstStyle/>
           <a:p>
             <a:r>
-              <a:rPr lang="ko-KR" altLang="en-US" sz="1600" dirty="0" smtClean="0">
+              <a:rPr lang="ko-KR" altLang="en-US" sz="1600" dirty="0">
                 <a:latin typeface="리디바탕" panose="020B0600000101010101" pitchFamily="34" charset="-127"/>
                 <a:ea typeface="리디바탕" panose="020B0600000101010101" pitchFamily="34" charset="-127"/>
               </a:rPr>
               <a:t>답변</a:t>
             </a:r>
-            <a:endParaRPr lang="ko-KR" altLang="en-US" sz="1600" dirty="0">
-              <a:latin typeface="리디바탕" panose="020B0600000101010101" pitchFamily="34" charset="-127"/>
-              <a:ea typeface="리디바탕" panose="020B0600000101010101" pitchFamily="34" charset="-127"/>
-            </a:endParaRPr>
           </a:p>
         </p:txBody>
       </p:sp>
@@ -7258,13 +6745,6 @@
   <p:clrMapOvr>
     <a:masterClrMapping/>
   </p:clrMapOvr>
-  <p:timing>
-    <p:tnLst>
-      <p:par>
-        <p:cTn id="1" dur="indefinite" restart="never" nodeType="tmRoot"/>
-      </p:par>
-    </p:tnLst>
-  </p:timing>
 </p:sld>
 </file>
 
@@ -7313,13 +6793,13 @@
               </a:lnSpc>
             </a:pPr>
             <a:r>
-              <a:rPr lang="ko-KR" altLang="en-US" sz="2000" dirty="0" smtClean="0">
+              <a:rPr lang="ko-KR" altLang="en-US" sz="2000" dirty="0">
                 <a:latin typeface="리디바탕" panose="020B0600000101010101" pitchFamily="34" charset="-127"/>
                 <a:ea typeface="리디바탕" panose="020B0600000101010101" pitchFamily="34" charset="-127"/>
               </a:rPr>
               <a:t>다음 장부터 이상한 거 나옴</a:t>
             </a:r>
-            <a:endParaRPr lang="en-US" altLang="ko-KR" sz="2000" dirty="0" smtClean="0">
+            <a:endParaRPr lang="en-US" altLang="ko-KR" sz="2000" dirty="0">
               <a:latin typeface="리디바탕" panose="020B0600000101010101" pitchFamily="34" charset="-127"/>
               <a:ea typeface="리디바탕" panose="020B0600000101010101" pitchFamily="34" charset="-127"/>
             </a:endParaRPr>
@@ -7336,13 +6816,6 @@
   <p:clrMapOvr>
     <a:masterClrMapping/>
   </p:clrMapOvr>
-  <p:timing>
-    <p:tnLst>
-      <p:par>
-        <p:cTn id="1" dur="indefinite" restart="never" nodeType="tmRoot"/>
-      </p:par>
-    </p:tnLst>
-  </p:timing>
 </p:sld>
 </file>
 
@@ -7436,13 +6909,6 @@
   <p:clrMapOvr>
     <a:masterClrMapping/>
   </p:clrMapOvr>
-  <p:timing>
-    <p:tnLst>
-      <p:par>
-        <p:cTn id="1" dur="indefinite" restart="never" nodeType="tmRoot"/>
-      </p:par>
-    </p:tnLst>
-  </p:timing>
 </p:sld>
 </file>
 
@@ -7527,7 +6993,7 @@
               </a:lnSpc>
             </a:pPr>
             <a:r>
-              <a:rPr lang="ko-KR" altLang="en-US" dirty="0" smtClean="0">
+              <a:rPr lang="ko-KR" altLang="en-US" dirty="0">
                 <a:solidFill>
                   <a:srgbClr val="FF0000"/>
                 </a:solidFill>
@@ -7537,7 +7003,7 @@
               <a:t>저</a:t>
             </a:r>
             <a:r>
-              <a:rPr lang="en-US" altLang="ko-KR" dirty="0" smtClean="0">
+              <a:rPr lang="en-US" altLang="ko-KR" dirty="0">
                 <a:solidFill>
                   <a:srgbClr val="FF0000"/>
                 </a:solidFill>
@@ -7547,37 +7013,17 @@
               <a:t>~</a:t>
             </a:r>
             <a:r>
-              <a:rPr lang="ko-KR" altLang="en-US" dirty="0" smtClean="0">
+              <a:rPr lang="ko-KR" altLang="en-US" dirty="0">
                 <a:solidFill>
                   <a:srgbClr val="FF0000"/>
                 </a:solidFill>
                 <a:latin typeface="리디바탕" panose="020B0600000101010101" pitchFamily="34" charset="-127"/>
                 <a:ea typeface="리디바탕" panose="020B0600000101010101" pitchFamily="34" charset="-127"/>
               </a:rPr>
-              <a:t>기 앞쪽에서 만들어 두었던 데이터를 참조할 필요가 </a:t>
-            </a:r>
-            <a:r>
-              <a:rPr lang="ko-KR" altLang="en-US" dirty="0" smtClean="0">
-                <a:solidFill>
-                  <a:srgbClr val="FF0000"/>
-                </a:solidFill>
-                <a:latin typeface="리디바탕" panose="020B0600000101010101" pitchFamily="34" charset="-127"/>
-                <a:ea typeface="리디바탕" panose="020B0600000101010101" pitchFamily="34" charset="-127"/>
-              </a:rPr>
-              <a:t>생길 </a:t>
-            </a:r>
-            <a:r>
-              <a:rPr lang="ko-KR" altLang="en-US" dirty="0" smtClean="0">
-                <a:solidFill>
-                  <a:srgbClr val="FF0000"/>
-                </a:solidFill>
-                <a:latin typeface="리디바탕" panose="020B0600000101010101" pitchFamily="34" charset="-127"/>
-                <a:ea typeface="리디바탕" panose="020B0600000101010101" pitchFamily="34" charset="-127"/>
-              </a:rPr>
-              <a:t>때</a:t>
-            </a:r>
-            <a:r>
-              <a:rPr lang="en-US" altLang="ko-KR" dirty="0" smtClean="0">
+              <a:t>기 앞쪽에서 만들어 두었던 데이터를 참조할 필요가 생길 때</a:t>
+            </a:r>
+            <a:r>
+              <a:rPr lang="en-US" altLang="ko-KR" dirty="0">
                 <a:solidFill>
                   <a:srgbClr val="FF0000"/>
                 </a:solidFill>
@@ -7594,7 +7040,7 @@
               </a:lnSpc>
             </a:pPr>
             <a:r>
-              <a:rPr lang="ko-KR" altLang="en-US" dirty="0" smtClean="0">
+              <a:rPr lang="ko-KR" altLang="en-US" dirty="0">
                 <a:solidFill>
                   <a:srgbClr val="FF0000"/>
                 </a:solidFill>
@@ -7604,7 +7050,7 @@
               <a:t>노드와 노드를 잇는 라인들은 스파게티가 된다</a:t>
             </a:r>
             <a:r>
-              <a:rPr lang="en-US" altLang="ko-KR" dirty="0" smtClean="0">
+              <a:rPr lang="en-US" altLang="ko-KR" dirty="0">
                 <a:solidFill>
                   <a:srgbClr val="FF0000"/>
                 </a:solidFill>
@@ -7635,7 +7081,7 @@
               </a:lnSpc>
             </a:pPr>
             <a:r>
-              <a:rPr lang="en-US" altLang="ko-KR" dirty="0" smtClean="0">
+              <a:rPr lang="en-US" altLang="ko-KR" dirty="0">
                 <a:solidFill>
                   <a:srgbClr val="FF0000"/>
                 </a:solidFill>
@@ -7645,7 +7091,7 @@
               <a:t>			(</a:t>
             </a:r>
             <a:r>
-              <a:rPr lang="ko-KR" altLang="en-US" dirty="0" err="1" smtClean="0">
+              <a:rPr lang="ko-KR" altLang="en-US" dirty="0" err="1">
                 <a:solidFill>
                   <a:srgbClr val="FF0000"/>
                 </a:solidFill>
@@ -7655,7 +7101,7 @@
               <a:t>비주얼</a:t>
             </a:r>
             <a:r>
-              <a:rPr lang="ko-KR" altLang="en-US" dirty="0" smtClean="0">
+              <a:rPr lang="ko-KR" altLang="en-US" dirty="0">
                 <a:solidFill>
                   <a:srgbClr val="FF0000"/>
                 </a:solidFill>
@@ -7665,7 +7111,7 @@
               <a:t> </a:t>
             </a:r>
             <a:r>
-              <a:rPr lang="ko-KR" altLang="en-US" dirty="0" err="1" smtClean="0">
+              <a:rPr lang="ko-KR" altLang="en-US" dirty="0" err="1">
                 <a:solidFill>
                   <a:srgbClr val="FF0000"/>
                 </a:solidFill>
@@ -7675,27 +7121,17 @@
               <a:t>스크립팅의</a:t>
             </a:r>
             <a:r>
-              <a:rPr lang="ko-KR" altLang="en-US" dirty="0" smtClean="0">
+              <a:rPr lang="ko-KR" altLang="en-US" dirty="0">
                 <a:solidFill>
                   <a:srgbClr val="FF0000"/>
                 </a:solidFill>
                 <a:latin typeface="리디바탕" panose="020B0600000101010101" pitchFamily="34" charset="-127"/>
                 <a:ea typeface="리디바탕" panose="020B0600000101010101" pitchFamily="34" charset="-127"/>
               </a:rPr>
-              <a:t> 태생적 </a:t>
-            </a:r>
-            <a:r>
-              <a:rPr lang="ko-KR" altLang="en-US" dirty="0" smtClean="0">
-                <a:solidFill>
-                  <a:srgbClr val="FF0000"/>
-                </a:solidFill>
-                <a:latin typeface="리디바탕" panose="020B0600000101010101" pitchFamily="34" charset="-127"/>
-                <a:ea typeface="리디바탕" panose="020B0600000101010101" pitchFamily="34" charset="-127"/>
-              </a:rPr>
-              <a:t>한계</a:t>
-            </a:r>
-            <a:r>
-              <a:rPr lang="en-US" altLang="ko-KR" dirty="0" smtClean="0">
+              <a:t> 태생적 한계</a:t>
+            </a:r>
+            <a:r>
+              <a:rPr lang="en-US" altLang="ko-KR" dirty="0">
                 <a:solidFill>
                   <a:srgbClr val="FF0000"/>
                 </a:solidFill>
@@ -7724,13 +7160,6 @@
   <p:clrMapOvr>
     <a:masterClrMapping/>
   </p:clrMapOvr>
-  <p:timing>
-    <p:tnLst>
-      <p:par>
-        <p:cTn id="1" dur="indefinite" restart="never" nodeType="tmRoot"/>
-      </p:par>
-    </p:tnLst>
-  </p:timing>
 </p:sld>
 </file>
 
@@ -7818,30 +7247,26 @@
               </a:lnSpc>
             </a:pPr>
             <a:r>
-              <a:rPr lang="ko-KR" altLang="en-US" dirty="0" smtClean="0">
+              <a:rPr lang="ko-KR" altLang="en-US" dirty="0">
                 <a:latin typeface="리디바탕" panose="020B0600000101010101" pitchFamily="34" charset="-127"/>
                 <a:ea typeface="리디바탕" panose="020B0600000101010101" pitchFamily="34" charset="-127"/>
               </a:rPr>
               <a:t>학창 시절</a:t>
             </a:r>
             <a:r>
-              <a:rPr lang="en-US" altLang="ko-KR" dirty="0" smtClean="0">
+              <a:rPr lang="en-US" altLang="ko-KR" dirty="0">
                 <a:latin typeface="리디바탕" panose="020B0600000101010101" pitchFamily="34" charset="-127"/>
                 <a:ea typeface="리디바탕" panose="020B0600000101010101" pitchFamily="34" charset="-127"/>
               </a:rPr>
               <a:t>,</a:t>
             </a:r>
             <a:r>
-              <a:rPr lang="ko-KR" altLang="en-US" dirty="0" smtClean="0">
+              <a:rPr lang="ko-KR" altLang="en-US" dirty="0">
                 <a:latin typeface="리디바탕" panose="020B0600000101010101" pitchFamily="34" charset="-127"/>
                 <a:ea typeface="리디바탕" panose="020B0600000101010101" pitchFamily="34" charset="-127"/>
               </a:rPr>
               <a:t> 내 책상을 본 어머니의 반응</a:t>
             </a:r>
-            <a:endParaRPr lang="ko-KR" altLang="en-US" dirty="0">
-              <a:latin typeface="리디바탕" panose="020B0600000101010101" pitchFamily="34" charset="-127"/>
-              <a:ea typeface="리디바탕" panose="020B0600000101010101" pitchFamily="34" charset="-127"/>
-            </a:endParaRPr>
           </a:p>
         </p:txBody>
       </p:sp>
@@ -7855,13 +7280,6 @@
   <p:clrMapOvr>
     <a:masterClrMapping/>
   </p:clrMapOvr>
-  <p:timing>
-    <p:tnLst>
-      <p:par>
-        <p:cTn id="1" dur="indefinite" restart="never" nodeType="tmRoot"/>
-      </p:par>
-    </p:tnLst>
-  </p:timing>
 </p:sld>
 </file>
 
@@ -7910,13 +7328,13 @@
               </a:lnSpc>
             </a:pPr>
             <a:r>
-              <a:rPr lang="ko-KR" altLang="en-US" dirty="0" smtClean="0">
+              <a:rPr lang="ko-KR" altLang="en-US" dirty="0">
                 <a:latin typeface="리디바탕" panose="020B0600000101010101" pitchFamily="34" charset="-127"/>
                 <a:ea typeface="리디바탕" panose="020B0600000101010101" pitchFamily="34" charset="-127"/>
               </a:rPr>
               <a:t>이런 스파게티를 방지하기 위한 도구로</a:t>
             </a:r>
-            <a:endParaRPr lang="en-US" altLang="ko-KR" dirty="0" smtClean="0">
+            <a:endParaRPr lang="en-US" altLang="ko-KR" dirty="0">
               <a:latin typeface="리디바탕" panose="020B0600000101010101" pitchFamily="34" charset="-127"/>
               <a:ea typeface="리디바탕" panose="020B0600000101010101" pitchFamily="34" charset="-127"/>
             </a:endParaRPr>
@@ -7939,21 +7357,21 @@
               </a:lnSpc>
             </a:pPr>
             <a:r>
-              <a:rPr lang="ko-KR" altLang="en-US" dirty="0" err="1" smtClean="0">
+              <a:rPr lang="ko-KR" altLang="en-US" dirty="0" err="1">
                 <a:latin typeface="리디바탕" panose="020B0600000101010101" pitchFamily="34" charset="-127"/>
                 <a:ea typeface="리디바탕" panose="020B0600000101010101" pitchFamily="34" charset="-127"/>
               </a:rPr>
               <a:t>딕셔너리는</a:t>
             </a:r>
             <a:r>
-              <a:rPr lang="ko-KR" altLang="en-US" dirty="0" smtClean="0">
+              <a:rPr lang="ko-KR" altLang="en-US" dirty="0">
                 <a:latin typeface="리디바탕" panose="020B0600000101010101" pitchFamily="34" charset="-127"/>
                 <a:ea typeface="리디바탕" panose="020B0600000101010101" pitchFamily="34" charset="-127"/>
               </a:rPr>
               <a:t> 유용하다</a:t>
             </a:r>
             <a:r>
-              <a:rPr lang="en-US" altLang="ko-KR" dirty="0" smtClean="0">
+              <a:rPr lang="en-US" altLang="ko-KR" dirty="0">
                 <a:latin typeface="리디바탕" panose="020B0600000101010101" pitchFamily="34" charset="-127"/>
                 <a:ea typeface="리디바탕" panose="020B0600000101010101" pitchFamily="34" charset="-127"/>
               </a:rPr>
@@ -7976,13 +7394,6 @@
   <p:clrMapOvr>
     <a:masterClrMapping/>
   </p:clrMapOvr>
-  <p:timing>
-    <p:tnLst>
-      <p:par>
-        <p:cTn id="1" dur="indefinite" restart="never" nodeType="tmRoot"/>
-      </p:par>
-    </p:tnLst>
-  </p:timing>
 </p:sld>
 </file>
 
@@ -8031,21 +7442,21 @@
               </a:lnSpc>
             </a:pPr>
             <a:r>
-              <a:rPr lang="en-US" altLang="ko-KR" sz="2800" dirty="0" smtClean="0">
+              <a:rPr lang="en-US" altLang="ko-KR" sz="2800" dirty="0">
                 <a:latin typeface="리디바탕" panose="020B0600000101010101" pitchFamily="34" charset="-127"/>
                 <a:ea typeface="리디바탕" panose="020B0600000101010101" pitchFamily="34" charset="-127"/>
               </a:rPr>
               <a:t>Dictionary </a:t>
             </a:r>
             <a:r>
-              <a:rPr lang="ko-KR" altLang="en-US" sz="2800" dirty="0" smtClean="0">
+              <a:rPr lang="ko-KR" altLang="en-US" sz="2800" dirty="0">
                 <a:latin typeface="리디바탕" panose="020B0600000101010101" pitchFamily="34" charset="-127"/>
                 <a:ea typeface="리디바탕" panose="020B0600000101010101" pitchFamily="34" charset="-127"/>
               </a:rPr>
               <a:t>가 코드의 복잡도를 낮출 수 있는 이유는</a:t>
             </a:r>
             <a:r>
-              <a:rPr lang="en-US" altLang="ko-KR" sz="2800" dirty="0" smtClean="0">
+              <a:rPr lang="en-US" altLang="ko-KR" sz="2800" dirty="0">
                 <a:latin typeface="리디바탕" panose="020B0600000101010101" pitchFamily="34" charset="-127"/>
                 <a:ea typeface="리디바탕" panose="020B0600000101010101" pitchFamily="34" charset="-127"/>
               </a:rPr>
@@ -8059,14 +7470,14 @@
               </a:lnSpc>
             </a:pPr>
             <a:r>
-              <a:rPr lang="en-US" altLang="ko-KR" sz="2800" dirty="0" smtClean="0">
+              <a:rPr lang="en-US" altLang="ko-KR" sz="2800" dirty="0">
                 <a:latin typeface="리디바탕" panose="020B0600000101010101" pitchFamily="34" charset="-127"/>
                 <a:ea typeface="리디바탕" panose="020B0600000101010101" pitchFamily="34" charset="-127"/>
               </a:rPr>
               <a:t>&gt; </a:t>
             </a:r>
             <a:r>
-              <a:rPr lang="ko-KR" altLang="en-US" sz="2800" dirty="0" smtClean="0">
+              <a:rPr lang="ko-KR" altLang="en-US" sz="2800" dirty="0">
                 <a:solidFill>
                   <a:srgbClr val="FF00FF"/>
                 </a:solidFill>
@@ -8076,13 +7487,13 @@
               <a:t>명시적</a:t>
             </a:r>
             <a:r>
-              <a:rPr lang="ko-KR" altLang="en-US" sz="2800" dirty="0" smtClean="0">
+              <a:rPr lang="ko-KR" altLang="en-US" sz="2800" dirty="0">
                 <a:latin typeface="리디바탕" panose="020B0600000101010101" pitchFamily="34" charset="-127"/>
                 <a:ea typeface="리디바탕" panose="020B0600000101010101" pitchFamily="34" charset="-127"/>
               </a:rPr>
               <a:t> 키를 사용하기 때문</a:t>
             </a:r>
-            <a:endParaRPr lang="en-US" altLang="ko-KR" sz="2800" dirty="0" smtClean="0">
+            <a:endParaRPr lang="en-US" altLang="ko-KR" sz="2800" dirty="0">
               <a:latin typeface="리디바탕" panose="020B0600000101010101" pitchFamily="34" charset="-127"/>
               <a:ea typeface="리디바탕" panose="020B0600000101010101" pitchFamily="34" charset="-127"/>
             </a:endParaRPr>
@@ -8117,7 +7528,7 @@
               </a:lnSpc>
             </a:pPr>
             <a:r>
-              <a:rPr lang="en-US" altLang="ko-KR" sz="2800" dirty="0" smtClean="0">
+              <a:rPr lang="en-US" altLang="ko-KR" sz="2800" dirty="0">
                 <a:latin typeface="리디바탕" panose="020B0600000101010101" pitchFamily="34" charset="-127"/>
                 <a:ea typeface="리디바탕" panose="020B0600000101010101" pitchFamily="34" charset="-127"/>
               </a:rPr>
@@ -8131,25 +7542,11 @@
               </a:lnSpc>
             </a:pPr>
             <a:r>
-              <a:rPr lang="en-US" altLang="ko-KR" sz="2800" dirty="0" smtClean="0">
-                <a:latin typeface="리디바탕" panose="020B0600000101010101" pitchFamily="34" charset="-127"/>
-                <a:ea typeface="리디바탕" panose="020B0600000101010101" pitchFamily="34" charset="-127"/>
-              </a:rPr>
-              <a:t>[ </a:t>
-            </a:r>
-            <a:r>
               <a:rPr lang="en-US" altLang="ko-KR" sz="2800" dirty="0">
                 <a:latin typeface="리디바탕" panose="020B0600000101010101" pitchFamily="34" charset="-127"/>
                 <a:ea typeface="리디바탕" panose="020B0600000101010101" pitchFamily="34" charset="-127"/>
               </a:rPr>
-              <a:t>A</a:t>
-            </a:r>
-            <a:r>
-              <a:rPr lang="en-US" altLang="ko-KR" sz="2800" dirty="0" smtClean="0">
-                <a:latin typeface="리디바탕" panose="020B0600000101010101" pitchFamily="34" charset="-127"/>
-                <a:ea typeface="리디바탕" panose="020B0600000101010101" pitchFamily="34" charset="-127"/>
-              </a:rPr>
-              <a:t>, B, C, D, E ]</a:t>
+              <a:t>[ A, B, C, D, E ]</a:t>
             </a:r>
           </a:p>
         </p:txBody>
@@ -8163,7 +7560,7 @@
         <p:spPr>
           <a:xfrm>
             <a:off x="4013734" y="4286349"/>
-            <a:ext cx="6939815" cy="1309589"/>
+            <a:ext cx="6939815" cy="1581972"/>
           </a:xfrm>
           <a:prstGeom prst="rect">
             <a:avLst/>
@@ -8178,18 +7575,18 @@
           <a:p>
             <a:pPr>
               <a:lnSpc>
-                <a:spcPct val="150000"/>
+                <a:spcPct val="200000"/>
               </a:lnSpc>
             </a:pPr>
             <a:r>
-              <a:rPr lang="en-US" altLang="ko-KR" sz="2800" dirty="0" smtClean="0">
+              <a:rPr lang="en-US" altLang="ko-KR" sz="2800" dirty="0">
                 <a:latin typeface="리디바탕" panose="020B0600000101010101" pitchFamily="34" charset="-127"/>
                 <a:ea typeface="리디바탕" panose="020B0600000101010101" pitchFamily="34" charset="-127"/>
               </a:rPr>
               <a:t>[ </a:t>
             </a:r>
             <a:r>
-              <a:rPr lang="en-US" altLang="ko-KR" sz="2800" dirty="0" smtClean="0">
+              <a:rPr lang="en-US" altLang="ko-KR" sz="2800" dirty="0">
                 <a:solidFill>
                   <a:schemeClr val="bg1">
                     <a:lumMod val="65000"/>
@@ -8201,14 +7598,14 @@
               <a:t>0: </a:t>
             </a:r>
             <a:r>
-              <a:rPr lang="en-US" altLang="ko-KR" sz="2800" dirty="0" smtClean="0">
+              <a:rPr lang="en-US" altLang="ko-KR" sz="2800" dirty="0">
                 <a:latin typeface="리디바탕" panose="020B0600000101010101" pitchFamily="34" charset="-127"/>
                 <a:ea typeface="리디바탕" panose="020B0600000101010101" pitchFamily="34" charset="-127"/>
               </a:rPr>
               <a:t>A, </a:t>
             </a:r>
             <a:r>
-              <a:rPr lang="en-US" altLang="ko-KR" sz="2800" dirty="0" smtClean="0">
+              <a:rPr lang="en-US" altLang="ko-KR" sz="2800" dirty="0">
                 <a:solidFill>
                   <a:schemeClr val="bg1">
                     <a:lumMod val="65000"/>
@@ -8220,14 +7617,14 @@
               <a:t>1: </a:t>
             </a:r>
             <a:r>
-              <a:rPr lang="en-US" altLang="ko-KR" sz="2800" dirty="0" smtClean="0">
+              <a:rPr lang="en-US" altLang="ko-KR" sz="2800" dirty="0">
                 <a:latin typeface="리디바탕" panose="020B0600000101010101" pitchFamily="34" charset="-127"/>
                 <a:ea typeface="리디바탕" panose="020B0600000101010101" pitchFamily="34" charset="-127"/>
               </a:rPr>
               <a:t>B, </a:t>
             </a:r>
             <a:r>
-              <a:rPr lang="en-US" altLang="ko-KR" sz="2800" dirty="0" smtClean="0">
+              <a:rPr lang="en-US" altLang="ko-KR" sz="2800" dirty="0">
                 <a:solidFill>
                   <a:schemeClr val="bg1">
                     <a:lumMod val="65000"/>
@@ -8239,14 +7636,14 @@
               <a:t>2: </a:t>
             </a:r>
             <a:r>
-              <a:rPr lang="en-US" altLang="ko-KR" sz="2800" dirty="0" smtClean="0">
+              <a:rPr lang="en-US" altLang="ko-KR" sz="2800" dirty="0">
                 <a:latin typeface="리디바탕" panose="020B0600000101010101" pitchFamily="34" charset="-127"/>
                 <a:ea typeface="리디바탕" panose="020B0600000101010101" pitchFamily="34" charset="-127"/>
               </a:rPr>
               <a:t>C, </a:t>
             </a:r>
             <a:r>
-              <a:rPr lang="en-US" altLang="ko-KR" sz="2800" dirty="0" smtClean="0">
+              <a:rPr lang="en-US" altLang="ko-KR" sz="2800" dirty="0">
                 <a:solidFill>
                   <a:schemeClr val="bg1">
                     <a:lumMod val="65000"/>
@@ -8258,14 +7655,14 @@
               <a:t>3: </a:t>
             </a:r>
             <a:r>
-              <a:rPr lang="en-US" altLang="ko-KR" sz="2800" dirty="0" smtClean="0">
+              <a:rPr lang="en-US" altLang="ko-KR" sz="2800" dirty="0">
                 <a:latin typeface="리디바탕" panose="020B0600000101010101" pitchFamily="34" charset="-127"/>
                 <a:ea typeface="리디바탕" panose="020B0600000101010101" pitchFamily="34" charset="-127"/>
               </a:rPr>
               <a:t>D, </a:t>
             </a:r>
             <a:r>
-              <a:rPr lang="en-US" altLang="ko-KR" sz="2800" dirty="0" smtClean="0">
+              <a:rPr lang="en-US" altLang="ko-KR" sz="2800" dirty="0">
                 <a:solidFill>
                   <a:schemeClr val="bg1">
                     <a:lumMod val="65000"/>
@@ -8277,7 +7674,7 @@
               <a:t>4: </a:t>
             </a:r>
             <a:r>
-              <a:rPr lang="en-US" altLang="ko-KR" sz="2800" dirty="0" smtClean="0">
+              <a:rPr lang="en-US" altLang="ko-KR" sz="2800" dirty="0">
                 <a:latin typeface="리디바탕" panose="020B0600000101010101" pitchFamily="34" charset="-127"/>
                 <a:ea typeface="리디바탕" panose="020B0600000101010101" pitchFamily="34" charset="-127"/>
               </a:rPr>
@@ -8287,18 +7684,18 @@
           <a:p>
             <a:pPr>
               <a:lnSpc>
-                <a:spcPct val="150000"/>
+                <a:spcPct val="200000"/>
               </a:lnSpc>
             </a:pPr>
             <a:r>
-              <a:rPr lang="ko-KR" altLang="en-US" sz="2400" dirty="0" smtClean="0">
+              <a:rPr lang="ko-KR" altLang="en-US" sz="2400" dirty="0">
                 <a:latin typeface="리디바탕" panose="020B0600000101010101" pitchFamily="34" charset="-127"/>
                 <a:ea typeface="리디바탕" panose="020B0600000101010101" pitchFamily="34" charset="-127"/>
               </a:rPr>
               <a:t>리스트는 </a:t>
             </a:r>
             <a:r>
-              <a:rPr lang="ko-KR" altLang="en-US" sz="2400" dirty="0" smtClean="0">
+              <a:rPr lang="ko-KR" altLang="en-US" sz="2400" dirty="0">
                 <a:solidFill>
                   <a:schemeClr val="bg1">
                     <a:lumMod val="50000"/>
@@ -8307,56 +7704,37 @@
                 <a:latin typeface="리디바탕" panose="020B0600000101010101" pitchFamily="34" charset="-127"/>
                 <a:ea typeface="리디바탕" panose="020B0600000101010101" pitchFamily="34" charset="-127"/>
               </a:rPr>
-              <a:t>암시적 </a:t>
+              <a:t>암시적 키 값</a:t>
+            </a:r>
+            <a:r>
+              <a:rPr lang="en-US" altLang="ko-KR" sz="2400" dirty="0">
+                <a:latin typeface="리디바탕" panose="020B0600000101010101" pitchFamily="34" charset="-127"/>
+                <a:ea typeface="리디바탕" panose="020B0600000101010101" pitchFamily="34" charset="-127"/>
+              </a:rPr>
+              <a:t>(</a:t>
             </a:r>
             <a:r>
               <a:rPr lang="ko-KR" altLang="en-US" sz="2400" dirty="0">
-                <a:solidFill>
-                  <a:schemeClr val="bg1">
-                    <a:lumMod val="50000"/>
-                  </a:schemeClr>
-                </a:solidFill>
-                <a:latin typeface="리디바탕" panose="020B0600000101010101" pitchFamily="34" charset="-127"/>
-                <a:ea typeface="리디바탕" panose="020B0600000101010101" pitchFamily="34" charset="-127"/>
-              </a:rPr>
-              <a:t>키 값</a:t>
+                <a:latin typeface="리디바탕" panose="020B0600000101010101" pitchFamily="34" charset="-127"/>
+                <a:ea typeface="리디바탕" panose="020B0600000101010101" pitchFamily="34" charset="-127"/>
+              </a:rPr>
+              <a:t>인덱스 넘버</a:t>
             </a:r>
             <a:r>
               <a:rPr lang="en-US" altLang="ko-KR" sz="2400" dirty="0">
                 <a:latin typeface="리디바탕" panose="020B0600000101010101" pitchFamily="34" charset="-127"/>
                 <a:ea typeface="리디바탕" panose="020B0600000101010101" pitchFamily="34" charset="-127"/>
               </a:rPr>
-              <a:t>(</a:t>
+              <a:t>)</a:t>
             </a:r>
             <a:r>
               <a:rPr lang="ko-KR" altLang="en-US" sz="2400" dirty="0">
                 <a:latin typeface="리디바탕" panose="020B0600000101010101" pitchFamily="34" charset="-127"/>
                 <a:ea typeface="리디바탕" panose="020B0600000101010101" pitchFamily="34" charset="-127"/>
               </a:rPr>
-              <a:t>인덱스 넘버</a:t>
-            </a:r>
-            <a:r>
-              <a:rPr lang="en-US" altLang="ko-KR" sz="2400" dirty="0">
-                <a:latin typeface="리디바탕" panose="020B0600000101010101" pitchFamily="34" charset="-127"/>
-                <a:ea typeface="리디바탕" panose="020B0600000101010101" pitchFamily="34" charset="-127"/>
-              </a:rPr>
-              <a:t>)</a:t>
-            </a:r>
-            <a:r>
-              <a:rPr lang="ko-KR" altLang="en-US" sz="2400" dirty="0">
-                <a:latin typeface="리디바탕" panose="020B0600000101010101" pitchFamily="34" charset="-127"/>
-                <a:ea typeface="리디바탕" panose="020B0600000101010101" pitchFamily="34" charset="-127"/>
-              </a:rPr>
-              <a:t> 사용하는 </a:t>
-            </a:r>
-            <a:r>
-              <a:rPr lang="ko-KR" altLang="en-US" sz="2400" dirty="0" smtClean="0">
-                <a:latin typeface="리디바탕" panose="020B0600000101010101" pitchFamily="34" charset="-127"/>
-                <a:ea typeface="리디바탕" panose="020B0600000101010101" pitchFamily="34" charset="-127"/>
-              </a:rPr>
-              <a:t>컬렉션</a:t>
-            </a:r>
-            <a:endParaRPr lang="en-US" altLang="ko-KR" sz="2400" dirty="0" smtClean="0">
+              <a:t> 사용하는 컬렉션</a:t>
+            </a:r>
+            <a:endParaRPr lang="en-US" altLang="ko-KR" sz="2400" dirty="0">
               <a:latin typeface="리디바탕" panose="020B0600000101010101" pitchFamily="34" charset="-127"/>
               <a:ea typeface="리디바탕" panose="020B0600000101010101" pitchFamily="34" charset="-127"/>
             </a:endParaRPr>
@@ -8426,23 +7804,19 @@
               </a:lnSpc>
             </a:pPr>
             <a:r>
-              <a:rPr lang="ko-KR" altLang="en-US" sz="1200" dirty="0" smtClean="0">
+              <a:rPr lang="ko-KR" altLang="en-US" sz="1200" dirty="0">
                 <a:latin typeface="리디바탕" panose="020B0600000101010101" pitchFamily="34" charset="-127"/>
                 <a:ea typeface="리디바탕" panose="020B0600000101010101" pitchFamily="34" charset="-127"/>
               </a:rPr>
               <a:t>사실은</a:t>
             </a:r>
             <a:r>
-              <a:rPr lang="en-US" altLang="ko-KR" sz="1200" dirty="0" smtClean="0">
+              <a:rPr lang="en-US" altLang="ko-KR" sz="1200" dirty="0">
                 <a:latin typeface="리디바탕" panose="020B0600000101010101" pitchFamily="34" charset="-127"/>
                 <a:ea typeface="리디바탕" panose="020B0600000101010101" pitchFamily="34" charset="-127"/>
               </a:rPr>
               <a:t>..</a:t>
             </a:r>
-            <a:endParaRPr lang="en-US" altLang="ko-KR" sz="1200" dirty="0">
-              <a:latin typeface="리디바탕" panose="020B0600000101010101" pitchFamily="34" charset="-127"/>
-              <a:ea typeface="리디바탕" panose="020B0600000101010101" pitchFamily="34" charset="-127"/>
-            </a:endParaRPr>
           </a:p>
         </p:txBody>
       </p:sp>
@@ -8456,13 +7830,6 @@
   <p:clrMapOvr>
     <a:masterClrMapping/>
   </p:clrMapOvr>
-  <p:timing>
-    <p:tnLst>
-      <p:par>
-        <p:cTn id="1" dur="indefinite" restart="never" nodeType="tmRoot"/>
-      </p:par>
-    </p:tnLst>
-  </p:timing>
 </p:sld>
 </file>
 
@@ -8511,21 +7878,21 @@
               </a:lnSpc>
             </a:pPr>
             <a:r>
-              <a:rPr lang="en-US" altLang="ko-KR" sz="2800" dirty="0" smtClean="0">
+              <a:rPr lang="en-US" altLang="ko-KR" sz="2800" dirty="0">
                 <a:latin typeface="리디바탕" panose="020B0600000101010101" pitchFamily="34" charset="-127"/>
                 <a:ea typeface="리디바탕" panose="020B0600000101010101" pitchFamily="34" charset="-127"/>
               </a:rPr>
               <a:t>Dictionary </a:t>
             </a:r>
             <a:r>
-              <a:rPr lang="ko-KR" altLang="en-US" sz="2800" dirty="0" smtClean="0">
+              <a:rPr lang="ko-KR" altLang="en-US" sz="2800" dirty="0">
                 <a:latin typeface="리디바탕" panose="020B0600000101010101" pitchFamily="34" charset="-127"/>
                 <a:ea typeface="리디바탕" panose="020B0600000101010101" pitchFamily="34" charset="-127"/>
               </a:rPr>
               <a:t>가 코드의 복잡도를 낮출 수 있는 이유는</a:t>
             </a:r>
             <a:r>
-              <a:rPr lang="en-US" altLang="ko-KR" sz="2800" dirty="0" smtClean="0">
+              <a:rPr lang="en-US" altLang="ko-KR" sz="2800" dirty="0">
                 <a:latin typeface="리디바탕" panose="020B0600000101010101" pitchFamily="34" charset="-127"/>
                 <a:ea typeface="리디바탕" panose="020B0600000101010101" pitchFamily="34" charset="-127"/>
               </a:rPr>
@@ -8543,7 +7910,7 @@
         <p:spPr>
           <a:xfrm>
             <a:off x="4013734" y="1745279"/>
-            <a:ext cx="6939815" cy="3416320"/>
+            <a:ext cx="6939815" cy="3670236"/>
           </a:xfrm>
           <a:prstGeom prst="rect">
             <a:avLst/>
@@ -8555,6 +7922,133 @@
             <a:spAutoFit/>
           </a:bodyPr>
           <a:lstStyle/>
+          <a:p>
+            <a:pPr>
+              <a:lnSpc>
+                <a:spcPct val="200000"/>
+              </a:lnSpc>
+            </a:pPr>
+            <a:r>
+              <a:rPr lang="en-US" altLang="ko-KR" sz="2800" dirty="0">
+                <a:latin typeface="리디바탕" panose="020B0600000101010101" pitchFamily="34" charset="-127"/>
+                <a:ea typeface="리디바탕" panose="020B0600000101010101" pitchFamily="34" charset="-127"/>
+              </a:rPr>
+              <a:t>[ </a:t>
+            </a:r>
+            <a:r>
+              <a:rPr lang="en-US" altLang="ko-KR" sz="2800" dirty="0">
+                <a:solidFill>
+                  <a:schemeClr val="bg1">
+                    <a:lumMod val="65000"/>
+                  </a:schemeClr>
+                </a:solidFill>
+                <a:latin typeface="리디바탕" panose="020B0600000101010101" pitchFamily="34" charset="-127"/>
+                <a:ea typeface="리디바탕" panose="020B0600000101010101" pitchFamily="34" charset="-127"/>
+              </a:rPr>
+              <a:t>0: </a:t>
+            </a:r>
+            <a:r>
+              <a:rPr lang="en-US" altLang="ko-KR" sz="2800" dirty="0">
+                <a:latin typeface="리디바탕" panose="020B0600000101010101" pitchFamily="34" charset="-127"/>
+                <a:ea typeface="리디바탕" panose="020B0600000101010101" pitchFamily="34" charset="-127"/>
+              </a:rPr>
+              <a:t>A, </a:t>
+            </a:r>
+            <a:r>
+              <a:rPr lang="en-US" altLang="ko-KR" sz="2800" dirty="0">
+                <a:solidFill>
+                  <a:schemeClr val="bg1">
+                    <a:lumMod val="65000"/>
+                  </a:schemeClr>
+                </a:solidFill>
+                <a:latin typeface="리디바탕" panose="020B0600000101010101" pitchFamily="34" charset="-127"/>
+                <a:ea typeface="리디바탕" panose="020B0600000101010101" pitchFamily="34" charset="-127"/>
+              </a:rPr>
+              <a:t>1: </a:t>
+            </a:r>
+            <a:r>
+              <a:rPr lang="en-US" altLang="ko-KR" sz="2800" dirty="0">
+                <a:latin typeface="리디바탕" panose="020B0600000101010101" pitchFamily="34" charset="-127"/>
+                <a:ea typeface="리디바탕" panose="020B0600000101010101" pitchFamily="34" charset="-127"/>
+              </a:rPr>
+              <a:t>B, </a:t>
+            </a:r>
+            <a:r>
+              <a:rPr lang="en-US" altLang="ko-KR" sz="2800" dirty="0">
+                <a:solidFill>
+                  <a:schemeClr val="bg1">
+                    <a:lumMod val="65000"/>
+                  </a:schemeClr>
+                </a:solidFill>
+                <a:latin typeface="리디바탕" panose="020B0600000101010101" pitchFamily="34" charset="-127"/>
+                <a:ea typeface="리디바탕" panose="020B0600000101010101" pitchFamily="34" charset="-127"/>
+              </a:rPr>
+              <a:t>2: </a:t>
+            </a:r>
+            <a:r>
+              <a:rPr lang="en-US" altLang="ko-KR" sz="2800" dirty="0">
+                <a:latin typeface="리디바탕" panose="020B0600000101010101" pitchFamily="34" charset="-127"/>
+                <a:ea typeface="리디바탕" panose="020B0600000101010101" pitchFamily="34" charset="-127"/>
+              </a:rPr>
+              <a:t>C, </a:t>
+            </a:r>
+            <a:r>
+              <a:rPr lang="en-US" altLang="ko-KR" sz="2800" dirty="0">
+                <a:solidFill>
+                  <a:schemeClr val="bg1">
+                    <a:lumMod val="65000"/>
+                  </a:schemeClr>
+                </a:solidFill>
+                <a:latin typeface="리디바탕" panose="020B0600000101010101" pitchFamily="34" charset="-127"/>
+                <a:ea typeface="리디바탕" panose="020B0600000101010101" pitchFamily="34" charset="-127"/>
+              </a:rPr>
+              <a:t>3: </a:t>
+            </a:r>
+            <a:r>
+              <a:rPr lang="en-US" altLang="ko-KR" sz="2800" dirty="0">
+                <a:latin typeface="리디바탕" panose="020B0600000101010101" pitchFamily="34" charset="-127"/>
+                <a:ea typeface="리디바탕" panose="020B0600000101010101" pitchFamily="34" charset="-127"/>
+              </a:rPr>
+              <a:t>D, </a:t>
+            </a:r>
+            <a:r>
+              <a:rPr lang="en-US" altLang="ko-KR" sz="2800" dirty="0">
+                <a:solidFill>
+                  <a:schemeClr val="bg1">
+                    <a:lumMod val="65000"/>
+                  </a:schemeClr>
+                </a:solidFill>
+                <a:latin typeface="리디바탕" panose="020B0600000101010101" pitchFamily="34" charset="-127"/>
+                <a:ea typeface="리디바탕" panose="020B0600000101010101" pitchFamily="34" charset="-127"/>
+              </a:rPr>
+              <a:t>4: </a:t>
+            </a:r>
+            <a:r>
+              <a:rPr lang="en-US" altLang="ko-KR" sz="2800" dirty="0">
+                <a:latin typeface="리디바탕" panose="020B0600000101010101" pitchFamily="34" charset="-127"/>
+                <a:ea typeface="리디바탕" panose="020B0600000101010101" pitchFamily="34" charset="-127"/>
+              </a:rPr>
+              <a:t>E ]</a:t>
+            </a:r>
+          </a:p>
+          <a:p>
+            <a:pPr>
+              <a:lnSpc>
+                <a:spcPct val="200000"/>
+              </a:lnSpc>
+            </a:pPr>
+            <a:r>
+              <a:rPr lang="ko-KR" altLang="en-US" sz="2400" dirty="0">
+                <a:latin typeface="리디바탕" panose="020B0600000101010101" pitchFamily="34" charset="-127"/>
+                <a:ea typeface="리디바탕" panose="020B0600000101010101" pitchFamily="34" charset="-127"/>
+              </a:rPr>
+              <a:t>이러한 리스트에서</a:t>
+            </a:r>
+            <a:endParaRPr lang="en-US" altLang="ko-KR" sz="2400" dirty="0">
+              <a:latin typeface="리디바탕" panose="020B0600000101010101" pitchFamily="34" charset="-127"/>
+              <a:ea typeface="리디바탕" panose="020B0600000101010101" pitchFamily="34" charset="-127"/>
+            </a:endParaRPr>
+          </a:p>
           <a:p>
             <a:pPr>
               <a:lnSpc>
@@ -8562,107 +8056,49 @@
               </a:lnSpc>
             </a:pPr>
             <a:r>
-              <a:rPr lang="en-US" altLang="ko-KR" sz="2800" dirty="0" smtClean="0">
-                <a:latin typeface="리디바탕" panose="020B0600000101010101" pitchFamily="34" charset="-127"/>
-                <a:ea typeface="리디바탕" panose="020B0600000101010101" pitchFamily="34" charset="-127"/>
-              </a:rPr>
-              <a:t>[ </a:t>
-            </a:r>
-            <a:r>
-              <a:rPr lang="en-US" altLang="ko-KR" sz="2800" dirty="0" smtClean="0">
+              <a:rPr lang="ko-KR" altLang="en-US" sz="2400" dirty="0">
                 <a:solidFill>
                   <a:schemeClr val="bg1">
-                    <a:lumMod val="65000"/>
+                    <a:lumMod val="50000"/>
                   </a:schemeClr>
                 </a:solidFill>
                 <a:latin typeface="리디바탕" panose="020B0600000101010101" pitchFamily="34" charset="-127"/>
                 <a:ea typeface="리디바탕" panose="020B0600000101010101" pitchFamily="34" charset="-127"/>
               </a:rPr>
-              <a:t>0: </a:t>
-            </a:r>
-            <a:r>
-              <a:rPr lang="en-US" altLang="ko-KR" sz="2800" dirty="0" smtClean="0">
-                <a:latin typeface="리디바탕" panose="020B0600000101010101" pitchFamily="34" charset="-127"/>
-                <a:ea typeface="리디바탕" panose="020B0600000101010101" pitchFamily="34" charset="-127"/>
-              </a:rPr>
-              <a:t>A, </a:t>
-            </a:r>
-            <a:r>
-              <a:rPr lang="en-US" altLang="ko-KR" sz="2800" dirty="0" smtClean="0">
-                <a:solidFill>
-                  <a:schemeClr val="bg1">
-                    <a:lumMod val="65000"/>
-                  </a:schemeClr>
-                </a:solidFill>
-                <a:latin typeface="리디바탕" panose="020B0600000101010101" pitchFamily="34" charset="-127"/>
-                <a:ea typeface="리디바탕" panose="020B0600000101010101" pitchFamily="34" charset="-127"/>
-              </a:rPr>
-              <a:t>1: </a:t>
-            </a:r>
-            <a:r>
-              <a:rPr lang="en-US" altLang="ko-KR" sz="2800" dirty="0" smtClean="0">
-                <a:latin typeface="리디바탕" panose="020B0600000101010101" pitchFamily="34" charset="-127"/>
-                <a:ea typeface="리디바탕" panose="020B0600000101010101" pitchFamily="34" charset="-127"/>
-              </a:rPr>
-              <a:t>B, </a:t>
-            </a:r>
-            <a:r>
-              <a:rPr lang="en-US" altLang="ko-KR" sz="2800" dirty="0" smtClean="0">
-                <a:solidFill>
-                  <a:schemeClr val="bg1">
-                    <a:lumMod val="65000"/>
-                  </a:schemeClr>
-                </a:solidFill>
-                <a:latin typeface="리디바탕" panose="020B0600000101010101" pitchFamily="34" charset="-127"/>
-                <a:ea typeface="리디바탕" panose="020B0600000101010101" pitchFamily="34" charset="-127"/>
-              </a:rPr>
-              <a:t>2: </a:t>
-            </a:r>
-            <a:r>
-              <a:rPr lang="en-US" altLang="ko-KR" sz="2800" dirty="0" smtClean="0">
-                <a:latin typeface="리디바탕" panose="020B0600000101010101" pitchFamily="34" charset="-127"/>
-                <a:ea typeface="리디바탕" panose="020B0600000101010101" pitchFamily="34" charset="-127"/>
-              </a:rPr>
-              <a:t>C, </a:t>
-            </a:r>
-            <a:r>
-              <a:rPr lang="en-US" altLang="ko-KR" sz="2800" dirty="0" smtClean="0">
-                <a:solidFill>
-                  <a:schemeClr val="bg1">
-                    <a:lumMod val="65000"/>
-                  </a:schemeClr>
-                </a:solidFill>
-                <a:latin typeface="리디바탕" panose="020B0600000101010101" pitchFamily="34" charset="-127"/>
-                <a:ea typeface="리디바탕" panose="020B0600000101010101" pitchFamily="34" charset="-127"/>
-              </a:rPr>
-              <a:t>3: </a:t>
-            </a:r>
-            <a:r>
-              <a:rPr lang="en-US" altLang="ko-KR" sz="2800" dirty="0" smtClean="0">
-                <a:latin typeface="리디바탕" panose="020B0600000101010101" pitchFamily="34" charset="-127"/>
-                <a:ea typeface="리디바탕" panose="020B0600000101010101" pitchFamily="34" charset="-127"/>
-              </a:rPr>
-              <a:t>D, </a:t>
-            </a:r>
-            <a:r>
-              <a:rPr lang="en-US" altLang="ko-KR" sz="2800" dirty="0" smtClean="0">
-                <a:solidFill>
-                  <a:schemeClr val="bg1">
-                    <a:lumMod val="65000"/>
-                  </a:schemeClr>
-                </a:solidFill>
-                <a:latin typeface="리디바탕" panose="020B0600000101010101" pitchFamily="34" charset="-127"/>
-                <a:ea typeface="리디바탕" panose="020B0600000101010101" pitchFamily="34" charset="-127"/>
-              </a:rPr>
-              <a:t>4: </a:t>
-            </a:r>
-            <a:r>
-              <a:rPr lang="en-US" altLang="ko-KR" sz="2800" dirty="0" smtClean="0">
-                <a:latin typeface="리디바탕" panose="020B0600000101010101" pitchFamily="34" charset="-127"/>
-                <a:ea typeface="리디바탕" panose="020B0600000101010101" pitchFamily="34" charset="-127"/>
-              </a:rPr>
-              <a:t>E ]</a:t>
-            </a:r>
+              <a:t>암시적 키 값</a:t>
+            </a:r>
+            <a:r>
+              <a:rPr lang="en-US" altLang="ko-KR" sz="2400" dirty="0">
+                <a:latin typeface="리디바탕" panose="020B0600000101010101" pitchFamily="34" charset="-127"/>
+                <a:ea typeface="리디바탕" panose="020B0600000101010101" pitchFamily="34" charset="-127"/>
+              </a:rPr>
+              <a:t>(</a:t>
+            </a:r>
+            <a:r>
+              <a:rPr lang="ko-KR" altLang="en-US" sz="2400" dirty="0">
+                <a:latin typeface="리디바탕" panose="020B0600000101010101" pitchFamily="34" charset="-127"/>
+                <a:ea typeface="리디바탕" panose="020B0600000101010101" pitchFamily="34" charset="-127"/>
+              </a:rPr>
+              <a:t>인덱스 넘버</a:t>
+            </a:r>
+            <a:r>
+              <a:rPr lang="en-US" altLang="ko-KR" sz="2400" dirty="0">
+                <a:latin typeface="리디바탕" panose="020B0600000101010101" pitchFamily="34" charset="-127"/>
+                <a:ea typeface="리디바탕" panose="020B0600000101010101" pitchFamily="34" charset="-127"/>
+              </a:rPr>
+              <a:t>)</a:t>
+            </a:r>
+            <a:r>
+              <a:rPr lang="ko-KR" altLang="en-US" sz="2400" dirty="0">
+                <a:latin typeface="리디바탕" panose="020B0600000101010101" pitchFamily="34" charset="-127"/>
+                <a:ea typeface="리디바탕" panose="020B0600000101010101" pitchFamily="34" charset="-127"/>
+              </a:rPr>
+              <a:t>는</a:t>
+            </a:r>
+            <a:endParaRPr lang="en-US" altLang="ko-KR" sz="2400" dirty="0">
+              <a:latin typeface="리디바탕" panose="020B0600000101010101" pitchFamily="34" charset="-127"/>
+              <a:ea typeface="리디바탕" panose="020B0600000101010101" pitchFamily="34" charset="-127"/>
+            </a:endParaRPr>
           </a:p>
           <a:p>
             <a:pPr>
@@ -8670,14 +8106,7 @@
                 <a:spcPct val="150000"/>
               </a:lnSpc>
             </a:pPr>
-            <a:r>
-              <a:rPr lang="ko-KR" altLang="en-US" sz="2400" dirty="0" smtClean="0">
-                <a:latin typeface="리디바탕" panose="020B0600000101010101" pitchFamily="34" charset="-127"/>
-                <a:ea typeface="리디바탕" panose="020B0600000101010101" pitchFamily="34" charset="-127"/>
-              </a:rPr>
-              <a:t>이러한 리스트에서</a:t>
-            </a:r>
-            <a:endParaRPr lang="en-US" altLang="ko-KR" sz="2400" dirty="0" smtClean="0">
+            <a:endParaRPr lang="en-US" altLang="ko-KR" sz="2400" dirty="0">
               <a:latin typeface="리디바탕" panose="020B0600000101010101" pitchFamily="34" charset="-127"/>
               <a:ea typeface="리디바탕" panose="020B0600000101010101" pitchFamily="34" charset="-127"/>
             </a:endParaRPr>
@@ -8689,58 +8118,27 @@
               </a:lnSpc>
             </a:pPr>
             <a:r>
-              <a:rPr lang="ko-KR" altLang="en-US" sz="2400" dirty="0" smtClean="0">
-                <a:solidFill>
-                  <a:schemeClr val="bg1">
-                    <a:lumMod val="50000"/>
-                  </a:schemeClr>
-                </a:solidFill>
-                <a:latin typeface="리디바탕" panose="020B0600000101010101" pitchFamily="34" charset="-127"/>
-                <a:ea typeface="리디바탕" panose="020B0600000101010101" pitchFamily="34" charset="-127"/>
-              </a:rPr>
-              <a:t>암시적 </a:t>
-            </a:r>
-            <a:r>
-              <a:rPr lang="ko-KR" altLang="en-US" sz="2400" dirty="0">
-                <a:solidFill>
-                  <a:schemeClr val="bg1">
-                    <a:lumMod val="50000"/>
-                  </a:schemeClr>
-                </a:solidFill>
-                <a:latin typeface="리디바탕" panose="020B0600000101010101" pitchFamily="34" charset="-127"/>
-                <a:ea typeface="리디바탕" panose="020B0600000101010101" pitchFamily="34" charset="-127"/>
-              </a:rPr>
-              <a:t>키 값</a:t>
-            </a:r>
-            <a:r>
-              <a:rPr lang="en-US" altLang="ko-KR" sz="2400" dirty="0">
-                <a:latin typeface="리디바탕" panose="020B0600000101010101" pitchFamily="34" charset="-127"/>
-                <a:ea typeface="리디바탕" panose="020B0600000101010101" pitchFamily="34" charset="-127"/>
-              </a:rPr>
-              <a:t>(</a:t>
-            </a:r>
-            <a:r>
-              <a:rPr lang="ko-KR" altLang="en-US" sz="2400" dirty="0">
-                <a:latin typeface="리디바탕" panose="020B0600000101010101" pitchFamily="34" charset="-127"/>
-                <a:ea typeface="리디바탕" panose="020B0600000101010101" pitchFamily="34" charset="-127"/>
-              </a:rPr>
-              <a:t>인덱스 넘버</a:t>
-            </a:r>
-            <a:r>
-              <a:rPr lang="en-US" altLang="ko-KR" sz="2400" dirty="0" smtClean="0">
-                <a:latin typeface="리디바탕" panose="020B0600000101010101" pitchFamily="34" charset="-127"/>
-                <a:ea typeface="리디바탕" panose="020B0600000101010101" pitchFamily="34" charset="-127"/>
-              </a:rPr>
-              <a:t>)</a:t>
-            </a:r>
-            <a:r>
-              <a:rPr lang="ko-KR" altLang="en-US" sz="2400" dirty="0" smtClean="0">
-                <a:latin typeface="리디바탕" panose="020B0600000101010101" pitchFamily="34" charset="-127"/>
-                <a:ea typeface="리디바탕" panose="020B0600000101010101" pitchFamily="34" charset="-127"/>
-              </a:rPr>
-              <a:t>는</a:t>
-            </a:r>
-            <a:endParaRPr lang="en-US" altLang="ko-KR" sz="2400" dirty="0" smtClean="0">
+              <a:rPr lang="ko-KR" altLang="en-US" sz="2000" dirty="0">
+                <a:latin typeface="리디바탕" panose="020B0600000101010101" pitchFamily="34" charset="-127"/>
+                <a:ea typeface="리디바탕" panose="020B0600000101010101" pitchFamily="34" charset="-127"/>
+              </a:rPr>
+              <a:t>자신에게 대응되는 </a:t>
+            </a:r>
+            <a:r>
+              <a:rPr lang="en-US" altLang="ko-KR" sz="2000" dirty="0">
+                <a:latin typeface="리디바탕" panose="020B0600000101010101" pitchFamily="34" charset="-127"/>
+                <a:ea typeface="리디바탕" panose="020B0600000101010101" pitchFamily="34" charset="-127"/>
+              </a:rPr>
+              <a:t>value </a:t>
+            </a:r>
+            <a:r>
+              <a:rPr lang="ko-KR" altLang="en-US" sz="2000" dirty="0">
+                <a:latin typeface="리디바탕" panose="020B0600000101010101" pitchFamily="34" charset="-127"/>
+                <a:ea typeface="리디바탕" panose="020B0600000101010101" pitchFamily="34" charset="-127"/>
+              </a:rPr>
+              <a:t>들에 대한</a:t>
+            </a:r>
+            <a:endParaRPr lang="en-US" altLang="ko-KR" sz="2000" dirty="0">
               <a:latin typeface="리디바탕" panose="020B0600000101010101" pitchFamily="34" charset="-127"/>
               <a:ea typeface="리디바탕" panose="020B0600000101010101" pitchFamily="34" charset="-127"/>
             </a:endParaRPr>
@@ -8751,58 +8149,15 @@
                 <a:spcPct val="150000"/>
               </a:lnSpc>
             </a:pPr>
-            <a:endParaRPr lang="en-US" altLang="ko-KR" sz="2400" dirty="0" smtClean="0">
-              <a:latin typeface="리디바탕" panose="020B0600000101010101" pitchFamily="34" charset="-127"/>
-              <a:ea typeface="리디바탕" panose="020B0600000101010101" pitchFamily="34" charset="-127"/>
-            </a:endParaRPr>
-          </a:p>
-          <a:p>
-            <a:pPr>
-              <a:lnSpc>
-                <a:spcPct val="150000"/>
-              </a:lnSpc>
-            </a:pPr>
-            <a:r>
-              <a:rPr lang="ko-KR" altLang="en-US" sz="2000" dirty="0" smtClean="0">
-                <a:latin typeface="리디바탕" panose="020B0600000101010101" pitchFamily="34" charset="-127"/>
-                <a:ea typeface="리디바탕" panose="020B0600000101010101" pitchFamily="34" charset="-127"/>
-              </a:rPr>
-              <a:t>자신에게 대응되는 </a:t>
-            </a:r>
-            <a:r>
-              <a:rPr lang="en-US" altLang="ko-KR" sz="2000" dirty="0" smtClean="0">
-                <a:latin typeface="리디바탕" panose="020B0600000101010101" pitchFamily="34" charset="-127"/>
-                <a:ea typeface="리디바탕" panose="020B0600000101010101" pitchFamily="34" charset="-127"/>
-              </a:rPr>
-              <a:t>value </a:t>
-            </a:r>
-            <a:r>
-              <a:rPr lang="ko-KR" altLang="en-US" sz="2000" dirty="0" smtClean="0">
-                <a:latin typeface="리디바탕" panose="020B0600000101010101" pitchFamily="34" charset="-127"/>
-                <a:ea typeface="리디바탕" panose="020B0600000101010101" pitchFamily="34" charset="-127"/>
-              </a:rPr>
-              <a:t>들에 대한</a:t>
-            </a:r>
-            <a:endParaRPr lang="en-US" altLang="ko-KR" sz="2000" dirty="0" smtClean="0">
-              <a:latin typeface="리디바탕" panose="020B0600000101010101" pitchFamily="34" charset="-127"/>
-              <a:ea typeface="리디바탕" panose="020B0600000101010101" pitchFamily="34" charset="-127"/>
-            </a:endParaRPr>
-          </a:p>
-          <a:p>
-            <a:pPr>
-              <a:lnSpc>
-                <a:spcPct val="150000"/>
-              </a:lnSpc>
-            </a:pPr>
-            <a:r>
-              <a:rPr lang="ko-KR" altLang="en-US" sz="2000" dirty="0" smtClean="0">
+            <a:r>
+              <a:rPr lang="ko-KR" altLang="en-US" sz="2000" dirty="0">
                 <a:latin typeface="리디바탕" panose="020B0600000101010101" pitchFamily="34" charset="-127"/>
                 <a:ea typeface="리디바탕" panose="020B0600000101010101" pitchFamily="34" charset="-127"/>
               </a:rPr>
               <a:t>어떤 정보도 사용자에게 제공하지 못한다</a:t>
             </a:r>
             <a:r>
-              <a:rPr lang="en-US" altLang="ko-KR" sz="2000" dirty="0" smtClean="0">
+              <a:rPr lang="en-US" altLang="ko-KR" sz="2000" dirty="0">
                 <a:latin typeface="리디바탕" panose="020B0600000101010101" pitchFamily="34" charset="-127"/>
                 <a:ea typeface="리디바탕" panose="020B0600000101010101" pitchFamily="34" charset="-127"/>
               </a:rPr>
@@ -8821,13 +8176,6 @@
   <p:clrMapOvr>
     <a:masterClrMapping/>
   </p:clrMapOvr>
-  <p:timing>
-    <p:tnLst>
-      <p:par>
-        <p:cTn id="1" dur="indefinite" restart="never" nodeType="tmRoot"/>
-      </p:par>
-    </p:tnLst>
-  </p:timing>
 </p:sld>
 </file>
 
@@ -8872,7 +8220,7 @@
           <a:p>
             <a:pPr algn="ctr"/>
             <a:r>
-              <a:rPr lang="en-US" altLang="ko-KR" sz="2800" dirty="0" smtClean="0">
+              <a:rPr lang="en-US" altLang="ko-KR" sz="2800" dirty="0">
                 <a:latin typeface="리디바탕" panose="020B0600000101010101" pitchFamily="34" charset="-127"/>
                 <a:ea typeface="리디바탕" panose="020B0600000101010101" pitchFamily="34" charset="-127"/>
               </a:rPr>
@@ -8910,7 +8258,7 @@
               <a:buAutoNum type="arabicPeriod"/>
             </a:pPr>
             <a:r>
-              <a:rPr lang="en-US" altLang="ko-KR" sz="2800" dirty="0" smtClean="0">
+              <a:rPr lang="en-US" altLang="ko-KR" sz="2800" dirty="0">
                 <a:solidFill>
                   <a:schemeClr val="bg1">
                     <a:lumMod val="65000"/>
@@ -8922,7 +8270,7 @@
               <a:t>Condition </a:t>
             </a:r>
             <a:r>
-              <a:rPr lang="ko-KR" altLang="en-US" sz="2800" dirty="0" smtClean="0">
+              <a:rPr lang="ko-KR" altLang="en-US" sz="2800" dirty="0">
                 <a:solidFill>
                   <a:schemeClr val="bg1">
                     <a:lumMod val="65000"/>
@@ -8934,7 +8282,7 @@
               <a:t>구문</a:t>
             </a:r>
             <a:r>
-              <a:rPr lang="en-US" altLang="ko-KR" sz="2800" dirty="0" smtClean="0">
+              <a:rPr lang="en-US" altLang="ko-KR" sz="2800" dirty="0">
                 <a:solidFill>
                   <a:schemeClr val="bg1">
                     <a:lumMod val="65000"/>
@@ -8946,7 +8294,7 @@
               <a:t>(</a:t>
             </a:r>
             <a:r>
-              <a:rPr lang="ko-KR" altLang="en-US" sz="2800" dirty="0" smtClean="0">
+              <a:rPr lang="ko-KR" altLang="en-US" sz="2800" dirty="0">
                 <a:solidFill>
                   <a:schemeClr val="bg1">
                     <a:lumMod val="65000"/>
@@ -8958,7 +8306,7 @@
               <a:t>조건 제어</a:t>
             </a:r>
             <a:r>
-              <a:rPr lang="en-US" altLang="ko-KR" sz="2800" dirty="0" smtClean="0">
+              <a:rPr lang="en-US" altLang="ko-KR" sz="2800" dirty="0">
                 <a:solidFill>
                   <a:schemeClr val="bg1">
                     <a:lumMod val="65000"/>
@@ -8970,7 +8318,7 @@
               <a:t>)</a:t>
             </a:r>
             <a:r>
-              <a:rPr lang="ko-KR" altLang="en-US" sz="2800" dirty="0" smtClean="0">
+              <a:rPr lang="ko-KR" altLang="en-US" sz="2800" dirty="0">
                 <a:solidFill>
                   <a:schemeClr val="bg1">
                     <a:lumMod val="65000"/>
@@ -8981,7 +8329,7 @@
               </a:rPr>
               <a:t> 으로서의 사용</a:t>
             </a:r>
-            <a:endParaRPr lang="en-US" altLang="ko-KR" sz="2800" dirty="0" smtClean="0">
+            <a:endParaRPr lang="en-US" altLang="ko-KR" sz="2800" dirty="0">
               <a:solidFill>
                 <a:schemeClr val="bg1">
                   <a:lumMod val="65000"/>
@@ -8999,32 +8347,18 @@
               <a:buAutoNum type="arabicPeriod"/>
             </a:pPr>
             <a:r>
-              <a:rPr lang="en-US" altLang="ko-KR" sz="2800" dirty="0" smtClean="0">
-                <a:latin typeface="리디바탕" panose="020B0600000101010101" pitchFamily="34" charset="-127"/>
-                <a:ea typeface="리디바탕" panose="020B0600000101010101" pitchFamily="34" charset="-127"/>
-              </a:rPr>
-              <a:t>Data </a:t>
-            </a:r>
-            <a:r>
               <a:rPr lang="en-US" altLang="ko-KR" sz="2800" dirty="0">
                 <a:latin typeface="리디바탕" panose="020B0600000101010101" pitchFamily="34" charset="-127"/>
                 <a:ea typeface="리디바탕" panose="020B0600000101010101" pitchFamily="34" charset="-127"/>
               </a:rPr>
-              <a:t>Object </a:t>
+              <a:t>Data Object </a:t>
             </a:r>
             <a:r>
               <a:rPr lang="ko-KR" altLang="en-US" sz="2800" dirty="0">
                 <a:latin typeface="리디바탕" panose="020B0600000101010101" pitchFamily="34" charset="-127"/>
                 <a:ea typeface="리디바탕" panose="020B0600000101010101" pitchFamily="34" charset="-127"/>
               </a:rPr>
-              <a:t>로서의 </a:t>
-            </a:r>
-            <a:r>
-              <a:rPr lang="ko-KR" altLang="en-US" sz="2800" dirty="0" smtClean="0">
-                <a:latin typeface="리디바탕" panose="020B0600000101010101" pitchFamily="34" charset="-127"/>
-                <a:ea typeface="리디바탕" panose="020B0600000101010101" pitchFamily="34" charset="-127"/>
-              </a:rPr>
-              <a:t>사용</a:t>
+              <a:t>로서의 사용</a:t>
             </a:r>
             <a:endParaRPr lang="en-US" altLang="ko-KR" sz="2800" dirty="0">
               <a:latin typeface="리디바탕" panose="020B0600000101010101" pitchFamily="34" charset="-127"/>
@@ -9056,23 +8390,19 @@
           <a:lstStyle/>
           <a:p>
             <a:r>
-              <a:rPr lang="en-US" altLang="ko-KR" sz="1400" dirty="0" smtClean="0">
+              <a:rPr lang="en-US" altLang="ko-KR" sz="1400" dirty="0">
                 <a:latin typeface="리디바탕" panose="020B0600000101010101" pitchFamily="34" charset="-127"/>
                 <a:ea typeface="리디바탕" panose="020B0600000101010101" pitchFamily="34" charset="-127"/>
               </a:rPr>
               <a:t>*</a:t>
             </a:r>
             <a:r>
-              <a:rPr lang="ko-KR" altLang="en-US" sz="1400" dirty="0" smtClean="0">
+              <a:rPr lang="ko-KR" altLang="en-US" sz="1400" dirty="0">
                 <a:latin typeface="리디바탕" panose="020B0600000101010101" pitchFamily="34" charset="-127"/>
                 <a:ea typeface="리디바탕" panose="020B0600000101010101" pitchFamily="34" charset="-127"/>
               </a:rPr>
               <a:t>매우 비효율적이지만 가능은 하다</a:t>
             </a:r>
-            <a:endParaRPr lang="ko-KR" altLang="en-US" sz="1400" dirty="0">
-              <a:latin typeface="리디바탕" panose="020B0600000101010101" pitchFamily="34" charset="-127"/>
-              <a:ea typeface="리디바탕" panose="020B0600000101010101" pitchFamily="34" charset="-127"/>
-            </a:endParaRPr>
           </a:p>
         </p:txBody>
       </p:sp>
@@ -9086,13 +8416,6 @@
   <p:clrMapOvr>
     <a:masterClrMapping/>
   </p:clrMapOvr>
-  <p:timing>
-    <p:tnLst>
-      <p:par>
-        <p:cTn id="1" dur="indefinite" restart="never" nodeType="tmRoot"/>
-      </p:par>
-    </p:tnLst>
-  </p:timing>
 </p:sld>
 </file>
 
@@ -9141,7 +8464,7 @@
               </a:lnSpc>
             </a:pPr>
             <a:r>
-              <a:rPr lang="en-US" altLang="ko-KR" sz="2800" dirty="0" smtClean="0">
+              <a:rPr lang="en-US" altLang="ko-KR" sz="2800" dirty="0">
                 <a:solidFill>
                   <a:schemeClr val="tx1">
                     <a:lumMod val="50000"/>
@@ -9154,7 +8477,7 @@
               <a:t>{ </a:t>
             </a:r>
             <a:r>
-              <a:rPr lang="ko-KR" altLang="en-US" sz="2800" dirty="0" smtClean="0">
+              <a:rPr lang="ko-KR" altLang="en-US" sz="2800" dirty="0">
                 <a:solidFill>
                   <a:srgbClr val="FF00FF"/>
                 </a:solidFill>
@@ -9164,7 +8487,7 @@
               <a:t>이름</a:t>
             </a:r>
             <a:r>
-              <a:rPr lang="en-US" altLang="ko-KR" sz="2800" dirty="0" smtClean="0">
+              <a:rPr lang="en-US" altLang="ko-KR" sz="2800" dirty="0">
                 <a:solidFill>
                   <a:schemeClr val="tx1">
                     <a:lumMod val="50000"/>
@@ -9177,7 +8500,7 @@
               <a:t>: </a:t>
             </a:r>
             <a:r>
-              <a:rPr lang="ko-KR" altLang="en-US" sz="2800" dirty="0" smtClean="0">
+              <a:rPr lang="ko-KR" altLang="en-US" sz="2800" dirty="0">
                 <a:solidFill>
                   <a:schemeClr val="tx1">
                     <a:lumMod val="50000"/>
@@ -9190,7 +8513,7 @@
               <a:t>장만규</a:t>
             </a:r>
             <a:r>
-              <a:rPr lang="en-US" altLang="ko-KR" sz="2800" dirty="0" smtClean="0">
+              <a:rPr lang="en-US" altLang="ko-KR" sz="2800" dirty="0">
                 <a:solidFill>
                   <a:schemeClr val="tx1">
                     <a:lumMod val="50000"/>
@@ -9203,7 +8526,7 @@
               <a:t>, </a:t>
             </a:r>
             <a:r>
-              <a:rPr lang="ko-KR" altLang="en-US" sz="2800" dirty="0" smtClean="0">
+              <a:rPr lang="ko-KR" altLang="en-US" sz="2800" dirty="0">
                 <a:solidFill>
                   <a:srgbClr val="FF00FF"/>
                 </a:solidFill>
@@ -9213,7 +8536,7 @@
               <a:t>나이</a:t>
             </a:r>
             <a:r>
-              <a:rPr lang="en-US" altLang="ko-KR" sz="2800" dirty="0" smtClean="0">
+              <a:rPr lang="en-US" altLang="ko-KR" sz="2800" dirty="0">
                 <a:solidFill>
                   <a:schemeClr val="tx1">
                     <a:lumMod val="50000"/>
@@ -9226,7 +8549,7 @@
               <a:t>:</a:t>
             </a:r>
             <a:r>
-              <a:rPr lang="ko-KR" altLang="en-US" sz="2800" dirty="0" smtClean="0">
+              <a:rPr lang="ko-KR" altLang="en-US" sz="2800" dirty="0">
                 <a:solidFill>
                   <a:schemeClr val="tx1">
                     <a:lumMod val="50000"/>
@@ -9239,7 +8562,7 @@
               <a:t> </a:t>
             </a:r>
             <a:r>
-              <a:rPr lang="en-US" altLang="ko-KR" sz="2800" dirty="0" smtClean="0">
+              <a:rPr lang="en-US" altLang="ko-KR" sz="2800" dirty="0">
                 <a:solidFill>
                   <a:schemeClr val="tx1">
                     <a:lumMod val="50000"/>
@@ -9252,7 +8575,7 @@
               <a:t>35</a:t>
             </a:r>
             <a:r>
-              <a:rPr lang="ko-KR" altLang="en-US" sz="2800" dirty="0" smtClean="0">
+              <a:rPr lang="ko-KR" altLang="en-US" sz="2800" dirty="0">
                 <a:solidFill>
                   <a:schemeClr val="tx1">
                     <a:lumMod val="50000"/>
@@ -9265,7 +8588,7 @@
               <a:t>세</a:t>
             </a:r>
             <a:r>
-              <a:rPr lang="en-US" altLang="ko-KR" sz="2800" dirty="0" smtClean="0">
+              <a:rPr lang="en-US" altLang="ko-KR" sz="2800" dirty="0">
                 <a:solidFill>
                   <a:schemeClr val="tx1">
                     <a:lumMod val="50000"/>
@@ -9278,7 +8601,7 @@
               <a:t>, </a:t>
             </a:r>
             <a:r>
-              <a:rPr lang="ko-KR" altLang="en-US" sz="2800" dirty="0" smtClean="0">
+              <a:rPr lang="ko-KR" altLang="en-US" sz="2800" dirty="0">
                 <a:solidFill>
                   <a:srgbClr val="FF00FF"/>
                 </a:solidFill>
@@ -9288,7 +8611,7 @@
               <a:t>취미</a:t>
             </a:r>
             <a:r>
-              <a:rPr lang="en-US" altLang="ko-KR" sz="2800" dirty="0" smtClean="0">
+              <a:rPr lang="en-US" altLang="ko-KR" sz="2800" dirty="0">
                 <a:solidFill>
                   <a:schemeClr val="tx1">
                     <a:lumMod val="50000"/>
@@ -9301,7 +8624,7 @@
               <a:t>: </a:t>
             </a:r>
             <a:r>
-              <a:rPr lang="ko-KR" altLang="en-US" sz="2800" dirty="0" err="1" smtClean="0">
+              <a:rPr lang="ko-KR" altLang="en-US" sz="2800" dirty="0" err="1">
                 <a:solidFill>
                   <a:schemeClr val="tx1">
                     <a:lumMod val="50000"/>
@@ -9314,7 +8637,7 @@
               <a:t>다이나모</a:t>
             </a:r>
             <a:r>
-              <a:rPr lang="en-US" altLang="ko-KR" sz="2800" dirty="0" smtClean="0">
+              <a:rPr lang="en-US" altLang="ko-KR" sz="2800" dirty="0">
                 <a:solidFill>
                   <a:schemeClr val="tx1">
                     <a:lumMod val="50000"/>
@@ -9327,7 +8650,7 @@
               <a:t>, </a:t>
             </a:r>
             <a:r>
-              <a:rPr lang="ko-KR" altLang="en-US" sz="2800" dirty="0" err="1" smtClean="0">
+              <a:rPr lang="ko-KR" altLang="en-US" sz="2800" dirty="0" err="1">
                 <a:solidFill>
                   <a:srgbClr val="FF00FF"/>
                 </a:solidFill>
@@ -9337,7 +8660,7 @@
               <a:t>사는곳</a:t>
             </a:r>
             <a:r>
-              <a:rPr lang="en-US" altLang="ko-KR" sz="2800" dirty="0" smtClean="0">
+              <a:rPr lang="en-US" altLang="ko-KR" sz="2800" dirty="0">
                 <a:solidFill>
                   <a:schemeClr val="tx1">
                     <a:lumMod val="50000"/>
@@ -9350,7 +8673,7 @@
               <a:t>: </a:t>
             </a:r>
             <a:r>
-              <a:rPr lang="ko-KR" altLang="en-US" sz="2800" dirty="0" smtClean="0">
+              <a:rPr lang="ko-KR" altLang="en-US" sz="2800" dirty="0">
                 <a:solidFill>
                   <a:schemeClr val="tx1">
                     <a:lumMod val="50000"/>
@@ -9363,7 +8686,7 @@
               <a:t>서울</a:t>
             </a:r>
             <a:r>
-              <a:rPr lang="en-US" altLang="ko-KR" sz="2800" dirty="0" smtClean="0">
+              <a:rPr lang="en-US" altLang="ko-KR" sz="2800" dirty="0">
                 <a:solidFill>
                   <a:schemeClr val="tx1">
                     <a:lumMod val="50000"/>
@@ -9376,7 +8699,7 @@
               <a:t>, </a:t>
             </a:r>
             <a:r>
-              <a:rPr lang="ko-KR" altLang="en-US" sz="2800" dirty="0" smtClean="0">
+              <a:rPr lang="ko-KR" altLang="en-US" sz="2800" dirty="0">
                 <a:solidFill>
                   <a:srgbClr val="FF00FF"/>
                 </a:solidFill>
@@ -9386,7 +8709,7 @@
               <a:t>꿈</a:t>
             </a:r>
             <a:r>
-              <a:rPr lang="en-US" altLang="ko-KR" sz="2800" dirty="0" smtClean="0">
+              <a:rPr lang="en-US" altLang="ko-KR" sz="2800" dirty="0">
                 <a:solidFill>
                   <a:schemeClr val="tx1">
                     <a:lumMod val="50000"/>
@@ -9399,7 +8722,7 @@
               <a:t>: </a:t>
             </a:r>
             <a:r>
-              <a:rPr lang="ko-KR" altLang="en-US" sz="2800" dirty="0" smtClean="0">
+              <a:rPr lang="ko-KR" altLang="en-US" sz="2800" dirty="0">
                 <a:solidFill>
                   <a:schemeClr val="tx1">
                     <a:lumMod val="50000"/>
@@ -9412,7 +8735,7 @@
               <a:t>일확천금</a:t>
             </a:r>
             <a:r>
-              <a:rPr lang="en-US" altLang="ko-KR" sz="2800" dirty="0" smtClean="0">
+              <a:rPr lang="en-US" altLang="ko-KR" sz="2800" dirty="0">
                 <a:solidFill>
                   <a:schemeClr val="tx1">
                     <a:lumMod val="50000"/>
@@ -9450,7 +8773,7 @@
           <a:lstStyle/>
           <a:p>
             <a:r>
-              <a:rPr lang="en-US" altLang="ko-KR" dirty="0" smtClean="0">
+              <a:rPr lang="en-US" altLang="ko-KR" dirty="0">
                 <a:solidFill>
                   <a:srgbClr val="FF00FF"/>
                 </a:solidFill>
@@ -9492,7 +8815,7 @@
           <a:lstStyle/>
           <a:p>
             <a:r>
-              <a:rPr lang="en-US" altLang="ko-KR" dirty="0" smtClean="0">
+              <a:rPr lang="en-US" altLang="ko-KR" dirty="0">
                 <a:solidFill>
                   <a:srgbClr val="0000FF"/>
                 </a:solidFill>
@@ -9534,7 +8857,7 @@
           <a:lstStyle/>
           <a:p>
             <a:r>
-              <a:rPr lang="en-US" altLang="ko-KR" dirty="0" smtClean="0">
+              <a:rPr lang="en-US" altLang="ko-KR" dirty="0">
                 <a:latin typeface="리디바탕" panose="020B0600000101010101" pitchFamily="34" charset="-127"/>
                 <a:ea typeface="리디바탕" panose="020B0600000101010101" pitchFamily="34" charset="-127"/>
               </a:rPr>
@@ -9575,21 +8898,21 @@
               </a:lnSpc>
             </a:pPr>
             <a:r>
-              <a:rPr lang="en-US" altLang="ko-KR" sz="2800" dirty="0" smtClean="0">
+              <a:rPr lang="en-US" altLang="ko-KR" sz="2800" dirty="0">
                 <a:latin typeface="리디바탕" panose="020B0600000101010101" pitchFamily="34" charset="-127"/>
                 <a:ea typeface="리디바탕" panose="020B0600000101010101" pitchFamily="34" charset="-127"/>
               </a:rPr>
               <a:t>Dictionary </a:t>
             </a:r>
             <a:r>
-              <a:rPr lang="ko-KR" altLang="en-US" sz="2800" dirty="0" smtClean="0">
+              <a:rPr lang="ko-KR" altLang="en-US" sz="2800" dirty="0">
                 <a:latin typeface="리디바탕" panose="020B0600000101010101" pitchFamily="34" charset="-127"/>
                 <a:ea typeface="리디바탕" panose="020B0600000101010101" pitchFamily="34" charset="-127"/>
               </a:rPr>
               <a:t>가 코드의 복잡도를 낮출 수 있는 이유는</a:t>
             </a:r>
             <a:r>
-              <a:rPr lang="en-US" altLang="ko-KR" sz="2800" dirty="0" smtClean="0">
+              <a:rPr lang="en-US" altLang="ko-KR" sz="2800" dirty="0">
                 <a:latin typeface="리디바탕" panose="020B0600000101010101" pitchFamily="34" charset="-127"/>
                 <a:ea typeface="리디바탕" panose="020B0600000101010101" pitchFamily="34" charset="-127"/>
               </a:rPr>
@@ -9634,51 +8957,44 @@
                 <a:latin typeface="리디바탕" panose="020B0600000101010101" pitchFamily="34" charset="-127"/>
                 <a:ea typeface="리디바탕" panose="020B0600000101010101" pitchFamily="34" charset="-127"/>
               </a:rPr>
-              <a:t> 키를 </a:t>
-            </a:r>
-            <a:r>
-              <a:rPr lang="ko-KR" altLang="en-US" dirty="0" smtClean="0">
-                <a:latin typeface="리디바탕" panose="020B0600000101010101" pitchFamily="34" charset="-127"/>
-                <a:ea typeface="리디바탕" panose="020B0600000101010101" pitchFamily="34" charset="-127"/>
-              </a:rPr>
-              <a:t>사용하는</a:t>
-            </a:r>
-            <a:r>
-              <a:rPr lang="en-US" altLang="ko-KR" dirty="0" smtClean="0">
+              <a:t> 키를 사용하는</a:t>
+            </a:r>
+            <a:r>
+              <a:rPr lang="en-US" altLang="ko-KR" dirty="0">
                 <a:latin typeface="리디바탕" panose="020B0600000101010101" pitchFamily="34" charset="-127"/>
                 <a:ea typeface="리디바탕" panose="020B0600000101010101" pitchFamily="34" charset="-127"/>
               </a:rPr>
               <a:t> Dictionary</a:t>
             </a:r>
             <a:r>
-              <a:rPr lang="ko-KR" altLang="en-US" dirty="0" smtClean="0">
+              <a:rPr lang="ko-KR" altLang="en-US" dirty="0">
                 <a:latin typeface="리디바탕" panose="020B0600000101010101" pitchFamily="34" charset="-127"/>
                 <a:ea typeface="리디바탕" panose="020B0600000101010101" pitchFamily="34" charset="-127"/>
               </a:rPr>
               <a:t>는 사용자가 직접 데이터를 서술할 수 있는</a:t>
             </a:r>
-            <a:endParaRPr lang="en-US" altLang="ko-KR" dirty="0" smtClean="0">
+            <a:endParaRPr lang="en-US" altLang="ko-KR" dirty="0">
               <a:latin typeface="리디바탕" panose="020B0600000101010101" pitchFamily="34" charset="-127"/>
               <a:ea typeface="리디바탕" panose="020B0600000101010101" pitchFamily="34" charset="-127"/>
             </a:endParaRPr>
           </a:p>
           <a:p>
             <a:r>
-              <a:rPr lang="en-US" altLang="ko-KR" dirty="0" smtClean="0">
+              <a:rPr lang="en-US" altLang="ko-KR" dirty="0">
                 <a:latin typeface="리디바탕" panose="020B0600000101010101" pitchFamily="34" charset="-127"/>
                 <a:ea typeface="리디바탕" panose="020B0600000101010101" pitchFamily="34" charset="-127"/>
               </a:rPr>
               <a:t>key</a:t>
             </a:r>
             <a:r>
-              <a:rPr lang="ko-KR" altLang="en-US" dirty="0" smtClean="0">
+              <a:rPr lang="ko-KR" altLang="en-US" dirty="0">
                 <a:latin typeface="리디바탕" panose="020B0600000101010101" pitchFamily="34" charset="-127"/>
                 <a:ea typeface="리디바탕" panose="020B0600000101010101" pitchFamily="34" charset="-127"/>
               </a:rPr>
               <a:t> 이름을 사용해 데이터를 형성할 수 있음</a:t>
             </a:r>
             <a:r>
-              <a:rPr lang="en-US" altLang="ko-KR" dirty="0" smtClean="0">
+              <a:rPr lang="en-US" altLang="ko-KR" dirty="0">
                 <a:latin typeface="리디바탕" panose="020B0600000101010101" pitchFamily="34" charset="-127"/>
                 <a:ea typeface="리디바탕" panose="020B0600000101010101" pitchFamily="34" charset="-127"/>
               </a:rPr>
@@ -9686,31 +9002,38 @@
             </a:r>
           </a:p>
           <a:p>
-            <a:endParaRPr lang="en-US" altLang="ko-KR" dirty="0" smtClean="0">
+            <a:endParaRPr lang="en-US" altLang="ko-KR" dirty="0">
               <a:latin typeface="리디바탕" panose="020B0600000101010101" pitchFamily="34" charset="-127"/>
               <a:ea typeface="리디바탕" panose="020B0600000101010101" pitchFamily="34" charset="-127"/>
             </a:endParaRPr>
           </a:p>
           <a:p>
             <a:r>
-              <a:rPr lang="ko-KR" altLang="en-US" dirty="0" smtClean="0">
+              <a:rPr lang="ko-KR" altLang="en-US" dirty="0">
                 <a:latin typeface="리디바탕" panose="020B0600000101010101" pitchFamily="34" charset="-127"/>
                 <a:ea typeface="리디바탕" panose="020B0600000101010101" pitchFamily="34" charset="-127"/>
               </a:rPr>
               <a:t>따라서 상대적으로 </a:t>
             </a:r>
             <a:r>
-              <a:rPr lang="en-US" altLang="ko-KR" dirty="0" smtClean="0">
+              <a:rPr lang="en-US" altLang="ko-KR" dirty="0">
+                <a:latin typeface="리디바탕" panose="020B0600000101010101" pitchFamily="34" charset="-127"/>
+                <a:ea typeface="리디바탕" panose="020B0600000101010101" pitchFamily="34" charset="-127"/>
+              </a:rPr>
+              <a:t>*</a:t>
+            </a:r>
+            <a:r>
+              <a:rPr lang="en-US" altLang="ko-KR" dirty="0">
                 <a:solidFill>
                   <a:srgbClr val="FF00FF"/>
                 </a:solidFill>
                 <a:latin typeface="리디바탕" panose="020B0600000101010101" pitchFamily="34" charset="-127"/>
                 <a:ea typeface="리디바탕" panose="020B0600000101010101" pitchFamily="34" charset="-127"/>
               </a:rPr>
-              <a:t>Self-descriptiveness(</a:t>
-            </a:r>
-            <a:r>
-              <a:rPr lang="ko-KR" altLang="en-US" dirty="0" err="1" smtClean="0">
+              <a:t>Self-descriptive(</a:t>
+            </a:r>
+            <a:r>
+              <a:rPr lang="ko-KR" altLang="en-US" dirty="0" err="1">
                 <a:solidFill>
                   <a:srgbClr val="FF00FF"/>
                 </a:solidFill>
@@ -9720,7 +9043,7 @@
               <a:t>자기서술적</a:t>
             </a:r>
             <a:r>
-              <a:rPr lang="en-US" altLang="ko-KR" dirty="0" smtClean="0">
+              <a:rPr lang="en-US" altLang="ko-KR" dirty="0">
                 <a:solidFill>
                   <a:srgbClr val="FF00FF"/>
                 </a:solidFill>
@@ -9730,7 +9053,7 @@
               <a:t>)</a:t>
             </a:r>
             <a:r>
-              <a:rPr lang="en-US" altLang="ko-KR" dirty="0" smtClean="0">
+              <a:rPr lang="en-US" altLang="ko-KR" dirty="0">
                 <a:solidFill>
                   <a:srgbClr val="0000FF"/>
                 </a:solidFill>
@@ -9740,13 +9063,141 @@
               <a:t> </a:t>
             </a:r>
             <a:r>
-              <a:rPr lang="ko-KR" altLang="en-US" dirty="0" smtClean="0">
+              <a:rPr lang="ko-KR" altLang="en-US" dirty="0">
                 <a:latin typeface="리디바탕" panose="020B0600000101010101" pitchFamily="34" charset="-127"/>
                 <a:ea typeface="리디바탕" panose="020B0600000101010101" pitchFamily="34" charset="-127"/>
               </a:rPr>
               <a:t>한 데이터 컬렉션 임</a:t>
             </a:r>
             <a:endParaRPr lang="ko-KR" altLang="en-US" dirty="0"/>
+          </a:p>
+        </p:txBody>
+      </p:sp>
+      <p:sp>
+        <p:nvSpPr>
+          <p:cNvPr id="5" name="TextBox 4">
+            <a:extLst>
+              <a:ext uri="{FF2B5EF4-FFF2-40B4-BE49-F238E27FC236}">
+                <a16:creationId xmlns:a16="http://schemas.microsoft.com/office/drawing/2014/main" id="{ABD02EFB-8B42-5B36-9D03-CD18E3D027BC}"/>
+              </a:ext>
+            </a:extLst>
+          </p:cNvPr>
+          <p:cNvSpPr txBox="1"/>
+          <p:nvPr/>
+        </p:nvSpPr>
+        <p:spPr>
+          <a:xfrm>
+            <a:off x="6911164" y="6035149"/>
+            <a:ext cx="5039832" cy="613373"/>
+          </a:xfrm>
+          <a:prstGeom prst="rect">
+            <a:avLst/>
+          </a:prstGeom>
+          <a:noFill/>
+        </p:spPr>
+        <p:txBody>
+          <a:bodyPr wrap="square">
+            <a:spAutoFit/>
+          </a:bodyPr>
+          <a:lstStyle/>
+          <a:p>
+            <a:pPr>
+              <a:lnSpc>
+                <a:spcPct val="150000"/>
+              </a:lnSpc>
+            </a:pPr>
+            <a:r>
+              <a:rPr lang="en-US" altLang="ko-KR" sz="1200" dirty="0">
+                <a:latin typeface="리디바탕" panose="020B0600000101010101" pitchFamily="34" charset="-127"/>
+                <a:ea typeface="리디바탕" panose="020B0600000101010101" pitchFamily="34" charset="-127"/>
+              </a:rPr>
+              <a:t>* REST </a:t>
+            </a:r>
+            <a:r>
+              <a:rPr lang="ko-KR" altLang="en-US" sz="1200" dirty="0">
+                <a:latin typeface="리디바탕" panose="020B0600000101010101" pitchFamily="34" charset="-127"/>
+                <a:ea typeface="리디바탕" panose="020B0600000101010101" pitchFamily="34" charset="-127"/>
+              </a:rPr>
+              <a:t>아키텍처에서의 </a:t>
+            </a:r>
+            <a:r>
+              <a:rPr lang="en-US" altLang="ko-KR" sz="1200" dirty="0">
+                <a:latin typeface="리디바탕" panose="020B0600000101010101" pitchFamily="34" charset="-127"/>
+                <a:ea typeface="리디바탕" panose="020B0600000101010101" pitchFamily="34" charset="-127"/>
+              </a:rPr>
+              <a:t>Self-descriptive</a:t>
+            </a:r>
+            <a:r>
+              <a:rPr lang="ko-KR" altLang="en-US" sz="1200" dirty="0">
+                <a:latin typeface="리디바탕" panose="020B0600000101010101" pitchFamily="34" charset="-127"/>
+                <a:ea typeface="리디바탕" panose="020B0600000101010101" pitchFamily="34" charset="-127"/>
+              </a:rPr>
+              <a:t>와는 조금 다른 의미로 쓰였음</a:t>
+            </a:r>
+            <a:r>
+              <a:rPr lang="en-US" altLang="ko-KR" sz="1200" dirty="0">
+                <a:latin typeface="리디바탕" panose="020B0600000101010101" pitchFamily="34" charset="-127"/>
+                <a:ea typeface="리디바탕" panose="020B0600000101010101" pitchFamily="34" charset="-127"/>
+              </a:rPr>
+              <a:t>.</a:t>
+            </a:r>
+          </a:p>
+          <a:p>
+            <a:pPr>
+              <a:lnSpc>
+                <a:spcPct val="150000"/>
+              </a:lnSpc>
+            </a:pPr>
+            <a:r>
+              <a:rPr lang="en-US" altLang="ko-KR" sz="1200" dirty="0">
+                <a:latin typeface="리디바탕" panose="020B0600000101010101" pitchFamily="34" charset="-127"/>
+                <a:ea typeface="리디바탕" panose="020B0600000101010101" pitchFamily="34" charset="-127"/>
+              </a:rPr>
+              <a:t>-</a:t>
+            </a:r>
+            <a:r>
+              <a:rPr lang="ko-KR" altLang="en-US" sz="1200" dirty="0">
+                <a:latin typeface="리디바탕" panose="020B0600000101010101" pitchFamily="34" charset="-127"/>
+                <a:ea typeface="리디바탕" panose="020B0600000101010101" pitchFamily="34" charset="-127"/>
+              </a:rPr>
+              <a:t>리스트에 비해 </a:t>
+            </a:r>
+            <a:r>
+              <a:rPr lang="ko-KR" altLang="en-US" sz="1200" u="sng" dirty="0">
+                <a:latin typeface="리디바탕" panose="020B0600000101010101" pitchFamily="34" charset="-127"/>
+                <a:ea typeface="리디바탕" panose="020B0600000101010101" pitchFamily="34" charset="-127"/>
+              </a:rPr>
+              <a:t>상대적</a:t>
+            </a:r>
+            <a:r>
+              <a:rPr lang="ko-KR" altLang="en-US" sz="1200" dirty="0">
+                <a:latin typeface="리디바탕" panose="020B0600000101010101" pitchFamily="34" charset="-127"/>
+                <a:ea typeface="리디바탕" panose="020B0600000101010101" pitchFamily="34" charset="-127"/>
+              </a:rPr>
+              <a:t>으로 </a:t>
+            </a:r>
+            <a:r>
+              <a:rPr lang="ko-KR" altLang="en-US" sz="1200" dirty="0" err="1">
+                <a:latin typeface="리디바탕" panose="020B0600000101010101" pitchFamily="34" charset="-127"/>
+                <a:ea typeface="리디바탕" panose="020B0600000101010101" pitchFamily="34" charset="-127"/>
+              </a:rPr>
+              <a:t>자기서술적이라는</a:t>
+            </a:r>
+            <a:r>
+              <a:rPr lang="ko-KR" altLang="en-US" sz="1200" dirty="0">
+                <a:latin typeface="리디바탕" panose="020B0600000101010101" pitchFamily="34" charset="-127"/>
+                <a:ea typeface="리디바탕" panose="020B0600000101010101" pitchFamily="34" charset="-127"/>
+              </a:rPr>
+              <a:t> 의미</a:t>
+            </a:r>
+            <a:r>
+              <a:rPr lang="en-US" altLang="ko-KR" sz="1200" dirty="0">
+                <a:latin typeface="리디바탕" panose="020B0600000101010101" pitchFamily="34" charset="-127"/>
+                <a:ea typeface="리디바탕" panose="020B0600000101010101" pitchFamily="34" charset="-127"/>
+              </a:rPr>
+              <a:t>.</a:t>
+            </a:r>
+            <a:endParaRPr lang="ko-KR" altLang="en-US" sz="1200" dirty="0"/>
           </a:p>
         </p:txBody>
       </p:sp>
@@ -9760,13 +9211,6 @@
   <p:clrMapOvr>
     <a:masterClrMapping/>
   </p:clrMapOvr>
-  <p:timing>
-    <p:tnLst>
-      <p:par>
-        <p:cTn id="1" dur="indefinite" restart="never" nodeType="tmRoot"/>
-      </p:par>
-    </p:tnLst>
-  </p:timing>
 </p:sld>
 </file>
 
@@ -9815,22 +9259,24 @@
               </a:lnSpc>
             </a:pPr>
             <a:r>
-              <a:rPr lang="ko-KR" altLang="en-US" sz="2800" dirty="0" smtClean="0">
-                <a:latin typeface="리디바탕" panose="020B0600000101010101" pitchFamily="34" charset="-127"/>
-                <a:ea typeface="리디바탕" panose="020B0600000101010101" pitchFamily="34" charset="-127"/>
-              </a:rPr>
-              <a:t>시연 시간</a:t>
-            </a:r>
-            <a:endParaRPr lang="en-US" altLang="ko-KR" sz="2800" dirty="0" smtClean="0">
-              <a:latin typeface="리디바탕" panose="020B0600000101010101" pitchFamily="34" charset="-127"/>
-              <a:ea typeface="리디바탕" panose="020B0600000101010101" pitchFamily="34" charset="-127"/>
-            </a:endParaRPr>
+              <a:rPr lang="en-US" altLang="ko-KR" sz="2800" dirty="0">
+                <a:latin typeface="리디바탕" panose="020B0600000101010101" pitchFamily="34" charset="-127"/>
+                <a:ea typeface="리디바탕" panose="020B0600000101010101" pitchFamily="34" charset="-127"/>
+              </a:rPr>
+              <a:t>Dictionary Node</a:t>
+            </a:r>
           </a:p>
         </p:txBody>
       </p:sp>
       <p:pic>
         <p:nvPicPr>
-          <p:cNvPr id="3" name="그림 2"/>
+          <p:cNvPr id="4" name="그림 3">
+            <a:extLst>
+              <a:ext uri="{FF2B5EF4-FFF2-40B4-BE49-F238E27FC236}">
+                <a16:creationId xmlns:a16="http://schemas.microsoft.com/office/drawing/2014/main" id="{FE2469EE-6FAA-A5D0-C7A5-8F295FC68070}"/>
+              </a:ext>
+            </a:extLst>
+          </p:cNvPr>
           <p:cNvPicPr>
             <a:picLocks noChangeAspect="1"/>
           </p:cNvPicPr>
@@ -9844,8 +9290,8 @@
         </p:blipFill>
         <p:spPr>
           <a:xfrm>
-            <a:off x="2133600" y="1637984"/>
-            <a:ext cx="7924800" cy="4521832"/>
+            <a:off x="489755" y="1758853"/>
+            <a:ext cx="11212490" cy="4544059"/>
           </a:xfrm>
           <a:prstGeom prst="rect">
             <a:avLst/>
@@ -9855,20 +9301,13 @@
     </p:spTree>
     <p:extLst>
       <p:ext uri="{BB962C8B-B14F-4D97-AF65-F5344CB8AC3E}">
-        <p14:creationId xmlns:p14="http://schemas.microsoft.com/office/powerpoint/2010/main" val="2425497020"/>
+        <p14:creationId xmlns:p14="http://schemas.microsoft.com/office/powerpoint/2010/main" val="2325744223"/>
       </p:ext>
     </p:extLst>
   </p:cSld>
   <p:clrMapOvr>
     <a:masterClrMapping/>
   </p:clrMapOvr>
-  <p:timing>
-    <p:tnLst>
-      <p:par>
-        <p:cTn id="1" dur="indefinite" restart="never" nodeType="tmRoot"/>
-      </p:par>
-    </p:tnLst>
-  </p:timing>
 </p:sld>
 </file>
 
@@ -9917,36 +9356,55 @@
               </a:lnSpc>
             </a:pPr>
             <a:r>
-              <a:rPr lang="ko-KR" altLang="en-US" sz="2800" dirty="0" smtClean="0">
-                <a:latin typeface="리디바탕" panose="020B0600000101010101" pitchFamily="34" charset="-127"/>
-                <a:ea typeface="리디바탕" panose="020B0600000101010101" pitchFamily="34" charset="-127"/>
-              </a:rPr>
-              <a:t>정리</a:t>
-            </a:r>
-            <a:endParaRPr lang="en-US" altLang="ko-KR" sz="2800" dirty="0" smtClean="0">
-              <a:latin typeface="리디바탕" panose="020B0600000101010101" pitchFamily="34" charset="-127"/>
-              <a:ea typeface="리디바탕" panose="020B0600000101010101" pitchFamily="34" charset="-127"/>
-            </a:endParaRPr>
-          </a:p>
-        </p:txBody>
-      </p:sp>
+              <a:rPr lang="en-US" altLang="ko-KR" sz="2800" dirty="0">
+                <a:latin typeface="리디바탕" panose="020B0600000101010101" pitchFamily="34" charset="-127"/>
+                <a:ea typeface="리디바탕" panose="020B0600000101010101" pitchFamily="34" charset="-127"/>
+              </a:rPr>
+              <a:t>Dictionary Node</a:t>
+            </a:r>
+          </a:p>
+        </p:txBody>
+      </p:sp>
+      <p:pic>
+        <p:nvPicPr>
+          <p:cNvPr id="6" name="그림 5">
+            <a:extLst>
+              <a:ext uri="{FF2B5EF4-FFF2-40B4-BE49-F238E27FC236}">
+                <a16:creationId xmlns:a16="http://schemas.microsoft.com/office/drawing/2014/main" id="{6F89F9E1-8081-F803-15BD-F16E02E183BE}"/>
+              </a:ext>
+            </a:extLst>
+          </p:cNvPr>
+          <p:cNvPicPr>
+            <a:picLocks noChangeAspect="1"/>
+          </p:cNvPicPr>
+          <p:nvPr/>
+        </p:nvPicPr>
+        <p:blipFill>
+          <a:blip r:embed="rId2"/>
+          <a:stretch>
+            <a:fillRect/>
+          </a:stretch>
+        </p:blipFill>
+        <p:spPr>
+          <a:xfrm>
+            <a:off x="2064152" y="1625005"/>
+            <a:ext cx="8063696" cy="5053848"/>
+          </a:xfrm>
+          <a:prstGeom prst="rect">
+            <a:avLst/>
+          </a:prstGeom>
+        </p:spPr>
+      </p:pic>
     </p:spTree>
     <p:extLst>
       <p:ext uri="{BB962C8B-B14F-4D97-AF65-F5344CB8AC3E}">
-        <p14:creationId xmlns:p14="http://schemas.microsoft.com/office/powerpoint/2010/main" val="922464624"/>
+        <p14:creationId xmlns:p14="http://schemas.microsoft.com/office/powerpoint/2010/main" val="3353512936"/>
       </p:ext>
     </p:extLst>
   </p:cSld>
   <p:clrMapOvr>
     <a:masterClrMapping/>
   </p:clrMapOvr>
-  <p:timing>
-    <p:tnLst>
-      <p:par>
-        <p:cTn id="1" dur="indefinite" restart="never" nodeType="tmRoot"/>
-      </p:par>
-    </p:tnLst>
-  </p:timing>
 </p:sld>
 </file>
 
@@ -9967,9 +9425,50 @@
           <a:chExt cx="0" cy="0"/>
         </a:xfrm>
       </p:grpSpPr>
+      <p:sp>
+        <p:nvSpPr>
+          <p:cNvPr id="2" name="TextBox 1"/>
+          <p:cNvSpPr txBox="1"/>
+          <p:nvPr/>
+        </p:nvSpPr>
+        <p:spPr>
+          <a:xfrm>
+            <a:off x="0" y="822851"/>
+            <a:ext cx="12192000" cy="663258"/>
+          </a:xfrm>
+          <a:prstGeom prst="rect">
+            <a:avLst/>
+          </a:prstGeom>
+          <a:noFill/>
+        </p:spPr>
+        <p:txBody>
+          <a:bodyPr wrap="square" rtlCol="0">
+            <a:spAutoFit/>
+          </a:bodyPr>
+          <a:lstStyle/>
+          <a:p>
+            <a:pPr algn="ctr">
+              <a:lnSpc>
+                <a:spcPct val="150000"/>
+              </a:lnSpc>
+            </a:pPr>
+            <a:r>
+              <a:rPr lang="ko-KR" altLang="en-US" sz="2800" dirty="0">
+                <a:latin typeface="리디바탕" panose="020B0600000101010101" pitchFamily="34" charset="-127"/>
+                <a:ea typeface="리디바탕" panose="020B0600000101010101" pitchFamily="34" charset="-127"/>
+              </a:rPr>
+              <a:t>시연 시간</a:t>
+            </a:r>
+            <a:endParaRPr lang="en-US" altLang="ko-KR" sz="2800" dirty="0">
+              <a:latin typeface="리디바탕" panose="020B0600000101010101" pitchFamily="34" charset="-127"/>
+              <a:ea typeface="리디바탕" panose="020B0600000101010101" pitchFamily="34" charset="-127"/>
+            </a:endParaRPr>
+          </a:p>
+        </p:txBody>
+      </p:sp>
       <p:pic>
         <p:nvPicPr>
-          <p:cNvPr id="2" name="그림 1"/>
+          <p:cNvPr id="3" name="그림 2"/>
           <p:cNvPicPr>
             <a:picLocks noChangeAspect="1"/>
           </p:cNvPicPr>
@@ -9983,8 +9482,139 @@
         </p:blipFill>
         <p:spPr>
           <a:xfrm>
-            <a:off x="1123256" y="1585570"/>
-            <a:ext cx="9945488" cy="4906060"/>
+            <a:off x="2133600" y="1637984"/>
+            <a:ext cx="7924800" cy="4521832"/>
+          </a:xfrm>
+          <a:prstGeom prst="rect">
+            <a:avLst/>
+          </a:prstGeom>
+        </p:spPr>
+      </p:pic>
+    </p:spTree>
+    <p:extLst>
+      <p:ext uri="{BB962C8B-B14F-4D97-AF65-F5344CB8AC3E}">
+        <p14:creationId xmlns:p14="http://schemas.microsoft.com/office/powerpoint/2010/main" val="2425497020"/>
+      </p:ext>
+    </p:extLst>
+  </p:cSld>
+  <p:clrMapOvr>
+    <a:masterClrMapping/>
+  </p:clrMapOvr>
+</p:sld>
+</file>
+
+<file path=ppt/slides/slide24.xml><?xml version="1.0" encoding="utf-8"?>
+<p:sld xmlns:a="http://schemas.openxmlformats.org/drawingml/2006/main" xmlns:r="http://schemas.openxmlformats.org/officeDocument/2006/relationships" xmlns:p="http://schemas.openxmlformats.org/presentationml/2006/main">
+  <p:cSld>
+    <p:spTree>
+      <p:nvGrpSpPr>
+        <p:cNvPr id="1" name=""/>
+        <p:cNvGrpSpPr/>
+        <p:nvPr/>
+      </p:nvGrpSpPr>
+      <p:grpSpPr>
+        <a:xfrm>
+          <a:off x="0" y="0"/>
+          <a:ext cx="0" cy="0"/>
+          <a:chOff x="0" y="0"/>
+          <a:chExt cx="0" cy="0"/>
+        </a:xfrm>
+      </p:grpSpPr>
+      <p:sp>
+        <p:nvSpPr>
+          <p:cNvPr id="2" name="TextBox 1"/>
+          <p:cNvSpPr txBox="1"/>
+          <p:nvPr/>
+        </p:nvSpPr>
+        <p:spPr>
+          <a:xfrm>
+            <a:off x="0" y="822851"/>
+            <a:ext cx="12192000" cy="663258"/>
+          </a:xfrm>
+          <a:prstGeom prst="rect">
+            <a:avLst/>
+          </a:prstGeom>
+          <a:noFill/>
+        </p:spPr>
+        <p:txBody>
+          <a:bodyPr wrap="square" rtlCol="0">
+            <a:spAutoFit/>
+          </a:bodyPr>
+          <a:lstStyle/>
+          <a:p>
+            <a:pPr algn="ctr">
+              <a:lnSpc>
+                <a:spcPct val="150000"/>
+              </a:lnSpc>
+            </a:pPr>
+            <a:r>
+              <a:rPr lang="ko-KR" altLang="en-US" sz="2800" dirty="0">
+                <a:latin typeface="리디바탕" panose="020B0600000101010101" pitchFamily="34" charset="-127"/>
+                <a:ea typeface="리디바탕" panose="020B0600000101010101" pitchFamily="34" charset="-127"/>
+              </a:rPr>
+              <a:t>정리</a:t>
+            </a:r>
+            <a:endParaRPr lang="en-US" altLang="ko-KR" sz="2800" dirty="0">
+              <a:latin typeface="리디바탕" panose="020B0600000101010101" pitchFamily="34" charset="-127"/>
+              <a:ea typeface="리디바탕" panose="020B0600000101010101" pitchFamily="34" charset="-127"/>
+            </a:endParaRPr>
+          </a:p>
+        </p:txBody>
+      </p:sp>
+    </p:spTree>
+    <p:extLst>
+      <p:ext uri="{BB962C8B-B14F-4D97-AF65-F5344CB8AC3E}">
+        <p14:creationId xmlns:p14="http://schemas.microsoft.com/office/powerpoint/2010/main" val="2318509619"/>
+      </p:ext>
+    </p:extLst>
+  </p:cSld>
+  <p:clrMapOvr>
+    <a:masterClrMapping/>
+  </p:clrMapOvr>
+</p:sld>
+</file>
+
+<file path=ppt/slides/slide25.xml><?xml version="1.0" encoding="utf-8"?>
+<p:sld xmlns:a="http://schemas.openxmlformats.org/drawingml/2006/main" xmlns:r="http://schemas.openxmlformats.org/officeDocument/2006/relationships" xmlns:p="http://schemas.openxmlformats.org/presentationml/2006/main">
+  <p:cSld>
+    <p:spTree>
+      <p:nvGrpSpPr>
+        <p:cNvPr id="1" name=""/>
+        <p:cNvGrpSpPr/>
+        <p:nvPr/>
+      </p:nvGrpSpPr>
+      <p:grpSpPr>
+        <a:xfrm>
+          <a:off x="0" y="0"/>
+          <a:ext cx="0" cy="0"/>
+          <a:chOff x="0" y="0"/>
+          <a:chExt cx="0" cy="0"/>
+        </a:xfrm>
+      </p:grpSpPr>
+      <p:pic>
+        <p:nvPicPr>
+          <p:cNvPr id="11" name="그림 10">
+            <a:extLst>
+              <a:ext uri="{FF2B5EF4-FFF2-40B4-BE49-F238E27FC236}">
+                <a16:creationId xmlns:a16="http://schemas.microsoft.com/office/drawing/2014/main" id="{94DA9AD2-E115-691C-1E26-E28C0D4AB775}"/>
+              </a:ext>
+            </a:extLst>
+          </p:cNvPr>
+          <p:cNvPicPr>
+            <a:picLocks noChangeAspect="1"/>
+          </p:cNvPicPr>
+          <p:nvPr/>
+        </p:nvPicPr>
+        <p:blipFill>
+          <a:blip r:embed="rId2"/>
+          <a:stretch>
+            <a:fillRect/>
+          </a:stretch>
+        </p:blipFill>
+        <p:spPr>
+          <a:xfrm>
+            <a:off x="675190" y="1643583"/>
+            <a:ext cx="10841620" cy="4783582"/>
           </a:xfrm>
           <a:prstGeom prst="rect">
             <a:avLst/>
@@ -10051,44 +9681,40 @@
           <a:lstStyle/>
           <a:p>
             <a:r>
-              <a:rPr lang="ko-KR" altLang="en-US" sz="1200" dirty="0" err="1" smtClean="0">
+              <a:rPr lang="ko-KR" altLang="en-US" sz="1200" dirty="0" err="1">
                 <a:latin typeface="리디바탕" panose="020B0600000101010101" pitchFamily="34" charset="-127"/>
                 <a:ea typeface="리디바탕" panose="020B0600000101010101" pitchFamily="34" charset="-127"/>
               </a:rPr>
               <a:t>ㄱ</a:t>
             </a:r>
             <a:r>
-              <a:rPr lang="en-US" altLang="ko-KR" sz="1200" dirty="0" smtClean="0">
+              <a:rPr lang="en-US" altLang="ko-KR" sz="1200" dirty="0">
                 <a:latin typeface="리디바탕" panose="020B0600000101010101" pitchFamily="34" charset="-127"/>
                 <a:ea typeface="리디바탕" panose="020B0600000101010101" pitchFamily="34" charset="-127"/>
               </a:rPr>
               <a:t>. </a:t>
             </a:r>
             <a:r>
-              <a:rPr lang="ko-KR" altLang="en-US" sz="1200" dirty="0" smtClean="0">
+              <a:rPr lang="ko-KR" altLang="en-US" sz="1200" dirty="0">
                 <a:latin typeface="리디바탕" panose="020B0600000101010101" pitchFamily="34" charset="-127"/>
                 <a:ea typeface="리디바탕" panose="020B0600000101010101" pitchFamily="34" charset="-127"/>
               </a:rPr>
               <a:t>코드 </a:t>
             </a:r>
             <a:r>
-              <a:rPr lang="ko-KR" altLang="en-US" sz="1200" dirty="0" err="1" smtClean="0">
+              <a:rPr lang="ko-KR" altLang="en-US" sz="1200" dirty="0" err="1">
                 <a:latin typeface="리디바탕" panose="020B0600000101010101" pitchFamily="34" charset="-127"/>
                 <a:ea typeface="리디바탕" panose="020B0600000101010101" pitchFamily="34" charset="-127"/>
               </a:rPr>
               <a:t>폴딩을</a:t>
             </a:r>
             <a:r>
-              <a:rPr lang="ko-KR" altLang="en-US" sz="1200" dirty="0" smtClean="0">
+              <a:rPr lang="ko-KR" altLang="en-US" sz="1200" dirty="0">
                 <a:latin typeface="리디바탕" panose="020B0600000101010101" pitchFamily="34" charset="-127"/>
                 <a:ea typeface="리디바탕" panose="020B0600000101010101" pitchFamily="34" charset="-127"/>
               </a:rPr>
               <a:t> 대비한 더미 노드</a:t>
             </a:r>
-            <a:endParaRPr lang="ko-KR" altLang="en-US" sz="1200" dirty="0">
-              <a:latin typeface="리디바탕" panose="020B0600000101010101" pitchFamily="34" charset="-127"/>
-              <a:ea typeface="리디바탕" panose="020B0600000101010101" pitchFamily="34" charset="-127"/>
-            </a:endParaRPr>
           </a:p>
         </p:txBody>
       </p:sp>
@@ -10100,8 +9726,8 @@
         </p:nvSpPr>
         <p:spPr>
           <a:xfrm>
-            <a:off x="4067175" y="4114800"/>
-            <a:ext cx="5524500" cy="1638300"/>
+            <a:off x="3310359" y="4254898"/>
+            <a:ext cx="6281316" cy="2171699"/>
           </a:xfrm>
           <a:prstGeom prst="rect">
             <a:avLst/>
@@ -10147,7 +9773,7 @@
         </p:nvSpPr>
         <p:spPr>
           <a:xfrm>
-            <a:off x="5553075" y="5845365"/>
+            <a:off x="5123570" y="3855499"/>
             <a:ext cx="2654894" cy="276999"/>
           </a:xfrm>
           <a:prstGeom prst="rect">
@@ -10162,7 +9788,7 @@
           <a:lstStyle/>
           <a:p>
             <a:r>
-              <a:rPr lang="ko-KR" altLang="en-US" sz="1200" dirty="0" err="1" smtClean="0">
+              <a:rPr lang="ko-KR" altLang="en-US" sz="1200" dirty="0" err="1">
                 <a:solidFill>
                   <a:srgbClr val="0000FF"/>
                 </a:solidFill>
@@ -10172,7 +9798,7 @@
               <a:t>ㄴ</a:t>
             </a:r>
             <a:r>
-              <a:rPr lang="en-US" altLang="ko-KR" sz="1200" dirty="0" smtClean="0">
+              <a:rPr lang="en-US" altLang="ko-KR" sz="1200" dirty="0">
                 <a:solidFill>
                   <a:srgbClr val="0000FF"/>
                 </a:solidFill>
@@ -10182,7 +9808,7 @@
               <a:t>. </a:t>
             </a:r>
             <a:r>
-              <a:rPr lang="ko-KR" altLang="en-US" sz="1200" dirty="0" smtClean="0">
+              <a:rPr lang="ko-KR" altLang="en-US" sz="1200" dirty="0">
                 <a:solidFill>
                   <a:srgbClr val="0000FF"/>
                 </a:solidFill>
@@ -10191,13 +9817,6 @@
               </a:rPr>
               <a:t>목표 달성을 위한 중간 산출물 코드</a:t>
             </a:r>
-            <a:endParaRPr lang="ko-KR" altLang="en-US" sz="1200" dirty="0">
-              <a:solidFill>
-                <a:srgbClr val="0000FF"/>
-              </a:solidFill>
-              <a:latin typeface="리디바탕" panose="020B0600000101010101" pitchFamily="34" charset="-127"/>
-              <a:ea typeface="리디바탕" panose="020B0600000101010101" pitchFamily="34" charset="-127"/>
-            </a:endParaRPr>
           </a:p>
         </p:txBody>
       </p:sp>
@@ -10209,8 +9828,8 @@
         </p:nvSpPr>
         <p:spPr>
           <a:xfrm>
-            <a:off x="8201025" y="2400300"/>
-            <a:ext cx="2809875" cy="2171700"/>
+            <a:off x="7978822" y="2257425"/>
+            <a:ext cx="3549561" cy="2522919"/>
           </a:xfrm>
           <a:custGeom>
             <a:avLst/>
@@ -10337,7 +9956,7 @@
           <a:lstStyle/>
           <a:p>
             <a:r>
-              <a:rPr lang="ko-KR" altLang="en-US" sz="1200" dirty="0" err="1" smtClean="0">
+              <a:rPr lang="ko-KR" altLang="en-US" sz="1200" dirty="0" err="1">
                 <a:solidFill>
                   <a:srgbClr val="FF00FF"/>
                 </a:solidFill>
@@ -10347,7 +9966,7 @@
               <a:t>ㄷ</a:t>
             </a:r>
             <a:r>
-              <a:rPr lang="en-US" altLang="ko-KR" sz="1200" dirty="0" smtClean="0">
+              <a:rPr lang="en-US" altLang="ko-KR" sz="1200" dirty="0">
                 <a:solidFill>
                   <a:srgbClr val="FF00FF"/>
                 </a:solidFill>
@@ -10357,7 +9976,7 @@
               <a:t>. </a:t>
             </a:r>
             <a:r>
-              <a:rPr lang="ko-KR" altLang="en-US" sz="1200" dirty="0" smtClean="0">
+              <a:rPr lang="ko-KR" altLang="en-US" sz="1200" dirty="0">
                 <a:solidFill>
                   <a:srgbClr val="FF00FF"/>
                 </a:solidFill>
@@ -10367,7 +9986,7 @@
               <a:t>데이터 설명이 가능한 명칭으로 </a:t>
             </a:r>
             <a:r>
-              <a:rPr lang="en-US" altLang="ko-KR" sz="1200" dirty="0" smtClean="0">
+              <a:rPr lang="en-US" altLang="ko-KR" sz="1200" dirty="0">
                 <a:solidFill>
                   <a:srgbClr val="FF00FF"/>
                 </a:solidFill>
@@ -10377,7 +9996,7 @@
               <a:t>key </a:t>
             </a:r>
             <a:r>
-              <a:rPr lang="ko-KR" altLang="en-US" sz="1200" dirty="0" smtClean="0">
+              <a:rPr lang="ko-KR" altLang="en-US" sz="1200" dirty="0">
                 <a:solidFill>
                   <a:srgbClr val="FF00FF"/>
                 </a:solidFill>
@@ -10386,7 +10005,7 @@
               </a:rPr>
               <a:t>이름 부여 후</a:t>
             </a:r>
-            <a:endParaRPr lang="en-US" altLang="ko-KR" sz="1200" dirty="0" smtClean="0">
+            <a:endParaRPr lang="en-US" altLang="ko-KR" sz="1200" dirty="0">
               <a:solidFill>
                 <a:srgbClr val="FF00FF"/>
               </a:solidFill>
@@ -10396,7 +10015,7 @@
           </a:p>
           <a:p>
             <a:r>
-              <a:rPr lang="en-US" altLang="ko-KR" sz="1200" dirty="0" smtClean="0">
+              <a:rPr lang="en-US" altLang="ko-KR" sz="1200" dirty="0">
                 <a:solidFill>
                   <a:srgbClr val="FF00FF"/>
                 </a:solidFill>
@@ -10406,7 +10025,7 @@
               <a:t>     Dictionary </a:t>
             </a:r>
             <a:r>
-              <a:rPr lang="ko-KR" altLang="en-US" sz="1200" dirty="0" smtClean="0">
+              <a:rPr lang="ko-KR" altLang="en-US" sz="1200" dirty="0">
                 <a:solidFill>
                   <a:srgbClr val="FF00FF"/>
                 </a:solidFill>
@@ -10415,13 +10034,6 @@
               </a:rPr>
               <a:t>생성</a:t>
             </a:r>
-            <a:endParaRPr lang="ko-KR" altLang="en-US" sz="1200" dirty="0">
-              <a:solidFill>
-                <a:srgbClr val="FF00FF"/>
-              </a:solidFill>
-              <a:latin typeface="리디바탕" panose="020B0600000101010101" pitchFamily="34" charset="-127"/>
-              <a:ea typeface="리디바탕" panose="020B0600000101010101" pitchFamily="34" charset="-127"/>
-            </a:endParaRPr>
           </a:p>
         </p:txBody>
       </p:sp>
@@ -10453,7 +10065,7 @@
               </a:lnSpc>
             </a:pPr>
             <a:r>
-              <a:rPr lang="en-US" altLang="ko-KR" sz="2800" dirty="0" smtClean="0">
+              <a:rPr lang="en-US" altLang="ko-KR" sz="2800" dirty="0">
                 <a:latin typeface="리디바탕" panose="020B0600000101010101" pitchFamily="34" charset="-127"/>
                 <a:ea typeface="리디바탕" panose="020B0600000101010101" pitchFamily="34" charset="-127"/>
               </a:rPr>
@@ -10472,17 +10084,10 @@
   <p:clrMapOvr>
     <a:masterClrMapping/>
   </p:clrMapOvr>
-  <p:timing>
-    <p:tnLst>
-      <p:par>
-        <p:cTn id="1" dur="indefinite" restart="never" nodeType="tmRoot"/>
-      </p:par>
-    </p:tnLst>
-  </p:timing>
 </p:sld>
 </file>
 
-<file path=ppt/slides/slide24.xml><?xml version="1.0" encoding="utf-8"?>
+<file path=ppt/slides/slide26.xml><?xml version="1.0" encoding="utf-8"?>
 <p:sld xmlns:a="http://schemas.openxmlformats.org/drawingml/2006/main" xmlns:r="http://schemas.openxmlformats.org/officeDocument/2006/relationships" xmlns:p="http://schemas.openxmlformats.org/presentationml/2006/main">
   <p:cSld>
     <p:spTree>
@@ -10501,7 +10106,13 @@
       </p:grpSpPr>
       <p:pic>
         <p:nvPicPr>
-          <p:cNvPr id="2" name="그림 1"/>
+          <p:cNvPr id="5" name="그림 4">
+            <a:extLst>
+              <a:ext uri="{FF2B5EF4-FFF2-40B4-BE49-F238E27FC236}">
+                <a16:creationId xmlns:a16="http://schemas.microsoft.com/office/drawing/2014/main" id="{04F528C9-E430-D6AB-0F3F-472C864B723A}"/>
+              </a:ext>
+            </a:extLst>
+          </p:cNvPr>
           <p:cNvPicPr>
             <a:picLocks noChangeAspect="1"/>
           </p:cNvPicPr>
@@ -10515,8 +10126,8 @@
         </p:blipFill>
         <p:spPr>
           <a:xfrm>
-            <a:off x="1123256" y="1585570"/>
-            <a:ext cx="9945488" cy="4906060"/>
+            <a:off x="675190" y="1643583"/>
+            <a:ext cx="10841620" cy="4783582"/>
           </a:xfrm>
           <a:prstGeom prst="rect">
             <a:avLst/>
@@ -10551,7 +10162,7 @@
               </a:lnSpc>
             </a:pPr>
             <a:r>
-              <a:rPr lang="en-US" altLang="ko-KR" sz="2800" dirty="0" smtClean="0">
+              <a:rPr lang="en-US" altLang="ko-KR" sz="2800" dirty="0">
                 <a:latin typeface="리디바탕" panose="020B0600000101010101" pitchFamily="34" charset="-127"/>
                 <a:ea typeface="리디바탕" panose="020B0600000101010101" pitchFamily="34" charset="-127"/>
               </a:rPr>
@@ -10568,8 +10179,8 @@
         </p:nvSpPr>
         <p:spPr>
           <a:xfrm>
-            <a:off x="2570205" y="2125362"/>
-            <a:ext cx="8410833" cy="3723503"/>
+            <a:off x="2245489" y="2125362"/>
+            <a:ext cx="9491240" cy="4301803"/>
           </a:xfrm>
           <a:prstGeom prst="roundRect">
             <a:avLst/>
@@ -10607,6 +10218,52 @@
           </a:p>
         </p:txBody>
       </p:sp>
+      <p:sp>
+        <p:nvSpPr>
+          <p:cNvPr id="4" name="TextBox 3">
+            <a:extLst>
+              <a:ext uri="{FF2B5EF4-FFF2-40B4-BE49-F238E27FC236}">
+                <a16:creationId xmlns:a16="http://schemas.microsoft.com/office/drawing/2014/main" id="{0D6FEA98-EE4A-5941-173F-1ADE2FF7F68A}"/>
+              </a:ext>
+            </a:extLst>
+          </p:cNvPr>
+          <p:cNvSpPr txBox="1"/>
+          <p:nvPr/>
+        </p:nvSpPr>
+        <p:spPr>
+          <a:xfrm>
+            <a:off x="9756578" y="5822979"/>
+            <a:ext cx="1440715" cy="459357"/>
+          </a:xfrm>
+          <a:prstGeom prst="rect">
+            <a:avLst/>
+          </a:prstGeom>
+          <a:noFill/>
+        </p:spPr>
+        <p:txBody>
+          <a:bodyPr wrap="none" rtlCol="0">
+            <a:spAutoFit/>
+          </a:bodyPr>
+          <a:lstStyle/>
+          <a:p>
+            <a:pPr algn="ctr">
+              <a:lnSpc>
+                <a:spcPct val="150000"/>
+              </a:lnSpc>
+            </a:pPr>
+            <a:r>
+              <a:rPr lang="en-US" altLang="ko-KR" dirty="0">
+                <a:solidFill>
+                  <a:srgbClr val="FF0000"/>
+                </a:solidFill>
+                <a:latin typeface="리디바탕" panose="020B0600000101010101" pitchFamily="34" charset="-127"/>
+                <a:ea typeface="리디바탕" panose="020B0600000101010101" pitchFamily="34" charset="-127"/>
+              </a:rPr>
+              <a:t>1 Code Unit</a:t>
+            </a:r>
+          </a:p>
+        </p:txBody>
+      </p:sp>
     </p:spTree>
     <p:extLst>
       <p:ext uri="{BB962C8B-B14F-4D97-AF65-F5344CB8AC3E}">
@@ -10617,17 +10274,10 @@
   <p:clrMapOvr>
     <a:masterClrMapping/>
   </p:clrMapOvr>
-  <p:timing>
-    <p:tnLst>
-      <p:par>
-        <p:cTn id="1" dur="indefinite" restart="never" nodeType="tmRoot"/>
-      </p:par>
-    </p:tnLst>
-  </p:timing>
 </p:sld>
 </file>
 
-<file path=ppt/slides/slide25.xml><?xml version="1.0" encoding="utf-8"?>
+<file path=ppt/slides/slide27.xml><?xml version="1.0" encoding="utf-8"?>
 <p:sld xmlns:a="http://schemas.openxmlformats.org/drawingml/2006/main" xmlns:r="http://schemas.openxmlformats.org/officeDocument/2006/relationships" xmlns:p="http://schemas.openxmlformats.org/presentationml/2006/main">
   <p:cSld>
     <p:spTree>
@@ -11078,7 +10728,7 @@
               </a:lnSpc>
             </a:pPr>
             <a:r>
-              <a:rPr lang="ko-KR" altLang="en-US" dirty="0" smtClean="0">
+              <a:rPr lang="ko-KR" altLang="en-US" dirty="0">
                 <a:solidFill>
                   <a:srgbClr val="FF0000"/>
                 </a:solidFill>
@@ -11088,7 +10738,7 @@
               <a:t>총 </a:t>
             </a:r>
             <a:r>
-              <a:rPr lang="en-US" altLang="ko-KR" dirty="0" smtClean="0">
+              <a:rPr lang="en-US" altLang="ko-KR" dirty="0">
                 <a:solidFill>
                   <a:srgbClr val="FF0000"/>
                 </a:solidFill>
@@ -11098,7 +10748,7 @@
               <a:t>8</a:t>
             </a:r>
             <a:r>
-              <a:rPr lang="ko-KR" altLang="en-US" dirty="0" smtClean="0">
+              <a:rPr lang="ko-KR" altLang="en-US" dirty="0">
                 <a:solidFill>
                   <a:srgbClr val="FF0000"/>
                 </a:solidFill>
@@ -11115,20 +10765,10 @@
                 <a:latin typeface="리디바탕" panose="020B0600000101010101" pitchFamily="34" charset="-127"/>
                 <a:ea typeface="리디바탕" panose="020B0600000101010101" pitchFamily="34" charset="-127"/>
               </a:rPr>
-              <a:t>Code </a:t>
-            </a:r>
-            <a:r>
-              <a:rPr lang="en-US" altLang="ko-KR" dirty="0" smtClean="0">
-                <a:solidFill>
-                  <a:srgbClr val="FF0000"/>
-                </a:solidFill>
-                <a:latin typeface="리디바탕" panose="020B0600000101010101" pitchFamily="34" charset="-127"/>
-                <a:ea typeface="리디바탕" panose="020B0600000101010101" pitchFamily="34" charset="-127"/>
-              </a:rPr>
-              <a:t>Unit</a:t>
-            </a:r>
-            <a:r>
-              <a:rPr lang="ko-KR" altLang="en-US" dirty="0" smtClean="0">
+              <a:t>Code Unit</a:t>
+            </a:r>
+            <a:r>
+              <a:rPr lang="ko-KR" altLang="en-US" dirty="0">
                 <a:solidFill>
                   <a:srgbClr val="FF0000"/>
                 </a:solidFill>
@@ -11157,17 +10797,10 @@
   <p:clrMapOvr>
     <a:masterClrMapping/>
   </p:clrMapOvr>
-  <p:timing>
-    <p:tnLst>
-      <p:par>
-        <p:cTn id="1" dur="indefinite" restart="never" nodeType="tmRoot"/>
-      </p:par>
-    </p:tnLst>
-  </p:timing>
 </p:sld>
 </file>
 
-<file path=ppt/slides/slide26.xml><?xml version="1.0" encoding="utf-8"?>
+<file path=ppt/slides/slide28.xml><?xml version="1.0" encoding="utf-8"?>
 <p:sld xmlns:a="http://schemas.openxmlformats.org/drawingml/2006/main" xmlns:r="http://schemas.openxmlformats.org/officeDocument/2006/relationships" xmlns:p="http://schemas.openxmlformats.org/presentationml/2006/main">
   <p:cSld>
     <p:spTree>
@@ -11184,6 +10817,1712 @@
           <a:chExt cx="0" cy="0"/>
         </a:xfrm>
       </p:grpSpPr>
+      <p:pic>
+        <p:nvPicPr>
+          <p:cNvPr id="4" name="그림 3">
+            <a:extLst>
+              <a:ext uri="{FF2B5EF4-FFF2-40B4-BE49-F238E27FC236}">
+                <a16:creationId xmlns:a16="http://schemas.microsoft.com/office/drawing/2014/main" id="{7D3599A9-1DBD-C6C9-746A-8FD29E5259B4}"/>
+              </a:ext>
+            </a:extLst>
+          </p:cNvPr>
+          <p:cNvPicPr>
+            <a:picLocks noChangeAspect="1"/>
+          </p:cNvPicPr>
+          <p:nvPr/>
+        </p:nvPicPr>
+        <p:blipFill rotWithShape="1">
+          <a:blip r:embed="rId2">
+            <a:extLst>
+              <a:ext uri="{BEBA8EAE-BF5A-486C-A8C5-ECC9F3942E4B}">
+                <a14:imgProps xmlns:a14="http://schemas.microsoft.com/office/drawing/2010/main">
+                  <a14:imgLayer r:embed="rId3">
+                    <a14:imgEffect>
+                      <a14:brightnessContrast bright="30000"/>
+                    </a14:imgEffect>
+                  </a14:imgLayer>
+                </a14:imgProps>
+              </a:ext>
+            </a:extLst>
+          </a:blip>
+          <a:srcRect r="1280"/>
+          <a:stretch/>
+        </p:blipFill>
+        <p:spPr>
+          <a:xfrm>
+            <a:off x="6259139" y="80495"/>
+            <a:ext cx="5294683" cy="6697010"/>
+          </a:xfrm>
+          <a:prstGeom prst="rect">
+            <a:avLst/>
+          </a:prstGeom>
+        </p:spPr>
+      </p:pic>
+      <p:pic>
+        <p:nvPicPr>
+          <p:cNvPr id="6" name="그림 5">
+            <a:extLst>
+              <a:ext uri="{FF2B5EF4-FFF2-40B4-BE49-F238E27FC236}">
+                <a16:creationId xmlns:a16="http://schemas.microsoft.com/office/drawing/2014/main" id="{9976C530-D000-F4F2-123E-0EBD6EDAFDF7}"/>
+              </a:ext>
+            </a:extLst>
+          </p:cNvPr>
+          <p:cNvPicPr>
+            <a:picLocks noChangeAspect="1"/>
+          </p:cNvPicPr>
+          <p:nvPr/>
+        </p:nvPicPr>
+        <p:blipFill>
+          <a:blip r:embed="rId4">
+            <a:extLst>
+              <a:ext uri="{BEBA8EAE-BF5A-486C-A8C5-ECC9F3942E4B}">
+                <a14:imgProps xmlns:a14="http://schemas.microsoft.com/office/drawing/2010/main">
+                  <a14:imgLayer r:embed="rId5">
+                    <a14:imgEffect>
+                      <a14:brightnessContrast bright="20000"/>
+                    </a14:imgEffect>
+                  </a14:imgLayer>
+                </a14:imgProps>
+              </a:ext>
+            </a:extLst>
+          </a:blip>
+          <a:stretch>
+            <a:fillRect/>
+          </a:stretch>
+        </p:blipFill>
+        <p:spPr>
+          <a:xfrm>
+            <a:off x="190276" y="201334"/>
+            <a:ext cx="3200847" cy="3991532"/>
+          </a:xfrm>
+          <a:prstGeom prst="rect">
+            <a:avLst/>
+          </a:prstGeom>
+        </p:spPr>
+      </p:pic>
+      <p:sp>
+        <p:nvSpPr>
+          <p:cNvPr id="7" name="모서리가 둥근 직사각형 2">
+            <a:extLst>
+              <a:ext uri="{FF2B5EF4-FFF2-40B4-BE49-F238E27FC236}">
+                <a16:creationId xmlns:a16="http://schemas.microsoft.com/office/drawing/2014/main" id="{9697A648-22FD-4F65-F863-198473277D9E}"/>
+              </a:ext>
+            </a:extLst>
+          </p:cNvPr>
+          <p:cNvSpPr/>
+          <p:nvPr/>
+        </p:nvSpPr>
+        <p:spPr>
+          <a:xfrm>
+            <a:off x="8572501" y="373380"/>
+            <a:ext cx="1432560" cy="160020"/>
+          </a:xfrm>
+          <a:prstGeom prst="roundRect">
+            <a:avLst/>
+          </a:prstGeom>
+          <a:noFill/>
+          <a:ln w="15875">
+            <a:solidFill>
+              <a:srgbClr val="00FFFF"/>
+            </a:solidFill>
+            <a:prstDash val="lgDashDot"/>
+          </a:ln>
+        </p:spPr>
+        <p:style>
+          <a:lnRef idx="2">
+            <a:schemeClr val="accent1">
+              <a:shade val="50000"/>
+            </a:schemeClr>
+          </a:lnRef>
+          <a:fillRef idx="1">
+            <a:schemeClr val="accent1"/>
+          </a:fillRef>
+          <a:effectRef idx="0">
+            <a:schemeClr val="accent1"/>
+          </a:effectRef>
+          <a:fontRef idx="minor">
+            <a:schemeClr val="lt1"/>
+          </a:fontRef>
+        </p:style>
+        <p:txBody>
+          <a:bodyPr rtlCol="0" anchor="ctr"/>
+          <a:lstStyle/>
+          <a:p>
+            <a:pPr algn="ctr"/>
+            <a:endParaRPr lang="ko-KR" altLang="en-US"/>
+          </a:p>
+        </p:txBody>
+      </p:sp>
+      <p:sp>
+        <p:nvSpPr>
+          <p:cNvPr id="8" name="모서리가 둥근 직사각형 2">
+            <a:extLst>
+              <a:ext uri="{FF2B5EF4-FFF2-40B4-BE49-F238E27FC236}">
+                <a16:creationId xmlns:a16="http://schemas.microsoft.com/office/drawing/2014/main" id="{981EC16F-2167-6C85-B921-9A25A56E97A9}"/>
+              </a:ext>
+            </a:extLst>
+          </p:cNvPr>
+          <p:cNvSpPr/>
+          <p:nvPr/>
+        </p:nvSpPr>
+        <p:spPr>
+          <a:xfrm>
+            <a:off x="8572501" y="533400"/>
+            <a:ext cx="1432560" cy="5684520"/>
+          </a:xfrm>
+          <a:prstGeom prst="roundRect">
+            <a:avLst/>
+          </a:prstGeom>
+          <a:noFill/>
+          <a:ln w="15875">
+            <a:solidFill>
+              <a:srgbClr val="00FFFF"/>
+            </a:solidFill>
+            <a:prstDash val="lgDashDot"/>
+          </a:ln>
+        </p:spPr>
+        <p:style>
+          <a:lnRef idx="2">
+            <a:schemeClr val="accent1">
+              <a:shade val="50000"/>
+            </a:schemeClr>
+          </a:lnRef>
+          <a:fillRef idx="1">
+            <a:schemeClr val="accent1"/>
+          </a:fillRef>
+          <a:effectRef idx="0">
+            <a:schemeClr val="accent1"/>
+          </a:effectRef>
+          <a:fontRef idx="minor">
+            <a:schemeClr val="lt1"/>
+          </a:fontRef>
+        </p:style>
+        <p:txBody>
+          <a:bodyPr rtlCol="0" anchor="ctr"/>
+          <a:lstStyle/>
+          <a:p>
+            <a:pPr algn="ctr"/>
+            <a:endParaRPr lang="ko-KR" altLang="en-US"/>
+          </a:p>
+        </p:txBody>
+      </p:sp>
+      <p:sp>
+        <p:nvSpPr>
+          <p:cNvPr id="9" name="모서리가 둥근 직사각형 2">
+            <a:extLst>
+              <a:ext uri="{FF2B5EF4-FFF2-40B4-BE49-F238E27FC236}">
+                <a16:creationId xmlns:a16="http://schemas.microsoft.com/office/drawing/2014/main" id="{92AD0E45-30EE-5C53-6E42-3A735AB1BA59}"/>
+              </a:ext>
+            </a:extLst>
+          </p:cNvPr>
+          <p:cNvSpPr/>
+          <p:nvPr/>
+        </p:nvSpPr>
+        <p:spPr>
+          <a:xfrm>
+            <a:off x="8572501" y="6217920"/>
+            <a:ext cx="1432560" cy="373380"/>
+          </a:xfrm>
+          <a:prstGeom prst="roundRect">
+            <a:avLst/>
+          </a:prstGeom>
+          <a:noFill/>
+          <a:ln w="15875">
+            <a:solidFill>
+              <a:srgbClr val="00FFFF"/>
+            </a:solidFill>
+            <a:prstDash val="lgDashDot"/>
+          </a:ln>
+        </p:spPr>
+        <p:style>
+          <a:lnRef idx="2">
+            <a:schemeClr val="accent1">
+              <a:shade val="50000"/>
+            </a:schemeClr>
+          </a:lnRef>
+          <a:fillRef idx="1">
+            <a:schemeClr val="accent1"/>
+          </a:fillRef>
+          <a:effectRef idx="0">
+            <a:schemeClr val="accent1"/>
+          </a:effectRef>
+          <a:fontRef idx="minor">
+            <a:schemeClr val="lt1"/>
+          </a:fontRef>
+        </p:style>
+        <p:txBody>
+          <a:bodyPr rtlCol="0" anchor="ctr"/>
+          <a:lstStyle/>
+          <a:p>
+            <a:pPr algn="ctr"/>
+            <a:endParaRPr lang="ko-KR" altLang="en-US"/>
+          </a:p>
+        </p:txBody>
+      </p:sp>
+      <p:cxnSp>
+        <p:nvCxnSpPr>
+          <p:cNvPr id="11" name="연결선: 구부러짐 10">
+            <a:extLst>
+              <a:ext uri="{FF2B5EF4-FFF2-40B4-BE49-F238E27FC236}">
+                <a16:creationId xmlns:a16="http://schemas.microsoft.com/office/drawing/2014/main" id="{127DC187-B73E-2435-A779-66BC5BF76653}"/>
+              </a:ext>
+            </a:extLst>
+          </p:cNvPr>
+          <p:cNvCxnSpPr/>
+          <p:nvPr/>
+        </p:nvCxnSpPr>
+        <p:spPr>
+          <a:xfrm flipV="1">
+            <a:off x="2243470" y="373380"/>
+            <a:ext cx="6198781" cy="774936"/>
+          </a:xfrm>
+          <a:prstGeom prst="curvedConnector3">
+            <a:avLst>
+              <a:gd name="adj1" fmla="val 52230"/>
+            </a:avLst>
+          </a:prstGeom>
+          <a:ln w="22225">
+            <a:solidFill>
+              <a:srgbClr val="00FFFF"/>
+            </a:solidFill>
+            <a:tailEnd type="triangle"/>
+          </a:ln>
+        </p:spPr>
+        <p:style>
+          <a:lnRef idx="1">
+            <a:schemeClr val="accent1"/>
+          </a:lnRef>
+          <a:fillRef idx="0">
+            <a:schemeClr val="accent1"/>
+          </a:fillRef>
+          <a:effectRef idx="0">
+            <a:schemeClr val="accent1"/>
+          </a:effectRef>
+          <a:fontRef idx="minor">
+            <a:schemeClr val="tx1"/>
+          </a:fontRef>
+        </p:style>
+      </p:cxnSp>
+      <p:cxnSp>
+        <p:nvCxnSpPr>
+          <p:cNvPr id="13" name="연결선: 구부러짐 12">
+            <a:extLst>
+              <a:ext uri="{FF2B5EF4-FFF2-40B4-BE49-F238E27FC236}">
+                <a16:creationId xmlns:a16="http://schemas.microsoft.com/office/drawing/2014/main" id="{31C0F417-7A69-1288-662B-1959CF3B1647}"/>
+              </a:ext>
+            </a:extLst>
+          </p:cNvPr>
+          <p:cNvCxnSpPr>
+            <a:cxnSpLocks/>
+          </p:cNvCxnSpPr>
+          <p:nvPr/>
+        </p:nvCxnSpPr>
+        <p:spPr>
+          <a:xfrm>
+            <a:off x="2243470" y="1376874"/>
+            <a:ext cx="6018028" cy="2052126"/>
+          </a:xfrm>
+          <a:prstGeom prst="curvedConnector3">
+            <a:avLst>
+              <a:gd name="adj1" fmla="val 50000"/>
+            </a:avLst>
+          </a:prstGeom>
+          <a:ln w="22225">
+            <a:solidFill>
+              <a:srgbClr val="00FFFF"/>
+            </a:solidFill>
+            <a:tailEnd type="triangle"/>
+          </a:ln>
+        </p:spPr>
+        <p:style>
+          <a:lnRef idx="1">
+            <a:schemeClr val="accent1"/>
+          </a:lnRef>
+          <a:fillRef idx="0">
+            <a:schemeClr val="accent1"/>
+          </a:fillRef>
+          <a:effectRef idx="0">
+            <a:schemeClr val="accent1"/>
+          </a:effectRef>
+          <a:fontRef idx="minor">
+            <a:schemeClr val="tx1"/>
+          </a:fontRef>
+        </p:style>
+      </p:cxnSp>
+      <p:cxnSp>
+        <p:nvCxnSpPr>
+          <p:cNvPr id="15" name="연결선: 구부러짐 14">
+            <a:extLst>
+              <a:ext uri="{FF2B5EF4-FFF2-40B4-BE49-F238E27FC236}">
+                <a16:creationId xmlns:a16="http://schemas.microsoft.com/office/drawing/2014/main" id="{83AB3F62-6DA6-D0FD-D7ED-ED9F977733DA}"/>
+              </a:ext>
+            </a:extLst>
+          </p:cNvPr>
+          <p:cNvCxnSpPr>
+            <a:cxnSpLocks/>
+          </p:cNvCxnSpPr>
+          <p:nvPr/>
+        </p:nvCxnSpPr>
+        <p:spPr>
+          <a:xfrm>
+            <a:off x="2243470" y="1605432"/>
+            <a:ext cx="6198781" cy="4799178"/>
+          </a:xfrm>
+          <a:prstGeom prst="curvedConnector3">
+            <a:avLst>
+              <a:gd name="adj1" fmla="val 50000"/>
+            </a:avLst>
+          </a:prstGeom>
+          <a:ln w="22225">
+            <a:solidFill>
+              <a:srgbClr val="00FFFF"/>
+            </a:solidFill>
+            <a:tailEnd type="triangle"/>
+          </a:ln>
+        </p:spPr>
+        <p:style>
+          <a:lnRef idx="1">
+            <a:schemeClr val="accent1"/>
+          </a:lnRef>
+          <a:fillRef idx="0">
+            <a:schemeClr val="accent1"/>
+          </a:fillRef>
+          <a:effectRef idx="0">
+            <a:schemeClr val="accent1"/>
+          </a:effectRef>
+          <a:fontRef idx="minor">
+            <a:schemeClr val="tx1"/>
+          </a:fontRef>
+        </p:style>
+      </p:cxnSp>
+      <p:sp>
+        <p:nvSpPr>
+          <p:cNvPr id="17" name="직사각형 16">
+            <a:extLst>
+              <a:ext uri="{FF2B5EF4-FFF2-40B4-BE49-F238E27FC236}">
+                <a16:creationId xmlns:a16="http://schemas.microsoft.com/office/drawing/2014/main" id="{4CF1CBBA-B022-1C74-1828-77F19033990E}"/>
+              </a:ext>
+            </a:extLst>
+          </p:cNvPr>
+          <p:cNvSpPr/>
+          <p:nvPr/>
+        </p:nvSpPr>
+        <p:spPr>
+          <a:xfrm>
+            <a:off x="8818721" y="647700"/>
+            <a:ext cx="345757" cy="121920"/>
+          </a:xfrm>
+          <a:prstGeom prst="rect">
+            <a:avLst/>
+          </a:prstGeom>
+          <a:solidFill>
+            <a:srgbClr val="FF00FF">
+              <a:alpha val="50000"/>
+            </a:srgbClr>
+          </a:solidFill>
+          <a:ln>
+            <a:noFill/>
+          </a:ln>
+        </p:spPr>
+        <p:style>
+          <a:lnRef idx="2">
+            <a:schemeClr val="accent1">
+              <a:shade val="50000"/>
+            </a:schemeClr>
+          </a:lnRef>
+          <a:fillRef idx="1">
+            <a:schemeClr val="accent1"/>
+          </a:fillRef>
+          <a:effectRef idx="0">
+            <a:schemeClr val="accent1"/>
+          </a:effectRef>
+          <a:fontRef idx="minor">
+            <a:schemeClr val="lt1"/>
+          </a:fontRef>
+        </p:style>
+        <p:txBody>
+          <a:bodyPr rtlCol="0" anchor="ctr"/>
+          <a:lstStyle/>
+          <a:p>
+            <a:pPr algn="ctr"/>
+            <a:endParaRPr lang="ko-KR" altLang="en-US"/>
+          </a:p>
+        </p:txBody>
+      </p:sp>
+      <p:sp>
+        <p:nvSpPr>
+          <p:cNvPr id="19" name="직사각형 18">
+            <a:extLst>
+              <a:ext uri="{FF2B5EF4-FFF2-40B4-BE49-F238E27FC236}">
+                <a16:creationId xmlns:a16="http://schemas.microsoft.com/office/drawing/2014/main" id="{477BBD5F-D972-7F76-FB4A-18E4AA4C29FC}"/>
+              </a:ext>
+            </a:extLst>
+          </p:cNvPr>
+          <p:cNvSpPr/>
+          <p:nvPr/>
+        </p:nvSpPr>
+        <p:spPr>
+          <a:xfrm>
+            <a:off x="8818721" y="791527"/>
+            <a:ext cx="345757" cy="121920"/>
+          </a:xfrm>
+          <a:prstGeom prst="rect">
+            <a:avLst/>
+          </a:prstGeom>
+          <a:solidFill>
+            <a:srgbClr val="FF00FF">
+              <a:alpha val="50000"/>
+            </a:srgbClr>
+          </a:solidFill>
+          <a:ln>
+            <a:noFill/>
+          </a:ln>
+        </p:spPr>
+        <p:style>
+          <a:lnRef idx="2">
+            <a:schemeClr val="accent1">
+              <a:shade val="50000"/>
+            </a:schemeClr>
+          </a:lnRef>
+          <a:fillRef idx="1">
+            <a:schemeClr val="accent1"/>
+          </a:fillRef>
+          <a:effectRef idx="0">
+            <a:schemeClr val="accent1"/>
+          </a:effectRef>
+          <a:fontRef idx="minor">
+            <a:schemeClr val="lt1"/>
+          </a:fontRef>
+        </p:style>
+        <p:txBody>
+          <a:bodyPr rtlCol="0" anchor="ctr"/>
+          <a:lstStyle/>
+          <a:p>
+            <a:pPr algn="ctr"/>
+            <a:endParaRPr lang="ko-KR" altLang="en-US"/>
+          </a:p>
+        </p:txBody>
+      </p:sp>
+      <p:sp>
+        <p:nvSpPr>
+          <p:cNvPr id="20" name="직사각형 19">
+            <a:extLst>
+              <a:ext uri="{FF2B5EF4-FFF2-40B4-BE49-F238E27FC236}">
+                <a16:creationId xmlns:a16="http://schemas.microsoft.com/office/drawing/2014/main" id="{C4543D1F-9745-6A16-3A58-67062C2D86C5}"/>
+              </a:ext>
+            </a:extLst>
+          </p:cNvPr>
+          <p:cNvSpPr/>
+          <p:nvPr/>
+        </p:nvSpPr>
+        <p:spPr>
+          <a:xfrm>
+            <a:off x="8818721" y="1712277"/>
+            <a:ext cx="1151573" cy="121920"/>
+          </a:xfrm>
+          <a:prstGeom prst="rect">
+            <a:avLst/>
+          </a:prstGeom>
+          <a:solidFill>
+            <a:srgbClr val="FF00FF">
+              <a:alpha val="50000"/>
+            </a:srgbClr>
+          </a:solidFill>
+          <a:ln>
+            <a:noFill/>
+          </a:ln>
+        </p:spPr>
+        <p:style>
+          <a:lnRef idx="2">
+            <a:schemeClr val="accent1">
+              <a:shade val="50000"/>
+            </a:schemeClr>
+          </a:lnRef>
+          <a:fillRef idx="1">
+            <a:schemeClr val="accent1"/>
+          </a:fillRef>
+          <a:effectRef idx="0">
+            <a:schemeClr val="accent1"/>
+          </a:effectRef>
+          <a:fontRef idx="minor">
+            <a:schemeClr val="lt1"/>
+          </a:fontRef>
+        </p:style>
+        <p:txBody>
+          <a:bodyPr rtlCol="0" anchor="ctr"/>
+          <a:lstStyle/>
+          <a:p>
+            <a:pPr algn="ctr"/>
+            <a:endParaRPr lang="ko-KR" altLang="en-US"/>
+          </a:p>
+        </p:txBody>
+      </p:sp>
+      <p:sp>
+        <p:nvSpPr>
+          <p:cNvPr id="21" name="직사각형 20">
+            <a:extLst>
+              <a:ext uri="{FF2B5EF4-FFF2-40B4-BE49-F238E27FC236}">
+                <a16:creationId xmlns:a16="http://schemas.microsoft.com/office/drawing/2014/main" id="{F1E91F52-EADB-C077-BCF7-2F290BC5C0AB}"/>
+              </a:ext>
+            </a:extLst>
+          </p:cNvPr>
+          <p:cNvSpPr/>
+          <p:nvPr/>
+        </p:nvSpPr>
+        <p:spPr>
+          <a:xfrm>
+            <a:off x="8818722" y="2386171"/>
+            <a:ext cx="425292" cy="121920"/>
+          </a:xfrm>
+          <a:prstGeom prst="rect">
+            <a:avLst/>
+          </a:prstGeom>
+          <a:solidFill>
+            <a:srgbClr val="FF00FF">
+              <a:alpha val="50000"/>
+            </a:srgbClr>
+          </a:solidFill>
+          <a:ln>
+            <a:noFill/>
+          </a:ln>
+        </p:spPr>
+        <p:style>
+          <a:lnRef idx="2">
+            <a:schemeClr val="accent1">
+              <a:shade val="50000"/>
+            </a:schemeClr>
+          </a:lnRef>
+          <a:fillRef idx="1">
+            <a:schemeClr val="accent1"/>
+          </a:fillRef>
+          <a:effectRef idx="0">
+            <a:schemeClr val="accent1"/>
+          </a:effectRef>
+          <a:fontRef idx="minor">
+            <a:schemeClr val="lt1"/>
+          </a:fontRef>
+        </p:style>
+        <p:txBody>
+          <a:bodyPr rtlCol="0" anchor="ctr"/>
+          <a:lstStyle/>
+          <a:p>
+            <a:pPr algn="ctr"/>
+            <a:endParaRPr lang="ko-KR" altLang="en-US"/>
+          </a:p>
+        </p:txBody>
+      </p:sp>
+      <p:sp>
+        <p:nvSpPr>
+          <p:cNvPr id="22" name="직사각형 21">
+            <a:extLst>
+              <a:ext uri="{FF2B5EF4-FFF2-40B4-BE49-F238E27FC236}">
+                <a16:creationId xmlns:a16="http://schemas.microsoft.com/office/drawing/2014/main" id="{62F5B477-0C26-56ED-DA1E-6F9273F9856C}"/>
+              </a:ext>
+            </a:extLst>
+          </p:cNvPr>
+          <p:cNvSpPr/>
+          <p:nvPr/>
+        </p:nvSpPr>
+        <p:spPr>
+          <a:xfrm>
+            <a:off x="8818722" y="3443764"/>
+            <a:ext cx="425292" cy="121920"/>
+          </a:xfrm>
+          <a:prstGeom prst="rect">
+            <a:avLst/>
+          </a:prstGeom>
+          <a:solidFill>
+            <a:srgbClr val="FF00FF">
+              <a:alpha val="50000"/>
+            </a:srgbClr>
+          </a:solidFill>
+          <a:ln>
+            <a:noFill/>
+          </a:ln>
+        </p:spPr>
+        <p:style>
+          <a:lnRef idx="2">
+            <a:schemeClr val="accent1">
+              <a:shade val="50000"/>
+            </a:schemeClr>
+          </a:lnRef>
+          <a:fillRef idx="1">
+            <a:schemeClr val="accent1"/>
+          </a:fillRef>
+          <a:effectRef idx="0">
+            <a:schemeClr val="accent1"/>
+          </a:effectRef>
+          <a:fontRef idx="minor">
+            <a:schemeClr val="lt1"/>
+          </a:fontRef>
+        </p:style>
+        <p:txBody>
+          <a:bodyPr rtlCol="0" anchor="ctr"/>
+          <a:lstStyle/>
+          <a:p>
+            <a:pPr algn="ctr"/>
+            <a:endParaRPr lang="ko-KR" altLang="en-US"/>
+          </a:p>
+        </p:txBody>
+      </p:sp>
+      <p:sp>
+        <p:nvSpPr>
+          <p:cNvPr id="23" name="직사각형 22">
+            <a:extLst>
+              <a:ext uri="{FF2B5EF4-FFF2-40B4-BE49-F238E27FC236}">
+                <a16:creationId xmlns:a16="http://schemas.microsoft.com/office/drawing/2014/main" id="{95C55EDA-5AEE-1E9E-85CE-A6D6C0ED1461}"/>
+              </a:ext>
+            </a:extLst>
+          </p:cNvPr>
+          <p:cNvSpPr/>
+          <p:nvPr/>
+        </p:nvSpPr>
+        <p:spPr>
+          <a:xfrm>
+            <a:off x="8818722" y="4741308"/>
+            <a:ext cx="368141" cy="121920"/>
+          </a:xfrm>
+          <a:prstGeom prst="rect">
+            <a:avLst/>
+          </a:prstGeom>
+          <a:solidFill>
+            <a:srgbClr val="FF00FF">
+              <a:alpha val="50000"/>
+            </a:srgbClr>
+          </a:solidFill>
+          <a:ln>
+            <a:noFill/>
+          </a:ln>
+        </p:spPr>
+        <p:style>
+          <a:lnRef idx="2">
+            <a:schemeClr val="accent1">
+              <a:shade val="50000"/>
+            </a:schemeClr>
+          </a:lnRef>
+          <a:fillRef idx="1">
+            <a:schemeClr val="accent1"/>
+          </a:fillRef>
+          <a:effectRef idx="0">
+            <a:schemeClr val="accent1"/>
+          </a:effectRef>
+          <a:fontRef idx="minor">
+            <a:schemeClr val="lt1"/>
+          </a:fontRef>
+        </p:style>
+        <p:txBody>
+          <a:bodyPr rtlCol="0" anchor="ctr"/>
+          <a:lstStyle/>
+          <a:p>
+            <a:pPr algn="ctr"/>
+            <a:endParaRPr lang="ko-KR" altLang="en-US"/>
+          </a:p>
+        </p:txBody>
+      </p:sp>
+      <p:sp>
+        <p:nvSpPr>
+          <p:cNvPr id="24" name="직사각형 23">
+            <a:extLst>
+              <a:ext uri="{FF2B5EF4-FFF2-40B4-BE49-F238E27FC236}">
+                <a16:creationId xmlns:a16="http://schemas.microsoft.com/office/drawing/2014/main" id="{82B0AC44-1641-0A86-A569-1C084EFD2168}"/>
+              </a:ext>
+            </a:extLst>
+          </p:cNvPr>
+          <p:cNvSpPr/>
+          <p:nvPr/>
+        </p:nvSpPr>
+        <p:spPr>
+          <a:xfrm>
+            <a:off x="8818722" y="4886086"/>
+            <a:ext cx="653891" cy="121920"/>
+          </a:xfrm>
+          <a:prstGeom prst="rect">
+            <a:avLst/>
+          </a:prstGeom>
+          <a:solidFill>
+            <a:srgbClr val="FF00FF">
+              <a:alpha val="50000"/>
+            </a:srgbClr>
+          </a:solidFill>
+          <a:ln>
+            <a:noFill/>
+          </a:ln>
+        </p:spPr>
+        <p:style>
+          <a:lnRef idx="2">
+            <a:schemeClr val="accent1">
+              <a:shade val="50000"/>
+            </a:schemeClr>
+          </a:lnRef>
+          <a:fillRef idx="1">
+            <a:schemeClr val="accent1"/>
+          </a:fillRef>
+          <a:effectRef idx="0">
+            <a:schemeClr val="accent1"/>
+          </a:effectRef>
+          <a:fontRef idx="minor">
+            <a:schemeClr val="lt1"/>
+          </a:fontRef>
+        </p:style>
+        <p:txBody>
+          <a:bodyPr rtlCol="0" anchor="ctr"/>
+          <a:lstStyle/>
+          <a:p>
+            <a:pPr algn="ctr"/>
+            <a:endParaRPr lang="ko-KR" altLang="en-US"/>
+          </a:p>
+        </p:txBody>
+      </p:sp>
+      <p:sp>
+        <p:nvSpPr>
+          <p:cNvPr id="25" name="직사각형 24">
+            <a:extLst>
+              <a:ext uri="{FF2B5EF4-FFF2-40B4-BE49-F238E27FC236}">
+                <a16:creationId xmlns:a16="http://schemas.microsoft.com/office/drawing/2014/main" id="{B03BD2DC-681E-8BC9-0C88-DFA8EB684A59}"/>
+              </a:ext>
+            </a:extLst>
+          </p:cNvPr>
+          <p:cNvSpPr/>
+          <p:nvPr/>
+        </p:nvSpPr>
+        <p:spPr>
+          <a:xfrm>
+            <a:off x="8818722" y="5548075"/>
+            <a:ext cx="608647" cy="121920"/>
+          </a:xfrm>
+          <a:prstGeom prst="rect">
+            <a:avLst/>
+          </a:prstGeom>
+          <a:solidFill>
+            <a:srgbClr val="FF00FF">
+              <a:alpha val="50000"/>
+            </a:srgbClr>
+          </a:solidFill>
+          <a:ln>
+            <a:noFill/>
+          </a:ln>
+        </p:spPr>
+        <p:style>
+          <a:lnRef idx="2">
+            <a:schemeClr val="accent1">
+              <a:shade val="50000"/>
+            </a:schemeClr>
+          </a:lnRef>
+          <a:fillRef idx="1">
+            <a:schemeClr val="accent1"/>
+          </a:fillRef>
+          <a:effectRef idx="0">
+            <a:schemeClr val="accent1"/>
+          </a:effectRef>
+          <a:fontRef idx="minor">
+            <a:schemeClr val="lt1"/>
+          </a:fontRef>
+        </p:style>
+        <p:txBody>
+          <a:bodyPr rtlCol="0" anchor="ctr"/>
+          <a:lstStyle/>
+          <a:p>
+            <a:pPr algn="ctr"/>
+            <a:endParaRPr lang="ko-KR" altLang="en-US"/>
+          </a:p>
+        </p:txBody>
+      </p:sp>
+      <p:sp>
+        <p:nvSpPr>
+          <p:cNvPr id="26" name="직사각형 25">
+            <a:extLst>
+              <a:ext uri="{FF2B5EF4-FFF2-40B4-BE49-F238E27FC236}">
+                <a16:creationId xmlns:a16="http://schemas.microsoft.com/office/drawing/2014/main" id="{26DED621-72B3-BBE1-041F-DAB4748B9EB4}"/>
+              </a:ext>
+            </a:extLst>
+          </p:cNvPr>
+          <p:cNvSpPr/>
+          <p:nvPr/>
+        </p:nvSpPr>
+        <p:spPr>
+          <a:xfrm>
+            <a:off x="8818722" y="6336507"/>
+            <a:ext cx="368141" cy="121920"/>
+          </a:xfrm>
+          <a:prstGeom prst="rect">
+            <a:avLst/>
+          </a:prstGeom>
+          <a:solidFill>
+            <a:srgbClr val="FF00FF">
+              <a:alpha val="50000"/>
+            </a:srgbClr>
+          </a:solidFill>
+          <a:ln>
+            <a:noFill/>
+          </a:ln>
+        </p:spPr>
+        <p:style>
+          <a:lnRef idx="2">
+            <a:schemeClr val="accent1">
+              <a:shade val="50000"/>
+            </a:schemeClr>
+          </a:lnRef>
+          <a:fillRef idx="1">
+            <a:schemeClr val="accent1"/>
+          </a:fillRef>
+          <a:effectRef idx="0">
+            <a:schemeClr val="accent1"/>
+          </a:effectRef>
+          <a:fontRef idx="minor">
+            <a:schemeClr val="lt1"/>
+          </a:fontRef>
+        </p:style>
+        <p:txBody>
+          <a:bodyPr rtlCol="0" anchor="ctr"/>
+          <a:lstStyle/>
+          <a:p>
+            <a:pPr algn="ctr"/>
+            <a:endParaRPr lang="ko-KR" altLang="en-US"/>
+          </a:p>
+        </p:txBody>
+      </p:sp>
+      <p:sp>
+        <p:nvSpPr>
+          <p:cNvPr id="27" name="직사각형 26">
+            <a:extLst>
+              <a:ext uri="{FF2B5EF4-FFF2-40B4-BE49-F238E27FC236}">
+                <a16:creationId xmlns:a16="http://schemas.microsoft.com/office/drawing/2014/main" id="{5CF97ED8-9EF3-B09F-3EC4-011FF29FD837}"/>
+              </a:ext>
+            </a:extLst>
+          </p:cNvPr>
+          <p:cNvSpPr/>
+          <p:nvPr/>
+        </p:nvSpPr>
+        <p:spPr>
+          <a:xfrm>
+            <a:off x="8818722" y="6476047"/>
+            <a:ext cx="296703" cy="121920"/>
+          </a:xfrm>
+          <a:prstGeom prst="rect">
+            <a:avLst/>
+          </a:prstGeom>
+          <a:solidFill>
+            <a:srgbClr val="FF00FF">
+              <a:alpha val="50000"/>
+            </a:srgbClr>
+          </a:solidFill>
+          <a:ln>
+            <a:noFill/>
+          </a:ln>
+        </p:spPr>
+        <p:style>
+          <a:lnRef idx="2">
+            <a:schemeClr val="accent1">
+              <a:shade val="50000"/>
+            </a:schemeClr>
+          </a:lnRef>
+          <a:fillRef idx="1">
+            <a:schemeClr val="accent1"/>
+          </a:fillRef>
+          <a:effectRef idx="0">
+            <a:schemeClr val="accent1"/>
+          </a:effectRef>
+          <a:fontRef idx="minor">
+            <a:schemeClr val="lt1"/>
+          </a:fontRef>
+        </p:style>
+        <p:txBody>
+          <a:bodyPr rtlCol="0" anchor="ctr"/>
+          <a:lstStyle/>
+          <a:p>
+            <a:pPr algn="ctr"/>
+            <a:endParaRPr lang="ko-KR" altLang="en-US"/>
+          </a:p>
+        </p:txBody>
+      </p:sp>
+      <p:sp>
+        <p:nvSpPr>
+          <p:cNvPr id="28" name="TextBox 27">
+            <a:extLst>
+              <a:ext uri="{FF2B5EF4-FFF2-40B4-BE49-F238E27FC236}">
+                <a16:creationId xmlns:a16="http://schemas.microsoft.com/office/drawing/2014/main" id="{897021B9-0121-99DC-2713-253DD6EEEB84}"/>
+              </a:ext>
+            </a:extLst>
+          </p:cNvPr>
+          <p:cNvSpPr txBox="1"/>
+          <p:nvPr/>
+        </p:nvSpPr>
+        <p:spPr>
+          <a:xfrm>
+            <a:off x="4866082" y="3171561"/>
+            <a:ext cx="2048959" cy="646331"/>
+          </a:xfrm>
+          <a:prstGeom prst="rect">
+            <a:avLst/>
+          </a:prstGeom>
+          <a:noFill/>
+        </p:spPr>
+        <p:txBody>
+          <a:bodyPr wrap="none" rtlCol="0">
+            <a:spAutoFit/>
+          </a:bodyPr>
+          <a:lstStyle/>
+          <a:p>
+            <a:r>
+              <a:rPr lang="ko-KR" altLang="en-US" dirty="0">
+                <a:latin typeface="리디바탕" panose="020B0600000101010101" pitchFamily="34" charset="-127"/>
+                <a:ea typeface="리디바탕" panose="020B0600000101010101" pitchFamily="34" charset="-127"/>
+              </a:rPr>
+              <a:t>각</a:t>
+            </a:r>
+            <a:r>
+              <a:rPr lang="en-US" altLang="ko-KR" dirty="0">
+                <a:latin typeface="리디바탕" panose="020B0600000101010101" pitchFamily="34" charset="-127"/>
+                <a:ea typeface="리디바탕" panose="020B0600000101010101" pitchFamily="34" charset="-127"/>
+              </a:rPr>
+              <a:t> Wall </a:t>
+            </a:r>
+            <a:r>
+              <a:rPr lang="ko-KR" altLang="en-US" dirty="0">
+                <a:latin typeface="리디바탕" panose="020B0600000101010101" pitchFamily="34" charset="-127"/>
+                <a:ea typeface="리디바탕" panose="020B0600000101010101" pitchFamily="34" charset="-127"/>
+              </a:rPr>
+              <a:t>객체의</a:t>
+            </a:r>
+            <a:endParaRPr lang="en-US" altLang="ko-KR" dirty="0">
+              <a:latin typeface="리디바탕" panose="020B0600000101010101" pitchFamily="34" charset="-127"/>
+              <a:ea typeface="리디바탕" panose="020B0600000101010101" pitchFamily="34" charset="-127"/>
+            </a:endParaRPr>
+          </a:p>
+          <a:p>
+            <a:r>
+              <a:rPr lang="ko-KR" altLang="en-US" dirty="0">
+                <a:latin typeface="리디바탕" panose="020B0600000101010101" pitchFamily="34" charset="-127"/>
+                <a:ea typeface="리디바탕" panose="020B0600000101010101" pitchFamily="34" charset="-127"/>
+              </a:rPr>
+              <a:t>파생 데이터 꾸러미</a:t>
+            </a:r>
+          </a:p>
+        </p:txBody>
+      </p:sp>
+      <p:cxnSp>
+        <p:nvCxnSpPr>
+          <p:cNvPr id="30" name="직선 연결선 29">
+            <a:extLst>
+              <a:ext uri="{FF2B5EF4-FFF2-40B4-BE49-F238E27FC236}">
+                <a16:creationId xmlns:a16="http://schemas.microsoft.com/office/drawing/2014/main" id="{07C2F9B2-B24A-BE50-0344-E00DF7CC21C9}"/>
+              </a:ext>
+            </a:extLst>
+          </p:cNvPr>
+          <p:cNvCxnSpPr/>
+          <p:nvPr/>
+        </p:nvCxnSpPr>
+        <p:spPr>
+          <a:xfrm>
+            <a:off x="5747657" y="240034"/>
+            <a:ext cx="0" cy="6377932"/>
+          </a:xfrm>
+          <a:prstGeom prst="line">
+            <a:avLst/>
+          </a:prstGeom>
+          <a:ln>
+            <a:prstDash val="lgDashDotDot"/>
+          </a:ln>
+        </p:spPr>
+        <p:style>
+          <a:lnRef idx="1">
+            <a:schemeClr val="accent1"/>
+          </a:lnRef>
+          <a:fillRef idx="0">
+            <a:schemeClr val="accent1"/>
+          </a:fillRef>
+          <a:effectRef idx="0">
+            <a:schemeClr val="accent1"/>
+          </a:effectRef>
+          <a:fontRef idx="minor">
+            <a:schemeClr val="tx1"/>
+          </a:fontRef>
+        </p:style>
+      </p:cxnSp>
+      <p:sp>
+        <p:nvSpPr>
+          <p:cNvPr id="31" name="직사각형 30">
+            <a:extLst>
+              <a:ext uri="{FF2B5EF4-FFF2-40B4-BE49-F238E27FC236}">
+                <a16:creationId xmlns:a16="http://schemas.microsoft.com/office/drawing/2014/main" id="{41926603-2861-D613-5D17-DDBE9A56D5D1}"/>
+              </a:ext>
+            </a:extLst>
+          </p:cNvPr>
+          <p:cNvSpPr/>
+          <p:nvPr/>
+        </p:nvSpPr>
+        <p:spPr>
+          <a:xfrm>
+            <a:off x="9186863" y="647700"/>
+            <a:ext cx="345757" cy="121920"/>
+          </a:xfrm>
+          <a:prstGeom prst="rect">
+            <a:avLst/>
+          </a:prstGeom>
+          <a:solidFill>
+            <a:srgbClr val="0000FF">
+              <a:alpha val="30000"/>
+            </a:srgbClr>
+          </a:solidFill>
+          <a:ln>
+            <a:solidFill>
+              <a:srgbClr val="0000FF"/>
+            </a:solidFill>
+          </a:ln>
+        </p:spPr>
+        <p:style>
+          <a:lnRef idx="2">
+            <a:schemeClr val="accent1">
+              <a:shade val="50000"/>
+            </a:schemeClr>
+          </a:lnRef>
+          <a:fillRef idx="1">
+            <a:schemeClr val="accent1"/>
+          </a:fillRef>
+          <a:effectRef idx="0">
+            <a:schemeClr val="accent1"/>
+          </a:effectRef>
+          <a:fontRef idx="minor">
+            <a:schemeClr val="lt1"/>
+          </a:fontRef>
+        </p:style>
+        <p:txBody>
+          <a:bodyPr rtlCol="0" anchor="ctr"/>
+          <a:lstStyle/>
+          <a:p>
+            <a:pPr algn="ctr"/>
+            <a:endParaRPr lang="ko-KR" altLang="en-US"/>
+          </a:p>
+        </p:txBody>
+      </p:sp>
+      <p:sp>
+        <p:nvSpPr>
+          <p:cNvPr id="32" name="직사각형 31">
+            <a:extLst>
+              <a:ext uri="{FF2B5EF4-FFF2-40B4-BE49-F238E27FC236}">
+                <a16:creationId xmlns:a16="http://schemas.microsoft.com/office/drawing/2014/main" id="{E2EAF21B-02E2-7D7C-4543-8AC061D7D963}"/>
+              </a:ext>
+            </a:extLst>
+          </p:cNvPr>
+          <p:cNvSpPr/>
+          <p:nvPr/>
+        </p:nvSpPr>
+        <p:spPr>
+          <a:xfrm>
+            <a:off x="8920390" y="913447"/>
+            <a:ext cx="746042" cy="791845"/>
+          </a:xfrm>
+          <a:prstGeom prst="rect">
+            <a:avLst/>
+          </a:prstGeom>
+          <a:solidFill>
+            <a:srgbClr val="0000FF">
+              <a:alpha val="30000"/>
+            </a:srgbClr>
+          </a:solidFill>
+          <a:ln>
+            <a:solidFill>
+              <a:srgbClr val="0000FF"/>
+            </a:solidFill>
+          </a:ln>
+        </p:spPr>
+        <p:style>
+          <a:lnRef idx="2">
+            <a:schemeClr val="accent1">
+              <a:shade val="50000"/>
+            </a:schemeClr>
+          </a:lnRef>
+          <a:fillRef idx="1">
+            <a:schemeClr val="accent1"/>
+          </a:fillRef>
+          <a:effectRef idx="0">
+            <a:schemeClr val="accent1"/>
+          </a:effectRef>
+          <a:fontRef idx="minor">
+            <a:schemeClr val="lt1"/>
+          </a:fontRef>
+        </p:style>
+        <p:txBody>
+          <a:bodyPr rtlCol="0" anchor="ctr"/>
+          <a:lstStyle/>
+          <a:p>
+            <a:pPr algn="ctr"/>
+            <a:endParaRPr lang="ko-KR" altLang="en-US"/>
+          </a:p>
+        </p:txBody>
+      </p:sp>
+      <p:sp>
+        <p:nvSpPr>
+          <p:cNvPr id="33" name="직사각형 32">
+            <a:extLst>
+              <a:ext uri="{FF2B5EF4-FFF2-40B4-BE49-F238E27FC236}">
+                <a16:creationId xmlns:a16="http://schemas.microsoft.com/office/drawing/2014/main" id="{DD27E000-D3A1-5111-D27C-D848806D95A4}"/>
+              </a:ext>
+            </a:extLst>
+          </p:cNvPr>
+          <p:cNvSpPr/>
+          <p:nvPr/>
+        </p:nvSpPr>
+        <p:spPr>
+          <a:xfrm>
+            <a:off x="8920390" y="1834197"/>
+            <a:ext cx="746042" cy="547925"/>
+          </a:xfrm>
+          <a:prstGeom prst="rect">
+            <a:avLst/>
+          </a:prstGeom>
+          <a:solidFill>
+            <a:srgbClr val="0000FF">
+              <a:alpha val="30000"/>
+            </a:srgbClr>
+          </a:solidFill>
+          <a:ln>
+            <a:solidFill>
+              <a:srgbClr val="0000FF"/>
+            </a:solidFill>
+          </a:ln>
+        </p:spPr>
+        <p:style>
+          <a:lnRef idx="2">
+            <a:schemeClr val="accent1">
+              <a:shade val="50000"/>
+            </a:schemeClr>
+          </a:lnRef>
+          <a:fillRef idx="1">
+            <a:schemeClr val="accent1"/>
+          </a:fillRef>
+          <a:effectRef idx="0">
+            <a:schemeClr val="accent1"/>
+          </a:effectRef>
+          <a:fontRef idx="minor">
+            <a:schemeClr val="lt1"/>
+          </a:fontRef>
+        </p:style>
+        <p:txBody>
+          <a:bodyPr rtlCol="0" anchor="ctr"/>
+          <a:lstStyle/>
+          <a:p>
+            <a:pPr algn="ctr"/>
+            <a:endParaRPr lang="ko-KR" altLang="en-US"/>
+          </a:p>
+        </p:txBody>
+      </p:sp>
+      <p:sp>
+        <p:nvSpPr>
+          <p:cNvPr id="34" name="직사각형 33">
+            <a:extLst>
+              <a:ext uri="{FF2B5EF4-FFF2-40B4-BE49-F238E27FC236}">
+                <a16:creationId xmlns:a16="http://schemas.microsoft.com/office/drawing/2014/main" id="{0E1A6697-7582-94F6-B54F-8E1D78170824}"/>
+              </a:ext>
+            </a:extLst>
+          </p:cNvPr>
+          <p:cNvSpPr/>
+          <p:nvPr/>
+        </p:nvSpPr>
+        <p:spPr>
+          <a:xfrm>
+            <a:off x="8865394" y="2510235"/>
+            <a:ext cx="801038" cy="904001"/>
+          </a:xfrm>
+          <a:prstGeom prst="rect">
+            <a:avLst/>
+          </a:prstGeom>
+          <a:solidFill>
+            <a:srgbClr val="0000FF">
+              <a:alpha val="30000"/>
+            </a:srgbClr>
+          </a:solidFill>
+          <a:ln>
+            <a:solidFill>
+              <a:srgbClr val="0000FF"/>
+            </a:solidFill>
+          </a:ln>
+        </p:spPr>
+        <p:style>
+          <a:lnRef idx="2">
+            <a:schemeClr val="accent1">
+              <a:shade val="50000"/>
+            </a:schemeClr>
+          </a:lnRef>
+          <a:fillRef idx="1">
+            <a:schemeClr val="accent1"/>
+          </a:fillRef>
+          <a:effectRef idx="0">
+            <a:schemeClr val="accent1"/>
+          </a:effectRef>
+          <a:fontRef idx="minor">
+            <a:schemeClr val="lt1"/>
+          </a:fontRef>
+        </p:style>
+        <p:txBody>
+          <a:bodyPr rtlCol="0" anchor="ctr"/>
+          <a:lstStyle/>
+          <a:p>
+            <a:pPr algn="ctr"/>
+            <a:endParaRPr lang="ko-KR" altLang="en-US"/>
+          </a:p>
+        </p:txBody>
+      </p:sp>
+      <p:sp>
+        <p:nvSpPr>
+          <p:cNvPr id="35" name="직사각형 34">
+            <a:extLst>
+              <a:ext uri="{FF2B5EF4-FFF2-40B4-BE49-F238E27FC236}">
+                <a16:creationId xmlns:a16="http://schemas.microsoft.com/office/drawing/2014/main" id="{A146A1BB-4116-97C7-0F12-8E3118A1A47B}"/>
+              </a:ext>
+            </a:extLst>
+          </p:cNvPr>
+          <p:cNvSpPr/>
+          <p:nvPr/>
+        </p:nvSpPr>
+        <p:spPr>
+          <a:xfrm>
+            <a:off x="8865394" y="3573663"/>
+            <a:ext cx="801038" cy="1160975"/>
+          </a:xfrm>
+          <a:prstGeom prst="rect">
+            <a:avLst/>
+          </a:prstGeom>
+          <a:solidFill>
+            <a:srgbClr val="0000FF">
+              <a:alpha val="30000"/>
+            </a:srgbClr>
+          </a:solidFill>
+          <a:ln>
+            <a:solidFill>
+              <a:srgbClr val="0000FF"/>
+            </a:solidFill>
+          </a:ln>
+        </p:spPr>
+        <p:style>
+          <a:lnRef idx="2">
+            <a:schemeClr val="accent1">
+              <a:shade val="50000"/>
+            </a:schemeClr>
+          </a:lnRef>
+          <a:fillRef idx="1">
+            <a:schemeClr val="accent1"/>
+          </a:fillRef>
+          <a:effectRef idx="0">
+            <a:schemeClr val="accent1"/>
+          </a:effectRef>
+          <a:fontRef idx="minor">
+            <a:schemeClr val="lt1"/>
+          </a:fontRef>
+        </p:style>
+        <p:txBody>
+          <a:bodyPr rtlCol="0" anchor="ctr"/>
+          <a:lstStyle/>
+          <a:p>
+            <a:pPr algn="ctr"/>
+            <a:endParaRPr lang="ko-KR" altLang="en-US"/>
+          </a:p>
+        </p:txBody>
+      </p:sp>
+      <p:sp>
+        <p:nvSpPr>
+          <p:cNvPr id="36" name="직사각형 35">
+            <a:extLst>
+              <a:ext uri="{FF2B5EF4-FFF2-40B4-BE49-F238E27FC236}">
+                <a16:creationId xmlns:a16="http://schemas.microsoft.com/office/drawing/2014/main" id="{F0C4F63A-70B1-E1B6-1E5C-9A3BE840C8DE}"/>
+              </a:ext>
+            </a:extLst>
+          </p:cNvPr>
+          <p:cNvSpPr/>
+          <p:nvPr/>
+        </p:nvSpPr>
+        <p:spPr>
+          <a:xfrm>
+            <a:off x="9189561" y="4753212"/>
+            <a:ext cx="476871" cy="116685"/>
+          </a:xfrm>
+          <a:prstGeom prst="rect">
+            <a:avLst/>
+          </a:prstGeom>
+          <a:solidFill>
+            <a:srgbClr val="0000FF">
+              <a:alpha val="30000"/>
+            </a:srgbClr>
+          </a:solidFill>
+          <a:ln>
+            <a:solidFill>
+              <a:srgbClr val="0000FF"/>
+            </a:solidFill>
+          </a:ln>
+        </p:spPr>
+        <p:style>
+          <a:lnRef idx="2">
+            <a:schemeClr val="accent1">
+              <a:shade val="50000"/>
+            </a:schemeClr>
+          </a:lnRef>
+          <a:fillRef idx="1">
+            <a:schemeClr val="accent1"/>
+          </a:fillRef>
+          <a:effectRef idx="0">
+            <a:schemeClr val="accent1"/>
+          </a:effectRef>
+          <a:fontRef idx="minor">
+            <a:schemeClr val="lt1"/>
+          </a:fontRef>
+        </p:style>
+        <p:txBody>
+          <a:bodyPr rtlCol="0" anchor="ctr"/>
+          <a:lstStyle/>
+          <a:p>
+            <a:pPr algn="ctr"/>
+            <a:endParaRPr lang="ko-KR" altLang="en-US"/>
+          </a:p>
+        </p:txBody>
+      </p:sp>
+      <p:sp>
+        <p:nvSpPr>
+          <p:cNvPr id="37" name="직사각형 36">
+            <a:extLst>
+              <a:ext uri="{FF2B5EF4-FFF2-40B4-BE49-F238E27FC236}">
+                <a16:creationId xmlns:a16="http://schemas.microsoft.com/office/drawing/2014/main" id="{74A1FDAB-81EF-EBD8-445C-ECD1F280C75E}"/>
+              </a:ext>
+            </a:extLst>
+          </p:cNvPr>
+          <p:cNvSpPr/>
+          <p:nvPr/>
+        </p:nvSpPr>
+        <p:spPr>
+          <a:xfrm>
+            <a:off x="8865394" y="5014676"/>
+            <a:ext cx="801038" cy="515779"/>
+          </a:xfrm>
+          <a:prstGeom prst="rect">
+            <a:avLst/>
+          </a:prstGeom>
+          <a:solidFill>
+            <a:srgbClr val="0000FF">
+              <a:alpha val="30000"/>
+            </a:srgbClr>
+          </a:solidFill>
+          <a:ln>
+            <a:solidFill>
+              <a:srgbClr val="0000FF"/>
+            </a:solidFill>
+          </a:ln>
+        </p:spPr>
+        <p:style>
+          <a:lnRef idx="2">
+            <a:schemeClr val="accent1">
+              <a:shade val="50000"/>
+            </a:schemeClr>
+          </a:lnRef>
+          <a:fillRef idx="1">
+            <a:schemeClr val="accent1"/>
+          </a:fillRef>
+          <a:effectRef idx="0">
+            <a:schemeClr val="accent1"/>
+          </a:effectRef>
+          <a:fontRef idx="minor">
+            <a:schemeClr val="lt1"/>
+          </a:fontRef>
+        </p:style>
+        <p:txBody>
+          <a:bodyPr rtlCol="0" anchor="ctr"/>
+          <a:lstStyle/>
+          <a:p>
+            <a:pPr algn="ctr"/>
+            <a:endParaRPr lang="ko-KR" altLang="en-US"/>
+          </a:p>
+        </p:txBody>
+      </p:sp>
+      <p:sp>
+        <p:nvSpPr>
+          <p:cNvPr id="38" name="직사각형 37">
+            <a:extLst>
+              <a:ext uri="{FF2B5EF4-FFF2-40B4-BE49-F238E27FC236}">
+                <a16:creationId xmlns:a16="http://schemas.microsoft.com/office/drawing/2014/main" id="{A2CCF866-4D50-FA40-FC50-3A19794C9433}"/>
+              </a:ext>
+            </a:extLst>
+          </p:cNvPr>
+          <p:cNvSpPr/>
+          <p:nvPr/>
+        </p:nvSpPr>
+        <p:spPr>
+          <a:xfrm>
+            <a:off x="8865394" y="5668566"/>
+            <a:ext cx="801038" cy="515779"/>
+          </a:xfrm>
+          <a:prstGeom prst="rect">
+            <a:avLst/>
+          </a:prstGeom>
+          <a:solidFill>
+            <a:srgbClr val="0000FF">
+              <a:alpha val="30000"/>
+            </a:srgbClr>
+          </a:solidFill>
+          <a:ln>
+            <a:solidFill>
+              <a:srgbClr val="0000FF"/>
+            </a:solidFill>
+          </a:ln>
+        </p:spPr>
+        <p:style>
+          <a:lnRef idx="2">
+            <a:schemeClr val="accent1">
+              <a:shade val="50000"/>
+            </a:schemeClr>
+          </a:lnRef>
+          <a:fillRef idx="1">
+            <a:schemeClr val="accent1"/>
+          </a:fillRef>
+          <a:effectRef idx="0">
+            <a:schemeClr val="accent1"/>
+          </a:effectRef>
+          <a:fontRef idx="minor">
+            <a:schemeClr val="lt1"/>
+          </a:fontRef>
+        </p:style>
+        <p:txBody>
+          <a:bodyPr rtlCol="0" anchor="ctr"/>
+          <a:lstStyle/>
+          <a:p>
+            <a:pPr algn="ctr"/>
+            <a:endParaRPr lang="ko-KR" altLang="en-US"/>
+          </a:p>
+        </p:txBody>
+      </p:sp>
+      <p:sp>
+        <p:nvSpPr>
+          <p:cNvPr id="39" name="직사각형 38">
+            <a:extLst>
+              <a:ext uri="{FF2B5EF4-FFF2-40B4-BE49-F238E27FC236}">
+                <a16:creationId xmlns:a16="http://schemas.microsoft.com/office/drawing/2014/main" id="{7F65B762-2115-22A7-28AA-4E9F85685F17}"/>
+              </a:ext>
+            </a:extLst>
+          </p:cNvPr>
+          <p:cNvSpPr/>
+          <p:nvPr/>
+        </p:nvSpPr>
+        <p:spPr>
+          <a:xfrm>
+            <a:off x="6309644" y="4706023"/>
+            <a:ext cx="373354" cy="180063"/>
+          </a:xfrm>
+          <a:prstGeom prst="rect">
+            <a:avLst/>
+          </a:prstGeom>
+          <a:solidFill>
+            <a:srgbClr val="FF00FF">
+              <a:alpha val="50000"/>
+            </a:srgbClr>
+          </a:solidFill>
+          <a:ln>
+            <a:noFill/>
+          </a:ln>
+        </p:spPr>
+        <p:style>
+          <a:lnRef idx="2">
+            <a:schemeClr val="accent1">
+              <a:shade val="50000"/>
+            </a:schemeClr>
+          </a:lnRef>
+          <a:fillRef idx="1">
+            <a:schemeClr val="accent1"/>
+          </a:fillRef>
+          <a:effectRef idx="0">
+            <a:schemeClr val="accent1"/>
+          </a:effectRef>
+          <a:fontRef idx="minor">
+            <a:schemeClr val="lt1"/>
+          </a:fontRef>
+        </p:style>
+        <p:txBody>
+          <a:bodyPr rtlCol="0" anchor="ctr"/>
+          <a:lstStyle/>
+          <a:p>
+            <a:pPr algn="ctr"/>
+            <a:endParaRPr lang="ko-KR" altLang="en-US"/>
+          </a:p>
+        </p:txBody>
+      </p:sp>
+      <p:sp>
+        <p:nvSpPr>
+          <p:cNvPr id="40" name="직사각형 39">
+            <a:extLst>
+              <a:ext uri="{FF2B5EF4-FFF2-40B4-BE49-F238E27FC236}">
+                <a16:creationId xmlns:a16="http://schemas.microsoft.com/office/drawing/2014/main" id="{2318EF7A-F642-ECB8-26D0-E22B78E8DB2D}"/>
+              </a:ext>
+            </a:extLst>
+          </p:cNvPr>
+          <p:cNvSpPr/>
+          <p:nvPr/>
+        </p:nvSpPr>
+        <p:spPr>
+          <a:xfrm>
+            <a:off x="6309644" y="4951813"/>
+            <a:ext cx="373355" cy="180063"/>
+          </a:xfrm>
+          <a:prstGeom prst="rect">
+            <a:avLst/>
+          </a:prstGeom>
+          <a:solidFill>
+            <a:srgbClr val="0000FF">
+              <a:alpha val="30000"/>
+            </a:srgbClr>
+          </a:solidFill>
+          <a:ln>
+            <a:solidFill>
+              <a:srgbClr val="0000FF"/>
+            </a:solidFill>
+          </a:ln>
+        </p:spPr>
+        <p:style>
+          <a:lnRef idx="2">
+            <a:schemeClr val="accent1">
+              <a:shade val="50000"/>
+            </a:schemeClr>
+          </a:lnRef>
+          <a:fillRef idx="1">
+            <a:schemeClr val="accent1"/>
+          </a:fillRef>
+          <a:effectRef idx="0">
+            <a:schemeClr val="accent1"/>
+          </a:effectRef>
+          <a:fontRef idx="minor">
+            <a:schemeClr val="lt1"/>
+          </a:fontRef>
+        </p:style>
+        <p:txBody>
+          <a:bodyPr rtlCol="0" anchor="ctr"/>
+          <a:lstStyle/>
+          <a:p>
+            <a:pPr algn="ctr"/>
+            <a:endParaRPr lang="ko-KR" altLang="en-US"/>
+          </a:p>
+        </p:txBody>
+      </p:sp>
+      <p:sp>
+        <p:nvSpPr>
+          <p:cNvPr id="41" name="TextBox 40">
+            <a:extLst>
+              <a:ext uri="{FF2B5EF4-FFF2-40B4-BE49-F238E27FC236}">
+                <a16:creationId xmlns:a16="http://schemas.microsoft.com/office/drawing/2014/main" id="{A7FA80AF-C13B-00E1-FD12-621CC58DE022}"/>
+              </a:ext>
+            </a:extLst>
+          </p:cNvPr>
+          <p:cNvSpPr txBox="1"/>
+          <p:nvPr/>
+        </p:nvSpPr>
+        <p:spPr>
+          <a:xfrm>
+            <a:off x="6708895" y="4655195"/>
+            <a:ext cx="412292" cy="261610"/>
+          </a:xfrm>
+          <a:prstGeom prst="rect">
+            <a:avLst/>
+          </a:prstGeom>
+          <a:noFill/>
+        </p:spPr>
+        <p:txBody>
+          <a:bodyPr wrap="none" rtlCol="0">
+            <a:spAutoFit/>
+          </a:bodyPr>
+          <a:lstStyle/>
+          <a:p>
+            <a:r>
+              <a:rPr lang="en-US" altLang="ko-KR" sz="1100" dirty="0">
+                <a:solidFill>
+                  <a:srgbClr val="FF00FF"/>
+                </a:solidFill>
+                <a:latin typeface="리디바탕" panose="020B0600000101010101" pitchFamily="34" charset="-127"/>
+                <a:ea typeface="리디바탕" panose="020B0600000101010101" pitchFamily="34" charset="-127"/>
+              </a:rPr>
+              <a:t>key</a:t>
+            </a:r>
+            <a:endParaRPr lang="ko-KR" altLang="en-US" sz="1100" dirty="0">
+              <a:solidFill>
+                <a:srgbClr val="FF00FF"/>
+              </a:solidFill>
+              <a:latin typeface="리디바탕" panose="020B0600000101010101" pitchFamily="34" charset="-127"/>
+              <a:ea typeface="리디바탕" panose="020B0600000101010101" pitchFamily="34" charset="-127"/>
+            </a:endParaRPr>
+          </a:p>
+        </p:txBody>
+      </p:sp>
+      <p:sp>
+        <p:nvSpPr>
+          <p:cNvPr id="42" name="TextBox 41">
+            <a:extLst>
+              <a:ext uri="{FF2B5EF4-FFF2-40B4-BE49-F238E27FC236}">
+                <a16:creationId xmlns:a16="http://schemas.microsoft.com/office/drawing/2014/main" id="{A249163A-8167-CBF0-89C3-9BE31491573A}"/>
+              </a:ext>
+            </a:extLst>
+          </p:cNvPr>
+          <p:cNvSpPr txBox="1"/>
+          <p:nvPr/>
+        </p:nvSpPr>
+        <p:spPr>
+          <a:xfrm>
+            <a:off x="6708895" y="4911039"/>
+            <a:ext cx="522900" cy="261610"/>
+          </a:xfrm>
+          <a:prstGeom prst="rect">
+            <a:avLst/>
+          </a:prstGeom>
+          <a:noFill/>
+        </p:spPr>
+        <p:txBody>
+          <a:bodyPr wrap="none" rtlCol="0">
+            <a:spAutoFit/>
+          </a:bodyPr>
+          <a:lstStyle/>
+          <a:p>
+            <a:r>
+              <a:rPr lang="en-US" altLang="ko-KR" sz="1100" dirty="0">
+                <a:solidFill>
+                  <a:srgbClr val="0000FF"/>
+                </a:solidFill>
+                <a:latin typeface="리디바탕" panose="020B0600000101010101" pitchFamily="34" charset="-127"/>
+                <a:ea typeface="리디바탕" panose="020B0600000101010101" pitchFamily="34" charset="-127"/>
+              </a:rPr>
+              <a:t>value</a:t>
+            </a:r>
+            <a:endParaRPr lang="ko-KR" altLang="en-US" sz="1100" dirty="0">
+              <a:solidFill>
+                <a:srgbClr val="0000FF"/>
+              </a:solidFill>
+              <a:latin typeface="리디바탕" panose="020B0600000101010101" pitchFamily="34" charset="-127"/>
+              <a:ea typeface="리디바탕" panose="020B0600000101010101" pitchFamily="34" charset="-127"/>
+            </a:endParaRPr>
+          </a:p>
+        </p:txBody>
+      </p:sp>
+    </p:spTree>
+    <p:extLst>
+      <p:ext uri="{BB962C8B-B14F-4D97-AF65-F5344CB8AC3E}">
+        <p14:creationId xmlns:p14="http://schemas.microsoft.com/office/powerpoint/2010/main" val="922464624"/>
+      </p:ext>
+    </p:extLst>
+  </p:cSld>
+  <p:clrMapOvr>
+    <a:masterClrMapping/>
+  </p:clrMapOvr>
+</p:sld>
+</file>
+
+<file path=ppt/slides/slide29.xml><?xml version="1.0" encoding="utf-8"?>
+<p:sld xmlns:a="http://schemas.openxmlformats.org/drawingml/2006/main" xmlns:r="http://schemas.openxmlformats.org/officeDocument/2006/relationships" xmlns:p="http://schemas.openxmlformats.org/presentationml/2006/main">
+  <p:cSld>
+    <p:spTree>
+      <p:nvGrpSpPr>
+        <p:cNvPr id="1" name=""/>
+        <p:cNvGrpSpPr/>
+        <p:nvPr/>
+      </p:nvGrpSpPr>
+      <p:grpSpPr>
+        <a:xfrm>
+          <a:off x="0" y="0"/>
+          <a:ext cx="0" cy="0"/>
+          <a:chOff x="0" y="0"/>
+          <a:chExt cx="0" cy="0"/>
+        </a:xfrm>
+      </p:grpSpPr>
       <p:sp>
         <p:nvSpPr>
           <p:cNvPr id="2" name="TextBox 1"/>
@@ -11192,8 +12531,8 @@
         </p:nvSpPr>
         <p:spPr>
           <a:xfrm>
-            <a:off x="0" y="2280176"/>
-            <a:ext cx="12192000" cy="663258"/>
+            <a:off x="0" y="3051204"/>
+            <a:ext cx="12192000" cy="377796"/>
           </a:xfrm>
           <a:prstGeom prst="rect">
             <a:avLst/>
@@ -11212,28 +12551,28 @@
               </a:lnSpc>
             </a:pPr>
             <a:r>
-              <a:rPr lang="ko-KR" altLang="en-US" sz="2800" dirty="0" smtClean="0">
+              <a:rPr lang="ko-KR" altLang="en-US" sz="1400" dirty="0">
                 <a:latin typeface="리디바탕" panose="020B0600000101010101" pitchFamily="34" charset="-127"/>
                 <a:ea typeface="리디바탕" panose="020B0600000101010101" pitchFamily="34" charset="-127"/>
               </a:rPr>
               <a:t>끝</a:t>
             </a:r>
             <a:r>
-              <a:rPr lang="en-US" altLang="ko-KR" sz="2800" dirty="0" smtClean="0">
+              <a:rPr lang="en-US" altLang="ko-KR" sz="1400" dirty="0">
                 <a:latin typeface="리디바탕" panose="020B0600000101010101" pitchFamily="34" charset="-127"/>
                 <a:ea typeface="리디바탕" panose="020B0600000101010101" pitchFamily="34" charset="-127"/>
               </a:rPr>
               <a:t>. </a:t>
             </a:r>
             <a:r>
-              <a:rPr lang="ko-KR" altLang="en-US" sz="2800" dirty="0" smtClean="0">
+              <a:rPr lang="ko-KR" altLang="en-US" sz="1400" dirty="0">
                 <a:latin typeface="리디바탕" panose="020B0600000101010101" pitchFamily="34" charset="-127"/>
                 <a:ea typeface="리디바탕" panose="020B0600000101010101" pitchFamily="34" charset="-127"/>
               </a:rPr>
               <a:t>감사합니다</a:t>
             </a:r>
             <a:r>
-              <a:rPr lang="en-US" altLang="ko-KR" sz="2800" dirty="0" smtClean="0">
+              <a:rPr lang="en-US" altLang="ko-KR" sz="1400" dirty="0">
                 <a:latin typeface="리디바탕" panose="020B0600000101010101" pitchFamily="34" charset="-127"/>
                 <a:ea typeface="리디바탕" panose="020B0600000101010101" pitchFamily="34" charset="-127"/>
               </a:rPr>
@@ -11252,13 +12591,6 @@
   <p:clrMapOvr>
     <a:masterClrMapping/>
   </p:clrMapOvr>
-  <p:timing>
-    <p:tnLst>
-      <p:par>
-        <p:cTn id="1" dur="indefinite" restart="never" nodeType="tmRoot"/>
-      </p:par>
-    </p:tnLst>
-  </p:timing>
 </p:sld>
 </file>
 
@@ -11303,7 +12635,7 @@
           <a:p>
             <a:pPr algn="ctr"/>
             <a:r>
-              <a:rPr lang="en-US" altLang="ko-KR" sz="2800" dirty="0" smtClean="0">
+              <a:rPr lang="en-US" altLang="ko-KR" sz="2800" dirty="0">
                 <a:latin typeface="리디바탕" panose="020B0600000101010101" pitchFamily="34" charset="-127"/>
                 <a:ea typeface="리디바탕" panose="020B0600000101010101" pitchFamily="34" charset="-127"/>
               </a:rPr>
@@ -11336,20 +12668,20 @@
           <a:p>
             <a:pPr algn="ctr"/>
             <a:r>
-              <a:rPr lang="en-US" altLang="ko-KR" sz="2800" dirty="0" smtClean="0">
+              <a:rPr lang="en-US" altLang="ko-KR" sz="2800" dirty="0">
                 <a:latin typeface="리디바탕" panose="020B0600000101010101" pitchFamily="34" charset="-127"/>
                 <a:ea typeface="리디바탕" panose="020B0600000101010101" pitchFamily="34" charset="-127"/>
               </a:rPr>
               <a:t>: </a:t>
             </a:r>
             <a:r>
-              <a:rPr lang="ko-KR" altLang="en-US" sz="2800" dirty="0" smtClean="0">
+              <a:rPr lang="ko-KR" altLang="en-US" sz="2800" dirty="0">
                 <a:latin typeface="리디바탕" panose="020B0600000101010101" pitchFamily="34" charset="-127"/>
                 <a:ea typeface="리디바탕" panose="020B0600000101010101" pitchFamily="34" charset="-127"/>
               </a:rPr>
               <a:t>사전</a:t>
             </a:r>
-            <a:endParaRPr lang="en-US" altLang="ko-KR" sz="2800" dirty="0" smtClean="0">
+            <a:endParaRPr lang="en-US" altLang="ko-KR" sz="2800" dirty="0">
               <a:latin typeface="리디바탕" panose="020B0600000101010101" pitchFamily="34" charset="-127"/>
               <a:ea typeface="리디바탕" panose="020B0600000101010101" pitchFamily="34" charset="-127"/>
             </a:endParaRPr>
@@ -11366,13 +12698,6 @@
   <p:clrMapOvr>
     <a:masterClrMapping/>
   </p:clrMapOvr>
-  <p:timing>
-    <p:tnLst>
-      <p:par>
-        <p:cTn id="1" dur="indefinite" restart="never" nodeType="tmRoot"/>
-      </p:par>
-    </p:tnLst>
-  </p:timing>
 </p:sld>
 </file>
 
@@ -11417,7 +12742,7 @@
           <a:p>
             <a:pPr algn="ctr"/>
             <a:r>
-              <a:rPr lang="en-US" altLang="ko-KR" sz="2800" dirty="0" smtClean="0">
+              <a:rPr lang="en-US" altLang="ko-KR" sz="2800" dirty="0">
                 <a:solidFill>
                   <a:schemeClr val="tx1">
                     <a:lumMod val="50000"/>
@@ -11456,20 +12781,20 @@
           <a:p>
             <a:pPr algn="ctr"/>
             <a:r>
-              <a:rPr lang="en-US" altLang="ko-KR" sz="2800" dirty="0" smtClean="0">
+              <a:rPr lang="en-US" altLang="ko-KR" sz="2800" dirty="0">
                 <a:latin typeface="리디바탕" panose="020B0600000101010101" pitchFamily="34" charset="-127"/>
                 <a:ea typeface="리디바탕" panose="020B0600000101010101" pitchFamily="34" charset="-127"/>
               </a:rPr>
               <a:t>Dictionary : </a:t>
             </a:r>
             <a:r>
-              <a:rPr lang="ko-KR" altLang="en-US" sz="2800" dirty="0" smtClean="0">
+              <a:rPr lang="ko-KR" altLang="en-US" sz="2800" dirty="0">
                 <a:latin typeface="리디바탕" panose="020B0600000101010101" pitchFamily="34" charset="-127"/>
                 <a:ea typeface="리디바탕" panose="020B0600000101010101" pitchFamily="34" charset="-127"/>
               </a:rPr>
               <a:t>사전</a:t>
             </a:r>
-            <a:endParaRPr lang="en-US" altLang="ko-KR" sz="2800" dirty="0" smtClean="0">
+            <a:endParaRPr lang="en-US" altLang="ko-KR" sz="2800" dirty="0">
               <a:latin typeface="리디바탕" panose="020B0600000101010101" pitchFamily="34" charset="-127"/>
               <a:ea typeface="리디바탕" panose="020B0600000101010101" pitchFamily="34" charset="-127"/>
             </a:endParaRPr>
@@ -11486,13 +12811,6 @@
   <p:clrMapOvr>
     <a:masterClrMapping/>
   </p:clrMapOvr>
-  <p:timing>
-    <p:tnLst>
-      <p:par>
-        <p:cTn id="1" dur="indefinite" restart="never" nodeType="tmRoot"/>
-      </p:par>
-    </p:tnLst>
-  </p:timing>
 </p:sld>
 </file>
 
@@ -11537,35 +12855,35 @@
           <a:p>
             <a:pPr algn="ctr"/>
             <a:r>
-              <a:rPr lang="en-US" altLang="ko-KR" sz="2800" dirty="0" smtClean="0">
+              <a:rPr lang="en-US" altLang="ko-KR" sz="2800" dirty="0">
                 <a:latin typeface="리디바탕" panose="020B0600000101010101" pitchFamily="34" charset="-127"/>
                 <a:ea typeface="리디바탕" panose="020B0600000101010101" pitchFamily="34" charset="-127"/>
               </a:rPr>
               <a:t>{ “Dictionary” : “</a:t>
             </a:r>
             <a:r>
-              <a:rPr lang="ko-KR" altLang="en-US" sz="2800" dirty="0" smtClean="0">
+              <a:rPr lang="ko-KR" altLang="en-US" sz="2800" dirty="0">
                 <a:latin typeface="리디바탕" panose="020B0600000101010101" pitchFamily="34" charset="-127"/>
                 <a:ea typeface="리디바탕" panose="020B0600000101010101" pitchFamily="34" charset="-127"/>
               </a:rPr>
               <a:t>사전</a:t>
             </a:r>
             <a:r>
-              <a:rPr lang="en-US" altLang="ko-KR" sz="2800" dirty="0" smtClean="0">
+              <a:rPr lang="en-US" altLang="ko-KR" sz="2800" dirty="0">
                 <a:latin typeface="리디바탕" panose="020B0600000101010101" pitchFamily="34" charset="-127"/>
                 <a:ea typeface="리디바탕" panose="020B0600000101010101" pitchFamily="34" charset="-127"/>
               </a:rPr>
               <a:t>”</a:t>
             </a:r>
             <a:r>
-              <a:rPr lang="ko-KR" altLang="en-US" sz="2800" dirty="0" smtClean="0">
+              <a:rPr lang="ko-KR" altLang="en-US" sz="2800" dirty="0">
                 <a:latin typeface="리디바탕" panose="020B0600000101010101" pitchFamily="34" charset="-127"/>
                 <a:ea typeface="리디바탕" panose="020B0600000101010101" pitchFamily="34" charset="-127"/>
               </a:rPr>
               <a:t> </a:t>
             </a:r>
             <a:r>
-              <a:rPr lang="en-US" altLang="ko-KR" sz="2800" dirty="0" smtClean="0">
+              <a:rPr lang="en-US" altLang="ko-KR" sz="2800" dirty="0">
                 <a:latin typeface="리디바탕" panose="020B0600000101010101" pitchFamily="34" charset="-127"/>
                 <a:ea typeface="리디바탕" panose="020B0600000101010101" pitchFamily="34" charset="-127"/>
               </a:rPr>
@@ -11598,7 +12916,7 @@
           <a:p>
             <a:pPr algn="ctr"/>
             <a:r>
-              <a:rPr lang="en-US" altLang="ko-KR" sz="2800" dirty="0" smtClean="0">
+              <a:rPr lang="en-US" altLang="ko-KR" sz="2800" dirty="0">
                 <a:solidFill>
                   <a:schemeClr val="tx1">
                     <a:lumMod val="50000"/>
@@ -11623,13 +12941,6 @@
   <p:clrMapOvr>
     <a:masterClrMapping/>
   </p:clrMapOvr>
-  <p:timing>
-    <p:tnLst>
-      <p:par>
-        <p:cTn id="1" dur="indefinite" restart="never" nodeType="tmRoot"/>
-      </p:par>
-    </p:tnLst>
-  </p:timing>
 </p:sld>
 </file>
 
@@ -11659,7 +12970,7 @@
         <p:spPr>
           <a:xfrm>
             <a:off x="4122056" y="2068483"/>
-            <a:ext cx="8069943" cy="3323987"/>
+            <a:ext cx="3671609" cy="3323987"/>
           </a:xfrm>
           <a:prstGeom prst="rect">
             <a:avLst/>
@@ -11678,28 +12989,28 @@
               </a:lnSpc>
             </a:pPr>
             <a:r>
-              <a:rPr lang="ko-KR" altLang="en-US" sz="2800" dirty="0" smtClean="0">
+              <a:rPr lang="ko-KR" altLang="en-US" sz="2800" dirty="0">
                 <a:latin typeface="리디바탕" panose="020B0600000101010101" pitchFamily="34" charset="-127"/>
                 <a:ea typeface="리디바탕" panose="020B0600000101010101" pitchFamily="34" charset="-127"/>
               </a:rPr>
               <a:t>이름</a:t>
             </a:r>
             <a:r>
-              <a:rPr lang="en-US" altLang="ko-KR" sz="2800" dirty="0" smtClean="0">
+              <a:rPr lang="en-US" altLang="ko-KR" sz="2800" dirty="0">
                 <a:latin typeface="리디바탕" panose="020B0600000101010101" pitchFamily="34" charset="-127"/>
                 <a:ea typeface="리디바탕" panose="020B0600000101010101" pitchFamily="34" charset="-127"/>
               </a:rPr>
               <a:t>: </a:t>
             </a:r>
             <a:r>
-              <a:rPr lang="ko-KR" altLang="en-US" sz="2800" dirty="0" smtClean="0">
+              <a:rPr lang="ko-KR" altLang="en-US" sz="2800" dirty="0">
                 <a:latin typeface="리디바탕" panose="020B0600000101010101" pitchFamily="34" charset="-127"/>
                 <a:ea typeface="리디바탕" panose="020B0600000101010101" pitchFamily="34" charset="-127"/>
               </a:rPr>
               <a:t>장만규</a:t>
             </a:r>
             <a:r>
-              <a:rPr lang="en-US" altLang="ko-KR" sz="2800" dirty="0" smtClean="0">
+              <a:rPr lang="en-US" altLang="ko-KR" sz="2800" dirty="0">
                 <a:latin typeface="리디바탕" panose="020B0600000101010101" pitchFamily="34" charset="-127"/>
                 <a:ea typeface="리디바탕" panose="020B0600000101010101" pitchFamily="34" charset="-127"/>
               </a:rPr>
@@ -11713,42 +13024,42 @@
               </a:lnSpc>
             </a:pPr>
             <a:r>
-              <a:rPr lang="ko-KR" altLang="en-US" sz="2800" dirty="0" smtClean="0">
+              <a:rPr lang="ko-KR" altLang="en-US" sz="2800" dirty="0">
                 <a:latin typeface="리디바탕" panose="020B0600000101010101" pitchFamily="34" charset="-127"/>
                 <a:ea typeface="리디바탕" panose="020B0600000101010101" pitchFamily="34" charset="-127"/>
               </a:rPr>
               <a:t>나이</a:t>
             </a:r>
             <a:r>
-              <a:rPr lang="en-US" altLang="ko-KR" sz="2800" dirty="0" smtClean="0">
+              <a:rPr lang="en-US" altLang="ko-KR" sz="2800" dirty="0">
                 <a:latin typeface="리디바탕" panose="020B0600000101010101" pitchFamily="34" charset="-127"/>
                 <a:ea typeface="리디바탕" panose="020B0600000101010101" pitchFamily="34" charset="-127"/>
               </a:rPr>
               <a:t>:</a:t>
             </a:r>
             <a:r>
-              <a:rPr lang="ko-KR" altLang="en-US" sz="2800" dirty="0" smtClean="0">
+              <a:rPr lang="ko-KR" altLang="en-US" sz="2800" dirty="0">
                 <a:latin typeface="리디바탕" panose="020B0600000101010101" pitchFamily="34" charset="-127"/>
                 <a:ea typeface="리디바탕" panose="020B0600000101010101" pitchFamily="34" charset="-127"/>
               </a:rPr>
               <a:t> </a:t>
             </a:r>
             <a:r>
-              <a:rPr lang="en-US" altLang="ko-KR" sz="2800" dirty="0" smtClean="0">
+              <a:rPr lang="en-US" altLang="ko-KR" sz="2800" dirty="0">
                 <a:latin typeface="리디바탕" panose="020B0600000101010101" pitchFamily="34" charset="-127"/>
                 <a:ea typeface="리디바탕" panose="020B0600000101010101" pitchFamily="34" charset="-127"/>
               </a:rPr>
               <a:t>35</a:t>
             </a:r>
             <a:r>
-              <a:rPr lang="ko-KR" altLang="en-US" sz="2800" dirty="0" smtClean="0">
+              <a:rPr lang="ko-KR" altLang="en-US" sz="2800" dirty="0">
                 <a:latin typeface="리디바탕" panose="020B0600000101010101" pitchFamily="34" charset="-127"/>
                 <a:ea typeface="리디바탕" panose="020B0600000101010101" pitchFamily="34" charset="-127"/>
               </a:rPr>
               <a:t>세</a:t>
             </a:r>
             <a:r>
-              <a:rPr lang="en-US" altLang="ko-KR" sz="2800" dirty="0" smtClean="0">
+              <a:rPr lang="en-US" altLang="ko-KR" sz="2800" dirty="0">
                 <a:latin typeface="리디바탕" panose="020B0600000101010101" pitchFamily="34" charset="-127"/>
                 <a:ea typeface="리디바탕" panose="020B0600000101010101" pitchFamily="34" charset="-127"/>
               </a:rPr>
@@ -11762,28 +13073,28 @@
               </a:lnSpc>
             </a:pPr>
             <a:r>
-              <a:rPr lang="ko-KR" altLang="en-US" sz="2800" dirty="0" smtClean="0">
+              <a:rPr lang="ko-KR" altLang="en-US" sz="2800" dirty="0">
                 <a:latin typeface="리디바탕" panose="020B0600000101010101" pitchFamily="34" charset="-127"/>
                 <a:ea typeface="리디바탕" panose="020B0600000101010101" pitchFamily="34" charset="-127"/>
               </a:rPr>
               <a:t>취미</a:t>
             </a:r>
             <a:r>
-              <a:rPr lang="en-US" altLang="ko-KR" sz="2800" dirty="0" smtClean="0">
+              <a:rPr lang="en-US" altLang="ko-KR" sz="2800" dirty="0">
                 <a:latin typeface="리디바탕" panose="020B0600000101010101" pitchFamily="34" charset="-127"/>
                 <a:ea typeface="리디바탕" panose="020B0600000101010101" pitchFamily="34" charset="-127"/>
               </a:rPr>
               <a:t>: </a:t>
             </a:r>
             <a:r>
-              <a:rPr lang="ko-KR" altLang="en-US" sz="2800" dirty="0" err="1" smtClean="0">
+              <a:rPr lang="ko-KR" altLang="en-US" sz="2800" dirty="0" err="1">
                 <a:latin typeface="리디바탕" panose="020B0600000101010101" pitchFamily="34" charset="-127"/>
                 <a:ea typeface="리디바탕" panose="020B0600000101010101" pitchFamily="34" charset="-127"/>
               </a:rPr>
               <a:t>다이나모</a:t>
             </a:r>
             <a:r>
-              <a:rPr lang="en-US" altLang="ko-KR" sz="2800" dirty="0" smtClean="0">
+              <a:rPr lang="en-US" altLang="ko-KR" sz="2800" dirty="0">
                 <a:latin typeface="리디바탕" panose="020B0600000101010101" pitchFamily="34" charset="-127"/>
                 <a:ea typeface="리디바탕" panose="020B0600000101010101" pitchFamily="34" charset="-127"/>
               </a:rPr>
@@ -11797,28 +13108,28 @@
               </a:lnSpc>
             </a:pPr>
             <a:r>
-              <a:rPr lang="ko-KR" altLang="en-US" sz="2800" dirty="0" err="1" smtClean="0">
+              <a:rPr lang="ko-KR" altLang="en-US" sz="2800" dirty="0" err="1">
                 <a:latin typeface="리디바탕" panose="020B0600000101010101" pitchFamily="34" charset="-127"/>
                 <a:ea typeface="리디바탕" panose="020B0600000101010101" pitchFamily="34" charset="-127"/>
               </a:rPr>
               <a:t>사는곳</a:t>
             </a:r>
             <a:r>
-              <a:rPr lang="en-US" altLang="ko-KR" sz="2800" dirty="0" smtClean="0">
+              <a:rPr lang="en-US" altLang="ko-KR" sz="2800" dirty="0">
                 <a:latin typeface="리디바탕" panose="020B0600000101010101" pitchFamily="34" charset="-127"/>
                 <a:ea typeface="리디바탕" panose="020B0600000101010101" pitchFamily="34" charset="-127"/>
               </a:rPr>
               <a:t>: </a:t>
             </a:r>
             <a:r>
-              <a:rPr lang="ko-KR" altLang="en-US" sz="2800" dirty="0" smtClean="0">
+              <a:rPr lang="ko-KR" altLang="en-US" sz="2800" dirty="0">
                 <a:latin typeface="리디바탕" panose="020B0600000101010101" pitchFamily="34" charset="-127"/>
                 <a:ea typeface="리디바탕" panose="020B0600000101010101" pitchFamily="34" charset="-127"/>
               </a:rPr>
               <a:t>서울</a:t>
             </a:r>
             <a:r>
-              <a:rPr lang="en-US" altLang="ko-KR" sz="2800" dirty="0" smtClean="0">
+              <a:rPr lang="en-US" altLang="ko-KR" sz="2800" dirty="0">
                 <a:latin typeface="리디바탕" panose="020B0600000101010101" pitchFamily="34" charset="-127"/>
                 <a:ea typeface="리디바탕" panose="020B0600000101010101" pitchFamily="34" charset="-127"/>
               </a:rPr>
@@ -11832,33 +13143,30 @@
               </a:lnSpc>
             </a:pPr>
             <a:r>
-              <a:rPr lang="ko-KR" altLang="en-US" sz="2800" dirty="0" smtClean="0">
+              <a:rPr lang="ko-KR" altLang="en-US" sz="2800" dirty="0">
                 <a:latin typeface="리디바탕" panose="020B0600000101010101" pitchFamily="34" charset="-127"/>
                 <a:ea typeface="리디바탕" panose="020B0600000101010101" pitchFamily="34" charset="-127"/>
               </a:rPr>
               <a:t>꿈</a:t>
             </a:r>
             <a:r>
-              <a:rPr lang="en-US" altLang="ko-KR" sz="2800" dirty="0" smtClean="0">
+              <a:rPr lang="en-US" altLang="ko-KR" sz="2800" dirty="0">
                 <a:latin typeface="리디바탕" panose="020B0600000101010101" pitchFamily="34" charset="-127"/>
                 <a:ea typeface="리디바탕" panose="020B0600000101010101" pitchFamily="34" charset="-127"/>
               </a:rPr>
               <a:t>: </a:t>
             </a:r>
             <a:r>
-              <a:rPr lang="ko-KR" altLang="en-US" sz="2800" dirty="0" smtClean="0">
+              <a:rPr lang="ko-KR" altLang="en-US" sz="2800" dirty="0">
                 <a:latin typeface="리디바탕" panose="020B0600000101010101" pitchFamily="34" charset="-127"/>
                 <a:ea typeface="리디바탕" panose="020B0600000101010101" pitchFamily="34" charset="-127"/>
               </a:rPr>
               <a:t>일확천금</a:t>
             </a:r>
-            <a:r>
-              <a:rPr lang="en-US" altLang="ko-KR" sz="2800" dirty="0" smtClean="0">
-                <a:latin typeface="리디바탕" panose="020B0600000101010101" pitchFamily="34" charset="-127"/>
-                <a:ea typeface="리디바탕" panose="020B0600000101010101" pitchFamily="34" charset="-127"/>
-              </a:rPr>
-              <a:t>,</a:t>
-            </a:r>
+            <a:endParaRPr lang="en-US" altLang="ko-KR" sz="2800" dirty="0">
+              <a:latin typeface="리디바탕" panose="020B0600000101010101" pitchFamily="34" charset="-127"/>
+              <a:ea typeface="리디바탕" panose="020B0600000101010101" pitchFamily="34" charset="-127"/>
+            </a:endParaRPr>
           </a:p>
         </p:txBody>
       </p:sp>
@@ -11886,7 +13194,7 @@
           <a:p>
             <a:pPr algn="ctr"/>
             <a:r>
-              <a:rPr lang="en-US" altLang="ko-KR" sz="2800" dirty="0" smtClean="0">
+              <a:rPr lang="en-US" altLang="ko-KR" sz="2800" dirty="0">
                 <a:solidFill>
                   <a:schemeClr val="tx1">
                     <a:lumMod val="50000"/>
@@ -11911,13 +13219,6 @@
   <p:clrMapOvr>
     <a:masterClrMapping/>
   </p:clrMapOvr>
-  <p:timing>
-    <p:tnLst>
-      <p:par>
-        <p:cTn id="1" dur="indefinite" restart="never" nodeType="tmRoot"/>
-      </p:par>
-    </p:tnLst>
-  </p:timing>
 </p:sld>
 </file>
 
@@ -11946,8 +13247,8 @@
         </p:nvSpPr>
         <p:spPr>
           <a:xfrm>
-            <a:off x="4122056" y="2068483"/>
-            <a:ext cx="8069943" cy="3323987"/>
+            <a:off x="4122057" y="2068483"/>
+            <a:ext cx="3516850" cy="3323987"/>
           </a:xfrm>
           <a:prstGeom prst="rect">
             <a:avLst/>
@@ -11966,35 +13267,28 @@
               </a:lnSpc>
             </a:pPr>
             <a:r>
-              <a:rPr lang="en-US" altLang="ko-KR" sz="2800" dirty="0" smtClean="0">
-                <a:latin typeface="리디바탕" panose="020B0600000101010101" pitchFamily="34" charset="-127"/>
-                <a:ea typeface="리디바탕" panose="020B0600000101010101" pitchFamily="34" charset="-127"/>
-              </a:rPr>
-              <a:t>{ </a:t>
-            </a:r>
-            <a:r>
-              <a:rPr lang="ko-KR" altLang="en-US" sz="2800" dirty="0" smtClean="0">
+              <a:rPr lang="ko-KR" altLang="en-US" sz="2800" dirty="0">
                 <a:latin typeface="리디바탕" panose="020B0600000101010101" pitchFamily="34" charset="-127"/>
                 <a:ea typeface="리디바탕" panose="020B0600000101010101" pitchFamily="34" charset="-127"/>
               </a:rPr>
               <a:t>이름</a:t>
             </a:r>
             <a:r>
-              <a:rPr lang="en-US" altLang="ko-KR" sz="2800" dirty="0" smtClean="0">
+              <a:rPr lang="en-US" altLang="ko-KR" sz="2800" dirty="0">
                 <a:latin typeface="리디바탕" panose="020B0600000101010101" pitchFamily="34" charset="-127"/>
                 <a:ea typeface="리디바탕" panose="020B0600000101010101" pitchFamily="34" charset="-127"/>
               </a:rPr>
               <a:t>: </a:t>
             </a:r>
             <a:r>
-              <a:rPr lang="ko-KR" altLang="en-US" sz="2800" dirty="0" smtClean="0">
+              <a:rPr lang="ko-KR" altLang="en-US" sz="2800" dirty="0">
                 <a:latin typeface="리디바탕" panose="020B0600000101010101" pitchFamily="34" charset="-127"/>
                 <a:ea typeface="리디바탕" panose="020B0600000101010101" pitchFamily="34" charset="-127"/>
               </a:rPr>
               <a:t>장만규</a:t>
             </a:r>
             <a:r>
-              <a:rPr lang="en-US" altLang="ko-KR" sz="2800" dirty="0" smtClean="0">
+              <a:rPr lang="en-US" altLang="ko-KR" sz="2800" dirty="0">
                 <a:latin typeface="리디바탕" panose="020B0600000101010101" pitchFamily="34" charset="-127"/>
                 <a:ea typeface="리디바탕" panose="020B0600000101010101" pitchFamily="34" charset="-127"/>
               </a:rPr>
@@ -12008,42 +13302,42 @@
               </a:lnSpc>
             </a:pPr>
             <a:r>
-              <a:rPr lang="ko-KR" altLang="en-US" sz="2800" dirty="0" smtClean="0">
+              <a:rPr lang="ko-KR" altLang="en-US" sz="2800" dirty="0">
                 <a:latin typeface="리디바탕" panose="020B0600000101010101" pitchFamily="34" charset="-127"/>
                 <a:ea typeface="리디바탕" panose="020B0600000101010101" pitchFamily="34" charset="-127"/>
               </a:rPr>
               <a:t>나이</a:t>
             </a:r>
             <a:r>
-              <a:rPr lang="en-US" altLang="ko-KR" sz="2800" dirty="0" smtClean="0">
+              <a:rPr lang="en-US" altLang="ko-KR" sz="2800" dirty="0">
                 <a:latin typeface="리디바탕" panose="020B0600000101010101" pitchFamily="34" charset="-127"/>
                 <a:ea typeface="리디바탕" panose="020B0600000101010101" pitchFamily="34" charset="-127"/>
               </a:rPr>
               <a:t>:</a:t>
             </a:r>
             <a:r>
-              <a:rPr lang="ko-KR" altLang="en-US" sz="2800" dirty="0" smtClean="0">
+              <a:rPr lang="ko-KR" altLang="en-US" sz="2800" dirty="0">
                 <a:latin typeface="리디바탕" panose="020B0600000101010101" pitchFamily="34" charset="-127"/>
                 <a:ea typeface="리디바탕" panose="020B0600000101010101" pitchFamily="34" charset="-127"/>
               </a:rPr>
               <a:t> </a:t>
             </a:r>
             <a:r>
-              <a:rPr lang="en-US" altLang="ko-KR" sz="2800" dirty="0" smtClean="0">
+              <a:rPr lang="en-US" altLang="ko-KR" sz="2800" dirty="0">
                 <a:latin typeface="리디바탕" panose="020B0600000101010101" pitchFamily="34" charset="-127"/>
                 <a:ea typeface="리디바탕" panose="020B0600000101010101" pitchFamily="34" charset="-127"/>
               </a:rPr>
               <a:t>35</a:t>
             </a:r>
             <a:r>
-              <a:rPr lang="ko-KR" altLang="en-US" sz="2800" dirty="0" smtClean="0">
+              <a:rPr lang="ko-KR" altLang="en-US" sz="2800" dirty="0">
                 <a:latin typeface="리디바탕" panose="020B0600000101010101" pitchFamily="34" charset="-127"/>
                 <a:ea typeface="리디바탕" panose="020B0600000101010101" pitchFamily="34" charset="-127"/>
               </a:rPr>
               <a:t>세</a:t>
             </a:r>
             <a:r>
-              <a:rPr lang="en-US" altLang="ko-KR" sz="2800" dirty="0" smtClean="0">
+              <a:rPr lang="en-US" altLang="ko-KR" sz="2800" dirty="0">
                 <a:latin typeface="리디바탕" panose="020B0600000101010101" pitchFamily="34" charset="-127"/>
                 <a:ea typeface="리디바탕" panose="020B0600000101010101" pitchFamily="34" charset="-127"/>
               </a:rPr>
@@ -12057,28 +13351,28 @@
               </a:lnSpc>
             </a:pPr>
             <a:r>
-              <a:rPr lang="ko-KR" altLang="en-US" sz="2800" dirty="0" smtClean="0">
+              <a:rPr lang="ko-KR" altLang="en-US" sz="2800" dirty="0">
                 <a:latin typeface="리디바탕" panose="020B0600000101010101" pitchFamily="34" charset="-127"/>
                 <a:ea typeface="리디바탕" panose="020B0600000101010101" pitchFamily="34" charset="-127"/>
               </a:rPr>
               <a:t>취미</a:t>
             </a:r>
             <a:r>
-              <a:rPr lang="en-US" altLang="ko-KR" sz="2800" dirty="0" smtClean="0">
+              <a:rPr lang="en-US" altLang="ko-KR" sz="2800" dirty="0">
                 <a:latin typeface="리디바탕" panose="020B0600000101010101" pitchFamily="34" charset="-127"/>
                 <a:ea typeface="리디바탕" panose="020B0600000101010101" pitchFamily="34" charset="-127"/>
               </a:rPr>
               <a:t>: </a:t>
             </a:r>
             <a:r>
-              <a:rPr lang="ko-KR" altLang="en-US" sz="2800" dirty="0" err="1" smtClean="0">
+              <a:rPr lang="ko-KR" altLang="en-US" sz="2800" dirty="0" err="1">
                 <a:latin typeface="리디바탕" panose="020B0600000101010101" pitchFamily="34" charset="-127"/>
                 <a:ea typeface="리디바탕" panose="020B0600000101010101" pitchFamily="34" charset="-127"/>
               </a:rPr>
               <a:t>다이나모</a:t>
             </a:r>
             <a:r>
-              <a:rPr lang="en-US" altLang="ko-KR" sz="2800" dirty="0" smtClean="0">
+              <a:rPr lang="en-US" altLang="ko-KR" sz="2800" dirty="0">
                 <a:latin typeface="리디바탕" panose="020B0600000101010101" pitchFamily="34" charset="-127"/>
                 <a:ea typeface="리디바탕" panose="020B0600000101010101" pitchFamily="34" charset="-127"/>
               </a:rPr>
@@ -12092,28 +13386,28 @@
               </a:lnSpc>
             </a:pPr>
             <a:r>
-              <a:rPr lang="ko-KR" altLang="en-US" sz="2800" dirty="0" err="1" smtClean="0">
+              <a:rPr lang="ko-KR" altLang="en-US" sz="2800" dirty="0" err="1">
                 <a:latin typeface="리디바탕" panose="020B0600000101010101" pitchFamily="34" charset="-127"/>
                 <a:ea typeface="리디바탕" panose="020B0600000101010101" pitchFamily="34" charset="-127"/>
               </a:rPr>
               <a:t>사는곳</a:t>
             </a:r>
             <a:r>
-              <a:rPr lang="en-US" altLang="ko-KR" sz="2800" dirty="0" smtClean="0">
+              <a:rPr lang="en-US" altLang="ko-KR" sz="2800" dirty="0">
                 <a:latin typeface="리디바탕" panose="020B0600000101010101" pitchFamily="34" charset="-127"/>
                 <a:ea typeface="리디바탕" panose="020B0600000101010101" pitchFamily="34" charset="-127"/>
               </a:rPr>
               <a:t>: </a:t>
             </a:r>
             <a:r>
-              <a:rPr lang="ko-KR" altLang="en-US" sz="2800" dirty="0" smtClean="0">
+              <a:rPr lang="ko-KR" altLang="en-US" sz="2800" dirty="0">
                 <a:latin typeface="리디바탕" panose="020B0600000101010101" pitchFamily="34" charset="-127"/>
                 <a:ea typeface="리디바탕" panose="020B0600000101010101" pitchFamily="34" charset="-127"/>
               </a:rPr>
               <a:t>서울</a:t>
             </a:r>
             <a:r>
-              <a:rPr lang="en-US" altLang="ko-KR" sz="2800" dirty="0" smtClean="0">
+              <a:rPr lang="en-US" altLang="ko-KR" sz="2800" dirty="0">
                 <a:latin typeface="리디바탕" panose="020B0600000101010101" pitchFamily="34" charset="-127"/>
                 <a:ea typeface="리디바탕" panose="020B0600000101010101" pitchFamily="34" charset="-127"/>
               </a:rPr>
@@ -12127,28 +13421,28 @@
               </a:lnSpc>
             </a:pPr>
             <a:r>
-              <a:rPr lang="ko-KR" altLang="en-US" sz="2800" dirty="0" smtClean="0">
+              <a:rPr lang="ko-KR" altLang="en-US" sz="2800" dirty="0">
                 <a:latin typeface="리디바탕" panose="020B0600000101010101" pitchFamily="34" charset="-127"/>
                 <a:ea typeface="리디바탕" panose="020B0600000101010101" pitchFamily="34" charset="-127"/>
               </a:rPr>
               <a:t>꿈</a:t>
             </a:r>
             <a:r>
-              <a:rPr lang="en-US" altLang="ko-KR" sz="2800" dirty="0" smtClean="0">
+              <a:rPr lang="en-US" altLang="ko-KR" sz="2800" dirty="0">
                 <a:latin typeface="리디바탕" panose="020B0600000101010101" pitchFamily="34" charset="-127"/>
                 <a:ea typeface="리디바탕" panose="020B0600000101010101" pitchFamily="34" charset="-127"/>
               </a:rPr>
               <a:t>: </a:t>
             </a:r>
             <a:r>
-              <a:rPr lang="ko-KR" altLang="en-US" sz="2800" dirty="0" smtClean="0">
+              <a:rPr lang="ko-KR" altLang="en-US" sz="2800" dirty="0">
                 <a:latin typeface="리디바탕" panose="020B0600000101010101" pitchFamily="34" charset="-127"/>
                 <a:ea typeface="리디바탕" panose="020B0600000101010101" pitchFamily="34" charset="-127"/>
               </a:rPr>
               <a:t>일확천금</a:t>
             </a:r>
             <a:r>
-              <a:rPr lang="en-US" altLang="ko-KR" sz="2800" dirty="0" smtClean="0">
+              <a:rPr lang="en-US" altLang="ko-KR" sz="2800" dirty="0">
                 <a:latin typeface="리디바탕" panose="020B0600000101010101" pitchFamily="34" charset="-127"/>
                 <a:ea typeface="리디바탕" panose="020B0600000101010101" pitchFamily="34" charset="-127"/>
               </a:rPr>
@@ -12181,7 +13475,7 @@
           <a:p>
             <a:pPr algn="ctr"/>
             <a:r>
-              <a:rPr lang="en-US" altLang="ko-KR" sz="2800" dirty="0" smtClean="0">
+              <a:rPr lang="en-US" altLang="ko-KR" sz="2800" dirty="0">
                 <a:solidFill>
                   <a:schemeClr val="tx1">
                     <a:lumMod val="50000"/>
@@ -12204,7 +13498,7 @@
         </p:nvSpPr>
         <p:spPr>
           <a:xfrm>
-            <a:off x="4466318" y="1883817"/>
+            <a:off x="4292695" y="1883817"/>
             <a:ext cx="551241" cy="369332"/>
           </a:xfrm>
           <a:prstGeom prst="rect">
@@ -12219,7 +13513,7 @@
           <a:lstStyle/>
           <a:p>
             <a:r>
-              <a:rPr lang="en-US" altLang="ko-KR" dirty="0" smtClean="0">
+              <a:rPr lang="en-US" altLang="ko-KR" dirty="0">
                 <a:solidFill>
                   <a:srgbClr val="FF0000"/>
                 </a:solidFill>
@@ -12246,7 +13540,7 @@
         </p:nvSpPr>
         <p:spPr>
           <a:xfrm>
-            <a:off x="5423168" y="1883817"/>
+            <a:off x="5249545" y="1883817"/>
             <a:ext cx="728917" cy="369332"/>
           </a:xfrm>
           <a:prstGeom prst="rect">
@@ -12261,7 +13555,7 @@
           <a:lstStyle/>
           <a:p>
             <a:r>
-              <a:rPr lang="en-US" altLang="ko-KR" dirty="0" smtClean="0">
+              <a:rPr lang="en-US" altLang="ko-KR" dirty="0">
                 <a:solidFill>
                   <a:srgbClr val="0000FF"/>
                 </a:solidFill>
@@ -12277,6 +13571,45 @@
               <a:latin typeface="리디바탕" panose="020B0600000101010101" pitchFamily="34" charset="-127"/>
               <a:ea typeface="리디바탕" panose="020B0600000101010101" pitchFamily="34" charset="-127"/>
             </a:endParaRPr>
+          </a:p>
+        </p:txBody>
+      </p:sp>
+      <p:sp>
+        <p:nvSpPr>
+          <p:cNvPr id="7" name="TextBox 6">
+            <a:extLst>
+              <a:ext uri="{FF2B5EF4-FFF2-40B4-BE49-F238E27FC236}">
+                <a16:creationId xmlns:a16="http://schemas.microsoft.com/office/drawing/2014/main" id="{EC469910-6748-52C7-69EB-A123CDF4CA41}"/>
+              </a:ext>
+            </a:extLst>
+          </p:cNvPr>
+          <p:cNvSpPr txBox="1"/>
+          <p:nvPr/>
+        </p:nvSpPr>
+        <p:spPr>
+          <a:xfrm>
+            <a:off x="3901621" y="2218424"/>
+            <a:ext cx="392586" cy="461665"/>
+          </a:xfrm>
+          <a:prstGeom prst="rect">
+            <a:avLst/>
+          </a:prstGeom>
+          <a:noFill/>
+        </p:spPr>
+        <p:txBody>
+          <a:bodyPr wrap="square">
+            <a:spAutoFit/>
+          </a:bodyPr>
+          <a:lstStyle/>
+          <a:p>
+            <a:r>
+              <a:rPr lang="en-US" altLang="ko-KR" sz="2400" dirty="0">
+                <a:latin typeface="리디바탕" panose="020B0600000101010101" pitchFamily="34" charset="-127"/>
+                <a:ea typeface="리디바탕" panose="020B0600000101010101" pitchFamily="34" charset="-127"/>
+              </a:rPr>
+              <a:t>{ </a:t>
+            </a:r>
+            <a:endParaRPr lang="ko-KR" altLang="en-US" sz="2400" dirty="0"/>
           </a:p>
         </p:txBody>
       </p:sp>
@@ -12290,13 +13623,6 @@
   <p:clrMapOvr>
     <a:masterClrMapping/>
   </p:clrMapOvr>
-  <p:timing>
-    <p:tnLst>
-      <p:par>
-        <p:cTn id="1" dur="indefinite" restart="never" nodeType="tmRoot"/>
-      </p:par>
-    </p:tnLst>
-  </p:timing>
 </p:sld>
 </file>
 
@@ -12345,161 +13671,161 @@
               </a:lnSpc>
             </a:pPr>
             <a:r>
-              <a:rPr lang="en-US" altLang="ko-KR" sz="2800" dirty="0" smtClean="0">
+              <a:rPr lang="en-US" altLang="ko-KR" sz="2800" dirty="0">
                 <a:latin typeface="리디바탕" panose="020B0600000101010101" pitchFamily="34" charset="-127"/>
                 <a:ea typeface="리디바탕" panose="020B0600000101010101" pitchFamily="34" charset="-127"/>
               </a:rPr>
               <a:t>{ </a:t>
             </a:r>
             <a:r>
-              <a:rPr lang="ko-KR" altLang="en-US" sz="2800" dirty="0" smtClean="0">
+              <a:rPr lang="ko-KR" altLang="en-US" sz="2800" dirty="0">
                 <a:latin typeface="리디바탕" panose="020B0600000101010101" pitchFamily="34" charset="-127"/>
                 <a:ea typeface="리디바탕" panose="020B0600000101010101" pitchFamily="34" charset="-127"/>
               </a:rPr>
               <a:t>이름</a:t>
             </a:r>
             <a:r>
-              <a:rPr lang="en-US" altLang="ko-KR" sz="2800" dirty="0" smtClean="0">
+              <a:rPr lang="en-US" altLang="ko-KR" sz="2800" dirty="0">
                 <a:latin typeface="리디바탕" panose="020B0600000101010101" pitchFamily="34" charset="-127"/>
                 <a:ea typeface="리디바탕" panose="020B0600000101010101" pitchFamily="34" charset="-127"/>
               </a:rPr>
               <a:t>: </a:t>
             </a:r>
             <a:r>
-              <a:rPr lang="ko-KR" altLang="en-US" sz="2800" dirty="0" smtClean="0">
+              <a:rPr lang="ko-KR" altLang="en-US" sz="2800" dirty="0">
                 <a:latin typeface="리디바탕" panose="020B0600000101010101" pitchFamily="34" charset="-127"/>
                 <a:ea typeface="리디바탕" panose="020B0600000101010101" pitchFamily="34" charset="-127"/>
               </a:rPr>
               <a:t>장만규</a:t>
             </a:r>
             <a:r>
-              <a:rPr lang="en-US" altLang="ko-KR" sz="2800" dirty="0" smtClean="0">
+              <a:rPr lang="en-US" altLang="ko-KR" sz="2800" dirty="0">
                 <a:latin typeface="리디바탕" panose="020B0600000101010101" pitchFamily="34" charset="-127"/>
                 <a:ea typeface="리디바탕" panose="020B0600000101010101" pitchFamily="34" charset="-127"/>
               </a:rPr>
               <a:t>, </a:t>
             </a:r>
             <a:r>
-              <a:rPr lang="ko-KR" altLang="en-US" sz="2800" dirty="0" smtClean="0">
+              <a:rPr lang="ko-KR" altLang="en-US" sz="2800" dirty="0">
                 <a:latin typeface="리디바탕" panose="020B0600000101010101" pitchFamily="34" charset="-127"/>
                 <a:ea typeface="리디바탕" panose="020B0600000101010101" pitchFamily="34" charset="-127"/>
               </a:rPr>
               <a:t>나이</a:t>
             </a:r>
             <a:r>
-              <a:rPr lang="en-US" altLang="ko-KR" sz="2800" dirty="0" smtClean="0">
+              <a:rPr lang="en-US" altLang="ko-KR" sz="2800" dirty="0">
                 <a:latin typeface="리디바탕" panose="020B0600000101010101" pitchFamily="34" charset="-127"/>
                 <a:ea typeface="리디바탕" panose="020B0600000101010101" pitchFamily="34" charset="-127"/>
               </a:rPr>
               <a:t>:</a:t>
             </a:r>
             <a:r>
-              <a:rPr lang="ko-KR" altLang="en-US" sz="2800" dirty="0" smtClean="0">
+              <a:rPr lang="ko-KR" altLang="en-US" sz="2800" dirty="0">
                 <a:latin typeface="리디바탕" panose="020B0600000101010101" pitchFamily="34" charset="-127"/>
                 <a:ea typeface="리디바탕" panose="020B0600000101010101" pitchFamily="34" charset="-127"/>
               </a:rPr>
               <a:t> </a:t>
             </a:r>
             <a:r>
-              <a:rPr lang="en-US" altLang="ko-KR" sz="2800" dirty="0" smtClean="0">
+              <a:rPr lang="en-US" altLang="ko-KR" sz="2800" dirty="0">
                 <a:latin typeface="리디바탕" panose="020B0600000101010101" pitchFamily="34" charset="-127"/>
                 <a:ea typeface="리디바탕" panose="020B0600000101010101" pitchFamily="34" charset="-127"/>
               </a:rPr>
               <a:t>35</a:t>
             </a:r>
             <a:r>
-              <a:rPr lang="ko-KR" altLang="en-US" sz="2800" dirty="0" smtClean="0">
+              <a:rPr lang="ko-KR" altLang="en-US" sz="2800" dirty="0">
                 <a:latin typeface="리디바탕" panose="020B0600000101010101" pitchFamily="34" charset="-127"/>
                 <a:ea typeface="리디바탕" panose="020B0600000101010101" pitchFamily="34" charset="-127"/>
               </a:rPr>
               <a:t>세</a:t>
             </a:r>
             <a:r>
-              <a:rPr lang="en-US" altLang="ko-KR" sz="2800" dirty="0" smtClean="0">
+              <a:rPr lang="en-US" altLang="ko-KR" sz="2800" dirty="0">
                 <a:latin typeface="리디바탕" panose="020B0600000101010101" pitchFamily="34" charset="-127"/>
                 <a:ea typeface="리디바탕" panose="020B0600000101010101" pitchFamily="34" charset="-127"/>
               </a:rPr>
               <a:t>, </a:t>
             </a:r>
             <a:r>
-              <a:rPr lang="ko-KR" altLang="en-US" sz="2800" dirty="0" smtClean="0">
+              <a:rPr lang="ko-KR" altLang="en-US" sz="2800" dirty="0">
                 <a:latin typeface="리디바탕" panose="020B0600000101010101" pitchFamily="34" charset="-127"/>
                 <a:ea typeface="리디바탕" panose="020B0600000101010101" pitchFamily="34" charset="-127"/>
               </a:rPr>
               <a:t>취미</a:t>
             </a:r>
             <a:r>
-              <a:rPr lang="en-US" altLang="ko-KR" sz="2800" dirty="0" smtClean="0">
+              <a:rPr lang="en-US" altLang="ko-KR" sz="2800" dirty="0">
                 <a:latin typeface="리디바탕" panose="020B0600000101010101" pitchFamily="34" charset="-127"/>
                 <a:ea typeface="리디바탕" panose="020B0600000101010101" pitchFamily="34" charset="-127"/>
               </a:rPr>
               <a:t>: </a:t>
             </a:r>
             <a:r>
-              <a:rPr lang="ko-KR" altLang="en-US" sz="2800" dirty="0" err="1" smtClean="0">
+              <a:rPr lang="ko-KR" altLang="en-US" sz="2800" dirty="0" err="1">
                 <a:latin typeface="리디바탕" panose="020B0600000101010101" pitchFamily="34" charset="-127"/>
                 <a:ea typeface="리디바탕" panose="020B0600000101010101" pitchFamily="34" charset="-127"/>
               </a:rPr>
               <a:t>다이나모</a:t>
             </a:r>
             <a:r>
-              <a:rPr lang="en-US" altLang="ko-KR" sz="2800" dirty="0" smtClean="0">
+              <a:rPr lang="en-US" altLang="ko-KR" sz="2800" dirty="0">
                 <a:latin typeface="리디바탕" panose="020B0600000101010101" pitchFamily="34" charset="-127"/>
                 <a:ea typeface="리디바탕" panose="020B0600000101010101" pitchFamily="34" charset="-127"/>
               </a:rPr>
               <a:t>, </a:t>
             </a:r>
             <a:r>
-              <a:rPr lang="ko-KR" altLang="en-US" sz="2800" dirty="0" err="1" smtClean="0">
+              <a:rPr lang="ko-KR" altLang="en-US" sz="2800" dirty="0" err="1">
                 <a:latin typeface="리디바탕" panose="020B0600000101010101" pitchFamily="34" charset="-127"/>
                 <a:ea typeface="리디바탕" panose="020B0600000101010101" pitchFamily="34" charset="-127"/>
               </a:rPr>
               <a:t>사는곳</a:t>
             </a:r>
             <a:r>
-              <a:rPr lang="en-US" altLang="ko-KR" sz="2800" dirty="0" smtClean="0">
+              <a:rPr lang="en-US" altLang="ko-KR" sz="2800" dirty="0">
                 <a:latin typeface="리디바탕" panose="020B0600000101010101" pitchFamily="34" charset="-127"/>
                 <a:ea typeface="리디바탕" panose="020B0600000101010101" pitchFamily="34" charset="-127"/>
               </a:rPr>
               <a:t>: </a:t>
             </a:r>
             <a:r>
-              <a:rPr lang="ko-KR" altLang="en-US" sz="2800" dirty="0" smtClean="0">
+              <a:rPr lang="ko-KR" altLang="en-US" sz="2800" dirty="0">
                 <a:latin typeface="리디바탕" panose="020B0600000101010101" pitchFamily="34" charset="-127"/>
                 <a:ea typeface="리디바탕" panose="020B0600000101010101" pitchFamily="34" charset="-127"/>
               </a:rPr>
               <a:t>서울</a:t>
             </a:r>
             <a:r>
-              <a:rPr lang="en-US" altLang="ko-KR" sz="2800" dirty="0" smtClean="0">
+              <a:rPr lang="en-US" altLang="ko-KR" sz="2800" dirty="0">
                 <a:latin typeface="리디바탕" panose="020B0600000101010101" pitchFamily="34" charset="-127"/>
                 <a:ea typeface="리디바탕" panose="020B0600000101010101" pitchFamily="34" charset="-127"/>
               </a:rPr>
               <a:t>, </a:t>
             </a:r>
             <a:r>
-              <a:rPr lang="ko-KR" altLang="en-US" sz="2800" dirty="0" smtClean="0">
+              <a:rPr lang="ko-KR" altLang="en-US" sz="2800" dirty="0">
                 <a:latin typeface="리디바탕" panose="020B0600000101010101" pitchFamily="34" charset="-127"/>
                 <a:ea typeface="리디바탕" panose="020B0600000101010101" pitchFamily="34" charset="-127"/>
               </a:rPr>
               <a:t>꿈</a:t>
             </a:r>
             <a:r>
-              <a:rPr lang="en-US" altLang="ko-KR" sz="2800" dirty="0" smtClean="0">
+              <a:rPr lang="en-US" altLang="ko-KR" sz="2800" dirty="0">
                 <a:latin typeface="리디바탕" panose="020B0600000101010101" pitchFamily="34" charset="-127"/>
                 <a:ea typeface="리디바탕" panose="020B0600000101010101" pitchFamily="34" charset="-127"/>
               </a:rPr>
               <a:t>: </a:t>
             </a:r>
             <a:r>
-              <a:rPr lang="ko-KR" altLang="en-US" sz="2800" dirty="0" smtClean="0">
+              <a:rPr lang="ko-KR" altLang="en-US" sz="2800" dirty="0">
                 <a:latin typeface="리디바탕" panose="020B0600000101010101" pitchFamily="34" charset="-127"/>
                 <a:ea typeface="리디바탕" panose="020B0600000101010101" pitchFamily="34" charset="-127"/>
               </a:rPr>
               <a:t>일확천금</a:t>
             </a:r>
             <a:r>
-              <a:rPr lang="en-US" altLang="ko-KR" sz="2800" dirty="0" smtClean="0">
+              <a:rPr lang="en-US" altLang="ko-KR" sz="2800" dirty="0">
                 <a:latin typeface="리디바탕" panose="020B0600000101010101" pitchFamily="34" charset="-127"/>
                 <a:ea typeface="리디바탕" panose="020B0600000101010101" pitchFamily="34" charset="-127"/>
               </a:rPr>
@@ -12532,7 +13858,7 @@
           <a:p>
             <a:pPr algn="ctr"/>
             <a:r>
-              <a:rPr lang="en-US" altLang="ko-KR" sz="2800" dirty="0" smtClean="0">
+              <a:rPr lang="en-US" altLang="ko-KR" sz="2800" dirty="0">
                 <a:solidFill>
                   <a:schemeClr val="tx1">
                     <a:lumMod val="50000"/>
@@ -12557,13 +13883,6 @@
   <p:clrMapOvr>
     <a:masterClrMapping/>
   </p:clrMapOvr>
-  <p:timing>
-    <p:tnLst>
-      <p:par>
-        <p:cTn id="1" dur="indefinite" restart="never" nodeType="tmRoot"/>
-      </p:par>
-    </p:tnLst>
-  </p:timing>
 </p:sld>
 </file>
 
@@ -12612,7 +13931,7 @@
               </a:lnSpc>
             </a:pPr>
             <a:r>
-              <a:rPr lang="en-US" altLang="ko-KR" sz="2800" dirty="0" smtClean="0">
+              <a:rPr lang="en-US" altLang="ko-KR" sz="2800" dirty="0">
                 <a:solidFill>
                   <a:schemeClr val="tx1">
                     <a:lumMod val="50000"/>
@@ -12625,7 +13944,7 @@
               <a:t>{ </a:t>
             </a:r>
             <a:r>
-              <a:rPr lang="ko-KR" altLang="en-US" sz="2800" dirty="0" smtClean="0">
+              <a:rPr lang="ko-KR" altLang="en-US" sz="2800" dirty="0">
                 <a:solidFill>
                   <a:schemeClr val="tx1">
                     <a:lumMod val="50000"/>
@@ -12638,7 +13957,7 @@
               <a:t>이름</a:t>
             </a:r>
             <a:r>
-              <a:rPr lang="en-US" altLang="ko-KR" sz="2800" dirty="0" smtClean="0">
+              <a:rPr lang="en-US" altLang="ko-KR" sz="2800" dirty="0">
                 <a:solidFill>
                   <a:schemeClr val="tx1">
                     <a:lumMod val="50000"/>
@@ -12651,7 +13970,7 @@
               <a:t>: </a:t>
             </a:r>
             <a:r>
-              <a:rPr lang="ko-KR" altLang="en-US" sz="2800" dirty="0" smtClean="0">
+              <a:rPr lang="ko-KR" altLang="en-US" sz="2800" dirty="0">
                 <a:solidFill>
                   <a:schemeClr val="tx1">
                     <a:lumMod val="50000"/>
@@ -12664,7 +13983,7 @@
               <a:t>장만규</a:t>
             </a:r>
             <a:r>
-              <a:rPr lang="en-US" altLang="ko-KR" sz="2800" dirty="0" smtClean="0">
+              <a:rPr lang="en-US" altLang="ko-KR" sz="2800" dirty="0">
                 <a:solidFill>
                   <a:schemeClr val="tx1">
                     <a:lumMod val="50000"/>
@@ -12677,7 +13996,7 @@
               <a:t>, </a:t>
             </a:r>
             <a:r>
-              <a:rPr lang="ko-KR" altLang="en-US" sz="2800" dirty="0" smtClean="0">
+              <a:rPr lang="ko-KR" altLang="en-US" sz="2800" dirty="0">
                 <a:solidFill>
                   <a:schemeClr val="tx1">
                     <a:lumMod val="50000"/>
@@ -12690,7 +14009,7 @@
               <a:t>나이</a:t>
             </a:r>
             <a:r>
-              <a:rPr lang="en-US" altLang="ko-KR" sz="2800" dirty="0" smtClean="0">
+              <a:rPr lang="en-US" altLang="ko-KR" sz="2800" dirty="0">
                 <a:solidFill>
                   <a:schemeClr val="tx1">
                     <a:lumMod val="50000"/>
@@ -12703,7 +14022,7 @@
               <a:t>:</a:t>
             </a:r>
             <a:r>
-              <a:rPr lang="ko-KR" altLang="en-US" sz="2800" dirty="0" smtClean="0">
+              <a:rPr lang="ko-KR" altLang="en-US" sz="2800" dirty="0">
                 <a:solidFill>
                   <a:schemeClr val="tx1">
                     <a:lumMod val="50000"/>
@@ -12716,7 +14035,7 @@
               <a:t> </a:t>
             </a:r>
             <a:r>
-              <a:rPr lang="en-US" altLang="ko-KR" sz="2800" dirty="0" smtClean="0">
+              <a:rPr lang="en-US" altLang="ko-KR" sz="2800" dirty="0">
                 <a:solidFill>
                   <a:schemeClr val="tx1">
                     <a:lumMod val="50000"/>
@@ -12729,7 +14048,7 @@
               <a:t>35</a:t>
             </a:r>
             <a:r>
-              <a:rPr lang="ko-KR" altLang="en-US" sz="2800" dirty="0" smtClean="0">
+              <a:rPr lang="ko-KR" altLang="en-US" sz="2800" dirty="0">
                 <a:solidFill>
                   <a:schemeClr val="tx1">
                     <a:lumMod val="50000"/>
@@ -12742,7 +14061,7 @@
               <a:t>세</a:t>
             </a:r>
             <a:r>
-              <a:rPr lang="en-US" altLang="ko-KR" sz="2800" dirty="0" smtClean="0">
+              <a:rPr lang="en-US" altLang="ko-KR" sz="2800" dirty="0">
                 <a:solidFill>
                   <a:schemeClr val="tx1">
                     <a:lumMod val="50000"/>
@@ -12755,7 +14074,7 @@
               <a:t>, </a:t>
             </a:r>
             <a:r>
-              <a:rPr lang="ko-KR" altLang="en-US" sz="2800" dirty="0" smtClean="0">
+              <a:rPr lang="ko-KR" altLang="en-US" sz="2800" dirty="0">
                 <a:solidFill>
                   <a:schemeClr val="tx1">
                     <a:lumMod val="50000"/>
@@ -12768,7 +14087,7 @@
               <a:t>취미</a:t>
             </a:r>
             <a:r>
-              <a:rPr lang="en-US" altLang="ko-KR" sz="2800" dirty="0" smtClean="0">
+              <a:rPr lang="en-US" altLang="ko-KR" sz="2800" dirty="0">
                 <a:solidFill>
                   <a:schemeClr val="tx1">
                     <a:lumMod val="50000"/>
@@ -12781,7 +14100,7 @@
               <a:t>: </a:t>
             </a:r>
             <a:r>
-              <a:rPr lang="ko-KR" altLang="en-US" sz="2800" dirty="0" err="1" smtClean="0">
+              <a:rPr lang="ko-KR" altLang="en-US" sz="2800" dirty="0" err="1">
                 <a:solidFill>
                   <a:schemeClr val="tx1">
                     <a:lumMod val="50000"/>
@@ -12794,7 +14113,7 @@
               <a:t>다이나모</a:t>
             </a:r>
             <a:r>
-              <a:rPr lang="en-US" altLang="ko-KR" sz="2800" dirty="0" smtClean="0">
+              <a:rPr lang="en-US" altLang="ko-KR" sz="2800" dirty="0">
                 <a:solidFill>
                   <a:schemeClr val="tx1">
                     <a:lumMod val="50000"/>
@@ -12807,7 +14126,7 @@
               <a:t>, </a:t>
             </a:r>
             <a:r>
-              <a:rPr lang="ko-KR" altLang="en-US" sz="2800" dirty="0" err="1" smtClean="0">
+              <a:rPr lang="ko-KR" altLang="en-US" sz="2800" dirty="0" err="1">
                 <a:solidFill>
                   <a:schemeClr val="tx1">
                     <a:lumMod val="50000"/>
@@ -12820,7 +14139,7 @@
               <a:t>사는곳</a:t>
             </a:r>
             <a:r>
-              <a:rPr lang="en-US" altLang="ko-KR" sz="2800" dirty="0" smtClean="0">
+              <a:rPr lang="en-US" altLang="ko-KR" sz="2800" dirty="0">
                 <a:solidFill>
                   <a:schemeClr val="tx1">
                     <a:lumMod val="50000"/>
@@ -12833,7 +14152,7 @@
               <a:t>: </a:t>
             </a:r>
             <a:r>
-              <a:rPr lang="ko-KR" altLang="en-US" sz="2800" dirty="0" smtClean="0">
+              <a:rPr lang="ko-KR" altLang="en-US" sz="2800" dirty="0">
                 <a:solidFill>
                   <a:schemeClr val="tx1">
                     <a:lumMod val="50000"/>
@@ -12846,7 +14165,7 @@
               <a:t>서울</a:t>
             </a:r>
             <a:r>
-              <a:rPr lang="en-US" altLang="ko-KR" sz="2800" dirty="0" smtClean="0">
+              <a:rPr lang="en-US" altLang="ko-KR" sz="2800" dirty="0">
                 <a:solidFill>
                   <a:schemeClr val="tx1">
                     <a:lumMod val="50000"/>
@@ -12859,7 +14178,7 @@
               <a:t>, </a:t>
             </a:r>
             <a:r>
-              <a:rPr lang="ko-KR" altLang="en-US" sz="2800" dirty="0" smtClean="0">
+              <a:rPr lang="ko-KR" altLang="en-US" sz="2800" dirty="0">
                 <a:solidFill>
                   <a:schemeClr val="tx1">
                     <a:lumMod val="50000"/>
@@ -12872,7 +14191,7 @@
               <a:t>꿈</a:t>
             </a:r>
             <a:r>
-              <a:rPr lang="en-US" altLang="ko-KR" sz="2800" dirty="0" smtClean="0">
+              <a:rPr lang="en-US" altLang="ko-KR" sz="2800" dirty="0">
                 <a:solidFill>
                   <a:schemeClr val="tx1">
                     <a:lumMod val="50000"/>
@@ -12885,7 +14204,7 @@
               <a:t>: </a:t>
             </a:r>
             <a:r>
-              <a:rPr lang="ko-KR" altLang="en-US" sz="2800" dirty="0" smtClean="0">
+              <a:rPr lang="ko-KR" altLang="en-US" sz="2800" dirty="0">
                 <a:solidFill>
                   <a:schemeClr val="tx1">
                     <a:lumMod val="50000"/>
@@ -12898,7 +14217,7 @@
               <a:t>일확천금</a:t>
             </a:r>
             <a:r>
-              <a:rPr lang="en-US" altLang="ko-KR" sz="2800" dirty="0" smtClean="0">
+              <a:rPr lang="en-US" altLang="ko-KR" sz="2800" dirty="0">
                 <a:solidFill>
                   <a:schemeClr val="tx1">
                     <a:lumMod val="50000"/>
@@ -12937,7 +14256,7 @@
           <a:p>
             <a:pPr algn="ctr"/>
             <a:r>
-              <a:rPr lang="en-US" altLang="ko-KR" sz="2800" dirty="0" smtClean="0">
+              <a:rPr lang="en-US" altLang="ko-KR" sz="2800" dirty="0">
                 <a:solidFill>
                   <a:schemeClr val="tx1">
                     <a:lumMod val="50000"/>
@@ -12967,7 +14286,7 @@
             <a:avLst/>
           </a:prstGeom>
           <a:noFill/>
-          <a:ln w="38100">
+          <a:ln w="28575">
             <a:solidFill>
               <a:srgbClr val="FF0000"/>
             </a:solidFill>
@@ -13021,7 +14340,7 @@
           <a:lstStyle/>
           <a:p>
             <a:r>
-              <a:rPr lang="en-US" altLang="ko-KR" dirty="0" smtClean="0">
+              <a:rPr lang="en-US" altLang="ko-KR" dirty="0">
                 <a:solidFill>
                   <a:srgbClr val="FF0000"/>
                 </a:solidFill>
@@ -13055,7 +14374,7 @@
             <a:avLst/>
           </a:prstGeom>
           <a:noFill/>
-          <a:ln w="38100">
+          <a:ln w="28575">
             <a:solidFill>
               <a:srgbClr val="0000FF"/>
             </a:solidFill>
@@ -13109,7 +14428,7 @@
           <a:lstStyle/>
           <a:p>
             <a:r>
-              <a:rPr lang="en-US" altLang="ko-KR" dirty="0" smtClean="0">
+              <a:rPr lang="en-US" altLang="ko-KR" dirty="0">
                 <a:solidFill>
                   <a:srgbClr val="0000FF"/>
                 </a:solidFill>
@@ -13151,7 +14470,7 @@
           <a:lstStyle/>
           <a:p>
             <a:r>
-              <a:rPr lang="ko-KR" altLang="en-US" dirty="0" smtClean="0">
+              <a:rPr lang="ko-KR" altLang="en-US" dirty="0">
                 <a:solidFill>
                   <a:srgbClr val="FF0000"/>
                 </a:solidFill>
@@ -13160,13 +14479,6 @@
               </a:rPr>
               <a:t>속성</a:t>
             </a:r>
-            <a:endParaRPr lang="ko-KR" altLang="en-US" dirty="0">
-              <a:solidFill>
-                <a:srgbClr val="FF0000"/>
-              </a:solidFill>
-              <a:latin typeface="리디바탕" panose="020B0600000101010101" pitchFamily="34" charset="-127"/>
-              <a:ea typeface="리디바탕" panose="020B0600000101010101" pitchFamily="34" charset="-127"/>
-            </a:endParaRPr>
           </a:p>
         </p:txBody>
       </p:sp>
@@ -13193,7 +14505,7 @@
           <a:lstStyle/>
           <a:p>
             <a:r>
-              <a:rPr lang="ko-KR" altLang="en-US" dirty="0" smtClean="0">
+              <a:rPr lang="ko-KR" altLang="en-US" dirty="0">
                 <a:solidFill>
                   <a:srgbClr val="0000FF"/>
                 </a:solidFill>
@@ -13202,13 +14514,6 @@
               </a:rPr>
               <a:t>값</a:t>
             </a:r>
-            <a:endParaRPr lang="ko-KR" altLang="en-US" dirty="0">
-              <a:solidFill>
-                <a:srgbClr val="0000FF"/>
-              </a:solidFill>
-              <a:latin typeface="리디바탕" panose="020B0600000101010101" pitchFamily="34" charset="-127"/>
-              <a:ea typeface="리디바탕" panose="020B0600000101010101" pitchFamily="34" charset="-127"/>
-            </a:endParaRPr>
           </a:p>
         </p:txBody>
       </p:sp>
@@ -13235,16 +14540,12 @@
           <a:lstStyle/>
           <a:p>
             <a:r>
-              <a:rPr lang="ko-KR" altLang="en-US" dirty="0" smtClean="0">
+              <a:rPr lang="ko-KR" altLang="en-US" dirty="0">
                 <a:latin typeface="리디바탕" panose="020B0600000101010101" pitchFamily="34" charset="-127"/>
                 <a:ea typeface="리디바탕" panose="020B0600000101010101" pitchFamily="34" charset="-127"/>
               </a:rPr>
               <a:t>혹은</a:t>
             </a:r>
-            <a:endParaRPr lang="ko-KR" altLang="en-US" dirty="0">
-              <a:latin typeface="리디바탕" panose="020B0600000101010101" pitchFamily="34" charset="-127"/>
-              <a:ea typeface="리디바탕" panose="020B0600000101010101" pitchFamily="34" charset="-127"/>
-            </a:endParaRPr>
           </a:p>
         </p:txBody>
       </p:sp>
@@ -13263,7 +14564,7 @@
             <a:avLst/>
           </a:prstGeom>
           <a:noFill/>
-          <a:ln w="38100">
+          <a:ln w="28575">
             <a:solidFill>
               <a:srgbClr val="FF0000"/>
             </a:solidFill>
@@ -13309,7 +14610,7 @@
             <a:avLst/>
           </a:prstGeom>
           <a:noFill/>
-          <a:ln w="38100">
+          <a:ln w="28575">
             <a:solidFill>
               <a:srgbClr val="0000FF"/>
             </a:solidFill>
@@ -13355,7 +14656,7 @@
             <a:avLst/>
           </a:prstGeom>
           <a:noFill/>
-          <a:ln w="38100">
+          <a:ln w="28575">
             <a:solidFill>
               <a:srgbClr val="FF0000"/>
             </a:solidFill>
@@ -13401,7 +14702,7 @@
             <a:avLst/>
           </a:prstGeom>
           <a:noFill/>
-          <a:ln w="38100">
+          <a:ln w="28575">
             <a:solidFill>
               <a:srgbClr val="0000FF"/>
             </a:solidFill>
@@ -13447,7 +14748,7 @@
             <a:avLst/>
           </a:prstGeom>
           <a:noFill/>
-          <a:ln w="38100">
+          <a:ln w="28575">
             <a:solidFill>
               <a:srgbClr val="FF0000"/>
             </a:solidFill>
@@ -13493,7 +14794,7 @@
             <a:avLst/>
           </a:prstGeom>
           <a:noFill/>
-          <a:ln w="38100">
+          <a:ln w="28575">
             <a:solidFill>
               <a:srgbClr val="0000FF"/>
             </a:solidFill>
@@ -13539,7 +14840,7 @@
             <a:avLst/>
           </a:prstGeom>
           <a:noFill/>
-          <a:ln w="38100">
+          <a:ln w="28575">
             <a:solidFill>
               <a:srgbClr val="FF0000"/>
             </a:solidFill>
@@ -13585,7 +14886,7 @@
             <a:avLst/>
           </a:prstGeom>
           <a:noFill/>
-          <a:ln w="38100">
+          <a:ln w="28575">
             <a:solidFill>
               <a:srgbClr val="0000FF"/>
             </a:solidFill>
@@ -13639,7 +14940,7 @@
           <a:lstStyle/>
           <a:p>
             <a:r>
-              <a:rPr lang="en-US" altLang="ko-KR" dirty="0" smtClean="0">
+              <a:rPr lang="en-US" altLang="ko-KR" dirty="0">
                 <a:latin typeface="리디바탕" panose="020B0600000101010101" pitchFamily="34" charset="-127"/>
                 <a:ea typeface="리디바탕" panose="020B0600000101010101" pitchFamily="34" charset="-127"/>
               </a:rPr>
@@ -13675,7 +14976,7 @@
           <a:lstStyle/>
           <a:p>
             <a:r>
-              <a:rPr lang="en-US" altLang="ko-KR" dirty="0" smtClean="0">
+              <a:rPr lang="en-US" altLang="ko-KR" dirty="0">
                 <a:latin typeface="리디바탕" panose="020B0600000101010101" pitchFamily="34" charset="-127"/>
                 <a:ea typeface="리디바탕" panose="020B0600000101010101" pitchFamily="34" charset="-127"/>
               </a:rPr>
@@ -13698,13 +14999,6 @@
   <p:clrMapOvr>
     <a:masterClrMapping/>
   </p:clrMapOvr>
-  <p:timing>
-    <p:tnLst>
-      <p:par>
-        <p:cTn id="1" dur="indefinite" restart="never" nodeType="tmRoot"/>
-      </p:par>
-    </p:tnLst>
-  </p:timing>
 </p:sld>
 </file>
 

--- a/DynamoUserGroup/20221118_부산 세미나 준비/documentum/DynDict활용_발표자료.pptx
+++ b/DynamoUserGroup/20221118_부산 세미나 준비/documentum/DynDict활용_발표자료.pptx
@@ -269,7 +269,7 @@
           <a:p>
             <a:fld id="{C69C5E94-CBD9-42C9-8C4A-9201E9861AAC}" type="datetimeFigureOut">
               <a:rPr lang="ko-KR" altLang="en-US" smtClean="0"/>
-              <a:t>2022-11-07</a:t>
+              <a:t>2022-11-08</a:t>
             </a:fld>
             <a:endParaRPr lang="ko-KR" altLang="en-US"/>
           </a:p>
@@ -437,7 +437,7 @@
           <a:p>
             <a:fld id="{C69C5E94-CBD9-42C9-8C4A-9201E9861AAC}" type="datetimeFigureOut">
               <a:rPr lang="ko-KR" altLang="en-US" smtClean="0"/>
-              <a:t>2022-11-07</a:t>
+              <a:t>2022-11-08</a:t>
             </a:fld>
             <a:endParaRPr lang="ko-KR" altLang="en-US"/>
           </a:p>
@@ -615,7 +615,7 @@
           <a:p>
             <a:fld id="{C69C5E94-CBD9-42C9-8C4A-9201E9861AAC}" type="datetimeFigureOut">
               <a:rPr lang="ko-KR" altLang="en-US" smtClean="0"/>
-              <a:t>2022-11-07</a:t>
+              <a:t>2022-11-08</a:t>
             </a:fld>
             <a:endParaRPr lang="ko-KR" altLang="en-US"/>
           </a:p>
@@ -783,7 +783,7 @@
           <a:p>
             <a:fld id="{C69C5E94-CBD9-42C9-8C4A-9201E9861AAC}" type="datetimeFigureOut">
               <a:rPr lang="ko-KR" altLang="en-US" smtClean="0"/>
-              <a:t>2022-11-07</a:t>
+              <a:t>2022-11-08</a:t>
             </a:fld>
             <a:endParaRPr lang="ko-KR" altLang="en-US"/>
           </a:p>
@@ -1028,7 +1028,7 @@
           <a:p>
             <a:fld id="{C69C5E94-CBD9-42C9-8C4A-9201E9861AAC}" type="datetimeFigureOut">
               <a:rPr lang="ko-KR" altLang="en-US" smtClean="0"/>
-              <a:t>2022-11-07</a:t>
+              <a:t>2022-11-08</a:t>
             </a:fld>
             <a:endParaRPr lang="ko-KR" altLang="en-US"/>
           </a:p>
@@ -1257,7 +1257,7 @@
           <a:p>
             <a:fld id="{C69C5E94-CBD9-42C9-8C4A-9201E9861AAC}" type="datetimeFigureOut">
               <a:rPr lang="ko-KR" altLang="en-US" smtClean="0"/>
-              <a:t>2022-11-07</a:t>
+              <a:t>2022-11-08</a:t>
             </a:fld>
             <a:endParaRPr lang="ko-KR" altLang="en-US"/>
           </a:p>
@@ -1621,7 +1621,7 @@
           <a:p>
             <a:fld id="{C69C5E94-CBD9-42C9-8C4A-9201E9861AAC}" type="datetimeFigureOut">
               <a:rPr lang="ko-KR" altLang="en-US" smtClean="0"/>
-              <a:t>2022-11-07</a:t>
+              <a:t>2022-11-08</a:t>
             </a:fld>
             <a:endParaRPr lang="ko-KR" altLang="en-US"/>
           </a:p>
@@ -1738,7 +1738,7 @@
           <a:p>
             <a:fld id="{C69C5E94-CBD9-42C9-8C4A-9201E9861AAC}" type="datetimeFigureOut">
               <a:rPr lang="ko-KR" altLang="en-US" smtClean="0"/>
-              <a:t>2022-11-07</a:t>
+              <a:t>2022-11-08</a:t>
             </a:fld>
             <a:endParaRPr lang="ko-KR" altLang="en-US"/>
           </a:p>
@@ -1833,7 +1833,7 @@
           <a:p>
             <a:fld id="{C69C5E94-CBD9-42C9-8C4A-9201E9861AAC}" type="datetimeFigureOut">
               <a:rPr lang="ko-KR" altLang="en-US" smtClean="0"/>
-              <a:t>2022-11-07</a:t>
+              <a:t>2022-11-08</a:t>
             </a:fld>
             <a:endParaRPr lang="ko-KR" altLang="en-US"/>
           </a:p>
@@ -2108,7 +2108,7 @@
           <a:p>
             <a:fld id="{C69C5E94-CBD9-42C9-8C4A-9201E9861AAC}" type="datetimeFigureOut">
               <a:rPr lang="ko-KR" altLang="en-US" smtClean="0"/>
-              <a:t>2022-11-07</a:t>
+              <a:t>2022-11-08</a:t>
             </a:fld>
             <a:endParaRPr lang="ko-KR" altLang="en-US"/>
           </a:p>
@@ -2360,7 +2360,7 @@
           <a:p>
             <a:fld id="{C69C5E94-CBD9-42C9-8C4A-9201E9861AAC}" type="datetimeFigureOut">
               <a:rPr lang="ko-KR" altLang="en-US" smtClean="0"/>
-              <a:t>2022-11-07</a:t>
+              <a:t>2022-11-08</a:t>
             </a:fld>
             <a:endParaRPr lang="ko-KR" altLang="en-US"/>
           </a:p>
@@ -2571,7 +2571,7 @@
           <a:p>
             <a:fld id="{C69C5E94-CBD9-42C9-8C4A-9201E9861AAC}" type="datetimeFigureOut">
               <a:rPr lang="ko-KR" altLang="en-US" smtClean="0"/>
-              <a:t>2022-11-07</a:t>
+              <a:t>2022-11-08</a:t>
             </a:fld>
             <a:endParaRPr lang="ko-KR" altLang="en-US"/>
           </a:p>
@@ -12781,18 +12781,39 @@
           <a:p>
             <a:pPr algn="ctr"/>
             <a:r>
+              <a:rPr lang="en-US" altLang="ko-KR" sz="2800" dirty="0" smtClean="0">
+                <a:latin typeface="리디바탕" panose="020B0600000101010101" pitchFamily="34" charset="-127"/>
+                <a:ea typeface="리디바탕" panose="020B0600000101010101" pitchFamily="34" charset="-127"/>
+              </a:rPr>
+              <a:t>“Dictionary” </a:t>
+            </a:r>
+            <a:r>
               <a:rPr lang="en-US" altLang="ko-KR" sz="2800" dirty="0">
                 <a:latin typeface="리디바탕" panose="020B0600000101010101" pitchFamily="34" charset="-127"/>
                 <a:ea typeface="리디바탕" panose="020B0600000101010101" pitchFamily="34" charset="-127"/>
               </a:rPr>
-              <a:t>Dictionary : </a:t>
-            </a:r>
-            <a:r>
-              <a:rPr lang="ko-KR" altLang="en-US" sz="2800" dirty="0">
+              <a:t>: </a:t>
+            </a:r>
+            <a:r>
+              <a:rPr lang="en-US" altLang="ko-KR" sz="2800" dirty="0" smtClean="0">
+                <a:latin typeface="리디바탕" panose="020B0600000101010101" pitchFamily="34" charset="-127"/>
+                <a:ea typeface="리디바탕" panose="020B0600000101010101" pitchFamily="34" charset="-127"/>
+              </a:rPr>
+              <a:t>“</a:t>
+            </a:r>
+            <a:r>
+              <a:rPr lang="ko-KR" altLang="en-US" sz="2800" dirty="0" smtClean="0">
                 <a:latin typeface="리디바탕" panose="020B0600000101010101" pitchFamily="34" charset="-127"/>
                 <a:ea typeface="리디바탕" panose="020B0600000101010101" pitchFamily="34" charset="-127"/>
               </a:rPr>
               <a:t>사전</a:t>
+            </a:r>
+            <a:r>
+              <a:rPr lang="en-US" altLang="ko-KR" sz="2800" dirty="0" smtClean="0">
+                <a:latin typeface="리디바탕" panose="020B0600000101010101" pitchFamily="34" charset="-127"/>
+                <a:ea typeface="리디바탕" panose="020B0600000101010101" pitchFamily="34" charset="-127"/>
+              </a:rPr>
+              <a:t>”</a:t>
             </a:r>
             <a:endParaRPr lang="en-US" altLang="ko-KR" sz="2800" dirty="0">
               <a:latin typeface="리디바탕" panose="020B0600000101010101" pitchFamily="34" charset="-127"/>
@@ -14286,7 +14307,7 @@
             <a:avLst/>
           </a:prstGeom>
           <a:noFill/>
-          <a:ln w="28575">
+          <a:ln w="19050">
             <a:solidFill>
               <a:srgbClr val="FF0000"/>
             </a:solidFill>
@@ -14374,7 +14395,7 @@
             <a:avLst/>
           </a:prstGeom>
           <a:noFill/>
-          <a:ln w="28575">
+          <a:ln w="19050">
             <a:solidFill>
               <a:srgbClr val="0000FF"/>
             </a:solidFill>
@@ -14564,7 +14585,7 @@
             <a:avLst/>
           </a:prstGeom>
           <a:noFill/>
-          <a:ln w="28575">
+          <a:ln w="19050">
             <a:solidFill>
               <a:srgbClr val="FF0000"/>
             </a:solidFill>
@@ -14610,7 +14631,7 @@
             <a:avLst/>
           </a:prstGeom>
           <a:noFill/>
-          <a:ln w="28575">
+          <a:ln w="19050">
             <a:solidFill>
               <a:srgbClr val="0000FF"/>
             </a:solidFill>
@@ -14656,7 +14677,7 @@
             <a:avLst/>
           </a:prstGeom>
           <a:noFill/>
-          <a:ln w="28575">
+          <a:ln w="19050">
             <a:solidFill>
               <a:srgbClr val="FF0000"/>
             </a:solidFill>
@@ -14702,7 +14723,7 @@
             <a:avLst/>
           </a:prstGeom>
           <a:noFill/>
-          <a:ln w="28575">
+          <a:ln w="19050">
             <a:solidFill>
               <a:srgbClr val="0000FF"/>
             </a:solidFill>
@@ -14748,7 +14769,7 @@
             <a:avLst/>
           </a:prstGeom>
           <a:noFill/>
-          <a:ln w="28575">
+          <a:ln w="19050">
             <a:solidFill>
               <a:srgbClr val="FF0000"/>
             </a:solidFill>
@@ -14794,7 +14815,7 @@
             <a:avLst/>
           </a:prstGeom>
           <a:noFill/>
-          <a:ln w="28575">
+          <a:ln w="19050">
             <a:solidFill>
               <a:srgbClr val="0000FF"/>
             </a:solidFill>
@@ -14840,7 +14861,7 @@
             <a:avLst/>
           </a:prstGeom>
           <a:noFill/>
-          <a:ln w="28575">
+          <a:ln w="19050">
             <a:solidFill>
               <a:srgbClr val="FF0000"/>
             </a:solidFill>
@@ -14886,7 +14907,7 @@
             <a:avLst/>
           </a:prstGeom>
           <a:noFill/>
-          <a:ln w="28575">
+          <a:ln w="19050">
             <a:solidFill>
               <a:srgbClr val="0000FF"/>
             </a:solidFill>

--- a/DynamoUserGroup/20221118_부산 세미나 준비/documentum/DynDict활용_발표자료.pptx
+++ b/DynamoUserGroup/20221118_부산 세미나 준비/documentum/DynDict활용_발표자료.pptx
@@ -34,6 +34,7 @@
     <p:sldId id="265" r:id="rId28"/>
     <p:sldId id="262" r:id="rId29"/>
     <p:sldId id="264" r:id="rId30"/>
+    <p:sldId id="289" r:id="rId31"/>
   </p:sldIdLst>
   <p:sldSz cx="12192000" cy="6858000"/>
   <p:notesSz cx="6858000" cy="9144000"/>
@@ -269,7 +270,7 @@
           <a:p>
             <a:fld id="{C69C5E94-CBD9-42C9-8C4A-9201E9861AAC}" type="datetimeFigureOut">
               <a:rPr lang="ko-KR" altLang="en-US" smtClean="0"/>
-              <a:t>2022-11-08</a:t>
+              <a:t>2022-11-09</a:t>
             </a:fld>
             <a:endParaRPr lang="ko-KR" altLang="en-US"/>
           </a:p>
@@ -437,7 +438,7 @@
           <a:p>
             <a:fld id="{C69C5E94-CBD9-42C9-8C4A-9201E9861AAC}" type="datetimeFigureOut">
               <a:rPr lang="ko-KR" altLang="en-US" smtClean="0"/>
-              <a:t>2022-11-08</a:t>
+              <a:t>2022-11-09</a:t>
             </a:fld>
             <a:endParaRPr lang="ko-KR" altLang="en-US"/>
           </a:p>
@@ -615,7 +616,7 @@
           <a:p>
             <a:fld id="{C69C5E94-CBD9-42C9-8C4A-9201E9861AAC}" type="datetimeFigureOut">
               <a:rPr lang="ko-KR" altLang="en-US" smtClean="0"/>
-              <a:t>2022-11-08</a:t>
+              <a:t>2022-11-09</a:t>
             </a:fld>
             <a:endParaRPr lang="ko-KR" altLang="en-US"/>
           </a:p>
@@ -783,7 +784,7 @@
           <a:p>
             <a:fld id="{C69C5E94-CBD9-42C9-8C4A-9201E9861AAC}" type="datetimeFigureOut">
               <a:rPr lang="ko-KR" altLang="en-US" smtClean="0"/>
-              <a:t>2022-11-08</a:t>
+              <a:t>2022-11-09</a:t>
             </a:fld>
             <a:endParaRPr lang="ko-KR" altLang="en-US"/>
           </a:p>
@@ -1028,7 +1029,7 @@
           <a:p>
             <a:fld id="{C69C5E94-CBD9-42C9-8C4A-9201E9861AAC}" type="datetimeFigureOut">
               <a:rPr lang="ko-KR" altLang="en-US" smtClean="0"/>
-              <a:t>2022-11-08</a:t>
+              <a:t>2022-11-09</a:t>
             </a:fld>
             <a:endParaRPr lang="ko-KR" altLang="en-US"/>
           </a:p>
@@ -1257,7 +1258,7 @@
           <a:p>
             <a:fld id="{C69C5E94-CBD9-42C9-8C4A-9201E9861AAC}" type="datetimeFigureOut">
               <a:rPr lang="ko-KR" altLang="en-US" smtClean="0"/>
-              <a:t>2022-11-08</a:t>
+              <a:t>2022-11-09</a:t>
             </a:fld>
             <a:endParaRPr lang="ko-KR" altLang="en-US"/>
           </a:p>
@@ -1621,7 +1622,7 @@
           <a:p>
             <a:fld id="{C69C5E94-CBD9-42C9-8C4A-9201E9861AAC}" type="datetimeFigureOut">
               <a:rPr lang="ko-KR" altLang="en-US" smtClean="0"/>
-              <a:t>2022-11-08</a:t>
+              <a:t>2022-11-09</a:t>
             </a:fld>
             <a:endParaRPr lang="ko-KR" altLang="en-US"/>
           </a:p>
@@ -1738,7 +1739,7 @@
           <a:p>
             <a:fld id="{C69C5E94-CBD9-42C9-8C4A-9201E9861AAC}" type="datetimeFigureOut">
               <a:rPr lang="ko-KR" altLang="en-US" smtClean="0"/>
-              <a:t>2022-11-08</a:t>
+              <a:t>2022-11-09</a:t>
             </a:fld>
             <a:endParaRPr lang="ko-KR" altLang="en-US"/>
           </a:p>
@@ -1833,7 +1834,7 @@
           <a:p>
             <a:fld id="{C69C5E94-CBD9-42C9-8C4A-9201E9861AAC}" type="datetimeFigureOut">
               <a:rPr lang="ko-KR" altLang="en-US" smtClean="0"/>
-              <a:t>2022-11-08</a:t>
+              <a:t>2022-11-09</a:t>
             </a:fld>
             <a:endParaRPr lang="ko-KR" altLang="en-US"/>
           </a:p>
@@ -2108,7 +2109,7 @@
           <a:p>
             <a:fld id="{C69C5E94-CBD9-42C9-8C4A-9201E9861AAC}" type="datetimeFigureOut">
               <a:rPr lang="ko-KR" altLang="en-US" smtClean="0"/>
-              <a:t>2022-11-08</a:t>
+              <a:t>2022-11-09</a:t>
             </a:fld>
             <a:endParaRPr lang="ko-KR" altLang="en-US"/>
           </a:p>
@@ -2360,7 +2361,7 @@
           <a:p>
             <a:fld id="{C69C5E94-CBD9-42C9-8C4A-9201E9861AAC}" type="datetimeFigureOut">
               <a:rPr lang="ko-KR" altLang="en-US" smtClean="0"/>
-              <a:t>2022-11-08</a:t>
+              <a:t>2022-11-09</a:t>
             </a:fld>
             <a:endParaRPr lang="ko-KR" altLang="en-US"/>
           </a:p>
@@ -2571,7 +2572,7 @@
           <a:p>
             <a:fld id="{C69C5E94-CBD9-42C9-8C4A-9201E9861AAC}" type="datetimeFigureOut">
               <a:rPr lang="ko-KR" altLang="en-US" smtClean="0"/>
-              <a:t>2022-11-08</a:t>
+              <a:t>2022-11-09</a:t>
             </a:fld>
             <a:endParaRPr lang="ko-KR" altLang="en-US"/>
           </a:p>
@@ -9561,6 +9562,712 @@
           </a:p>
         </p:txBody>
       </p:sp>
+      <p:grpSp>
+        <p:nvGrpSpPr>
+          <p:cNvPr id="20" name="그룹 19"/>
+          <p:cNvGrpSpPr/>
+          <p:nvPr/>
+        </p:nvGrpSpPr>
+        <p:grpSpPr>
+          <a:xfrm>
+            <a:off x="139420" y="2206567"/>
+            <a:ext cx="6429879" cy="3126631"/>
+            <a:chOff x="190220" y="2282767"/>
+            <a:chExt cx="6667780" cy="3242314"/>
+          </a:xfrm>
+        </p:grpSpPr>
+        <p:grpSp>
+          <p:nvGrpSpPr>
+            <p:cNvPr id="9" name="그룹 8"/>
+            <p:cNvGrpSpPr/>
+            <p:nvPr/>
+          </p:nvGrpSpPr>
+          <p:grpSpPr>
+            <a:xfrm>
+              <a:off x="624797" y="2282767"/>
+              <a:ext cx="6233203" cy="3242314"/>
+              <a:chOff x="2619632" y="2090261"/>
+              <a:chExt cx="6952736" cy="3616592"/>
+            </a:xfrm>
+          </p:grpSpPr>
+          <p:pic>
+            <p:nvPicPr>
+              <p:cNvPr id="3" name="그림 2"/>
+              <p:cNvPicPr>
+                <a:picLocks noChangeAspect="1"/>
+              </p:cNvPicPr>
+              <p:nvPr/>
+            </p:nvPicPr>
+            <p:blipFill>
+              <a:blip r:embed="rId2"/>
+              <a:stretch>
+                <a:fillRect/>
+              </a:stretch>
+            </p:blipFill>
+            <p:spPr>
+              <a:xfrm>
+                <a:off x="2619632" y="2090261"/>
+                <a:ext cx="6952736" cy="3616592"/>
+              </a:xfrm>
+              <a:prstGeom prst="rect">
+                <a:avLst/>
+              </a:prstGeom>
+            </p:spPr>
+          </p:pic>
+          <p:cxnSp>
+            <p:nvCxnSpPr>
+              <p:cNvPr id="5" name="직선 화살표 연결선 4"/>
+              <p:cNvCxnSpPr/>
+              <p:nvPr/>
+            </p:nvCxnSpPr>
+            <p:spPr>
+              <a:xfrm>
+                <a:off x="4679092" y="3303373"/>
+                <a:ext cx="560173" cy="0"/>
+              </a:xfrm>
+              <a:prstGeom prst="straightConnector1">
+                <a:avLst/>
+              </a:prstGeom>
+              <a:ln w="47625">
+                <a:solidFill>
+                  <a:srgbClr val="FF00FF"/>
+                </a:solidFill>
+                <a:tailEnd type="triangle"/>
+              </a:ln>
+            </p:spPr>
+            <p:style>
+              <a:lnRef idx="1">
+                <a:schemeClr val="accent1"/>
+              </a:lnRef>
+              <a:fillRef idx="0">
+                <a:schemeClr val="accent1"/>
+              </a:fillRef>
+              <a:effectRef idx="0">
+                <a:schemeClr val="accent1"/>
+              </a:effectRef>
+              <a:fontRef idx="minor">
+                <a:schemeClr val="tx1"/>
+              </a:fontRef>
+            </p:style>
+          </p:cxnSp>
+          <p:cxnSp>
+            <p:nvCxnSpPr>
+              <p:cNvPr id="7" name="직선 화살표 연결선 6"/>
+              <p:cNvCxnSpPr/>
+              <p:nvPr/>
+            </p:nvCxnSpPr>
+            <p:spPr>
+              <a:xfrm>
+                <a:off x="4679092" y="3572880"/>
+                <a:ext cx="560173" cy="0"/>
+              </a:xfrm>
+              <a:prstGeom prst="straightConnector1">
+                <a:avLst/>
+              </a:prstGeom>
+              <a:ln w="47625">
+                <a:solidFill>
+                  <a:srgbClr val="FF00FF"/>
+                </a:solidFill>
+                <a:tailEnd type="triangle"/>
+              </a:ln>
+            </p:spPr>
+            <p:style>
+              <a:lnRef idx="1">
+                <a:schemeClr val="accent1"/>
+              </a:lnRef>
+              <a:fillRef idx="0">
+                <a:schemeClr val="accent1"/>
+              </a:fillRef>
+              <a:effectRef idx="0">
+                <a:schemeClr val="accent1"/>
+              </a:effectRef>
+              <a:fontRef idx="minor">
+                <a:schemeClr val="tx1"/>
+              </a:fontRef>
+            </p:style>
+          </p:cxnSp>
+          <p:cxnSp>
+            <p:nvCxnSpPr>
+              <p:cNvPr id="8" name="직선 화살표 연결선 7"/>
+              <p:cNvCxnSpPr/>
+              <p:nvPr/>
+            </p:nvCxnSpPr>
+            <p:spPr>
+              <a:xfrm>
+                <a:off x="3562561" y="4362151"/>
+                <a:ext cx="560173" cy="0"/>
+              </a:xfrm>
+              <a:prstGeom prst="straightConnector1">
+                <a:avLst/>
+              </a:prstGeom>
+              <a:ln w="47625">
+                <a:solidFill>
+                  <a:srgbClr val="FF00FF"/>
+                </a:solidFill>
+                <a:tailEnd type="triangle"/>
+              </a:ln>
+            </p:spPr>
+            <p:style>
+              <a:lnRef idx="1">
+                <a:schemeClr val="accent1"/>
+              </a:lnRef>
+              <a:fillRef idx="0">
+                <a:schemeClr val="accent1"/>
+              </a:fillRef>
+              <a:effectRef idx="0">
+                <a:schemeClr val="accent1"/>
+              </a:effectRef>
+              <a:fontRef idx="minor">
+                <a:schemeClr val="tx1"/>
+              </a:fontRef>
+            </p:style>
+          </p:cxnSp>
+        </p:grpSp>
+        <p:sp>
+          <p:nvSpPr>
+            <p:cNvPr id="14" name="TextBox 13"/>
+            <p:cNvSpPr txBox="1"/>
+            <p:nvPr/>
+          </p:nvSpPr>
+          <p:spPr>
+            <a:xfrm>
+              <a:off x="190220" y="3182074"/>
+              <a:ext cx="2396618" cy="307777"/>
+            </a:xfrm>
+            <a:prstGeom prst="rect">
+              <a:avLst/>
+            </a:prstGeom>
+            <a:noFill/>
+          </p:spPr>
+          <p:txBody>
+            <a:bodyPr wrap="none" rtlCol="0">
+              <a:spAutoFit/>
+            </a:bodyPr>
+            <a:lstStyle/>
+            <a:p>
+              <a:r>
+                <a:rPr lang="ko-KR" altLang="en-US" sz="1400" dirty="0" smtClean="0">
+                  <a:solidFill>
+                    <a:srgbClr val="0000FF"/>
+                  </a:solidFill>
+                  <a:latin typeface="리디바탕" panose="020B0600000101010101" pitchFamily="34" charset="-127"/>
+                  <a:ea typeface="리디바탕" panose="020B0600000101010101" pitchFamily="34" charset="-127"/>
+                </a:rPr>
+                <a:t>직전에 만들었던 </a:t>
+              </a:r>
+              <a:r>
+                <a:rPr lang="en-US" altLang="ko-KR" sz="1400" dirty="0" smtClean="0">
+                  <a:solidFill>
+                    <a:srgbClr val="0000FF"/>
+                  </a:solidFill>
+                  <a:latin typeface="리디바탕" panose="020B0600000101010101" pitchFamily="34" charset="-127"/>
+                  <a:ea typeface="리디바탕" panose="020B0600000101010101" pitchFamily="34" charset="-127"/>
+                </a:rPr>
+                <a:t>Dictionary</a:t>
+              </a:r>
+              <a:endParaRPr lang="ko-KR" altLang="en-US" sz="1400" dirty="0">
+                <a:solidFill>
+                  <a:srgbClr val="0000FF"/>
+                </a:solidFill>
+                <a:latin typeface="리디바탕" panose="020B0600000101010101" pitchFamily="34" charset="-127"/>
+                <a:ea typeface="리디바탕" panose="020B0600000101010101" pitchFamily="34" charset="-127"/>
+              </a:endParaRPr>
+            </a:p>
+          </p:txBody>
+        </p:sp>
+        <p:sp>
+          <p:nvSpPr>
+            <p:cNvPr id="15" name="TextBox 14"/>
+            <p:cNvSpPr txBox="1"/>
+            <p:nvPr/>
+          </p:nvSpPr>
+          <p:spPr>
+            <a:xfrm>
+              <a:off x="1348738" y="3459547"/>
+              <a:ext cx="1035283" cy="307777"/>
+            </a:xfrm>
+            <a:prstGeom prst="rect">
+              <a:avLst/>
+            </a:prstGeom>
+            <a:noFill/>
+          </p:spPr>
+          <p:txBody>
+            <a:bodyPr wrap="none" rtlCol="0">
+              <a:spAutoFit/>
+            </a:bodyPr>
+            <a:lstStyle/>
+            <a:p>
+              <a:r>
+                <a:rPr lang="ko-KR" altLang="en-US" sz="1400" dirty="0" smtClean="0">
+                  <a:solidFill>
+                    <a:srgbClr val="0000FF"/>
+                  </a:solidFill>
+                  <a:latin typeface="리디바탕" panose="020B0600000101010101" pitchFamily="34" charset="-127"/>
+                  <a:ea typeface="리디바탕" panose="020B0600000101010101" pitchFamily="34" charset="-127"/>
+                </a:rPr>
+                <a:t>추가할 </a:t>
+              </a:r>
+              <a:r>
+                <a:rPr lang="en-US" altLang="ko-KR" sz="1400" dirty="0" smtClean="0">
+                  <a:solidFill>
+                    <a:srgbClr val="0000FF"/>
+                  </a:solidFill>
+                  <a:latin typeface="리디바탕" panose="020B0600000101010101" pitchFamily="34" charset="-127"/>
+                  <a:ea typeface="리디바탕" panose="020B0600000101010101" pitchFamily="34" charset="-127"/>
+                </a:rPr>
+                <a:t>key</a:t>
+              </a:r>
+              <a:endParaRPr lang="ko-KR" altLang="en-US" sz="1400" dirty="0">
+                <a:solidFill>
+                  <a:srgbClr val="0000FF"/>
+                </a:solidFill>
+                <a:latin typeface="리디바탕" panose="020B0600000101010101" pitchFamily="34" charset="-127"/>
+                <a:ea typeface="리디바탕" panose="020B0600000101010101" pitchFamily="34" charset="-127"/>
+              </a:endParaRPr>
+            </a:p>
+          </p:txBody>
+        </p:sp>
+        <p:sp>
+          <p:nvSpPr>
+            <p:cNvPr id="16" name="TextBox 15"/>
+            <p:cNvSpPr txBox="1"/>
+            <p:nvPr/>
+          </p:nvSpPr>
+          <p:spPr>
+            <a:xfrm>
+              <a:off x="298091" y="4118309"/>
+              <a:ext cx="1172052" cy="307777"/>
+            </a:xfrm>
+            <a:prstGeom prst="rect">
+              <a:avLst/>
+            </a:prstGeom>
+            <a:noFill/>
+          </p:spPr>
+          <p:txBody>
+            <a:bodyPr wrap="none" rtlCol="0">
+              <a:spAutoFit/>
+            </a:bodyPr>
+            <a:lstStyle/>
+            <a:p>
+              <a:r>
+                <a:rPr lang="ko-KR" altLang="en-US" sz="1400" dirty="0" smtClean="0">
+                  <a:solidFill>
+                    <a:srgbClr val="0000FF"/>
+                  </a:solidFill>
+                  <a:latin typeface="리디바탕" panose="020B0600000101010101" pitchFamily="34" charset="-127"/>
+                  <a:ea typeface="리디바탕" panose="020B0600000101010101" pitchFamily="34" charset="-127"/>
+                </a:rPr>
+                <a:t>추가할 </a:t>
+              </a:r>
+              <a:r>
+                <a:rPr lang="en-US" altLang="ko-KR" sz="1400" dirty="0" smtClean="0">
+                  <a:solidFill>
+                    <a:srgbClr val="0000FF"/>
+                  </a:solidFill>
+                  <a:latin typeface="리디바탕" panose="020B0600000101010101" pitchFamily="34" charset="-127"/>
+                  <a:ea typeface="리디바탕" panose="020B0600000101010101" pitchFamily="34" charset="-127"/>
+                </a:rPr>
+                <a:t>value</a:t>
+              </a:r>
+              <a:endParaRPr lang="ko-KR" altLang="en-US" sz="1400" dirty="0">
+                <a:solidFill>
+                  <a:srgbClr val="0000FF"/>
+                </a:solidFill>
+                <a:latin typeface="리디바탕" panose="020B0600000101010101" pitchFamily="34" charset="-127"/>
+                <a:ea typeface="리디바탕" panose="020B0600000101010101" pitchFamily="34" charset="-127"/>
+              </a:endParaRPr>
+            </a:p>
+          </p:txBody>
+        </p:sp>
+      </p:grpSp>
+      <p:grpSp>
+        <p:nvGrpSpPr>
+          <p:cNvPr id="21" name="그룹 20"/>
+          <p:cNvGrpSpPr/>
+          <p:nvPr/>
+        </p:nvGrpSpPr>
+        <p:grpSpPr>
+          <a:xfrm>
+            <a:off x="6620099" y="2070099"/>
+            <a:ext cx="4873401" cy="3479801"/>
+            <a:chOff x="6096000" y="2057423"/>
+            <a:chExt cx="5088527" cy="3633410"/>
+          </a:xfrm>
+        </p:grpSpPr>
+        <p:pic>
+          <p:nvPicPr>
+            <p:cNvPr id="10" name="그림 9"/>
+            <p:cNvPicPr>
+              <a:picLocks noChangeAspect="1"/>
+            </p:cNvPicPr>
+            <p:nvPr/>
+          </p:nvPicPr>
+          <p:blipFill rotWithShape="1">
+            <a:blip r:embed="rId3"/>
+            <a:srcRect l="8587" t="3884" r="13888" b="5372"/>
+            <a:stretch/>
+          </p:blipFill>
+          <p:spPr>
+            <a:xfrm>
+              <a:off x="9129132" y="2057423"/>
+              <a:ext cx="2055395" cy="3633410"/>
+            </a:xfrm>
+            <a:prstGeom prst="rect">
+              <a:avLst/>
+            </a:prstGeom>
+          </p:spPr>
+        </p:pic>
+        <p:cxnSp>
+          <p:nvCxnSpPr>
+            <p:cNvPr id="11" name="직선 화살표 연결선 10"/>
+            <p:cNvCxnSpPr/>
+            <p:nvPr/>
+          </p:nvCxnSpPr>
+          <p:spPr>
+            <a:xfrm>
+              <a:off x="8565874" y="4119635"/>
+              <a:ext cx="502201" cy="0"/>
+            </a:xfrm>
+            <a:prstGeom prst="straightConnector1">
+              <a:avLst/>
+            </a:prstGeom>
+            <a:ln w="47625">
+              <a:solidFill>
+                <a:srgbClr val="FF00FF"/>
+              </a:solidFill>
+              <a:tailEnd type="triangle"/>
+            </a:ln>
+          </p:spPr>
+          <p:style>
+            <a:lnRef idx="1">
+              <a:schemeClr val="accent1"/>
+            </a:lnRef>
+            <a:fillRef idx="0">
+              <a:schemeClr val="accent1"/>
+            </a:fillRef>
+            <a:effectRef idx="0">
+              <a:schemeClr val="accent1"/>
+            </a:effectRef>
+            <a:fontRef idx="minor">
+              <a:schemeClr val="tx1"/>
+            </a:fontRef>
+          </p:style>
+        </p:cxnSp>
+        <p:cxnSp>
+          <p:nvCxnSpPr>
+            <p:cNvPr id="12" name="직선 화살표 연결선 11"/>
+            <p:cNvCxnSpPr/>
+            <p:nvPr/>
+          </p:nvCxnSpPr>
+          <p:spPr>
+            <a:xfrm>
+              <a:off x="8565874" y="4485395"/>
+              <a:ext cx="502201" cy="0"/>
+            </a:xfrm>
+            <a:prstGeom prst="straightConnector1">
+              <a:avLst/>
+            </a:prstGeom>
+            <a:ln w="47625">
+              <a:solidFill>
+                <a:srgbClr val="FF00FF"/>
+              </a:solidFill>
+              <a:tailEnd type="triangle"/>
+            </a:ln>
+          </p:spPr>
+          <p:style>
+            <a:lnRef idx="1">
+              <a:schemeClr val="accent1"/>
+            </a:lnRef>
+            <a:fillRef idx="0">
+              <a:schemeClr val="accent1"/>
+            </a:fillRef>
+            <a:effectRef idx="0">
+              <a:schemeClr val="accent1"/>
+            </a:effectRef>
+            <a:fontRef idx="minor">
+              <a:schemeClr val="tx1"/>
+            </a:fontRef>
+          </p:style>
+        </p:cxnSp>
+        <p:cxnSp>
+          <p:nvCxnSpPr>
+            <p:cNvPr id="13" name="직선 화살표 연결선 12"/>
+            <p:cNvCxnSpPr/>
+            <p:nvPr/>
+          </p:nvCxnSpPr>
+          <p:spPr>
+            <a:xfrm>
+              <a:off x="8565874" y="4851155"/>
+              <a:ext cx="502201" cy="0"/>
+            </a:xfrm>
+            <a:prstGeom prst="straightConnector1">
+              <a:avLst/>
+            </a:prstGeom>
+            <a:ln w="47625">
+              <a:solidFill>
+                <a:srgbClr val="FF00FF"/>
+              </a:solidFill>
+              <a:tailEnd type="triangle"/>
+            </a:ln>
+          </p:spPr>
+          <p:style>
+            <a:lnRef idx="1">
+              <a:schemeClr val="accent1"/>
+            </a:lnRef>
+            <a:fillRef idx="0">
+              <a:schemeClr val="accent1"/>
+            </a:fillRef>
+            <a:effectRef idx="0">
+              <a:schemeClr val="accent1"/>
+            </a:effectRef>
+            <a:fontRef idx="minor">
+              <a:schemeClr val="tx1"/>
+            </a:fontRef>
+          </p:style>
+        </p:cxnSp>
+        <p:sp>
+          <p:nvSpPr>
+            <p:cNvPr id="17" name="TextBox 16"/>
+            <p:cNvSpPr txBox="1"/>
+            <p:nvPr/>
+          </p:nvSpPr>
+          <p:spPr>
+            <a:xfrm>
+              <a:off x="6096000" y="3964420"/>
+              <a:ext cx="2396618" cy="307777"/>
+            </a:xfrm>
+            <a:prstGeom prst="rect">
+              <a:avLst/>
+            </a:prstGeom>
+            <a:noFill/>
+          </p:spPr>
+          <p:txBody>
+            <a:bodyPr wrap="none" rtlCol="0">
+              <a:spAutoFit/>
+            </a:bodyPr>
+            <a:lstStyle/>
+            <a:p>
+              <a:r>
+                <a:rPr lang="ko-KR" altLang="en-US" sz="1400" dirty="0" smtClean="0">
+                  <a:solidFill>
+                    <a:srgbClr val="0000FF"/>
+                  </a:solidFill>
+                  <a:latin typeface="리디바탕" panose="020B0600000101010101" pitchFamily="34" charset="-127"/>
+                  <a:ea typeface="리디바탕" panose="020B0600000101010101" pitchFamily="34" charset="-127"/>
+                </a:rPr>
+                <a:t>직전에 만들었던 </a:t>
+              </a:r>
+              <a:r>
+                <a:rPr lang="en-US" altLang="ko-KR" sz="1400" dirty="0" smtClean="0">
+                  <a:solidFill>
+                    <a:srgbClr val="0000FF"/>
+                  </a:solidFill>
+                  <a:latin typeface="리디바탕" panose="020B0600000101010101" pitchFamily="34" charset="-127"/>
+                  <a:ea typeface="리디바탕" panose="020B0600000101010101" pitchFamily="34" charset="-127"/>
+                </a:rPr>
+                <a:t>Dictionary</a:t>
+              </a:r>
+              <a:endParaRPr lang="ko-KR" altLang="en-US" sz="1400" dirty="0">
+                <a:solidFill>
+                  <a:srgbClr val="0000FF"/>
+                </a:solidFill>
+                <a:latin typeface="리디바탕" panose="020B0600000101010101" pitchFamily="34" charset="-127"/>
+                <a:ea typeface="리디바탕" panose="020B0600000101010101" pitchFamily="34" charset="-127"/>
+              </a:endParaRPr>
+            </a:p>
+          </p:txBody>
+        </p:sp>
+        <p:sp>
+          <p:nvSpPr>
+            <p:cNvPr id="18" name="TextBox 17"/>
+            <p:cNvSpPr txBox="1"/>
+            <p:nvPr/>
+          </p:nvSpPr>
+          <p:spPr>
+            <a:xfrm>
+              <a:off x="7340007" y="4331506"/>
+              <a:ext cx="1035283" cy="307777"/>
+            </a:xfrm>
+            <a:prstGeom prst="rect">
+              <a:avLst/>
+            </a:prstGeom>
+            <a:noFill/>
+          </p:spPr>
+          <p:txBody>
+            <a:bodyPr wrap="none" rtlCol="0">
+              <a:spAutoFit/>
+            </a:bodyPr>
+            <a:lstStyle/>
+            <a:p>
+              <a:r>
+                <a:rPr lang="ko-KR" altLang="en-US" sz="1400" dirty="0" smtClean="0">
+                  <a:solidFill>
+                    <a:srgbClr val="0000FF"/>
+                  </a:solidFill>
+                  <a:latin typeface="리디바탕" panose="020B0600000101010101" pitchFamily="34" charset="-127"/>
+                  <a:ea typeface="리디바탕" panose="020B0600000101010101" pitchFamily="34" charset="-127"/>
+                </a:rPr>
+                <a:t>추가할 </a:t>
+              </a:r>
+              <a:r>
+                <a:rPr lang="en-US" altLang="ko-KR" sz="1400" dirty="0" smtClean="0">
+                  <a:solidFill>
+                    <a:srgbClr val="0000FF"/>
+                  </a:solidFill>
+                  <a:latin typeface="리디바탕" panose="020B0600000101010101" pitchFamily="34" charset="-127"/>
+                  <a:ea typeface="리디바탕" panose="020B0600000101010101" pitchFamily="34" charset="-127"/>
+                </a:rPr>
+                <a:t>key</a:t>
+              </a:r>
+              <a:endParaRPr lang="ko-KR" altLang="en-US" sz="1400" dirty="0">
+                <a:solidFill>
+                  <a:srgbClr val="0000FF"/>
+                </a:solidFill>
+                <a:latin typeface="리디바탕" panose="020B0600000101010101" pitchFamily="34" charset="-127"/>
+                <a:ea typeface="리디바탕" panose="020B0600000101010101" pitchFamily="34" charset="-127"/>
+              </a:endParaRPr>
+            </a:p>
+          </p:txBody>
+        </p:sp>
+        <p:sp>
+          <p:nvSpPr>
+            <p:cNvPr id="19" name="TextBox 18"/>
+            <p:cNvSpPr txBox="1"/>
+            <p:nvPr/>
+          </p:nvSpPr>
+          <p:spPr>
+            <a:xfrm>
+              <a:off x="7348230" y="4698592"/>
+              <a:ext cx="1172052" cy="307777"/>
+            </a:xfrm>
+            <a:prstGeom prst="rect">
+              <a:avLst/>
+            </a:prstGeom>
+            <a:noFill/>
+          </p:spPr>
+          <p:txBody>
+            <a:bodyPr wrap="none" rtlCol="0">
+              <a:spAutoFit/>
+            </a:bodyPr>
+            <a:lstStyle/>
+            <a:p>
+              <a:r>
+                <a:rPr lang="ko-KR" altLang="en-US" sz="1400" dirty="0" smtClean="0">
+                  <a:solidFill>
+                    <a:srgbClr val="0000FF"/>
+                  </a:solidFill>
+                  <a:latin typeface="리디바탕" panose="020B0600000101010101" pitchFamily="34" charset="-127"/>
+                  <a:ea typeface="리디바탕" panose="020B0600000101010101" pitchFamily="34" charset="-127"/>
+                </a:rPr>
+                <a:t>추가할 </a:t>
+              </a:r>
+              <a:r>
+                <a:rPr lang="en-US" altLang="ko-KR" sz="1400" dirty="0" smtClean="0">
+                  <a:solidFill>
+                    <a:srgbClr val="0000FF"/>
+                  </a:solidFill>
+                  <a:latin typeface="리디바탕" panose="020B0600000101010101" pitchFamily="34" charset="-127"/>
+                  <a:ea typeface="리디바탕" panose="020B0600000101010101" pitchFamily="34" charset="-127"/>
+                </a:rPr>
+                <a:t>value</a:t>
+              </a:r>
+              <a:endParaRPr lang="ko-KR" altLang="en-US" sz="1400" dirty="0">
+                <a:solidFill>
+                  <a:srgbClr val="0000FF"/>
+                </a:solidFill>
+                <a:latin typeface="리디바탕" panose="020B0600000101010101" pitchFamily="34" charset="-127"/>
+                <a:ea typeface="리디바탕" panose="020B0600000101010101" pitchFamily="34" charset="-127"/>
+              </a:endParaRPr>
+            </a:p>
+          </p:txBody>
+        </p:sp>
+      </p:grpSp>
+      <p:sp>
+        <p:nvSpPr>
+          <p:cNvPr id="22" name="TextBox 21"/>
+          <p:cNvSpPr txBox="1"/>
+          <p:nvPr/>
+        </p:nvSpPr>
+        <p:spPr>
+          <a:xfrm>
+            <a:off x="2631886" y="1740330"/>
+            <a:ext cx="1884683" cy="307777"/>
+          </a:xfrm>
+          <a:prstGeom prst="rect">
+            <a:avLst/>
+          </a:prstGeom>
+          <a:noFill/>
+        </p:spPr>
+        <p:txBody>
+          <a:bodyPr wrap="none" rtlCol="0">
+            <a:spAutoFit/>
+          </a:bodyPr>
+          <a:lstStyle/>
+          <a:p>
+            <a:r>
+              <a:rPr lang="en-US" altLang="ko-KR" sz="1400" dirty="0" smtClean="0">
+                <a:latin typeface="리디바탕" panose="020B0600000101010101" pitchFamily="34" charset="-127"/>
+                <a:ea typeface="리디바탕" panose="020B0600000101010101" pitchFamily="34" charset="-127"/>
+              </a:rPr>
+              <a:t>&lt; </a:t>
+            </a:r>
+            <a:r>
+              <a:rPr lang="ko-KR" altLang="en-US" sz="1400" dirty="0" smtClean="0">
+                <a:latin typeface="리디바탕" panose="020B0600000101010101" pitchFamily="34" charset="-127"/>
+                <a:ea typeface="리디바탕" panose="020B0600000101010101" pitchFamily="34" charset="-127"/>
+              </a:rPr>
+              <a:t>기본 노드 </a:t>
+            </a:r>
+            <a:r>
+              <a:rPr lang="en-US" altLang="ko-KR" sz="1400" dirty="0" smtClean="0">
+                <a:latin typeface="리디바탕" panose="020B0600000101010101" pitchFamily="34" charset="-127"/>
+                <a:ea typeface="리디바탕" panose="020B0600000101010101" pitchFamily="34" charset="-127"/>
+              </a:rPr>
+              <a:t>version &gt;</a:t>
+            </a:r>
+            <a:endParaRPr lang="ko-KR" altLang="en-US" sz="1400" dirty="0">
+              <a:latin typeface="리디바탕" panose="020B0600000101010101" pitchFamily="34" charset="-127"/>
+              <a:ea typeface="리디바탕" panose="020B0600000101010101" pitchFamily="34" charset="-127"/>
+            </a:endParaRPr>
+          </a:p>
+        </p:txBody>
+      </p:sp>
+      <p:sp>
+        <p:nvSpPr>
+          <p:cNvPr id="23" name="TextBox 22"/>
+          <p:cNvSpPr txBox="1"/>
+          <p:nvPr/>
+        </p:nvSpPr>
+        <p:spPr>
+          <a:xfrm>
+            <a:off x="9430822" y="1740330"/>
+            <a:ext cx="2291461" cy="307777"/>
+          </a:xfrm>
+          <a:prstGeom prst="rect">
+            <a:avLst/>
+          </a:prstGeom>
+          <a:noFill/>
+        </p:spPr>
+        <p:txBody>
+          <a:bodyPr wrap="none" rtlCol="0">
+            <a:spAutoFit/>
+          </a:bodyPr>
+          <a:lstStyle/>
+          <a:p>
+            <a:r>
+              <a:rPr lang="en-US" altLang="ko-KR" sz="1400" dirty="0" smtClean="0">
+                <a:latin typeface="리디바탕" panose="020B0600000101010101" pitchFamily="34" charset="-127"/>
+                <a:ea typeface="리디바탕" panose="020B0600000101010101" pitchFamily="34" charset="-127"/>
+              </a:rPr>
+              <a:t>&lt; Python Script version &gt;</a:t>
+            </a:r>
+            <a:endParaRPr lang="ko-KR" altLang="en-US" sz="1400" dirty="0">
+              <a:latin typeface="리디바탕" panose="020B0600000101010101" pitchFamily="34" charset="-127"/>
+              <a:ea typeface="리디바탕" panose="020B0600000101010101" pitchFamily="34" charset="-127"/>
+            </a:endParaRPr>
+          </a:p>
+        </p:txBody>
+      </p:sp>
     </p:spTree>
     <p:extLst>
       <p:ext uri="{BB962C8B-B14F-4D97-AF65-F5344CB8AC3E}">
@@ -9666,7 +10373,7 @@
         </p:nvSpPr>
         <p:spPr>
           <a:xfrm>
-            <a:off x="3114675" y="1907143"/>
+            <a:off x="2936875" y="1822952"/>
             <a:ext cx="2311851" cy="276999"/>
           </a:xfrm>
           <a:prstGeom prst="rect">
@@ -9682,6 +10389,11 @@
           <a:p>
             <a:r>
               <a:rPr lang="ko-KR" altLang="en-US" sz="1200" dirty="0" err="1">
+                <a:solidFill>
+                  <a:schemeClr val="accent6">
+                    <a:lumMod val="75000"/>
+                  </a:schemeClr>
+                </a:solidFill>
                 <a:latin typeface="리디바탕" panose="020B0600000101010101" pitchFamily="34" charset="-127"/>
                 <a:ea typeface="리디바탕" panose="020B0600000101010101" pitchFamily="34" charset="-127"/>
               </a:rPr>
@@ -9689,6 +10401,11 @@
             </a:r>
             <a:r>
               <a:rPr lang="en-US" altLang="ko-KR" sz="1200" dirty="0">
+                <a:solidFill>
+                  <a:schemeClr val="accent6">
+                    <a:lumMod val="75000"/>
+                  </a:schemeClr>
+                </a:solidFill>
                 <a:latin typeface="리디바탕" panose="020B0600000101010101" pitchFamily="34" charset="-127"/>
                 <a:ea typeface="리디바탕" panose="020B0600000101010101" pitchFamily="34" charset="-127"/>
               </a:rPr>
@@ -9696,6 +10413,11 @@
             </a:r>
             <a:r>
               <a:rPr lang="ko-KR" altLang="en-US" sz="1200" dirty="0">
+                <a:solidFill>
+                  <a:schemeClr val="accent6">
+                    <a:lumMod val="75000"/>
+                  </a:schemeClr>
+                </a:solidFill>
                 <a:latin typeface="리디바탕" panose="020B0600000101010101" pitchFamily="34" charset="-127"/>
                 <a:ea typeface="리디바탕" panose="020B0600000101010101" pitchFamily="34" charset="-127"/>
               </a:rPr>
@@ -9703,6 +10425,11 @@
             </a:r>
             <a:r>
               <a:rPr lang="ko-KR" altLang="en-US" sz="1200" dirty="0" err="1">
+                <a:solidFill>
+                  <a:schemeClr val="accent6">
+                    <a:lumMod val="75000"/>
+                  </a:schemeClr>
+                </a:solidFill>
                 <a:latin typeface="리디바탕" panose="020B0600000101010101" pitchFamily="34" charset="-127"/>
                 <a:ea typeface="리디바탕" panose="020B0600000101010101" pitchFamily="34" charset="-127"/>
               </a:rPr>
@@ -9710,6 +10437,11 @@
             </a:r>
             <a:r>
               <a:rPr lang="ko-KR" altLang="en-US" sz="1200" dirty="0">
+                <a:solidFill>
+                  <a:schemeClr val="accent6">
+                    <a:lumMod val="75000"/>
+                  </a:schemeClr>
+                </a:solidFill>
                 <a:latin typeface="리디바탕" panose="020B0600000101010101" pitchFamily="34" charset="-127"/>
                 <a:ea typeface="리디바탕" panose="020B0600000101010101" pitchFamily="34" charset="-127"/>
               </a:rPr>
@@ -10186,7 +10918,7 @@
             <a:avLst/>
           </a:prstGeom>
           <a:noFill/>
-          <a:ln w="15875">
+          <a:ln w="41275">
             <a:solidFill>
               <a:srgbClr val="FF0000"/>
             </a:solidFill>
@@ -12523,64 +13255,30 @@
           <a:chExt cx="0" cy="0"/>
         </a:xfrm>
       </p:grpSpPr>
-      <p:sp>
-        <p:nvSpPr>
-          <p:cNvPr id="2" name="TextBox 1"/>
-          <p:cNvSpPr txBox="1"/>
-          <p:nvPr/>
-        </p:nvSpPr>
-        <p:spPr>
-          <a:xfrm>
-            <a:off x="0" y="3051204"/>
-            <a:ext cx="12192000" cy="377796"/>
-          </a:xfrm>
-          <a:prstGeom prst="rect">
-            <a:avLst/>
-          </a:prstGeom>
-          <a:noFill/>
-        </p:spPr>
-        <p:txBody>
-          <a:bodyPr wrap="square" rtlCol="0">
-            <a:spAutoFit/>
-          </a:bodyPr>
-          <a:lstStyle/>
-          <a:p>
-            <a:pPr algn="ctr">
-              <a:lnSpc>
-                <a:spcPct val="150000"/>
-              </a:lnSpc>
-            </a:pPr>
-            <a:r>
-              <a:rPr lang="ko-KR" altLang="en-US" sz="1400" dirty="0">
-                <a:latin typeface="리디바탕" panose="020B0600000101010101" pitchFamily="34" charset="-127"/>
-                <a:ea typeface="리디바탕" panose="020B0600000101010101" pitchFamily="34" charset="-127"/>
-              </a:rPr>
-              <a:t>끝</a:t>
-            </a:r>
-            <a:r>
-              <a:rPr lang="en-US" altLang="ko-KR" sz="1400" dirty="0">
-                <a:latin typeface="리디바탕" panose="020B0600000101010101" pitchFamily="34" charset="-127"/>
-                <a:ea typeface="리디바탕" panose="020B0600000101010101" pitchFamily="34" charset="-127"/>
-              </a:rPr>
-              <a:t>. </a:t>
-            </a:r>
-            <a:r>
-              <a:rPr lang="ko-KR" altLang="en-US" sz="1400" dirty="0">
-                <a:latin typeface="리디바탕" panose="020B0600000101010101" pitchFamily="34" charset="-127"/>
-                <a:ea typeface="리디바탕" panose="020B0600000101010101" pitchFamily="34" charset="-127"/>
-              </a:rPr>
-              <a:t>감사합니다</a:t>
-            </a:r>
-            <a:r>
-              <a:rPr lang="en-US" altLang="ko-KR" sz="1400" dirty="0">
-                <a:latin typeface="리디바탕" panose="020B0600000101010101" pitchFamily="34" charset="-127"/>
-                <a:ea typeface="리디바탕" panose="020B0600000101010101" pitchFamily="34" charset="-127"/>
-              </a:rPr>
-              <a:t>.</a:t>
-            </a:r>
-          </a:p>
-        </p:txBody>
-      </p:sp>
+      <p:pic>
+        <p:nvPicPr>
+          <p:cNvPr id="5" name="그림 4"/>
+          <p:cNvPicPr>
+            <a:picLocks noChangeAspect="1"/>
+          </p:cNvPicPr>
+          <p:nvPr/>
+        </p:nvPicPr>
+        <p:blipFill>
+          <a:blip r:embed="rId2"/>
+          <a:stretch>
+            <a:fillRect/>
+          </a:stretch>
+        </p:blipFill>
+        <p:spPr>
+          <a:xfrm>
+            <a:off x="2037783" y="94784"/>
+            <a:ext cx="8116433" cy="6668431"/>
+          </a:xfrm>
+          <a:prstGeom prst="rect">
+            <a:avLst/>
+          </a:prstGeom>
+        </p:spPr>
+      </p:pic>
     </p:spTree>
     <p:extLst>
       <p:ext uri="{BB962C8B-B14F-4D97-AF65-F5344CB8AC3E}">
@@ -12692,6 +13390,94 @@
     <p:extLst>
       <p:ext uri="{BB962C8B-B14F-4D97-AF65-F5344CB8AC3E}">
         <p14:creationId xmlns:p14="http://schemas.microsoft.com/office/powerpoint/2010/main" val="2672038548"/>
+      </p:ext>
+    </p:extLst>
+  </p:cSld>
+  <p:clrMapOvr>
+    <a:masterClrMapping/>
+  </p:clrMapOvr>
+</p:sld>
+</file>
+
+<file path=ppt/slides/slide30.xml><?xml version="1.0" encoding="utf-8"?>
+<p:sld xmlns:a="http://schemas.openxmlformats.org/drawingml/2006/main" xmlns:r="http://schemas.openxmlformats.org/officeDocument/2006/relationships" xmlns:p="http://schemas.openxmlformats.org/presentationml/2006/main">
+  <p:cSld>
+    <p:spTree>
+      <p:nvGrpSpPr>
+        <p:cNvPr id="1" name=""/>
+        <p:cNvGrpSpPr/>
+        <p:nvPr/>
+      </p:nvGrpSpPr>
+      <p:grpSpPr>
+        <a:xfrm>
+          <a:off x="0" y="0"/>
+          <a:ext cx="0" cy="0"/>
+          <a:chOff x="0" y="0"/>
+          <a:chExt cx="0" cy="0"/>
+        </a:xfrm>
+      </p:grpSpPr>
+      <p:sp>
+        <p:nvSpPr>
+          <p:cNvPr id="2" name="TextBox 1"/>
+          <p:cNvSpPr txBox="1"/>
+          <p:nvPr/>
+        </p:nvSpPr>
+        <p:spPr>
+          <a:xfrm>
+            <a:off x="0" y="3051204"/>
+            <a:ext cx="12192000" cy="377796"/>
+          </a:xfrm>
+          <a:prstGeom prst="rect">
+            <a:avLst/>
+          </a:prstGeom>
+          <a:noFill/>
+        </p:spPr>
+        <p:txBody>
+          <a:bodyPr wrap="square" rtlCol="0">
+            <a:spAutoFit/>
+          </a:bodyPr>
+          <a:lstStyle/>
+          <a:p>
+            <a:pPr algn="ctr">
+              <a:lnSpc>
+                <a:spcPct val="150000"/>
+              </a:lnSpc>
+            </a:pPr>
+            <a:r>
+              <a:rPr lang="ko-KR" altLang="en-US" sz="1400" dirty="0">
+                <a:latin typeface="리디바탕" panose="020B0600000101010101" pitchFamily="34" charset="-127"/>
+                <a:ea typeface="리디바탕" panose="020B0600000101010101" pitchFamily="34" charset="-127"/>
+              </a:rPr>
+              <a:t>끝</a:t>
+            </a:r>
+            <a:r>
+              <a:rPr lang="en-US" altLang="ko-KR" sz="1400" dirty="0">
+                <a:latin typeface="리디바탕" panose="020B0600000101010101" pitchFamily="34" charset="-127"/>
+                <a:ea typeface="리디바탕" panose="020B0600000101010101" pitchFamily="34" charset="-127"/>
+              </a:rPr>
+              <a:t>. </a:t>
+            </a:r>
+            <a:r>
+              <a:rPr lang="ko-KR" altLang="en-US" sz="1400" dirty="0">
+                <a:latin typeface="리디바탕" panose="020B0600000101010101" pitchFamily="34" charset="-127"/>
+                <a:ea typeface="리디바탕" panose="020B0600000101010101" pitchFamily="34" charset="-127"/>
+              </a:rPr>
+              <a:t>감사합니다</a:t>
+            </a:r>
+            <a:r>
+              <a:rPr lang="en-US" altLang="ko-KR" sz="1400" dirty="0">
+                <a:latin typeface="리디바탕" panose="020B0600000101010101" pitchFamily="34" charset="-127"/>
+                <a:ea typeface="리디바탕" panose="020B0600000101010101" pitchFamily="34" charset="-127"/>
+              </a:rPr>
+              <a:t>.</a:t>
+            </a:r>
+          </a:p>
+        </p:txBody>
+      </p:sp>
+    </p:spTree>
+    <p:extLst>
+      <p:ext uri="{BB962C8B-B14F-4D97-AF65-F5344CB8AC3E}">
+        <p14:creationId xmlns:p14="http://schemas.microsoft.com/office/powerpoint/2010/main" val="1191060182"/>
       </p:ext>
     </p:extLst>
   </p:cSld>

--- a/DynamoUserGroup/20221118_부산 세미나 준비/documentum/DynDict활용_발표자료.pptx
+++ b/DynamoUserGroup/20221118_부산 세미나 준비/documentum/DynDict활용_발표자료.pptx
@@ -34,7 +34,8 @@
     <p:sldId id="303" r:id="rId28"/>
     <p:sldId id="304" r:id="rId29"/>
     <p:sldId id="305" r:id="rId30"/>
-    <p:sldId id="306" r:id="rId31"/>
+    <p:sldId id="307" r:id="rId31"/>
+    <p:sldId id="306" r:id="rId32"/>
   </p:sldIdLst>
   <p:sldSz cx="12192000" cy="6858000"/>
   <p:notesSz cx="6858000" cy="9144000"/>
@@ -270,7 +271,7 @@
           <a:p>
             <a:fld id="{C69C5E94-CBD9-42C9-8C4A-9201E9861AAC}" type="datetimeFigureOut">
               <a:rPr lang="ko-KR" altLang="en-US" smtClean="0"/>
-              <a:t>2022-11-11</a:t>
+              <a:t>2022-11-13</a:t>
             </a:fld>
             <a:endParaRPr lang="ko-KR" altLang="en-US"/>
           </a:p>
@@ -438,7 +439,7 @@
           <a:p>
             <a:fld id="{C69C5E94-CBD9-42C9-8C4A-9201E9861AAC}" type="datetimeFigureOut">
               <a:rPr lang="ko-KR" altLang="en-US" smtClean="0"/>
-              <a:t>2022-11-11</a:t>
+              <a:t>2022-11-13</a:t>
             </a:fld>
             <a:endParaRPr lang="ko-KR" altLang="en-US"/>
           </a:p>
@@ -616,7 +617,7 @@
           <a:p>
             <a:fld id="{C69C5E94-CBD9-42C9-8C4A-9201E9861AAC}" type="datetimeFigureOut">
               <a:rPr lang="ko-KR" altLang="en-US" smtClean="0"/>
-              <a:t>2022-11-11</a:t>
+              <a:t>2022-11-13</a:t>
             </a:fld>
             <a:endParaRPr lang="ko-KR" altLang="en-US"/>
           </a:p>
@@ -784,7 +785,7 @@
           <a:p>
             <a:fld id="{C69C5E94-CBD9-42C9-8C4A-9201E9861AAC}" type="datetimeFigureOut">
               <a:rPr lang="ko-KR" altLang="en-US" smtClean="0"/>
-              <a:t>2022-11-11</a:t>
+              <a:t>2022-11-13</a:t>
             </a:fld>
             <a:endParaRPr lang="ko-KR" altLang="en-US"/>
           </a:p>
@@ -1029,7 +1030,7 @@
           <a:p>
             <a:fld id="{C69C5E94-CBD9-42C9-8C4A-9201E9861AAC}" type="datetimeFigureOut">
               <a:rPr lang="ko-KR" altLang="en-US" smtClean="0"/>
-              <a:t>2022-11-11</a:t>
+              <a:t>2022-11-13</a:t>
             </a:fld>
             <a:endParaRPr lang="ko-KR" altLang="en-US"/>
           </a:p>
@@ -1258,7 +1259,7 @@
           <a:p>
             <a:fld id="{C69C5E94-CBD9-42C9-8C4A-9201E9861AAC}" type="datetimeFigureOut">
               <a:rPr lang="ko-KR" altLang="en-US" smtClean="0"/>
-              <a:t>2022-11-11</a:t>
+              <a:t>2022-11-13</a:t>
             </a:fld>
             <a:endParaRPr lang="ko-KR" altLang="en-US"/>
           </a:p>
@@ -1622,7 +1623,7 @@
           <a:p>
             <a:fld id="{C69C5E94-CBD9-42C9-8C4A-9201E9861AAC}" type="datetimeFigureOut">
               <a:rPr lang="ko-KR" altLang="en-US" smtClean="0"/>
-              <a:t>2022-11-11</a:t>
+              <a:t>2022-11-13</a:t>
             </a:fld>
             <a:endParaRPr lang="ko-KR" altLang="en-US"/>
           </a:p>
@@ -1739,7 +1740,7 @@
           <a:p>
             <a:fld id="{C69C5E94-CBD9-42C9-8C4A-9201E9861AAC}" type="datetimeFigureOut">
               <a:rPr lang="ko-KR" altLang="en-US" smtClean="0"/>
-              <a:t>2022-11-11</a:t>
+              <a:t>2022-11-13</a:t>
             </a:fld>
             <a:endParaRPr lang="ko-KR" altLang="en-US"/>
           </a:p>
@@ -1834,7 +1835,7 @@
           <a:p>
             <a:fld id="{C69C5E94-CBD9-42C9-8C4A-9201E9861AAC}" type="datetimeFigureOut">
               <a:rPr lang="ko-KR" altLang="en-US" smtClean="0"/>
-              <a:t>2022-11-11</a:t>
+              <a:t>2022-11-13</a:t>
             </a:fld>
             <a:endParaRPr lang="ko-KR" altLang="en-US"/>
           </a:p>
@@ -2109,7 +2110,7 @@
           <a:p>
             <a:fld id="{C69C5E94-CBD9-42C9-8C4A-9201E9861AAC}" type="datetimeFigureOut">
               <a:rPr lang="ko-KR" altLang="en-US" smtClean="0"/>
-              <a:t>2022-11-11</a:t>
+              <a:t>2022-11-13</a:t>
             </a:fld>
             <a:endParaRPr lang="ko-KR" altLang="en-US"/>
           </a:p>
@@ -2361,7 +2362,7 @@
           <a:p>
             <a:fld id="{C69C5E94-CBD9-42C9-8C4A-9201E9861AAC}" type="datetimeFigureOut">
               <a:rPr lang="ko-KR" altLang="en-US" smtClean="0"/>
-              <a:t>2022-11-11</a:t>
+              <a:t>2022-11-13</a:t>
             </a:fld>
             <a:endParaRPr lang="ko-KR" altLang="en-US"/>
           </a:p>
@@ -2572,7 +2573,7 @@
           <a:p>
             <a:fld id="{C69C5E94-CBD9-42C9-8C4A-9201E9861AAC}" type="datetimeFigureOut">
               <a:rPr lang="ko-KR" altLang="en-US" smtClean="0"/>
-              <a:t>2022-11-11</a:t>
+              <a:t>2022-11-13</a:t>
             </a:fld>
             <a:endParaRPr lang="ko-KR" altLang="en-US"/>
           </a:p>
@@ -8216,7 +8217,7 @@
               <a:t>: </a:t>
             </a:r>
             <a:r>
-              <a:rPr lang="ko-KR" altLang="en-US" sz="2800" dirty="0" smtClean="0">
+              <a:rPr lang="ko-KR" altLang="en-US" sz="2800" dirty="0">
                 <a:solidFill>
                   <a:schemeClr val="tx1">
                     <a:lumMod val="50000"/>
@@ -8229,7 +8230,7 @@
               <a:t>장만규</a:t>
             </a:r>
             <a:r>
-              <a:rPr lang="en-US" altLang="ko-KR" sz="2800" dirty="0" smtClean="0">
+              <a:rPr lang="en-US" altLang="ko-KR" sz="2800" dirty="0">
                 <a:solidFill>
                   <a:schemeClr val="tx1">
                     <a:lumMod val="50000"/>
@@ -8278,7 +8279,7 @@
               <a:t> </a:t>
             </a:r>
             <a:r>
-              <a:rPr lang="en-US" altLang="ko-KR" sz="2800" dirty="0" smtClean="0">
+              <a:rPr lang="en-US" altLang="ko-KR" sz="2800" dirty="0">
                 <a:solidFill>
                   <a:schemeClr val="tx1">
                     <a:lumMod val="50000"/>
@@ -8291,7 +8292,7 @@
               <a:t>35</a:t>
             </a:r>
             <a:r>
-              <a:rPr lang="ko-KR" altLang="en-US" sz="2800" dirty="0" smtClean="0">
+              <a:rPr lang="ko-KR" altLang="en-US" sz="2800" dirty="0">
                 <a:solidFill>
                   <a:schemeClr val="tx1">
                     <a:lumMod val="50000"/>
@@ -9913,23 +9914,19 @@
           <a:lstStyle/>
           <a:p>
             <a:r>
-              <a:rPr lang="ko-KR" altLang="en-US" dirty="0" err="1" smtClean="0">
+              <a:rPr lang="ko-KR" altLang="en-US" dirty="0" err="1">
                 <a:latin typeface="리디바탕" panose="020B0600000101010101" pitchFamily="34" charset="-127"/>
                 <a:ea typeface="리디바탕" panose="020B0600000101010101" pitchFamily="34" charset="-127"/>
               </a:rPr>
               <a:t>딕셔너리를</a:t>
             </a:r>
             <a:r>
-              <a:rPr lang="ko-KR" altLang="en-US" dirty="0" smtClean="0">
+              <a:rPr lang="ko-KR" altLang="en-US" dirty="0">
                 <a:latin typeface="리디바탕" panose="020B0600000101010101" pitchFamily="34" charset="-127"/>
                 <a:ea typeface="리디바탕" panose="020B0600000101010101" pitchFamily="34" charset="-127"/>
               </a:rPr>
               <a:t> 만들어 주는 함수</a:t>
             </a:r>
-            <a:endParaRPr lang="ko-KR" altLang="en-US" dirty="0">
-              <a:latin typeface="리디바탕" panose="020B0600000101010101" pitchFamily="34" charset="-127"/>
-              <a:ea typeface="리디바탕" panose="020B0600000101010101" pitchFamily="34" charset="-127"/>
-            </a:endParaRPr>
           </a:p>
         </p:txBody>
       </p:sp>
@@ -10146,27 +10143,27 @@
           <a:lstStyle/>
           <a:p>
             <a:r>
-              <a:rPr lang="ko-KR" altLang="en-US" sz="1400" dirty="0" smtClean="0">
+              <a:rPr lang="ko-KR" altLang="en-US" sz="1400" dirty="0">
                 <a:latin typeface="리디바탕" panose="020B0600000101010101" pitchFamily="34" charset="-127"/>
                 <a:ea typeface="리디바탕" panose="020B0600000101010101" pitchFamily="34" charset="-127"/>
               </a:rPr>
               <a:t>이전 </a:t>
             </a:r>
             <a:r>
-              <a:rPr lang="ko-KR" altLang="en-US" sz="1400" dirty="0" err="1" smtClean="0">
+              <a:rPr lang="ko-KR" altLang="en-US" sz="1400" dirty="0" err="1">
                 <a:latin typeface="리디바탕" panose="020B0600000101010101" pitchFamily="34" charset="-127"/>
                 <a:ea typeface="리디바탕" panose="020B0600000101010101" pitchFamily="34" charset="-127"/>
               </a:rPr>
               <a:t>딕셔너리에서</a:t>
             </a:r>
-            <a:endParaRPr lang="en-US" altLang="ko-KR" sz="1400" dirty="0" smtClean="0">
+            <a:endParaRPr lang="en-US" altLang="ko-KR" sz="1400" dirty="0">
               <a:latin typeface="리디바탕" panose="020B0600000101010101" pitchFamily="34" charset="-127"/>
               <a:ea typeface="리디바탕" panose="020B0600000101010101" pitchFamily="34" charset="-127"/>
             </a:endParaRPr>
           </a:p>
           <a:p>
             <a:r>
-              <a:rPr lang="ko-KR" altLang="en-US" sz="1400" dirty="0" smtClean="0">
+              <a:rPr lang="ko-KR" altLang="en-US" sz="1400" dirty="0">
                 <a:solidFill>
                   <a:srgbClr val="FF00FF"/>
                 </a:solidFill>
@@ -10176,7 +10173,7 @@
               <a:t>데이터 추출</a:t>
             </a:r>
             <a:r>
-              <a:rPr lang="en-US" altLang="ko-KR" sz="1400" dirty="0" smtClean="0">
+              <a:rPr lang="en-US" altLang="ko-KR" sz="1400" dirty="0">
                 <a:latin typeface="리디바탕" panose="020B0600000101010101" pitchFamily="34" charset="-127"/>
                 <a:ea typeface="리디바탕" panose="020B0600000101010101" pitchFamily="34" charset="-127"/>
               </a:rPr>
@@ -10212,20 +10209,20 @@
           <a:lstStyle/>
           <a:p>
             <a:r>
-              <a:rPr lang="ko-KR" altLang="en-US" sz="1400" dirty="0" smtClean="0">
+              <a:rPr lang="ko-KR" altLang="en-US" sz="1400" dirty="0">
                 <a:latin typeface="리디바탕" panose="020B0600000101010101" pitchFamily="34" charset="-127"/>
                 <a:ea typeface="리디바탕" panose="020B0600000101010101" pitchFamily="34" charset="-127"/>
               </a:rPr>
               <a:t>추출된 데이터를 바탕으로</a:t>
             </a:r>
-            <a:endParaRPr lang="en-US" altLang="ko-KR" sz="1400" dirty="0" smtClean="0">
+            <a:endParaRPr lang="en-US" altLang="ko-KR" sz="1400" dirty="0">
               <a:latin typeface="리디바탕" panose="020B0600000101010101" pitchFamily="34" charset="-127"/>
               <a:ea typeface="리디바탕" panose="020B0600000101010101" pitchFamily="34" charset="-127"/>
             </a:endParaRPr>
           </a:p>
           <a:p>
             <a:r>
-              <a:rPr lang="ko-KR" altLang="en-US" sz="1400" dirty="0" smtClean="0">
+              <a:rPr lang="ko-KR" altLang="en-US" sz="1400" dirty="0">
                 <a:solidFill>
                   <a:srgbClr val="FF00FF"/>
                 </a:solidFill>
@@ -10234,60 +10231,53 @@
               </a:rPr>
               <a:t>신규 파생 데이터 연산</a:t>
             </a:r>
-            <a:endParaRPr lang="ko-KR" altLang="en-US" sz="1400" dirty="0">
-              <a:solidFill>
-                <a:srgbClr val="FF00FF"/>
-              </a:solidFill>
+          </a:p>
+        </p:txBody>
+      </p:sp>
+      <p:sp>
+        <p:nvSpPr>
+          <p:cNvPr id="15" name="TextBox 14"/>
+          <p:cNvSpPr txBox="1"/>
+          <p:nvPr/>
+        </p:nvSpPr>
+        <p:spPr>
+          <a:xfrm>
+            <a:off x="8303441" y="4303492"/>
+            <a:ext cx="2105898" cy="523220"/>
+          </a:xfrm>
+          <a:prstGeom prst="rect">
+            <a:avLst/>
+          </a:prstGeom>
+          <a:noFill/>
+        </p:spPr>
+        <p:txBody>
+          <a:bodyPr wrap="none" rtlCol="0">
+            <a:spAutoFit/>
+          </a:bodyPr>
+          <a:lstStyle/>
+          <a:p>
+            <a:r>
+              <a:rPr lang="ko-KR" altLang="en-US" sz="1400" dirty="0">
+                <a:latin typeface="리디바탕" panose="020B0600000101010101" pitchFamily="34" charset="-127"/>
+                <a:ea typeface="리디바탕" panose="020B0600000101010101" pitchFamily="34" charset="-127"/>
+              </a:rPr>
+              <a:t>이전 </a:t>
+            </a:r>
+            <a:r>
+              <a:rPr lang="ko-KR" altLang="en-US" sz="1400" dirty="0" err="1">
+                <a:latin typeface="리디바탕" panose="020B0600000101010101" pitchFamily="34" charset="-127"/>
+                <a:ea typeface="리디바탕" panose="020B0600000101010101" pitchFamily="34" charset="-127"/>
+              </a:rPr>
+              <a:t>딕셔너리에</a:t>
+            </a:r>
+            <a:endParaRPr lang="en-US" altLang="ko-KR" sz="1400" dirty="0">
               <a:latin typeface="리디바탕" panose="020B0600000101010101" pitchFamily="34" charset="-127"/>
               <a:ea typeface="리디바탕" panose="020B0600000101010101" pitchFamily="34" charset="-127"/>
             </a:endParaRPr>
           </a:p>
-        </p:txBody>
-      </p:sp>
-      <p:sp>
-        <p:nvSpPr>
-          <p:cNvPr id="15" name="TextBox 14"/>
-          <p:cNvSpPr txBox="1"/>
-          <p:nvPr/>
-        </p:nvSpPr>
-        <p:spPr>
-          <a:xfrm>
-            <a:off x="8303441" y="4303492"/>
-            <a:ext cx="2105898" cy="523220"/>
-          </a:xfrm>
-          <a:prstGeom prst="rect">
-            <a:avLst/>
-          </a:prstGeom>
-          <a:noFill/>
-        </p:spPr>
-        <p:txBody>
-          <a:bodyPr wrap="none" rtlCol="0">
-            <a:spAutoFit/>
-          </a:bodyPr>
-          <a:lstStyle/>
-          <a:p>
-            <a:r>
-              <a:rPr lang="ko-KR" altLang="en-US" sz="1400" dirty="0" smtClean="0">
-                <a:latin typeface="리디바탕" panose="020B0600000101010101" pitchFamily="34" charset="-127"/>
-                <a:ea typeface="리디바탕" panose="020B0600000101010101" pitchFamily="34" charset="-127"/>
-              </a:rPr>
-              <a:t>이전 </a:t>
-            </a:r>
-            <a:r>
-              <a:rPr lang="ko-KR" altLang="en-US" sz="1400" dirty="0" err="1" smtClean="0">
-                <a:latin typeface="리디바탕" panose="020B0600000101010101" pitchFamily="34" charset="-127"/>
-                <a:ea typeface="리디바탕" panose="020B0600000101010101" pitchFamily="34" charset="-127"/>
-              </a:rPr>
-              <a:t>딕셔너리에</a:t>
-            </a:r>
-            <a:endParaRPr lang="en-US" altLang="ko-KR" sz="1400" dirty="0" smtClean="0">
-              <a:latin typeface="리디바탕" panose="020B0600000101010101" pitchFamily="34" charset="-127"/>
-              <a:ea typeface="리디바탕" panose="020B0600000101010101" pitchFamily="34" charset="-127"/>
-            </a:endParaRPr>
-          </a:p>
-          <a:p>
-            <a:r>
-              <a:rPr lang="ko-KR" altLang="en-US" sz="1400" dirty="0" smtClean="0">
+          <a:p>
+            <a:r>
+              <a:rPr lang="ko-KR" altLang="en-US" sz="1400" dirty="0">
                 <a:solidFill>
                   <a:srgbClr val="FF00FF"/>
                 </a:solidFill>
@@ -10297,7 +10287,7 @@
               <a:t>신규 데이터 반환</a:t>
             </a:r>
             <a:r>
-              <a:rPr lang="en-US" altLang="ko-KR" sz="1400" dirty="0" smtClean="0">
+              <a:rPr lang="en-US" altLang="ko-KR" sz="1400" dirty="0">
                 <a:latin typeface="리디바탕" panose="020B0600000101010101" pitchFamily="34" charset="-127"/>
                 <a:ea typeface="리디바탕" panose="020B0600000101010101" pitchFamily="34" charset="-127"/>
               </a:rPr>
@@ -10729,7 +10719,7 @@
               <a:t>. </a:t>
             </a:r>
             <a:r>
-              <a:rPr lang="ko-KR" altLang="en-US" sz="1200" dirty="0" smtClean="0">
+              <a:rPr lang="ko-KR" altLang="en-US" sz="1200" dirty="0">
                 <a:solidFill>
                   <a:schemeClr val="accent6">
                     <a:lumMod val="75000"/>
@@ -10762,21 +10752,9 @@
                 <a:latin typeface="리디바탕" panose="020B0600000101010101" pitchFamily="34" charset="-127"/>
                 <a:ea typeface="리디바탕" panose="020B0600000101010101" pitchFamily="34" charset="-127"/>
               </a:rPr>
-              <a:t> 대비한 더미 </a:t>
-            </a:r>
-            <a:r>
-              <a:rPr lang="ko-KR" altLang="en-US" sz="1200" dirty="0" smtClean="0">
-                <a:solidFill>
-                  <a:schemeClr val="accent6">
-                    <a:lumMod val="75000"/>
-                  </a:schemeClr>
-                </a:solidFill>
-                <a:latin typeface="리디바탕" panose="020B0600000101010101" pitchFamily="34" charset="-127"/>
-                <a:ea typeface="리디바탕" panose="020B0600000101010101" pitchFamily="34" charset="-127"/>
-              </a:rPr>
-              <a:t>노드</a:t>
-            </a:r>
-            <a:endParaRPr lang="en-US" altLang="ko-KR" sz="1200" dirty="0" smtClean="0">
+              <a:t> 대비한 더미 노드</a:t>
+            </a:r>
+            <a:endParaRPr lang="en-US" altLang="ko-KR" sz="1200" dirty="0">
               <a:solidFill>
                 <a:schemeClr val="accent6">
                   <a:lumMod val="75000"/>
@@ -10788,7 +10766,7 @@
           </a:p>
           <a:p>
             <a:r>
-              <a:rPr lang="en-US" altLang="ko-KR" sz="1200" dirty="0" smtClean="0">
+              <a:rPr lang="en-US" altLang="ko-KR" sz="1200" dirty="0">
                 <a:solidFill>
                   <a:schemeClr val="accent6">
                     <a:lumMod val="75000"/>
@@ -10800,7 +10778,7 @@
               <a:t>(</a:t>
             </a:r>
             <a:r>
-              <a:rPr lang="ko-KR" altLang="en-US" sz="1200" dirty="0" smtClean="0">
+              <a:rPr lang="ko-KR" altLang="en-US" sz="1200" dirty="0">
                 <a:solidFill>
                   <a:schemeClr val="accent6">
                     <a:lumMod val="75000"/>
@@ -10812,7 +10790,7 @@
               <a:t>코드 유닛 별 위치 독립성 확보</a:t>
             </a:r>
             <a:r>
-              <a:rPr lang="en-US" altLang="ko-KR" sz="1200" dirty="0" smtClean="0">
+              <a:rPr lang="en-US" altLang="ko-KR" sz="1200" dirty="0">
                 <a:solidFill>
                   <a:schemeClr val="accent6">
                     <a:lumMod val="75000"/>
@@ -13768,6 +13746,254 @@
 </file>
 
 <file path=ppt/slides/slide30.xml><?xml version="1.0" encoding="utf-8"?>
+<p:sld xmlns:a="http://schemas.openxmlformats.org/drawingml/2006/main" xmlns:r="http://schemas.openxmlformats.org/officeDocument/2006/relationships" xmlns:p="http://schemas.openxmlformats.org/presentationml/2006/main">
+  <p:cSld>
+    <p:spTree>
+      <p:nvGrpSpPr>
+        <p:cNvPr id="1" name=""/>
+        <p:cNvGrpSpPr/>
+        <p:nvPr/>
+      </p:nvGrpSpPr>
+      <p:grpSpPr>
+        <a:xfrm>
+          <a:off x="0" y="0"/>
+          <a:ext cx="0" cy="0"/>
+          <a:chOff x="0" y="0"/>
+          <a:chExt cx="0" cy="0"/>
+        </a:xfrm>
+      </p:grpSpPr>
+      <p:sp>
+        <p:nvSpPr>
+          <p:cNvPr id="5" name="TextBox 4">
+            <a:extLst>
+              <a:ext uri="{FF2B5EF4-FFF2-40B4-BE49-F238E27FC236}">
+                <a16:creationId xmlns:a16="http://schemas.microsoft.com/office/drawing/2014/main" id="{8F1715F6-E923-7E1C-B727-7DC0DC51D511}"/>
+              </a:ext>
+            </a:extLst>
+          </p:cNvPr>
+          <p:cNvSpPr txBox="1"/>
+          <p:nvPr/>
+        </p:nvSpPr>
+        <p:spPr>
+          <a:xfrm>
+            <a:off x="3048886" y="2037753"/>
+            <a:ext cx="6097772" cy="2782493"/>
+          </a:xfrm>
+          <a:prstGeom prst="rect">
+            <a:avLst/>
+          </a:prstGeom>
+          <a:noFill/>
+        </p:spPr>
+        <p:txBody>
+          <a:bodyPr wrap="square">
+            <a:spAutoFit/>
+          </a:bodyPr>
+          <a:lstStyle/>
+          <a:p>
+            <a:pPr>
+              <a:lnSpc>
+                <a:spcPct val="200000"/>
+              </a:lnSpc>
+            </a:pPr>
+            <a:r>
+              <a:rPr lang="ko-KR" altLang="en-US" b="0" i="0" dirty="0">
+                <a:solidFill>
+                  <a:srgbClr val="333333"/>
+                </a:solidFill>
+                <a:effectLst/>
+                <a:latin typeface="리디바탕" panose="020B0600000101010101" pitchFamily="34" charset="-127"/>
+                <a:ea typeface="리디바탕" panose="020B0600000101010101" pitchFamily="34" charset="-127"/>
+              </a:rPr>
+              <a:t>바보는 복잡성을 간과한다</a:t>
+            </a:r>
+            <a:r>
+              <a:rPr lang="en-US" altLang="ko-KR" b="0" i="0" dirty="0">
+                <a:solidFill>
+                  <a:srgbClr val="333333"/>
+                </a:solidFill>
+                <a:effectLst/>
+                <a:latin typeface="리디바탕" panose="020B0600000101010101" pitchFamily="34" charset="-127"/>
+                <a:ea typeface="리디바탕" panose="020B0600000101010101" pitchFamily="34" charset="-127"/>
+              </a:rPr>
+              <a:t>.</a:t>
+            </a:r>
+          </a:p>
+          <a:p>
+            <a:pPr>
+              <a:lnSpc>
+                <a:spcPct val="200000"/>
+              </a:lnSpc>
+            </a:pPr>
+            <a:r>
+              <a:rPr lang="ko-KR" altLang="en-US" b="0" i="0" dirty="0">
+                <a:solidFill>
+                  <a:srgbClr val="333333"/>
+                </a:solidFill>
+                <a:effectLst/>
+                <a:latin typeface="리디바탕" panose="020B0600000101010101" pitchFamily="34" charset="-127"/>
+                <a:ea typeface="리디바탕" panose="020B0600000101010101" pitchFamily="34" charset="-127"/>
+              </a:rPr>
+              <a:t>실용주의자는 복잡성을 견디어 낸다</a:t>
+            </a:r>
+            <a:r>
+              <a:rPr lang="en-US" altLang="ko-KR" b="0" i="0" dirty="0">
+                <a:solidFill>
+                  <a:srgbClr val="333333"/>
+                </a:solidFill>
+                <a:effectLst/>
+                <a:latin typeface="리디바탕" panose="020B0600000101010101" pitchFamily="34" charset="-127"/>
+                <a:ea typeface="리디바탕" panose="020B0600000101010101" pitchFamily="34" charset="-127"/>
+              </a:rPr>
+              <a:t>. </a:t>
+            </a:r>
+            <a:r>
+              <a:rPr lang="ko-KR" altLang="en-US" b="0" i="0" dirty="0">
+                <a:solidFill>
+                  <a:srgbClr val="333333"/>
+                </a:solidFill>
+                <a:effectLst/>
+                <a:latin typeface="리디바탕" panose="020B0600000101010101" pitchFamily="34" charset="-127"/>
+                <a:ea typeface="리디바탕" panose="020B0600000101010101" pitchFamily="34" charset="-127"/>
+              </a:rPr>
+              <a:t>어떤 이는 회피한다</a:t>
+            </a:r>
+            <a:r>
+              <a:rPr lang="en-US" altLang="ko-KR" b="0" i="0" dirty="0">
+                <a:solidFill>
+                  <a:srgbClr val="333333"/>
+                </a:solidFill>
+                <a:effectLst/>
+                <a:latin typeface="리디바탕" panose="020B0600000101010101" pitchFamily="34" charset="-127"/>
+                <a:ea typeface="리디바탕" panose="020B0600000101010101" pitchFamily="34" charset="-127"/>
+              </a:rPr>
+              <a:t>.</a:t>
+            </a:r>
+          </a:p>
+          <a:p>
+            <a:pPr>
+              <a:lnSpc>
+                <a:spcPct val="200000"/>
+              </a:lnSpc>
+            </a:pPr>
+            <a:r>
+              <a:rPr lang="ko-KR" altLang="en-US" b="0" i="0" dirty="0">
+                <a:solidFill>
+                  <a:srgbClr val="333333"/>
+                </a:solidFill>
+                <a:effectLst/>
+                <a:latin typeface="리디바탕" panose="020B0600000101010101" pitchFamily="34" charset="-127"/>
+                <a:ea typeface="리디바탕" panose="020B0600000101010101" pitchFamily="34" charset="-127"/>
+              </a:rPr>
+              <a:t>천재는 복잡성을 제거한다</a:t>
+            </a:r>
+            <a:r>
+              <a:rPr lang="en-US" altLang="ko-KR" b="0" i="0" dirty="0">
+                <a:solidFill>
+                  <a:srgbClr val="333333"/>
+                </a:solidFill>
+                <a:effectLst/>
+                <a:latin typeface="리디바탕" panose="020B0600000101010101" pitchFamily="34" charset="-127"/>
+                <a:ea typeface="리디바탕" panose="020B0600000101010101" pitchFamily="34" charset="-127"/>
+              </a:rPr>
+              <a:t>. </a:t>
+            </a:r>
+          </a:p>
+          <a:p>
+            <a:pPr>
+              <a:lnSpc>
+                <a:spcPct val="200000"/>
+              </a:lnSpc>
+            </a:pPr>
+            <a:endParaRPr lang="en-US" altLang="ko-KR" dirty="0">
+              <a:solidFill>
+                <a:srgbClr val="333333"/>
+              </a:solidFill>
+              <a:latin typeface="리디바탕" panose="020B0600000101010101" pitchFamily="34" charset="-127"/>
+              <a:ea typeface="리디바탕" panose="020B0600000101010101" pitchFamily="34" charset="-127"/>
+            </a:endParaRPr>
+          </a:p>
+          <a:p>
+            <a:pPr algn="r">
+              <a:lnSpc>
+                <a:spcPct val="200000"/>
+              </a:lnSpc>
+            </a:pPr>
+            <a:r>
+              <a:rPr lang="en-US" altLang="ko-KR" b="0" i="0" dirty="0">
+                <a:solidFill>
+                  <a:srgbClr val="333333"/>
+                </a:solidFill>
+                <a:effectLst/>
+                <a:latin typeface="리디바탕" panose="020B0600000101010101" pitchFamily="34" charset="-127"/>
+                <a:ea typeface="리디바탕" panose="020B0600000101010101" pitchFamily="34" charset="-127"/>
+              </a:rPr>
+              <a:t>– </a:t>
+            </a:r>
+            <a:r>
+              <a:rPr lang="ko-KR" altLang="en-US" b="0" i="0" dirty="0" err="1">
+                <a:solidFill>
+                  <a:srgbClr val="333333"/>
+                </a:solidFill>
+                <a:effectLst/>
+                <a:latin typeface="리디바탕" panose="020B0600000101010101" pitchFamily="34" charset="-127"/>
+                <a:ea typeface="리디바탕" panose="020B0600000101010101" pitchFamily="34" charset="-127"/>
+              </a:rPr>
+              <a:t>알랜</a:t>
+            </a:r>
+            <a:r>
+              <a:rPr lang="ko-KR" altLang="en-US" b="0" i="0" dirty="0">
+                <a:solidFill>
+                  <a:srgbClr val="333333"/>
+                </a:solidFill>
+                <a:effectLst/>
+                <a:latin typeface="리디바탕" panose="020B0600000101010101" pitchFamily="34" charset="-127"/>
+                <a:ea typeface="리디바탕" panose="020B0600000101010101" pitchFamily="34" charset="-127"/>
+              </a:rPr>
+              <a:t> </a:t>
+            </a:r>
+            <a:r>
+              <a:rPr lang="ko-KR" altLang="en-US" b="0" i="0" dirty="0" err="1">
+                <a:solidFill>
+                  <a:srgbClr val="333333"/>
+                </a:solidFill>
+                <a:effectLst/>
+                <a:latin typeface="리디바탕" panose="020B0600000101010101" pitchFamily="34" charset="-127"/>
+                <a:ea typeface="리디바탕" panose="020B0600000101010101" pitchFamily="34" charset="-127"/>
+              </a:rPr>
+              <a:t>펄리스</a:t>
+            </a:r>
+            <a:r>
+              <a:rPr lang="en-US" altLang="ko-KR" b="0" i="0" dirty="0">
+                <a:solidFill>
+                  <a:srgbClr val="333333"/>
+                </a:solidFill>
+                <a:effectLst/>
+                <a:latin typeface="리디바탕" panose="020B0600000101010101" pitchFamily="34" charset="-127"/>
+                <a:ea typeface="리디바탕" panose="020B0600000101010101" pitchFamily="34" charset="-127"/>
+              </a:rPr>
+              <a:t>(Alen Perlis)</a:t>
+            </a:r>
+            <a:endParaRPr lang="ko-KR" altLang="en-US" dirty="0">
+              <a:latin typeface="리디바탕" panose="020B0600000101010101" pitchFamily="34" charset="-127"/>
+              <a:ea typeface="리디바탕" panose="020B0600000101010101" pitchFamily="34" charset="-127"/>
+            </a:endParaRPr>
+          </a:p>
+        </p:txBody>
+      </p:sp>
+    </p:spTree>
+    <p:extLst>
+      <p:ext uri="{BB962C8B-B14F-4D97-AF65-F5344CB8AC3E}">
+        <p14:creationId xmlns:p14="http://schemas.microsoft.com/office/powerpoint/2010/main" val="942777809"/>
+      </p:ext>
+    </p:extLst>
+  </p:cSld>
+  <p:clrMapOvr>
+    <a:masterClrMapping/>
+  </p:clrMapOvr>
+</p:sld>
+</file>
+
+<file path=ppt/slides/slide31.xml><?xml version="1.0" encoding="utf-8"?>
 <p:sld xmlns:a="http://schemas.openxmlformats.org/drawingml/2006/main" xmlns:r="http://schemas.openxmlformats.org/officeDocument/2006/relationships" xmlns:p="http://schemas.openxmlformats.org/presentationml/2006/main">
   <p:cSld>
     <p:spTree>

--- a/DynamoUserGroup/20221118_부산 세미나 준비/documentum/DynDict활용_발표자료.pptx
+++ b/DynamoUserGroup/20221118_부산 세미나 준비/documentum/DynDict활용_발표자료.pptx
@@ -21,21 +21,22 @@
     <p:sldId id="257" r:id="rId15"/>
     <p:sldId id="259" r:id="rId16"/>
     <p:sldId id="272" r:id="rId17"/>
-    <p:sldId id="285" r:id="rId18"/>
-    <p:sldId id="294" r:id="rId19"/>
-    <p:sldId id="295" r:id="rId20"/>
-    <p:sldId id="296" r:id="rId21"/>
-    <p:sldId id="297" r:id="rId22"/>
-    <p:sldId id="298" r:id="rId23"/>
-    <p:sldId id="299" r:id="rId24"/>
-    <p:sldId id="300" r:id="rId25"/>
-    <p:sldId id="301" r:id="rId26"/>
-    <p:sldId id="302" r:id="rId27"/>
-    <p:sldId id="303" r:id="rId28"/>
-    <p:sldId id="304" r:id="rId29"/>
-    <p:sldId id="305" r:id="rId30"/>
-    <p:sldId id="307" r:id="rId31"/>
-    <p:sldId id="306" r:id="rId32"/>
+    <p:sldId id="308" r:id="rId18"/>
+    <p:sldId id="285" r:id="rId19"/>
+    <p:sldId id="294" r:id="rId20"/>
+    <p:sldId id="295" r:id="rId21"/>
+    <p:sldId id="296" r:id="rId22"/>
+    <p:sldId id="297" r:id="rId23"/>
+    <p:sldId id="298" r:id="rId24"/>
+    <p:sldId id="299" r:id="rId25"/>
+    <p:sldId id="300" r:id="rId26"/>
+    <p:sldId id="301" r:id="rId27"/>
+    <p:sldId id="302" r:id="rId28"/>
+    <p:sldId id="303" r:id="rId29"/>
+    <p:sldId id="304" r:id="rId30"/>
+    <p:sldId id="305" r:id="rId31"/>
+    <p:sldId id="307" r:id="rId32"/>
+    <p:sldId id="306" r:id="rId33"/>
   </p:sldIdLst>
   <p:sldSz cx="12192000" cy="6858000"/>
   <p:notesSz cx="6858000" cy="9144000"/>
@@ -271,7 +272,7 @@
           <a:p>
             <a:fld id="{C69C5E94-CBD9-42C9-8C4A-9201E9861AAC}" type="datetimeFigureOut">
               <a:rPr lang="ko-KR" altLang="en-US" smtClean="0"/>
-              <a:t>2022-11-13</a:t>
+              <a:t>2022-11-14</a:t>
             </a:fld>
             <a:endParaRPr lang="ko-KR" altLang="en-US"/>
           </a:p>
@@ -439,7 +440,7 @@
           <a:p>
             <a:fld id="{C69C5E94-CBD9-42C9-8C4A-9201E9861AAC}" type="datetimeFigureOut">
               <a:rPr lang="ko-KR" altLang="en-US" smtClean="0"/>
-              <a:t>2022-11-13</a:t>
+              <a:t>2022-11-14</a:t>
             </a:fld>
             <a:endParaRPr lang="ko-KR" altLang="en-US"/>
           </a:p>
@@ -617,7 +618,7 @@
           <a:p>
             <a:fld id="{C69C5E94-CBD9-42C9-8C4A-9201E9861AAC}" type="datetimeFigureOut">
               <a:rPr lang="ko-KR" altLang="en-US" smtClean="0"/>
-              <a:t>2022-11-13</a:t>
+              <a:t>2022-11-14</a:t>
             </a:fld>
             <a:endParaRPr lang="ko-KR" altLang="en-US"/>
           </a:p>
@@ -785,7 +786,7 @@
           <a:p>
             <a:fld id="{C69C5E94-CBD9-42C9-8C4A-9201E9861AAC}" type="datetimeFigureOut">
               <a:rPr lang="ko-KR" altLang="en-US" smtClean="0"/>
-              <a:t>2022-11-13</a:t>
+              <a:t>2022-11-14</a:t>
             </a:fld>
             <a:endParaRPr lang="ko-KR" altLang="en-US"/>
           </a:p>
@@ -1030,7 +1031,7 @@
           <a:p>
             <a:fld id="{C69C5E94-CBD9-42C9-8C4A-9201E9861AAC}" type="datetimeFigureOut">
               <a:rPr lang="ko-KR" altLang="en-US" smtClean="0"/>
-              <a:t>2022-11-13</a:t>
+              <a:t>2022-11-14</a:t>
             </a:fld>
             <a:endParaRPr lang="ko-KR" altLang="en-US"/>
           </a:p>
@@ -1259,7 +1260,7 @@
           <a:p>
             <a:fld id="{C69C5E94-CBD9-42C9-8C4A-9201E9861AAC}" type="datetimeFigureOut">
               <a:rPr lang="ko-KR" altLang="en-US" smtClean="0"/>
-              <a:t>2022-11-13</a:t>
+              <a:t>2022-11-14</a:t>
             </a:fld>
             <a:endParaRPr lang="ko-KR" altLang="en-US"/>
           </a:p>
@@ -1623,7 +1624,7 @@
           <a:p>
             <a:fld id="{C69C5E94-CBD9-42C9-8C4A-9201E9861AAC}" type="datetimeFigureOut">
               <a:rPr lang="ko-KR" altLang="en-US" smtClean="0"/>
-              <a:t>2022-11-13</a:t>
+              <a:t>2022-11-14</a:t>
             </a:fld>
             <a:endParaRPr lang="ko-KR" altLang="en-US"/>
           </a:p>
@@ -1740,7 +1741,7 @@
           <a:p>
             <a:fld id="{C69C5E94-CBD9-42C9-8C4A-9201E9861AAC}" type="datetimeFigureOut">
               <a:rPr lang="ko-KR" altLang="en-US" smtClean="0"/>
-              <a:t>2022-11-13</a:t>
+              <a:t>2022-11-14</a:t>
             </a:fld>
             <a:endParaRPr lang="ko-KR" altLang="en-US"/>
           </a:p>
@@ -1835,7 +1836,7 @@
           <a:p>
             <a:fld id="{C69C5E94-CBD9-42C9-8C4A-9201E9861AAC}" type="datetimeFigureOut">
               <a:rPr lang="ko-KR" altLang="en-US" smtClean="0"/>
-              <a:t>2022-11-13</a:t>
+              <a:t>2022-11-14</a:t>
             </a:fld>
             <a:endParaRPr lang="ko-KR" altLang="en-US"/>
           </a:p>
@@ -2110,7 +2111,7 @@
           <a:p>
             <a:fld id="{C69C5E94-CBD9-42C9-8C4A-9201E9861AAC}" type="datetimeFigureOut">
               <a:rPr lang="ko-KR" altLang="en-US" smtClean="0"/>
-              <a:t>2022-11-13</a:t>
+              <a:t>2022-11-14</a:t>
             </a:fld>
             <a:endParaRPr lang="ko-KR" altLang="en-US"/>
           </a:p>
@@ -2362,7 +2363,7 @@
           <a:p>
             <a:fld id="{C69C5E94-CBD9-42C9-8C4A-9201E9861AAC}" type="datetimeFigureOut">
               <a:rPr lang="ko-KR" altLang="en-US" smtClean="0"/>
-              <a:t>2022-11-13</a:t>
+              <a:t>2022-11-14</a:t>
             </a:fld>
             <a:endParaRPr lang="ko-KR" altLang="en-US"/>
           </a:p>
@@ -2573,7 +2574,7 @@
           <a:p>
             <a:fld id="{C69C5E94-CBD9-42C9-8C4A-9201E9861AAC}" type="datetimeFigureOut">
               <a:rPr lang="ko-KR" altLang="en-US" smtClean="0"/>
-              <a:t>2022-11-13</a:t>
+              <a:t>2022-11-14</a:t>
             </a:fld>
             <a:endParaRPr lang="ko-KR" altLang="en-US"/>
           </a:p>
@@ -6956,94 +6957,40 @@
           <a:chExt cx="0" cy="0"/>
         </a:xfrm>
       </p:grpSpPr>
-      <p:sp>
-        <p:nvSpPr>
-          <p:cNvPr id="3" name="TextBox 2"/>
-          <p:cNvSpPr txBox="1"/>
-          <p:nvPr/>
-        </p:nvSpPr>
-        <p:spPr>
-          <a:xfrm>
-            <a:off x="6210300" y="2086533"/>
-            <a:ext cx="5596851" cy="1671227"/>
+      <p:pic>
+        <p:nvPicPr>
+          <p:cNvPr id="5" name="그림 4"/>
+          <p:cNvPicPr>
+            <a:picLocks noChangeAspect="1"/>
+          </p:cNvPicPr>
+          <p:nvPr/>
+        </p:nvPicPr>
+        <p:blipFill>
+          <a:blip r:embed="rId2">
+            <a:extLst>
+              <a:ext uri="{28A0092B-C50C-407E-A947-70E740481C1C}">
+                <a14:useLocalDpi xmlns:a14="http://schemas.microsoft.com/office/drawing/2010/main" val="0"/>
+              </a:ext>
+            </a:extLst>
+          </a:blip>
+          <a:stretch>
+            <a:fillRect/>
+          </a:stretch>
+        </p:blipFill>
+        <p:spPr>
+          <a:xfrm>
+            <a:off x="2269524" y="1286173"/>
+            <a:ext cx="7652952" cy="4285654"/>
           </a:xfrm>
           <a:prstGeom prst="rect">
             <a:avLst/>
           </a:prstGeom>
-          <a:noFill/>
-        </p:spPr>
-        <p:txBody>
-          <a:bodyPr wrap="square" rtlCol="0">
-            <a:spAutoFit/>
-          </a:bodyPr>
-          <a:lstStyle/>
-          <a:p>
-            <a:pPr>
-              <a:lnSpc>
-                <a:spcPct val="200000"/>
-              </a:lnSpc>
-            </a:pPr>
-            <a:r>
-              <a:rPr lang="ko-KR" altLang="en-US" dirty="0">
-                <a:latin typeface="리디바탕" panose="020B0600000101010101" pitchFamily="34" charset="-127"/>
-                <a:ea typeface="리디바탕" panose="020B0600000101010101" pitchFamily="34" charset="-127"/>
-              </a:rPr>
-              <a:t>이런 스파게티를 방지하기 위한 도구로</a:t>
-            </a:r>
-            <a:endParaRPr lang="en-US" altLang="ko-KR" dirty="0">
-              <a:latin typeface="리디바탕" panose="020B0600000101010101" pitchFamily="34" charset="-127"/>
-              <a:ea typeface="리디바탕" panose="020B0600000101010101" pitchFamily="34" charset="-127"/>
-            </a:endParaRPr>
-          </a:p>
-          <a:p>
-            <a:pPr>
-              <a:lnSpc>
-                <a:spcPct val="200000"/>
-              </a:lnSpc>
-            </a:pPr>
-            <a:endParaRPr lang="en-US" altLang="ko-KR" dirty="0">
-              <a:latin typeface="리디바탕" panose="020B0600000101010101" pitchFamily="34" charset="-127"/>
-              <a:ea typeface="리디바탕" panose="020B0600000101010101" pitchFamily="34" charset="-127"/>
-            </a:endParaRPr>
-          </a:p>
-          <a:p>
-            <a:pPr>
-              <a:lnSpc>
-                <a:spcPct val="200000"/>
-              </a:lnSpc>
-            </a:pPr>
-            <a:r>
-              <a:rPr lang="ko-KR" altLang="en-US" dirty="0" err="1">
-                <a:latin typeface="리디바탕" panose="020B0600000101010101" pitchFamily="34" charset="-127"/>
-                <a:ea typeface="리디바탕" panose="020B0600000101010101" pitchFamily="34" charset="-127"/>
-              </a:rPr>
-              <a:t>딕셔너리는</a:t>
-            </a:r>
-            <a:r>
-              <a:rPr lang="ko-KR" altLang="en-US" dirty="0">
-                <a:latin typeface="리디바탕" panose="020B0600000101010101" pitchFamily="34" charset="-127"/>
-                <a:ea typeface="리디바탕" panose="020B0600000101010101" pitchFamily="34" charset="-127"/>
-              </a:rPr>
-              <a:t> 유용하다</a:t>
-            </a:r>
-            <a:r>
-              <a:rPr lang="en-US" altLang="ko-KR" dirty="0">
-                <a:latin typeface="리디바탕" panose="020B0600000101010101" pitchFamily="34" charset="-127"/>
-                <a:ea typeface="리디바탕" panose="020B0600000101010101" pitchFamily="34" charset="-127"/>
-              </a:rPr>
-              <a:t>.</a:t>
-            </a:r>
-            <a:endParaRPr lang="ko-KR" altLang="en-US" dirty="0">
-              <a:latin typeface="리디바탕" panose="020B0600000101010101" pitchFamily="34" charset="-127"/>
-              <a:ea typeface="리디바탕" panose="020B0600000101010101" pitchFamily="34" charset="-127"/>
-            </a:endParaRPr>
-          </a:p>
-        </p:txBody>
-      </p:sp>
+        </p:spPr>
+      </p:pic>
     </p:spTree>
     <p:extLst>
       <p:ext uri="{BB962C8B-B14F-4D97-AF65-F5344CB8AC3E}">
-        <p14:creationId xmlns:p14="http://schemas.microsoft.com/office/powerpoint/2010/main" val="507125064"/>
+        <p14:creationId xmlns:p14="http://schemas.microsoft.com/office/powerpoint/2010/main" val="1335805164"/>
       </p:ext>
     </p:extLst>
   </p:cSld>
@@ -7072,14 +7019,14 @@
       </p:grpSpPr>
       <p:sp>
         <p:nvSpPr>
-          <p:cNvPr id="2" name="TextBox 1"/>
+          <p:cNvPr id="3" name="TextBox 2"/>
           <p:cNvSpPr txBox="1"/>
           <p:nvPr/>
         </p:nvSpPr>
         <p:spPr>
           <a:xfrm>
-            <a:off x="0" y="822851"/>
-            <a:ext cx="12192000" cy="663258"/>
+            <a:off x="6210300" y="2086533"/>
+            <a:ext cx="5596851" cy="1671227"/>
           </a:xfrm>
           <a:prstGeom prst="rect">
             <a:avLst/>
@@ -7092,55 +7039,72 @@
           </a:bodyPr>
           <a:lstStyle/>
           <a:p>
-            <a:pPr algn="ctr">
+            <a:pPr>
               <a:lnSpc>
-                <a:spcPct val="150000"/>
+                <a:spcPct val="200000"/>
               </a:lnSpc>
             </a:pPr>
             <a:r>
-              <a:rPr lang="en-US" altLang="ko-KR" sz="2800" dirty="0">
-                <a:latin typeface="리디바탕" panose="020B0600000101010101" pitchFamily="34" charset="-127"/>
-                <a:ea typeface="리디바탕" panose="020B0600000101010101" pitchFamily="34" charset="-127"/>
-              </a:rPr>
-              <a:t>Dictionary Node</a:t>
-            </a:r>
-          </a:p>
-        </p:txBody>
-      </p:sp>
-      <p:pic>
-        <p:nvPicPr>
-          <p:cNvPr id="4" name="그림 3">
-            <a:extLst>
-              <a:ext uri="{FF2B5EF4-FFF2-40B4-BE49-F238E27FC236}">
-                <a16:creationId xmlns:a16="http://schemas.microsoft.com/office/drawing/2014/main" id="{FE2469EE-6FAA-A5D0-C7A5-8F295FC68070}"/>
-              </a:ext>
-            </a:extLst>
-          </p:cNvPr>
-          <p:cNvPicPr>
-            <a:picLocks noChangeAspect="1"/>
-          </p:cNvPicPr>
-          <p:nvPr/>
-        </p:nvPicPr>
-        <p:blipFill>
-          <a:blip r:embed="rId2"/>
-          <a:stretch>
-            <a:fillRect/>
-          </a:stretch>
-        </p:blipFill>
-        <p:spPr>
-          <a:xfrm>
-            <a:off x="489755" y="1758853"/>
-            <a:ext cx="11212490" cy="4544059"/>
-          </a:xfrm>
-          <a:prstGeom prst="rect">
-            <a:avLst/>
-          </a:prstGeom>
-        </p:spPr>
-      </p:pic>
+              <a:rPr lang="ko-KR" altLang="en-US" dirty="0">
+                <a:latin typeface="리디바탕" panose="020B0600000101010101" pitchFamily="34" charset="-127"/>
+                <a:ea typeface="리디바탕" panose="020B0600000101010101" pitchFamily="34" charset="-127"/>
+              </a:rPr>
+              <a:t>이런 스파게티를 방지하기 위한 도구로</a:t>
+            </a:r>
+            <a:endParaRPr lang="en-US" altLang="ko-KR" dirty="0">
+              <a:latin typeface="리디바탕" panose="020B0600000101010101" pitchFamily="34" charset="-127"/>
+              <a:ea typeface="리디바탕" panose="020B0600000101010101" pitchFamily="34" charset="-127"/>
+            </a:endParaRPr>
+          </a:p>
+          <a:p>
+            <a:pPr>
+              <a:lnSpc>
+                <a:spcPct val="200000"/>
+              </a:lnSpc>
+            </a:pPr>
+            <a:endParaRPr lang="en-US" altLang="ko-KR" dirty="0">
+              <a:latin typeface="리디바탕" panose="020B0600000101010101" pitchFamily="34" charset="-127"/>
+              <a:ea typeface="리디바탕" panose="020B0600000101010101" pitchFamily="34" charset="-127"/>
+            </a:endParaRPr>
+          </a:p>
+          <a:p>
+            <a:pPr>
+              <a:lnSpc>
+                <a:spcPct val="200000"/>
+              </a:lnSpc>
+            </a:pPr>
+            <a:r>
+              <a:rPr lang="ko-KR" altLang="en-US" dirty="0" err="1">
+                <a:latin typeface="리디바탕" panose="020B0600000101010101" pitchFamily="34" charset="-127"/>
+                <a:ea typeface="리디바탕" panose="020B0600000101010101" pitchFamily="34" charset="-127"/>
+              </a:rPr>
+              <a:t>딕셔너리는</a:t>
+            </a:r>
+            <a:r>
+              <a:rPr lang="ko-KR" altLang="en-US" dirty="0">
+                <a:latin typeface="리디바탕" panose="020B0600000101010101" pitchFamily="34" charset="-127"/>
+                <a:ea typeface="리디바탕" panose="020B0600000101010101" pitchFamily="34" charset="-127"/>
+              </a:rPr>
+              <a:t> 유용하다</a:t>
+            </a:r>
+            <a:r>
+              <a:rPr lang="en-US" altLang="ko-KR" dirty="0">
+                <a:latin typeface="리디바탕" panose="020B0600000101010101" pitchFamily="34" charset="-127"/>
+                <a:ea typeface="리디바탕" panose="020B0600000101010101" pitchFamily="34" charset="-127"/>
+              </a:rPr>
+              <a:t>.</a:t>
+            </a:r>
+            <a:endParaRPr lang="ko-KR" altLang="en-US" dirty="0">
+              <a:latin typeface="리디바탕" panose="020B0600000101010101" pitchFamily="34" charset="-127"/>
+              <a:ea typeface="리디바탕" panose="020B0600000101010101" pitchFamily="34" charset="-127"/>
+            </a:endParaRPr>
+          </a:p>
+        </p:txBody>
+      </p:sp>
     </p:spTree>
     <p:extLst>
       <p:ext uri="{BB962C8B-B14F-4D97-AF65-F5344CB8AC3E}">
-        <p14:creationId xmlns:p14="http://schemas.microsoft.com/office/powerpoint/2010/main" val="2163851508"/>
+        <p14:creationId xmlns:p14="http://schemas.microsoft.com/office/powerpoint/2010/main" val="507125064"/>
       </p:ext>
     </p:extLst>
   </p:cSld>
@@ -7206,10 +7170,10 @@
       </p:sp>
       <p:pic>
         <p:nvPicPr>
-          <p:cNvPr id="6" name="그림 5">
+          <p:cNvPr id="4" name="그림 3">
             <a:extLst>
               <a:ext uri="{FF2B5EF4-FFF2-40B4-BE49-F238E27FC236}">
-                <a16:creationId xmlns:a16="http://schemas.microsoft.com/office/drawing/2014/main" id="{6F89F9E1-8081-F803-15BD-F16E02E183BE}"/>
+                <a16:creationId xmlns:a16="http://schemas.microsoft.com/office/drawing/2014/main" id="{FE2469EE-6FAA-A5D0-C7A5-8F295FC68070}"/>
               </a:ext>
             </a:extLst>
           </p:cNvPr>
@@ -7226,8 +7190,8 @@
         </p:blipFill>
         <p:spPr>
           <a:xfrm>
-            <a:off x="2064152" y="1625005"/>
-            <a:ext cx="8063696" cy="5053848"/>
+            <a:off x="489755" y="1758853"/>
+            <a:ext cx="11212490" cy="4544059"/>
           </a:xfrm>
           <a:prstGeom prst="rect">
             <a:avLst/>
@@ -7237,7 +7201,7 @@
     </p:spTree>
     <p:extLst>
       <p:ext uri="{BB962C8B-B14F-4D97-AF65-F5344CB8AC3E}">
-        <p14:creationId xmlns:p14="http://schemas.microsoft.com/office/powerpoint/2010/main" val="2159976132"/>
+        <p14:creationId xmlns:p14="http://schemas.microsoft.com/office/powerpoint/2010/main" val="2163851508"/>
       </p:ext>
     </p:extLst>
   </p:cSld>
@@ -7380,7 +7344,7 @@
         <p:spPr>
           <a:xfrm>
             <a:off x="0" y="822851"/>
-            <a:ext cx="12192000" cy="1384995"/>
+            <a:ext cx="12192000" cy="663258"/>
           </a:xfrm>
           <a:prstGeom prst="rect">
             <a:avLst/>
@@ -7403,384 +7367,45 @@
                 <a:latin typeface="리디바탕" panose="020B0600000101010101" pitchFamily="34" charset="-127"/>
                 <a:ea typeface="리디바탕" panose="020B0600000101010101" pitchFamily="34" charset="-127"/>
               </a:rPr>
-              <a:t>Dictionary </a:t>
-            </a:r>
-            <a:r>
-              <a:rPr lang="ko-KR" altLang="en-US" sz="2800" dirty="0">
-                <a:latin typeface="리디바탕" panose="020B0600000101010101" pitchFamily="34" charset="-127"/>
-                <a:ea typeface="리디바탕" panose="020B0600000101010101" pitchFamily="34" charset="-127"/>
-              </a:rPr>
-              <a:t>가 코드의 복잡도를 낮출 수 있는 이유는</a:t>
-            </a:r>
-            <a:r>
-              <a:rPr lang="en-US" altLang="ko-KR" sz="2800" dirty="0">
-                <a:latin typeface="리디바탕" panose="020B0600000101010101" pitchFamily="34" charset="-127"/>
-                <a:ea typeface="리디바탕" panose="020B0600000101010101" pitchFamily="34" charset="-127"/>
-              </a:rPr>
-              <a:t>?</a:t>
-            </a:r>
-          </a:p>
-          <a:p>
-            <a:pPr algn="ctr">
-              <a:lnSpc>
-                <a:spcPct val="150000"/>
-              </a:lnSpc>
-            </a:pPr>
-            <a:r>
-              <a:rPr lang="en-US" altLang="ko-KR" sz="2800" dirty="0">
-                <a:latin typeface="리디바탕" panose="020B0600000101010101" pitchFamily="34" charset="-127"/>
-                <a:ea typeface="리디바탕" panose="020B0600000101010101" pitchFamily="34" charset="-127"/>
-              </a:rPr>
-              <a:t>&gt; </a:t>
-            </a:r>
-            <a:r>
-              <a:rPr lang="ko-KR" altLang="en-US" sz="2800" dirty="0">
-                <a:solidFill>
-                  <a:srgbClr val="FF00FF"/>
-                </a:solidFill>
-                <a:latin typeface="리디바탕" panose="020B0600000101010101" pitchFamily="34" charset="-127"/>
-                <a:ea typeface="리디바탕" panose="020B0600000101010101" pitchFamily="34" charset="-127"/>
-              </a:rPr>
-              <a:t>명시적</a:t>
-            </a:r>
-            <a:r>
-              <a:rPr lang="ko-KR" altLang="en-US" sz="2800" dirty="0">
-                <a:latin typeface="리디바탕" panose="020B0600000101010101" pitchFamily="34" charset="-127"/>
-                <a:ea typeface="리디바탕" panose="020B0600000101010101" pitchFamily="34" charset="-127"/>
-              </a:rPr>
-              <a:t> 키를 사용하기 때문</a:t>
-            </a:r>
-            <a:endParaRPr lang="en-US" altLang="ko-KR" sz="2800" dirty="0">
-              <a:latin typeface="리디바탕" panose="020B0600000101010101" pitchFamily="34" charset="-127"/>
-              <a:ea typeface="리디바탕" panose="020B0600000101010101" pitchFamily="34" charset="-127"/>
-            </a:endParaRPr>
-          </a:p>
-        </p:txBody>
-      </p:sp>
-      <p:sp>
-        <p:nvSpPr>
-          <p:cNvPr id="3" name="TextBox 2"/>
-          <p:cNvSpPr txBox="1"/>
-          <p:nvPr/>
-        </p:nvSpPr>
-        <p:spPr>
-          <a:xfrm>
-            <a:off x="4013734" y="2516897"/>
-            <a:ext cx="3493971" cy="1384995"/>
+              <a:t>Dictionary Node</a:t>
+            </a:r>
+          </a:p>
+        </p:txBody>
+      </p:sp>
+      <p:pic>
+        <p:nvPicPr>
+          <p:cNvPr id="6" name="그림 5">
+            <a:extLst>
+              <a:ext uri="{FF2B5EF4-FFF2-40B4-BE49-F238E27FC236}">
+                <a16:creationId xmlns:a16="http://schemas.microsoft.com/office/drawing/2014/main" id="{6F89F9E1-8081-F803-15BD-F16E02E183BE}"/>
+              </a:ext>
+            </a:extLst>
+          </p:cNvPr>
+          <p:cNvPicPr>
+            <a:picLocks noChangeAspect="1"/>
+          </p:cNvPicPr>
+          <p:nvPr/>
+        </p:nvPicPr>
+        <p:blipFill>
+          <a:blip r:embed="rId2"/>
+          <a:stretch>
+            <a:fillRect/>
+          </a:stretch>
+        </p:blipFill>
+        <p:spPr>
+          <a:xfrm>
+            <a:off x="2064152" y="1625005"/>
+            <a:ext cx="8063696" cy="5053848"/>
           </a:xfrm>
           <a:prstGeom prst="rect">
             <a:avLst/>
           </a:prstGeom>
-          <a:noFill/>
-        </p:spPr>
-        <p:txBody>
-          <a:bodyPr wrap="square" rtlCol="0">
-            <a:spAutoFit/>
-          </a:bodyPr>
-          <a:lstStyle/>
-          <a:p>
-            <a:pPr>
-              <a:lnSpc>
-                <a:spcPct val="150000"/>
-              </a:lnSpc>
-            </a:pPr>
-            <a:r>
-              <a:rPr lang="en-US" altLang="ko-KR" sz="2800" dirty="0">
-                <a:latin typeface="리디바탕" panose="020B0600000101010101" pitchFamily="34" charset="-127"/>
-                <a:ea typeface="리디바탕" panose="020B0600000101010101" pitchFamily="34" charset="-127"/>
-              </a:rPr>
-              <a:t>Ex.) list</a:t>
-            </a:r>
-          </a:p>
-          <a:p>
-            <a:pPr>
-              <a:lnSpc>
-                <a:spcPct val="150000"/>
-              </a:lnSpc>
-            </a:pPr>
-            <a:r>
-              <a:rPr lang="en-US" altLang="ko-KR" sz="2800" dirty="0">
-                <a:latin typeface="리디바탕" panose="020B0600000101010101" pitchFamily="34" charset="-127"/>
-                <a:ea typeface="리디바탕" panose="020B0600000101010101" pitchFamily="34" charset="-127"/>
-              </a:rPr>
-              <a:t>[ A, B, C, D, E ]</a:t>
-            </a:r>
-          </a:p>
-        </p:txBody>
-      </p:sp>
-      <p:sp>
-        <p:nvSpPr>
-          <p:cNvPr id="4" name="TextBox 3"/>
-          <p:cNvSpPr txBox="1"/>
-          <p:nvPr/>
-        </p:nvSpPr>
-        <p:spPr>
-          <a:xfrm>
-            <a:off x="4013734" y="4286349"/>
-            <a:ext cx="6939815" cy="1581972"/>
-          </a:xfrm>
-          <a:prstGeom prst="rect">
-            <a:avLst/>
-          </a:prstGeom>
-          <a:noFill/>
-        </p:spPr>
-        <p:txBody>
-          <a:bodyPr wrap="square" rtlCol="0">
-            <a:spAutoFit/>
-          </a:bodyPr>
-          <a:lstStyle/>
-          <a:p>
-            <a:pPr>
-              <a:lnSpc>
-                <a:spcPct val="200000"/>
-              </a:lnSpc>
-            </a:pPr>
-            <a:r>
-              <a:rPr lang="en-US" altLang="ko-KR" sz="2800" dirty="0">
-                <a:latin typeface="리디바탕" panose="020B0600000101010101" pitchFamily="34" charset="-127"/>
-                <a:ea typeface="리디바탕" panose="020B0600000101010101" pitchFamily="34" charset="-127"/>
-              </a:rPr>
-              <a:t>[ </a:t>
-            </a:r>
-            <a:r>
-              <a:rPr lang="en-US" altLang="ko-KR" sz="2800" dirty="0">
-                <a:solidFill>
-                  <a:schemeClr val="bg1">
-                    <a:lumMod val="65000"/>
-                  </a:schemeClr>
-                </a:solidFill>
-                <a:latin typeface="리디바탕" panose="020B0600000101010101" pitchFamily="34" charset="-127"/>
-                <a:ea typeface="리디바탕" panose="020B0600000101010101" pitchFamily="34" charset="-127"/>
-              </a:rPr>
-              <a:t>0: </a:t>
-            </a:r>
-            <a:r>
-              <a:rPr lang="en-US" altLang="ko-KR" sz="2800" dirty="0">
-                <a:latin typeface="리디바탕" panose="020B0600000101010101" pitchFamily="34" charset="-127"/>
-                <a:ea typeface="리디바탕" panose="020B0600000101010101" pitchFamily="34" charset="-127"/>
-              </a:rPr>
-              <a:t>A, </a:t>
-            </a:r>
-            <a:r>
-              <a:rPr lang="en-US" altLang="ko-KR" sz="2800" dirty="0">
-                <a:solidFill>
-                  <a:schemeClr val="bg1">
-                    <a:lumMod val="65000"/>
-                  </a:schemeClr>
-                </a:solidFill>
-                <a:latin typeface="리디바탕" panose="020B0600000101010101" pitchFamily="34" charset="-127"/>
-                <a:ea typeface="리디바탕" panose="020B0600000101010101" pitchFamily="34" charset="-127"/>
-              </a:rPr>
-              <a:t>1: </a:t>
-            </a:r>
-            <a:r>
-              <a:rPr lang="en-US" altLang="ko-KR" sz="2800" dirty="0">
-                <a:latin typeface="리디바탕" panose="020B0600000101010101" pitchFamily="34" charset="-127"/>
-                <a:ea typeface="리디바탕" panose="020B0600000101010101" pitchFamily="34" charset="-127"/>
-              </a:rPr>
-              <a:t>B, </a:t>
-            </a:r>
-            <a:r>
-              <a:rPr lang="en-US" altLang="ko-KR" sz="2800" dirty="0">
-                <a:solidFill>
-                  <a:schemeClr val="bg1">
-                    <a:lumMod val="65000"/>
-                  </a:schemeClr>
-                </a:solidFill>
-                <a:latin typeface="리디바탕" panose="020B0600000101010101" pitchFamily="34" charset="-127"/>
-                <a:ea typeface="리디바탕" panose="020B0600000101010101" pitchFamily="34" charset="-127"/>
-              </a:rPr>
-              <a:t>2: </a:t>
-            </a:r>
-            <a:r>
-              <a:rPr lang="en-US" altLang="ko-KR" sz="2800" dirty="0">
-                <a:latin typeface="리디바탕" panose="020B0600000101010101" pitchFamily="34" charset="-127"/>
-                <a:ea typeface="리디바탕" panose="020B0600000101010101" pitchFamily="34" charset="-127"/>
-              </a:rPr>
-              <a:t>C, </a:t>
-            </a:r>
-            <a:r>
-              <a:rPr lang="en-US" altLang="ko-KR" sz="2800" dirty="0">
-                <a:solidFill>
-                  <a:schemeClr val="bg1">
-                    <a:lumMod val="65000"/>
-                  </a:schemeClr>
-                </a:solidFill>
-                <a:latin typeface="리디바탕" panose="020B0600000101010101" pitchFamily="34" charset="-127"/>
-                <a:ea typeface="리디바탕" panose="020B0600000101010101" pitchFamily="34" charset="-127"/>
-              </a:rPr>
-              <a:t>3: </a:t>
-            </a:r>
-            <a:r>
-              <a:rPr lang="en-US" altLang="ko-KR" sz="2800" dirty="0">
-                <a:latin typeface="리디바탕" panose="020B0600000101010101" pitchFamily="34" charset="-127"/>
-                <a:ea typeface="리디바탕" panose="020B0600000101010101" pitchFamily="34" charset="-127"/>
-              </a:rPr>
-              <a:t>D, </a:t>
-            </a:r>
-            <a:r>
-              <a:rPr lang="en-US" altLang="ko-KR" sz="2800" dirty="0">
-                <a:solidFill>
-                  <a:schemeClr val="bg1">
-                    <a:lumMod val="65000"/>
-                  </a:schemeClr>
-                </a:solidFill>
-                <a:latin typeface="리디바탕" panose="020B0600000101010101" pitchFamily="34" charset="-127"/>
-                <a:ea typeface="리디바탕" panose="020B0600000101010101" pitchFamily="34" charset="-127"/>
-              </a:rPr>
-              <a:t>4: </a:t>
-            </a:r>
-            <a:r>
-              <a:rPr lang="en-US" altLang="ko-KR" sz="2800" dirty="0">
-                <a:latin typeface="리디바탕" panose="020B0600000101010101" pitchFamily="34" charset="-127"/>
-                <a:ea typeface="리디바탕" panose="020B0600000101010101" pitchFamily="34" charset="-127"/>
-              </a:rPr>
-              <a:t>E ]</a:t>
-            </a:r>
-          </a:p>
-          <a:p>
-            <a:pPr>
-              <a:lnSpc>
-                <a:spcPct val="200000"/>
-              </a:lnSpc>
-            </a:pPr>
-            <a:r>
-              <a:rPr lang="ko-KR" altLang="en-US" sz="2400" dirty="0">
-                <a:latin typeface="리디바탕" panose="020B0600000101010101" pitchFamily="34" charset="-127"/>
-                <a:ea typeface="리디바탕" panose="020B0600000101010101" pitchFamily="34" charset="-127"/>
-              </a:rPr>
-              <a:t>리스트는 </a:t>
-            </a:r>
-            <a:r>
-              <a:rPr lang="ko-KR" altLang="en-US" sz="2400" dirty="0">
-                <a:solidFill>
-                  <a:schemeClr val="bg1">
-                    <a:lumMod val="50000"/>
-                  </a:schemeClr>
-                </a:solidFill>
-                <a:latin typeface="리디바탕" panose="020B0600000101010101" pitchFamily="34" charset="-127"/>
-                <a:ea typeface="리디바탕" panose="020B0600000101010101" pitchFamily="34" charset="-127"/>
-              </a:rPr>
-              <a:t>암시적 키 값</a:t>
-            </a:r>
-            <a:r>
-              <a:rPr lang="en-US" altLang="ko-KR" sz="2400" dirty="0">
-                <a:latin typeface="리디바탕" panose="020B0600000101010101" pitchFamily="34" charset="-127"/>
-                <a:ea typeface="리디바탕" panose="020B0600000101010101" pitchFamily="34" charset="-127"/>
-              </a:rPr>
-              <a:t>(</a:t>
-            </a:r>
-            <a:r>
-              <a:rPr lang="ko-KR" altLang="en-US" sz="2400" dirty="0">
-                <a:latin typeface="리디바탕" panose="020B0600000101010101" pitchFamily="34" charset="-127"/>
-                <a:ea typeface="리디바탕" panose="020B0600000101010101" pitchFamily="34" charset="-127"/>
-              </a:rPr>
-              <a:t>인덱스 넘버</a:t>
-            </a:r>
-            <a:r>
-              <a:rPr lang="en-US" altLang="ko-KR" sz="2400" dirty="0">
-                <a:latin typeface="리디바탕" panose="020B0600000101010101" pitchFamily="34" charset="-127"/>
-                <a:ea typeface="리디바탕" panose="020B0600000101010101" pitchFamily="34" charset="-127"/>
-              </a:rPr>
-              <a:t>)</a:t>
-            </a:r>
-            <a:r>
-              <a:rPr lang="ko-KR" altLang="en-US" sz="2400" dirty="0">
-                <a:latin typeface="리디바탕" panose="020B0600000101010101" pitchFamily="34" charset="-127"/>
-                <a:ea typeface="리디바탕" panose="020B0600000101010101" pitchFamily="34" charset="-127"/>
-              </a:rPr>
-              <a:t> 사용하는 컬렉션</a:t>
-            </a:r>
-            <a:endParaRPr lang="en-US" altLang="ko-KR" sz="2400" dirty="0">
-              <a:latin typeface="리디바탕" panose="020B0600000101010101" pitchFamily="34" charset="-127"/>
-              <a:ea typeface="리디바탕" panose="020B0600000101010101" pitchFamily="34" charset="-127"/>
-            </a:endParaRPr>
-          </a:p>
-        </p:txBody>
-      </p:sp>
-      <p:cxnSp>
-        <p:nvCxnSpPr>
-          <p:cNvPr id="6" name="직선 화살표 연결선 5"/>
-          <p:cNvCxnSpPr/>
-          <p:nvPr/>
-        </p:nvCxnSpPr>
-        <p:spPr>
-          <a:xfrm>
-            <a:off x="5159141" y="3830855"/>
-            <a:ext cx="0" cy="539014"/>
-          </a:xfrm>
-          <a:prstGeom prst="straightConnector1">
-            <a:avLst/>
-          </a:prstGeom>
-          <a:ln w="12700">
-            <a:solidFill>
-              <a:schemeClr val="tx1"/>
-            </a:solidFill>
-            <a:tailEnd type="triangle"/>
-          </a:ln>
-        </p:spPr>
-        <p:style>
-          <a:lnRef idx="1">
-            <a:schemeClr val="accent1"/>
-          </a:lnRef>
-          <a:fillRef idx="0">
-            <a:schemeClr val="accent1"/>
-          </a:fillRef>
-          <a:effectRef idx="0">
-            <a:schemeClr val="accent1"/>
-          </a:effectRef>
-          <a:fontRef idx="minor">
-            <a:schemeClr val="tx1"/>
-          </a:fontRef>
-        </p:style>
-      </p:cxnSp>
-      <p:sp>
-        <p:nvSpPr>
-          <p:cNvPr id="7" name="직사각형 6"/>
-          <p:cNvSpPr/>
-          <p:nvPr/>
-        </p:nvSpPr>
-        <p:spPr>
-          <a:xfrm>
-            <a:off x="5159141" y="3875321"/>
-            <a:ext cx="679994" cy="337015"/>
-          </a:xfrm>
-          <a:prstGeom prst="rect">
-            <a:avLst/>
-          </a:prstGeom>
-        </p:spPr>
-        <p:txBody>
-          <a:bodyPr wrap="none">
-            <a:spAutoFit/>
-          </a:bodyPr>
-          <a:lstStyle/>
-          <a:p>
-            <a:pPr>
-              <a:lnSpc>
-                <a:spcPct val="150000"/>
-              </a:lnSpc>
-            </a:pPr>
-            <a:r>
-              <a:rPr lang="ko-KR" altLang="en-US" sz="1200" dirty="0">
-                <a:latin typeface="리디바탕" panose="020B0600000101010101" pitchFamily="34" charset="-127"/>
-                <a:ea typeface="리디바탕" panose="020B0600000101010101" pitchFamily="34" charset="-127"/>
-              </a:rPr>
-              <a:t>사실은</a:t>
-            </a:r>
-            <a:r>
-              <a:rPr lang="en-US" altLang="ko-KR" sz="1200" dirty="0">
-                <a:latin typeface="리디바탕" panose="020B0600000101010101" pitchFamily="34" charset="-127"/>
-                <a:ea typeface="리디바탕" panose="020B0600000101010101" pitchFamily="34" charset="-127"/>
-              </a:rPr>
-              <a:t>..</a:t>
-            </a:r>
-          </a:p>
-        </p:txBody>
-      </p:sp>
+        </p:spPr>
+      </p:pic>
     </p:spTree>
     <p:extLst>
       <p:ext uri="{BB962C8B-B14F-4D97-AF65-F5344CB8AC3E}">
-        <p14:creationId xmlns:p14="http://schemas.microsoft.com/office/powerpoint/2010/main" val="956909853"/>
+        <p14:creationId xmlns:p14="http://schemas.microsoft.com/office/powerpoint/2010/main" val="2159976132"/>
       </p:ext>
     </p:extLst>
   </p:cSld>
@@ -7816,7 +7441,7 @@
         <p:spPr>
           <a:xfrm>
             <a:off x="0" y="822851"/>
-            <a:ext cx="12192000" cy="663258"/>
+            <a:ext cx="12192000" cy="1384995"/>
           </a:xfrm>
           <a:prstGeom prst="rect">
             <a:avLst/>
@@ -7856,6 +7481,92 @@
               <a:t>?</a:t>
             </a:r>
           </a:p>
+          <a:p>
+            <a:pPr algn="ctr">
+              <a:lnSpc>
+                <a:spcPct val="150000"/>
+              </a:lnSpc>
+            </a:pPr>
+            <a:r>
+              <a:rPr lang="en-US" altLang="ko-KR" sz="2800" dirty="0">
+                <a:latin typeface="리디바탕" panose="020B0600000101010101" pitchFamily="34" charset="-127"/>
+                <a:ea typeface="리디바탕" panose="020B0600000101010101" pitchFamily="34" charset="-127"/>
+              </a:rPr>
+              <a:t>&gt; </a:t>
+            </a:r>
+            <a:r>
+              <a:rPr lang="ko-KR" altLang="en-US" sz="2800" dirty="0">
+                <a:solidFill>
+                  <a:srgbClr val="FF00FF"/>
+                </a:solidFill>
+                <a:latin typeface="리디바탕" panose="020B0600000101010101" pitchFamily="34" charset="-127"/>
+                <a:ea typeface="리디바탕" panose="020B0600000101010101" pitchFamily="34" charset="-127"/>
+              </a:rPr>
+              <a:t>명시적</a:t>
+            </a:r>
+            <a:r>
+              <a:rPr lang="ko-KR" altLang="en-US" sz="2800" dirty="0">
+                <a:latin typeface="리디바탕" panose="020B0600000101010101" pitchFamily="34" charset="-127"/>
+                <a:ea typeface="리디바탕" panose="020B0600000101010101" pitchFamily="34" charset="-127"/>
+              </a:rPr>
+              <a:t> 키를 사용하기 때문</a:t>
+            </a:r>
+            <a:endParaRPr lang="en-US" altLang="ko-KR" sz="2800" dirty="0">
+              <a:latin typeface="리디바탕" panose="020B0600000101010101" pitchFamily="34" charset="-127"/>
+              <a:ea typeface="리디바탕" panose="020B0600000101010101" pitchFamily="34" charset="-127"/>
+            </a:endParaRPr>
+          </a:p>
+        </p:txBody>
+      </p:sp>
+      <p:sp>
+        <p:nvSpPr>
+          <p:cNvPr id="3" name="TextBox 2"/>
+          <p:cNvSpPr txBox="1"/>
+          <p:nvPr/>
+        </p:nvSpPr>
+        <p:spPr>
+          <a:xfrm>
+            <a:off x="4013734" y="2516897"/>
+            <a:ext cx="3493971" cy="1384995"/>
+          </a:xfrm>
+          <a:prstGeom prst="rect">
+            <a:avLst/>
+          </a:prstGeom>
+          <a:noFill/>
+        </p:spPr>
+        <p:txBody>
+          <a:bodyPr wrap="square" rtlCol="0">
+            <a:spAutoFit/>
+          </a:bodyPr>
+          <a:lstStyle/>
+          <a:p>
+            <a:pPr>
+              <a:lnSpc>
+                <a:spcPct val="150000"/>
+              </a:lnSpc>
+            </a:pPr>
+            <a:r>
+              <a:rPr lang="en-US" altLang="ko-KR" sz="2800" dirty="0">
+                <a:latin typeface="리디바탕" panose="020B0600000101010101" pitchFamily="34" charset="-127"/>
+                <a:ea typeface="리디바탕" panose="020B0600000101010101" pitchFamily="34" charset="-127"/>
+              </a:rPr>
+              <a:t>Ex.) list</a:t>
+            </a:r>
+          </a:p>
+          <a:p>
+            <a:pPr>
+              <a:lnSpc>
+                <a:spcPct val="150000"/>
+              </a:lnSpc>
+            </a:pPr>
+            <a:r>
+              <a:rPr lang="en-US" altLang="ko-KR" sz="2800" dirty="0">
+                <a:latin typeface="리디바탕" panose="020B0600000101010101" pitchFamily="34" charset="-127"/>
+                <a:ea typeface="리디바탕" panose="020B0600000101010101" pitchFamily="34" charset="-127"/>
+              </a:rPr>
+              <a:t>[ A, B, C, D, E ]</a:t>
+            </a:r>
+          </a:p>
         </p:txBody>
       </p:sp>
       <p:sp>
@@ -7866,8 +7577,8 @@
         </p:nvSpPr>
         <p:spPr>
           <a:xfrm>
-            <a:off x="4013734" y="1745279"/>
-            <a:ext cx="6939815" cy="3670236"/>
+            <a:off x="4013734" y="4286349"/>
+            <a:ext cx="6939815" cy="1581972"/>
           </a:xfrm>
           <a:prstGeom prst="rect">
             <a:avLst/>
@@ -7999,13 +7710,111 @@
                 <a:latin typeface="리디바탕" panose="020B0600000101010101" pitchFamily="34" charset="-127"/>
                 <a:ea typeface="리디바탕" panose="020B0600000101010101" pitchFamily="34" charset="-127"/>
               </a:rPr>
-              <a:t>이러한 리스트에서</a:t>
+              <a:t>리스트는 </a:t>
+            </a:r>
+            <a:r>
+              <a:rPr lang="ko-KR" altLang="en-US" sz="2400" dirty="0">
+                <a:solidFill>
+                  <a:schemeClr val="bg1">
+                    <a:lumMod val="50000"/>
+                  </a:schemeClr>
+                </a:solidFill>
+                <a:latin typeface="리디바탕" panose="020B0600000101010101" pitchFamily="34" charset="-127"/>
+                <a:ea typeface="리디바탕" panose="020B0600000101010101" pitchFamily="34" charset="-127"/>
+              </a:rPr>
+              <a:t>암시적 키 값</a:t>
+            </a:r>
+            <a:r>
+              <a:rPr lang="en-US" altLang="ko-KR" sz="2400" dirty="0">
+                <a:latin typeface="리디바탕" panose="020B0600000101010101" pitchFamily="34" charset="-127"/>
+                <a:ea typeface="리디바탕" panose="020B0600000101010101" pitchFamily="34" charset="-127"/>
+              </a:rPr>
+              <a:t>(</a:t>
+            </a:r>
+            <a:r>
+              <a:rPr lang="ko-KR" altLang="en-US" sz="2400" dirty="0">
+                <a:latin typeface="리디바탕" panose="020B0600000101010101" pitchFamily="34" charset="-127"/>
+                <a:ea typeface="리디바탕" panose="020B0600000101010101" pitchFamily="34" charset="-127"/>
+              </a:rPr>
+              <a:t>인덱스 넘버</a:t>
+            </a:r>
+            <a:r>
+              <a:rPr lang="en-US" altLang="ko-KR" sz="2400" dirty="0">
+                <a:latin typeface="리디바탕" panose="020B0600000101010101" pitchFamily="34" charset="-127"/>
+                <a:ea typeface="리디바탕" panose="020B0600000101010101" pitchFamily="34" charset="-127"/>
+              </a:rPr>
+              <a:t>)</a:t>
+            </a:r>
+            <a:r>
+              <a:rPr lang="ko-KR" altLang="en-US" sz="2400" dirty="0">
+                <a:latin typeface="리디바탕" panose="020B0600000101010101" pitchFamily="34" charset="-127"/>
+                <a:ea typeface="리디바탕" panose="020B0600000101010101" pitchFamily="34" charset="-127"/>
+              </a:rPr>
+              <a:t> 사용하는 컬렉션</a:t>
             </a:r>
             <a:endParaRPr lang="en-US" altLang="ko-KR" sz="2400" dirty="0">
               <a:latin typeface="리디바탕" panose="020B0600000101010101" pitchFamily="34" charset="-127"/>
               <a:ea typeface="리디바탕" panose="020B0600000101010101" pitchFamily="34" charset="-127"/>
             </a:endParaRPr>
           </a:p>
+        </p:txBody>
+      </p:sp>
+      <p:cxnSp>
+        <p:nvCxnSpPr>
+          <p:cNvPr id="6" name="직선 화살표 연결선 5"/>
+          <p:cNvCxnSpPr/>
+          <p:nvPr/>
+        </p:nvCxnSpPr>
+        <p:spPr>
+          <a:xfrm>
+            <a:off x="5159141" y="3830855"/>
+            <a:ext cx="0" cy="539014"/>
+          </a:xfrm>
+          <a:prstGeom prst="straightConnector1">
+            <a:avLst/>
+          </a:prstGeom>
+          <a:ln w="12700">
+            <a:solidFill>
+              <a:schemeClr val="tx1"/>
+            </a:solidFill>
+            <a:tailEnd type="triangle"/>
+          </a:ln>
+        </p:spPr>
+        <p:style>
+          <a:lnRef idx="1">
+            <a:schemeClr val="accent1"/>
+          </a:lnRef>
+          <a:fillRef idx="0">
+            <a:schemeClr val="accent1"/>
+          </a:fillRef>
+          <a:effectRef idx="0">
+            <a:schemeClr val="accent1"/>
+          </a:effectRef>
+          <a:fontRef idx="minor">
+            <a:schemeClr val="tx1"/>
+          </a:fontRef>
+        </p:style>
+      </p:cxnSp>
+      <p:sp>
+        <p:nvSpPr>
+          <p:cNvPr id="7" name="직사각형 6"/>
+          <p:cNvSpPr/>
+          <p:nvPr/>
+        </p:nvSpPr>
+        <p:spPr>
+          <a:xfrm>
+            <a:off x="5159141" y="3875321"/>
+            <a:ext cx="679994" cy="337015"/>
+          </a:xfrm>
+          <a:prstGeom prst="rect">
+            <a:avLst/>
+          </a:prstGeom>
+        </p:spPr>
+        <p:txBody>
+          <a:bodyPr wrap="none">
+            <a:spAutoFit/>
+          </a:bodyPr>
+          <a:lstStyle/>
           <a:p>
             <a:pPr>
               <a:lnSpc>
@@ -8013,112 +7822,18 @@
               </a:lnSpc>
             </a:pPr>
             <a:r>
-              <a:rPr lang="ko-KR" altLang="en-US" sz="2400" dirty="0">
-                <a:solidFill>
-                  <a:schemeClr val="bg1">
-                    <a:lumMod val="50000"/>
-                  </a:schemeClr>
-                </a:solidFill>
-                <a:latin typeface="리디바탕" panose="020B0600000101010101" pitchFamily="34" charset="-127"/>
-                <a:ea typeface="리디바탕" panose="020B0600000101010101" pitchFamily="34" charset="-127"/>
-              </a:rPr>
-              <a:t>암시적 키 값</a:t>
-            </a:r>
-            <a:r>
-              <a:rPr lang="en-US" altLang="ko-KR" sz="2400" dirty="0">
-                <a:latin typeface="리디바탕" panose="020B0600000101010101" pitchFamily="34" charset="-127"/>
-                <a:ea typeface="리디바탕" panose="020B0600000101010101" pitchFamily="34" charset="-127"/>
-              </a:rPr>
-              <a:t>(</a:t>
-            </a:r>
-            <a:r>
-              <a:rPr lang="ko-KR" altLang="en-US" sz="2400" dirty="0">
-                <a:latin typeface="리디바탕" panose="020B0600000101010101" pitchFamily="34" charset="-127"/>
-                <a:ea typeface="리디바탕" panose="020B0600000101010101" pitchFamily="34" charset="-127"/>
-              </a:rPr>
-              <a:t>인덱스 넘버</a:t>
-            </a:r>
-            <a:r>
-              <a:rPr lang="en-US" altLang="ko-KR" sz="2400" dirty="0">
-                <a:latin typeface="리디바탕" panose="020B0600000101010101" pitchFamily="34" charset="-127"/>
-                <a:ea typeface="리디바탕" panose="020B0600000101010101" pitchFamily="34" charset="-127"/>
-              </a:rPr>
-              <a:t>)</a:t>
-            </a:r>
-            <a:r>
-              <a:rPr lang="ko-KR" altLang="en-US" sz="2400" dirty="0">
-                <a:latin typeface="리디바탕" panose="020B0600000101010101" pitchFamily="34" charset="-127"/>
-                <a:ea typeface="리디바탕" panose="020B0600000101010101" pitchFamily="34" charset="-127"/>
-              </a:rPr>
-              <a:t>는</a:t>
-            </a:r>
-            <a:endParaRPr lang="en-US" altLang="ko-KR" sz="2400" dirty="0">
-              <a:latin typeface="리디바탕" panose="020B0600000101010101" pitchFamily="34" charset="-127"/>
-              <a:ea typeface="리디바탕" panose="020B0600000101010101" pitchFamily="34" charset="-127"/>
-            </a:endParaRPr>
-          </a:p>
-          <a:p>
-            <a:pPr>
-              <a:lnSpc>
-                <a:spcPct val="150000"/>
-              </a:lnSpc>
-            </a:pPr>
-            <a:endParaRPr lang="en-US" altLang="ko-KR" sz="2400" dirty="0">
-              <a:latin typeface="리디바탕" panose="020B0600000101010101" pitchFamily="34" charset="-127"/>
-              <a:ea typeface="리디바탕" panose="020B0600000101010101" pitchFamily="34" charset="-127"/>
-            </a:endParaRPr>
-          </a:p>
-          <a:p>
-            <a:pPr>
-              <a:lnSpc>
-                <a:spcPct val="150000"/>
-              </a:lnSpc>
-            </a:pPr>
-            <a:r>
-              <a:rPr lang="ko-KR" altLang="en-US" sz="2000" dirty="0">
-                <a:latin typeface="리디바탕" panose="020B0600000101010101" pitchFamily="34" charset="-127"/>
-                <a:ea typeface="리디바탕" panose="020B0600000101010101" pitchFamily="34" charset="-127"/>
-              </a:rPr>
-              <a:t>자신에게 대응되는 </a:t>
-            </a:r>
-            <a:r>
-              <a:rPr lang="en-US" altLang="ko-KR" sz="2000" dirty="0">
-                <a:latin typeface="리디바탕" panose="020B0600000101010101" pitchFamily="34" charset="-127"/>
-                <a:ea typeface="리디바탕" panose="020B0600000101010101" pitchFamily="34" charset="-127"/>
-              </a:rPr>
-              <a:t>value </a:t>
-            </a:r>
-            <a:r>
-              <a:rPr lang="ko-KR" altLang="en-US" sz="2000" dirty="0">
-                <a:latin typeface="리디바탕" panose="020B0600000101010101" pitchFamily="34" charset="-127"/>
-                <a:ea typeface="리디바탕" panose="020B0600000101010101" pitchFamily="34" charset="-127"/>
-              </a:rPr>
-              <a:t>들에 대한</a:t>
-            </a:r>
-            <a:endParaRPr lang="en-US" altLang="ko-KR" sz="2000" dirty="0">
-              <a:latin typeface="리디바탕" panose="020B0600000101010101" pitchFamily="34" charset="-127"/>
-              <a:ea typeface="리디바탕" panose="020B0600000101010101" pitchFamily="34" charset="-127"/>
-            </a:endParaRPr>
-          </a:p>
-          <a:p>
-            <a:pPr>
-              <a:lnSpc>
-                <a:spcPct val="150000"/>
-              </a:lnSpc>
-            </a:pPr>
-            <a:r>
-              <a:rPr lang="ko-KR" altLang="en-US" sz="2000" dirty="0">
-                <a:latin typeface="리디바탕" panose="020B0600000101010101" pitchFamily="34" charset="-127"/>
-                <a:ea typeface="리디바탕" panose="020B0600000101010101" pitchFamily="34" charset="-127"/>
-              </a:rPr>
-              <a:t>어떤 정보도 사용자에게 제공하지 못한다</a:t>
-            </a:r>
-            <a:r>
-              <a:rPr lang="en-US" altLang="ko-KR" sz="2000" dirty="0">
-                <a:latin typeface="리디바탕" panose="020B0600000101010101" pitchFamily="34" charset="-127"/>
-                <a:ea typeface="리디바탕" panose="020B0600000101010101" pitchFamily="34" charset="-127"/>
-              </a:rPr>
-              <a:t>.</a:t>
+              <a:rPr lang="ko-KR" altLang="en-US" sz="1200" dirty="0">
+                <a:latin typeface="리디바탕" panose="020B0600000101010101" pitchFamily="34" charset="-127"/>
+                <a:ea typeface="리디바탕" panose="020B0600000101010101" pitchFamily="34" charset="-127"/>
+              </a:rPr>
+              <a:t>사실은</a:t>
+            </a:r>
+            <a:r>
+              <a:rPr lang="en-US" altLang="ko-KR" sz="1200" dirty="0">
+                <a:latin typeface="리디바탕" panose="020B0600000101010101" pitchFamily="34" charset="-127"/>
+                <a:ea typeface="리디바탕" panose="020B0600000101010101" pitchFamily="34" charset="-127"/>
+              </a:rPr>
+              <a:t>..</a:t>
             </a:r>
           </a:p>
         </p:txBody>
@@ -8126,7 +7841,7 @@
     </p:spTree>
     <p:extLst>
       <p:ext uri="{BB962C8B-B14F-4D97-AF65-F5344CB8AC3E}">
-        <p14:creationId xmlns:p14="http://schemas.microsoft.com/office/powerpoint/2010/main" val="2959006557"/>
+        <p14:creationId xmlns:p14="http://schemas.microsoft.com/office/powerpoint/2010/main" val="956909853"/>
       </p:ext>
     </p:extLst>
   </p:cSld>
@@ -8161,8 +7876,8 @@
         </p:nvSpPr>
         <p:spPr>
           <a:xfrm>
-            <a:off x="986972" y="4022717"/>
-            <a:ext cx="10746224" cy="738664"/>
+            <a:off x="0" y="822851"/>
+            <a:ext cx="12192000" cy="663258"/>
           </a:xfrm>
           <a:prstGeom prst="rect">
             <a:avLst/>
@@ -8174,6 +7889,184 @@
             <a:spAutoFit/>
           </a:bodyPr>
           <a:lstStyle/>
+          <a:p>
+            <a:pPr algn="ctr">
+              <a:lnSpc>
+                <a:spcPct val="150000"/>
+              </a:lnSpc>
+            </a:pPr>
+            <a:r>
+              <a:rPr lang="en-US" altLang="ko-KR" sz="2800" dirty="0">
+                <a:latin typeface="리디바탕" panose="020B0600000101010101" pitchFamily="34" charset="-127"/>
+                <a:ea typeface="리디바탕" panose="020B0600000101010101" pitchFamily="34" charset="-127"/>
+              </a:rPr>
+              <a:t>Dictionary </a:t>
+            </a:r>
+            <a:r>
+              <a:rPr lang="ko-KR" altLang="en-US" sz="2800" dirty="0">
+                <a:latin typeface="리디바탕" panose="020B0600000101010101" pitchFamily="34" charset="-127"/>
+                <a:ea typeface="리디바탕" panose="020B0600000101010101" pitchFamily="34" charset="-127"/>
+              </a:rPr>
+              <a:t>가 코드의 복잡도를 낮출 수 있는 이유는</a:t>
+            </a:r>
+            <a:r>
+              <a:rPr lang="en-US" altLang="ko-KR" sz="2800" dirty="0">
+                <a:latin typeface="리디바탕" panose="020B0600000101010101" pitchFamily="34" charset="-127"/>
+                <a:ea typeface="리디바탕" panose="020B0600000101010101" pitchFamily="34" charset="-127"/>
+              </a:rPr>
+              <a:t>?</a:t>
+            </a:r>
+          </a:p>
+        </p:txBody>
+      </p:sp>
+      <p:sp>
+        <p:nvSpPr>
+          <p:cNvPr id="4" name="TextBox 3"/>
+          <p:cNvSpPr txBox="1"/>
+          <p:nvPr/>
+        </p:nvSpPr>
+        <p:spPr>
+          <a:xfrm>
+            <a:off x="4013734" y="1745279"/>
+            <a:ext cx="6939815" cy="3670236"/>
+          </a:xfrm>
+          <a:prstGeom prst="rect">
+            <a:avLst/>
+          </a:prstGeom>
+          <a:noFill/>
+        </p:spPr>
+        <p:txBody>
+          <a:bodyPr wrap="square" rtlCol="0">
+            <a:spAutoFit/>
+          </a:bodyPr>
+          <a:lstStyle/>
+          <a:p>
+            <a:pPr>
+              <a:lnSpc>
+                <a:spcPct val="200000"/>
+              </a:lnSpc>
+            </a:pPr>
+            <a:r>
+              <a:rPr lang="en-US" altLang="ko-KR" sz="2800" dirty="0">
+                <a:latin typeface="리디바탕" panose="020B0600000101010101" pitchFamily="34" charset="-127"/>
+                <a:ea typeface="리디바탕" panose="020B0600000101010101" pitchFamily="34" charset="-127"/>
+              </a:rPr>
+              <a:t>[ </a:t>
+            </a:r>
+            <a:r>
+              <a:rPr lang="en-US" altLang="ko-KR" sz="2800" dirty="0">
+                <a:solidFill>
+                  <a:schemeClr val="bg1">
+                    <a:lumMod val="65000"/>
+                  </a:schemeClr>
+                </a:solidFill>
+                <a:latin typeface="리디바탕" panose="020B0600000101010101" pitchFamily="34" charset="-127"/>
+                <a:ea typeface="리디바탕" panose="020B0600000101010101" pitchFamily="34" charset="-127"/>
+              </a:rPr>
+              <a:t>0: </a:t>
+            </a:r>
+            <a:r>
+              <a:rPr lang="en-US" altLang="ko-KR" sz="2800" dirty="0">
+                <a:latin typeface="리디바탕" panose="020B0600000101010101" pitchFamily="34" charset="-127"/>
+                <a:ea typeface="리디바탕" panose="020B0600000101010101" pitchFamily="34" charset="-127"/>
+              </a:rPr>
+              <a:t>A, </a:t>
+            </a:r>
+            <a:r>
+              <a:rPr lang="en-US" altLang="ko-KR" sz="2800" dirty="0">
+                <a:solidFill>
+                  <a:schemeClr val="bg1">
+                    <a:lumMod val="65000"/>
+                  </a:schemeClr>
+                </a:solidFill>
+                <a:latin typeface="리디바탕" panose="020B0600000101010101" pitchFamily="34" charset="-127"/>
+                <a:ea typeface="리디바탕" panose="020B0600000101010101" pitchFamily="34" charset="-127"/>
+              </a:rPr>
+              <a:t>1: </a:t>
+            </a:r>
+            <a:r>
+              <a:rPr lang="en-US" altLang="ko-KR" sz="2800" dirty="0">
+                <a:latin typeface="리디바탕" panose="020B0600000101010101" pitchFamily="34" charset="-127"/>
+                <a:ea typeface="리디바탕" panose="020B0600000101010101" pitchFamily="34" charset="-127"/>
+              </a:rPr>
+              <a:t>B, </a:t>
+            </a:r>
+            <a:r>
+              <a:rPr lang="en-US" altLang="ko-KR" sz="2800" dirty="0">
+                <a:solidFill>
+                  <a:schemeClr val="bg1">
+                    <a:lumMod val="65000"/>
+                  </a:schemeClr>
+                </a:solidFill>
+                <a:latin typeface="리디바탕" panose="020B0600000101010101" pitchFamily="34" charset="-127"/>
+                <a:ea typeface="리디바탕" panose="020B0600000101010101" pitchFamily="34" charset="-127"/>
+              </a:rPr>
+              <a:t>2: </a:t>
+            </a:r>
+            <a:r>
+              <a:rPr lang="en-US" altLang="ko-KR" sz="2800" dirty="0">
+                <a:latin typeface="리디바탕" panose="020B0600000101010101" pitchFamily="34" charset="-127"/>
+                <a:ea typeface="리디바탕" panose="020B0600000101010101" pitchFamily="34" charset="-127"/>
+              </a:rPr>
+              <a:t>C, </a:t>
+            </a:r>
+            <a:r>
+              <a:rPr lang="en-US" altLang="ko-KR" sz="2800" dirty="0">
+                <a:solidFill>
+                  <a:schemeClr val="bg1">
+                    <a:lumMod val="65000"/>
+                  </a:schemeClr>
+                </a:solidFill>
+                <a:latin typeface="리디바탕" panose="020B0600000101010101" pitchFamily="34" charset="-127"/>
+                <a:ea typeface="리디바탕" panose="020B0600000101010101" pitchFamily="34" charset="-127"/>
+              </a:rPr>
+              <a:t>3: </a:t>
+            </a:r>
+            <a:r>
+              <a:rPr lang="en-US" altLang="ko-KR" sz="2800" dirty="0">
+                <a:latin typeface="리디바탕" panose="020B0600000101010101" pitchFamily="34" charset="-127"/>
+                <a:ea typeface="리디바탕" panose="020B0600000101010101" pitchFamily="34" charset="-127"/>
+              </a:rPr>
+              <a:t>D, </a:t>
+            </a:r>
+            <a:r>
+              <a:rPr lang="en-US" altLang="ko-KR" sz="2800" dirty="0">
+                <a:solidFill>
+                  <a:schemeClr val="bg1">
+                    <a:lumMod val="65000"/>
+                  </a:schemeClr>
+                </a:solidFill>
+                <a:latin typeface="리디바탕" panose="020B0600000101010101" pitchFamily="34" charset="-127"/>
+                <a:ea typeface="리디바탕" panose="020B0600000101010101" pitchFamily="34" charset="-127"/>
+              </a:rPr>
+              <a:t>4: </a:t>
+            </a:r>
+            <a:r>
+              <a:rPr lang="en-US" altLang="ko-KR" sz="2800" dirty="0">
+                <a:latin typeface="리디바탕" panose="020B0600000101010101" pitchFamily="34" charset="-127"/>
+                <a:ea typeface="리디바탕" panose="020B0600000101010101" pitchFamily="34" charset="-127"/>
+              </a:rPr>
+              <a:t>E ]</a:t>
+            </a:r>
+          </a:p>
+          <a:p>
+            <a:pPr>
+              <a:lnSpc>
+                <a:spcPct val="200000"/>
+              </a:lnSpc>
+            </a:pPr>
+            <a:r>
+              <a:rPr lang="ko-KR" altLang="en-US" sz="2400" dirty="0">
+                <a:latin typeface="리디바탕" panose="020B0600000101010101" pitchFamily="34" charset="-127"/>
+                <a:ea typeface="리디바탕" panose="020B0600000101010101" pitchFamily="34" charset="-127"/>
+              </a:rPr>
+              <a:t>이러한 리스트에서</a:t>
+            </a:r>
+            <a:endParaRPr lang="en-US" altLang="ko-KR" sz="2400" dirty="0">
+              <a:latin typeface="리디바탕" panose="020B0600000101010101" pitchFamily="34" charset="-127"/>
+              <a:ea typeface="리디바탕" panose="020B0600000101010101" pitchFamily="34" charset="-127"/>
+            </a:endParaRPr>
+          </a:p>
           <a:p>
             <a:pPr>
               <a:lnSpc>
@@ -8181,683 +8074,60 @@
               </a:lnSpc>
             </a:pPr>
             <a:r>
-              <a:rPr lang="en-US" altLang="ko-KR" sz="2800" dirty="0">
-                <a:solidFill>
-                  <a:schemeClr val="tx1">
+              <a:rPr lang="ko-KR" altLang="en-US" sz="2400" dirty="0">
+                <a:solidFill>
+                  <a:schemeClr val="bg1">
                     <a:lumMod val="50000"/>
-                    <a:lumOff val="50000"/>
                   </a:schemeClr>
                 </a:solidFill>
                 <a:latin typeface="리디바탕" panose="020B0600000101010101" pitchFamily="34" charset="-127"/>
                 <a:ea typeface="리디바탕" panose="020B0600000101010101" pitchFamily="34" charset="-127"/>
               </a:rPr>
-              <a:t>{ </a:t>
-            </a:r>
-            <a:r>
-              <a:rPr lang="ko-KR" altLang="en-US" sz="2800" dirty="0">
-                <a:solidFill>
-                  <a:srgbClr val="FF00FF"/>
-                </a:solidFill>
-                <a:latin typeface="리디바탕" panose="020B0600000101010101" pitchFamily="34" charset="-127"/>
-                <a:ea typeface="리디바탕" panose="020B0600000101010101" pitchFamily="34" charset="-127"/>
-              </a:rPr>
-              <a:t>이름</a:t>
-            </a:r>
-            <a:r>
-              <a:rPr lang="en-US" altLang="ko-KR" sz="2800" dirty="0">
-                <a:solidFill>
-                  <a:schemeClr val="tx1">
-                    <a:lumMod val="50000"/>
-                    <a:lumOff val="50000"/>
-                  </a:schemeClr>
-                </a:solidFill>
-                <a:latin typeface="리디바탕" panose="020B0600000101010101" pitchFamily="34" charset="-127"/>
-                <a:ea typeface="리디바탕" panose="020B0600000101010101" pitchFamily="34" charset="-127"/>
-              </a:rPr>
-              <a:t>: </a:t>
-            </a:r>
-            <a:r>
-              <a:rPr lang="ko-KR" altLang="en-US" sz="2800" dirty="0">
-                <a:solidFill>
-                  <a:schemeClr val="tx1">
-                    <a:lumMod val="50000"/>
-                    <a:lumOff val="50000"/>
-                  </a:schemeClr>
-                </a:solidFill>
-                <a:latin typeface="리디바탕" panose="020B0600000101010101" pitchFamily="34" charset="-127"/>
-                <a:ea typeface="리디바탕" panose="020B0600000101010101" pitchFamily="34" charset="-127"/>
-              </a:rPr>
-              <a:t>장만규</a:t>
-            </a:r>
-            <a:r>
-              <a:rPr lang="en-US" altLang="ko-KR" sz="2800" dirty="0">
-                <a:solidFill>
-                  <a:schemeClr val="tx1">
-                    <a:lumMod val="50000"/>
-                    <a:lumOff val="50000"/>
-                  </a:schemeClr>
-                </a:solidFill>
-                <a:latin typeface="리디바탕" panose="020B0600000101010101" pitchFamily="34" charset="-127"/>
-                <a:ea typeface="리디바탕" panose="020B0600000101010101" pitchFamily="34" charset="-127"/>
-              </a:rPr>
-              <a:t>, </a:t>
-            </a:r>
-            <a:r>
-              <a:rPr lang="ko-KR" altLang="en-US" sz="2800" dirty="0">
-                <a:solidFill>
-                  <a:srgbClr val="FF00FF"/>
-                </a:solidFill>
-                <a:latin typeface="리디바탕" panose="020B0600000101010101" pitchFamily="34" charset="-127"/>
-                <a:ea typeface="리디바탕" panose="020B0600000101010101" pitchFamily="34" charset="-127"/>
-              </a:rPr>
-              <a:t>나이</a:t>
-            </a:r>
-            <a:r>
-              <a:rPr lang="en-US" altLang="ko-KR" sz="2800" dirty="0">
-                <a:solidFill>
-                  <a:schemeClr val="tx1">
-                    <a:lumMod val="50000"/>
-                    <a:lumOff val="50000"/>
-                  </a:schemeClr>
-                </a:solidFill>
-                <a:latin typeface="리디바탕" panose="020B0600000101010101" pitchFamily="34" charset="-127"/>
-                <a:ea typeface="리디바탕" panose="020B0600000101010101" pitchFamily="34" charset="-127"/>
-              </a:rPr>
-              <a:t>:</a:t>
-            </a:r>
-            <a:r>
-              <a:rPr lang="ko-KR" altLang="en-US" sz="2800" dirty="0">
-                <a:solidFill>
-                  <a:schemeClr val="tx1">
-                    <a:lumMod val="50000"/>
-                    <a:lumOff val="50000"/>
-                  </a:schemeClr>
-                </a:solidFill>
-                <a:latin typeface="리디바탕" panose="020B0600000101010101" pitchFamily="34" charset="-127"/>
-                <a:ea typeface="리디바탕" panose="020B0600000101010101" pitchFamily="34" charset="-127"/>
-              </a:rPr>
-              <a:t> </a:t>
-            </a:r>
-            <a:r>
-              <a:rPr lang="en-US" altLang="ko-KR" sz="2800" dirty="0">
-                <a:solidFill>
-                  <a:schemeClr val="tx1">
-                    <a:lumMod val="50000"/>
-                    <a:lumOff val="50000"/>
-                  </a:schemeClr>
-                </a:solidFill>
-                <a:latin typeface="리디바탕" panose="020B0600000101010101" pitchFamily="34" charset="-127"/>
-                <a:ea typeface="리디바탕" panose="020B0600000101010101" pitchFamily="34" charset="-127"/>
-              </a:rPr>
-              <a:t>35</a:t>
-            </a:r>
-            <a:r>
-              <a:rPr lang="ko-KR" altLang="en-US" sz="2800" dirty="0">
-                <a:solidFill>
-                  <a:schemeClr val="tx1">
-                    <a:lumMod val="50000"/>
-                    <a:lumOff val="50000"/>
-                  </a:schemeClr>
-                </a:solidFill>
-                <a:latin typeface="리디바탕" panose="020B0600000101010101" pitchFamily="34" charset="-127"/>
-                <a:ea typeface="리디바탕" panose="020B0600000101010101" pitchFamily="34" charset="-127"/>
-              </a:rPr>
-              <a:t>세</a:t>
-            </a:r>
-            <a:r>
-              <a:rPr lang="en-US" altLang="ko-KR" sz="2800" dirty="0">
-                <a:solidFill>
-                  <a:schemeClr val="tx1">
-                    <a:lumMod val="50000"/>
-                    <a:lumOff val="50000"/>
-                  </a:schemeClr>
-                </a:solidFill>
-                <a:latin typeface="리디바탕" panose="020B0600000101010101" pitchFamily="34" charset="-127"/>
-                <a:ea typeface="리디바탕" panose="020B0600000101010101" pitchFamily="34" charset="-127"/>
-              </a:rPr>
-              <a:t>, </a:t>
-            </a:r>
-            <a:r>
-              <a:rPr lang="ko-KR" altLang="en-US" sz="2800" dirty="0">
-                <a:solidFill>
-                  <a:srgbClr val="FF00FF"/>
-                </a:solidFill>
-                <a:latin typeface="리디바탕" panose="020B0600000101010101" pitchFamily="34" charset="-127"/>
-                <a:ea typeface="리디바탕" panose="020B0600000101010101" pitchFamily="34" charset="-127"/>
-              </a:rPr>
-              <a:t>취미</a:t>
-            </a:r>
-            <a:r>
-              <a:rPr lang="en-US" altLang="ko-KR" sz="2800" dirty="0">
-                <a:solidFill>
-                  <a:schemeClr val="tx1">
-                    <a:lumMod val="50000"/>
-                    <a:lumOff val="50000"/>
-                  </a:schemeClr>
-                </a:solidFill>
-                <a:latin typeface="리디바탕" panose="020B0600000101010101" pitchFamily="34" charset="-127"/>
-                <a:ea typeface="리디바탕" panose="020B0600000101010101" pitchFamily="34" charset="-127"/>
-              </a:rPr>
-              <a:t>: </a:t>
-            </a:r>
-            <a:r>
-              <a:rPr lang="ko-KR" altLang="en-US" sz="2800" dirty="0" err="1">
-                <a:solidFill>
-                  <a:schemeClr val="tx1">
-                    <a:lumMod val="50000"/>
-                    <a:lumOff val="50000"/>
-                  </a:schemeClr>
-                </a:solidFill>
-                <a:latin typeface="리디바탕" panose="020B0600000101010101" pitchFamily="34" charset="-127"/>
-                <a:ea typeface="리디바탕" panose="020B0600000101010101" pitchFamily="34" charset="-127"/>
-              </a:rPr>
-              <a:t>다이나모</a:t>
-            </a:r>
-            <a:r>
-              <a:rPr lang="en-US" altLang="ko-KR" sz="2800" dirty="0">
-                <a:solidFill>
-                  <a:schemeClr val="tx1">
-                    <a:lumMod val="50000"/>
-                    <a:lumOff val="50000"/>
-                  </a:schemeClr>
-                </a:solidFill>
-                <a:latin typeface="리디바탕" panose="020B0600000101010101" pitchFamily="34" charset="-127"/>
-                <a:ea typeface="리디바탕" panose="020B0600000101010101" pitchFamily="34" charset="-127"/>
-              </a:rPr>
-              <a:t>, </a:t>
-            </a:r>
-            <a:r>
-              <a:rPr lang="ko-KR" altLang="en-US" sz="2800" dirty="0" err="1">
-                <a:solidFill>
-                  <a:srgbClr val="FF00FF"/>
-                </a:solidFill>
-                <a:latin typeface="리디바탕" panose="020B0600000101010101" pitchFamily="34" charset="-127"/>
-                <a:ea typeface="리디바탕" panose="020B0600000101010101" pitchFamily="34" charset="-127"/>
-              </a:rPr>
-              <a:t>사는곳</a:t>
-            </a:r>
-            <a:r>
-              <a:rPr lang="en-US" altLang="ko-KR" sz="2800" dirty="0">
-                <a:solidFill>
-                  <a:schemeClr val="tx1">
-                    <a:lumMod val="50000"/>
-                    <a:lumOff val="50000"/>
-                  </a:schemeClr>
-                </a:solidFill>
-                <a:latin typeface="리디바탕" panose="020B0600000101010101" pitchFamily="34" charset="-127"/>
-                <a:ea typeface="리디바탕" panose="020B0600000101010101" pitchFamily="34" charset="-127"/>
-              </a:rPr>
-              <a:t>: </a:t>
-            </a:r>
-            <a:r>
-              <a:rPr lang="ko-KR" altLang="en-US" sz="2800" dirty="0">
-                <a:solidFill>
-                  <a:schemeClr val="tx1">
-                    <a:lumMod val="50000"/>
-                    <a:lumOff val="50000"/>
-                  </a:schemeClr>
-                </a:solidFill>
-                <a:latin typeface="리디바탕" panose="020B0600000101010101" pitchFamily="34" charset="-127"/>
-                <a:ea typeface="리디바탕" panose="020B0600000101010101" pitchFamily="34" charset="-127"/>
-              </a:rPr>
-              <a:t>서울</a:t>
-            </a:r>
-            <a:r>
-              <a:rPr lang="en-US" altLang="ko-KR" sz="2800" dirty="0">
-                <a:solidFill>
-                  <a:schemeClr val="tx1">
-                    <a:lumMod val="50000"/>
-                    <a:lumOff val="50000"/>
-                  </a:schemeClr>
-                </a:solidFill>
-                <a:latin typeface="리디바탕" panose="020B0600000101010101" pitchFamily="34" charset="-127"/>
-                <a:ea typeface="리디바탕" panose="020B0600000101010101" pitchFamily="34" charset="-127"/>
-              </a:rPr>
-              <a:t>, </a:t>
-            </a:r>
-            <a:r>
-              <a:rPr lang="ko-KR" altLang="en-US" sz="2800" dirty="0">
-                <a:solidFill>
-                  <a:srgbClr val="FF00FF"/>
-                </a:solidFill>
-                <a:latin typeface="리디바탕" panose="020B0600000101010101" pitchFamily="34" charset="-127"/>
-                <a:ea typeface="리디바탕" panose="020B0600000101010101" pitchFamily="34" charset="-127"/>
-              </a:rPr>
-              <a:t>꿈</a:t>
-            </a:r>
-            <a:r>
-              <a:rPr lang="en-US" altLang="ko-KR" sz="2800" dirty="0">
-                <a:solidFill>
-                  <a:schemeClr val="tx1">
-                    <a:lumMod val="50000"/>
-                    <a:lumOff val="50000"/>
-                  </a:schemeClr>
-                </a:solidFill>
-                <a:latin typeface="리디바탕" panose="020B0600000101010101" pitchFamily="34" charset="-127"/>
-                <a:ea typeface="리디바탕" panose="020B0600000101010101" pitchFamily="34" charset="-127"/>
-              </a:rPr>
-              <a:t>: </a:t>
-            </a:r>
-            <a:r>
-              <a:rPr lang="ko-KR" altLang="en-US" sz="2800" dirty="0">
-                <a:solidFill>
-                  <a:schemeClr val="tx1">
-                    <a:lumMod val="50000"/>
-                    <a:lumOff val="50000"/>
-                  </a:schemeClr>
-                </a:solidFill>
-                <a:latin typeface="리디바탕" panose="020B0600000101010101" pitchFamily="34" charset="-127"/>
-                <a:ea typeface="리디바탕" panose="020B0600000101010101" pitchFamily="34" charset="-127"/>
-              </a:rPr>
-              <a:t>일확천금</a:t>
-            </a:r>
-            <a:r>
-              <a:rPr lang="en-US" altLang="ko-KR" sz="2800" dirty="0">
-                <a:solidFill>
-                  <a:schemeClr val="tx1">
-                    <a:lumMod val="50000"/>
-                    <a:lumOff val="50000"/>
-                  </a:schemeClr>
-                </a:solidFill>
-                <a:latin typeface="리디바탕" panose="020B0600000101010101" pitchFamily="34" charset="-127"/>
-                <a:ea typeface="리디바탕" panose="020B0600000101010101" pitchFamily="34" charset="-127"/>
-              </a:rPr>
-              <a:t> }</a:t>
-            </a:r>
-          </a:p>
-        </p:txBody>
-      </p:sp>
-      <p:sp>
-        <p:nvSpPr>
-          <p:cNvPr id="4" name="TextBox 3"/>
-          <p:cNvSpPr txBox="1"/>
-          <p:nvPr/>
-        </p:nvSpPr>
-        <p:spPr>
-          <a:xfrm>
-            <a:off x="1345747" y="3747402"/>
-            <a:ext cx="551241" cy="369332"/>
-          </a:xfrm>
-          <a:prstGeom prst="rect">
-            <a:avLst/>
-          </a:prstGeom>
-          <a:noFill/>
-        </p:spPr>
-        <p:txBody>
-          <a:bodyPr wrap="none" rtlCol="0">
-            <a:spAutoFit/>
-          </a:bodyPr>
-          <a:lstStyle/>
-          <a:p>
-            <a:r>
-              <a:rPr lang="en-US" altLang="ko-KR" dirty="0">
-                <a:solidFill>
-                  <a:srgbClr val="FF00FF"/>
-                </a:solidFill>
-                <a:latin typeface="리디바탕" panose="020B0600000101010101" pitchFamily="34" charset="-127"/>
-                <a:ea typeface="리디바탕" panose="020B0600000101010101" pitchFamily="34" charset="-127"/>
-              </a:rPr>
-              <a:t>key</a:t>
-            </a:r>
-            <a:endParaRPr lang="ko-KR" altLang="en-US" dirty="0">
-              <a:solidFill>
-                <a:srgbClr val="FF00FF"/>
-              </a:solidFill>
+              <a:t>암시적 키 값</a:t>
+            </a:r>
+            <a:r>
+              <a:rPr lang="en-US" altLang="ko-KR" sz="2400" dirty="0">
+                <a:latin typeface="리디바탕" panose="020B0600000101010101" pitchFamily="34" charset="-127"/>
+                <a:ea typeface="리디바탕" panose="020B0600000101010101" pitchFamily="34" charset="-127"/>
+              </a:rPr>
+              <a:t>(</a:t>
+            </a:r>
+            <a:r>
+              <a:rPr lang="ko-KR" altLang="en-US" sz="2400" dirty="0">
+                <a:latin typeface="리디바탕" panose="020B0600000101010101" pitchFamily="34" charset="-127"/>
+                <a:ea typeface="리디바탕" panose="020B0600000101010101" pitchFamily="34" charset="-127"/>
+              </a:rPr>
+              <a:t>인덱스 넘버</a:t>
+            </a:r>
+            <a:r>
+              <a:rPr lang="en-US" altLang="ko-KR" sz="2400" dirty="0">
+                <a:latin typeface="리디바탕" panose="020B0600000101010101" pitchFamily="34" charset="-127"/>
+                <a:ea typeface="리디바탕" panose="020B0600000101010101" pitchFamily="34" charset="-127"/>
+              </a:rPr>
+              <a:t>)</a:t>
+            </a:r>
+            <a:r>
+              <a:rPr lang="ko-KR" altLang="en-US" sz="2400" dirty="0">
+                <a:latin typeface="리디바탕" panose="020B0600000101010101" pitchFamily="34" charset="-127"/>
+                <a:ea typeface="리디바탕" panose="020B0600000101010101" pitchFamily="34" charset="-127"/>
+              </a:rPr>
+              <a:t>는</a:t>
+            </a:r>
+            <a:endParaRPr lang="en-US" altLang="ko-KR" sz="2400" dirty="0">
               <a:latin typeface="리디바탕" panose="020B0600000101010101" pitchFamily="34" charset="-127"/>
               <a:ea typeface="리디바탕" panose="020B0600000101010101" pitchFamily="34" charset="-127"/>
             </a:endParaRPr>
           </a:p>
-        </p:txBody>
-      </p:sp>
-      <p:sp>
-        <p:nvSpPr>
-          <p:cNvPr id="6" name="TextBox 5"/>
-          <p:cNvSpPr txBox="1"/>
-          <p:nvPr/>
-        </p:nvSpPr>
-        <p:spPr>
-          <a:xfrm>
-            <a:off x="2302597" y="3747402"/>
-            <a:ext cx="728917" cy="369332"/>
-          </a:xfrm>
-          <a:prstGeom prst="rect">
-            <a:avLst/>
-          </a:prstGeom>
-          <a:noFill/>
-        </p:spPr>
-        <p:txBody>
-          <a:bodyPr wrap="none" rtlCol="0">
-            <a:spAutoFit/>
-          </a:bodyPr>
-          <a:lstStyle/>
-          <a:p>
-            <a:r>
-              <a:rPr lang="en-US" altLang="ko-KR" dirty="0">
-                <a:solidFill>
-                  <a:srgbClr val="0000FF"/>
-                </a:solidFill>
-                <a:latin typeface="리디바탕" panose="020B0600000101010101" pitchFamily="34" charset="-127"/>
-                <a:ea typeface="리디바탕" panose="020B0600000101010101" pitchFamily="34" charset="-127"/>
-              </a:rPr>
-              <a:t>value</a:t>
-            </a:r>
-            <a:endParaRPr lang="ko-KR" altLang="en-US" dirty="0">
-              <a:solidFill>
-                <a:srgbClr val="0000FF"/>
-              </a:solidFill>
-              <a:latin typeface="리디바탕" panose="020B0600000101010101" pitchFamily="34" charset="-127"/>
-              <a:ea typeface="리디바탕" panose="020B0600000101010101" pitchFamily="34" charset="-127"/>
-            </a:endParaRPr>
-          </a:p>
-        </p:txBody>
-      </p:sp>
-      <p:sp>
-        <p:nvSpPr>
-          <p:cNvPr id="15" name="TextBox 14"/>
-          <p:cNvSpPr txBox="1"/>
-          <p:nvPr/>
-        </p:nvSpPr>
-        <p:spPr>
-          <a:xfrm>
-            <a:off x="1891109" y="3747402"/>
-            <a:ext cx="234360" cy="369332"/>
-          </a:xfrm>
-          <a:prstGeom prst="rect">
-            <a:avLst/>
-          </a:prstGeom>
-          <a:noFill/>
-        </p:spPr>
-        <p:txBody>
-          <a:bodyPr wrap="none" rtlCol="0">
-            <a:spAutoFit/>
-          </a:bodyPr>
-          <a:lstStyle/>
-          <a:p>
-            <a:r>
-              <a:rPr lang="en-US" altLang="ko-KR" dirty="0">
-                <a:latin typeface="리디바탕" panose="020B0600000101010101" pitchFamily="34" charset="-127"/>
-                <a:ea typeface="리디바탕" panose="020B0600000101010101" pitchFamily="34" charset="-127"/>
-              </a:rPr>
-              <a:t>:</a:t>
-            </a:r>
-            <a:endParaRPr lang="ko-KR" altLang="en-US" dirty="0">
-              <a:latin typeface="리디바탕" panose="020B0600000101010101" pitchFamily="34" charset="-127"/>
-              <a:ea typeface="리디바탕" panose="020B0600000101010101" pitchFamily="34" charset="-127"/>
-            </a:endParaRPr>
-          </a:p>
-        </p:txBody>
-      </p:sp>
-      <p:sp>
-        <p:nvSpPr>
-          <p:cNvPr id="16" name="TextBox 15"/>
-          <p:cNvSpPr txBox="1"/>
-          <p:nvPr/>
-        </p:nvSpPr>
-        <p:spPr>
-          <a:xfrm>
-            <a:off x="0" y="822851"/>
-            <a:ext cx="12192000" cy="663258"/>
-          </a:xfrm>
-          <a:prstGeom prst="rect">
-            <a:avLst/>
-          </a:prstGeom>
-          <a:noFill/>
-        </p:spPr>
-        <p:txBody>
-          <a:bodyPr wrap="square" rtlCol="0">
-            <a:spAutoFit/>
-          </a:bodyPr>
-          <a:lstStyle/>
-          <a:p>
-            <a:pPr algn="ctr">
-              <a:lnSpc>
-                <a:spcPct val="150000"/>
-              </a:lnSpc>
-            </a:pPr>
-            <a:r>
-              <a:rPr lang="en-US" altLang="ko-KR" sz="2800" dirty="0">
-                <a:latin typeface="리디바탕" panose="020B0600000101010101" pitchFamily="34" charset="-127"/>
-                <a:ea typeface="리디바탕" panose="020B0600000101010101" pitchFamily="34" charset="-127"/>
-              </a:rPr>
-              <a:t>Dictionary </a:t>
-            </a:r>
-            <a:r>
-              <a:rPr lang="ko-KR" altLang="en-US" sz="2800" dirty="0">
-                <a:latin typeface="리디바탕" panose="020B0600000101010101" pitchFamily="34" charset="-127"/>
-                <a:ea typeface="리디바탕" panose="020B0600000101010101" pitchFamily="34" charset="-127"/>
-              </a:rPr>
-              <a:t>가 코드의 복잡도를 낮출 수 있는 이유는</a:t>
-            </a:r>
-            <a:r>
-              <a:rPr lang="en-US" altLang="ko-KR" sz="2800" dirty="0">
-                <a:latin typeface="리디바탕" panose="020B0600000101010101" pitchFamily="34" charset="-127"/>
-                <a:ea typeface="리디바탕" panose="020B0600000101010101" pitchFamily="34" charset="-127"/>
-              </a:rPr>
-              <a:t>?</a:t>
-            </a:r>
-          </a:p>
-        </p:txBody>
-      </p:sp>
-      <p:sp>
-        <p:nvSpPr>
-          <p:cNvPr id="17" name="직사각형 16"/>
-          <p:cNvSpPr/>
-          <p:nvPr/>
-        </p:nvSpPr>
-        <p:spPr>
-          <a:xfrm>
-            <a:off x="2075921" y="1719826"/>
-            <a:ext cx="7518597" cy="1200329"/>
-          </a:xfrm>
-          <a:prstGeom prst="rect">
-            <a:avLst/>
-          </a:prstGeom>
-        </p:spPr>
-        <p:txBody>
-          <a:bodyPr wrap="none">
-            <a:spAutoFit/>
-          </a:bodyPr>
-          <a:lstStyle/>
-          <a:p>
-            <a:r>
-              <a:rPr lang="ko-KR" altLang="en-US" dirty="0">
-                <a:solidFill>
-                  <a:srgbClr val="FF00FF"/>
-                </a:solidFill>
-                <a:latin typeface="리디바탕" panose="020B0600000101010101" pitchFamily="34" charset="-127"/>
-                <a:ea typeface="리디바탕" panose="020B0600000101010101" pitchFamily="34" charset="-127"/>
-              </a:rPr>
-              <a:t>명시적</a:t>
-            </a:r>
-            <a:r>
-              <a:rPr lang="ko-KR" altLang="en-US" dirty="0">
-                <a:latin typeface="리디바탕" panose="020B0600000101010101" pitchFamily="34" charset="-127"/>
-                <a:ea typeface="리디바탕" panose="020B0600000101010101" pitchFamily="34" charset="-127"/>
-              </a:rPr>
-              <a:t> 키를 사용하는</a:t>
-            </a:r>
-            <a:r>
-              <a:rPr lang="en-US" altLang="ko-KR" dirty="0">
-                <a:latin typeface="리디바탕" panose="020B0600000101010101" pitchFamily="34" charset="-127"/>
-                <a:ea typeface="리디바탕" panose="020B0600000101010101" pitchFamily="34" charset="-127"/>
-              </a:rPr>
-              <a:t> Dictionary</a:t>
-            </a:r>
-            <a:r>
-              <a:rPr lang="ko-KR" altLang="en-US" dirty="0">
-                <a:latin typeface="리디바탕" panose="020B0600000101010101" pitchFamily="34" charset="-127"/>
-                <a:ea typeface="리디바탕" panose="020B0600000101010101" pitchFamily="34" charset="-127"/>
-              </a:rPr>
-              <a:t>는 사용자가 직접 데이터를 서술할 수 있는</a:t>
-            </a:r>
-            <a:endParaRPr lang="en-US" altLang="ko-KR" dirty="0">
-              <a:latin typeface="리디바탕" panose="020B0600000101010101" pitchFamily="34" charset="-127"/>
-              <a:ea typeface="리디바탕" panose="020B0600000101010101" pitchFamily="34" charset="-127"/>
-            </a:endParaRPr>
-          </a:p>
-          <a:p>
-            <a:r>
-              <a:rPr lang="en-US" altLang="ko-KR" dirty="0">
-                <a:latin typeface="리디바탕" panose="020B0600000101010101" pitchFamily="34" charset="-127"/>
-                <a:ea typeface="리디바탕" panose="020B0600000101010101" pitchFamily="34" charset="-127"/>
-              </a:rPr>
-              <a:t>key</a:t>
-            </a:r>
-            <a:r>
-              <a:rPr lang="ko-KR" altLang="en-US" dirty="0">
-                <a:latin typeface="리디바탕" panose="020B0600000101010101" pitchFamily="34" charset="-127"/>
-                <a:ea typeface="리디바탕" panose="020B0600000101010101" pitchFamily="34" charset="-127"/>
-              </a:rPr>
-              <a:t> 이름을 사용해 데이터를 형성할 수 있음</a:t>
-            </a:r>
-            <a:r>
-              <a:rPr lang="en-US" altLang="ko-KR" dirty="0">
-                <a:latin typeface="리디바탕" panose="020B0600000101010101" pitchFamily="34" charset="-127"/>
-                <a:ea typeface="리디바탕" panose="020B0600000101010101" pitchFamily="34" charset="-127"/>
-              </a:rPr>
-              <a:t>.</a:t>
-            </a:r>
-          </a:p>
-          <a:p>
-            <a:endParaRPr lang="en-US" altLang="ko-KR" dirty="0">
-              <a:latin typeface="리디바탕" panose="020B0600000101010101" pitchFamily="34" charset="-127"/>
-              <a:ea typeface="리디바탕" panose="020B0600000101010101" pitchFamily="34" charset="-127"/>
-            </a:endParaRPr>
-          </a:p>
-          <a:p>
-            <a:r>
-              <a:rPr lang="ko-KR" altLang="en-US" dirty="0">
-                <a:latin typeface="리디바탕" panose="020B0600000101010101" pitchFamily="34" charset="-127"/>
-                <a:ea typeface="리디바탕" panose="020B0600000101010101" pitchFamily="34" charset="-127"/>
-              </a:rPr>
-              <a:t>따라서 상대적으로 </a:t>
-            </a:r>
-            <a:r>
-              <a:rPr lang="en-US" altLang="ko-KR" dirty="0">
-                <a:latin typeface="리디바탕" panose="020B0600000101010101" pitchFamily="34" charset="-127"/>
-                <a:ea typeface="리디바탕" panose="020B0600000101010101" pitchFamily="34" charset="-127"/>
-              </a:rPr>
-              <a:t>*</a:t>
-            </a:r>
-            <a:r>
-              <a:rPr lang="en-US" altLang="ko-KR" dirty="0">
-                <a:solidFill>
-                  <a:srgbClr val="FF00FF"/>
-                </a:solidFill>
-                <a:latin typeface="리디바탕" panose="020B0600000101010101" pitchFamily="34" charset="-127"/>
-                <a:ea typeface="리디바탕" panose="020B0600000101010101" pitchFamily="34" charset="-127"/>
-              </a:rPr>
-              <a:t>Self-descriptive(</a:t>
-            </a:r>
-            <a:r>
-              <a:rPr lang="ko-KR" altLang="en-US" dirty="0" err="1">
-                <a:solidFill>
-                  <a:srgbClr val="FF00FF"/>
-                </a:solidFill>
-                <a:latin typeface="리디바탕" panose="020B0600000101010101" pitchFamily="34" charset="-127"/>
-                <a:ea typeface="리디바탕" panose="020B0600000101010101" pitchFamily="34" charset="-127"/>
-              </a:rPr>
-              <a:t>자기서술적</a:t>
-            </a:r>
-            <a:r>
-              <a:rPr lang="en-US" altLang="ko-KR" dirty="0">
-                <a:solidFill>
-                  <a:srgbClr val="FF00FF"/>
-                </a:solidFill>
-                <a:latin typeface="리디바탕" panose="020B0600000101010101" pitchFamily="34" charset="-127"/>
-                <a:ea typeface="리디바탕" panose="020B0600000101010101" pitchFamily="34" charset="-127"/>
-              </a:rPr>
-              <a:t>)</a:t>
-            </a:r>
-            <a:r>
-              <a:rPr lang="en-US" altLang="ko-KR" dirty="0">
-                <a:solidFill>
-                  <a:srgbClr val="0000FF"/>
-                </a:solidFill>
-                <a:latin typeface="리디바탕" panose="020B0600000101010101" pitchFamily="34" charset="-127"/>
-                <a:ea typeface="리디바탕" panose="020B0600000101010101" pitchFamily="34" charset="-127"/>
-              </a:rPr>
-              <a:t> </a:t>
-            </a:r>
-            <a:r>
-              <a:rPr lang="ko-KR" altLang="en-US" dirty="0">
-                <a:latin typeface="리디바탕" panose="020B0600000101010101" pitchFamily="34" charset="-127"/>
-                <a:ea typeface="리디바탕" panose="020B0600000101010101" pitchFamily="34" charset="-127"/>
-              </a:rPr>
-              <a:t>한 데이터 컬렉션 임</a:t>
-            </a:r>
-            <a:endParaRPr lang="ko-KR" altLang="en-US" dirty="0"/>
-          </a:p>
-        </p:txBody>
-      </p:sp>
-      <p:sp>
-        <p:nvSpPr>
-          <p:cNvPr id="5" name="TextBox 4">
-            <a:extLst>
-              <a:ext uri="{FF2B5EF4-FFF2-40B4-BE49-F238E27FC236}">
-                <a16:creationId xmlns:a16="http://schemas.microsoft.com/office/drawing/2014/main" id="{ABD02EFB-8B42-5B36-9D03-CD18E3D027BC}"/>
-              </a:ext>
-            </a:extLst>
-          </p:cNvPr>
-          <p:cNvSpPr txBox="1"/>
-          <p:nvPr/>
-        </p:nvSpPr>
-        <p:spPr>
-          <a:xfrm>
-            <a:off x="6911164" y="4843390"/>
-            <a:ext cx="5039832" cy="613373"/>
-          </a:xfrm>
-          <a:prstGeom prst="rect">
-            <a:avLst/>
-          </a:prstGeom>
-          <a:noFill/>
-        </p:spPr>
-        <p:txBody>
-          <a:bodyPr wrap="square">
-            <a:spAutoFit/>
-          </a:bodyPr>
-          <a:lstStyle/>
           <a:p>
             <a:pPr>
               <a:lnSpc>
                 <a:spcPct val="150000"/>
               </a:lnSpc>
             </a:pPr>
-            <a:r>
-              <a:rPr lang="en-US" altLang="ko-KR" sz="1200" dirty="0">
-                <a:latin typeface="리디바탕" panose="020B0600000101010101" pitchFamily="34" charset="-127"/>
-                <a:ea typeface="리디바탕" panose="020B0600000101010101" pitchFamily="34" charset="-127"/>
-              </a:rPr>
-              <a:t>* REST </a:t>
-            </a:r>
-            <a:r>
-              <a:rPr lang="ko-KR" altLang="en-US" sz="1200" dirty="0">
-                <a:latin typeface="리디바탕" panose="020B0600000101010101" pitchFamily="34" charset="-127"/>
-                <a:ea typeface="리디바탕" panose="020B0600000101010101" pitchFamily="34" charset="-127"/>
-              </a:rPr>
-              <a:t>아키텍처에서의 </a:t>
-            </a:r>
-            <a:r>
-              <a:rPr lang="en-US" altLang="ko-KR" sz="1200" dirty="0">
-                <a:latin typeface="리디바탕" panose="020B0600000101010101" pitchFamily="34" charset="-127"/>
-                <a:ea typeface="리디바탕" panose="020B0600000101010101" pitchFamily="34" charset="-127"/>
-              </a:rPr>
-              <a:t>Self-descriptive</a:t>
-            </a:r>
-            <a:r>
-              <a:rPr lang="ko-KR" altLang="en-US" sz="1200" dirty="0">
-                <a:latin typeface="리디바탕" panose="020B0600000101010101" pitchFamily="34" charset="-127"/>
-                <a:ea typeface="리디바탕" panose="020B0600000101010101" pitchFamily="34" charset="-127"/>
-              </a:rPr>
-              <a:t>와는 조금 다른 의미로 쓰였음</a:t>
-            </a:r>
-            <a:r>
-              <a:rPr lang="en-US" altLang="ko-KR" sz="1200" dirty="0">
-                <a:latin typeface="리디바탕" panose="020B0600000101010101" pitchFamily="34" charset="-127"/>
-                <a:ea typeface="리디바탕" panose="020B0600000101010101" pitchFamily="34" charset="-127"/>
-              </a:rPr>
-              <a:t>.</a:t>
-            </a:r>
+            <a:endParaRPr lang="en-US" altLang="ko-KR" sz="2400" dirty="0">
+              <a:latin typeface="리디바탕" panose="020B0600000101010101" pitchFamily="34" charset="-127"/>
+              <a:ea typeface="리디바탕" panose="020B0600000101010101" pitchFamily="34" charset="-127"/>
+            </a:endParaRPr>
           </a:p>
           <a:p>
             <a:pPr>
@@ -8866,62 +8136,58 @@
               </a:lnSpc>
             </a:pPr>
             <a:r>
-              <a:rPr lang="en-US" altLang="ko-KR" sz="1200" dirty="0">
-                <a:latin typeface="리디바탕" panose="020B0600000101010101" pitchFamily="34" charset="-127"/>
-                <a:ea typeface="리디바탕" panose="020B0600000101010101" pitchFamily="34" charset="-127"/>
-              </a:rPr>
-              <a:t>-</a:t>
-            </a:r>
-            <a:r>
-              <a:rPr lang="ko-KR" altLang="en-US" sz="1200" dirty="0">
-                <a:latin typeface="리디바탕" panose="020B0600000101010101" pitchFamily="34" charset="-127"/>
-                <a:ea typeface="리디바탕" panose="020B0600000101010101" pitchFamily="34" charset="-127"/>
-              </a:rPr>
-              <a:t>리스트에 비해 </a:t>
-            </a:r>
-            <a:r>
-              <a:rPr lang="ko-KR" altLang="en-US" sz="1200" u="sng" dirty="0">
-                <a:latin typeface="리디바탕" panose="020B0600000101010101" pitchFamily="34" charset="-127"/>
-                <a:ea typeface="리디바탕" panose="020B0600000101010101" pitchFamily="34" charset="-127"/>
-              </a:rPr>
-              <a:t>상대적</a:t>
-            </a:r>
-            <a:r>
-              <a:rPr lang="ko-KR" altLang="en-US" sz="1200" dirty="0">
-                <a:latin typeface="리디바탕" panose="020B0600000101010101" pitchFamily="34" charset="-127"/>
-                <a:ea typeface="리디바탕" panose="020B0600000101010101" pitchFamily="34" charset="-127"/>
-              </a:rPr>
-              <a:t>으로 </a:t>
-            </a:r>
-            <a:r>
-              <a:rPr lang="ko-KR" altLang="en-US" sz="1200" dirty="0" err="1">
-                <a:latin typeface="리디바탕" panose="020B0600000101010101" pitchFamily="34" charset="-127"/>
-                <a:ea typeface="리디바탕" panose="020B0600000101010101" pitchFamily="34" charset="-127"/>
-              </a:rPr>
-              <a:t>자기서술적이라는</a:t>
-            </a:r>
-            <a:r>
-              <a:rPr lang="ko-KR" altLang="en-US" sz="1200" dirty="0">
-                <a:latin typeface="리디바탕" panose="020B0600000101010101" pitchFamily="34" charset="-127"/>
-                <a:ea typeface="리디바탕" panose="020B0600000101010101" pitchFamily="34" charset="-127"/>
-              </a:rPr>
-              <a:t> 의미</a:t>
-            </a:r>
-            <a:r>
-              <a:rPr lang="en-US" altLang="ko-KR" sz="1200" dirty="0">
+              <a:rPr lang="ko-KR" altLang="en-US" sz="2000" dirty="0">
+                <a:latin typeface="리디바탕" panose="020B0600000101010101" pitchFamily="34" charset="-127"/>
+                <a:ea typeface="리디바탕" panose="020B0600000101010101" pitchFamily="34" charset="-127"/>
+              </a:rPr>
+              <a:t>자신에게 대응되는 </a:t>
+            </a:r>
+            <a:r>
+              <a:rPr lang="en-US" altLang="ko-KR" sz="2000" dirty="0">
+                <a:latin typeface="리디바탕" panose="020B0600000101010101" pitchFamily="34" charset="-127"/>
+                <a:ea typeface="리디바탕" panose="020B0600000101010101" pitchFamily="34" charset="-127"/>
+              </a:rPr>
+              <a:t>value </a:t>
+            </a:r>
+            <a:r>
+              <a:rPr lang="ko-KR" altLang="en-US" sz="2000" dirty="0">
+                <a:latin typeface="리디바탕" panose="020B0600000101010101" pitchFamily="34" charset="-127"/>
+                <a:ea typeface="리디바탕" panose="020B0600000101010101" pitchFamily="34" charset="-127"/>
+              </a:rPr>
+              <a:t>들에 대한</a:t>
+            </a:r>
+            <a:endParaRPr lang="en-US" altLang="ko-KR" sz="2000" dirty="0">
+              <a:latin typeface="리디바탕" panose="020B0600000101010101" pitchFamily="34" charset="-127"/>
+              <a:ea typeface="리디바탕" panose="020B0600000101010101" pitchFamily="34" charset="-127"/>
+            </a:endParaRPr>
+          </a:p>
+          <a:p>
+            <a:pPr>
+              <a:lnSpc>
+                <a:spcPct val="150000"/>
+              </a:lnSpc>
+            </a:pPr>
+            <a:r>
+              <a:rPr lang="ko-KR" altLang="en-US" sz="2000" dirty="0">
+                <a:latin typeface="리디바탕" panose="020B0600000101010101" pitchFamily="34" charset="-127"/>
+                <a:ea typeface="리디바탕" panose="020B0600000101010101" pitchFamily="34" charset="-127"/>
+              </a:rPr>
+              <a:t>어떤 정보도 사용자에게 제공하지 못한다</a:t>
+            </a:r>
+            <a:r>
+              <a:rPr lang="en-US" altLang="ko-KR" sz="2000" dirty="0">
                 <a:latin typeface="리디바탕" panose="020B0600000101010101" pitchFamily="34" charset="-127"/>
                 <a:ea typeface="리디바탕" panose="020B0600000101010101" pitchFamily="34" charset="-127"/>
               </a:rPr>
               <a:t>.</a:t>
             </a:r>
-            <a:endParaRPr lang="ko-KR" altLang="en-US" sz="1200" dirty="0"/>
           </a:p>
         </p:txBody>
       </p:sp>
     </p:spTree>
     <p:extLst>
       <p:ext uri="{BB962C8B-B14F-4D97-AF65-F5344CB8AC3E}">
-        <p14:creationId xmlns:p14="http://schemas.microsoft.com/office/powerpoint/2010/main" val="4151670070"/>
+        <p14:creationId xmlns:p14="http://schemas.microsoft.com/office/powerpoint/2010/main" val="2959006557"/>
       </p:ext>
     </p:extLst>
   </p:cSld>
@@ -8956,6 +8222,801 @@
         </p:nvSpPr>
         <p:spPr>
           <a:xfrm>
+            <a:off x="986972" y="4022717"/>
+            <a:ext cx="10746224" cy="738664"/>
+          </a:xfrm>
+          <a:prstGeom prst="rect">
+            <a:avLst/>
+          </a:prstGeom>
+          <a:noFill/>
+        </p:spPr>
+        <p:txBody>
+          <a:bodyPr wrap="square" rtlCol="0">
+            <a:spAutoFit/>
+          </a:bodyPr>
+          <a:lstStyle/>
+          <a:p>
+            <a:pPr>
+              <a:lnSpc>
+                <a:spcPct val="150000"/>
+              </a:lnSpc>
+            </a:pPr>
+            <a:r>
+              <a:rPr lang="en-US" altLang="ko-KR" sz="2800" dirty="0">
+                <a:solidFill>
+                  <a:schemeClr val="tx1">
+                    <a:lumMod val="50000"/>
+                    <a:lumOff val="50000"/>
+                  </a:schemeClr>
+                </a:solidFill>
+                <a:latin typeface="리디바탕" panose="020B0600000101010101" pitchFamily="34" charset="-127"/>
+                <a:ea typeface="리디바탕" panose="020B0600000101010101" pitchFamily="34" charset="-127"/>
+              </a:rPr>
+              <a:t>{ </a:t>
+            </a:r>
+            <a:r>
+              <a:rPr lang="ko-KR" altLang="en-US" sz="2800" dirty="0">
+                <a:solidFill>
+                  <a:srgbClr val="FF00FF"/>
+                </a:solidFill>
+                <a:latin typeface="리디바탕" panose="020B0600000101010101" pitchFamily="34" charset="-127"/>
+                <a:ea typeface="리디바탕" panose="020B0600000101010101" pitchFamily="34" charset="-127"/>
+              </a:rPr>
+              <a:t>이름</a:t>
+            </a:r>
+            <a:r>
+              <a:rPr lang="en-US" altLang="ko-KR" sz="2800" dirty="0">
+                <a:solidFill>
+                  <a:schemeClr val="tx1">
+                    <a:lumMod val="50000"/>
+                    <a:lumOff val="50000"/>
+                  </a:schemeClr>
+                </a:solidFill>
+                <a:latin typeface="리디바탕" panose="020B0600000101010101" pitchFamily="34" charset="-127"/>
+                <a:ea typeface="리디바탕" panose="020B0600000101010101" pitchFamily="34" charset="-127"/>
+              </a:rPr>
+              <a:t>: </a:t>
+            </a:r>
+            <a:r>
+              <a:rPr lang="ko-KR" altLang="en-US" sz="2800" dirty="0">
+                <a:solidFill>
+                  <a:schemeClr val="tx1">
+                    <a:lumMod val="50000"/>
+                    <a:lumOff val="50000"/>
+                  </a:schemeClr>
+                </a:solidFill>
+                <a:latin typeface="리디바탕" panose="020B0600000101010101" pitchFamily="34" charset="-127"/>
+                <a:ea typeface="리디바탕" panose="020B0600000101010101" pitchFamily="34" charset="-127"/>
+              </a:rPr>
+              <a:t>장만규</a:t>
+            </a:r>
+            <a:r>
+              <a:rPr lang="en-US" altLang="ko-KR" sz="2800" dirty="0">
+                <a:solidFill>
+                  <a:schemeClr val="tx1">
+                    <a:lumMod val="50000"/>
+                    <a:lumOff val="50000"/>
+                  </a:schemeClr>
+                </a:solidFill>
+                <a:latin typeface="리디바탕" panose="020B0600000101010101" pitchFamily="34" charset="-127"/>
+                <a:ea typeface="리디바탕" panose="020B0600000101010101" pitchFamily="34" charset="-127"/>
+              </a:rPr>
+              <a:t>, </a:t>
+            </a:r>
+            <a:r>
+              <a:rPr lang="ko-KR" altLang="en-US" sz="2800" dirty="0">
+                <a:solidFill>
+                  <a:srgbClr val="FF00FF"/>
+                </a:solidFill>
+                <a:latin typeface="리디바탕" panose="020B0600000101010101" pitchFamily="34" charset="-127"/>
+                <a:ea typeface="리디바탕" panose="020B0600000101010101" pitchFamily="34" charset="-127"/>
+              </a:rPr>
+              <a:t>나이</a:t>
+            </a:r>
+            <a:r>
+              <a:rPr lang="en-US" altLang="ko-KR" sz="2800" dirty="0">
+                <a:solidFill>
+                  <a:schemeClr val="tx1">
+                    <a:lumMod val="50000"/>
+                    <a:lumOff val="50000"/>
+                  </a:schemeClr>
+                </a:solidFill>
+                <a:latin typeface="리디바탕" panose="020B0600000101010101" pitchFamily="34" charset="-127"/>
+                <a:ea typeface="리디바탕" panose="020B0600000101010101" pitchFamily="34" charset="-127"/>
+              </a:rPr>
+              <a:t>:</a:t>
+            </a:r>
+            <a:r>
+              <a:rPr lang="ko-KR" altLang="en-US" sz="2800" dirty="0">
+                <a:solidFill>
+                  <a:schemeClr val="tx1">
+                    <a:lumMod val="50000"/>
+                    <a:lumOff val="50000"/>
+                  </a:schemeClr>
+                </a:solidFill>
+                <a:latin typeface="리디바탕" panose="020B0600000101010101" pitchFamily="34" charset="-127"/>
+                <a:ea typeface="리디바탕" panose="020B0600000101010101" pitchFamily="34" charset="-127"/>
+              </a:rPr>
+              <a:t> </a:t>
+            </a:r>
+            <a:r>
+              <a:rPr lang="en-US" altLang="ko-KR" sz="2800" dirty="0">
+                <a:solidFill>
+                  <a:schemeClr val="tx1">
+                    <a:lumMod val="50000"/>
+                    <a:lumOff val="50000"/>
+                  </a:schemeClr>
+                </a:solidFill>
+                <a:latin typeface="리디바탕" panose="020B0600000101010101" pitchFamily="34" charset="-127"/>
+                <a:ea typeface="리디바탕" panose="020B0600000101010101" pitchFamily="34" charset="-127"/>
+              </a:rPr>
+              <a:t>35</a:t>
+            </a:r>
+            <a:r>
+              <a:rPr lang="ko-KR" altLang="en-US" sz="2800" dirty="0">
+                <a:solidFill>
+                  <a:schemeClr val="tx1">
+                    <a:lumMod val="50000"/>
+                    <a:lumOff val="50000"/>
+                  </a:schemeClr>
+                </a:solidFill>
+                <a:latin typeface="리디바탕" panose="020B0600000101010101" pitchFamily="34" charset="-127"/>
+                <a:ea typeface="리디바탕" panose="020B0600000101010101" pitchFamily="34" charset="-127"/>
+              </a:rPr>
+              <a:t>세</a:t>
+            </a:r>
+            <a:r>
+              <a:rPr lang="en-US" altLang="ko-KR" sz="2800" dirty="0">
+                <a:solidFill>
+                  <a:schemeClr val="tx1">
+                    <a:lumMod val="50000"/>
+                    <a:lumOff val="50000"/>
+                  </a:schemeClr>
+                </a:solidFill>
+                <a:latin typeface="리디바탕" panose="020B0600000101010101" pitchFamily="34" charset="-127"/>
+                <a:ea typeface="리디바탕" panose="020B0600000101010101" pitchFamily="34" charset="-127"/>
+              </a:rPr>
+              <a:t>, </a:t>
+            </a:r>
+            <a:r>
+              <a:rPr lang="ko-KR" altLang="en-US" sz="2800" dirty="0">
+                <a:solidFill>
+                  <a:srgbClr val="FF00FF"/>
+                </a:solidFill>
+                <a:latin typeface="리디바탕" panose="020B0600000101010101" pitchFamily="34" charset="-127"/>
+                <a:ea typeface="리디바탕" panose="020B0600000101010101" pitchFamily="34" charset="-127"/>
+              </a:rPr>
+              <a:t>취미</a:t>
+            </a:r>
+            <a:r>
+              <a:rPr lang="en-US" altLang="ko-KR" sz="2800" dirty="0">
+                <a:solidFill>
+                  <a:schemeClr val="tx1">
+                    <a:lumMod val="50000"/>
+                    <a:lumOff val="50000"/>
+                  </a:schemeClr>
+                </a:solidFill>
+                <a:latin typeface="리디바탕" panose="020B0600000101010101" pitchFamily="34" charset="-127"/>
+                <a:ea typeface="리디바탕" panose="020B0600000101010101" pitchFamily="34" charset="-127"/>
+              </a:rPr>
+              <a:t>: </a:t>
+            </a:r>
+            <a:r>
+              <a:rPr lang="ko-KR" altLang="en-US" sz="2800" dirty="0" err="1">
+                <a:solidFill>
+                  <a:schemeClr val="tx1">
+                    <a:lumMod val="50000"/>
+                    <a:lumOff val="50000"/>
+                  </a:schemeClr>
+                </a:solidFill>
+                <a:latin typeface="리디바탕" panose="020B0600000101010101" pitchFamily="34" charset="-127"/>
+                <a:ea typeface="리디바탕" panose="020B0600000101010101" pitchFamily="34" charset="-127"/>
+              </a:rPr>
+              <a:t>다이나모</a:t>
+            </a:r>
+            <a:r>
+              <a:rPr lang="en-US" altLang="ko-KR" sz="2800" dirty="0">
+                <a:solidFill>
+                  <a:schemeClr val="tx1">
+                    <a:lumMod val="50000"/>
+                    <a:lumOff val="50000"/>
+                  </a:schemeClr>
+                </a:solidFill>
+                <a:latin typeface="리디바탕" panose="020B0600000101010101" pitchFamily="34" charset="-127"/>
+                <a:ea typeface="리디바탕" panose="020B0600000101010101" pitchFamily="34" charset="-127"/>
+              </a:rPr>
+              <a:t>, </a:t>
+            </a:r>
+            <a:r>
+              <a:rPr lang="ko-KR" altLang="en-US" sz="2800" dirty="0" err="1">
+                <a:solidFill>
+                  <a:srgbClr val="FF00FF"/>
+                </a:solidFill>
+                <a:latin typeface="리디바탕" panose="020B0600000101010101" pitchFamily="34" charset="-127"/>
+                <a:ea typeface="리디바탕" panose="020B0600000101010101" pitchFamily="34" charset="-127"/>
+              </a:rPr>
+              <a:t>사는곳</a:t>
+            </a:r>
+            <a:r>
+              <a:rPr lang="en-US" altLang="ko-KR" sz="2800" dirty="0">
+                <a:solidFill>
+                  <a:schemeClr val="tx1">
+                    <a:lumMod val="50000"/>
+                    <a:lumOff val="50000"/>
+                  </a:schemeClr>
+                </a:solidFill>
+                <a:latin typeface="리디바탕" panose="020B0600000101010101" pitchFamily="34" charset="-127"/>
+                <a:ea typeface="리디바탕" panose="020B0600000101010101" pitchFamily="34" charset="-127"/>
+              </a:rPr>
+              <a:t>: </a:t>
+            </a:r>
+            <a:r>
+              <a:rPr lang="ko-KR" altLang="en-US" sz="2800" dirty="0">
+                <a:solidFill>
+                  <a:schemeClr val="tx1">
+                    <a:lumMod val="50000"/>
+                    <a:lumOff val="50000"/>
+                  </a:schemeClr>
+                </a:solidFill>
+                <a:latin typeface="리디바탕" panose="020B0600000101010101" pitchFamily="34" charset="-127"/>
+                <a:ea typeface="리디바탕" panose="020B0600000101010101" pitchFamily="34" charset="-127"/>
+              </a:rPr>
+              <a:t>서울</a:t>
+            </a:r>
+            <a:r>
+              <a:rPr lang="en-US" altLang="ko-KR" sz="2800" dirty="0">
+                <a:solidFill>
+                  <a:schemeClr val="tx1">
+                    <a:lumMod val="50000"/>
+                    <a:lumOff val="50000"/>
+                  </a:schemeClr>
+                </a:solidFill>
+                <a:latin typeface="리디바탕" panose="020B0600000101010101" pitchFamily="34" charset="-127"/>
+                <a:ea typeface="리디바탕" panose="020B0600000101010101" pitchFamily="34" charset="-127"/>
+              </a:rPr>
+              <a:t>, </a:t>
+            </a:r>
+            <a:r>
+              <a:rPr lang="ko-KR" altLang="en-US" sz="2800" dirty="0">
+                <a:solidFill>
+                  <a:srgbClr val="FF00FF"/>
+                </a:solidFill>
+                <a:latin typeface="리디바탕" panose="020B0600000101010101" pitchFamily="34" charset="-127"/>
+                <a:ea typeface="리디바탕" panose="020B0600000101010101" pitchFamily="34" charset="-127"/>
+              </a:rPr>
+              <a:t>꿈</a:t>
+            </a:r>
+            <a:r>
+              <a:rPr lang="en-US" altLang="ko-KR" sz="2800" dirty="0">
+                <a:solidFill>
+                  <a:schemeClr val="tx1">
+                    <a:lumMod val="50000"/>
+                    <a:lumOff val="50000"/>
+                  </a:schemeClr>
+                </a:solidFill>
+                <a:latin typeface="리디바탕" panose="020B0600000101010101" pitchFamily="34" charset="-127"/>
+                <a:ea typeface="리디바탕" panose="020B0600000101010101" pitchFamily="34" charset="-127"/>
+              </a:rPr>
+              <a:t>: </a:t>
+            </a:r>
+            <a:r>
+              <a:rPr lang="ko-KR" altLang="en-US" sz="2800" dirty="0">
+                <a:solidFill>
+                  <a:schemeClr val="tx1">
+                    <a:lumMod val="50000"/>
+                    <a:lumOff val="50000"/>
+                  </a:schemeClr>
+                </a:solidFill>
+                <a:latin typeface="리디바탕" panose="020B0600000101010101" pitchFamily="34" charset="-127"/>
+                <a:ea typeface="리디바탕" panose="020B0600000101010101" pitchFamily="34" charset="-127"/>
+              </a:rPr>
+              <a:t>일확천금</a:t>
+            </a:r>
+            <a:r>
+              <a:rPr lang="en-US" altLang="ko-KR" sz="2800" dirty="0">
+                <a:solidFill>
+                  <a:schemeClr val="tx1">
+                    <a:lumMod val="50000"/>
+                    <a:lumOff val="50000"/>
+                  </a:schemeClr>
+                </a:solidFill>
+                <a:latin typeface="리디바탕" panose="020B0600000101010101" pitchFamily="34" charset="-127"/>
+                <a:ea typeface="리디바탕" panose="020B0600000101010101" pitchFamily="34" charset="-127"/>
+              </a:rPr>
+              <a:t> }</a:t>
+            </a:r>
+          </a:p>
+        </p:txBody>
+      </p:sp>
+      <p:sp>
+        <p:nvSpPr>
+          <p:cNvPr id="4" name="TextBox 3"/>
+          <p:cNvSpPr txBox="1"/>
+          <p:nvPr/>
+        </p:nvSpPr>
+        <p:spPr>
+          <a:xfrm>
+            <a:off x="1345747" y="3747402"/>
+            <a:ext cx="551241" cy="369332"/>
+          </a:xfrm>
+          <a:prstGeom prst="rect">
+            <a:avLst/>
+          </a:prstGeom>
+          <a:noFill/>
+        </p:spPr>
+        <p:txBody>
+          <a:bodyPr wrap="none" rtlCol="0">
+            <a:spAutoFit/>
+          </a:bodyPr>
+          <a:lstStyle/>
+          <a:p>
+            <a:r>
+              <a:rPr lang="en-US" altLang="ko-KR" dirty="0">
+                <a:solidFill>
+                  <a:srgbClr val="FF00FF"/>
+                </a:solidFill>
+                <a:latin typeface="리디바탕" panose="020B0600000101010101" pitchFamily="34" charset="-127"/>
+                <a:ea typeface="리디바탕" panose="020B0600000101010101" pitchFamily="34" charset="-127"/>
+              </a:rPr>
+              <a:t>key</a:t>
+            </a:r>
+            <a:endParaRPr lang="ko-KR" altLang="en-US" dirty="0">
+              <a:solidFill>
+                <a:srgbClr val="FF00FF"/>
+              </a:solidFill>
+              <a:latin typeface="리디바탕" panose="020B0600000101010101" pitchFamily="34" charset="-127"/>
+              <a:ea typeface="리디바탕" panose="020B0600000101010101" pitchFamily="34" charset="-127"/>
+            </a:endParaRPr>
+          </a:p>
+        </p:txBody>
+      </p:sp>
+      <p:sp>
+        <p:nvSpPr>
+          <p:cNvPr id="6" name="TextBox 5"/>
+          <p:cNvSpPr txBox="1"/>
+          <p:nvPr/>
+        </p:nvSpPr>
+        <p:spPr>
+          <a:xfrm>
+            <a:off x="2302597" y="3747402"/>
+            <a:ext cx="728917" cy="369332"/>
+          </a:xfrm>
+          <a:prstGeom prst="rect">
+            <a:avLst/>
+          </a:prstGeom>
+          <a:noFill/>
+        </p:spPr>
+        <p:txBody>
+          <a:bodyPr wrap="none" rtlCol="0">
+            <a:spAutoFit/>
+          </a:bodyPr>
+          <a:lstStyle/>
+          <a:p>
+            <a:r>
+              <a:rPr lang="en-US" altLang="ko-KR" dirty="0">
+                <a:solidFill>
+                  <a:srgbClr val="0000FF"/>
+                </a:solidFill>
+                <a:latin typeface="리디바탕" panose="020B0600000101010101" pitchFamily="34" charset="-127"/>
+                <a:ea typeface="리디바탕" panose="020B0600000101010101" pitchFamily="34" charset="-127"/>
+              </a:rPr>
+              <a:t>value</a:t>
+            </a:r>
+            <a:endParaRPr lang="ko-KR" altLang="en-US" dirty="0">
+              <a:solidFill>
+                <a:srgbClr val="0000FF"/>
+              </a:solidFill>
+              <a:latin typeface="리디바탕" panose="020B0600000101010101" pitchFamily="34" charset="-127"/>
+              <a:ea typeface="리디바탕" panose="020B0600000101010101" pitchFamily="34" charset="-127"/>
+            </a:endParaRPr>
+          </a:p>
+        </p:txBody>
+      </p:sp>
+      <p:sp>
+        <p:nvSpPr>
+          <p:cNvPr id="15" name="TextBox 14"/>
+          <p:cNvSpPr txBox="1"/>
+          <p:nvPr/>
+        </p:nvSpPr>
+        <p:spPr>
+          <a:xfrm>
+            <a:off x="1891109" y="3747402"/>
+            <a:ext cx="234360" cy="369332"/>
+          </a:xfrm>
+          <a:prstGeom prst="rect">
+            <a:avLst/>
+          </a:prstGeom>
+          <a:noFill/>
+        </p:spPr>
+        <p:txBody>
+          <a:bodyPr wrap="none" rtlCol="0">
+            <a:spAutoFit/>
+          </a:bodyPr>
+          <a:lstStyle/>
+          <a:p>
+            <a:r>
+              <a:rPr lang="en-US" altLang="ko-KR" dirty="0">
+                <a:latin typeface="리디바탕" panose="020B0600000101010101" pitchFamily="34" charset="-127"/>
+                <a:ea typeface="리디바탕" panose="020B0600000101010101" pitchFamily="34" charset="-127"/>
+              </a:rPr>
+              <a:t>:</a:t>
+            </a:r>
+            <a:endParaRPr lang="ko-KR" altLang="en-US" dirty="0">
+              <a:latin typeface="리디바탕" panose="020B0600000101010101" pitchFamily="34" charset="-127"/>
+              <a:ea typeface="리디바탕" panose="020B0600000101010101" pitchFamily="34" charset="-127"/>
+            </a:endParaRPr>
+          </a:p>
+        </p:txBody>
+      </p:sp>
+      <p:sp>
+        <p:nvSpPr>
+          <p:cNvPr id="16" name="TextBox 15"/>
+          <p:cNvSpPr txBox="1"/>
+          <p:nvPr/>
+        </p:nvSpPr>
+        <p:spPr>
+          <a:xfrm>
+            <a:off x="0" y="822851"/>
+            <a:ext cx="12192000" cy="663258"/>
+          </a:xfrm>
+          <a:prstGeom prst="rect">
+            <a:avLst/>
+          </a:prstGeom>
+          <a:noFill/>
+        </p:spPr>
+        <p:txBody>
+          <a:bodyPr wrap="square" rtlCol="0">
+            <a:spAutoFit/>
+          </a:bodyPr>
+          <a:lstStyle/>
+          <a:p>
+            <a:pPr algn="ctr">
+              <a:lnSpc>
+                <a:spcPct val="150000"/>
+              </a:lnSpc>
+            </a:pPr>
+            <a:r>
+              <a:rPr lang="en-US" altLang="ko-KR" sz="2800" dirty="0">
+                <a:latin typeface="리디바탕" panose="020B0600000101010101" pitchFamily="34" charset="-127"/>
+                <a:ea typeface="리디바탕" panose="020B0600000101010101" pitchFamily="34" charset="-127"/>
+              </a:rPr>
+              <a:t>Dictionary </a:t>
+            </a:r>
+            <a:r>
+              <a:rPr lang="ko-KR" altLang="en-US" sz="2800" dirty="0">
+                <a:latin typeface="리디바탕" panose="020B0600000101010101" pitchFamily="34" charset="-127"/>
+                <a:ea typeface="리디바탕" panose="020B0600000101010101" pitchFamily="34" charset="-127"/>
+              </a:rPr>
+              <a:t>가 코드의 복잡도를 낮출 수 있는 이유는</a:t>
+            </a:r>
+            <a:r>
+              <a:rPr lang="en-US" altLang="ko-KR" sz="2800" dirty="0">
+                <a:latin typeface="리디바탕" panose="020B0600000101010101" pitchFamily="34" charset="-127"/>
+                <a:ea typeface="리디바탕" panose="020B0600000101010101" pitchFamily="34" charset="-127"/>
+              </a:rPr>
+              <a:t>?</a:t>
+            </a:r>
+          </a:p>
+        </p:txBody>
+      </p:sp>
+      <p:sp>
+        <p:nvSpPr>
+          <p:cNvPr id="17" name="직사각형 16"/>
+          <p:cNvSpPr/>
+          <p:nvPr/>
+        </p:nvSpPr>
+        <p:spPr>
+          <a:xfrm>
+            <a:off x="2075921" y="1719826"/>
+            <a:ext cx="7518597" cy="1200329"/>
+          </a:xfrm>
+          <a:prstGeom prst="rect">
+            <a:avLst/>
+          </a:prstGeom>
+        </p:spPr>
+        <p:txBody>
+          <a:bodyPr wrap="none">
+            <a:spAutoFit/>
+          </a:bodyPr>
+          <a:lstStyle/>
+          <a:p>
+            <a:r>
+              <a:rPr lang="ko-KR" altLang="en-US" dirty="0">
+                <a:solidFill>
+                  <a:srgbClr val="FF00FF"/>
+                </a:solidFill>
+                <a:latin typeface="리디바탕" panose="020B0600000101010101" pitchFamily="34" charset="-127"/>
+                <a:ea typeface="리디바탕" panose="020B0600000101010101" pitchFamily="34" charset="-127"/>
+              </a:rPr>
+              <a:t>명시적</a:t>
+            </a:r>
+            <a:r>
+              <a:rPr lang="ko-KR" altLang="en-US" dirty="0">
+                <a:latin typeface="리디바탕" panose="020B0600000101010101" pitchFamily="34" charset="-127"/>
+                <a:ea typeface="리디바탕" panose="020B0600000101010101" pitchFamily="34" charset="-127"/>
+              </a:rPr>
+              <a:t> 키를 사용하는</a:t>
+            </a:r>
+            <a:r>
+              <a:rPr lang="en-US" altLang="ko-KR" dirty="0">
+                <a:latin typeface="리디바탕" panose="020B0600000101010101" pitchFamily="34" charset="-127"/>
+                <a:ea typeface="리디바탕" panose="020B0600000101010101" pitchFamily="34" charset="-127"/>
+              </a:rPr>
+              <a:t> Dictionary</a:t>
+            </a:r>
+            <a:r>
+              <a:rPr lang="ko-KR" altLang="en-US" dirty="0">
+                <a:latin typeface="리디바탕" panose="020B0600000101010101" pitchFamily="34" charset="-127"/>
+                <a:ea typeface="리디바탕" panose="020B0600000101010101" pitchFamily="34" charset="-127"/>
+              </a:rPr>
+              <a:t>는 사용자가 직접 데이터를 서술할 수 있는</a:t>
+            </a:r>
+            <a:endParaRPr lang="en-US" altLang="ko-KR" dirty="0">
+              <a:latin typeface="리디바탕" panose="020B0600000101010101" pitchFamily="34" charset="-127"/>
+              <a:ea typeface="리디바탕" panose="020B0600000101010101" pitchFamily="34" charset="-127"/>
+            </a:endParaRPr>
+          </a:p>
+          <a:p>
+            <a:r>
+              <a:rPr lang="en-US" altLang="ko-KR" dirty="0">
+                <a:latin typeface="리디바탕" panose="020B0600000101010101" pitchFamily="34" charset="-127"/>
+                <a:ea typeface="리디바탕" panose="020B0600000101010101" pitchFamily="34" charset="-127"/>
+              </a:rPr>
+              <a:t>key</a:t>
+            </a:r>
+            <a:r>
+              <a:rPr lang="ko-KR" altLang="en-US" dirty="0">
+                <a:latin typeface="리디바탕" panose="020B0600000101010101" pitchFamily="34" charset="-127"/>
+                <a:ea typeface="리디바탕" panose="020B0600000101010101" pitchFamily="34" charset="-127"/>
+              </a:rPr>
+              <a:t> 이름을 사용해 데이터를 형성할 수 있음</a:t>
+            </a:r>
+            <a:r>
+              <a:rPr lang="en-US" altLang="ko-KR" dirty="0">
+                <a:latin typeface="리디바탕" panose="020B0600000101010101" pitchFamily="34" charset="-127"/>
+                <a:ea typeface="리디바탕" panose="020B0600000101010101" pitchFamily="34" charset="-127"/>
+              </a:rPr>
+              <a:t>.</a:t>
+            </a:r>
+          </a:p>
+          <a:p>
+            <a:endParaRPr lang="en-US" altLang="ko-KR" dirty="0">
+              <a:latin typeface="리디바탕" panose="020B0600000101010101" pitchFamily="34" charset="-127"/>
+              <a:ea typeface="리디바탕" panose="020B0600000101010101" pitchFamily="34" charset="-127"/>
+            </a:endParaRPr>
+          </a:p>
+          <a:p>
+            <a:r>
+              <a:rPr lang="ko-KR" altLang="en-US" dirty="0">
+                <a:latin typeface="리디바탕" panose="020B0600000101010101" pitchFamily="34" charset="-127"/>
+                <a:ea typeface="리디바탕" panose="020B0600000101010101" pitchFamily="34" charset="-127"/>
+              </a:rPr>
+              <a:t>따라서 상대적으로 </a:t>
+            </a:r>
+            <a:r>
+              <a:rPr lang="en-US" altLang="ko-KR" dirty="0">
+                <a:latin typeface="리디바탕" panose="020B0600000101010101" pitchFamily="34" charset="-127"/>
+                <a:ea typeface="리디바탕" panose="020B0600000101010101" pitchFamily="34" charset="-127"/>
+              </a:rPr>
+              <a:t>*</a:t>
+            </a:r>
+            <a:r>
+              <a:rPr lang="en-US" altLang="ko-KR" dirty="0">
+                <a:solidFill>
+                  <a:srgbClr val="FF00FF"/>
+                </a:solidFill>
+                <a:latin typeface="리디바탕" panose="020B0600000101010101" pitchFamily="34" charset="-127"/>
+                <a:ea typeface="리디바탕" panose="020B0600000101010101" pitchFamily="34" charset="-127"/>
+              </a:rPr>
+              <a:t>Self-descriptive(</a:t>
+            </a:r>
+            <a:r>
+              <a:rPr lang="ko-KR" altLang="en-US" dirty="0" err="1">
+                <a:solidFill>
+                  <a:srgbClr val="FF00FF"/>
+                </a:solidFill>
+                <a:latin typeface="리디바탕" panose="020B0600000101010101" pitchFamily="34" charset="-127"/>
+                <a:ea typeface="리디바탕" panose="020B0600000101010101" pitchFamily="34" charset="-127"/>
+              </a:rPr>
+              <a:t>자기서술적</a:t>
+            </a:r>
+            <a:r>
+              <a:rPr lang="en-US" altLang="ko-KR" dirty="0">
+                <a:solidFill>
+                  <a:srgbClr val="FF00FF"/>
+                </a:solidFill>
+                <a:latin typeface="리디바탕" panose="020B0600000101010101" pitchFamily="34" charset="-127"/>
+                <a:ea typeface="리디바탕" panose="020B0600000101010101" pitchFamily="34" charset="-127"/>
+              </a:rPr>
+              <a:t>)</a:t>
+            </a:r>
+            <a:r>
+              <a:rPr lang="en-US" altLang="ko-KR" dirty="0">
+                <a:solidFill>
+                  <a:srgbClr val="0000FF"/>
+                </a:solidFill>
+                <a:latin typeface="리디바탕" panose="020B0600000101010101" pitchFamily="34" charset="-127"/>
+                <a:ea typeface="리디바탕" panose="020B0600000101010101" pitchFamily="34" charset="-127"/>
+              </a:rPr>
+              <a:t> </a:t>
+            </a:r>
+            <a:r>
+              <a:rPr lang="ko-KR" altLang="en-US" dirty="0">
+                <a:latin typeface="리디바탕" panose="020B0600000101010101" pitchFamily="34" charset="-127"/>
+                <a:ea typeface="리디바탕" panose="020B0600000101010101" pitchFamily="34" charset="-127"/>
+              </a:rPr>
+              <a:t>한 데이터 컬렉션 임</a:t>
+            </a:r>
+            <a:endParaRPr lang="ko-KR" altLang="en-US" dirty="0"/>
+          </a:p>
+        </p:txBody>
+      </p:sp>
+      <p:sp>
+        <p:nvSpPr>
+          <p:cNvPr id="5" name="TextBox 4">
+            <a:extLst>
+              <a:ext uri="{FF2B5EF4-FFF2-40B4-BE49-F238E27FC236}">
+                <a16:creationId xmlns:a16="http://schemas.microsoft.com/office/drawing/2014/main" id="{ABD02EFB-8B42-5B36-9D03-CD18E3D027BC}"/>
+              </a:ext>
+            </a:extLst>
+          </p:cNvPr>
+          <p:cNvSpPr txBox="1"/>
+          <p:nvPr/>
+        </p:nvSpPr>
+        <p:spPr>
+          <a:xfrm>
+            <a:off x="6911164" y="4843390"/>
+            <a:ext cx="5039832" cy="613373"/>
+          </a:xfrm>
+          <a:prstGeom prst="rect">
+            <a:avLst/>
+          </a:prstGeom>
+          <a:noFill/>
+        </p:spPr>
+        <p:txBody>
+          <a:bodyPr wrap="square">
+            <a:spAutoFit/>
+          </a:bodyPr>
+          <a:lstStyle/>
+          <a:p>
+            <a:pPr>
+              <a:lnSpc>
+                <a:spcPct val="150000"/>
+              </a:lnSpc>
+            </a:pPr>
+            <a:r>
+              <a:rPr lang="en-US" altLang="ko-KR" sz="1200" dirty="0">
+                <a:latin typeface="리디바탕" panose="020B0600000101010101" pitchFamily="34" charset="-127"/>
+                <a:ea typeface="리디바탕" panose="020B0600000101010101" pitchFamily="34" charset="-127"/>
+              </a:rPr>
+              <a:t>* REST </a:t>
+            </a:r>
+            <a:r>
+              <a:rPr lang="ko-KR" altLang="en-US" sz="1200" dirty="0">
+                <a:latin typeface="리디바탕" panose="020B0600000101010101" pitchFamily="34" charset="-127"/>
+                <a:ea typeface="리디바탕" panose="020B0600000101010101" pitchFamily="34" charset="-127"/>
+              </a:rPr>
+              <a:t>아키텍처에서의 </a:t>
+            </a:r>
+            <a:r>
+              <a:rPr lang="en-US" altLang="ko-KR" sz="1200" dirty="0">
+                <a:latin typeface="리디바탕" panose="020B0600000101010101" pitchFamily="34" charset="-127"/>
+                <a:ea typeface="리디바탕" panose="020B0600000101010101" pitchFamily="34" charset="-127"/>
+              </a:rPr>
+              <a:t>Self-descriptive</a:t>
+            </a:r>
+            <a:r>
+              <a:rPr lang="ko-KR" altLang="en-US" sz="1200" dirty="0">
+                <a:latin typeface="리디바탕" panose="020B0600000101010101" pitchFamily="34" charset="-127"/>
+                <a:ea typeface="리디바탕" panose="020B0600000101010101" pitchFamily="34" charset="-127"/>
+              </a:rPr>
+              <a:t>와는 조금 다른 의미로 쓰였음</a:t>
+            </a:r>
+            <a:r>
+              <a:rPr lang="en-US" altLang="ko-KR" sz="1200" dirty="0">
+                <a:latin typeface="리디바탕" panose="020B0600000101010101" pitchFamily="34" charset="-127"/>
+                <a:ea typeface="리디바탕" panose="020B0600000101010101" pitchFamily="34" charset="-127"/>
+              </a:rPr>
+              <a:t>.</a:t>
+            </a:r>
+          </a:p>
+          <a:p>
+            <a:pPr>
+              <a:lnSpc>
+                <a:spcPct val="150000"/>
+              </a:lnSpc>
+            </a:pPr>
+            <a:r>
+              <a:rPr lang="en-US" altLang="ko-KR" sz="1200" dirty="0">
+                <a:latin typeface="리디바탕" panose="020B0600000101010101" pitchFamily="34" charset="-127"/>
+                <a:ea typeface="리디바탕" panose="020B0600000101010101" pitchFamily="34" charset="-127"/>
+              </a:rPr>
+              <a:t>-</a:t>
+            </a:r>
+            <a:r>
+              <a:rPr lang="ko-KR" altLang="en-US" sz="1200" dirty="0">
+                <a:latin typeface="리디바탕" panose="020B0600000101010101" pitchFamily="34" charset="-127"/>
+                <a:ea typeface="리디바탕" panose="020B0600000101010101" pitchFamily="34" charset="-127"/>
+              </a:rPr>
+              <a:t>리스트에 비해 </a:t>
+            </a:r>
+            <a:r>
+              <a:rPr lang="ko-KR" altLang="en-US" sz="1200" u="sng" dirty="0">
+                <a:latin typeface="리디바탕" panose="020B0600000101010101" pitchFamily="34" charset="-127"/>
+                <a:ea typeface="리디바탕" panose="020B0600000101010101" pitchFamily="34" charset="-127"/>
+              </a:rPr>
+              <a:t>상대적</a:t>
+            </a:r>
+            <a:r>
+              <a:rPr lang="ko-KR" altLang="en-US" sz="1200" dirty="0">
+                <a:latin typeface="리디바탕" panose="020B0600000101010101" pitchFamily="34" charset="-127"/>
+                <a:ea typeface="리디바탕" panose="020B0600000101010101" pitchFamily="34" charset="-127"/>
+              </a:rPr>
+              <a:t>으로 </a:t>
+            </a:r>
+            <a:r>
+              <a:rPr lang="ko-KR" altLang="en-US" sz="1200" dirty="0" err="1">
+                <a:latin typeface="리디바탕" panose="020B0600000101010101" pitchFamily="34" charset="-127"/>
+                <a:ea typeface="리디바탕" panose="020B0600000101010101" pitchFamily="34" charset="-127"/>
+              </a:rPr>
+              <a:t>자기서술적이라는</a:t>
+            </a:r>
+            <a:r>
+              <a:rPr lang="ko-KR" altLang="en-US" sz="1200" dirty="0">
+                <a:latin typeface="리디바탕" panose="020B0600000101010101" pitchFamily="34" charset="-127"/>
+                <a:ea typeface="리디바탕" panose="020B0600000101010101" pitchFamily="34" charset="-127"/>
+              </a:rPr>
+              <a:t> 의미</a:t>
+            </a:r>
+            <a:r>
+              <a:rPr lang="en-US" altLang="ko-KR" sz="1200" dirty="0">
+                <a:latin typeface="리디바탕" panose="020B0600000101010101" pitchFamily="34" charset="-127"/>
+                <a:ea typeface="리디바탕" panose="020B0600000101010101" pitchFamily="34" charset="-127"/>
+              </a:rPr>
+              <a:t>.</a:t>
+            </a:r>
+            <a:endParaRPr lang="ko-KR" altLang="en-US" sz="1200" dirty="0"/>
+          </a:p>
+        </p:txBody>
+      </p:sp>
+    </p:spTree>
+    <p:extLst>
+      <p:ext uri="{BB962C8B-B14F-4D97-AF65-F5344CB8AC3E}">
+        <p14:creationId xmlns:p14="http://schemas.microsoft.com/office/powerpoint/2010/main" val="4151670070"/>
+      </p:ext>
+    </p:extLst>
+  </p:cSld>
+  <p:clrMapOvr>
+    <a:masterClrMapping/>
+  </p:clrMapOvr>
+</p:sld>
+</file>
+
+<file path=ppt/slides/slide24.xml><?xml version="1.0" encoding="utf-8"?>
+<p:sld xmlns:a="http://schemas.openxmlformats.org/drawingml/2006/main" xmlns:r="http://schemas.openxmlformats.org/officeDocument/2006/relationships" xmlns:p="http://schemas.openxmlformats.org/presentationml/2006/main">
+  <p:cSld>
+    <p:spTree>
+      <p:nvGrpSpPr>
+        <p:cNvPr id="1" name=""/>
+        <p:cNvGrpSpPr/>
+        <p:nvPr/>
+      </p:nvGrpSpPr>
+      <p:grpSpPr>
+        <a:xfrm>
+          <a:off x="0" y="0"/>
+          <a:ext cx="0" cy="0"/>
+          <a:chOff x="0" y="0"/>
+          <a:chExt cx="0" cy="0"/>
+        </a:xfrm>
+      </p:grpSpPr>
+      <p:sp>
+        <p:nvSpPr>
+          <p:cNvPr id="2" name="TextBox 1"/>
+          <p:cNvSpPr txBox="1"/>
+          <p:nvPr/>
+        </p:nvSpPr>
+        <p:spPr>
+          <a:xfrm>
             <a:off x="0" y="822851"/>
             <a:ext cx="12192000" cy="663258"/>
           </a:xfrm>
@@ -9026,7 +9087,7 @@
 </p:sld>
 </file>
 
-<file path=ppt/slides/slide24.xml><?xml version="1.0" encoding="utf-8"?>
+<file path=ppt/slides/slide25.xml><?xml version="1.0" encoding="utf-8"?>
 <p:sld xmlns:a="http://schemas.openxmlformats.org/drawingml/2006/main" xmlns:r="http://schemas.openxmlformats.org/officeDocument/2006/relationships" xmlns:p="http://schemas.openxmlformats.org/presentationml/2006/main">
   <p:cSld>
     <p:spTree>
@@ -9803,7 +9864,7 @@
 </p:sld>
 </file>
 
-<file path=ppt/slides/slide25.xml><?xml version="1.0" encoding="utf-8"?>
+<file path=ppt/slides/slide26.xml><?xml version="1.0" encoding="utf-8"?>
 <p:sld xmlns:a="http://schemas.openxmlformats.org/drawingml/2006/main" xmlns:r="http://schemas.openxmlformats.org/officeDocument/2006/relationships" xmlns:p="http://schemas.openxmlformats.org/presentationml/2006/main">
   <p:cSld>
     <p:spTree>
@@ -9943,7 +10004,7 @@
 </p:sld>
 </file>
 
-<file path=ppt/slides/slide26.xml><?xml version="1.0" encoding="utf-8"?>
+<file path=ppt/slides/slide27.xml><?xml version="1.0" encoding="utf-8"?>
 <p:sld xmlns:a="http://schemas.openxmlformats.org/drawingml/2006/main" xmlns:r="http://schemas.openxmlformats.org/officeDocument/2006/relationships" xmlns:p="http://schemas.openxmlformats.org/presentationml/2006/main">
   <p:cSld>
     <p:spTree>
@@ -10625,7 +10686,7 @@
 </p:sld>
 </file>
 
-<file path=ppt/slides/slide27.xml><?xml version="1.0" encoding="utf-8"?>
+<file path=ppt/slides/slide28.xml><?xml version="1.0" encoding="utf-8"?>
 <p:sld xmlns:a="http://schemas.openxmlformats.org/drawingml/2006/main" xmlns:r="http://schemas.openxmlformats.org/officeDocument/2006/relationships" xmlns:p="http://schemas.openxmlformats.org/presentationml/2006/main">
   <p:cSld>
     <p:spTree>
@@ -11231,7 +11292,7 @@
 </p:sld>
 </file>
 
-<file path=ppt/slides/slide28.xml><?xml version="1.0" encoding="utf-8"?>
+<file path=ppt/slides/slide29.xml><?xml version="1.0" encoding="utf-8"?>
 <p:sld xmlns:a="http://schemas.openxmlformats.org/drawingml/2006/main" xmlns:r="http://schemas.openxmlformats.org/officeDocument/2006/relationships" xmlns:p="http://schemas.openxmlformats.org/presentationml/2006/main">
   <p:cSld>
     <p:spTree>
@@ -11911,1715 +11972,6 @@
     <p:extLst>
       <p:ext uri="{BB962C8B-B14F-4D97-AF65-F5344CB8AC3E}">
         <p14:creationId xmlns:p14="http://schemas.microsoft.com/office/powerpoint/2010/main" val="2310964853"/>
-      </p:ext>
-    </p:extLst>
-  </p:cSld>
-  <p:clrMapOvr>
-    <a:masterClrMapping/>
-  </p:clrMapOvr>
-</p:sld>
-</file>
-
-<file path=ppt/slides/slide29.xml><?xml version="1.0" encoding="utf-8"?>
-<p:sld xmlns:a="http://schemas.openxmlformats.org/drawingml/2006/main" xmlns:r="http://schemas.openxmlformats.org/officeDocument/2006/relationships" xmlns:p="http://schemas.openxmlformats.org/presentationml/2006/main">
-  <p:cSld>
-    <p:spTree>
-      <p:nvGrpSpPr>
-        <p:cNvPr id="1" name=""/>
-        <p:cNvGrpSpPr/>
-        <p:nvPr/>
-      </p:nvGrpSpPr>
-      <p:grpSpPr>
-        <a:xfrm>
-          <a:off x="0" y="0"/>
-          <a:ext cx="0" cy="0"/>
-          <a:chOff x="0" y="0"/>
-          <a:chExt cx="0" cy="0"/>
-        </a:xfrm>
-      </p:grpSpPr>
-      <p:pic>
-        <p:nvPicPr>
-          <p:cNvPr id="4" name="그림 3">
-            <a:extLst>
-              <a:ext uri="{FF2B5EF4-FFF2-40B4-BE49-F238E27FC236}">
-                <a16:creationId xmlns:a16="http://schemas.microsoft.com/office/drawing/2014/main" id="{7D3599A9-1DBD-C6C9-746A-8FD29E5259B4}"/>
-              </a:ext>
-            </a:extLst>
-          </p:cNvPr>
-          <p:cNvPicPr>
-            <a:picLocks noChangeAspect="1"/>
-          </p:cNvPicPr>
-          <p:nvPr/>
-        </p:nvPicPr>
-        <p:blipFill rotWithShape="1">
-          <a:blip r:embed="rId2">
-            <a:extLst>
-              <a:ext uri="{BEBA8EAE-BF5A-486C-A8C5-ECC9F3942E4B}">
-                <a14:imgProps xmlns:a14="http://schemas.microsoft.com/office/drawing/2010/main">
-                  <a14:imgLayer r:embed="rId3">
-                    <a14:imgEffect>
-                      <a14:brightnessContrast bright="30000"/>
-                    </a14:imgEffect>
-                  </a14:imgLayer>
-                </a14:imgProps>
-              </a:ext>
-            </a:extLst>
-          </a:blip>
-          <a:srcRect r="1280"/>
-          <a:stretch/>
-        </p:blipFill>
-        <p:spPr>
-          <a:xfrm>
-            <a:off x="6259139" y="80495"/>
-            <a:ext cx="5294683" cy="6697010"/>
-          </a:xfrm>
-          <a:prstGeom prst="rect">
-            <a:avLst/>
-          </a:prstGeom>
-        </p:spPr>
-      </p:pic>
-      <p:pic>
-        <p:nvPicPr>
-          <p:cNvPr id="6" name="그림 5">
-            <a:extLst>
-              <a:ext uri="{FF2B5EF4-FFF2-40B4-BE49-F238E27FC236}">
-                <a16:creationId xmlns:a16="http://schemas.microsoft.com/office/drawing/2014/main" id="{9976C530-D000-F4F2-123E-0EBD6EDAFDF7}"/>
-              </a:ext>
-            </a:extLst>
-          </p:cNvPr>
-          <p:cNvPicPr>
-            <a:picLocks noChangeAspect="1"/>
-          </p:cNvPicPr>
-          <p:nvPr/>
-        </p:nvPicPr>
-        <p:blipFill>
-          <a:blip r:embed="rId4">
-            <a:extLst>
-              <a:ext uri="{BEBA8EAE-BF5A-486C-A8C5-ECC9F3942E4B}">
-                <a14:imgProps xmlns:a14="http://schemas.microsoft.com/office/drawing/2010/main">
-                  <a14:imgLayer r:embed="rId5">
-                    <a14:imgEffect>
-                      <a14:brightnessContrast bright="20000"/>
-                    </a14:imgEffect>
-                  </a14:imgLayer>
-                </a14:imgProps>
-              </a:ext>
-            </a:extLst>
-          </a:blip>
-          <a:stretch>
-            <a:fillRect/>
-          </a:stretch>
-        </p:blipFill>
-        <p:spPr>
-          <a:xfrm>
-            <a:off x="190276" y="201334"/>
-            <a:ext cx="3200847" cy="3991532"/>
-          </a:xfrm>
-          <a:prstGeom prst="rect">
-            <a:avLst/>
-          </a:prstGeom>
-        </p:spPr>
-      </p:pic>
-      <p:sp>
-        <p:nvSpPr>
-          <p:cNvPr id="7" name="모서리가 둥근 직사각형 2">
-            <a:extLst>
-              <a:ext uri="{FF2B5EF4-FFF2-40B4-BE49-F238E27FC236}">
-                <a16:creationId xmlns:a16="http://schemas.microsoft.com/office/drawing/2014/main" id="{9697A648-22FD-4F65-F863-198473277D9E}"/>
-              </a:ext>
-            </a:extLst>
-          </p:cNvPr>
-          <p:cNvSpPr/>
-          <p:nvPr/>
-        </p:nvSpPr>
-        <p:spPr>
-          <a:xfrm>
-            <a:off x="8572501" y="373380"/>
-            <a:ext cx="1432560" cy="160020"/>
-          </a:xfrm>
-          <a:prstGeom prst="roundRect">
-            <a:avLst/>
-          </a:prstGeom>
-          <a:noFill/>
-          <a:ln w="15875">
-            <a:solidFill>
-              <a:srgbClr val="00FFFF"/>
-            </a:solidFill>
-            <a:prstDash val="lgDashDot"/>
-          </a:ln>
-        </p:spPr>
-        <p:style>
-          <a:lnRef idx="2">
-            <a:schemeClr val="accent1">
-              <a:shade val="50000"/>
-            </a:schemeClr>
-          </a:lnRef>
-          <a:fillRef idx="1">
-            <a:schemeClr val="accent1"/>
-          </a:fillRef>
-          <a:effectRef idx="0">
-            <a:schemeClr val="accent1"/>
-          </a:effectRef>
-          <a:fontRef idx="minor">
-            <a:schemeClr val="lt1"/>
-          </a:fontRef>
-        </p:style>
-        <p:txBody>
-          <a:bodyPr rtlCol="0" anchor="ctr"/>
-          <a:lstStyle/>
-          <a:p>
-            <a:pPr algn="ctr"/>
-            <a:endParaRPr lang="ko-KR" altLang="en-US"/>
-          </a:p>
-        </p:txBody>
-      </p:sp>
-      <p:sp>
-        <p:nvSpPr>
-          <p:cNvPr id="8" name="모서리가 둥근 직사각형 2">
-            <a:extLst>
-              <a:ext uri="{FF2B5EF4-FFF2-40B4-BE49-F238E27FC236}">
-                <a16:creationId xmlns:a16="http://schemas.microsoft.com/office/drawing/2014/main" id="{981EC16F-2167-6C85-B921-9A25A56E97A9}"/>
-              </a:ext>
-            </a:extLst>
-          </p:cNvPr>
-          <p:cNvSpPr/>
-          <p:nvPr/>
-        </p:nvSpPr>
-        <p:spPr>
-          <a:xfrm>
-            <a:off x="8572501" y="533400"/>
-            <a:ext cx="1432560" cy="5684520"/>
-          </a:xfrm>
-          <a:prstGeom prst="roundRect">
-            <a:avLst/>
-          </a:prstGeom>
-          <a:noFill/>
-          <a:ln w="15875">
-            <a:solidFill>
-              <a:srgbClr val="00FFFF"/>
-            </a:solidFill>
-            <a:prstDash val="lgDashDot"/>
-          </a:ln>
-        </p:spPr>
-        <p:style>
-          <a:lnRef idx="2">
-            <a:schemeClr val="accent1">
-              <a:shade val="50000"/>
-            </a:schemeClr>
-          </a:lnRef>
-          <a:fillRef idx="1">
-            <a:schemeClr val="accent1"/>
-          </a:fillRef>
-          <a:effectRef idx="0">
-            <a:schemeClr val="accent1"/>
-          </a:effectRef>
-          <a:fontRef idx="minor">
-            <a:schemeClr val="lt1"/>
-          </a:fontRef>
-        </p:style>
-        <p:txBody>
-          <a:bodyPr rtlCol="0" anchor="ctr"/>
-          <a:lstStyle/>
-          <a:p>
-            <a:pPr algn="ctr"/>
-            <a:endParaRPr lang="ko-KR" altLang="en-US"/>
-          </a:p>
-        </p:txBody>
-      </p:sp>
-      <p:sp>
-        <p:nvSpPr>
-          <p:cNvPr id="9" name="모서리가 둥근 직사각형 2">
-            <a:extLst>
-              <a:ext uri="{FF2B5EF4-FFF2-40B4-BE49-F238E27FC236}">
-                <a16:creationId xmlns:a16="http://schemas.microsoft.com/office/drawing/2014/main" id="{92AD0E45-30EE-5C53-6E42-3A735AB1BA59}"/>
-              </a:ext>
-            </a:extLst>
-          </p:cNvPr>
-          <p:cNvSpPr/>
-          <p:nvPr/>
-        </p:nvSpPr>
-        <p:spPr>
-          <a:xfrm>
-            <a:off x="8572501" y="6217920"/>
-            <a:ext cx="1432560" cy="373380"/>
-          </a:xfrm>
-          <a:prstGeom prst="roundRect">
-            <a:avLst/>
-          </a:prstGeom>
-          <a:noFill/>
-          <a:ln w="15875">
-            <a:solidFill>
-              <a:srgbClr val="00FFFF"/>
-            </a:solidFill>
-            <a:prstDash val="lgDashDot"/>
-          </a:ln>
-        </p:spPr>
-        <p:style>
-          <a:lnRef idx="2">
-            <a:schemeClr val="accent1">
-              <a:shade val="50000"/>
-            </a:schemeClr>
-          </a:lnRef>
-          <a:fillRef idx="1">
-            <a:schemeClr val="accent1"/>
-          </a:fillRef>
-          <a:effectRef idx="0">
-            <a:schemeClr val="accent1"/>
-          </a:effectRef>
-          <a:fontRef idx="minor">
-            <a:schemeClr val="lt1"/>
-          </a:fontRef>
-        </p:style>
-        <p:txBody>
-          <a:bodyPr rtlCol="0" anchor="ctr"/>
-          <a:lstStyle/>
-          <a:p>
-            <a:pPr algn="ctr"/>
-            <a:endParaRPr lang="ko-KR" altLang="en-US"/>
-          </a:p>
-        </p:txBody>
-      </p:sp>
-      <p:cxnSp>
-        <p:nvCxnSpPr>
-          <p:cNvPr id="11" name="연결선: 구부러짐 10">
-            <a:extLst>
-              <a:ext uri="{FF2B5EF4-FFF2-40B4-BE49-F238E27FC236}">
-                <a16:creationId xmlns:a16="http://schemas.microsoft.com/office/drawing/2014/main" id="{127DC187-B73E-2435-A779-66BC5BF76653}"/>
-              </a:ext>
-            </a:extLst>
-          </p:cNvPr>
-          <p:cNvCxnSpPr/>
-          <p:nvPr/>
-        </p:nvCxnSpPr>
-        <p:spPr>
-          <a:xfrm flipV="1">
-            <a:off x="2243470" y="373380"/>
-            <a:ext cx="6198781" cy="774936"/>
-          </a:xfrm>
-          <a:prstGeom prst="curvedConnector3">
-            <a:avLst>
-              <a:gd name="adj1" fmla="val 52230"/>
-            </a:avLst>
-          </a:prstGeom>
-          <a:ln w="22225">
-            <a:solidFill>
-              <a:srgbClr val="0000FF"/>
-            </a:solidFill>
-            <a:prstDash val="lgDashDot"/>
-            <a:tailEnd type="triangle"/>
-          </a:ln>
-        </p:spPr>
-        <p:style>
-          <a:lnRef idx="1">
-            <a:schemeClr val="accent1"/>
-          </a:lnRef>
-          <a:fillRef idx="0">
-            <a:schemeClr val="accent1"/>
-          </a:fillRef>
-          <a:effectRef idx="0">
-            <a:schemeClr val="accent1"/>
-          </a:effectRef>
-          <a:fontRef idx="minor">
-            <a:schemeClr val="tx1"/>
-          </a:fontRef>
-        </p:style>
-      </p:cxnSp>
-      <p:cxnSp>
-        <p:nvCxnSpPr>
-          <p:cNvPr id="13" name="연결선: 구부러짐 12">
-            <a:extLst>
-              <a:ext uri="{FF2B5EF4-FFF2-40B4-BE49-F238E27FC236}">
-                <a16:creationId xmlns:a16="http://schemas.microsoft.com/office/drawing/2014/main" id="{31C0F417-7A69-1288-662B-1959CF3B1647}"/>
-              </a:ext>
-            </a:extLst>
-          </p:cNvPr>
-          <p:cNvCxnSpPr>
-            <a:cxnSpLocks/>
-          </p:cNvCxnSpPr>
-          <p:nvPr/>
-        </p:nvCxnSpPr>
-        <p:spPr>
-          <a:xfrm>
-            <a:off x="2243470" y="1376874"/>
-            <a:ext cx="6018028" cy="2052126"/>
-          </a:xfrm>
-          <a:prstGeom prst="curvedConnector3">
-            <a:avLst>
-              <a:gd name="adj1" fmla="val 50000"/>
-            </a:avLst>
-          </a:prstGeom>
-          <a:ln w="22225">
-            <a:solidFill>
-              <a:srgbClr val="0000FF"/>
-            </a:solidFill>
-            <a:prstDash val="lgDashDot"/>
-            <a:tailEnd type="triangle"/>
-          </a:ln>
-        </p:spPr>
-        <p:style>
-          <a:lnRef idx="1">
-            <a:schemeClr val="accent1"/>
-          </a:lnRef>
-          <a:fillRef idx="0">
-            <a:schemeClr val="accent1"/>
-          </a:fillRef>
-          <a:effectRef idx="0">
-            <a:schemeClr val="accent1"/>
-          </a:effectRef>
-          <a:fontRef idx="minor">
-            <a:schemeClr val="tx1"/>
-          </a:fontRef>
-        </p:style>
-      </p:cxnSp>
-      <p:cxnSp>
-        <p:nvCxnSpPr>
-          <p:cNvPr id="15" name="연결선: 구부러짐 14">
-            <a:extLst>
-              <a:ext uri="{FF2B5EF4-FFF2-40B4-BE49-F238E27FC236}">
-                <a16:creationId xmlns:a16="http://schemas.microsoft.com/office/drawing/2014/main" id="{83AB3F62-6DA6-D0FD-D7ED-ED9F977733DA}"/>
-              </a:ext>
-            </a:extLst>
-          </p:cNvPr>
-          <p:cNvCxnSpPr>
-            <a:cxnSpLocks/>
-          </p:cNvCxnSpPr>
-          <p:nvPr/>
-        </p:nvCxnSpPr>
-        <p:spPr>
-          <a:xfrm>
-            <a:off x="2243470" y="1605432"/>
-            <a:ext cx="6198781" cy="4799178"/>
-          </a:xfrm>
-          <a:prstGeom prst="curvedConnector3">
-            <a:avLst>
-              <a:gd name="adj1" fmla="val 50000"/>
-            </a:avLst>
-          </a:prstGeom>
-          <a:ln w="22225">
-            <a:solidFill>
-              <a:srgbClr val="0000FF"/>
-            </a:solidFill>
-            <a:prstDash val="lgDashDot"/>
-            <a:tailEnd type="triangle"/>
-          </a:ln>
-        </p:spPr>
-        <p:style>
-          <a:lnRef idx="1">
-            <a:schemeClr val="accent1"/>
-          </a:lnRef>
-          <a:fillRef idx="0">
-            <a:schemeClr val="accent1"/>
-          </a:fillRef>
-          <a:effectRef idx="0">
-            <a:schemeClr val="accent1"/>
-          </a:effectRef>
-          <a:fontRef idx="minor">
-            <a:schemeClr val="tx1"/>
-          </a:fontRef>
-        </p:style>
-      </p:cxnSp>
-      <p:sp>
-        <p:nvSpPr>
-          <p:cNvPr id="17" name="직사각형 16">
-            <a:extLst>
-              <a:ext uri="{FF2B5EF4-FFF2-40B4-BE49-F238E27FC236}">
-                <a16:creationId xmlns:a16="http://schemas.microsoft.com/office/drawing/2014/main" id="{4CF1CBBA-B022-1C74-1828-77F19033990E}"/>
-              </a:ext>
-            </a:extLst>
-          </p:cNvPr>
-          <p:cNvSpPr/>
-          <p:nvPr/>
-        </p:nvSpPr>
-        <p:spPr>
-          <a:xfrm>
-            <a:off x="8818721" y="647700"/>
-            <a:ext cx="345757" cy="121920"/>
-          </a:xfrm>
-          <a:prstGeom prst="rect">
-            <a:avLst/>
-          </a:prstGeom>
-          <a:solidFill>
-            <a:srgbClr val="FF00FF">
-              <a:alpha val="50000"/>
-            </a:srgbClr>
-          </a:solidFill>
-          <a:ln>
-            <a:noFill/>
-          </a:ln>
-        </p:spPr>
-        <p:style>
-          <a:lnRef idx="2">
-            <a:schemeClr val="accent1">
-              <a:shade val="50000"/>
-            </a:schemeClr>
-          </a:lnRef>
-          <a:fillRef idx="1">
-            <a:schemeClr val="accent1"/>
-          </a:fillRef>
-          <a:effectRef idx="0">
-            <a:schemeClr val="accent1"/>
-          </a:effectRef>
-          <a:fontRef idx="minor">
-            <a:schemeClr val="lt1"/>
-          </a:fontRef>
-        </p:style>
-        <p:txBody>
-          <a:bodyPr rtlCol="0" anchor="ctr"/>
-          <a:lstStyle/>
-          <a:p>
-            <a:pPr algn="ctr"/>
-            <a:endParaRPr lang="ko-KR" altLang="en-US"/>
-          </a:p>
-        </p:txBody>
-      </p:sp>
-      <p:sp>
-        <p:nvSpPr>
-          <p:cNvPr id="19" name="직사각형 18">
-            <a:extLst>
-              <a:ext uri="{FF2B5EF4-FFF2-40B4-BE49-F238E27FC236}">
-                <a16:creationId xmlns:a16="http://schemas.microsoft.com/office/drawing/2014/main" id="{477BBD5F-D972-7F76-FB4A-18E4AA4C29FC}"/>
-              </a:ext>
-            </a:extLst>
-          </p:cNvPr>
-          <p:cNvSpPr/>
-          <p:nvPr/>
-        </p:nvSpPr>
-        <p:spPr>
-          <a:xfrm>
-            <a:off x="8818721" y="791527"/>
-            <a:ext cx="345757" cy="121920"/>
-          </a:xfrm>
-          <a:prstGeom prst="rect">
-            <a:avLst/>
-          </a:prstGeom>
-          <a:solidFill>
-            <a:srgbClr val="FF00FF">
-              <a:alpha val="50000"/>
-            </a:srgbClr>
-          </a:solidFill>
-          <a:ln>
-            <a:noFill/>
-          </a:ln>
-        </p:spPr>
-        <p:style>
-          <a:lnRef idx="2">
-            <a:schemeClr val="accent1">
-              <a:shade val="50000"/>
-            </a:schemeClr>
-          </a:lnRef>
-          <a:fillRef idx="1">
-            <a:schemeClr val="accent1"/>
-          </a:fillRef>
-          <a:effectRef idx="0">
-            <a:schemeClr val="accent1"/>
-          </a:effectRef>
-          <a:fontRef idx="minor">
-            <a:schemeClr val="lt1"/>
-          </a:fontRef>
-        </p:style>
-        <p:txBody>
-          <a:bodyPr rtlCol="0" anchor="ctr"/>
-          <a:lstStyle/>
-          <a:p>
-            <a:pPr algn="ctr"/>
-            <a:endParaRPr lang="ko-KR" altLang="en-US"/>
-          </a:p>
-        </p:txBody>
-      </p:sp>
-      <p:sp>
-        <p:nvSpPr>
-          <p:cNvPr id="20" name="직사각형 19">
-            <a:extLst>
-              <a:ext uri="{FF2B5EF4-FFF2-40B4-BE49-F238E27FC236}">
-                <a16:creationId xmlns:a16="http://schemas.microsoft.com/office/drawing/2014/main" id="{C4543D1F-9745-6A16-3A58-67062C2D86C5}"/>
-              </a:ext>
-            </a:extLst>
-          </p:cNvPr>
-          <p:cNvSpPr/>
-          <p:nvPr/>
-        </p:nvSpPr>
-        <p:spPr>
-          <a:xfrm>
-            <a:off x="8818721" y="1712277"/>
-            <a:ext cx="1151573" cy="121920"/>
-          </a:xfrm>
-          <a:prstGeom prst="rect">
-            <a:avLst/>
-          </a:prstGeom>
-          <a:solidFill>
-            <a:srgbClr val="FF00FF">
-              <a:alpha val="50000"/>
-            </a:srgbClr>
-          </a:solidFill>
-          <a:ln>
-            <a:noFill/>
-          </a:ln>
-        </p:spPr>
-        <p:style>
-          <a:lnRef idx="2">
-            <a:schemeClr val="accent1">
-              <a:shade val="50000"/>
-            </a:schemeClr>
-          </a:lnRef>
-          <a:fillRef idx="1">
-            <a:schemeClr val="accent1"/>
-          </a:fillRef>
-          <a:effectRef idx="0">
-            <a:schemeClr val="accent1"/>
-          </a:effectRef>
-          <a:fontRef idx="minor">
-            <a:schemeClr val="lt1"/>
-          </a:fontRef>
-        </p:style>
-        <p:txBody>
-          <a:bodyPr rtlCol="0" anchor="ctr"/>
-          <a:lstStyle/>
-          <a:p>
-            <a:pPr algn="ctr"/>
-            <a:endParaRPr lang="ko-KR" altLang="en-US"/>
-          </a:p>
-        </p:txBody>
-      </p:sp>
-      <p:sp>
-        <p:nvSpPr>
-          <p:cNvPr id="21" name="직사각형 20">
-            <a:extLst>
-              <a:ext uri="{FF2B5EF4-FFF2-40B4-BE49-F238E27FC236}">
-                <a16:creationId xmlns:a16="http://schemas.microsoft.com/office/drawing/2014/main" id="{F1E91F52-EADB-C077-BCF7-2F290BC5C0AB}"/>
-              </a:ext>
-            </a:extLst>
-          </p:cNvPr>
-          <p:cNvSpPr/>
-          <p:nvPr/>
-        </p:nvSpPr>
-        <p:spPr>
-          <a:xfrm>
-            <a:off x="8818722" y="2386171"/>
-            <a:ext cx="425292" cy="121920"/>
-          </a:xfrm>
-          <a:prstGeom prst="rect">
-            <a:avLst/>
-          </a:prstGeom>
-          <a:solidFill>
-            <a:srgbClr val="FF00FF">
-              <a:alpha val="50000"/>
-            </a:srgbClr>
-          </a:solidFill>
-          <a:ln>
-            <a:noFill/>
-          </a:ln>
-        </p:spPr>
-        <p:style>
-          <a:lnRef idx="2">
-            <a:schemeClr val="accent1">
-              <a:shade val="50000"/>
-            </a:schemeClr>
-          </a:lnRef>
-          <a:fillRef idx="1">
-            <a:schemeClr val="accent1"/>
-          </a:fillRef>
-          <a:effectRef idx="0">
-            <a:schemeClr val="accent1"/>
-          </a:effectRef>
-          <a:fontRef idx="minor">
-            <a:schemeClr val="lt1"/>
-          </a:fontRef>
-        </p:style>
-        <p:txBody>
-          <a:bodyPr rtlCol="0" anchor="ctr"/>
-          <a:lstStyle/>
-          <a:p>
-            <a:pPr algn="ctr"/>
-            <a:endParaRPr lang="ko-KR" altLang="en-US"/>
-          </a:p>
-        </p:txBody>
-      </p:sp>
-      <p:sp>
-        <p:nvSpPr>
-          <p:cNvPr id="22" name="직사각형 21">
-            <a:extLst>
-              <a:ext uri="{FF2B5EF4-FFF2-40B4-BE49-F238E27FC236}">
-                <a16:creationId xmlns:a16="http://schemas.microsoft.com/office/drawing/2014/main" id="{62F5B477-0C26-56ED-DA1E-6F9273F9856C}"/>
-              </a:ext>
-            </a:extLst>
-          </p:cNvPr>
-          <p:cNvSpPr/>
-          <p:nvPr/>
-        </p:nvSpPr>
-        <p:spPr>
-          <a:xfrm>
-            <a:off x="8818722" y="3443764"/>
-            <a:ext cx="425292" cy="121920"/>
-          </a:xfrm>
-          <a:prstGeom prst="rect">
-            <a:avLst/>
-          </a:prstGeom>
-          <a:solidFill>
-            <a:srgbClr val="FF00FF">
-              <a:alpha val="50000"/>
-            </a:srgbClr>
-          </a:solidFill>
-          <a:ln>
-            <a:noFill/>
-          </a:ln>
-        </p:spPr>
-        <p:style>
-          <a:lnRef idx="2">
-            <a:schemeClr val="accent1">
-              <a:shade val="50000"/>
-            </a:schemeClr>
-          </a:lnRef>
-          <a:fillRef idx="1">
-            <a:schemeClr val="accent1"/>
-          </a:fillRef>
-          <a:effectRef idx="0">
-            <a:schemeClr val="accent1"/>
-          </a:effectRef>
-          <a:fontRef idx="minor">
-            <a:schemeClr val="lt1"/>
-          </a:fontRef>
-        </p:style>
-        <p:txBody>
-          <a:bodyPr rtlCol="0" anchor="ctr"/>
-          <a:lstStyle/>
-          <a:p>
-            <a:pPr algn="ctr"/>
-            <a:endParaRPr lang="ko-KR" altLang="en-US"/>
-          </a:p>
-        </p:txBody>
-      </p:sp>
-      <p:sp>
-        <p:nvSpPr>
-          <p:cNvPr id="23" name="직사각형 22">
-            <a:extLst>
-              <a:ext uri="{FF2B5EF4-FFF2-40B4-BE49-F238E27FC236}">
-                <a16:creationId xmlns:a16="http://schemas.microsoft.com/office/drawing/2014/main" id="{95C55EDA-5AEE-1E9E-85CE-A6D6C0ED1461}"/>
-              </a:ext>
-            </a:extLst>
-          </p:cNvPr>
-          <p:cNvSpPr/>
-          <p:nvPr/>
-        </p:nvSpPr>
-        <p:spPr>
-          <a:xfrm>
-            <a:off x="8818722" y="4741308"/>
-            <a:ext cx="368141" cy="121920"/>
-          </a:xfrm>
-          <a:prstGeom prst="rect">
-            <a:avLst/>
-          </a:prstGeom>
-          <a:solidFill>
-            <a:srgbClr val="FF00FF">
-              <a:alpha val="50000"/>
-            </a:srgbClr>
-          </a:solidFill>
-          <a:ln>
-            <a:noFill/>
-          </a:ln>
-        </p:spPr>
-        <p:style>
-          <a:lnRef idx="2">
-            <a:schemeClr val="accent1">
-              <a:shade val="50000"/>
-            </a:schemeClr>
-          </a:lnRef>
-          <a:fillRef idx="1">
-            <a:schemeClr val="accent1"/>
-          </a:fillRef>
-          <a:effectRef idx="0">
-            <a:schemeClr val="accent1"/>
-          </a:effectRef>
-          <a:fontRef idx="minor">
-            <a:schemeClr val="lt1"/>
-          </a:fontRef>
-        </p:style>
-        <p:txBody>
-          <a:bodyPr rtlCol="0" anchor="ctr"/>
-          <a:lstStyle/>
-          <a:p>
-            <a:pPr algn="ctr"/>
-            <a:endParaRPr lang="ko-KR" altLang="en-US"/>
-          </a:p>
-        </p:txBody>
-      </p:sp>
-      <p:sp>
-        <p:nvSpPr>
-          <p:cNvPr id="24" name="직사각형 23">
-            <a:extLst>
-              <a:ext uri="{FF2B5EF4-FFF2-40B4-BE49-F238E27FC236}">
-                <a16:creationId xmlns:a16="http://schemas.microsoft.com/office/drawing/2014/main" id="{82B0AC44-1641-0A86-A569-1C084EFD2168}"/>
-              </a:ext>
-            </a:extLst>
-          </p:cNvPr>
-          <p:cNvSpPr/>
-          <p:nvPr/>
-        </p:nvSpPr>
-        <p:spPr>
-          <a:xfrm>
-            <a:off x="8818722" y="4886086"/>
-            <a:ext cx="653891" cy="121920"/>
-          </a:xfrm>
-          <a:prstGeom prst="rect">
-            <a:avLst/>
-          </a:prstGeom>
-          <a:solidFill>
-            <a:srgbClr val="FF00FF">
-              <a:alpha val="50000"/>
-            </a:srgbClr>
-          </a:solidFill>
-          <a:ln>
-            <a:noFill/>
-          </a:ln>
-        </p:spPr>
-        <p:style>
-          <a:lnRef idx="2">
-            <a:schemeClr val="accent1">
-              <a:shade val="50000"/>
-            </a:schemeClr>
-          </a:lnRef>
-          <a:fillRef idx="1">
-            <a:schemeClr val="accent1"/>
-          </a:fillRef>
-          <a:effectRef idx="0">
-            <a:schemeClr val="accent1"/>
-          </a:effectRef>
-          <a:fontRef idx="minor">
-            <a:schemeClr val="lt1"/>
-          </a:fontRef>
-        </p:style>
-        <p:txBody>
-          <a:bodyPr rtlCol="0" anchor="ctr"/>
-          <a:lstStyle/>
-          <a:p>
-            <a:pPr algn="ctr"/>
-            <a:endParaRPr lang="ko-KR" altLang="en-US"/>
-          </a:p>
-        </p:txBody>
-      </p:sp>
-      <p:sp>
-        <p:nvSpPr>
-          <p:cNvPr id="25" name="직사각형 24">
-            <a:extLst>
-              <a:ext uri="{FF2B5EF4-FFF2-40B4-BE49-F238E27FC236}">
-                <a16:creationId xmlns:a16="http://schemas.microsoft.com/office/drawing/2014/main" id="{B03BD2DC-681E-8BC9-0C88-DFA8EB684A59}"/>
-              </a:ext>
-            </a:extLst>
-          </p:cNvPr>
-          <p:cNvSpPr/>
-          <p:nvPr/>
-        </p:nvSpPr>
-        <p:spPr>
-          <a:xfrm>
-            <a:off x="8818722" y="5548075"/>
-            <a:ext cx="608647" cy="121920"/>
-          </a:xfrm>
-          <a:prstGeom prst="rect">
-            <a:avLst/>
-          </a:prstGeom>
-          <a:solidFill>
-            <a:srgbClr val="FF00FF">
-              <a:alpha val="50000"/>
-            </a:srgbClr>
-          </a:solidFill>
-          <a:ln>
-            <a:noFill/>
-          </a:ln>
-        </p:spPr>
-        <p:style>
-          <a:lnRef idx="2">
-            <a:schemeClr val="accent1">
-              <a:shade val="50000"/>
-            </a:schemeClr>
-          </a:lnRef>
-          <a:fillRef idx="1">
-            <a:schemeClr val="accent1"/>
-          </a:fillRef>
-          <a:effectRef idx="0">
-            <a:schemeClr val="accent1"/>
-          </a:effectRef>
-          <a:fontRef idx="minor">
-            <a:schemeClr val="lt1"/>
-          </a:fontRef>
-        </p:style>
-        <p:txBody>
-          <a:bodyPr rtlCol="0" anchor="ctr"/>
-          <a:lstStyle/>
-          <a:p>
-            <a:pPr algn="ctr"/>
-            <a:endParaRPr lang="ko-KR" altLang="en-US"/>
-          </a:p>
-        </p:txBody>
-      </p:sp>
-      <p:sp>
-        <p:nvSpPr>
-          <p:cNvPr id="26" name="직사각형 25">
-            <a:extLst>
-              <a:ext uri="{FF2B5EF4-FFF2-40B4-BE49-F238E27FC236}">
-                <a16:creationId xmlns:a16="http://schemas.microsoft.com/office/drawing/2014/main" id="{26DED621-72B3-BBE1-041F-DAB4748B9EB4}"/>
-              </a:ext>
-            </a:extLst>
-          </p:cNvPr>
-          <p:cNvSpPr/>
-          <p:nvPr/>
-        </p:nvSpPr>
-        <p:spPr>
-          <a:xfrm>
-            <a:off x="8818722" y="6336507"/>
-            <a:ext cx="368141" cy="121920"/>
-          </a:xfrm>
-          <a:prstGeom prst="rect">
-            <a:avLst/>
-          </a:prstGeom>
-          <a:solidFill>
-            <a:srgbClr val="FF00FF">
-              <a:alpha val="50000"/>
-            </a:srgbClr>
-          </a:solidFill>
-          <a:ln>
-            <a:noFill/>
-          </a:ln>
-        </p:spPr>
-        <p:style>
-          <a:lnRef idx="2">
-            <a:schemeClr val="accent1">
-              <a:shade val="50000"/>
-            </a:schemeClr>
-          </a:lnRef>
-          <a:fillRef idx="1">
-            <a:schemeClr val="accent1"/>
-          </a:fillRef>
-          <a:effectRef idx="0">
-            <a:schemeClr val="accent1"/>
-          </a:effectRef>
-          <a:fontRef idx="minor">
-            <a:schemeClr val="lt1"/>
-          </a:fontRef>
-        </p:style>
-        <p:txBody>
-          <a:bodyPr rtlCol="0" anchor="ctr"/>
-          <a:lstStyle/>
-          <a:p>
-            <a:pPr algn="ctr"/>
-            <a:endParaRPr lang="ko-KR" altLang="en-US"/>
-          </a:p>
-        </p:txBody>
-      </p:sp>
-      <p:sp>
-        <p:nvSpPr>
-          <p:cNvPr id="27" name="직사각형 26">
-            <a:extLst>
-              <a:ext uri="{FF2B5EF4-FFF2-40B4-BE49-F238E27FC236}">
-                <a16:creationId xmlns:a16="http://schemas.microsoft.com/office/drawing/2014/main" id="{5CF97ED8-9EF3-B09F-3EC4-011FF29FD837}"/>
-              </a:ext>
-            </a:extLst>
-          </p:cNvPr>
-          <p:cNvSpPr/>
-          <p:nvPr/>
-        </p:nvSpPr>
-        <p:spPr>
-          <a:xfrm>
-            <a:off x="8818722" y="6476047"/>
-            <a:ext cx="296703" cy="121920"/>
-          </a:xfrm>
-          <a:prstGeom prst="rect">
-            <a:avLst/>
-          </a:prstGeom>
-          <a:solidFill>
-            <a:srgbClr val="FF00FF">
-              <a:alpha val="50000"/>
-            </a:srgbClr>
-          </a:solidFill>
-          <a:ln>
-            <a:noFill/>
-          </a:ln>
-        </p:spPr>
-        <p:style>
-          <a:lnRef idx="2">
-            <a:schemeClr val="accent1">
-              <a:shade val="50000"/>
-            </a:schemeClr>
-          </a:lnRef>
-          <a:fillRef idx="1">
-            <a:schemeClr val="accent1"/>
-          </a:fillRef>
-          <a:effectRef idx="0">
-            <a:schemeClr val="accent1"/>
-          </a:effectRef>
-          <a:fontRef idx="minor">
-            <a:schemeClr val="lt1"/>
-          </a:fontRef>
-        </p:style>
-        <p:txBody>
-          <a:bodyPr rtlCol="0" anchor="ctr"/>
-          <a:lstStyle/>
-          <a:p>
-            <a:pPr algn="ctr"/>
-            <a:endParaRPr lang="ko-KR" altLang="en-US"/>
-          </a:p>
-        </p:txBody>
-      </p:sp>
-      <p:sp>
-        <p:nvSpPr>
-          <p:cNvPr id="28" name="TextBox 27">
-            <a:extLst>
-              <a:ext uri="{FF2B5EF4-FFF2-40B4-BE49-F238E27FC236}">
-                <a16:creationId xmlns:a16="http://schemas.microsoft.com/office/drawing/2014/main" id="{897021B9-0121-99DC-2713-253DD6EEEB84}"/>
-              </a:ext>
-            </a:extLst>
-          </p:cNvPr>
-          <p:cNvSpPr txBox="1"/>
-          <p:nvPr/>
-        </p:nvSpPr>
-        <p:spPr>
-          <a:xfrm>
-            <a:off x="4866082" y="3171561"/>
-            <a:ext cx="2048959" cy="646331"/>
-          </a:xfrm>
-          <a:prstGeom prst="rect">
-            <a:avLst/>
-          </a:prstGeom>
-          <a:noFill/>
-        </p:spPr>
-        <p:txBody>
-          <a:bodyPr wrap="none" rtlCol="0">
-            <a:spAutoFit/>
-          </a:bodyPr>
-          <a:lstStyle/>
-          <a:p>
-            <a:r>
-              <a:rPr lang="ko-KR" altLang="en-US" dirty="0">
-                <a:latin typeface="리디바탕" panose="020B0600000101010101" pitchFamily="34" charset="-127"/>
-                <a:ea typeface="리디바탕" panose="020B0600000101010101" pitchFamily="34" charset="-127"/>
-              </a:rPr>
-              <a:t>각</a:t>
-            </a:r>
-            <a:r>
-              <a:rPr lang="en-US" altLang="ko-KR" dirty="0">
-                <a:latin typeface="리디바탕" panose="020B0600000101010101" pitchFamily="34" charset="-127"/>
-                <a:ea typeface="리디바탕" panose="020B0600000101010101" pitchFamily="34" charset="-127"/>
-              </a:rPr>
-              <a:t> Wall </a:t>
-            </a:r>
-            <a:r>
-              <a:rPr lang="ko-KR" altLang="en-US" dirty="0">
-                <a:latin typeface="리디바탕" panose="020B0600000101010101" pitchFamily="34" charset="-127"/>
-                <a:ea typeface="리디바탕" panose="020B0600000101010101" pitchFamily="34" charset="-127"/>
-              </a:rPr>
-              <a:t>객체의</a:t>
-            </a:r>
-            <a:endParaRPr lang="en-US" altLang="ko-KR" dirty="0">
-              <a:latin typeface="리디바탕" panose="020B0600000101010101" pitchFamily="34" charset="-127"/>
-              <a:ea typeface="리디바탕" panose="020B0600000101010101" pitchFamily="34" charset="-127"/>
-            </a:endParaRPr>
-          </a:p>
-          <a:p>
-            <a:r>
-              <a:rPr lang="ko-KR" altLang="en-US" dirty="0">
-                <a:latin typeface="리디바탕" panose="020B0600000101010101" pitchFamily="34" charset="-127"/>
-                <a:ea typeface="리디바탕" panose="020B0600000101010101" pitchFamily="34" charset="-127"/>
-              </a:rPr>
-              <a:t>파생 데이터 꾸러미</a:t>
-            </a:r>
-          </a:p>
-        </p:txBody>
-      </p:sp>
-      <p:cxnSp>
-        <p:nvCxnSpPr>
-          <p:cNvPr id="30" name="직선 연결선 29">
-            <a:extLst>
-              <a:ext uri="{FF2B5EF4-FFF2-40B4-BE49-F238E27FC236}">
-                <a16:creationId xmlns:a16="http://schemas.microsoft.com/office/drawing/2014/main" id="{07C2F9B2-B24A-BE50-0344-E00DF7CC21C9}"/>
-              </a:ext>
-            </a:extLst>
-          </p:cNvPr>
-          <p:cNvCxnSpPr/>
-          <p:nvPr/>
-        </p:nvCxnSpPr>
-        <p:spPr>
-          <a:xfrm>
-            <a:off x="5747657" y="240034"/>
-            <a:ext cx="0" cy="6377932"/>
-          </a:xfrm>
-          <a:prstGeom prst="line">
-            <a:avLst/>
-          </a:prstGeom>
-          <a:ln>
-            <a:prstDash val="lgDashDotDot"/>
-          </a:ln>
-        </p:spPr>
-        <p:style>
-          <a:lnRef idx="1">
-            <a:schemeClr val="accent1"/>
-          </a:lnRef>
-          <a:fillRef idx="0">
-            <a:schemeClr val="accent1"/>
-          </a:fillRef>
-          <a:effectRef idx="0">
-            <a:schemeClr val="accent1"/>
-          </a:effectRef>
-          <a:fontRef idx="minor">
-            <a:schemeClr val="tx1"/>
-          </a:fontRef>
-        </p:style>
-      </p:cxnSp>
-      <p:sp>
-        <p:nvSpPr>
-          <p:cNvPr id="31" name="직사각형 30">
-            <a:extLst>
-              <a:ext uri="{FF2B5EF4-FFF2-40B4-BE49-F238E27FC236}">
-                <a16:creationId xmlns:a16="http://schemas.microsoft.com/office/drawing/2014/main" id="{41926603-2861-D613-5D17-DDBE9A56D5D1}"/>
-              </a:ext>
-            </a:extLst>
-          </p:cNvPr>
-          <p:cNvSpPr/>
-          <p:nvPr/>
-        </p:nvSpPr>
-        <p:spPr>
-          <a:xfrm>
-            <a:off x="9186863" y="647700"/>
-            <a:ext cx="345757" cy="121920"/>
-          </a:xfrm>
-          <a:prstGeom prst="rect">
-            <a:avLst/>
-          </a:prstGeom>
-          <a:solidFill>
-            <a:srgbClr val="0000FF">
-              <a:alpha val="30000"/>
-            </a:srgbClr>
-          </a:solidFill>
-          <a:ln>
-            <a:solidFill>
-              <a:srgbClr val="0000FF"/>
-            </a:solidFill>
-          </a:ln>
-        </p:spPr>
-        <p:style>
-          <a:lnRef idx="2">
-            <a:schemeClr val="accent1">
-              <a:shade val="50000"/>
-            </a:schemeClr>
-          </a:lnRef>
-          <a:fillRef idx="1">
-            <a:schemeClr val="accent1"/>
-          </a:fillRef>
-          <a:effectRef idx="0">
-            <a:schemeClr val="accent1"/>
-          </a:effectRef>
-          <a:fontRef idx="minor">
-            <a:schemeClr val="lt1"/>
-          </a:fontRef>
-        </p:style>
-        <p:txBody>
-          <a:bodyPr rtlCol="0" anchor="ctr"/>
-          <a:lstStyle/>
-          <a:p>
-            <a:pPr algn="ctr"/>
-            <a:endParaRPr lang="ko-KR" altLang="en-US"/>
-          </a:p>
-        </p:txBody>
-      </p:sp>
-      <p:sp>
-        <p:nvSpPr>
-          <p:cNvPr id="32" name="직사각형 31">
-            <a:extLst>
-              <a:ext uri="{FF2B5EF4-FFF2-40B4-BE49-F238E27FC236}">
-                <a16:creationId xmlns:a16="http://schemas.microsoft.com/office/drawing/2014/main" id="{E2EAF21B-02E2-7D7C-4543-8AC061D7D963}"/>
-              </a:ext>
-            </a:extLst>
-          </p:cNvPr>
-          <p:cNvSpPr/>
-          <p:nvPr/>
-        </p:nvSpPr>
-        <p:spPr>
-          <a:xfrm>
-            <a:off x="8920390" y="913447"/>
-            <a:ext cx="746042" cy="791845"/>
-          </a:xfrm>
-          <a:prstGeom prst="rect">
-            <a:avLst/>
-          </a:prstGeom>
-          <a:solidFill>
-            <a:srgbClr val="0000FF">
-              <a:alpha val="30000"/>
-            </a:srgbClr>
-          </a:solidFill>
-          <a:ln>
-            <a:solidFill>
-              <a:srgbClr val="0000FF"/>
-            </a:solidFill>
-          </a:ln>
-        </p:spPr>
-        <p:style>
-          <a:lnRef idx="2">
-            <a:schemeClr val="accent1">
-              <a:shade val="50000"/>
-            </a:schemeClr>
-          </a:lnRef>
-          <a:fillRef idx="1">
-            <a:schemeClr val="accent1"/>
-          </a:fillRef>
-          <a:effectRef idx="0">
-            <a:schemeClr val="accent1"/>
-          </a:effectRef>
-          <a:fontRef idx="minor">
-            <a:schemeClr val="lt1"/>
-          </a:fontRef>
-        </p:style>
-        <p:txBody>
-          <a:bodyPr rtlCol="0" anchor="ctr"/>
-          <a:lstStyle/>
-          <a:p>
-            <a:pPr algn="ctr"/>
-            <a:endParaRPr lang="ko-KR" altLang="en-US"/>
-          </a:p>
-        </p:txBody>
-      </p:sp>
-      <p:sp>
-        <p:nvSpPr>
-          <p:cNvPr id="33" name="직사각형 32">
-            <a:extLst>
-              <a:ext uri="{FF2B5EF4-FFF2-40B4-BE49-F238E27FC236}">
-                <a16:creationId xmlns:a16="http://schemas.microsoft.com/office/drawing/2014/main" id="{DD27E000-D3A1-5111-D27C-D848806D95A4}"/>
-              </a:ext>
-            </a:extLst>
-          </p:cNvPr>
-          <p:cNvSpPr/>
-          <p:nvPr/>
-        </p:nvSpPr>
-        <p:spPr>
-          <a:xfrm>
-            <a:off x="8920390" y="1834197"/>
-            <a:ext cx="746042" cy="547925"/>
-          </a:xfrm>
-          <a:prstGeom prst="rect">
-            <a:avLst/>
-          </a:prstGeom>
-          <a:solidFill>
-            <a:srgbClr val="0000FF">
-              <a:alpha val="30000"/>
-            </a:srgbClr>
-          </a:solidFill>
-          <a:ln>
-            <a:solidFill>
-              <a:srgbClr val="0000FF"/>
-            </a:solidFill>
-          </a:ln>
-        </p:spPr>
-        <p:style>
-          <a:lnRef idx="2">
-            <a:schemeClr val="accent1">
-              <a:shade val="50000"/>
-            </a:schemeClr>
-          </a:lnRef>
-          <a:fillRef idx="1">
-            <a:schemeClr val="accent1"/>
-          </a:fillRef>
-          <a:effectRef idx="0">
-            <a:schemeClr val="accent1"/>
-          </a:effectRef>
-          <a:fontRef idx="minor">
-            <a:schemeClr val="lt1"/>
-          </a:fontRef>
-        </p:style>
-        <p:txBody>
-          <a:bodyPr rtlCol="0" anchor="ctr"/>
-          <a:lstStyle/>
-          <a:p>
-            <a:pPr algn="ctr"/>
-            <a:endParaRPr lang="ko-KR" altLang="en-US"/>
-          </a:p>
-        </p:txBody>
-      </p:sp>
-      <p:sp>
-        <p:nvSpPr>
-          <p:cNvPr id="34" name="직사각형 33">
-            <a:extLst>
-              <a:ext uri="{FF2B5EF4-FFF2-40B4-BE49-F238E27FC236}">
-                <a16:creationId xmlns:a16="http://schemas.microsoft.com/office/drawing/2014/main" id="{0E1A6697-7582-94F6-B54F-8E1D78170824}"/>
-              </a:ext>
-            </a:extLst>
-          </p:cNvPr>
-          <p:cNvSpPr/>
-          <p:nvPr/>
-        </p:nvSpPr>
-        <p:spPr>
-          <a:xfrm>
-            <a:off x="8865394" y="2510235"/>
-            <a:ext cx="801038" cy="904001"/>
-          </a:xfrm>
-          <a:prstGeom prst="rect">
-            <a:avLst/>
-          </a:prstGeom>
-          <a:solidFill>
-            <a:srgbClr val="0000FF">
-              <a:alpha val="30000"/>
-            </a:srgbClr>
-          </a:solidFill>
-          <a:ln>
-            <a:solidFill>
-              <a:srgbClr val="0000FF"/>
-            </a:solidFill>
-          </a:ln>
-        </p:spPr>
-        <p:style>
-          <a:lnRef idx="2">
-            <a:schemeClr val="accent1">
-              <a:shade val="50000"/>
-            </a:schemeClr>
-          </a:lnRef>
-          <a:fillRef idx="1">
-            <a:schemeClr val="accent1"/>
-          </a:fillRef>
-          <a:effectRef idx="0">
-            <a:schemeClr val="accent1"/>
-          </a:effectRef>
-          <a:fontRef idx="minor">
-            <a:schemeClr val="lt1"/>
-          </a:fontRef>
-        </p:style>
-        <p:txBody>
-          <a:bodyPr rtlCol="0" anchor="ctr"/>
-          <a:lstStyle/>
-          <a:p>
-            <a:pPr algn="ctr"/>
-            <a:endParaRPr lang="ko-KR" altLang="en-US"/>
-          </a:p>
-        </p:txBody>
-      </p:sp>
-      <p:sp>
-        <p:nvSpPr>
-          <p:cNvPr id="35" name="직사각형 34">
-            <a:extLst>
-              <a:ext uri="{FF2B5EF4-FFF2-40B4-BE49-F238E27FC236}">
-                <a16:creationId xmlns:a16="http://schemas.microsoft.com/office/drawing/2014/main" id="{A146A1BB-4116-97C7-0F12-8E3118A1A47B}"/>
-              </a:ext>
-            </a:extLst>
-          </p:cNvPr>
-          <p:cNvSpPr/>
-          <p:nvPr/>
-        </p:nvSpPr>
-        <p:spPr>
-          <a:xfrm>
-            <a:off x="8865394" y="3573663"/>
-            <a:ext cx="801038" cy="1160975"/>
-          </a:xfrm>
-          <a:prstGeom prst="rect">
-            <a:avLst/>
-          </a:prstGeom>
-          <a:solidFill>
-            <a:srgbClr val="0000FF">
-              <a:alpha val="30000"/>
-            </a:srgbClr>
-          </a:solidFill>
-          <a:ln>
-            <a:solidFill>
-              <a:srgbClr val="0000FF"/>
-            </a:solidFill>
-          </a:ln>
-        </p:spPr>
-        <p:style>
-          <a:lnRef idx="2">
-            <a:schemeClr val="accent1">
-              <a:shade val="50000"/>
-            </a:schemeClr>
-          </a:lnRef>
-          <a:fillRef idx="1">
-            <a:schemeClr val="accent1"/>
-          </a:fillRef>
-          <a:effectRef idx="0">
-            <a:schemeClr val="accent1"/>
-          </a:effectRef>
-          <a:fontRef idx="minor">
-            <a:schemeClr val="lt1"/>
-          </a:fontRef>
-        </p:style>
-        <p:txBody>
-          <a:bodyPr rtlCol="0" anchor="ctr"/>
-          <a:lstStyle/>
-          <a:p>
-            <a:pPr algn="ctr"/>
-            <a:endParaRPr lang="ko-KR" altLang="en-US"/>
-          </a:p>
-        </p:txBody>
-      </p:sp>
-      <p:sp>
-        <p:nvSpPr>
-          <p:cNvPr id="36" name="직사각형 35">
-            <a:extLst>
-              <a:ext uri="{FF2B5EF4-FFF2-40B4-BE49-F238E27FC236}">
-                <a16:creationId xmlns:a16="http://schemas.microsoft.com/office/drawing/2014/main" id="{F0C4F63A-70B1-E1B6-1E5C-9A3BE840C8DE}"/>
-              </a:ext>
-            </a:extLst>
-          </p:cNvPr>
-          <p:cNvSpPr/>
-          <p:nvPr/>
-        </p:nvSpPr>
-        <p:spPr>
-          <a:xfrm>
-            <a:off x="9189561" y="4753212"/>
-            <a:ext cx="476871" cy="116685"/>
-          </a:xfrm>
-          <a:prstGeom prst="rect">
-            <a:avLst/>
-          </a:prstGeom>
-          <a:solidFill>
-            <a:srgbClr val="0000FF">
-              <a:alpha val="30000"/>
-            </a:srgbClr>
-          </a:solidFill>
-          <a:ln>
-            <a:solidFill>
-              <a:srgbClr val="0000FF"/>
-            </a:solidFill>
-          </a:ln>
-        </p:spPr>
-        <p:style>
-          <a:lnRef idx="2">
-            <a:schemeClr val="accent1">
-              <a:shade val="50000"/>
-            </a:schemeClr>
-          </a:lnRef>
-          <a:fillRef idx="1">
-            <a:schemeClr val="accent1"/>
-          </a:fillRef>
-          <a:effectRef idx="0">
-            <a:schemeClr val="accent1"/>
-          </a:effectRef>
-          <a:fontRef idx="minor">
-            <a:schemeClr val="lt1"/>
-          </a:fontRef>
-        </p:style>
-        <p:txBody>
-          <a:bodyPr rtlCol="0" anchor="ctr"/>
-          <a:lstStyle/>
-          <a:p>
-            <a:pPr algn="ctr"/>
-            <a:endParaRPr lang="ko-KR" altLang="en-US"/>
-          </a:p>
-        </p:txBody>
-      </p:sp>
-      <p:sp>
-        <p:nvSpPr>
-          <p:cNvPr id="37" name="직사각형 36">
-            <a:extLst>
-              <a:ext uri="{FF2B5EF4-FFF2-40B4-BE49-F238E27FC236}">
-                <a16:creationId xmlns:a16="http://schemas.microsoft.com/office/drawing/2014/main" id="{74A1FDAB-81EF-EBD8-445C-ECD1F280C75E}"/>
-              </a:ext>
-            </a:extLst>
-          </p:cNvPr>
-          <p:cNvSpPr/>
-          <p:nvPr/>
-        </p:nvSpPr>
-        <p:spPr>
-          <a:xfrm>
-            <a:off x="8865394" y="5014676"/>
-            <a:ext cx="801038" cy="515779"/>
-          </a:xfrm>
-          <a:prstGeom prst="rect">
-            <a:avLst/>
-          </a:prstGeom>
-          <a:solidFill>
-            <a:srgbClr val="0000FF">
-              <a:alpha val="30000"/>
-            </a:srgbClr>
-          </a:solidFill>
-          <a:ln>
-            <a:solidFill>
-              <a:srgbClr val="0000FF"/>
-            </a:solidFill>
-          </a:ln>
-        </p:spPr>
-        <p:style>
-          <a:lnRef idx="2">
-            <a:schemeClr val="accent1">
-              <a:shade val="50000"/>
-            </a:schemeClr>
-          </a:lnRef>
-          <a:fillRef idx="1">
-            <a:schemeClr val="accent1"/>
-          </a:fillRef>
-          <a:effectRef idx="0">
-            <a:schemeClr val="accent1"/>
-          </a:effectRef>
-          <a:fontRef idx="minor">
-            <a:schemeClr val="lt1"/>
-          </a:fontRef>
-        </p:style>
-        <p:txBody>
-          <a:bodyPr rtlCol="0" anchor="ctr"/>
-          <a:lstStyle/>
-          <a:p>
-            <a:pPr algn="ctr"/>
-            <a:endParaRPr lang="ko-KR" altLang="en-US"/>
-          </a:p>
-        </p:txBody>
-      </p:sp>
-      <p:sp>
-        <p:nvSpPr>
-          <p:cNvPr id="38" name="직사각형 37">
-            <a:extLst>
-              <a:ext uri="{FF2B5EF4-FFF2-40B4-BE49-F238E27FC236}">
-                <a16:creationId xmlns:a16="http://schemas.microsoft.com/office/drawing/2014/main" id="{A2CCF866-4D50-FA40-FC50-3A19794C9433}"/>
-              </a:ext>
-            </a:extLst>
-          </p:cNvPr>
-          <p:cNvSpPr/>
-          <p:nvPr/>
-        </p:nvSpPr>
-        <p:spPr>
-          <a:xfrm>
-            <a:off x="8865394" y="5668566"/>
-            <a:ext cx="801038" cy="515779"/>
-          </a:xfrm>
-          <a:prstGeom prst="rect">
-            <a:avLst/>
-          </a:prstGeom>
-          <a:solidFill>
-            <a:srgbClr val="0000FF">
-              <a:alpha val="30000"/>
-            </a:srgbClr>
-          </a:solidFill>
-          <a:ln>
-            <a:solidFill>
-              <a:srgbClr val="0000FF"/>
-            </a:solidFill>
-          </a:ln>
-        </p:spPr>
-        <p:style>
-          <a:lnRef idx="2">
-            <a:schemeClr val="accent1">
-              <a:shade val="50000"/>
-            </a:schemeClr>
-          </a:lnRef>
-          <a:fillRef idx="1">
-            <a:schemeClr val="accent1"/>
-          </a:fillRef>
-          <a:effectRef idx="0">
-            <a:schemeClr val="accent1"/>
-          </a:effectRef>
-          <a:fontRef idx="minor">
-            <a:schemeClr val="lt1"/>
-          </a:fontRef>
-        </p:style>
-        <p:txBody>
-          <a:bodyPr rtlCol="0" anchor="ctr"/>
-          <a:lstStyle/>
-          <a:p>
-            <a:pPr algn="ctr"/>
-            <a:endParaRPr lang="ko-KR" altLang="en-US"/>
-          </a:p>
-        </p:txBody>
-      </p:sp>
-      <p:sp>
-        <p:nvSpPr>
-          <p:cNvPr id="39" name="직사각형 38">
-            <a:extLst>
-              <a:ext uri="{FF2B5EF4-FFF2-40B4-BE49-F238E27FC236}">
-                <a16:creationId xmlns:a16="http://schemas.microsoft.com/office/drawing/2014/main" id="{7F65B762-2115-22A7-28AA-4E9F85685F17}"/>
-              </a:ext>
-            </a:extLst>
-          </p:cNvPr>
-          <p:cNvSpPr/>
-          <p:nvPr/>
-        </p:nvSpPr>
-        <p:spPr>
-          <a:xfrm>
-            <a:off x="6309644" y="4706023"/>
-            <a:ext cx="373354" cy="180063"/>
-          </a:xfrm>
-          <a:prstGeom prst="rect">
-            <a:avLst/>
-          </a:prstGeom>
-          <a:solidFill>
-            <a:srgbClr val="FF00FF">
-              <a:alpha val="50000"/>
-            </a:srgbClr>
-          </a:solidFill>
-          <a:ln>
-            <a:noFill/>
-          </a:ln>
-        </p:spPr>
-        <p:style>
-          <a:lnRef idx="2">
-            <a:schemeClr val="accent1">
-              <a:shade val="50000"/>
-            </a:schemeClr>
-          </a:lnRef>
-          <a:fillRef idx="1">
-            <a:schemeClr val="accent1"/>
-          </a:fillRef>
-          <a:effectRef idx="0">
-            <a:schemeClr val="accent1"/>
-          </a:effectRef>
-          <a:fontRef idx="minor">
-            <a:schemeClr val="lt1"/>
-          </a:fontRef>
-        </p:style>
-        <p:txBody>
-          <a:bodyPr rtlCol="0" anchor="ctr"/>
-          <a:lstStyle/>
-          <a:p>
-            <a:pPr algn="ctr"/>
-            <a:endParaRPr lang="ko-KR" altLang="en-US"/>
-          </a:p>
-        </p:txBody>
-      </p:sp>
-      <p:sp>
-        <p:nvSpPr>
-          <p:cNvPr id="40" name="직사각형 39">
-            <a:extLst>
-              <a:ext uri="{FF2B5EF4-FFF2-40B4-BE49-F238E27FC236}">
-                <a16:creationId xmlns:a16="http://schemas.microsoft.com/office/drawing/2014/main" id="{2318EF7A-F642-ECB8-26D0-E22B78E8DB2D}"/>
-              </a:ext>
-            </a:extLst>
-          </p:cNvPr>
-          <p:cNvSpPr/>
-          <p:nvPr/>
-        </p:nvSpPr>
-        <p:spPr>
-          <a:xfrm>
-            <a:off x="6309644" y="4951813"/>
-            <a:ext cx="373355" cy="180063"/>
-          </a:xfrm>
-          <a:prstGeom prst="rect">
-            <a:avLst/>
-          </a:prstGeom>
-          <a:solidFill>
-            <a:srgbClr val="0000FF">
-              <a:alpha val="30000"/>
-            </a:srgbClr>
-          </a:solidFill>
-          <a:ln>
-            <a:solidFill>
-              <a:srgbClr val="0000FF"/>
-            </a:solidFill>
-          </a:ln>
-        </p:spPr>
-        <p:style>
-          <a:lnRef idx="2">
-            <a:schemeClr val="accent1">
-              <a:shade val="50000"/>
-            </a:schemeClr>
-          </a:lnRef>
-          <a:fillRef idx="1">
-            <a:schemeClr val="accent1"/>
-          </a:fillRef>
-          <a:effectRef idx="0">
-            <a:schemeClr val="accent1"/>
-          </a:effectRef>
-          <a:fontRef idx="minor">
-            <a:schemeClr val="lt1"/>
-          </a:fontRef>
-        </p:style>
-        <p:txBody>
-          <a:bodyPr rtlCol="0" anchor="ctr"/>
-          <a:lstStyle/>
-          <a:p>
-            <a:pPr algn="ctr"/>
-            <a:endParaRPr lang="ko-KR" altLang="en-US"/>
-          </a:p>
-        </p:txBody>
-      </p:sp>
-      <p:sp>
-        <p:nvSpPr>
-          <p:cNvPr id="41" name="TextBox 40">
-            <a:extLst>
-              <a:ext uri="{FF2B5EF4-FFF2-40B4-BE49-F238E27FC236}">
-                <a16:creationId xmlns:a16="http://schemas.microsoft.com/office/drawing/2014/main" id="{A7FA80AF-C13B-00E1-FD12-621CC58DE022}"/>
-              </a:ext>
-            </a:extLst>
-          </p:cNvPr>
-          <p:cNvSpPr txBox="1"/>
-          <p:nvPr/>
-        </p:nvSpPr>
-        <p:spPr>
-          <a:xfrm>
-            <a:off x="6708895" y="4655195"/>
-            <a:ext cx="412292" cy="261610"/>
-          </a:xfrm>
-          <a:prstGeom prst="rect">
-            <a:avLst/>
-          </a:prstGeom>
-          <a:noFill/>
-        </p:spPr>
-        <p:txBody>
-          <a:bodyPr wrap="none" rtlCol="0">
-            <a:spAutoFit/>
-          </a:bodyPr>
-          <a:lstStyle/>
-          <a:p>
-            <a:r>
-              <a:rPr lang="en-US" altLang="ko-KR" sz="1100" dirty="0">
-                <a:solidFill>
-                  <a:srgbClr val="FF00FF"/>
-                </a:solidFill>
-                <a:latin typeface="리디바탕" panose="020B0600000101010101" pitchFamily="34" charset="-127"/>
-                <a:ea typeface="리디바탕" panose="020B0600000101010101" pitchFamily="34" charset="-127"/>
-              </a:rPr>
-              <a:t>key</a:t>
-            </a:r>
-            <a:endParaRPr lang="ko-KR" altLang="en-US" sz="1100" dirty="0">
-              <a:solidFill>
-                <a:srgbClr val="FF00FF"/>
-              </a:solidFill>
-              <a:latin typeface="리디바탕" panose="020B0600000101010101" pitchFamily="34" charset="-127"/>
-              <a:ea typeface="리디바탕" panose="020B0600000101010101" pitchFamily="34" charset="-127"/>
-            </a:endParaRPr>
-          </a:p>
-        </p:txBody>
-      </p:sp>
-      <p:sp>
-        <p:nvSpPr>
-          <p:cNvPr id="42" name="TextBox 41">
-            <a:extLst>
-              <a:ext uri="{FF2B5EF4-FFF2-40B4-BE49-F238E27FC236}">
-                <a16:creationId xmlns:a16="http://schemas.microsoft.com/office/drawing/2014/main" id="{A249163A-8167-CBF0-89C3-9BE31491573A}"/>
-              </a:ext>
-            </a:extLst>
-          </p:cNvPr>
-          <p:cNvSpPr txBox="1"/>
-          <p:nvPr/>
-        </p:nvSpPr>
-        <p:spPr>
-          <a:xfrm>
-            <a:off x="6708895" y="4911039"/>
-            <a:ext cx="522900" cy="261610"/>
-          </a:xfrm>
-          <a:prstGeom prst="rect">
-            <a:avLst/>
-          </a:prstGeom>
-          <a:noFill/>
-        </p:spPr>
-        <p:txBody>
-          <a:bodyPr wrap="none" rtlCol="0">
-            <a:spAutoFit/>
-          </a:bodyPr>
-          <a:lstStyle/>
-          <a:p>
-            <a:r>
-              <a:rPr lang="en-US" altLang="ko-KR" sz="1100" dirty="0">
-                <a:solidFill>
-                  <a:srgbClr val="0000FF"/>
-                </a:solidFill>
-                <a:latin typeface="리디바탕" panose="020B0600000101010101" pitchFamily="34" charset="-127"/>
-                <a:ea typeface="리디바탕" panose="020B0600000101010101" pitchFamily="34" charset="-127"/>
-              </a:rPr>
-              <a:t>value</a:t>
-            </a:r>
-            <a:endParaRPr lang="ko-KR" altLang="en-US" sz="1100" dirty="0">
-              <a:solidFill>
-                <a:srgbClr val="0000FF"/>
-              </a:solidFill>
-              <a:latin typeface="리디바탕" panose="020B0600000101010101" pitchFamily="34" charset="-127"/>
-              <a:ea typeface="리디바탕" panose="020B0600000101010101" pitchFamily="34" charset="-127"/>
-            </a:endParaRPr>
-          </a:p>
-        </p:txBody>
-      </p:sp>
-    </p:spTree>
-    <p:extLst>
-      <p:ext uri="{BB962C8B-B14F-4D97-AF65-F5344CB8AC3E}">
-        <p14:creationId xmlns:p14="http://schemas.microsoft.com/office/powerpoint/2010/main" val="2181844676"/>
       </p:ext>
     </p:extLst>
   </p:cSld>
@@ -13762,6 +12114,1715 @@
           <a:chExt cx="0" cy="0"/>
         </a:xfrm>
       </p:grpSpPr>
+      <p:pic>
+        <p:nvPicPr>
+          <p:cNvPr id="4" name="그림 3">
+            <a:extLst>
+              <a:ext uri="{FF2B5EF4-FFF2-40B4-BE49-F238E27FC236}">
+                <a16:creationId xmlns:a16="http://schemas.microsoft.com/office/drawing/2014/main" id="{7D3599A9-1DBD-C6C9-746A-8FD29E5259B4}"/>
+              </a:ext>
+            </a:extLst>
+          </p:cNvPr>
+          <p:cNvPicPr>
+            <a:picLocks noChangeAspect="1"/>
+          </p:cNvPicPr>
+          <p:nvPr/>
+        </p:nvPicPr>
+        <p:blipFill rotWithShape="1">
+          <a:blip r:embed="rId2">
+            <a:extLst>
+              <a:ext uri="{BEBA8EAE-BF5A-486C-A8C5-ECC9F3942E4B}">
+                <a14:imgProps xmlns:a14="http://schemas.microsoft.com/office/drawing/2010/main">
+                  <a14:imgLayer r:embed="rId3">
+                    <a14:imgEffect>
+                      <a14:brightnessContrast bright="30000"/>
+                    </a14:imgEffect>
+                  </a14:imgLayer>
+                </a14:imgProps>
+              </a:ext>
+            </a:extLst>
+          </a:blip>
+          <a:srcRect r="1280"/>
+          <a:stretch/>
+        </p:blipFill>
+        <p:spPr>
+          <a:xfrm>
+            <a:off x="6259139" y="80495"/>
+            <a:ext cx="5294683" cy="6697010"/>
+          </a:xfrm>
+          <a:prstGeom prst="rect">
+            <a:avLst/>
+          </a:prstGeom>
+        </p:spPr>
+      </p:pic>
+      <p:pic>
+        <p:nvPicPr>
+          <p:cNvPr id="6" name="그림 5">
+            <a:extLst>
+              <a:ext uri="{FF2B5EF4-FFF2-40B4-BE49-F238E27FC236}">
+                <a16:creationId xmlns:a16="http://schemas.microsoft.com/office/drawing/2014/main" id="{9976C530-D000-F4F2-123E-0EBD6EDAFDF7}"/>
+              </a:ext>
+            </a:extLst>
+          </p:cNvPr>
+          <p:cNvPicPr>
+            <a:picLocks noChangeAspect="1"/>
+          </p:cNvPicPr>
+          <p:nvPr/>
+        </p:nvPicPr>
+        <p:blipFill>
+          <a:blip r:embed="rId4">
+            <a:extLst>
+              <a:ext uri="{BEBA8EAE-BF5A-486C-A8C5-ECC9F3942E4B}">
+                <a14:imgProps xmlns:a14="http://schemas.microsoft.com/office/drawing/2010/main">
+                  <a14:imgLayer r:embed="rId5">
+                    <a14:imgEffect>
+                      <a14:brightnessContrast bright="20000"/>
+                    </a14:imgEffect>
+                  </a14:imgLayer>
+                </a14:imgProps>
+              </a:ext>
+            </a:extLst>
+          </a:blip>
+          <a:stretch>
+            <a:fillRect/>
+          </a:stretch>
+        </p:blipFill>
+        <p:spPr>
+          <a:xfrm>
+            <a:off x="190276" y="201334"/>
+            <a:ext cx="3200847" cy="3991532"/>
+          </a:xfrm>
+          <a:prstGeom prst="rect">
+            <a:avLst/>
+          </a:prstGeom>
+        </p:spPr>
+      </p:pic>
+      <p:sp>
+        <p:nvSpPr>
+          <p:cNvPr id="7" name="모서리가 둥근 직사각형 2">
+            <a:extLst>
+              <a:ext uri="{FF2B5EF4-FFF2-40B4-BE49-F238E27FC236}">
+                <a16:creationId xmlns:a16="http://schemas.microsoft.com/office/drawing/2014/main" id="{9697A648-22FD-4F65-F863-198473277D9E}"/>
+              </a:ext>
+            </a:extLst>
+          </p:cNvPr>
+          <p:cNvSpPr/>
+          <p:nvPr/>
+        </p:nvSpPr>
+        <p:spPr>
+          <a:xfrm>
+            <a:off x="8572501" y="373380"/>
+            <a:ext cx="1432560" cy="160020"/>
+          </a:xfrm>
+          <a:prstGeom prst="roundRect">
+            <a:avLst/>
+          </a:prstGeom>
+          <a:noFill/>
+          <a:ln w="15875">
+            <a:solidFill>
+              <a:srgbClr val="00FFFF"/>
+            </a:solidFill>
+            <a:prstDash val="lgDashDot"/>
+          </a:ln>
+        </p:spPr>
+        <p:style>
+          <a:lnRef idx="2">
+            <a:schemeClr val="accent1">
+              <a:shade val="50000"/>
+            </a:schemeClr>
+          </a:lnRef>
+          <a:fillRef idx="1">
+            <a:schemeClr val="accent1"/>
+          </a:fillRef>
+          <a:effectRef idx="0">
+            <a:schemeClr val="accent1"/>
+          </a:effectRef>
+          <a:fontRef idx="minor">
+            <a:schemeClr val="lt1"/>
+          </a:fontRef>
+        </p:style>
+        <p:txBody>
+          <a:bodyPr rtlCol="0" anchor="ctr"/>
+          <a:lstStyle/>
+          <a:p>
+            <a:pPr algn="ctr"/>
+            <a:endParaRPr lang="ko-KR" altLang="en-US"/>
+          </a:p>
+        </p:txBody>
+      </p:sp>
+      <p:sp>
+        <p:nvSpPr>
+          <p:cNvPr id="8" name="모서리가 둥근 직사각형 2">
+            <a:extLst>
+              <a:ext uri="{FF2B5EF4-FFF2-40B4-BE49-F238E27FC236}">
+                <a16:creationId xmlns:a16="http://schemas.microsoft.com/office/drawing/2014/main" id="{981EC16F-2167-6C85-B921-9A25A56E97A9}"/>
+              </a:ext>
+            </a:extLst>
+          </p:cNvPr>
+          <p:cNvSpPr/>
+          <p:nvPr/>
+        </p:nvSpPr>
+        <p:spPr>
+          <a:xfrm>
+            <a:off x="8572501" y="533400"/>
+            <a:ext cx="1432560" cy="5684520"/>
+          </a:xfrm>
+          <a:prstGeom prst="roundRect">
+            <a:avLst/>
+          </a:prstGeom>
+          <a:noFill/>
+          <a:ln w="15875">
+            <a:solidFill>
+              <a:srgbClr val="00FFFF"/>
+            </a:solidFill>
+            <a:prstDash val="lgDashDot"/>
+          </a:ln>
+        </p:spPr>
+        <p:style>
+          <a:lnRef idx="2">
+            <a:schemeClr val="accent1">
+              <a:shade val="50000"/>
+            </a:schemeClr>
+          </a:lnRef>
+          <a:fillRef idx="1">
+            <a:schemeClr val="accent1"/>
+          </a:fillRef>
+          <a:effectRef idx="0">
+            <a:schemeClr val="accent1"/>
+          </a:effectRef>
+          <a:fontRef idx="minor">
+            <a:schemeClr val="lt1"/>
+          </a:fontRef>
+        </p:style>
+        <p:txBody>
+          <a:bodyPr rtlCol="0" anchor="ctr"/>
+          <a:lstStyle/>
+          <a:p>
+            <a:pPr algn="ctr"/>
+            <a:endParaRPr lang="ko-KR" altLang="en-US"/>
+          </a:p>
+        </p:txBody>
+      </p:sp>
+      <p:sp>
+        <p:nvSpPr>
+          <p:cNvPr id="9" name="모서리가 둥근 직사각형 2">
+            <a:extLst>
+              <a:ext uri="{FF2B5EF4-FFF2-40B4-BE49-F238E27FC236}">
+                <a16:creationId xmlns:a16="http://schemas.microsoft.com/office/drawing/2014/main" id="{92AD0E45-30EE-5C53-6E42-3A735AB1BA59}"/>
+              </a:ext>
+            </a:extLst>
+          </p:cNvPr>
+          <p:cNvSpPr/>
+          <p:nvPr/>
+        </p:nvSpPr>
+        <p:spPr>
+          <a:xfrm>
+            <a:off x="8572501" y="6217920"/>
+            <a:ext cx="1432560" cy="373380"/>
+          </a:xfrm>
+          <a:prstGeom prst="roundRect">
+            <a:avLst/>
+          </a:prstGeom>
+          <a:noFill/>
+          <a:ln w="15875">
+            <a:solidFill>
+              <a:srgbClr val="00FFFF"/>
+            </a:solidFill>
+            <a:prstDash val="lgDashDot"/>
+          </a:ln>
+        </p:spPr>
+        <p:style>
+          <a:lnRef idx="2">
+            <a:schemeClr val="accent1">
+              <a:shade val="50000"/>
+            </a:schemeClr>
+          </a:lnRef>
+          <a:fillRef idx="1">
+            <a:schemeClr val="accent1"/>
+          </a:fillRef>
+          <a:effectRef idx="0">
+            <a:schemeClr val="accent1"/>
+          </a:effectRef>
+          <a:fontRef idx="minor">
+            <a:schemeClr val="lt1"/>
+          </a:fontRef>
+        </p:style>
+        <p:txBody>
+          <a:bodyPr rtlCol="0" anchor="ctr"/>
+          <a:lstStyle/>
+          <a:p>
+            <a:pPr algn="ctr"/>
+            <a:endParaRPr lang="ko-KR" altLang="en-US"/>
+          </a:p>
+        </p:txBody>
+      </p:sp>
+      <p:cxnSp>
+        <p:nvCxnSpPr>
+          <p:cNvPr id="11" name="연결선: 구부러짐 10">
+            <a:extLst>
+              <a:ext uri="{FF2B5EF4-FFF2-40B4-BE49-F238E27FC236}">
+                <a16:creationId xmlns:a16="http://schemas.microsoft.com/office/drawing/2014/main" id="{127DC187-B73E-2435-A779-66BC5BF76653}"/>
+              </a:ext>
+            </a:extLst>
+          </p:cNvPr>
+          <p:cNvCxnSpPr/>
+          <p:nvPr/>
+        </p:nvCxnSpPr>
+        <p:spPr>
+          <a:xfrm flipV="1">
+            <a:off x="2243470" y="373380"/>
+            <a:ext cx="6198781" cy="774936"/>
+          </a:xfrm>
+          <a:prstGeom prst="curvedConnector3">
+            <a:avLst>
+              <a:gd name="adj1" fmla="val 52230"/>
+            </a:avLst>
+          </a:prstGeom>
+          <a:ln w="22225">
+            <a:solidFill>
+              <a:srgbClr val="0000FF"/>
+            </a:solidFill>
+            <a:prstDash val="lgDashDot"/>
+            <a:tailEnd type="triangle"/>
+          </a:ln>
+        </p:spPr>
+        <p:style>
+          <a:lnRef idx="1">
+            <a:schemeClr val="accent1"/>
+          </a:lnRef>
+          <a:fillRef idx="0">
+            <a:schemeClr val="accent1"/>
+          </a:fillRef>
+          <a:effectRef idx="0">
+            <a:schemeClr val="accent1"/>
+          </a:effectRef>
+          <a:fontRef idx="minor">
+            <a:schemeClr val="tx1"/>
+          </a:fontRef>
+        </p:style>
+      </p:cxnSp>
+      <p:cxnSp>
+        <p:nvCxnSpPr>
+          <p:cNvPr id="13" name="연결선: 구부러짐 12">
+            <a:extLst>
+              <a:ext uri="{FF2B5EF4-FFF2-40B4-BE49-F238E27FC236}">
+                <a16:creationId xmlns:a16="http://schemas.microsoft.com/office/drawing/2014/main" id="{31C0F417-7A69-1288-662B-1959CF3B1647}"/>
+              </a:ext>
+            </a:extLst>
+          </p:cNvPr>
+          <p:cNvCxnSpPr>
+            <a:cxnSpLocks/>
+          </p:cNvCxnSpPr>
+          <p:nvPr/>
+        </p:nvCxnSpPr>
+        <p:spPr>
+          <a:xfrm>
+            <a:off x="2243470" y="1376874"/>
+            <a:ext cx="6018028" cy="2052126"/>
+          </a:xfrm>
+          <a:prstGeom prst="curvedConnector3">
+            <a:avLst>
+              <a:gd name="adj1" fmla="val 50000"/>
+            </a:avLst>
+          </a:prstGeom>
+          <a:ln w="22225">
+            <a:solidFill>
+              <a:srgbClr val="0000FF"/>
+            </a:solidFill>
+            <a:prstDash val="lgDashDot"/>
+            <a:tailEnd type="triangle"/>
+          </a:ln>
+        </p:spPr>
+        <p:style>
+          <a:lnRef idx="1">
+            <a:schemeClr val="accent1"/>
+          </a:lnRef>
+          <a:fillRef idx="0">
+            <a:schemeClr val="accent1"/>
+          </a:fillRef>
+          <a:effectRef idx="0">
+            <a:schemeClr val="accent1"/>
+          </a:effectRef>
+          <a:fontRef idx="minor">
+            <a:schemeClr val="tx1"/>
+          </a:fontRef>
+        </p:style>
+      </p:cxnSp>
+      <p:cxnSp>
+        <p:nvCxnSpPr>
+          <p:cNvPr id="15" name="연결선: 구부러짐 14">
+            <a:extLst>
+              <a:ext uri="{FF2B5EF4-FFF2-40B4-BE49-F238E27FC236}">
+                <a16:creationId xmlns:a16="http://schemas.microsoft.com/office/drawing/2014/main" id="{83AB3F62-6DA6-D0FD-D7ED-ED9F977733DA}"/>
+              </a:ext>
+            </a:extLst>
+          </p:cNvPr>
+          <p:cNvCxnSpPr>
+            <a:cxnSpLocks/>
+          </p:cNvCxnSpPr>
+          <p:nvPr/>
+        </p:nvCxnSpPr>
+        <p:spPr>
+          <a:xfrm>
+            <a:off x="2243470" y="1605432"/>
+            <a:ext cx="6198781" cy="4799178"/>
+          </a:xfrm>
+          <a:prstGeom prst="curvedConnector3">
+            <a:avLst>
+              <a:gd name="adj1" fmla="val 50000"/>
+            </a:avLst>
+          </a:prstGeom>
+          <a:ln w="22225">
+            <a:solidFill>
+              <a:srgbClr val="0000FF"/>
+            </a:solidFill>
+            <a:prstDash val="lgDashDot"/>
+            <a:tailEnd type="triangle"/>
+          </a:ln>
+        </p:spPr>
+        <p:style>
+          <a:lnRef idx="1">
+            <a:schemeClr val="accent1"/>
+          </a:lnRef>
+          <a:fillRef idx="0">
+            <a:schemeClr val="accent1"/>
+          </a:fillRef>
+          <a:effectRef idx="0">
+            <a:schemeClr val="accent1"/>
+          </a:effectRef>
+          <a:fontRef idx="minor">
+            <a:schemeClr val="tx1"/>
+          </a:fontRef>
+        </p:style>
+      </p:cxnSp>
+      <p:sp>
+        <p:nvSpPr>
+          <p:cNvPr id="17" name="직사각형 16">
+            <a:extLst>
+              <a:ext uri="{FF2B5EF4-FFF2-40B4-BE49-F238E27FC236}">
+                <a16:creationId xmlns:a16="http://schemas.microsoft.com/office/drawing/2014/main" id="{4CF1CBBA-B022-1C74-1828-77F19033990E}"/>
+              </a:ext>
+            </a:extLst>
+          </p:cNvPr>
+          <p:cNvSpPr/>
+          <p:nvPr/>
+        </p:nvSpPr>
+        <p:spPr>
+          <a:xfrm>
+            <a:off x="8818721" y="647700"/>
+            <a:ext cx="345757" cy="121920"/>
+          </a:xfrm>
+          <a:prstGeom prst="rect">
+            <a:avLst/>
+          </a:prstGeom>
+          <a:solidFill>
+            <a:srgbClr val="FF00FF">
+              <a:alpha val="50000"/>
+            </a:srgbClr>
+          </a:solidFill>
+          <a:ln>
+            <a:noFill/>
+          </a:ln>
+        </p:spPr>
+        <p:style>
+          <a:lnRef idx="2">
+            <a:schemeClr val="accent1">
+              <a:shade val="50000"/>
+            </a:schemeClr>
+          </a:lnRef>
+          <a:fillRef idx="1">
+            <a:schemeClr val="accent1"/>
+          </a:fillRef>
+          <a:effectRef idx="0">
+            <a:schemeClr val="accent1"/>
+          </a:effectRef>
+          <a:fontRef idx="minor">
+            <a:schemeClr val="lt1"/>
+          </a:fontRef>
+        </p:style>
+        <p:txBody>
+          <a:bodyPr rtlCol="0" anchor="ctr"/>
+          <a:lstStyle/>
+          <a:p>
+            <a:pPr algn="ctr"/>
+            <a:endParaRPr lang="ko-KR" altLang="en-US"/>
+          </a:p>
+        </p:txBody>
+      </p:sp>
+      <p:sp>
+        <p:nvSpPr>
+          <p:cNvPr id="19" name="직사각형 18">
+            <a:extLst>
+              <a:ext uri="{FF2B5EF4-FFF2-40B4-BE49-F238E27FC236}">
+                <a16:creationId xmlns:a16="http://schemas.microsoft.com/office/drawing/2014/main" id="{477BBD5F-D972-7F76-FB4A-18E4AA4C29FC}"/>
+              </a:ext>
+            </a:extLst>
+          </p:cNvPr>
+          <p:cNvSpPr/>
+          <p:nvPr/>
+        </p:nvSpPr>
+        <p:spPr>
+          <a:xfrm>
+            <a:off x="8818721" y="791527"/>
+            <a:ext cx="345757" cy="121920"/>
+          </a:xfrm>
+          <a:prstGeom prst="rect">
+            <a:avLst/>
+          </a:prstGeom>
+          <a:solidFill>
+            <a:srgbClr val="FF00FF">
+              <a:alpha val="50000"/>
+            </a:srgbClr>
+          </a:solidFill>
+          <a:ln>
+            <a:noFill/>
+          </a:ln>
+        </p:spPr>
+        <p:style>
+          <a:lnRef idx="2">
+            <a:schemeClr val="accent1">
+              <a:shade val="50000"/>
+            </a:schemeClr>
+          </a:lnRef>
+          <a:fillRef idx="1">
+            <a:schemeClr val="accent1"/>
+          </a:fillRef>
+          <a:effectRef idx="0">
+            <a:schemeClr val="accent1"/>
+          </a:effectRef>
+          <a:fontRef idx="minor">
+            <a:schemeClr val="lt1"/>
+          </a:fontRef>
+        </p:style>
+        <p:txBody>
+          <a:bodyPr rtlCol="0" anchor="ctr"/>
+          <a:lstStyle/>
+          <a:p>
+            <a:pPr algn="ctr"/>
+            <a:endParaRPr lang="ko-KR" altLang="en-US"/>
+          </a:p>
+        </p:txBody>
+      </p:sp>
+      <p:sp>
+        <p:nvSpPr>
+          <p:cNvPr id="20" name="직사각형 19">
+            <a:extLst>
+              <a:ext uri="{FF2B5EF4-FFF2-40B4-BE49-F238E27FC236}">
+                <a16:creationId xmlns:a16="http://schemas.microsoft.com/office/drawing/2014/main" id="{C4543D1F-9745-6A16-3A58-67062C2D86C5}"/>
+              </a:ext>
+            </a:extLst>
+          </p:cNvPr>
+          <p:cNvSpPr/>
+          <p:nvPr/>
+        </p:nvSpPr>
+        <p:spPr>
+          <a:xfrm>
+            <a:off x="8818721" y="1712277"/>
+            <a:ext cx="1151573" cy="121920"/>
+          </a:xfrm>
+          <a:prstGeom prst="rect">
+            <a:avLst/>
+          </a:prstGeom>
+          <a:solidFill>
+            <a:srgbClr val="FF00FF">
+              <a:alpha val="50000"/>
+            </a:srgbClr>
+          </a:solidFill>
+          <a:ln>
+            <a:noFill/>
+          </a:ln>
+        </p:spPr>
+        <p:style>
+          <a:lnRef idx="2">
+            <a:schemeClr val="accent1">
+              <a:shade val="50000"/>
+            </a:schemeClr>
+          </a:lnRef>
+          <a:fillRef idx="1">
+            <a:schemeClr val="accent1"/>
+          </a:fillRef>
+          <a:effectRef idx="0">
+            <a:schemeClr val="accent1"/>
+          </a:effectRef>
+          <a:fontRef idx="minor">
+            <a:schemeClr val="lt1"/>
+          </a:fontRef>
+        </p:style>
+        <p:txBody>
+          <a:bodyPr rtlCol="0" anchor="ctr"/>
+          <a:lstStyle/>
+          <a:p>
+            <a:pPr algn="ctr"/>
+            <a:endParaRPr lang="ko-KR" altLang="en-US"/>
+          </a:p>
+        </p:txBody>
+      </p:sp>
+      <p:sp>
+        <p:nvSpPr>
+          <p:cNvPr id="21" name="직사각형 20">
+            <a:extLst>
+              <a:ext uri="{FF2B5EF4-FFF2-40B4-BE49-F238E27FC236}">
+                <a16:creationId xmlns:a16="http://schemas.microsoft.com/office/drawing/2014/main" id="{F1E91F52-EADB-C077-BCF7-2F290BC5C0AB}"/>
+              </a:ext>
+            </a:extLst>
+          </p:cNvPr>
+          <p:cNvSpPr/>
+          <p:nvPr/>
+        </p:nvSpPr>
+        <p:spPr>
+          <a:xfrm>
+            <a:off x="8818722" y="2386171"/>
+            <a:ext cx="425292" cy="121920"/>
+          </a:xfrm>
+          <a:prstGeom prst="rect">
+            <a:avLst/>
+          </a:prstGeom>
+          <a:solidFill>
+            <a:srgbClr val="FF00FF">
+              <a:alpha val="50000"/>
+            </a:srgbClr>
+          </a:solidFill>
+          <a:ln>
+            <a:noFill/>
+          </a:ln>
+        </p:spPr>
+        <p:style>
+          <a:lnRef idx="2">
+            <a:schemeClr val="accent1">
+              <a:shade val="50000"/>
+            </a:schemeClr>
+          </a:lnRef>
+          <a:fillRef idx="1">
+            <a:schemeClr val="accent1"/>
+          </a:fillRef>
+          <a:effectRef idx="0">
+            <a:schemeClr val="accent1"/>
+          </a:effectRef>
+          <a:fontRef idx="minor">
+            <a:schemeClr val="lt1"/>
+          </a:fontRef>
+        </p:style>
+        <p:txBody>
+          <a:bodyPr rtlCol="0" anchor="ctr"/>
+          <a:lstStyle/>
+          <a:p>
+            <a:pPr algn="ctr"/>
+            <a:endParaRPr lang="ko-KR" altLang="en-US"/>
+          </a:p>
+        </p:txBody>
+      </p:sp>
+      <p:sp>
+        <p:nvSpPr>
+          <p:cNvPr id="22" name="직사각형 21">
+            <a:extLst>
+              <a:ext uri="{FF2B5EF4-FFF2-40B4-BE49-F238E27FC236}">
+                <a16:creationId xmlns:a16="http://schemas.microsoft.com/office/drawing/2014/main" id="{62F5B477-0C26-56ED-DA1E-6F9273F9856C}"/>
+              </a:ext>
+            </a:extLst>
+          </p:cNvPr>
+          <p:cNvSpPr/>
+          <p:nvPr/>
+        </p:nvSpPr>
+        <p:spPr>
+          <a:xfrm>
+            <a:off x="8818722" y="3443764"/>
+            <a:ext cx="425292" cy="121920"/>
+          </a:xfrm>
+          <a:prstGeom prst="rect">
+            <a:avLst/>
+          </a:prstGeom>
+          <a:solidFill>
+            <a:srgbClr val="FF00FF">
+              <a:alpha val="50000"/>
+            </a:srgbClr>
+          </a:solidFill>
+          <a:ln>
+            <a:noFill/>
+          </a:ln>
+        </p:spPr>
+        <p:style>
+          <a:lnRef idx="2">
+            <a:schemeClr val="accent1">
+              <a:shade val="50000"/>
+            </a:schemeClr>
+          </a:lnRef>
+          <a:fillRef idx="1">
+            <a:schemeClr val="accent1"/>
+          </a:fillRef>
+          <a:effectRef idx="0">
+            <a:schemeClr val="accent1"/>
+          </a:effectRef>
+          <a:fontRef idx="minor">
+            <a:schemeClr val="lt1"/>
+          </a:fontRef>
+        </p:style>
+        <p:txBody>
+          <a:bodyPr rtlCol="0" anchor="ctr"/>
+          <a:lstStyle/>
+          <a:p>
+            <a:pPr algn="ctr"/>
+            <a:endParaRPr lang="ko-KR" altLang="en-US"/>
+          </a:p>
+        </p:txBody>
+      </p:sp>
+      <p:sp>
+        <p:nvSpPr>
+          <p:cNvPr id="23" name="직사각형 22">
+            <a:extLst>
+              <a:ext uri="{FF2B5EF4-FFF2-40B4-BE49-F238E27FC236}">
+                <a16:creationId xmlns:a16="http://schemas.microsoft.com/office/drawing/2014/main" id="{95C55EDA-5AEE-1E9E-85CE-A6D6C0ED1461}"/>
+              </a:ext>
+            </a:extLst>
+          </p:cNvPr>
+          <p:cNvSpPr/>
+          <p:nvPr/>
+        </p:nvSpPr>
+        <p:spPr>
+          <a:xfrm>
+            <a:off x="8818722" y="4741308"/>
+            <a:ext cx="368141" cy="121920"/>
+          </a:xfrm>
+          <a:prstGeom prst="rect">
+            <a:avLst/>
+          </a:prstGeom>
+          <a:solidFill>
+            <a:srgbClr val="FF00FF">
+              <a:alpha val="50000"/>
+            </a:srgbClr>
+          </a:solidFill>
+          <a:ln>
+            <a:noFill/>
+          </a:ln>
+        </p:spPr>
+        <p:style>
+          <a:lnRef idx="2">
+            <a:schemeClr val="accent1">
+              <a:shade val="50000"/>
+            </a:schemeClr>
+          </a:lnRef>
+          <a:fillRef idx="1">
+            <a:schemeClr val="accent1"/>
+          </a:fillRef>
+          <a:effectRef idx="0">
+            <a:schemeClr val="accent1"/>
+          </a:effectRef>
+          <a:fontRef idx="minor">
+            <a:schemeClr val="lt1"/>
+          </a:fontRef>
+        </p:style>
+        <p:txBody>
+          <a:bodyPr rtlCol="0" anchor="ctr"/>
+          <a:lstStyle/>
+          <a:p>
+            <a:pPr algn="ctr"/>
+            <a:endParaRPr lang="ko-KR" altLang="en-US"/>
+          </a:p>
+        </p:txBody>
+      </p:sp>
+      <p:sp>
+        <p:nvSpPr>
+          <p:cNvPr id="24" name="직사각형 23">
+            <a:extLst>
+              <a:ext uri="{FF2B5EF4-FFF2-40B4-BE49-F238E27FC236}">
+                <a16:creationId xmlns:a16="http://schemas.microsoft.com/office/drawing/2014/main" id="{82B0AC44-1641-0A86-A569-1C084EFD2168}"/>
+              </a:ext>
+            </a:extLst>
+          </p:cNvPr>
+          <p:cNvSpPr/>
+          <p:nvPr/>
+        </p:nvSpPr>
+        <p:spPr>
+          <a:xfrm>
+            <a:off x="8818722" y="4886086"/>
+            <a:ext cx="653891" cy="121920"/>
+          </a:xfrm>
+          <a:prstGeom prst="rect">
+            <a:avLst/>
+          </a:prstGeom>
+          <a:solidFill>
+            <a:srgbClr val="FF00FF">
+              <a:alpha val="50000"/>
+            </a:srgbClr>
+          </a:solidFill>
+          <a:ln>
+            <a:noFill/>
+          </a:ln>
+        </p:spPr>
+        <p:style>
+          <a:lnRef idx="2">
+            <a:schemeClr val="accent1">
+              <a:shade val="50000"/>
+            </a:schemeClr>
+          </a:lnRef>
+          <a:fillRef idx="1">
+            <a:schemeClr val="accent1"/>
+          </a:fillRef>
+          <a:effectRef idx="0">
+            <a:schemeClr val="accent1"/>
+          </a:effectRef>
+          <a:fontRef idx="minor">
+            <a:schemeClr val="lt1"/>
+          </a:fontRef>
+        </p:style>
+        <p:txBody>
+          <a:bodyPr rtlCol="0" anchor="ctr"/>
+          <a:lstStyle/>
+          <a:p>
+            <a:pPr algn="ctr"/>
+            <a:endParaRPr lang="ko-KR" altLang="en-US"/>
+          </a:p>
+        </p:txBody>
+      </p:sp>
+      <p:sp>
+        <p:nvSpPr>
+          <p:cNvPr id="25" name="직사각형 24">
+            <a:extLst>
+              <a:ext uri="{FF2B5EF4-FFF2-40B4-BE49-F238E27FC236}">
+                <a16:creationId xmlns:a16="http://schemas.microsoft.com/office/drawing/2014/main" id="{B03BD2DC-681E-8BC9-0C88-DFA8EB684A59}"/>
+              </a:ext>
+            </a:extLst>
+          </p:cNvPr>
+          <p:cNvSpPr/>
+          <p:nvPr/>
+        </p:nvSpPr>
+        <p:spPr>
+          <a:xfrm>
+            <a:off x="8818722" y="5548075"/>
+            <a:ext cx="608647" cy="121920"/>
+          </a:xfrm>
+          <a:prstGeom prst="rect">
+            <a:avLst/>
+          </a:prstGeom>
+          <a:solidFill>
+            <a:srgbClr val="FF00FF">
+              <a:alpha val="50000"/>
+            </a:srgbClr>
+          </a:solidFill>
+          <a:ln>
+            <a:noFill/>
+          </a:ln>
+        </p:spPr>
+        <p:style>
+          <a:lnRef idx="2">
+            <a:schemeClr val="accent1">
+              <a:shade val="50000"/>
+            </a:schemeClr>
+          </a:lnRef>
+          <a:fillRef idx="1">
+            <a:schemeClr val="accent1"/>
+          </a:fillRef>
+          <a:effectRef idx="0">
+            <a:schemeClr val="accent1"/>
+          </a:effectRef>
+          <a:fontRef idx="minor">
+            <a:schemeClr val="lt1"/>
+          </a:fontRef>
+        </p:style>
+        <p:txBody>
+          <a:bodyPr rtlCol="0" anchor="ctr"/>
+          <a:lstStyle/>
+          <a:p>
+            <a:pPr algn="ctr"/>
+            <a:endParaRPr lang="ko-KR" altLang="en-US"/>
+          </a:p>
+        </p:txBody>
+      </p:sp>
+      <p:sp>
+        <p:nvSpPr>
+          <p:cNvPr id="26" name="직사각형 25">
+            <a:extLst>
+              <a:ext uri="{FF2B5EF4-FFF2-40B4-BE49-F238E27FC236}">
+                <a16:creationId xmlns:a16="http://schemas.microsoft.com/office/drawing/2014/main" id="{26DED621-72B3-BBE1-041F-DAB4748B9EB4}"/>
+              </a:ext>
+            </a:extLst>
+          </p:cNvPr>
+          <p:cNvSpPr/>
+          <p:nvPr/>
+        </p:nvSpPr>
+        <p:spPr>
+          <a:xfrm>
+            <a:off x="8818722" y="6336507"/>
+            <a:ext cx="368141" cy="121920"/>
+          </a:xfrm>
+          <a:prstGeom prst="rect">
+            <a:avLst/>
+          </a:prstGeom>
+          <a:solidFill>
+            <a:srgbClr val="FF00FF">
+              <a:alpha val="50000"/>
+            </a:srgbClr>
+          </a:solidFill>
+          <a:ln>
+            <a:noFill/>
+          </a:ln>
+        </p:spPr>
+        <p:style>
+          <a:lnRef idx="2">
+            <a:schemeClr val="accent1">
+              <a:shade val="50000"/>
+            </a:schemeClr>
+          </a:lnRef>
+          <a:fillRef idx="1">
+            <a:schemeClr val="accent1"/>
+          </a:fillRef>
+          <a:effectRef idx="0">
+            <a:schemeClr val="accent1"/>
+          </a:effectRef>
+          <a:fontRef idx="minor">
+            <a:schemeClr val="lt1"/>
+          </a:fontRef>
+        </p:style>
+        <p:txBody>
+          <a:bodyPr rtlCol="0" anchor="ctr"/>
+          <a:lstStyle/>
+          <a:p>
+            <a:pPr algn="ctr"/>
+            <a:endParaRPr lang="ko-KR" altLang="en-US"/>
+          </a:p>
+        </p:txBody>
+      </p:sp>
+      <p:sp>
+        <p:nvSpPr>
+          <p:cNvPr id="27" name="직사각형 26">
+            <a:extLst>
+              <a:ext uri="{FF2B5EF4-FFF2-40B4-BE49-F238E27FC236}">
+                <a16:creationId xmlns:a16="http://schemas.microsoft.com/office/drawing/2014/main" id="{5CF97ED8-9EF3-B09F-3EC4-011FF29FD837}"/>
+              </a:ext>
+            </a:extLst>
+          </p:cNvPr>
+          <p:cNvSpPr/>
+          <p:nvPr/>
+        </p:nvSpPr>
+        <p:spPr>
+          <a:xfrm>
+            <a:off x="8818722" y="6476047"/>
+            <a:ext cx="296703" cy="121920"/>
+          </a:xfrm>
+          <a:prstGeom prst="rect">
+            <a:avLst/>
+          </a:prstGeom>
+          <a:solidFill>
+            <a:srgbClr val="FF00FF">
+              <a:alpha val="50000"/>
+            </a:srgbClr>
+          </a:solidFill>
+          <a:ln>
+            <a:noFill/>
+          </a:ln>
+        </p:spPr>
+        <p:style>
+          <a:lnRef idx="2">
+            <a:schemeClr val="accent1">
+              <a:shade val="50000"/>
+            </a:schemeClr>
+          </a:lnRef>
+          <a:fillRef idx="1">
+            <a:schemeClr val="accent1"/>
+          </a:fillRef>
+          <a:effectRef idx="0">
+            <a:schemeClr val="accent1"/>
+          </a:effectRef>
+          <a:fontRef idx="minor">
+            <a:schemeClr val="lt1"/>
+          </a:fontRef>
+        </p:style>
+        <p:txBody>
+          <a:bodyPr rtlCol="0" anchor="ctr"/>
+          <a:lstStyle/>
+          <a:p>
+            <a:pPr algn="ctr"/>
+            <a:endParaRPr lang="ko-KR" altLang="en-US"/>
+          </a:p>
+        </p:txBody>
+      </p:sp>
+      <p:sp>
+        <p:nvSpPr>
+          <p:cNvPr id="28" name="TextBox 27">
+            <a:extLst>
+              <a:ext uri="{FF2B5EF4-FFF2-40B4-BE49-F238E27FC236}">
+                <a16:creationId xmlns:a16="http://schemas.microsoft.com/office/drawing/2014/main" id="{897021B9-0121-99DC-2713-253DD6EEEB84}"/>
+              </a:ext>
+            </a:extLst>
+          </p:cNvPr>
+          <p:cNvSpPr txBox="1"/>
+          <p:nvPr/>
+        </p:nvSpPr>
+        <p:spPr>
+          <a:xfrm>
+            <a:off x="4866082" y="3171561"/>
+            <a:ext cx="2048959" cy="646331"/>
+          </a:xfrm>
+          <a:prstGeom prst="rect">
+            <a:avLst/>
+          </a:prstGeom>
+          <a:noFill/>
+        </p:spPr>
+        <p:txBody>
+          <a:bodyPr wrap="none" rtlCol="0">
+            <a:spAutoFit/>
+          </a:bodyPr>
+          <a:lstStyle/>
+          <a:p>
+            <a:r>
+              <a:rPr lang="ko-KR" altLang="en-US" dirty="0">
+                <a:latin typeface="리디바탕" panose="020B0600000101010101" pitchFamily="34" charset="-127"/>
+                <a:ea typeface="리디바탕" panose="020B0600000101010101" pitchFamily="34" charset="-127"/>
+              </a:rPr>
+              <a:t>각</a:t>
+            </a:r>
+            <a:r>
+              <a:rPr lang="en-US" altLang="ko-KR" dirty="0">
+                <a:latin typeface="리디바탕" panose="020B0600000101010101" pitchFamily="34" charset="-127"/>
+                <a:ea typeface="리디바탕" panose="020B0600000101010101" pitchFamily="34" charset="-127"/>
+              </a:rPr>
+              <a:t> Wall </a:t>
+            </a:r>
+            <a:r>
+              <a:rPr lang="ko-KR" altLang="en-US" dirty="0">
+                <a:latin typeface="리디바탕" panose="020B0600000101010101" pitchFamily="34" charset="-127"/>
+                <a:ea typeface="리디바탕" panose="020B0600000101010101" pitchFamily="34" charset="-127"/>
+              </a:rPr>
+              <a:t>객체의</a:t>
+            </a:r>
+            <a:endParaRPr lang="en-US" altLang="ko-KR" dirty="0">
+              <a:latin typeface="리디바탕" panose="020B0600000101010101" pitchFamily="34" charset="-127"/>
+              <a:ea typeface="리디바탕" panose="020B0600000101010101" pitchFamily="34" charset="-127"/>
+            </a:endParaRPr>
+          </a:p>
+          <a:p>
+            <a:r>
+              <a:rPr lang="ko-KR" altLang="en-US" dirty="0">
+                <a:latin typeface="리디바탕" panose="020B0600000101010101" pitchFamily="34" charset="-127"/>
+                <a:ea typeface="리디바탕" panose="020B0600000101010101" pitchFamily="34" charset="-127"/>
+              </a:rPr>
+              <a:t>파생 데이터 꾸러미</a:t>
+            </a:r>
+          </a:p>
+        </p:txBody>
+      </p:sp>
+      <p:cxnSp>
+        <p:nvCxnSpPr>
+          <p:cNvPr id="30" name="직선 연결선 29">
+            <a:extLst>
+              <a:ext uri="{FF2B5EF4-FFF2-40B4-BE49-F238E27FC236}">
+                <a16:creationId xmlns:a16="http://schemas.microsoft.com/office/drawing/2014/main" id="{07C2F9B2-B24A-BE50-0344-E00DF7CC21C9}"/>
+              </a:ext>
+            </a:extLst>
+          </p:cNvPr>
+          <p:cNvCxnSpPr/>
+          <p:nvPr/>
+        </p:nvCxnSpPr>
+        <p:spPr>
+          <a:xfrm>
+            <a:off x="5747657" y="240034"/>
+            <a:ext cx="0" cy="6377932"/>
+          </a:xfrm>
+          <a:prstGeom prst="line">
+            <a:avLst/>
+          </a:prstGeom>
+          <a:ln>
+            <a:prstDash val="lgDashDotDot"/>
+          </a:ln>
+        </p:spPr>
+        <p:style>
+          <a:lnRef idx="1">
+            <a:schemeClr val="accent1"/>
+          </a:lnRef>
+          <a:fillRef idx="0">
+            <a:schemeClr val="accent1"/>
+          </a:fillRef>
+          <a:effectRef idx="0">
+            <a:schemeClr val="accent1"/>
+          </a:effectRef>
+          <a:fontRef idx="minor">
+            <a:schemeClr val="tx1"/>
+          </a:fontRef>
+        </p:style>
+      </p:cxnSp>
+      <p:sp>
+        <p:nvSpPr>
+          <p:cNvPr id="31" name="직사각형 30">
+            <a:extLst>
+              <a:ext uri="{FF2B5EF4-FFF2-40B4-BE49-F238E27FC236}">
+                <a16:creationId xmlns:a16="http://schemas.microsoft.com/office/drawing/2014/main" id="{41926603-2861-D613-5D17-DDBE9A56D5D1}"/>
+              </a:ext>
+            </a:extLst>
+          </p:cNvPr>
+          <p:cNvSpPr/>
+          <p:nvPr/>
+        </p:nvSpPr>
+        <p:spPr>
+          <a:xfrm>
+            <a:off x="9186863" y="647700"/>
+            <a:ext cx="345757" cy="121920"/>
+          </a:xfrm>
+          <a:prstGeom prst="rect">
+            <a:avLst/>
+          </a:prstGeom>
+          <a:solidFill>
+            <a:srgbClr val="0000FF">
+              <a:alpha val="30000"/>
+            </a:srgbClr>
+          </a:solidFill>
+          <a:ln>
+            <a:solidFill>
+              <a:srgbClr val="0000FF"/>
+            </a:solidFill>
+          </a:ln>
+        </p:spPr>
+        <p:style>
+          <a:lnRef idx="2">
+            <a:schemeClr val="accent1">
+              <a:shade val="50000"/>
+            </a:schemeClr>
+          </a:lnRef>
+          <a:fillRef idx="1">
+            <a:schemeClr val="accent1"/>
+          </a:fillRef>
+          <a:effectRef idx="0">
+            <a:schemeClr val="accent1"/>
+          </a:effectRef>
+          <a:fontRef idx="minor">
+            <a:schemeClr val="lt1"/>
+          </a:fontRef>
+        </p:style>
+        <p:txBody>
+          <a:bodyPr rtlCol="0" anchor="ctr"/>
+          <a:lstStyle/>
+          <a:p>
+            <a:pPr algn="ctr"/>
+            <a:endParaRPr lang="ko-KR" altLang="en-US"/>
+          </a:p>
+        </p:txBody>
+      </p:sp>
+      <p:sp>
+        <p:nvSpPr>
+          <p:cNvPr id="32" name="직사각형 31">
+            <a:extLst>
+              <a:ext uri="{FF2B5EF4-FFF2-40B4-BE49-F238E27FC236}">
+                <a16:creationId xmlns:a16="http://schemas.microsoft.com/office/drawing/2014/main" id="{E2EAF21B-02E2-7D7C-4543-8AC061D7D963}"/>
+              </a:ext>
+            </a:extLst>
+          </p:cNvPr>
+          <p:cNvSpPr/>
+          <p:nvPr/>
+        </p:nvSpPr>
+        <p:spPr>
+          <a:xfrm>
+            <a:off x="8920390" y="913447"/>
+            <a:ext cx="746042" cy="791845"/>
+          </a:xfrm>
+          <a:prstGeom prst="rect">
+            <a:avLst/>
+          </a:prstGeom>
+          <a:solidFill>
+            <a:srgbClr val="0000FF">
+              <a:alpha val="30000"/>
+            </a:srgbClr>
+          </a:solidFill>
+          <a:ln>
+            <a:solidFill>
+              <a:srgbClr val="0000FF"/>
+            </a:solidFill>
+          </a:ln>
+        </p:spPr>
+        <p:style>
+          <a:lnRef idx="2">
+            <a:schemeClr val="accent1">
+              <a:shade val="50000"/>
+            </a:schemeClr>
+          </a:lnRef>
+          <a:fillRef idx="1">
+            <a:schemeClr val="accent1"/>
+          </a:fillRef>
+          <a:effectRef idx="0">
+            <a:schemeClr val="accent1"/>
+          </a:effectRef>
+          <a:fontRef idx="minor">
+            <a:schemeClr val="lt1"/>
+          </a:fontRef>
+        </p:style>
+        <p:txBody>
+          <a:bodyPr rtlCol="0" anchor="ctr"/>
+          <a:lstStyle/>
+          <a:p>
+            <a:pPr algn="ctr"/>
+            <a:endParaRPr lang="ko-KR" altLang="en-US"/>
+          </a:p>
+        </p:txBody>
+      </p:sp>
+      <p:sp>
+        <p:nvSpPr>
+          <p:cNvPr id="33" name="직사각형 32">
+            <a:extLst>
+              <a:ext uri="{FF2B5EF4-FFF2-40B4-BE49-F238E27FC236}">
+                <a16:creationId xmlns:a16="http://schemas.microsoft.com/office/drawing/2014/main" id="{DD27E000-D3A1-5111-D27C-D848806D95A4}"/>
+              </a:ext>
+            </a:extLst>
+          </p:cNvPr>
+          <p:cNvSpPr/>
+          <p:nvPr/>
+        </p:nvSpPr>
+        <p:spPr>
+          <a:xfrm>
+            <a:off x="8920390" y="1834197"/>
+            <a:ext cx="746042" cy="547925"/>
+          </a:xfrm>
+          <a:prstGeom prst="rect">
+            <a:avLst/>
+          </a:prstGeom>
+          <a:solidFill>
+            <a:srgbClr val="0000FF">
+              <a:alpha val="30000"/>
+            </a:srgbClr>
+          </a:solidFill>
+          <a:ln>
+            <a:solidFill>
+              <a:srgbClr val="0000FF"/>
+            </a:solidFill>
+          </a:ln>
+        </p:spPr>
+        <p:style>
+          <a:lnRef idx="2">
+            <a:schemeClr val="accent1">
+              <a:shade val="50000"/>
+            </a:schemeClr>
+          </a:lnRef>
+          <a:fillRef idx="1">
+            <a:schemeClr val="accent1"/>
+          </a:fillRef>
+          <a:effectRef idx="0">
+            <a:schemeClr val="accent1"/>
+          </a:effectRef>
+          <a:fontRef idx="minor">
+            <a:schemeClr val="lt1"/>
+          </a:fontRef>
+        </p:style>
+        <p:txBody>
+          <a:bodyPr rtlCol="0" anchor="ctr"/>
+          <a:lstStyle/>
+          <a:p>
+            <a:pPr algn="ctr"/>
+            <a:endParaRPr lang="ko-KR" altLang="en-US"/>
+          </a:p>
+        </p:txBody>
+      </p:sp>
+      <p:sp>
+        <p:nvSpPr>
+          <p:cNvPr id="34" name="직사각형 33">
+            <a:extLst>
+              <a:ext uri="{FF2B5EF4-FFF2-40B4-BE49-F238E27FC236}">
+                <a16:creationId xmlns:a16="http://schemas.microsoft.com/office/drawing/2014/main" id="{0E1A6697-7582-94F6-B54F-8E1D78170824}"/>
+              </a:ext>
+            </a:extLst>
+          </p:cNvPr>
+          <p:cNvSpPr/>
+          <p:nvPr/>
+        </p:nvSpPr>
+        <p:spPr>
+          <a:xfrm>
+            <a:off x="8865394" y="2510235"/>
+            <a:ext cx="801038" cy="904001"/>
+          </a:xfrm>
+          <a:prstGeom prst="rect">
+            <a:avLst/>
+          </a:prstGeom>
+          <a:solidFill>
+            <a:srgbClr val="0000FF">
+              <a:alpha val="30000"/>
+            </a:srgbClr>
+          </a:solidFill>
+          <a:ln>
+            <a:solidFill>
+              <a:srgbClr val="0000FF"/>
+            </a:solidFill>
+          </a:ln>
+        </p:spPr>
+        <p:style>
+          <a:lnRef idx="2">
+            <a:schemeClr val="accent1">
+              <a:shade val="50000"/>
+            </a:schemeClr>
+          </a:lnRef>
+          <a:fillRef idx="1">
+            <a:schemeClr val="accent1"/>
+          </a:fillRef>
+          <a:effectRef idx="0">
+            <a:schemeClr val="accent1"/>
+          </a:effectRef>
+          <a:fontRef idx="minor">
+            <a:schemeClr val="lt1"/>
+          </a:fontRef>
+        </p:style>
+        <p:txBody>
+          <a:bodyPr rtlCol="0" anchor="ctr"/>
+          <a:lstStyle/>
+          <a:p>
+            <a:pPr algn="ctr"/>
+            <a:endParaRPr lang="ko-KR" altLang="en-US"/>
+          </a:p>
+        </p:txBody>
+      </p:sp>
+      <p:sp>
+        <p:nvSpPr>
+          <p:cNvPr id="35" name="직사각형 34">
+            <a:extLst>
+              <a:ext uri="{FF2B5EF4-FFF2-40B4-BE49-F238E27FC236}">
+                <a16:creationId xmlns:a16="http://schemas.microsoft.com/office/drawing/2014/main" id="{A146A1BB-4116-97C7-0F12-8E3118A1A47B}"/>
+              </a:ext>
+            </a:extLst>
+          </p:cNvPr>
+          <p:cNvSpPr/>
+          <p:nvPr/>
+        </p:nvSpPr>
+        <p:spPr>
+          <a:xfrm>
+            <a:off x="8865394" y="3573663"/>
+            <a:ext cx="801038" cy="1160975"/>
+          </a:xfrm>
+          <a:prstGeom prst="rect">
+            <a:avLst/>
+          </a:prstGeom>
+          <a:solidFill>
+            <a:srgbClr val="0000FF">
+              <a:alpha val="30000"/>
+            </a:srgbClr>
+          </a:solidFill>
+          <a:ln>
+            <a:solidFill>
+              <a:srgbClr val="0000FF"/>
+            </a:solidFill>
+          </a:ln>
+        </p:spPr>
+        <p:style>
+          <a:lnRef idx="2">
+            <a:schemeClr val="accent1">
+              <a:shade val="50000"/>
+            </a:schemeClr>
+          </a:lnRef>
+          <a:fillRef idx="1">
+            <a:schemeClr val="accent1"/>
+          </a:fillRef>
+          <a:effectRef idx="0">
+            <a:schemeClr val="accent1"/>
+          </a:effectRef>
+          <a:fontRef idx="minor">
+            <a:schemeClr val="lt1"/>
+          </a:fontRef>
+        </p:style>
+        <p:txBody>
+          <a:bodyPr rtlCol="0" anchor="ctr"/>
+          <a:lstStyle/>
+          <a:p>
+            <a:pPr algn="ctr"/>
+            <a:endParaRPr lang="ko-KR" altLang="en-US"/>
+          </a:p>
+        </p:txBody>
+      </p:sp>
+      <p:sp>
+        <p:nvSpPr>
+          <p:cNvPr id="36" name="직사각형 35">
+            <a:extLst>
+              <a:ext uri="{FF2B5EF4-FFF2-40B4-BE49-F238E27FC236}">
+                <a16:creationId xmlns:a16="http://schemas.microsoft.com/office/drawing/2014/main" id="{F0C4F63A-70B1-E1B6-1E5C-9A3BE840C8DE}"/>
+              </a:ext>
+            </a:extLst>
+          </p:cNvPr>
+          <p:cNvSpPr/>
+          <p:nvPr/>
+        </p:nvSpPr>
+        <p:spPr>
+          <a:xfrm>
+            <a:off x="9189561" y="4753212"/>
+            <a:ext cx="476871" cy="116685"/>
+          </a:xfrm>
+          <a:prstGeom prst="rect">
+            <a:avLst/>
+          </a:prstGeom>
+          <a:solidFill>
+            <a:srgbClr val="0000FF">
+              <a:alpha val="30000"/>
+            </a:srgbClr>
+          </a:solidFill>
+          <a:ln>
+            <a:solidFill>
+              <a:srgbClr val="0000FF"/>
+            </a:solidFill>
+          </a:ln>
+        </p:spPr>
+        <p:style>
+          <a:lnRef idx="2">
+            <a:schemeClr val="accent1">
+              <a:shade val="50000"/>
+            </a:schemeClr>
+          </a:lnRef>
+          <a:fillRef idx="1">
+            <a:schemeClr val="accent1"/>
+          </a:fillRef>
+          <a:effectRef idx="0">
+            <a:schemeClr val="accent1"/>
+          </a:effectRef>
+          <a:fontRef idx="minor">
+            <a:schemeClr val="lt1"/>
+          </a:fontRef>
+        </p:style>
+        <p:txBody>
+          <a:bodyPr rtlCol="0" anchor="ctr"/>
+          <a:lstStyle/>
+          <a:p>
+            <a:pPr algn="ctr"/>
+            <a:endParaRPr lang="ko-KR" altLang="en-US"/>
+          </a:p>
+        </p:txBody>
+      </p:sp>
+      <p:sp>
+        <p:nvSpPr>
+          <p:cNvPr id="37" name="직사각형 36">
+            <a:extLst>
+              <a:ext uri="{FF2B5EF4-FFF2-40B4-BE49-F238E27FC236}">
+                <a16:creationId xmlns:a16="http://schemas.microsoft.com/office/drawing/2014/main" id="{74A1FDAB-81EF-EBD8-445C-ECD1F280C75E}"/>
+              </a:ext>
+            </a:extLst>
+          </p:cNvPr>
+          <p:cNvSpPr/>
+          <p:nvPr/>
+        </p:nvSpPr>
+        <p:spPr>
+          <a:xfrm>
+            <a:off x="8865394" y="5014676"/>
+            <a:ext cx="801038" cy="515779"/>
+          </a:xfrm>
+          <a:prstGeom prst="rect">
+            <a:avLst/>
+          </a:prstGeom>
+          <a:solidFill>
+            <a:srgbClr val="0000FF">
+              <a:alpha val="30000"/>
+            </a:srgbClr>
+          </a:solidFill>
+          <a:ln>
+            <a:solidFill>
+              <a:srgbClr val="0000FF"/>
+            </a:solidFill>
+          </a:ln>
+        </p:spPr>
+        <p:style>
+          <a:lnRef idx="2">
+            <a:schemeClr val="accent1">
+              <a:shade val="50000"/>
+            </a:schemeClr>
+          </a:lnRef>
+          <a:fillRef idx="1">
+            <a:schemeClr val="accent1"/>
+          </a:fillRef>
+          <a:effectRef idx="0">
+            <a:schemeClr val="accent1"/>
+          </a:effectRef>
+          <a:fontRef idx="minor">
+            <a:schemeClr val="lt1"/>
+          </a:fontRef>
+        </p:style>
+        <p:txBody>
+          <a:bodyPr rtlCol="0" anchor="ctr"/>
+          <a:lstStyle/>
+          <a:p>
+            <a:pPr algn="ctr"/>
+            <a:endParaRPr lang="ko-KR" altLang="en-US"/>
+          </a:p>
+        </p:txBody>
+      </p:sp>
+      <p:sp>
+        <p:nvSpPr>
+          <p:cNvPr id="38" name="직사각형 37">
+            <a:extLst>
+              <a:ext uri="{FF2B5EF4-FFF2-40B4-BE49-F238E27FC236}">
+                <a16:creationId xmlns:a16="http://schemas.microsoft.com/office/drawing/2014/main" id="{A2CCF866-4D50-FA40-FC50-3A19794C9433}"/>
+              </a:ext>
+            </a:extLst>
+          </p:cNvPr>
+          <p:cNvSpPr/>
+          <p:nvPr/>
+        </p:nvSpPr>
+        <p:spPr>
+          <a:xfrm>
+            <a:off x="8865394" y="5668566"/>
+            <a:ext cx="801038" cy="515779"/>
+          </a:xfrm>
+          <a:prstGeom prst="rect">
+            <a:avLst/>
+          </a:prstGeom>
+          <a:solidFill>
+            <a:srgbClr val="0000FF">
+              <a:alpha val="30000"/>
+            </a:srgbClr>
+          </a:solidFill>
+          <a:ln>
+            <a:solidFill>
+              <a:srgbClr val="0000FF"/>
+            </a:solidFill>
+          </a:ln>
+        </p:spPr>
+        <p:style>
+          <a:lnRef idx="2">
+            <a:schemeClr val="accent1">
+              <a:shade val="50000"/>
+            </a:schemeClr>
+          </a:lnRef>
+          <a:fillRef idx="1">
+            <a:schemeClr val="accent1"/>
+          </a:fillRef>
+          <a:effectRef idx="0">
+            <a:schemeClr val="accent1"/>
+          </a:effectRef>
+          <a:fontRef idx="minor">
+            <a:schemeClr val="lt1"/>
+          </a:fontRef>
+        </p:style>
+        <p:txBody>
+          <a:bodyPr rtlCol="0" anchor="ctr"/>
+          <a:lstStyle/>
+          <a:p>
+            <a:pPr algn="ctr"/>
+            <a:endParaRPr lang="ko-KR" altLang="en-US"/>
+          </a:p>
+        </p:txBody>
+      </p:sp>
+      <p:sp>
+        <p:nvSpPr>
+          <p:cNvPr id="39" name="직사각형 38">
+            <a:extLst>
+              <a:ext uri="{FF2B5EF4-FFF2-40B4-BE49-F238E27FC236}">
+                <a16:creationId xmlns:a16="http://schemas.microsoft.com/office/drawing/2014/main" id="{7F65B762-2115-22A7-28AA-4E9F85685F17}"/>
+              </a:ext>
+            </a:extLst>
+          </p:cNvPr>
+          <p:cNvSpPr/>
+          <p:nvPr/>
+        </p:nvSpPr>
+        <p:spPr>
+          <a:xfrm>
+            <a:off x="6309644" y="4706023"/>
+            <a:ext cx="373354" cy="180063"/>
+          </a:xfrm>
+          <a:prstGeom prst="rect">
+            <a:avLst/>
+          </a:prstGeom>
+          <a:solidFill>
+            <a:srgbClr val="FF00FF">
+              <a:alpha val="50000"/>
+            </a:srgbClr>
+          </a:solidFill>
+          <a:ln>
+            <a:noFill/>
+          </a:ln>
+        </p:spPr>
+        <p:style>
+          <a:lnRef idx="2">
+            <a:schemeClr val="accent1">
+              <a:shade val="50000"/>
+            </a:schemeClr>
+          </a:lnRef>
+          <a:fillRef idx="1">
+            <a:schemeClr val="accent1"/>
+          </a:fillRef>
+          <a:effectRef idx="0">
+            <a:schemeClr val="accent1"/>
+          </a:effectRef>
+          <a:fontRef idx="minor">
+            <a:schemeClr val="lt1"/>
+          </a:fontRef>
+        </p:style>
+        <p:txBody>
+          <a:bodyPr rtlCol="0" anchor="ctr"/>
+          <a:lstStyle/>
+          <a:p>
+            <a:pPr algn="ctr"/>
+            <a:endParaRPr lang="ko-KR" altLang="en-US"/>
+          </a:p>
+        </p:txBody>
+      </p:sp>
+      <p:sp>
+        <p:nvSpPr>
+          <p:cNvPr id="40" name="직사각형 39">
+            <a:extLst>
+              <a:ext uri="{FF2B5EF4-FFF2-40B4-BE49-F238E27FC236}">
+                <a16:creationId xmlns:a16="http://schemas.microsoft.com/office/drawing/2014/main" id="{2318EF7A-F642-ECB8-26D0-E22B78E8DB2D}"/>
+              </a:ext>
+            </a:extLst>
+          </p:cNvPr>
+          <p:cNvSpPr/>
+          <p:nvPr/>
+        </p:nvSpPr>
+        <p:spPr>
+          <a:xfrm>
+            <a:off x="6309644" y="4951813"/>
+            <a:ext cx="373355" cy="180063"/>
+          </a:xfrm>
+          <a:prstGeom prst="rect">
+            <a:avLst/>
+          </a:prstGeom>
+          <a:solidFill>
+            <a:srgbClr val="0000FF">
+              <a:alpha val="30000"/>
+            </a:srgbClr>
+          </a:solidFill>
+          <a:ln>
+            <a:solidFill>
+              <a:srgbClr val="0000FF"/>
+            </a:solidFill>
+          </a:ln>
+        </p:spPr>
+        <p:style>
+          <a:lnRef idx="2">
+            <a:schemeClr val="accent1">
+              <a:shade val="50000"/>
+            </a:schemeClr>
+          </a:lnRef>
+          <a:fillRef idx="1">
+            <a:schemeClr val="accent1"/>
+          </a:fillRef>
+          <a:effectRef idx="0">
+            <a:schemeClr val="accent1"/>
+          </a:effectRef>
+          <a:fontRef idx="minor">
+            <a:schemeClr val="lt1"/>
+          </a:fontRef>
+        </p:style>
+        <p:txBody>
+          <a:bodyPr rtlCol="0" anchor="ctr"/>
+          <a:lstStyle/>
+          <a:p>
+            <a:pPr algn="ctr"/>
+            <a:endParaRPr lang="ko-KR" altLang="en-US"/>
+          </a:p>
+        </p:txBody>
+      </p:sp>
+      <p:sp>
+        <p:nvSpPr>
+          <p:cNvPr id="41" name="TextBox 40">
+            <a:extLst>
+              <a:ext uri="{FF2B5EF4-FFF2-40B4-BE49-F238E27FC236}">
+                <a16:creationId xmlns:a16="http://schemas.microsoft.com/office/drawing/2014/main" id="{A7FA80AF-C13B-00E1-FD12-621CC58DE022}"/>
+              </a:ext>
+            </a:extLst>
+          </p:cNvPr>
+          <p:cNvSpPr txBox="1"/>
+          <p:nvPr/>
+        </p:nvSpPr>
+        <p:spPr>
+          <a:xfrm>
+            <a:off x="6708895" y="4655195"/>
+            <a:ext cx="412292" cy="261610"/>
+          </a:xfrm>
+          <a:prstGeom prst="rect">
+            <a:avLst/>
+          </a:prstGeom>
+          <a:noFill/>
+        </p:spPr>
+        <p:txBody>
+          <a:bodyPr wrap="none" rtlCol="0">
+            <a:spAutoFit/>
+          </a:bodyPr>
+          <a:lstStyle/>
+          <a:p>
+            <a:r>
+              <a:rPr lang="en-US" altLang="ko-KR" sz="1100" dirty="0">
+                <a:solidFill>
+                  <a:srgbClr val="FF00FF"/>
+                </a:solidFill>
+                <a:latin typeface="리디바탕" panose="020B0600000101010101" pitchFamily="34" charset="-127"/>
+                <a:ea typeface="리디바탕" panose="020B0600000101010101" pitchFamily="34" charset="-127"/>
+              </a:rPr>
+              <a:t>key</a:t>
+            </a:r>
+            <a:endParaRPr lang="ko-KR" altLang="en-US" sz="1100" dirty="0">
+              <a:solidFill>
+                <a:srgbClr val="FF00FF"/>
+              </a:solidFill>
+              <a:latin typeface="리디바탕" panose="020B0600000101010101" pitchFamily="34" charset="-127"/>
+              <a:ea typeface="리디바탕" panose="020B0600000101010101" pitchFamily="34" charset="-127"/>
+            </a:endParaRPr>
+          </a:p>
+        </p:txBody>
+      </p:sp>
+      <p:sp>
+        <p:nvSpPr>
+          <p:cNvPr id="42" name="TextBox 41">
+            <a:extLst>
+              <a:ext uri="{FF2B5EF4-FFF2-40B4-BE49-F238E27FC236}">
+                <a16:creationId xmlns:a16="http://schemas.microsoft.com/office/drawing/2014/main" id="{A249163A-8167-CBF0-89C3-9BE31491573A}"/>
+              </a:ext>
+            </a:extLst>
+          </p:cNvPr>
+          <p:cNvSpPr txBox="1"/>
+          <p:nvPr/>
+        </p:nvSpPr>
+        <p:spPr>
+          <a:xfrm>
+            <a:off x="6708895" y="4911039"/>
+            <a:ext cx="522900" cy="261610"/>
+          </a:xfrm>
+          <a:prstGeom prst="rect">
+            <a:avLst/>
+          </a:prstGeom>
+          <a:noFill/>
+        </p:spPr>
+        <p:txBody>
+          <a:bodyPr wrap="none" rtlCol="0">
+            <a:spAutoFit/>
+          </a:bodyPr>
+          <a:lstStyle/>
+          <a:p>
+            <a:r>
+              <a:rPr lang="en-US" altLang="ko-KR" sz="1100" dirty="0">
+                <a:solidFill>
+                  <a:srgbClr val="0000FF"/>
+                </a:solidFill>
+                <a:latin typeface="리디바탕" panose="020B0600000101010101" pitchFamily="34" charset="-127"/>
+                <a:ea typeface="리디바탕" panose="020B0600000101010101" pitchFamily="34" charset="-127"/>
+              </a:rPr>
+              <a:t>value</a:t>
+            </a:r>
+            <a:endParaRPr lang="ko-KR" altLang="en-US" sz="1100" dirty="0">
+              <a:solidFill>
+                <a:srgbClr val="0000FF"/>
+              </a:solidFill>
+              <a:latin typeface="리디바탕" panose="020B0600000101010101" pitchFamily="34" charset="-127"/>
+              <a:ea typeface="리디바탕" panose="020B0600000101010101" pitchFamily="34" charset="-127"/>
+            </a:endParaRPr>
+          </a:p>
+        </p:txBody>
+      </p:sp>
+    </p:spTree>
+    <p:extLst>
+      <p:ext uri="{BB962C8B-B14F-4D97-AF65-F5344CB8AC3E}">
+        <p14:creationId xmlns:p14="http://schemas.microsoft.com/office/powerpoint/2010/main" val="2181844676"/>
+      </p:ext>
+    </p:extLst>
+  </p:cSld>
+  <p:clrMapOvr>
+    <a:masterClrMapping/>
+  </p:clrMapOvr>
+</p:sld>
+</file>
+
+<file path=ppt/slides/slide31.xml><?xml version="1.0" encoding="utf-8"?>
+<p:sld xmlns:a="http://schemas.openxmlformats.org/drawingml/2006/main" xmlns:r="http://schemas.openxmlformats.org/officeDocument/2006/relationships" xmlns:p="http://schemas.openxmlformats.org/presentationml/2006/main">
+  <p:cSld>
+    <p:spTree>
+      <p:nvGrpSpPr>
+        <p:cNvPr id="1" name=""/>
+        <p:cNvGrpSpPr/>
+        <p:nvPr/>
+      </p:nvGrpSpPr>
+      <p:grpSpPr>
+        <a:xfrm>
+          <a:off x="0" y="0"/>
+          <a:ext cx="0" cy="0"/>
+          <a:chOff x="0" y="0"/>
+          <a:chExt cx="0" cy="0"/>
+        </a:xfrm>
+      </p:grpSpPr>
       <p:sp>
         <p:nvSpPr>
           <p:cNvPr id="5" name="TextBox 4">
@@ -13977,6 +14038,53 @@
               <a:latin typeface="리디바탕" panose="020B0600000101010101" pitchFamily="34" charset="-127"/>
               <a:ea typeface="리디바탕" panose="020B0600000101010101" pitchFamily="34" charset="-127"/>
             </a:endParaRPr>
+          </a:p>
+        </p:txBody>
+      </p:sp>
+      <p:sp>
+        <p:nvSpPr>
+          <p:cNvPr id="2" name="직사각형 1"/>
+          <p:cNvSpPr/>
+          <p:nvPr/>
+        </p:nvSpPr>
+        <p:spPr>
+          <a:xfrm>
+            <a:off x="3048886" y="2767914"/>
+            <a:ext cx="5617132" cy="383059"/>
+          </a:xfrm>
+          <a:prstGeom prst="rect">
+            <a:avLst/>
+          </a:prstGeom>
+          <a:noFill/>
+          <a:ln w="19050">
+            <a:solidFill>
+              <a:srgbClr val="FF00FF"/>
+            </a:solidFill>
+            <a:prstDash val="dash"/>
+          </a:ln>
+        </p:spPr>
+        <p:style>
+          <a:lnRef idx="2">
+            <a:schemeClr val="accent1">
+              <a:shade val="50000"/>
+            </a:schemeClr>
+          </a:lnRef>
+          <a:fillRef idx="1">
+            <a:schemeClr val="accent1"/>
+          </a:fillRef>
+          <a:effectRef idx="0">
+            <a:schemeClr val="accent1"/>
+          </a:effectRef>
+          <a:fontRef idx="minor">
+            <a:schemeClr val="lt1"/>
+          </a:fontRef>
+        </p:style>
+        <p:txBody>
+          <a:bodyPr rtlCol="0" anchor="ctr"/>
+          <a:lstStyle/>
+          <a:p>
+            <a:pPr algn="ctr"/>
+            <a:endParaRPr lang="ko-KR" altLang="en-US"/>
           </a:p>
         </p:txBody>
       </p:sp>
@@ -13993,7 +14101,7 @@
 </p:sld>
 </file>
 
-<file path=ppt/slides/slide31.xml><?xml version="1.0" encoding="utf-8"?>
+<file path=ppt/slides/slide32.xml><?xml version="1.0" encoding="utf-8"?>
 <p:sld xmlns:a="http://schemas.openxmlformats.org/drawingml/2006/main" xmlns:r="http://schemas.openxmlformats.org/officeDocument/2006/relationships" xmlns:p="http://schemas.openxmlformats.org/presentationml/2006/main">
   <p:cSld>
     <p:spTree>

--- a/DynamoUserGroup/20221118_부산 세미나 준비/documentum/DynDict활용_발표자료.pptx
+++ b/DynamoUserGroup/20221118_부산 세미나 준비/documentum/DynDict활용_발표자료.pptx
@@ -272,7 +272,7 @@
           <a:p>
             <a:fld id="{C69C5E94-CBD9-42C9-8C4A-9201E9861AAC}" type="datetimeFigureOut">
               <a:rPr lang="ko-KR" altLang="en-US" smtClean="0"/>
-              <a:t>2022-11-14</a:t>
+              <a:t>2022-11-18</a:t>
             </a:fld>
             <a:endParaRPr lang="ko-KR" altLang="en-US"/>
           </a:p>
@@ -440,7 +440,7 @@
           <a:p>
             <a:fld id="{C69C5E94-CBD9-42C9-8C4A-9201E9861AAC}" type="datetimeFigureOut">
               <a:rPr lang="ko-KR" altLang="en-US" smtClean="0"/>
-              <a:t>2022-11-14</a:t>
+              <a:t>2022-11-18</a:t>
             </a:fld>
             <a:endParaRPr lang="ko-KR" altLang="en-US"/>
           </a:p>
@@ -618,7 +618,7 @@
           <a:p>
             <a:fld id="{C69C5E94-CBD9-42C9-8C4A-9201E9861AAC}" type="datetimeFigureOut">
               <a:rPr lang="ko-KR" altLang="en-US" smtClean="0"/>
-              <a:t>2022-11-14</a:t>
+              <a:t>2022-11-18</a:t>
             </a:fld>
             <a:endParaRPr lang="ko-KR" altLang="en-US"/>
           </a:p>
@@ -786,7 +786,7 @@
           <a:p>
             <a:fld id="{C69C5E94-CBD9-42C9-8C4A-9201E9861AAC}" type="datetimeFigureOut">
               <a:rPr lang="ko-KR" altLang="en-US" smtClean="0"/>
-              <a:t>2022-11-14</a:t>
+              <a:t>2022-11-18</a:t>
             </a:fld>
             <a:endParaRPr lang="ko-KR" altLang="en-US"/>
           </a:p>
@@ -1031,7 +1031,7 @@
           <a:p>
             <a:fld id="{C69C5E94-CBD9-42C9-8C4A-9201E9861AAC}" type="datetimeFigureOut">
               <a:rPr lang="ko-KR" altLang="en-US" smtClean="0"/>
-              <a:t>2022-11-14</a:t>
+              <a:t>2022-11-18</a:t>
             </a:fld>
             <a:endParaRPr lang="ko-KR" altLang="en-US"/>
           </a:p>
@@ -1260,7 +1260,7 @@
           <a:p>
             <a:fld id="{C69C5E94-CBD9-42C9-8C4A-9201E9861AAC}" type="datetimeFigureOut">
               <a:rPr lang="ko-KR" altLang="en-US" smtClean="0"/>
-              <a:t>2022-11-14</a:t>
+              <a:t>2022-11-18</a:t>
             </a:fld>
             <a:endParaRPr lang="ko-KR" altLang="en-US"/>
           </a:p>
@@ -1624,7 +1624,7 @@
           <a:p>
             <a:fld id="{C69C5E94-CBD9-42C9-8C4A-9201E9861AAC}" type="datetimeFigureOut">
               <a:rPr lang="ko-KR" altLang="en-US" smtClean="0"/>
-              <a:t>2022-11-14</a:t>
+              <a:t>2022-11-18</a:t>
             </a:fld>
             <a:endParaRPr lang="ko-KR" altLang="en-US"/>
           </a:p>
@@ -1741,7 +1741,7 @@
           <a:p>
             <a:fld id="{C69C5E94-CBD9-42C9-8C4A-9201E9861AAC}" type="datetimeFigureOut">
               <a:rPr lang="ko-KR" altLang="en-US" smtClean="0"/>
-              <a:t>2022-11-14</a:t>
+              <a:t>2022-11-18</a:t>
             </a:fld>
             <a:endParaRPr lang="ko-KR" altLang="en-US"/>
           </a:p>
@@ -1836,7 +1836,7 @@
           <a:p>
             <a:fld id="{C69C5E94-CBD9-42C9-8C4A-9201E9861AAC}" type="datetimeFigureOut">
               <a:rPr lang="ko-KR" altLang="en-US" smtClean="0"/>
-              <a:t>2022-11-14</a:t>
+              <a:t>2022-11-18</a:t>
             </a:fld>
             <a:endParaRPr lang="ko-KR" altLang="en-US"/>
           </a:p>
@@ -2111,7 +2111,7 @@
           <a:p>
             <a:fld id="{C69C5E94-CBD9-42C9-8C4A-9201E9861AAC}" type="datetimeFigureOut">
               <a:rPr lang="ko-KR" altLang="en-US" smtClean="0"/>
-              <a:t>2022-11-14</a:t>
+              <a:t>2022-11-18</a:t>
             </a:fld>
             <a:endParaRPr lang="ko-KR" altLang="en-US"/>
           </a:p>
@@ -2363,7 +2363,7 @@
           <a:p>
             <a:fld id="{C69C5E94-CBD9-42C9-8C4A-9201E9861AAC}" type="datetimeFigureOut">
               <a:rPr lang="ko-KR" altLang="en-US" smtClean="0"/>
-              <a:t>2022-11-14</a:t>
+              <a:t>2022-11-18</a:t>
             </a:fld>
             <a:endParaRPr lang="ko-KR" altLang="en-US"/>
           </a:p>
@@ -2574,7 +2574,7 @@
           <a:p>
             <a:fld id="{C69C5E94-CBD9-42C9-8C4A-9201E9861AAC}" type="datetimeFigureOut">
               <a:rPr lang="ko-KR" altLang="en-US" smtClean="0"/>
-              <a:t>2022-11-14</a:t>
+              <a:t>2022-11-18</a:t>
             </a:fld>
             <a:endParaRPr lang="ko-KR" altLang="en-US"/>
           </a:p>
@@ -6927,6 +6927,93 @@
           </a:p>
         </p:txBody>
       </p:sp>
+      <p:sp>
+        <p:nvSpPr>
+          <p:cNvPr id="2" name="말풍선: 모서리가 둥근 사각형 1">
+            <a:extLst>
+              <a:ext uri="{FF2B5EF4-FFF2-40B4-BE49-F238E27FC236}">
+                <a16:creationId xmlns:a16="http://schemas.microsoft.com/office/drawing/2014/main" id="{44E7AB08-9010-5BBD-615C-98209B1E46AA}"/>
+              </a:ext>
+            </a:extLst>
+          </p:cNvPr>
+          <p:cNvSpPr/>
+          <p:nvPr/>
+        </p:nvSpPr>
+        <p:spPr>
+          <a:xfrm>
+            <a:off x="5911702" y="1127051"/>
+            <a:ext cx="2509284" cy="1233377"/>
+          </a:xfrm>
+          <a:prstGeom prst="wedgeRoundRectCallout">
+            <a:avLst>
+              <a:gd name="adj1" fmla="val -61935"/>
+              <a:gd name="adj2" fmla="val 72845"/>
+              <a:gd name="adj3" fmla="val 16667"/>
+            </a:avLst>
+          </a:prstGeom>
+          <a:noFill/>
+        </p:spPr>
+        <p:style>
+          <a:lnRef idx="2">
+            <a:schemeClr val="accent1">
+              <a:shade val="50000"/>
+            </a:schemeClr>
+          </a:lnRef>
+          <a:fillRef idx="1">
+            <a:schemeClr val="accent1"/>
+          </a:fillRef>
+          <a:effectRef idx="0">
+            <a:schemeClr val="accent1"/>
+          </a:effectRef>
+          <a:fontRef idx="minor">
+            <a:schemeClr val="lt1"/>
+          </a:fontRef>
+        </p:style>
+        <p:txBody>
+          <a:bodyPr rtlCol="0" anchor="ctr"/>
+          <a:lstStyle/>
+          <a:p>
+            <a:pPr algn="ctr"/>
+            <a:r>
+              <a:rPr lang="ko-KR" altLang="en-US" dirty="0" err="1">
+                <a:solidFill>
+                  <a:schemeClr val="tx1"/>
+                </a:solidFill>
+              </a:rPr>
+              <a:t>으이그</a:t>
+            </a:r>
+            <a:r>
+              <a:rPr lang="ko-KR" altLang="en-US" dirty="0">
+                <a:solidFill>
+                  <a:schemeClr val="tx1"/>
+                </a:solidFill>
+              </a:rPr>
+              <a:t> </a:t>
+            </a:r>
+            <a:r>
+              <a:rPr lang="ko-KR" altLang="en-US" dirty="0" err="1">
+                <a:solidFill>
+                  <a:schemeClr val="tx1"/>
+                </a:solidFill>
+              </a:rPr>
+              <a:t>이눔아</a:t>
+            </a:r>
+            <a:r>
+              <a:rPr lang="en-US" altLang="ko-KR" dirty="0">
+                <a:solidFill>
+                  <a:schemeClr val="tx1"/>
+                </a:solidFill>
+              </a:rPr>
+              <a:t>!</a:t>
+            </a:r>
+            <a:endParaRPr lang="ko-KR" altLang="en-US" dirty="0">
+              <a:solidFill>
+                <a:schemeClr val="tx1"/>
+              </a:solidFill>
+            </a:endParaRPr>
+          </a:p>
+        </p:txBody>
+      </p:sp>
     </p:spTree>
     <p:extLst>
       <p:ext uri="{BB962C8B-B14F-4D97-AF65-F5344CB8AC3E}">
